--- a/01_dados/Programa Mais Médicos.pptx
+++ b/01_dados/Programa Mais Médicos.pptx
@@ -5,30 +5,31 @@
     <p:sldMasterId id="2147483648" r:id="rId1"/>
   </p:sldMasterIdLst>
   <p:notesMasterIdLst>
-    <p:notesMasterId r:id="rId20"/>
+    <p:notesMasterId r:id="rId21"/>
   </p:notesMasterIdLst>
   <p:handoutMasterIdLst>
-    <p:handoutMasterId r:id="rId21"/>
+    <p:handoutMasterId r:id="rId22"/>
   </p:handoutMasterIdLst>
   <p:sldIdLst>
     <p:sldId id="256" r:id="rId2"/>
     <p:sldId id="258" r:id="rId3"/>
     <p:sldId id="259" r:id="rId4"/>
-    <p:sldId id="260" r:id="rId5"/>
-    <p:sldId id="261" r:id="rId6"/>
-    <p:sldId id="264" r:id="rId7"/>
-    <p:sldId id="263" r:id="rId8"/>
-    <p:sldId id="262" r:id="rId9"/>
-    <p:sldId id="265" r:id="rId10"/>
-    <p:sldId id="266" r:id="rId11"/>
-    <p:sldId id="267" r:id="rId12"/>
-    <p:sldId id="268" r:id="rId13"/>
-    <p:sldId id="269" r:id="rId14"/>
-    <p:sldId id="270" r:id="rId15"/>
-    <p:sldId id="271" r:id="rId16"/>
-    <p:sldId id="272" r:id="rId17"/>
-    <p:sldId id="273" r:id="rId18"/>
-    <p:sldId id="257" r:id="rId19"/>
+    <p:sldId id="274" r:id="rId5"/>
+    <p:sldId id="260" r:id="rId6"/>
+    <p:sldId id="261" r:id="rId7"/>
+    <p:sldId id="264" r:id="rId8"/>
+    <p:sldId id="263" r:id="rId9"/>
+    <p:sldId id="262" r:id="rId10"/>
+    <p:sldId id="265" r:id="rId11"/>
+    <p:sldId id="266" r:id="rId12"/>
+    <p:sldId id="267" r:id="rId13"/>
+    <p:sldId id="268" r:id="rId14"/>
+    <p:sldId id="269" r:id="rId15"/>
+    <p:sldId id="270" r:id="rId16"/>
+    <p:sldId id="271" r:id="rId17"/>
+    <p:sldId id="272" r:id="rId18"/>
+    <p:sldId id="273" r:id="rId19"/>
+    <p:sldId id="257" r:id="rId20"/>
   </p:sldIdLst>
   <p:sldSz cx="12192000" cy="6858000"/>
   <p:notesSz cx="6858000" cy="9144000"/>
@@ -876,7 +877,7 @@
           <p:cNvPr id="2" name="Espaço Reservado para Cabeçalho 1">
             <a:extLst>
               <a:ext uri="{FF2B5EF4-FFF2-40B4-BE49-F238E27FC236}">
-                <a16:creationId xmlns:a16="http://schemas.microsoft.com/office/drawing/2014/main" id="{16A2C953-4C52-4A2A-93A5-EDE3581CFF01}"/>
+                <a16:creationId xmlns:a16="http://schemas.microsoft.com/office/drawing/2014/main" xmlns="" id="{16A2C953-4C52-4A2A-93A5-EDE3581CFF01}"/>
               </a:ext>
             </a:extLst>
           </p:cNvPr>
@@ -913,7 +914,7 @@
           <p:cNvPr id="3" name="Espaço Reservado para Data 2">
             <a:extLst>
               <a:ext uri="{FF2B5EF4-FFF2-40B4-BE49-F238E27FC236}">
-                <a16:creationId xmlns:a16="http://schemas.microsoft.com/office/drawing/2014/main" id="{21BB0678-AA43-4D98-B879-71FF14972DDB}"/>
+                <a16:creationId xmlns:a16="http://schemas.microsoft.com/office/drawing/2014/main" xmlns="" id="{21BB0678-AA43-4D98-B879-71FF14972DDB}"/>
               </a:ext>
             </a:extLst>
           </p:cNvPr>
@@ -943,7 +944,7 @@
           <a:p>
             <a:fld id="{A475A829-2C09-4158-9A6C-8C2E8AC2F6C5}" type="datetime1">
               <a:rPr lang="pt-BR" smtClean="0"/>
-              <a:t>17/10/2024</a:t>
+              <a:t>19/10/2024</a:t>
             </a:fld>
             <a:endParaRPr lang="pt-BR"/>
           </a:p>
@@ -954,7 +955,7 @@
           <p:cNvPr id="4" name="Espaço Reservado para Rodapé 3">
             <a:extLst>
               <a:ext uri="{FF2B5EF4-FFF2-40B4-BE49-F238E27FC236}">
-                <a16:creationId xmlns:a16="http://schemas.microsoft.com/office/drawing/2014/main" id="{FDA99150-AB63-424D-8EA7-F8948FD87CB2}"/>
+                <a16:creationId xmlns:a16="http://schemas.microsoft.com/office/drawing/2014/main" xmlns="" id="{FDA99150-AB63-424D-8EA7-F8948FD87CB2}"/>
               </a:ext>
             </a:extLst>
           </p:cNvPr>
@@ -991,7 +992,7 @@
           <p:cNvPr id="5" name="Espaço Reservado para Número de Slide 4">
             <a:extLst>
               <a:ext uri="{FF2B5EF4-FFF2-40B4-BE49-F238E27FC236}">
-                <a16:creationId xmlns:a16="http://schemas.microsoft.com/office/drawing/2014/main" id="{46238A6C-37AF-4C48-BD61-F2F0E74A4C6E}"/>
+                <a16:creationId xmlns:a16="http://schemas.microsoft.com/office/drawing/2014/main" xmlns="" id="{46238A6C-37AF-4C48-BD61-F2F0E74A4C6E}"/>
               </a:ext>
             </a:extLst>
           </p:cNvPr>
@@ -1121,7 +1122,7 @@
           <a:p>
             <a:fld id="{058C80BB-B020-4C47-9BB6-7B39E15BB53E}" type="datetime1">
               <a:rPr lang="pt-BR" smtClean="0"/>
-              <a:t>17/10/2024</a:t>
+              <a:t>19/10/2024</a:t>
             </a:fld>
             <a:endParaRPr lang="pt-BR"/>
           </a:p>
@@ -1411,7 +1412,7 @@
           <p:cNvPr id="6" name="Imagem 5">
             <a:extLst>
               <a:ext uri="{FF2B5EF4-FFF2-40B4-BE49-F238E27FC236}">
-                <a16:creationId xmlns:a16="http://schemas.microsoft.com/office/drawing/2014/main" id="{BEEB613F-61F4-4948-A293-0CB7386397FE}"/>
+                <a16:creationId xmlns:a16="http://schemas.microsoft.com/office/drawing/2014/main" xmlns="" id="{BEEB613F-61F4-4948-A293-0CB7386397FE}"/>
               </a:ext>
             </a:extLst>
           </p:cNvPr>
@@ -1447,7 +1448,7 @@
           <p:cNvPr id="8" name="Espaço Reservado para Texto 11">
             <a:extLst>
               <a:ext uri="{FF2B5EF4-FFF2-40B4-BE49-F238E27FC236}">
-                <a16:creationId xmlns:a16="http://schemas.microsoft.com/office/drawing/2014/main" id="{D1772355-F550-4856-8B50-23C766B879F4}"/>
+                <a16:creationId xmlns:a16="http://schemas.microsoft.com/office/drawing/2014/main" xmlns="" id="{D1772355-F550-4856-8B50-23C766B879F4}"/>
               </a:ext>
             </a:extLst>
           </p:cNvPr>
@@ -1524,7 +1525,7 @@
           <p:cNvPr id="10" name="Imagem 9">
             <a:extLst>
               <a:ext uri="{FF2B5EF4-FFF2-40B4-BE49-F238E27FC236}">
-                <a16:creationId xmlns:a16="http://schemas.microsoft.com/office/drawing/2014/main" id="{78D6BBD8-B690-4072-A523-35F24C61DD2D}"/>
+                <a16:creationId xmlns:a16="http://schemas.microsoft.com/office/drawing/2014/main" xmlns="" id="{78D6BBD8-B690-4072-A523-35F24C61DD2D}"/>
               </a:ext>
             </a:extLst>
           </p:cNvPr>
@@ -1560,7 +1561,7 @@
           <p:cNvPr id="11" name="Imagem 10">
             <a:extLst>
               <a:ext uri="{FF2B5EF4-FFF2-40B4-BE49-F238E27FC236}">
-                <a16:creationId xmlns:a16="http://schemas.microsoft.com/office/drawing/2014/main" id="{B169AAD6-233A-49A6-86A4-B01B3A16B727}"/>
+                <a16:creationId xmlns:a16="http://schemas.microsoft.com/office/drawing/2014/main" xmlns="" id="{B169AAD6-233A-49A6-86A4-B01B3A16B727}"/>
               </a:ext>
             </a:extLst>
           </p:cNvPr>
@@ -1570,7 +1571,7 @@
           <p:nvPr userDrawn="1"/>
         </p:nvPicPr>
         <p:blipFill>
-          <a:blip r:embed="rId3">
+          <a:blip r:embed="rId3" cstate="print">
             <a:extLst>
               <a:ext uri="{28A0092B-C50C-407E-A947-70E740481C1C}">
                 <a14:useLocalDpi xmlns:a14="http://schemas.microsoft.com/office/drawing/2010/main" val="0"/>
@@ -1596,7 +1597,7 @@
           <p:cNvPr id="7" name="Título 1">
             <a:extLst>
               <a:ext uri="{FF2B5EF4-FFF2-40B4-BE49-F238E27FC236}">
-                <a16:creationId xmlns:a16="http://schemas.microsoft.com/office/drawing/2014/main" id="{BF215598-9F8B-4458-A0C8-C1F8FCB46B97}"/>
+                <a16:creationId xmlns:a16="http://schemas.microsoft.com/office/drawing/2014/main" xmlns="" id="{BF215598-9F8B-4458-A0C8-C1F8FCB46B97}"/>
               </a:ext>
             </a:extLst>
           </p:cNvPr>
@@ -1642,7 +1643,7 @@
           <p:cNvPr id="8" name="Espaço Reservado para Imagem 2">
             <a:extLst>
               <a:ext uri="{FF2B5EF4-FFF2-40B4-BE49-F238E27FC236}">
-                <a16:creationId xmlns:a16="http://schemas.microsoft.com/office/drawing/2014/main" id="{2C86163D-14E9-44D9-B28E-5E1E4D083C70}"/>
+                <a16:creationId xmlns:a16="http://schemas.microsoft.com/office/drawing/2014/main" xmlns="" id="{2C86163D-14E9-44D9-B28E-5E1E4D083C70}"/>
               </a:ext>
             </a:extLst>
           </p:cNvPr>
@@ -1721,7 +1722,7 @@
           <p:cNvPr id="9" name="Espaço Reservado para Texto 3">
             <a:extLst>
               <a:ext uri="{FF2B5EF4-FFF2-40B4-BE49-F238E27FC236}">
-                <a16:creationId xmlns:a16="http://schemas.microsoft.com/office/drawing/2014/main" id="{58CD2BC1-5F52-4779-B9CE-95B69D211DCE}"/>
+                <a16:creationId xmlns:a16="http://schemas.microsoft.com/office/drawing/2014/main" xmlns="" id="{58CD2BC1-5F52-4779-B9CE-95B69D211DCE}"/>
               </a:ext>
             </a:extLst>
           </p:cNvPr>
@@ -1800,7 +1801,7 @@
           <p:cNvPr id="2" name="Espaço Reservado para Número de Slide 1">
             <a:extLst>
               <a:ext uri="{FF2B5EF4-FFF2-40B4-BE49-F238E27FC236}">
-                <a16:creationId xmlns:a16="http://schemas.microsoft.com/office/drawing/2014/main" id="{E026C2AA-2C9A-486D-8F08-26EBCC42C592}"/>
+                <a16:creationId xmlns:a16="http://schemas.microsoft.com/office/drawing/2014/main" xmlns="" id="{E026C2AA-2C9A-486D-8F08-26EBCC42C592}"/>
               </a:ext>
             </a:extLst>
           </p:cNvPr>
@@ -1860,7 +1861,7 @@
           <p:cNvPr id="3" name="Imagem 2">
             <a:extLst>
               <a:ext uri="{FF2B5EF4-FFF2-40B4-BE49-F238E27FC236}">
-                <a16:creationId xmlns:a16="http://schemas.microsoft.com/office/drawing/2014/main" id="{E9185539-108D-4603-8378-6FAC4FD09EB7}"/>
+                <a16:creationId xmlns:a16="http://schemas.microsoft.com/office/drawing/2014/main" xmlns="" id="{E9185539-108D-4603-8378-6FAC4FD09EB7}"/>
               </a:ext>
             </a:extLst>
           </p:cNvPr>
@@ -1870,7 +1871,7 @@
           <p:nvPr userDrawn="1"/>
         </p:nvPicPr>
         <p:blipFill>
-          <a:blip r:embed="rId2">
+          <a:blip r:embed="rId2" cstate="print">
             <a:extLst>
               <a:ext uri="{28A0092B-C50C-407E-A947-70E740481C1C}">
                 <a14:useLocalDpi xmlns:a14="http://schemas.microsoft.com/office/drawing/2010/main" val="0"/>
@@ -1896,7 +1897,7 @@
           <p:cNvPr id="2" name="Espaço Reservado para Número de Slide 1">
             <a:extLst>
               <a:ext uri="{FF2B5EF4-FFF2-40B4-BE49-F238E27FC236}">
-                <a16:creationId xmlns:a16="http://schemas.microsoft.com/office/drawing/2014/main" id="{592EE18B-7CDD-4761-8816-0824F78FF547}"/>
+                <a16:creationId xmlns:a16="http://schemas.microsoft.com/office/drawing/2014/main" xmlns="" id="{592EE18B-7CDD-4761-8816-0824F78FF547}"/>
               </a:ext>
             </a:extLst>
           </p:cNvPr>
@@ -1986,7 +1987,7 @@
           <p:cNvPr id="6" name="Imagem 5">
             <a:extLst>
               <a:ext uri="{FF2B5EF4-FFF2-40B4-BE49-F238E27FC236}">
-                <a16:creationId xmlns:a16="http://schemas.microsoft.com/office/drawing/2014/main" id="{E88D3656-7F74-49D9-9852-8B124A49A82B}"/>
+                <a16:creationId xmlns:a16="http://schemas.microsoft.com/office/drawing/2014/main" xmlns="" id="{E88D3656-7F74-49D9-9852-8B124A49A82B}"/>
               </a:ext>
             </a:extLst>
           </p:cNvPr>
@@ -2022,7 +2023,7 @@
           <p:cNvPr id="8" name="Espaço Reservado para Texto 6">
             <a:extLst>
               <a:ext uri="{FF2B5EF4-FFF2-40B4-BE49-F238E27FC236}">
-                <a16:creationId xmlns:a16="http://schemas.microsoft.com/office/drawing/2014/main" id="{AAF52C71-8317-4579-B2F0-07D70E17CF11}"/>
+                <a16:creationId xmlns:a16="http://schemas.microsoft.com/office/drawing/2014/main" xmlns="" id="{AAF52C71-8317-4579-B2F0-07D70E17CF11}"/>
               </a:ext>
             </a:extLst>
           </p:cNvPr>
@@ -2069,7 +2070,7 @@
           <p:cNvPr id="2" name="CaixaDeTexto 1">
             <a:extLst>
               <a:ext uri="{FF2B5EF4-FFF2-40B4-BE49-F238E27FC236}">
-                <a16:creationId xmlns:a16="http://schemas.microsoft.com/office/drawing/2014/main" id="{B4614A98-3FE2-47A2-AFEF-A8C48CAAB79F}"/>
+                <a16:creationId xmlns:a16="http://schemas.microsoft.com/office/drawing/2014/main" xmlns="" id="{B4614A98-3FE2-47A2-AFEF-A8C48CAAB79F}"/>
               </a:ext>
             </a:extLst>
           </p:cNvPr>
@@ -2111,7 +2112,7 @@
             <a:hlinkClick r:id="rId3"/>
             <a:extLst>
               <a:ext uri="{FF2B5EF4-FFF2-40B4-BE49-F238E27FC236}">
-                <a16:creationId xmlns:a16="http://schemas.microsoft.com/office/drawing/2014/main" id="{0A978260-68B5-46C7-AD02-C086A19ED979}"/>
+                <a16:creationId xmlns:a16="http://schemas.microsoft.com/office/drawing/2014/main" xmlns="" id="{0A978260-68B5-46C7-AD02-C086A19ED979}"/>
               </a:ext>
             </a:extLst>
           </p:cNvPr>
@@ -2121,7 +2122,7 @@
           <p:nvPr userDrawn="1"/>
         </p:nvPicPr>
         <p:blipFill>
-          <a:blip r:embed="rId4">
+          <a:blip r:embed="rId4" cstate="print">
             <a:extLst>
               <a:ext uri="{28A0092B-C50C-407E-A947-70E740481C1C}">
                 <a14:useLocalDpi xmlns:a14="http://schemas.microsoft.com/office/drawing/2010/main" val="0"/>
@@ -2148,7 +2149,7 @@
             <a:hlinkClick r:id="rId5"/>
             <a:extLst>
               <a:ext uri="{FF2B5EF4-FFF2-40B4-BE49-F238E27FC236}">
-                <a16:creationId xmlns:a16="http://schemas.microsoft.com/office/drawing/2014/main" id="{A2EBC6DA-DCE8-4858-A946-014B0A9319FD}"/>
+                <a16:creationId xmlns:a16="http://schemas.microsoft.com/office/drawing/2014/main" xmlns="" id="{A2EBC6DA-DCE8-4858-A946-014B0A9319FD}"/>
               </a:ext>
             </a:extLst>
           </p:cNvPr>
@@ -2158,7 +2159,7 @@
           <p:nvPr userDrawn="1"/>
         </p:nvPicPr>
         <p:blipFill>
-          <a:blip r:embed="rId6">
+          <a:blip r:embed="rId6" cstate="print">
             <a:extLst>
               <a:ext uri="{28A0092B-C50C-407E-A947-70E740481C1C}">
                 <a14:useLocalDpi xmlns:a14="http://schemas.microsoft.com/office/drawing/2010/main" val="0"/>
@@ -2185,7 +2186,7 @@
             <a:hlinkClick r:id="rId7"/>
             <a:extLst>
               <a:ext uri="{FF2B5EF4-FFF2-40B4-BE49-F238E27FC236}">
-                <a16:creationId xmlns:a16="http://schemas.microsoft.com/office/drawing/2014/main" id="{9867A168-59CC-43EC-97BA-39A5F9497F69}"/>
+                <a16:creationId xmlns:a16="http://schemas.microsoft.com/office/drawing/2014/main" xmlns="" id="{9867A168-59CC-43EC-97BA-39A5F9497F69}"/>
               </a:ext>
             </a:extLst>
           </p:cNvPr>
@@ -2195,7 +2196,7 @@
           <p:nvPr userDrawn="1"/>
         </p:nvPicPr>
         <p:blipFill>
-          <a:blip r:embed="rId8">
+          <a:blip r:embed="rId8" cstate="print">
             <a:extLst>
               <a:ext uri="{28A0092B-C50C-407E-A947-70E740481C1C}">
                 <a14:useLocalDpi xmlns:a14="http://schemas.microsoft.com/office/drawing/2010/main" val="0"/>
@@ -2221,7 +2222,7 @@
           <p:cNvPr id="3" name="CaixaDeTexto 2">
             <a:extLst>
               <a:ext uri="{FF2B5EF4-FFF2-40B4-BE49-F238E27FC236}">
-                <a16:creationId xmlns:a16="http://schemas.microsoft.com/office/drawing/2014/main" id="{B9711B3E-E156-4876-B3B3-500348A8E4BB}"/>
+                <a16:creationId xmlns:a16="http://schemas.microsoft.com/office/drawing/2014/main" xmlns="" id="{B9711B3E-E156-4876-B3B3-500348A8E4BB}"/>
               </a:ext>
             </a:extLst>
           </p:cNvPr>
@@ -2366,6 +2367,15 @@
                 <a:latin typeface="Montserrat" panose="00000500000000000000" pitchFamily="50" charset="0"/>
               </a:rPr>
               <a:t>em Governo - UnB</a:t>
+            </a:r>
+            <a:r>
+              <a:rPr lang="pt-BR" sz="1400" b="1" dirty="0">
+                <a:solidFill>
+                  <a:schemeClr val="bg1"/>
+                </a:solidFill>
+                <a:latin typeface="Montserrat" panose="00000500000000000000" pitchFamily="50" charset="0"/>
+              </a:rPr>
+              <a:t/>
             </a:r>
             <a:br>
               <a:rPr lang="pt-BR" sz="1400" b="1" dirty="0">
@@ -2422,7 +2432,7 @@
           <p:cNvPr id="4" name="Imagem 3">
             <a:extLst>
               <a:ext uri="{FF2B5EF4-FFF2-40B4-BE49-F238E27FC236}">
-                <a16:creationId xmlns:a16="http://schemas.microsoft.com/office/drawing/2014/main" id="{DEDCA6E9-E5AF-4CC6-95E0-47340401B8D2}"/>
+                <a16:creationId xmlns:a16="http://schemas.microsoft.com/office/drawing/2014/main" xmlns="" id="{DEDCA6E9-E5AF-4CC6-95E0-47340401B8D2}"/>
               </a:ext>
             </a:extLst>
           </p:cNvPr>
@@ -2458,7 +2468,7 @@
           <p:cNvPr id="7" name="Título 1">
             <a:extLst>
               <a:ext uri="{FF2B5EF4-FFF2-40B4-BE49-F238E27FC236}">
-                <a16:creationId xmlns:a16="http://schemas.microsoft.com/office/drawing/2014/main" id="{40CFF233-BE83-4D09-BF59-DDD8566EEC04}"/>
+                <a16:creationId xmlns:a16="http://schemas.microsoft.com/office/drawing/2014/main" xmlns="" id="{40CFF233-BE83-4D09-BF59-DDD8566EEC04}"/>
               </a:ext>
             </a:extLst>
           </p:cNvPr>
@@ -2504,7 +2514,7 @@
           <p:cNvPr id="8" name="Espaço Reservado para Conteúdo 2">
             <a:extLst>
               <a:ext uri="{FF2B5EF4-FFF2-40B4-BE49-F238E27FC236}">
-                <a16:creationId xmlns:a16="http://schemas.microsoft.com/office/drawing/2014/main" id="{0782AE72-6294-45AD-9921-E4CD17B156A3}"/>
+                <a16:creationId xmlns:a16="http://schemas.microsoft.com/office/drawing/2014/main" xmlns="" id="{0782AE72-6294-45AD-9921-E4CD17B156A3}"/>
               </a:ext>
             </a:extLst>
           </p:cNvPr>
@@ -2611,7 +2621,7 @@
           <p:cNvPr id="9" name="Imagem 8">
             <a:extLst>
               <a:ext uri="{FF2B5EF4-FFF2-40B4-BE49-F238E27FC236}">
-                <a16:creationId xmlns:a16="http://schemas.microsoft.com/office/drawing/2014/main" id="{BAD092CA-0A9E-4EC3-B2B5-8570FA57A9BD}"/>
+                <a16:creationId xmlns:a16="http://schemas.microsoft.com/office/drawing/2014/main" xmlns="" id="{BAD092CA-0A9E-4EC3-B2B5-8570FA57A9BD}"/>
               </a:ext>
             </a:extLst>
           </p:cNvPr>
@@ -2621,7 +2631,7 @@
           <p:nvPr userDrawn="1"/>
         </p:nvPicPr>
         <p:blipFill>
-          <a:blip r:embed="rId3">
+          <a:blip r:embed="rId3" cstate="print">
             <a:extLst>
               <a:ext uri="{28A0092B-C50C-407E-A947-70E740481C1C}">
                 <a14:useLocalDpi xmlns:a14="http://schemas.microsoft.com/office/drawing/2010/main" val="0"/>
@@ -2647,7 +2657,7 @@
           <p:cNvPr id="2" name="Espaço Reservado para Número de Slide 1">
             <a:extLst>
               <a:ext uri="{FF2B5EF4-FFF2-40B4-BE49-F238E27FC236}">
-                <a16:creationId xmlns:a16="http://schemas.microsoft.com/office/drawing/2014/main" id="{CFEE0B1B-397A-47FF-BF37-EF68C4820C5B}"/>
+                <a16:creationId xmlns:a16="http://schemas.microsoft.com/office/drawing/2014/main" xmlns="" id="{CFEE0B1B-397A-47FF-BF37-EF68C4820C5B}"/>
               </a:ext>
             </a:extLst>
           </p:cNvPr>
@@ -2715,7 +2725,7 @@
           <p:cNvPr id="6" name="Imagem 5">
             <a:extLst>
               <a:ext uri="{FF2B5EF4-FFF2-40B4-BE49-F238E27FC236}">
-                <a16:creationId xmlns:a16="http://schemas.microsoft.com/office/drawing/2014/main" id="{25AB4B6E-DE07-4882-88A0-7576158F80FC}"/>
+                <a16:creationId xmlns:a16="http://schemas.microsoft.com/office/drawing/2014/main" xmlns="" id="{25AB4B6E-DE07-4882-88A0-7576158F80FC}"/>
               </a:ext>
             </a:extLst>
           </p:cNvPr>
@@ -2751,7 +2761,7 @@
           <p:cNvPr id="9" name="Imagem 8">
             <a:extLst>
               <a:ext uri="{FF2B5EF4-FFF2-40B4-BE49-F238E27FC236}">
-                <a16:creationId xmlns:a16="http://schemas.microsoft.com/office/drawing/2014/main" id="{D9322655-91D1-412A-8781-DE1FAB014F39}"/>
+                <a16:creationId xmlns:a16="http://schemas.microsoft.com/office/drawing/2014/main" xmlns="" id="{D9322655-91D1-412A-8781-DE1FAB014F39}"/>
               </a:ext>
             </a:extLst>
           </p:cNvPr>
@@ -2761,7 +2771,7 @@
           <p:nvPr userDrawn="1"/>
         </p:nvPicPr>
         <p:blipFill>
-          <a:blip r:embed="rId3">
+          <a:blip r:embed="rId3" cstate="print">
             <a:extLst>
               <a:ext uri="{28A0092B-C50C-407E-A947-70E740481C1C}">
                 <a14:useLocalDpi xmlns:a14="http://schemas.microsoft.com/office/drawing/2010/main" val="0"/>
@@ -2787,7 +2797,7 @@
           <p:cNvPr id="7" name="Título 1">
             <a:extLst>
               <a:ext uri="{FF2B5EF4-FFF2-40B4-BE49-F238E27FC236}">
-                <a16:creationId xmlns:a16="http://schemas.microsoft.com/office/drawing/2014/main" id="{FAB9913B-5764-44A9-9A81-C9E395207360}"/>
+                <a16:creationId xmlns:a16="http://schemas.microsoft.com/office/drawing/2014/main" xmlns="" id="{FAB9913B-5764-44A9-9A81-C9E395207360}"/>
               </a:ext>
             </a:extLst>
           </p:cNvPr>
@@ -2833,7 +2843,7 @@
           <p:cNvPr id="8" name="Espaço Reservado para Texto 2">
             <a:extLst>
               <a:ext uri="{FF2B5EF4-FFF2-40B4-BE49-F238E27FC236}">
-                <a16:creationId xmlns:a16="http://schemas.microsoft.com/office/drawing/2014/main" id="{624EA57F-879C-427C-BDF6-2E0E26B7D44E}"/>
+                <a16:creationId xmlns:a16="http://schemas.microsoft.com/office/drawing/2014/main" xmlns="" id="{624EA57F-879C-427C-BDF6-2E0E26B7D44E}"/>
               </a:ext>
             </a:extLst>
           </p:cNvPr>
@@ -2960,7 +2970,7 @@
           <p:cNvPr id="2" name="Espaço Reservado para Número de Slide 1">
             <a:extLst>
               <a:ext uri="{FF2B5EF4-FFF2-40B4-BE49-F238E27FC236}">
-                <a16:creationId xmlns:a16="http://schemas.microsoft.com/office/drawing/2014/main" id="{6C5167B2-BF52-4D97-BB3F-C792EFC77CFB}"/>
+                <a16:creationId xmlns:a16="http://schemas.microsoft.com/office/drawing/2014/main" xmlns="" id="{6C5167B2-BF52-4D97-BB3F-C792EFC77CFB}"/>
               </a:ext>
             </a:extLst>
           </p:cNvPr>
@@ -3020,7 +3030,7 @@
           <p:cNvPr id="7" name="Imagem 6">
             <a:extLst>
               <a:ext uri="{FF2B5EF4-FFF2-40B4-BE49-F238E27FC236}">
-                <a16:creationId xmlns:a16="http://schemas.microsoft.com/office/drawing/2014/main" id="{9A793D9F-F1CC-4220-94C6-0F8EFF1C1041}"/>
+                <a16:creationId xmlns:a16="http://schemas.microsoft.com/office/drawing/2014/main" xmlns="" id="{9A793D9F-F1CC-4220-94C6-0F8EFF1C1041}"/>
               </a:ext>
             </a:extLst>
           </p:cNvPr>
@@ -3056,7 +3066,7 @@
           <p:cNvPr id="11" name="Imagem 10">
             <a:extLst>
               <a:ext uri="{FF2B5EF4-FFF2-40B4-BE49-F238E27FC236}">
-                <a16:creationId xmlns:a16="http://schemas.microsoft.com/office/drawing/2014/main" id="{D9913CD7-1242-45E3-B948-A6965B097A03}"/>
+                <a16:creationId xmlns:a16="http://schemas.microsoft.com/office/drawing/2014/main" xmlns="" id="{D9913CD7-1242-45E3-B948-A6965B097A03}"/>
               </a:ext>
             </a:extLst>
           </p:cNvPr>
@@ -3066,7 +3076,7 @@
           <p:nvPr userDrawn="1"/>
         </p:nvPicPr>
         <p:blipFill>
-          <a:blip r:embed="rId3">
+          <a:blip r:embed="rId3" cstate="print">
             <a:extLst>
               <a:ext uri="{28A0092B-C50C-407E-A947-70E740481C1C}">
                 <a14:useLocalDpi xmlns:a14="http://schemas.microsoft.com/office/drawing/2010/main" val="0"/>
@@ -3092,7 +3102,7 @@
           <p:cNvPr id="8" name="Título 1">
             <a:extLst>
               <a:ext uri="{FF2B5EF4-FFF2-40B4-BE49-F238E27FC236}">
-                <a16:creationId xmlns:a16="http://schemas.microsoft.com/office/drawing/2014/main" id="{C8D532FC-F4CB-4C11-8A3D-A82DAB788023}"/>
+                <a16:creationId xmlns:a16="http://schemas.microsoft.com/office/drawing/2014/main" xmlns="" id="{C8D532FC-F4CB-4C11-8A3D-A82DAB788023}"/>
               </a:ext>
             </a:extLst>
           </p:cNvPr>
@@ -3138,7 +3148,7 @@
           <p:cNvPr id="9" name="Espaço Reservado para Conteúdo 2">
             <a:extLst>
               <a:ext uri="{FF2B5EF4-FFF2-40B4-BE49-F238E27FC236}">
-                <a16:creationId xmlns:a16="http://schemas.microsoft.com/office/drawing/2014/main" id="{F2BC6FA8-17C1-4B16-BD71-58D0ACD979A8}"/>
+                <a16:creationId xmlns:a16="http://schemas.microsoft.com/office/drawing/2014/main" xmlns="" id="{F2BC6FA8-17C1-4B16-BD71-58D0ACD979A8}"/>
               </a:ext>
             </a:extLst>
           </p:cNvPr>
@@ -3245,7 +3255,7 @@
           <p:cNvPr id="10" name="Espaço Reservado para Conteúdo 3">
             <a:extLst>
               <a:ext uri="{FF2B5EF4-FFF2-40B4-BE49-F238E27FC236}">
-                <a16:creationId xmlns:a16="http://schemas.microsoft.com/office/drawing/2014/main" id="{BA2090DA-CD76-4997-A9AF-1DD388E9161B}"/>
+                <a16:creationId xmlns:a16="http://schemas.microsoft.com/office/drawing/2014/main" xmlns="" id="{BA2090DA-CD76-4997-A9AF-1DD388E9161B}"/>
               </a:ext>
             </a:extLst>
           </p:cNvPr>
@@ -3352,7 +3362,7 @@
           <p:cNvPr id="2" name="Espaço Reservado para Número de Slide 1">
             <a:extLst>
               <a:ext uri="{FF2B5EF4-FFF2-40B4-BE49-F238E27FC236}">
-                <a16:creationId xmlns:a16="http://schemas.microsoft.com/office/drawing/2014/main" id="{546DF0C4-E378-4758-BCCA-9AFFE06A2BDB}"/>
+                <a16:creationId xmlns:a16="http://schemas.microsoft.com/office/drawing/2014/main" xmlns="" id="{546DF0C4-E378-4758-BCCA-9AFFE06A2BDB}"/>
               </a:ext>
             </a:extLst>
           </p:cNvPr>
@@ -3412,7 +3422,7 @@
           <p:cNvPr id="9" name="Imagem 8">
             <a:extLst>
               <a:ext uri="{FF2B5EF4-FFF2-40B4-BE49-F238E27FC236}">
-                <a16:creationId xmlns:a16="http://schemas.microsoft.com/office/drawing/2014/main" id="{7DF30185-02AD-4755-A417-F681F7603AB9}"/>
+                <a16:creationId xmlns:a16="http://schemas.microsoft.com/office/drawing/2014/main" xmlns="" id="{7DF30185-02AD-4755-A417-F681F7603AB9}"/>
               </a:ext>
             </a:extLst>
           </p:cNvPr>
@@ -3448,7 +3458,7 @@
           <p:cNvPr id="15" name="Imagem 14">
             <a:extLst>
               <a:ext uri="{FF2B5EF4-FFF2-40B4-BE49-F238E27FC236}">
-                <a16:creationId xmlns:a16="http://schemas.microsoft.com/office/drawing/2014/main" id="{50308F8A-7106-4B1E-B886-5DBE71C6A920}"/>
+                <a16:creationId xmlns:a16="http://schemas.microsoft.com/office/drawing/2014/main" xmlns="" id="{50308F8A-7106-4B1E-B886-5DBE71C6A920}"/>
               </a:ext>
             </a:extLst>
           </p:cNvPr>
@@ -3458,7 +3468,7 @@
           <p:nvPr userDrawn="1"/>
         </p:nvPicPr>
         <p:blipFill>
-          <a:blip r:embed="rId3">
+          <a:blip r:embed="rId3" cstate="print">
             <a:extLst>
               <a:ext uri="{28A0092B-C50C-407E-A947-70E740481C1C}">
                 <a14:useLocalDpi xmlns:a14="http://schemas.microsoft.com/office/drawing/2010/main" val="0"/>
@@ -3484,7 +3494,7 @@
           <p:cNvPr id="10" name="Título 1">
             <a:extLst>
               <a:ext uri="{FF2B5EF4-FFF2-40B4-BE49-F238E27FC236}">
-                <a16:creationId xmlns:a16="http://schemas.microsoft.com/office/drawing/2014/main" id="{5094566B-3641-40EE-865C-FFD0E20E55C8}"/>
+                <a16:creationId xmlns:a16="http://schemas.microsoft.com/office/drawing/2014/main" xmlns="" id="{5094566B-3641-40EE-865C-FFD0E20E55C8}"/>
               </a:ext>
             </a:extLst>
           </p:cNvPr>
@@ -3530,7 +3540,7 @@
           <p:cNvPr id="11" name="Espaço Reservado para Texto 2">
             <a:extLst>
               <a:ext uri="{FF2B5EF4-FFF2-40B4-BE49-F238E27FC236}">
-                <a16:creationId xmlns:a16="http://schemas.microsoft.com/office/drawing/2014/main" id="{C06E63DA-E942-47C6-82A9-B79E6989F671}"/>
+                <a16:creationId xmlns:a16="http://schemas.microsoft.com/office/drawing/2014/main" xmlns="" id="{C06E63DA-E942-47C6-82A9-B79E6989F671}"/>
               </a:ext>
             </a:extLst>
           </p:cNvPr>
@@ -3609,7 +3619,7 @@
           <p:cNvPr id="12" name="Espaço Reservado para Conteúdo 3">
             <a:extLst>
               <a:ext uri="{FF2B5EF4-FFF2-40B4-BE49-F238E27FC236}">
-                <a16:creationId xmlns:a16="http://schemas.microsoft.com/office/drawing/2014/main" id="{C399AE6F-7B93-4268-A2D5-A822054739C3}"/>
+                <a16:creationId xmlns:a16="http://schemas.microsoft.com/office/drawing/2014/main" xmlns="" id="{C399AE6F-7B93-4268-A2D5-A822054739C3}"/>
               </a:ext>
             </a:extLst>
           </p:cNvPr>
@@ -3716,7 +3726,7 @@
           <p:cNvPr id="13" name="Espaço Reservado para Texto 4">
             <a:extLst>
               <a:ext uri="{FF2B5EF4-FFF2-40B4-BE49-F238E27FC236}">
-                <a16:creationId xmlns:a16="http://schemas.microsoft.com/office/drawing/2014/main" id="{062851C4-0BEE-49AD-92B8-4578040DB465}"/>
+                <a16:creationId xmlns:a16="http://schemas.microsoft.com/office/drawing/2014/main" xmlns="" id="{062851C4-0BEE-49AD-92B8-4578040DB465}"/>
               </a:ext>
             </a:extLst>
           </p:cNvPr>
@@ -3795,7 +3805,7 @@
           <p:cNvPr id="14" name="Espaço Reservado para Conteúdo 5">
             <a:extLst>
               <a:ext uri="{FF2B5EF4-FFF2-40B4-BE49-F238E27FC236}">
-                <a16:creationId xmlns:a16="http://schemas.microsoft.com/office/drawing/2014/main" id="{76DBCEB5-46D7-4EDA-A87B-89495CD61FC2}"/>
+                <a16:creationId xmlns:a16="http://schemas.microsoft.com/office/drawing/2014/main" xmlns="" id="{76DBCEB5-46D7-4EDA-A87B-89495CD61FC2}"/>
               </a:ext>
             </a:extLst>
           </p:cNvPr>
@@ -3902,7 +3912,7 @@
           <p:cNvPr id="2" name="Espaço Reservado para Número de Slide 1">
             <a:extLst>
               <a:ext uri="{FF2B5EF4-FFF2-40B4-BE49-F238E27FC236}">
-                <a16:creationId xmlns:a16="http://schemas.microsoft.com/office/drawing/2014/main" id="{59545F2B-00B1-4954-8A3A-B1E9257BA460}"/>
+                <a16:creationId xmlns:a16="http://schemas.microsoft.com/office/drawing/2014/main" xmlns="" id="{59545F2B-00B1-4954-8A3A-B1E9257BA460}"/>
               </a:ext>
             </a:extLst>
           </p:cNvPr>
@@ -3962,7 +3972,7 @@
           <p:cNvPr id="3" name="Imagem 2">
             <a:extLst>
               <a:ext uri="{FF2B5EF4-FFF2-40B4-BE49-F238E27FC236}">
-                <a16:creationId xmlns:a16="http://schemas.microsoft.com/office/drawing/2014/main" id="{86C3205B-A23F-4D73-87D4-9782A1555D11}"/>
+                <a16:creationId xmlns:a16="http://schemas.microsoft.com/office/drawing/2014/main" xmlns="" id="{86C3205B-A23F-4D73-87D4-9782A1555D11}"/>
               </a:ext>
             </a:extLst>
           </p:cNvPr>
@@ -3998,7 +4008,7 @@
           <p:cNvPr id="7" name="Título 1">
             <a:extLst>
               <a:ext uri="{FF2B5EF4-FFF2-40B4-BE49-F238E27FC236}">
-                <a16:creationId xmlns:a16="http://schemas.microsoft.com/office/drawing/2014/main" id="{D9397135-E5D1-4C6C-A462-39F211FCFDD6}"/>
+                <a16:creationId xmlns:a16="http://schemas.microsoft.com/office/drawing/2014/main" xmlns="" id="{D9397135-E5D1-4C6C-A462-39F211FCFDD6}"/>
               </a:ext>
             </a:extLst>
           </p:cNvPr>
@@ -4044,7 +4054,7 @@
           <p:cNvPr id="8" name="Imagem 7">
             <a:extLst>
               <a:ext uri="{FF2B5EF4-FFF2-40B4-BE49-F238E27FC236}">
-                <a16:creationId xmlns:a16="http://schemas.microsoft.com/office/drawing/2014/main" id="{0BB658F4-25AE-4E8C-B4EB-F71DB7ADBBC8}"/>
+                <a16:creationId xmlns:a16="http://schemas.microsoft.com/office/drawing/2014/main" xmlns="" id="{0BB658F4-25AE-4E8C-B4EB-F71DB7ADBBC8}"/>
               </a:ext>
             </a:extLst>
           </p:cNvPr>
@@ -4054,7 +4064,7 @@
           <p:nvPr userDrawn="1"/>
         </p:nvPicPr>
         <p:blipFill>
-          <a:blip r:embed="rId3">
+          <a:blip r:embed="rId3" cstate="print">
             <a:extLst>
               <a:ext uri="{28A0092B-C50C-407E-A947-70E740481C1C}">
                 <a14:useLocalDpi xmlns:a14="http://schemas.microsoft.com/office/drawing/2010/main" val="0"/>
@@ -4080,7 +4090,7 @@
           <p:cNvPr id="2" name="Espaço Reservado para Número de Slide 1">
             <a:extLst>
               <a:ext uri="{FF2B5EF4-FFF2-40B4-BE49-F238E27FC236}">
-                <a16:creationId xmlns:a16="http://schemas.microsoft.com/office/drawing/2014/main" id="{57CEB9DE-B557-413D-BEBE-FB285BDE282E}"/>
+                <a16:creationId xmlns:a16="http://schemas.microsoft.com/office/drawing/2014/main" xmlns="" id="{57CEB9DE-B557-413D-BEBE-FB285BDE282E}"/>
               </a:ext>
             </a:extLst>
           </p:cNvPr>
@@ -4152,7 +4162,7 @@
           <p:cNvPr id="4" name="Imagem 3">
             <a:extLst>
               <a:ext uri="{FF2B5EF4-FFF2-40B4-BE49-F238E27FC236}">
-                <a16:creationId xmlns:a16="http://schemas.microsoft.com/office/drawing/2014/main" id="{E8564CF9-F112-4AA6-92FC-DC4F202EA9EF}"/>
+                <a16:creationId xmlns:a16="http://schemas.microsoft.com/office/drawing/2014/main" xmlns="" id="{E8564CF9-F112-4AA6-92FC-DC4F202EA9EF}"/>
               </a:ext>
             </a:extLst>
           </p:cNvPr>
@@ -4188,7 +4198,7 @@
           <p:cNvPr id="6" name="Imagem 5">
             <a:extLst>
               <a:ext uri="{FF2B5EF4-FFF2-40B4-BE49-F238E27FC236}">
-                <a16:creationId xmlns:a16="http://schemas.microsoft.com/office/drawing/2014/main" id="{B7D87F16-9577-4D10-8CE3-380D13F7F94C}"/>
+                <a16:creationId xmlns:a16="http://schemas.microsoft.com/office/drawing/2014/main" xmlns="" id="{B7D87F16-9577-4D10-8CE3-380D13F7F94C}"/>
               </a:ext>
             </a:extLst>
           </p:cNvPr>
@@ -4198,7 +4208,7 @@
           <p:nvPr userDrawn="1"/>
         </p:nvPicPr>
         <p:blipFill>
-          <a:blip r:embed="rId3">
+          <a:blip r:embed="rId3" cstate="print">
             <a:extLst>
               <a:ext uri="{28A0092B-C50C-407E-A947-70E740481C1C}">
                 <a14:useLocalDpi xmlns:a14="http://schemas.microsoft.com/office/drawing/2010/main" val="0"/>
@@ -4224,7 +4234,7 @@
           <p:cNvPr id="2" name="Espaço Reservado para Número de Slide 1">
             <a:extLst>
               <a:ext uri="{FF2B5EF4-FFF2-40B4-BE49-F238E27FC236}">
-                <a16:creationId xmlns:a16="http://schemas.microsoft.com/office/drawing/2014/main" id="{8DDEB24D-5838-4D12-A8B0-8E961C4391DD}"/>
+                <a16:creationId xmlns:a16="http://schemas.microsoft.com/office/drawing/2014/main" xmlns="" id="{8DDEB24D-5838-4D12-A8B0-8E961C4391DD}"/>
               </a:ext>
             </a:extLst>
           </p:cNvPr>
@@ -4296,7 +4306,7 @@
           <p:cNvPr id="4" name="Imagem 3">
             <a:extLst>
               <a:ext uri="{FF2B5EF4-FFF2-40B4-BE49-F238E27FC236}">
-                <a16:creationId xmlns:a16="http://schemas.microsoft.com/office/drawing/2014/main" id="{A854FCF4-49AC-48CD-BC09-07FF867DA7B4}"/>
+                <a16:creationId xmlns:a16="http://schemas.microsoft.com/office/drawing/2014/main" xmlns="" id="{A854FCF4-49AC-48CD-BC09-07FF867DA7B4}"/>
               </a:ext>
             </a:extLst>
           </p:cNvPr>
@@ -4332,7 +4342,7 @@
           <p:cNvPr id="5" name="Imagem 4">
             <a:extLst>
               <a:ext uri="{FF2B5EF4-FFF2-40B4-BE49-F238E27FC236}">
-                <a16:creationId xmlns:a16="http://schemas.microsoft.com/office/drawing/2014/main" id="{3266A073-0B04-4EDF-A0CB-628519234D63}"/>
+                <a16:creationId xmlns:a16="http://schemas.microsoft.com/office/drawing/2014/main" xmlns="" id="{3266A073-0B04-4EDF-A0CB-628519234D63}"/>
               </a:ext>
             </a:extLst>
           </p:cNvPr>
@@ -4342,7 +4352,7 @@
           <p:nvPr userDrawn="1"/>
         </p:nvPicPr>
         <p:blipFill>
-          <a:blip r:embed="rId3">
+          <a:blip r:embed="rId3" cstate="print">
             <a:extLst>
               <a:ext uri="{28A0092B-C50C-407E-A947-70E740481C1C}">
                 <a14:useLocalDpi xmlns:a14="http://schemas.microsoft.com/office/drawing/2010/main" val="0"/>
@@ -4368,7 +4378,7 @@
           <p:cNvPr id="2" name="Espaço Reservado para Número de Slide 1">
             <a:extLst>
               <a:ext uri="{FF2B5EF4-FFF2-40B4-BE49-F238E27FC236}">
-                <a16:creationId xmlns:a16="http://schemas.microsoft.com/office/drawing/2014/main" id="{20A9BCC1-2FCC-4CC9-B9B9-368D2B968A52}"/>
+                <a16:creationId xmlns:a16="http://schemas.microsoft.com/office/drawing/2014/main" xmlns="" id="{20A9BCC1-2FCC-4CC9-B9B9-368D2B968A52}"/>
               </a:ext>
             </a:extLst>
           </p:cNvPr>
@@ -4428,7 +4438,7 @@
           <p:cNvPr id="7" name="Imagem 6">
             <a:extLst>
               <a:ext uri="{FF2B5EF4-FFF2-40B4-BE49-F238E27FC236}">
-                <a16:creationId xmlns:a16="http://schemas.microsoft.com/office/drawing/2014/main" id="{44CD1DD3-685E-40F4-AF17-3916E93E2C2B}"/>
+                <a16:creationId xmlns:a16="http://schemas.microsoft.com/office/drawing/2014/main" xmlns="" id="{44CD1DD3-685E-40F4-AF17-3916E93E2C2B}"/>
               </a:ext>
             </a:extLst>
           </p:cNvPr>
@@ -4464,7 +4474,7 @@
           <p:cNvPr id="11" name="Imagem 10">
             <a:extLst>
               <a:ext uri="{FF2B5EF4-FFF2-40B4-BE49-F238E27FC236}">
-                <a16:creationId xmlns:a16="http://schemas.microsoft.com/office/drawing/2014/main" id="{70A02987-7801-49C3-B17C-A551D02A2F5B}"/>
+                <a16:creationId xmlns:a16="http://schemas.microsoft.com/office/drawing/2014/main" xmlns="" id="{70A02987-7801-49C3-B17C-A551D02A2F5B}"/>
               </a:ext>
             </a:extLst>
           </p:cNvPr>
@@ -4474,7 +4484,7 @@
           <p:nvPr userDrawn="1"/>
         </p:nvPicPr>
         <p:blipFill>
-          <a:blip r:embed="rId3">
+          <a:blip r:embed="rId3" cstate="print">
             <a:extLst>
               <a:ext uri="{28A0092B-C50C-407E-A947-70E740481C1C}">
                 <a14:useLocalDpi xmlns:a14="http://schemas.microsoft.com/office/drawing/2010/main" val="0"/>
@@ -4500,7 +4510,7 @@
           <p:cNvPr id="8" name="Título 1">
             <a:extLst>
               <a:ext uri="{FF2B5EF4-FFF2-40B4-BE49-F238E27FC236}">
-                <a16:creationId xmlns:a16="http://schemas.microsoft.com/office/drawing/2014/main" id="{41D65979-6B14-4189-99BD-4C0AF22AC276}"/>
+                <a16:creationId xmlns:a16="http://schemas.microsoft.com/office/drawing/2014/main" xmlns="" id="{41D65979-6B14-4189-99BD-4C0AF22AC276}"/>
               </a:ext>
             </a:extLst>
           </p:cNvPr>
@@ -4546,7 +4556,7 @@
           <p:cNvPr id="9" name="Espaço Reservado para Conteúdo 2">
             <a:extLst>
               <a:ext uri="{FF2B5EF4-FFF2-40B4-BE49-F238E27FC236}">
-                <a16:creationId xmlns:a16="http://schemas.microsoft.com/office/drawing/2014/main" id="{EC8FBE94-C456-4D35-B64F-A36251B02D8C}"/>
+                <a16:creationId xmlns:a16="http://schemas.microsoft.com/office/drawing/2014/main" xmlns="" id="{EC8FBE94-C456-4D35-B64F-A36251B02D8C}"/>
               </a:ext>
             </a:extLst>
           </p:cNvPr>
@@ -4665,7 +4675,7 @@
           <p:cNvPr id="10" name="Espaço Reservado para Texto 3">
             <a:extLst>
               <a:ext uri="{FF2B5EF4-FFF2-40B4-BE49-F238E27FC236}">
-                <a16:creationId xmlns:a16="http://schemas.microsoft.com/office/drawing/2014/main" id="{A43ABC15-F003-401B-8EF1-F81A13DCED9A}"/>
+                <a16:creationId xmlns:a16="http://schemas.microsoft.com/office/drawing/2014/main" xmlns="" id="{A43ABC15-F003-401B-8EF1-F81A13DCED9A}"/>
               </a:ext>
             </a:extLst>
           </p:cNvPr>
@@ -4744,7 +4754,7 @@
           <p:cNvPr id="2" name="Espaço Reservado para Número de Slide 1">
             <a:extLst>
               <a:ext uri="{FF2B5EF4-FFF2-40B4-BE49-F238E27FC236}">
-                <a16:creationId xmlns:a16="http://schemas.microsoft.com/office/drawing/2014/main" id="{2ADCAE97-9C80-44DC-8E50-44DCD075765E}"/>
+                <a16:creationId xmlns:a16="http://schemas.microsoft.com/office/drawing/2014/main" xmlns="" id="{2ADCAE97-9C80-44DC-8E50-44DCD075765E}"/>
               </a:ext>
             </a:extLst>
           </p:cNvPr>
@@ -4809,7 +4819,7 @@
           <p:cNvPr id="5" name="Espaço Reservado para Número de Slide 2">
             <a:extLst>
               <a:ext uri="{FF2B5EF4-FFF2-40B4-BE49-F238E27FC236}">
-                <a16:creationId xmlns:a16="http://schemas.microsoft.com/office/drawing/2014/main" id="{D7C30D80-C4A7-4602-85EB-27440E84C771}"/>
+                <a16:creationId xmlns:a16="http://schemas.microsoft.com/office/drawing/2014/main" xmlns="" id="{D7C30D80-C4A7-4602-85EB-27440E84C771}"/>
               </a:ext>
             </a:extLst>
           </p:cNvPr>
@@ -5196,7 +5206,7 @@
           <p:cNvPr id="2" name="Espaço Reservado para Texto 1">
             <a:extLst>
               <a:ext uri="{FF2B5EF4-FFF2-40B4-BE49-F238E27FC236}">
-                <a16:creationId xmlns:a16="http://schemas.microsoft.com/office/drawing/2014/main" id="{370D92D6-A8C6-464D-96F7-8C55D1A544BB}"/>
+                <a16:creationId xmlns:a16="http://schemas.microsoft.com/office/drawing/2014/main" xmlns="" id="{370D92D6-A8C6-464D-96F7-8C55D1A544BB}"/>
               </a:ext>
             </a:extLst>
           </p:cNvPr>
@@ -5224,7 +5234,7 @@
           <p:cNvPr id="1026" name="Picture 2">
             <a:extLst>
               <a:ext uri="{FF2B5EF4-FFF2-40B4-BE49-F238E27FC236}">
-                <a16:creationId xmlns:a16="http://schemas.microsoft.com/office/drawing/2014/main" id="{04CEE753-0D3C-4635-9AB5-E00711BD73FA}"/>
+                <a16:creationId xmlns:a16="http://schemas.microsoft.com/office/drawing/2014/main" xmlns="" id="{04CEE753-0D3C-4635-9AB5-E00711BD73FA}"/>
               </a:ext>
             </a:extLst>
           </p:cNvPr>
@@ -5276,6 +5286,13 @@
   <p:clrMapOvr>
     <a:masterClrMapping/>
   </p:clrMapOvr>
+  <p:timing>
+    <p:tnLst>
+      <p:par>
+        <p:cTn id="1" dur="indefinite" restart="never" nodeType="tmRoot"/>
+      </p:par>
+    </p:tnLst>
+  </p:timing>
 </p:sld>
 </file>
 
@@ -5298,206 +5315,10 @@
       </p:grpSpPr>
       <p:sp>
         <p:nvSpPr>
-          <p:cNvPr id="2" name="Título 1">
-            <a:extLst>
-              <a:ext uri="{FF2B5EF4-FFF2-40B4-BE49-F238E27FC236}">
-                <a16:creationId xmlns:a16="http://schemas.microsoft.com/office/drawing/2014/main" id="{E5407E68-547D-40FB-ADFC-29225BCA97FB}"/>
-              </a:ext>
-            </a:extLst>
-          </p:cNvPr>
-          <p:cNvSpPr>
-            <a:spLocks noGrp="1"/>
-          </p:cNvSpPr>
-          <p:nvPr>
-            <p:ph type="title"/>
-          </p:nvPr>
-        </p:nvSpPr>
-        <p:spPr>
-          <a:xfrm>
-            <a:off x="419100" y="373393"/>
-            <a:ext cx="11496675" cy="1325563"/>
-          </a:xfrm>
-        </p:spPr>
-        <p:txBody>
-          <a:bodyPr/>
-          <a:lstStyle/>
-          <a:p>
-            <a:pPr algn="ctr"/>
-            <a:r>
-              <a:rPr lang="pt-BR" dirty="0"/>
-              <a:t>EDITAL Nº 5, DE 11 DE MARÇO DE 2020</a:t>
-            </a:r>
-          </a:p>
-        </p:txBody>
-      </p:sp>
-      <p:sp>
-        <p:nvSpPr>
-          <p:cNvPr id="4" name="Espaço Reservado para Número de Slide 3">
-            <a:extLst>
-              <a:ext uri="{FF2B5EF4-FFF2-40B4-BE49-F238E27FC236}">
-                <a16:creationId xmlns:a16="http://schemas.microsoft.com/office/drawing/2014/main" id="{B251EF4B-4832-430A-9B53-231F361E70F5}"/>
-              </a:ext>
-            </a:extLst>
-          </p:cNvPr>
-          <p:cNvSpPr>
-            <a:spLocks noGrp="1"/>
-          </p:cNvSpPr>
-          <p:nvPr>
-            <p:ph type="sldNum" sz="quarter" idx="10"/>
-          </p:nvPr>
-        </p:nvSpPr>
-        <p:spPr/>
-        <p:txBody>
-          <a:bodyPr/>
-          <a:lstStyle/>
-          <a:p>
-            <a:fld id="{42B4FE49-DA0E-4E24-BB21-E8757AAD71F5}" type="slidenum">
-              <a:rPr lang="pt-BR" smtClean="0"/>
-              <a:pPr/>
-              <a:t>10</a:t>
-            </a:fld>
-            <a:endParaRPr lang="pt-BR" dirty="0"/>
-          </a:p>
-        </p:txBody>
-      </p:sp>
-      <p:sp>
-        <p:nvSpPr>
-          <p:cNvPr id="6" name="CaixaDeTexto 5">
-            <a:extLst>
-              <a:ext uri="{FF2B5EF4-FFF2-40B4-BE49-F238E27FC236}">
-                <a16:creationId xmlns:a16="http://schemas.microsoft.com/office/drawing/2014/main" id="{51FA5D3E-0952-4ABF-9964-6524675A944A}"/>
-              </a:ext>
-            </a:extLst>
-          </p:cNvPr>
-          <p:cNvSpPr txBox="1"/>
-          <p:nvPr/>
-        </p:nvSpPr>
-        <p:spPr>
-          <a:xfrm>
-            <a:off x="850898" y="1232549"/>
-            <a:ext cx="10490199" cy="1477328"/>
-          </a:xfrm>
-          <a:prstGeom prst="rect">
-            <a:avLst/>
-          </a:prstGeom>
-          <a:noFill/>
-        </p:spPr>
-        <p:txBody>
-          <a:bodyPr wrap="square">
-            <a:spAutoFit/>
-          </a:bodyPr>
-          <a:lstStyle/>
-          <a:p>
-            <a:pPr algn="ctr" rtl="0">
-              <a:spcBef>
-                <a:spcPts val="0"/>
-              </a:spcBef>
-              <a:spcAft>
-                <a:spcPts val="0"/>
-              </a:spcAft>
-            </a:pPr>
-            <a:r>
-              <a:rPr lang="pt-BR" dirty="0"/>
-              <a:t>Este Edital tem por objeto realizar o chamamento público de médicos formados em instituições de educação superior brasileiras ou com diploma revalidado no Brasil, nos termos do art. 13, §1º, inciso I da Lei nº 12.871/2013, para adesão ao Projeto Mais Médicos para o Brasil, nos termos estabelecidos no presente Edital.</a:t>
-            </a:r>
-            <a:br>
-              <a:rPr lang="pt-BR" b="0" dirty="0">
-                <a:effectLst/>
-              </a:rPr>
-            </a:br>
-            <a:br>
-              <a:rPr lang="pt-BR" b="0" dirty="0">
-                <a:effectLst/>
-              </a:rPr>
-            </a:br>
-            <a:endParaRPr lang="pt-BR" dirty="0"/>
-          </a:p>
-        </p:txBody>
-      </p:sp>
-      <p:pic>
-        <p:nvPicPr>
-          <p:cNvPr id="5" name="Imagem 4">
-            <a:extLst>
-              <a:ext uri="{FF2B5EF4-FFF2-40B4-BE49-F238E27FC236}">
-                <a16:creationId xmlns:a16="http://schemas.microsoft.com/office/drawing/2014/main" id="{BF277FD9-7616-495D-8D2A-0A7207C63ABC}"/>
-              </a:ext>
-            </a:extLst>
-          </p:cNvPr>
-          <p:cNvPicPr>
-            <a:picLocks noChangeAspect="1"/>
-          </p:cNvPicPr>
-          <p:nvPr/>
-        </p:nvPicPr>
-        <p:blipFill>
-          <a:blip r:embed="rId2">
-            <a:alphaModFix amt="85000"/>
-            <a:extLst>
-              <a:ext uri="{BEBA8EAE-BF5A-486C-A8C5-ECC9F3942E4B}">
-                <a14:imgProps xmlns:a14="http://schemas.microsoft.com/office/drawing/2010/main">
-                  <a14:imgLayer r:embed="rId3">
-                    <a14:imgEffect>
-                      <a14:sharpenSoften amount="25000"/>
-                    </a14:imgEffect>
-                  </a14:imgLayer>
-                </a14:imgProps>
-              </a:ext>
-            </a:extLst>
-          </a:blip>
-          <a:stretch>
-            <a:fillRect/>
-          </a:stretch>
-        </p:blipFill>
-        <p:spPr>
-          <a:xfrm>
-            <a:off x="2718240" y="2408644"/>
-            <a:ext cx="6898393" cy="2196029"/>
-          </a:xfrm>
-          <a:prstGeom prst="rect">
-            <a:avLst/>
-          </a:prstGeom>
-        </p:spPr>
-      </p:pic>
-      <p:pic>
-        <p:nvPicPr>
-          <p:cNvPr id="10" name="Imagem 9">
-            <a:extLst>
-              <a:ext uri="{FF2B5EF4-FFF2-40B4-BE49-F238E27FC236}">
-                <a16:creationId xmlns:a16="http://schemas.microsoft.com/office/drawing/2014/main" id="{6409CD67-C6D4-4B5A-B708-68E3228A4FD4}"/>
-              </a:ext>
-            </a:extLst>
-          </p:cNvPr>
-          <p:cNvPicPr>
-            <a:picLocks noChangeAspect="1"/>
-          </p:cNvPicPr>
-          <p:nvPr/>
-        </p:nvPicPr>
-        <p:blipFill rotWithShape="1">
-          <a:blip r:embed="rId4">
-            <a:extLst>
-              <a:ext uri="{28A0092B-C50C-407E-A947-70E740481C1C}">
-                <a14:useLocalDpi xmlns:a14="http://schemas.microsoft.com/office/drawing/2010/main" val="0"/>
-              </a:ext>
-            </a:extLst>
-          </a:blip>
-          <a:srcRect t="24493"/>
-          <a:stretch/>
-        </p:blipFill>
-        <p:spPr>
-          <a:xfrm>
-            <a:off x="5135034" y="4716283"/>
-            <a:ext cx="1921932" cy="1549456"/>
-          </a:xfrm>
-          <a:prstGeom prst="rect">
-            <a:avLst/>
-          </a:prstGeom>
-        </p:spPr>
-      </p:pic>
-      <p:sp>
-        <p:nvSpPr>
-          <p:cNvPr id="8" name="Retângulo 7">
-            <a:extLst>
-              <a:ext uri="{FF2B5EF4-FFF2-40B4-BE49-F238E27FC236}">
-                <a16:creationId xmlns:a16="http://schemas.microsoft.com/office/drawing/2014/main" id="{F1FAE7BE-5E1D-4CF6-9FDC-F48C03E19584}"/>
+          <p:cNvPr id="7" name="Retângulo 6">
+            <a:extLst>
+              <a:ext uri="{FF2B5EF4-FFF2-40B4-BE49-F238E27FC236}">
+                <a16:creationId xmlns:a16="http://schemas.microsoft.com/office/drawing/2014/main" xmlns="" id="{5E0F7497-D302-4F68-8123-03414F2C6833}"/>
               </a:ext>
             </a:extLst>
           </p:cNvPr>
@@ -5506,17 +5327,17 @@
         </p:nvSpPr>
         <p:spPr>
           <a:xfrm>
-            <a:off x="850898" y="1232549"/>
-            <a:ext cx="10579102" cy="985718"/>
-          </a:xfrm>
-          <a:prstGeom prst="rect">
-            <a:avLst/>
-          </a:prstGeom>
-          <a:noFill/>
+            <a:off x="1704975" y="2558112"/>
+            <a:ext cx="8905875" cy="2032937"/>
+          </a:xfrm>
+          <a:prstGeom prst="rect">
+            <a:avLst/>
+          </a:prstGeom>
+          <a:solidFill>
+            <a:srgbClr val="67C7F2"/>
+          </a:solidFill>
           <a:ln>
-            <a:solidFill>
-              <a:schemeClr val="tx1"/>
-            </a:solidFill>
+            <a:noFill/>
           </a:ln>
         </p:spPr>
         <p:style>
@@ -5540,14 +5361,292 @@
           <a:lstStyle/>
           <a:p>
             <a:pPr algn="ctr"/>
-            <a:endParaRPr lang="pt-BR"/>
+            <a:endParaRPr lang="pt-BR" dirty="0"/>
           </a:p>
         </p:txBody>
       </p:sp>
+      <p:sp>
+        <p:nvSpPr>
+          <p:cNvPr id="2" name="Título 1">
+            <a:extLst>
+              <a:ext uri="{FF2B5EF4-FFF2-40B4-BE49-F238E27FC236}">
+                <a16:creationId xmlns:a16="http://schemas.microsoft.com/office/drawing/2014/main" xmlns="" id="{E5407E68-547D-40FB-ADFC-29225BCA97FB}"/>
+              </a:ext>
+            </a:extLst>
+          </p:cNvPr>
+          <p:cNvSpPr>
+            <a:spLocks noGrp="1"/>
+          </p:cNvSpPr>
+          <p:nvPr>
+            <p:ph type="title"/>
+          </p:nvPr>
+        </p:nvSpPr>
+        <p:spPr>
+          <a:xfrm>
+            <a:off x="419100" y="373393"/>
+            <a:ext cx="11496675" cy="1325563"/>
+          </a:xfrm>
+        </p:spPr>
+        <p:txBody>
+          <a:bodyPr/>
+          <a:lstStyle/>
+          <a:p>
+            <a:pPr algn="ctr"/>
+            <a:r>
+              <a:rPr lang="pt-BR" dirty="0"/>
+              <a:t>EDITAL Nº 9, DE 26 DE MARÇO DE 2020</a:t>
+            </a:r>
+          </a:p>
+        </p:txBody>
+      </p:sp>
+      <p:sp>
+        <p:nvSpPr>
+          <p:cNvPr id="4" name="Espaço Reservado para Número de Slide 3">
+            <a:extLst>
+              <a:ext uri="{FF2B5EF4-FFF2-40B4-BE49-F238E27FC236}">
+                <a16:creationId xmlns:a16="http://schemas.microsoft.com/office/drawing/2014/main" xmlns="" id="{B251EF4B-4832-430A-9B53-231F361E70F5}"/>
+              </a:ext>
+            </a:extLst>
+          </p:cNvPr>
+          <p:cNvSpPr>
+            <a:spLocks noGrp="1"/>
+          </p:cNvSpPr>
+          <p:nvPr>
+            <p:ph type="sldNum" sz="quarter" idx="10"/>
+          </p:nvPr>
+        </p:nvSpPr>
+        <p:spPr/>
+        <p:txBody>
+          <a:bodyPr/>
+          <a:lstStyle/>
+          <a:p>
+            <a:fld id="{42B4FE49-DA0E-4E24-BB21-E8757AAD71F5}" type="slidenum">
+              <a:rPr lang="pt-BR" smtClean="0"/>
+              <a:pPr/>
+              <a:t>10</a:t>
+            </a:fld>
+            <a:endParaRPr lang="pt-BR" dirty="0"/>
+          </a:p>
+        </p:txBody>
+      </p:sp>
+      <p:sp>
+        <p:nvSpPr>
+          <p:cNvPr id="6" name="CaixaDeTexto 5">
+            <a:extLst>
+              <a:ext uri="{FF2B5EF4-FFF2-40B4-BE49-F238E27FC236}">
+                <a16:creationId xmlns:a16="http://schemas.microsoft.com/office/drawing/2014/main" xmlns="" id="{51FA5D3E-0952-4ABF-9964-6524675A944A}"/>
+              </a:ext>
+            </a:extLst>
+          </p:cNvPr>
+          <p:cNvSpPr txBox="1"/>
+          <p:nvPr/>
+        </p:nvSpPr>
+        <p:spPr>
+          <a:xfrm>
+            <a:off x="872064" y="1645481"/>
+            <a:ext cx="10278533" cy="1200329"/>
+          </a:xfrm>
+          <a:prstGeom prst="rect">
+            <a:avLst/>
+          </a:prstGeom>
+          <a:noFill/>
+        </p:spPr>
+        <p:txBody>
+          <a:bodyPr wrap="square">
+            <a:spAutoFit/>
+          </a:bodyPr>
+          <a:lstStyle/>
+          <a:p>
+            <a:pPr algn="ctr" rtl="0">
+              <a:spcBef>
+                <a:spcPts val="0"/>
+              </a:spcBef>
+              <a:spcAft>
+                <a:spcPts val="0"/>
+              </a:spcAft>
+            </a:pPr>
+            <a:r>
+              <a:rPr lang="pt-BR" sz="2400" b="0" dirty="0">
+                <a:effectLst/>
+              </a:rPr>
+              <a:t>Homologação</a:t>
+            </a:r>
+            <a:br>
+              <a:rPr lang="pt-BR" sz="2400" b="0" dirty="0">
+                <a:effectLst/>
+              </a:rPr>
+            </a:br>
+            <a:r>
+              <a:rPr lang="pt-BR" sz="2400" b="0" dirty="0">
+                <a:effectLst/>
+              </a:rPr>
+              <a:t/>
+            </a:r>
+            <a:br>
+              <a:rPr lang="pt-BR" sz="2400" b="0" dirty="0">
+                <a:effectLst/>
+              </a:rPr>
+            </a:br>
+            <a:endParaRPr lang="pt-BR" sz="2400" dirty="0"/>
+          </a:p>
+        </p:txBody>
+      </p:sp>
+      <p:sp>
+        <p:nvSpPr>
+          <p:cNvPr id="9" name="CaixaDeTexto 8">
+            <a:extLst>
+              <a:ext uri="{FF2B5EF4-FFF2-40B4-BE49-F238E27FC236}">
+                <a16:creationId xmlns:a16="http://schemas.microsoft.com/office/drawing/2014/main" xmlns="" id="{A32DB5FD-E24E-4C04-851E-C1CA2DE45BC8}"/>
+              </a:ext>
+            </a:extLst>
+          </p:cNvPr>
+          <p:cNvSpPr txBox="1"/>
+          <p:nvPr/>
+        </p:nvSpPr>
+        <p:spPr>
+          <a:xfrm>
+            <a:off x="1838323" y="2919745"/>
+            <a:ext cx="8515350" cy="1200329"/>
+          </a:xfrm>
+          <a:prstGeom prst="rect">
+            <a:avLst/>
+          </a:prstGeom>
+          <a:noFill/>
+        </p:spPr>
+        <p:txBody>
+          <a:bodyPr wrap="square">
+            <a:spAutoFit/>
+          </a:bodyPr>
+          <a:lstStyle/>
+          <a:p>
+            <a:r>
+              <a:rPr lang="pt-BR" b="1" dirty="0">
+                <a:solidFill>
+                  <a:schemeClr val="bg1"/>
+                </a:solidFill>
+              </a:rPr>
+              <a:t>9.3. A homologação pelo gestor está condicionada ao início das atividades pelo médico.</a:t>
+            </a:r>
+          </a:p>
+          <a:p>
+            <a:endParaRPr lang="pt-BR" b="1" dirty="0">
+              <a:solidFill>
+                <a:schemeClr val="bg1"/>
+              </a:solidFill>
+            </a:endParaRPr>
+          </a:p>
+          <a:p>
+            <a:r>
+              <a:rPr lang="pt-BR" b="1" dirty="0">
+                <a:solidFill>
+                  <a:schemeClr val="bg1"/>
+                </a:solidFill>
+              </a:rPr>
+              <a:t>9.10. Finalizado o período de homologação das vagas, o resultado final da alocação do</a:t>
+            </a:r>
+          </a:p>
+          <a:p>
+            <a:r>
+              <a:rPr lang="pt-BR" b="1" dirty="0">
+                <a:solidFill>
+                  <a:schemeClr val="bg1"/>
+                </a:solidFill>
+              </a:rPr>
+              <a:t>médico será publicado no endereço eletrônico http://maismedicos.gov.br</a:t>
+            </a:r>
+          </a:p>
+        </p:txBody>
+      </p:sp>
+      <p:cxnSp>
+        <p:nvCxnSpPr>
+          <p:cNvPr id="8" name="Conector reto 7">
+            <a:extLst>
+              <a:ext uri="{FF2B5EF4-FFF2-40B4-BE49-F238E27FC236}">
+                <a16:creationId xmlns:a16="http://schemas.microsoft.com/office/drawing/2014/main" xmlns="" id="{9885DA61-CAA6-41FC-9114-4B7DC6186EE6}"/>
+              </a:ext>
+            </a:extLst>
+          </p:cNvPr>
+          <p:cNvCxnSpPr>
+            <a:cxnSpLocks/>
+          </p:cNvCxnSpPr>
+          <p:nvPr/>
+        </p:nvCxnSpPr>
+        <p:spPr>
+          <a:xfrm flipH="1">
+            <a:off x="-177799" y="1905000"/>
+            <a:ext cx="5088466" cy="0"/>
+          </a:xfrm>
+          <a:prstGeom prst="line">
+            <a:avLst/>
+          </a:prstGeom>
+          <a:ln>
+            <a:solidFill>
+              <a:schemeClr val="tx1"/>
+            </a:solidFill>
+          </a:ln>
+        </p:spPr>
+        <p:style>
+          <a:lnRef idx="1">
+            <a:schemeClr val="accent1"/>
+          </a:lnRef>
+          <a:fillRef idx="0">
+            <a:schemeClr val="accent1"/>
+          </a:fillRef>
+          <a:effectRef idx="0">
+            <a:schemeClr val="accent1"/>
+          </a:effectRef>
+          <a:fontRef idx="minor">
+            <a:schemeClr val="tx1"/>
+          </a:fontRef>
+        </p:style>
+      </p:cxnSp>
+      <p:cxnSp>
+        <p:nvCxnSpPr>
+          <p:cNvPr id="10" name="Conector reto 9">
+            <a:extLst>
+              <a:ext uri="{FF2B5EF4-FFF2-40B4-BE49-F238E27FC236}">
+                <a16:creationId xmlns:a16="http://schemas.microsoft.com/office/drawing/2014/main" xmlns="" id="{071EE150-6B18-471E-A02B-E6D14947807B}"/>
+              </a:ext>
+            </a:extLst>
+          </p:cNvPr>
+          <p:cNvCxnSpPr>
+            <a:cxnSpLocks/>
+          </p:cNvCxnSpPr>
+          <p:nvPr/>
+        </p:nvCxnSpPr>
+        <p:spPr>
+          <a:xfrm flipH="1">
+            <a:off x="7103533" y="1905000"/>
+            <a:ext cx="5240869" cy="0"/>
+          </a:xfrm>
+          <a:prstGeom prst="line">
+            <a:avLst/>
+          </a:prstGeom>
+          <a:ln>
+            <a:solidFill>
+              <a:schemeClr val="tx1"/>
+            </a:solidFill>
+          </a:ln>
+        </p:spPr>
+        <p:style>
+          <a:lnRef idx="1">
+            <a:schemeClr val="accent1"/>
+          </a:lnRef>
+          <a:fillRef idx="0">
+            <a:schemeClr val="accent1"/>
+          </a:fillRef>
+          <a:effectRef idx="0">
+            <a:schemeClr val="accent1"/>
+          </a:effectRef>
+          <a:fontRef idx="minor">
+            <a:schemeClr val="tx1"/>
+          </a:fontRef>
+        </p:style>
+      </p:cxnSp>
     </p:spTree>
     <p:extLst>
       <p:ext uri="{BB962C8B-B14F-4D97-AF65-F5344CB8AC3E}">
-        <p14:creationId xmlns:p14="http://schemas.microsoft.com/office/powerpoint/2010/main" val="2723821767"/>
+        <p14:creationId xmlns:p14="http://schemas.microsoft.com/office/powerpoint/2010/main" val="1559740330"/>
       </p:ext>
     </p:extLst>
   </p:cSld>
@@ -5576,10 +5675,218 @@
       </p:grpSpPr>
       <p:sp>
         <p:nvSpPr>
-          <p:cNvPr id="7" name="Retângulo 6">
-            <a:extLst>
-              <a:ext uri="{FF2B5EF4-FFF2-40B4-BE49-F238E27FC236}">
-                <a16:creationId xmlns:a16="http://schemas.microsoft.com/office/drawing/2014/main" id="{5E0F7497-D302-4F68-8123-03414F2C6833}"/>
+          <p:cNvPr id="2" name="Título 1">
+            <a:extLst>
+              <a:ext uri="{FF2B5EF4-FFF2-40B4-BE49-F238E27FC236}">
+                <a16:creationId xmlns:a16="http://schemas.microsoft.com/office/drawing/2014/main" xmlns="" id="{E5407E68-547D-40FB-ADFC-29225BCA97FB}"/>
+              </a:ext>
+            </a:extLst>
+          </p:cNvPr>
+          <p:cNvSpPr>
+            <a:spLocks noGrp="1"/>
+          </p:cNvSpPr>
+          <p:nvPr>
+            <p:ph type="title"/>
+          </p:nvPr>
+        </p:nvSpPr>
+        <p:spPr>
+          <a:xfrm>
+            <a:off x="419100" y="373393"/>
+            <a:ext cx="11496675" cy="1325563"/>
+          </a:xfrm>
+        </p:spPr>
+        <p:txBody>
+          <a:bodyPr/>
+          <a:lstStyle/>
+          <a:p>
+            <a:pPr algn="ctr"/>
+            <a:r>
+              <a:rPr lang="pt-BR" dirty="0"/>
+              <a:t>EDITAL Nº 5, DE 11 DE MARÇO DE 2020</a:t>
+            </a:r>
+          </a:p>
+        </p:txBody>
+      </p:sp>
+      <p:sp>
+        <p:nvSpPr>
+          <p:cNvPr id="4" name="Espaço Reservado para Número de Slide 3">
+            <a:extLst>
+              <a:ext uri="{FF2B5EF4-FFF2-40B4-BE49-F238E27FC236}">
+                <a16:creationId xmlns:a16="http://schemas.microsoft.com/office/drawing/2014/main" xmlns="" id="{B251EF4B-4832-430A-9B53-231F361E70F5}"/>
+              </a:ext>
+            </a:extLst>
+          </p:cNvPr>
+          <p:cNvSpPr>
+            <a:spLocks noGrp="1"/>
+          </p:cNvSpPr>
+          <p:nvPr>
+            <p:ph type="sldNum" sz="quarter" idx="10"/>
+          </p:nvPr>
+        </p:nvSpPr>
+        <p:spPr/>
+        <p:txBody>
+          <a:bodyPr/>
+          <a:lstStyle/>
+          <a:p>
+            <a:fld id="{42B4FE49-DA0E-4E24-BB21-E8757AAD71F5}" type="slidenum">
+              <a:rPr lang="pt-BR" smtClean="0"/>
+              <a:pPr/>
+              <a:t>11</a:t>
+            </a:fld>
+            <a:endParaRPr lang="pt-BR" dirty="0"/>
+          </a:p>
+        </p:txBody>
+      </p:sp>
+      <p:sp>
+        <p:nvSpPr>
+          <p:cNvPr id="6" name="CaixaDeTexto 5">
+            <a:extLst>
+              <a:ext uri="{FF2B5EF4-FFF2-40B4-BE49-F238E27FC236}">
+                <a16:creationId xmlns:a16="http://schemas.microsoft.com/office/drawing/2014/main" xmlns="" id="{51FA5D3E-0952-4ABF-9964-6524675A944A}"/>
+              </a:ext>
+            </a:extLst>
+          </p:cNvPr>
+          <p:cNvSpPr txBox="1"/>
+          <p:nvPr/>
+        </p:nvSpPr>
+        <p:spPr>
+          <a:xfrm>
+            <a:off x="850898" y="1232549"/>
+            <a:ext cx="10490199" cy="1477328"/>
+          </a:xfrm>
+          <a:prstGeom prst="rect">
+            <a:avLst/>
+          </a:prstGeom>
+          <a:noFill/>
+        </p:spPr>
+        <p:txBody>
+          <a:bodyPr wrap="square">
+            <a:spAutoFit/>
+          </a:bodyPr>
+          <a:lstStyle/>
+          <a:p>
+            <a:pPr algn="ctr" rtl="0">
+              <a:spcBef>
+                <a:spcPts val="0"/>
+              </a:spcBef>
+              <a:spcAft>
+                <a:spcPts val="0"/>
+              </a:spcAft>
+            </a:pPr>
+            <a:r>
+              <a:rPr lang="pt-BR" dirty="0"/>
+              <a:t>Este Edital tem por objeto realizar o chamamento público de médicos formados em instituições de educação superior brasileiras ou com diploma revalidado no Brasil, nos termos do art. 13, §1º, inciso I da Lei nº 12.871/2013, para adesão ao Projeto Mais Médicos para o Brasil, nos termos estabelecidos no presente Edital.</a:t>
+            </a:r>
+            <a:r>
+              <a:rPr lang="pt-BR" b="0" dirty="0">
+                <a:effectLst/>
+              </a:rPr>
+              <a:t/>
+            </a:r>
+            <a:br>
+              <a:rPr lang="pt-BR" b="0" dirty="0">
+                <a:effectLst/>
+              </a:rPr>
+            </a:br>
+            <a:r>
+              <a:rPr lang="pt-BR" b="0" dirty="0">
+                <a:effectLst/>
+              </a:rPr>
+              <a:t/>
+            </a:r>
+            <a:br>
+              <a:rPr lang="pt-BR" b="0" dirty="0">
+                <a:effectLst/>
+              </a:rPr>
+            </a:br>
+            <a:endParaRPr lang="pt-BR" dirty="0"/>
+          </a:p>
+        </p:txBody>
+      </p:sp>
+      <p:pic>
+        <p:nvPicPr>
+          <p:cNvPr id="5" name="Imagem 4">
+            <a:extLst>
+              <a:ext uri="{FF2B5EF4-FFF2-40B4-BE49-F238E27FC236}">
+                <a16:creationId xmlns:a16="http://schemas.microsoft.com/office/drawing/2014/main" xmlns="" id="{BF277FD9-7616-495D-8D2A-0A7207C63ABC}"/>
+              </a:ext>
+            </a:extLst>
+          </p:cNvPr>
+          <p:cNvPicPr>
+            <a:picLocks noChangeAspect="1"/>
+          </p:cNvPicPr>
+          <p:nvPr/>
+        </p:nvPicPr>
+        <p:blipFill>
+          <a:blip r:embed="rId2">
+            <a:alphaModFix amt="85000"/>
+            <a:extLst>
+              <a:ext uri="{BEBA8EAE-BF5A-486C-A8C5-ECC9F3942E4B}">
+                <a14:imgProps xmlns:a14="http://schemas.microsoft.com/office/drawing/2010/main">
+                  <a14:imgLayer r:embed="rId3">
+                    <a14:imgEffect>
+                      <a14:sharpenSoften amount="25000"/>
+                    </a14:imgEffect>
+                  </a14:imgLayer>
+                </a14:imgProps>
+              </a:ext>
+            </a:extLst>
+          </a:blip>
+          <a:stretch>
+            <a:fillRect/>
+          </a:stretch>
+        </p:blipFill>
+        <p:spPr>
+          <a:xfrm>
+            <a:off x="2718240" y="2408644"/>
+            <a:ext cx="6898393" cy="2196029"/>
+          </a:xfrm>
+          <a:prstGeom prst="rect">
+            <a:avLst/>
+          </a:prstGeom>
+        </p:spPr>
+      </p:pic>
+      <p:pic>
+        <p:nvPicPr>
+          <p:cNvPr id="10" name="Imagem 9">
+            <a:extLst>
+              <a:ext uri="{FF2B5EF4-FFF2-40B4-BE49-F238E27FC236}">
+                <a16:creationId xmlns:a16="http://schemas.microsoft.com/office/drawing/2014/main" xmlns="" id="{6409CD67-C6D4-4B5A-B708-68E3228A4FD4}"/>
+              </a:ext>
+            </a:extLst>
+          </p:cNvPr>
+          <p:cNvPicPr>
+            <a:picLocks noChangeAspect="1"/>
+          </p:cNvPicPr>
+          <p:nvPr/>
+        </p:nvPicPr>
+        <p:blipFill rotWithShape="1">
+          <a:blip r:embed="rId4">
+            <a:extLst>
+              <a:ext uri="{28A0092B-C50C-407E-A947-70E740481C1C}">
+                <a14:useLocalDpi xmlns:a14="http://schemas.microsoft.com/office/drawing/2010/main" val="0"/>
+              </a:ext>
+            </a:extLst>
+          </a:blip>
+          <a:srcRect t="24493"/>
+          <a:stretch/>
+        </p:blipFill>
+        <p:spPr>
+          <a:xfrm>
+            <a:off x="5135034" y="4716283"/>
+            <a:ext cx="1921932" cy="1549456"/>
+          </a:xfrm>
+          <a:prstGeom prst="rect">
+            <a:avLst/>
+          </a:prstGeom>
+        </p:spPr>
+      </p:pic>
+      <p:sp>
+        <p:nvSpPr>
+          <p:cNvPr id="8" name="Retângulo 7">
+            <a:extLst>
+              <a:ext uri="{FF2B5EF4-FFF2-40B4-BE49-F238E27FC236}">
+                <a16:creationId xmlns:a16="http://schemas.microsoft.com/office/drawing/2014/main" xmlns="" id="{F1FAE7BE-5E1D-4CF6-9FDC-F48C03E19584}"/>
               </a:ext>
             </a:extLst>
           </p:cNvPr>
@@ -5588,17 +5895,17 @@
         </p:nvSpPr>
         <p:spPr>
           <a:xfrm>
-            <a:off x="1704975" y="2558112"/>
-            <a:ext cx="8905875" cy="2032937"/>
-          </a:xfrm>
-          <a:prstGeom prst="rect">
-            <a:avLst/>
-          </a:prstGeom>
-          <a:solidFill>
-            <a:srgbClr val="67C7F2"/>
-          </a:solidFill>
+            <a:off x="850898" y="1232549"/>
+            <a:ext cx="10579102" cy="985718"/>
+          </a:xfrm>
+          <a:prstGeom prst="rect">
+            <a:avLst/>
+          </a:prstGeom>
+          <a:noFill/>
           <a:ln>
-            <a:noFill/>
+            <a:solidFill>
+              <a:schemeClr val="tx1"/>
+            </a:solidFill>
           </a:ln>
         </p:spPr>
         <p:style>
@@ -5626,12 +5933,94 @@
           </a:p>
         </p:txBody>
       </p:sp>
+    </p:spTree>
+    <p:extLst>
+      <p:ext uri="{BB962C8B-B14F-4D97-AF65-F5344CB8AC3E}">
+        <p14:creationId xmlns:p14="http://schemas.microsoft.com/office/powerpoint/2010/main" val="2723821767"/>
+      </p:ext>
+    </p:extLst>
+  </p:cSld>
+  <p:clrMapOvr>
+    <a:masterClrMapping/>
+  </p:clrMapOvr>
+</p:sld>
+</file>
+
+<file path=ppt/slides/slide12.xml><?xml version="1.0" encoding="utf-8"?>
+<p:sld xmlns:a="http://schemas.openxmlformats.org/drawingml/2006/main" xmlns:r="http://schemas.openxmlformats.org/officeDocument/2006/relationships" xmlns:p="http://schemas.openxmlformats.org/presentationml/2006/main">
+  <p:cSld>
+    <p:spTree>
+      <p:nvGrpSpPr>
+        <p:cNvPr id="1" name=""/>
+        <p:cNvGrpSpPr/>
+        <p:nvPr/>
+      </p:nvGrpSpPr>
+      <p:grpSpPr>
+        <a:xfrm>
+          <a:off x="0" y="0"/>
+          <a:ext cx="0" cy="0"/>
+          <a:chOff x="0" y="0"/>
+          <a:chExt cx="0" cy="0"/>
+        </a:xfrm>
+      </p:grpSpPr>
+      <p:sp>
+        <p:nvSpPr>
+          <p:cNvPr id="7" name="Retângulo 6">
+            <a:extLst>
+              <a:ext uri="{FF2B5EF4-FFF2-40B4-BE49-F238E27FC236}">
+                <a16:creationId xmlns:a16="http://schemas.microsoft.com/office/drawing/2014/main" xmlns="" id="{5E0F7497-D302-4F68-8123-03414F2C6833}"/>
+              </a:ext>
+            </a:extLst>
+          </p:cNvPr>
+          <p:cNvSpPr/>
+          <p:nvPr/>
+        </p:nvSpPr>
+        <p:spPr>
+          <a:xfrm>
+            <a:off x="1704975" y="2558112"/>
+            <a:ext cx="8905875" cy="2032937"/>
+          </a:xfrm>
+          <a:prstGeom prst="rect">
+            <a:avLst/>
+          </a:prstGeom>
+          <a:solidFill>
+            <a:srgbClr val="67C7F2"/>
+          </a:solidFill>
+          <a:ln>
+            <a:noFill/>
+          </a:ln>
+        </p:spPr>
+        <p:style>
+          <a:lnRef idx="2">
+            <a:schemeClr val="accent1">
+              <a:shade val="50000"/>
+            </a:schemeClr>
+          </a:lnRef>
+          <a:fillRef idx="1">
+            <a:schemeClr val="accent1"/>
+          </a:fillRef>
+          <a:effectRef idx="0">
+            <a:schemeClr val="accent1"/>
+          </a:effectRef>
+          <a:fontRef idx="minor">
+            <a:schemeClr val="lt1"/>
+          </a:fontRef>
+        </p:style>
+        <p:txBody>
+          <a:bodyPr rtlCol="0" anchor="ctr"/>
+          <a:lstStyle/>
+          <a:p>
+            <a:pPr algn="ctr"/>
+            <a:endParaRPr lang="pt-BR"/>
+          </a:p>
+        </p:txBody>
+      </p:sp>
       <p:sp>
         <p:nvSpPr>
           <p:cNvPr id="2" name="Título 1">
             <a:extLst>
               <a:ext uri="{FF2B5EF4-FFF2-40B4-BE49-F238E27FC236}">
-                <a16:creationId xmlns:a16="http://schemas.microsoft.com/office/drawing/2014/main" id="{E5407E68-547D-40FB-ADFC-29225BCA97FB}"/>
+                <a16:creationId xmlns:a16="http://schemas.microsoft.com/office/drawing/2014/main" xmlns="" id="{E5407E68-547D-40FB-ADFC-29225BCA97FB}"/>
               </a:ext>
             </a:extLst>
           </p:cNvPr>
@@ -5665,7 +6054,7 @@
           <p:cNvPr id="4" name="Espaço Reservado para Número de Slide 3">
             <a:extLst>
               <a:ext uri="{FF2B5EF4-FFF2-40B4-BE49-F238E27FC236}">
-                <a16:creationId xmlns:a16="http://schemas.microsoft.com/office/drawing/2014/main" id="{B251EF4B-4832-430A-9B53-231F361E70F5}"/>
+                <a16:creationId xmlns:a16="http://schemas.microsoft.com/office/drawing/2014/main" xmlns="" id="{B251EF4B-4832-430A-9B53-231F361E70F5}"/>
               </a:ext>
             </a:extLst>
           </p:cNvPr>
@@ -5684,7 +6073,7 @@
             <a:fld id="{42B4FE49-DA0E-4E24-BB21-E8757AAD71F5}" type="slidenum">
               <a:rPr lang="pt-BR" smtClean="0"/>
               <a:pPr/>
-              <a:t>11</a:t>
+              <a:t>12</a:t>
             </a:fld>
             <a:endParaRPr lang="pt-BR" dirty="0"/>
           </a:p>
@@ -5695,7 +6084,7 @@
           <p:cNvPr id="6" name="CaixaDeTexto 5">
             <a:extLst>
               <a:ext uri="{FF2B5EF4-FFF2-40B4-BE49-F238E27FC236}">
-                <a16:creationId xmlns:a16="http://schemas.microsoft.com/office/drawing/2014/main" id="{51FA5D3E-0952-4ABF-9964-6524675A944A}"/>
+                <a16:creationId xmlns:a16="http://schemas.microsoft.com/office/drawing/2014/main" xmlns="" id="{51FA5D3E-0952-4ABF-9964-6524675A944A}"/>
               </a:ext>
             </a:extLst>
           </p:cNvPr>
@@ -5730,11 +6119,23 @@
               <a:rPr lang="pt-BR" sz="2400" dirty="0"/>
               <a:t>Critérios de desempate</a:t>
             </a:r>
+            <a:r>
+              <a:rPr lang="pt-BR" sz="2400" b="0" dirty="0">
+                <a:effectLst/>
+              </a:rPr>
+              <a:t/>
+            </a:r>
             <a:br>
               <a:rPr lang="pt-BR" sz="2400" b="0" dirty="0">
                 <a:effectLst/>
               </a:rPr>
             </a:br>
+            <a:r>
+              <a:rPr lang="pt-BR" sz="2400" b="0" dirty="0">
+                <a:effectLst/>
+              </a:rPr>
+              <a:t/>
+            </a:r>
             <a:br>
               <a:rPr lang="pt-BR" sz="2400" b="0" dirty="0">
                 <a:effectLst/>
@@ -5749,7 +6150,7 @@
           <p:cNvPr id="9" name="CaixaDeTexto 8">
             <a:extLst>
               <a:ext uri="{FF2B5EF4-FFF2-40B4-BE49-F238E27FC236}">
-                <a16:creationId xmlns:a16="http://schemas.microsoft.com/office/drawing/2014/main" id="{A32DB5FD-E24E-4C04-851E-C1CA2DE45BC8}"/>
+                <a16:creationId xmlns:a16="http://schemas.microsoft.com/office/drawing/2014/main" xmlns="" id="{A32DB5FD-E24E-4C04-851E-C1CA2DE45BC8}"/>
               </a:ext>
             </a:extLst>
           </p:cNvPr>
@@ -5822,7 +6223,7 @@
           <p:cNvPr id="5" name="Imagem 4">
             <a:extLst>
               <a:ext uri="{FF2B5EF4-FFF2-40B4-BE49-F238E27FC236}">
-                <a16:creationId xmlns:a16="http://schemas.microsoft.com/office/drawing/2014/main" id="{F259DF46-C33C-4A19-A269-1A37F1A956EE}"/>
+                <a16:creationId xmlns:a16="http://schemas.microsoft.com/office/drawing/2014/main" xmlns="" id="{F259DF46-C33C-4A19-A269-1A37F1A956EE}"/>
               </a:ext>
             </a:extLst>
           </p:cNvPr>
@@ -5857,7 +6258,7 @@
           <p:cNvPr id="10" name="Conector reto 9">
             <a:extLst>
               <a:ext uri="{FF2B5EF4-FFF2-40B4-BE49-F238E27FC236}">
-                <a16:creationId xmlns:a16="http://schemas.microsoft.com/office/drawing/2014/main" id="{863ED132-1CFD-4B6E-9EC7-E7A9D8A31099}"/>
+                <a16:creationId xmlns:a16="http://schemas.microsoft.com/office/drawing/2014/main" xmlns="" id="{863ED132-1CFD-4B6E-9EC7-E7A9D8A31099}"/>
               </a:ext>
             </a:extLst>
           </p:cNvPr>
@@ -5898,7 +6299,7 @@
           <p:cNvPr id="14" name="Conector reto 13">
             <a:extLst>
               <a:ext uri="{FF2B5EF4-FFF2-40B4-BE49-F238E27FC236}">
-                <a16:creationId xmlns:a16="http://schemas.microsoft.com/office/drawing/2014/main" id="{7080E6B4-42C5-4D2F-88E5-5F25701B64F7}"/>
+                <a16:creationId xmlns:a16="http://schemas.microsoft.com/office/drawing/2014/main" xmlns="" id="{7080E6B4-42C5-4D2F-88E5-5F25701B64F7}"/>
               </a:ext>
             </a:extLst>
           </p:cNvPr>
@@ -5947,7 +6348,7 @@
 </p:sld>
 </file>
 
-<file path=ppt/slides/slide12.xml><?xml version="1.0" encoding="utf-8"?>
+<file path=ppt/slides/slide13.xml><?xml version="1.0" encoding="utf-8"?>
 <p:sld xmlns:a="http://schemas.openxmlformats.org/drawingml/2006/main" xmlns:r="http://schemas.openxmlformats.org/officeDocument/2006/relationships" xmlns:p="http://schemas.openxmlformats.org/presentationml/2006/main">
   <p:cSld>
     <p:spTree>
@@ -5969,7 +6370,7 @@
           <p:cNvPr id="2" name="Título 1">
             <a:extLst>
               <a:ext uri="{FF2B5EF4-FFF2-40B4-BE49-F238E27FC236}">
-                <a16:creationId xmlns:a16="http://schemas.microsoft.com/office/drawing/2014/main" id="{E5407E68-547D-40FB-ADFC-29225BCA97FB}"/>
+                <a16:creationId xmlns:a16="http://schemas.microsoft.com/office/drawing/2014/main" xmlns="" id="{E5407E68-547D-40FB-ADFC-29225BCA97FB}"/>
               </a:ext>
             </a:extLst>
           </p:cNvPr>
@@ -6003,7 +6404,7 @@
           <p:cNvPr id="4" name="Espaço Reservado para Número de Slide 3">
             <a:extLst>
               <a:ext uri="{FF2B5EF4-FFF2-40B4-BE49-F238E27FC236}">
-                <a16:creationId xmlns:a16="http://schemas.microsoft.com/office/drawing/2014/main" id="{B251EF4B-4832-430A-9B53-231F361E70F5}"/>
+                <a16:creationId xmlns:a16="http://schemas.microsoft.com/office/drawing/2014/main" xmlns="" id="{B251EF4B-4832-430A-9B53-231F361E70F5}"/>
               </a:ext>
             </a:extLst>
           </p:cNvPr>
@@ -6022,7 +6423,7 @@
             <a:fld id="{42B4FE49-DA0E-4E24-BB21-E8757AAD71F5}" type="slidenum">
               <a:rPr lang="pt-BR" smtClean="0"/>
               <a:pPr/>
-              <a:t>12</a:t>
+              <a:t>13</a:t>
             </a:fld>
             <a:endParaRPr lang="pt-BR" dirty="0"/>
           </a:p>
@@ -6033,7 +6434,7 @@
           <p:cNvPr id="7" name="CaixaDeTexto 6">
             <a:extLst>
               <a:ext uri="{FF2B5EF4-FFF2-40B4-BE49-F238E27FC236}">
-                <a16:creationId xmlns:a16="http://schemas.microsoft.com/office/drawing/2014/main" id="{875E6116-A1D4-4C06-8451-B1ED7DE07F79}"/>
+                <a16:creationId xmlns:a16="http://schemas.microsoft.com/office/drawing/2014/main" xmlns="" id="{875E6116-A1D4-4C06-8451-B1ED7DE07F79}"/>
               </a:ext>
             </a:extLst>
           </p:cNvPr>
@@ -6074,6 +6475,12 @@
               </a:rPr>
               <a:t>“Retomada” do Programa Mais Médicos para o Brasil.</a:t>
             </a:r>
+            <a:r>
+              <a:rPr lang="pt-BR" b="0" dirty="0">
+                <a:effectLst/>
+              </a:rPr>
+              <a:t/>
+            </a:r>
             <a:br>
               <a:rPr lang="pt-BR" b="0" dirty="0">
                 <a:effectLst/>
@@ -6088,7 +6495,7 @@
           <p:cNvPr id="10" name="Conector reto 9">
             <a:extLst>
               <a:ext uri="{FF2B5EF4-FFF2-40B4-BE49-F238E27FC236}">
-                <a16:creationId xmlns:a16="http://schemas.microsoft.com/office/drawing/2014/main" id="{500C1D4A-6CA1-4918-9D0C-A6C7752B7263}"/>
+                <a16:creationId xmlns:a16="http://schemas.microsoft.com/office/drawing/2014/main" xmlns="" id="{500C1D4A-6CA1-4918-9D0C-A6C7752B7263}"/>
               </a:ext>
             </a:extLst>
           </p:cNvPr>
@@ -6129,7 +6536,7 @@
           <p:cNvPr id="14" name="Conector reto 13">
             <a:extLst>
               <a:ext uri="{FF2B5EF4-FFF2-40B4-BE49-F238E27FC236}">
-                <a16:creationId xmlns:a16="http://schemas.microsoft.com/office/drawing/2014/main" id="{CAF07FCD-2206-4ECE-87FD-E01D375737E0}"/>
+                <a16:creationId xmlns:a16="http://schemas.microsoft.com/office/drawing/2014/main" xmlns="" id="{CAF07FCD-2206-4ECE-87FD-E01D375737E0}"/>
               </a:ext>
             </a:extLst>
           </p:cNvPr>
@@ -6170,7 +6577,7 @@
           <p:cNvPr id="6" name="Imagem 5">
             <a:extLst>
               <a:ext uri="{FF2B5EF4-FFF2-40B4-BE49-F238E27FC236}">
-                <a16:creationId xmlns:a16="http://schemas.microsoft.com/office/drawing/2014/main" id="{7196FE7D-F35C-4E73-8AD8-6AFBE10F21C9}"/>
+                <a16:creationId xmlns:a16="http://schemas.microsoft.com/office/drawing/2014/main" xmlns="" id="{7196FE7D-F35C-4E73-8AD8-6AFBE10F21C9}"/>
               </a:ext>
             </a:extLst>
           </p:cNvPr>
@@ -6206,7 +6613,7 @@
           <p:cNvPr id="11" name="CaixaDeTexto 10">
             <a:extLst>
               <a:ext uri="{FF2B5EF4-FFF2-40B4-BE49-F238E27FC236}">
-                <a16:creationId xmlns:a16="http://schemas.microsoft.com/office/drawing/2014/main" id="{08EADC39-F10A-4669-8C70-79A7D56B594B}"/>
+                <a16:creationId xmlns:a16="http://schemas.microsoft.com/office/drawing/2014/main" xmlns="" id="{08EADC39-F10A-4669-8C70-79A7D56B594B}"/>
               </a:ext>
             </a:extLst>
           </p:cNvPr>
@@ -6277,458 +6684,6 @@
     <p:extLst>
       <p:ext uri="{BB962C8B-B14F-4D97-AF65-F5344CB8AC3E}">
         <p14:creationId xmlns:p14="http://schemas.microsoft.com/office/powerpoint/2010/main" val="1768915570"/>
-      </p:ext>
-    </p:extLst>
-  </p:cSld>
-  <p:clrMapOvr>
-    <a:masterClrMapping/>
-  </p:clrMapOvr>
-</p:sld>
-</file>
-
-<file path=ppt/slides/slide13.xml><?xml version="1.0" encoding="utf-8"?>
-<p:sld xmlns:a="http://schemas.openxmlformats.org/drawingml/2006/main" xmlns:r="http://schemas.openxmlformats.org/officeDocument/2006/relationships" xmlns:p="http://schemas.openxmlformats.org/presentationml/2006/main">
-  <p:cSld>
-    <p:spTree>
-      <p:nvGrpSpPr>
-        <p:cNvPr id="1" name=""/>
-        <p:cNvGrpSpPr/>
-        <p:nvPr/>
-      </p:nvGrpSpPr>
-      <p:grpSpPr>
-        <a:xfrm>
-          <a:off x="0" y="0"/>
-          <a:ext cx="0" cy="0"/>
-          <a:chOff x="0" y="0"/>
-          <a:chExt cx="0" cy="0"/>
-        </a:xfrm>
-      </p:grpSpPr>
-      <p:sp>
-        <p:nvSpPr>
-          <p:cNvPr id="7" name="Retângulo 6">
-            <a:extLst>
-              <a:ext uri="{FF2B5EF4-FFF2-40B4-BE49-F238E27FC236}">
-                <a16:creationId xmlns:a16="http://schemas.microsoft.com/office/drawing/2014/main" id="{5E0F7497-D302-4F68-8123-03414F2C6833}"/>
-              </a:ext>
-            </a:extLst>
-          </p:cNvPr>
-          <p:cNvSpPr/>
-          <p:nvPr/>
-        </p:nvSpPr>
-        <p:spPr>
-          <a:xfrm>
-            <a:off x="1704975" y="2558112"/>
-            <a:ext cx="8905875" cy="2032937"/>
-          </a:xfrm>
-          <a:prstGeom prst="rect">
-            <a:avLst/>
-          </a:prstGeom>
-          <a:solidFill>
-            <a:srgbClr val="67C7F2"/>
-          </a:solidFill>
-          <a:ln>
-            <a:noFill/>
-          </a:ln>
-        </p:spPr>
-        <p:style>
-          <a:lnRef idx="2">
-            <a:schemeClr val="accent1">
-              <a:shade val="50000"/>
-            </a:schemeClr>
-          </a:lnRef>
-          <a:fillRef idx="1">
-            <a:schemeClr val="accent1"/>
-          </a:fillRef>
-          <a:effectRef idx="0">
-            <a:schemeClr val="accent1"/>
-          </a:effectRef>
-          <a:fontRef idx="minor">
-            <a:schemeClr val="lt1"/>
-          </a:fontRef>
-        </p:style>
-        <p:txBody>
-          <a:bodyPr rtlCol="0" anchor="ctr"/>
-          <a:lstStyle/>
-          <a:p>
-            <a:pPr algn="ctr"/>
-            <a:endParaRPr lang="pt-BR"/>
-          </a:p>
-        </p:txBody>
-      </p:sp>
-      <p:sp>
-        <p:nvSpPr>
-          <p:cNvPr id="2" name="Título 1">
-            <a:extLst>
-              <a:ext uri="{FF2B5EF4-FFF2-40B4-BE49-F238E27FC236}">
-                <a16:creationId xmlns:a16="http://schemas.microsoft.com/office/drawing/2014/main" id="{E5407E68-547D-40FB-ADFC-29225BCA97FB}"/>
-              </a:ext>
-            </a:extLst>
-          </p:cNvPr>
-          <p:cNvSpPr>
-            <a:spLocks noGrp="1"/>
-          </p:cNvSpPr>
-          <p:nvPr>
-            <p:ph type="title"/>
-          </p:nvPr>
-        </p:nvSpPr>
-        <p:spPr>
-          <a:xfrm>
-            <a:off x="419100" y="373393"/>
-            <a:ext cx="11496675" cy="1325563"/>
-          </a:xfrm>
-        </p:spPr>
-        <p:txBody>
-          <a:bodyPr/>
-          <a:lstStyle/>
-          <a:p>
-            <a:pPr algn="ctr"/>
-            <a:r>
-              <a:rPr lang="pt-BR" dirty="0"/>
-              <a:t>EDITAL Nº 5, DE 19 DE MAIO DE 2023</a:t>
-            </a:r>
-          </a:p>
-        </p:txBody>
-      </p:sp>
-      <p:sp>
-        <p:nvSpPr>
-          <p:cNvPr id="4" name="Espaço Reservado para Número de Slide 3">
-            <a:extLst>
-              <a:ext uri="{FF2B5EF4-FFF2-40B4-BE49-F238E27FC236}">
-                <a16:creationId xmlns:a16="http://schemas.microsoft.com/office/drawing/2014/main" id="{B251EF4B-4832-430A-9B53-231F361E70F5}"/>
-              </a:ext>
-            </a:extLst>
-          </p:cNvPr>
-          <p:cNvSpPr>
-            <a:spLocks noGrp="1"/>
-          </p:cNvSpPr>
-          <p:nvPr>
-            <p:ph type="sldNum" sz="quarter" idx="10"/>
-          </p:nvPr>
-        </p:nvSpPr>
-        <p:spPr/>
-        <p:txBody>
-          <a:bodyPr/>
-          <a:lstStyle/>
-          <a:p>
-            <a:fld id="{42B4FE49-DA0E-4E24-BB21-E8757AAD71F5}" type="slidenum">
-              <a:rPr lang="pt-BR" smtClean="0"/>
-              <a:pPr/>
-              <a:t>13</a:t>
-            </a:fld>
-            <a:endParaRPr lang="pt-BR" dirty="0"/>
-          </a:p>
-        </p:txBody>
-      </p:sp>
-      <p:sp>
-        <p:nvSpPr>
-          <p:cNvPr id="9" name="CaixaDeTexto 8">
-            <a:extLst>
-              <a:ext uri="{FF2B5EF4-FFF2-40B4-BE49-F238E27FC236}">
-                <a16:creationId xmlns:a16="http://schemas.microsoft.com/office/drawing/2014/main" id="{A32DB5FD-E24E-4C04-851E-C1CA2DE45BC8}"/>
-              </a:ext>
-            </a:extLst>
-          </p:cNvPr>
-          <p:cNvSpPr txBox="1"/>
-          <p:nvPr/>
-        </p:nvSpPr>
-        <p:spPr>
-          <a:xfrm>
-            <a:off x="1838324" y="2709877"/>
-            <a:ext cx="8515350" cy="1754326"/>
-          </a:xfrm>
-          <a:prstGeom prst="rect">
-            <a:avLst/>
-          </a:prstGeom>
-          <a:noFill/>
-        </p:spPr>
-        <p:txBody>
-          <a:bodyPr wrap="square">
-            <a:spAutoFit/>
-          </a:bodyPr>
-          <a:lstStyle/>
-          <a:p>
-            <a:r>
-              <a:rPr lang="pt-BR" b="1" dirty="0">
-                <a:solidFill>
-                  <a:schemeClr val="bg1"/>
-                </a:solidFill>
-              </a:rPr>
-              <a:t>Perfil 1: médicos formados em instituições de educação superior brasileiras ou com diploma revalidado no País, com registro no Conselho Regional de Medicina - CRM;</a:t>
-            </a:r>
-          </a:p>
-          <a:p>
-            <a:endParaRPr lang="pt-BR" b="1" dirty="0">
-              <a:solidFill>
-                <a:schemeClr val="bg1"/>
-              </a:solidFill>
-            </a:endParaRPr>
-          </a:p>
-          <a:p>
-            <a:r>
-              <a:rPr lang="pt-BR" b="1" dirty="0">
-                <a:solidFill>
-                  <a:schemeClr val="bg1"/>
-                </a:solidFill>
-              </a:rPr>
-              <a:t>Perfil 2: médicos brasileiros com habilitação para exercício da Medicina no exterior; e</a:t>
-            </a:r>
-          </a:p>
-          <a:p>
-            <a:endParaRPr lang="pt-BR" b="1" dirty="0">
-              <a:solidFill>
-                <a:schemeClr val="bg1"/>
-              </a:solidFill>
-            </a:endParaRPr>
-          </a:p>
-          <a:p>
-            <a:r>
-              <a:rPr lang="pt-BR" b="1" dirty="0">
-                <a:solidFill>
-                  <a:schemeClr val="bg1"/>
-                </a:solidFill>
-              </a:rPr>
-              <a:t>Perfil 3: médicos estrangeiros com habilitação para exercício de medicina no exterior.</a:t>
-            </a:r>
-          </a:p>
-        </p:txBody>
-      </p:sp>
-      <p:pic>
-        <p:nvPicPr>
-          <p:cNvPr id="5" name="Imagem 4">
-            <a:extLst>
-              <a:ext uri="{FF2B5EF4-FFF2-40B4-BE49-F238E27FC236}">
-                <a16:creationId xmlns:a16="http://schemas.microsoft.com/office/drawing/2014/main" id="{05F67C67-DA67-4FF1-A286-CF17F0405004}"/>
-              </a:ext>
-            </a:extLst>
-          </p:cNvPr>
-          <p:cNvPicPr>
-            <a:picLocks noChangeAspect="1"/>
-          </p:cNvPicPr>
-          <p:nvPr/>
-        </p:nvPicPr>
-        <p:blipFill>
-          <a:blip r:embed="rId2">
-            <a:extLst>
-              <a:ext uri="{28A0092B-C50C-407E-A947-70E740481C1C}">
-                <a14:useLocalDpi xmlns:a14="http://schemas.microsoft.com/office/drawing/2010/main" val="0"/>
-              </a:ext>
-            </a:extLst>
-          </a:blip>
-          <a:stretch>
-            <a:fillRect/>
-          </a:stretch>
-        </p:blipFill>
-        <p:spPr>
-          <a:xfrm>
-            <a:off x="5338232" y="4742814"/>
-            <a:ext cx="1515533" cy="1515533"/>
-          </a:xfrm>
-          <a:prstGeom prst="rect">
-            <a:avLst/>
-          </a:prstGeom>
-        </p:spPr>
-      </p:pic>
-      <p:sp>
-        <p:nvSpPr>
-          <p:cNvPr id="10" name="CaixaDeTexto 9">
-            <a:extLst>
-              <a:ext uri="{FF2B5EF4-FFF2-40B4-BE49-F238E27FC236}">
-                <a16:creationId xmlns:a16="http://schemas.microsoft.com/office/drawing/2014/main" id="{8C44AB79-BD69-42C7-8107-999C571EC43F}"/>
-              </a:ext>
-            </a:extLst>
-          </p:cNvPr>
-          <p:cNvSpPr txBox="1"/>
-          <p:nvPr/>
-        </p:nvSpPr>
-        <p:spPr>
-          <a:xfrm>
-            <a:off x="956733" y="1667675"/>
-            <a:ext cx="10278533" cy="461665"/>
-          </a:xfrm>
-          <a:prstGeom prst="rect">
-            <a:avLst/>
-          </a:prstGeom>
-          <a:noFill/>
-        </p:spPr>
-        <p:txBody>
-          <a:bodyPr wrap="square">
-            <a:spAutoFit/>
-          </a:bodyPr>
-          <a:lstStyle/>
-          <a:p>
-            <a:pPr algn="ctr" rtl="0">
-              <a:spcBef>
-                <a:spcPts val="0"/>
-              </a:spcBef>
-              <a:spcAft>
-                <a:spcPts val="0"/>
-              </a:spcAft>
-            </a:pPr>
-            <a:r>
-              <a:rPr lang="pt-BR" sz="2400" dirty="0"/>
-              <a:t>Ordem de prioridade</a:t>
-            </a:r>
-          </a:p>
-        </p:txBody>
-      </p:sp>
-      <p:cxnSp>
-        <p:nvCxnSpPr>
-          <p:cNvPr id="11" name="Conector reto 10">
-            <a:extLst>
-              <a:ext uri="{FF2B5EF4-FFF2-40B4-BE49-F238E27FC236}">
-                <a16:creationId xmlns:a16="http://schemas.microsoft.com/office/drawing/2014/main" id="{A3621E3D-C0AF-4E23-A437-341DB4FEC23B}"/>
-              </a:ext>
-            </a:extLst>
-          </p:cNvPr>
-          <p:cNvCxnSpPr/>
-          <p:nvPr/>
-        </p:nvCxnSpPr>
-        <p:spPr>
-          <a:xfrm flipH="1">
-            <a:off x="-177800" y="1905000"/>
-            <a:ext cx="4690533" cy="0"/>
-          </a:xfrm>
-          <a:prstGeom prst="line">
-            <a:avLst/>
-          </a:prstGeom>
-          <a:ln>
-            <a:solidFill>
-              <a:schemeClr val="tx1"/>
-            </a:solidFill>
-          </a:ln>
-        </p:spPr>
-        <p:style>
-          <a:lnRef idx="1">
-            <a:schemeClr val="accent1"/>
-          </a:lnRef>
-          <a:fillRef idx="0">
-            <a:schemeClr val="accent1"/>
-          </a:fillRef>
-          <a:effectRef idx="0">
-            <a:schemeClr val="accent1"/>
-          </a:effectRef>
-          <a:fontRef idx="minor">
-            <a:schemeClr val="tx1"/>
-          </a:fontRef>
-        </p:style>
-      </p:cxnSp>
-      <p:cxnSp>
-        <p:nvCxnSpPr>
-          <p:cNvPr id="12" name="Conector reto 11">
-            <a:extLst>
-              <a:ext uri="{FF2B5EF4-FFF2-40B4-BE49-F238E27FC236}">
-                <a16:creationId xmlns:a16="http://schemas.microsoft.com/office/drawing/2014/main" id="{CBCC7E19-1EEF-4343-A75D-B93ACB22F9D6}"/>
-              </a:ext>
-            </a:extLst>
-          </p:cNvPr>
-          <p:cNvCxnSpPr/>
-          <p:nvPr/>
-        </p:nvCxnSpPr>
-        <p:spPr>
-          <a:xfrm flipH="1">
-            <a:off x="7653867" y="1905000"/>
-            <a:ext cx="4690533" cy="0"/>
-          </a:xfrm>
-          <a:prstGeom prst="line">
-            <a:avLst/>
-          </a:prstGeom>
-          <a:ln>
-            <a:solidFill>
-              <a:schemeClr val="tx1"/>
-            </a:solidFill>
-          </a:ln>
-        </p:spPr>
-        <p:style>
-          <a:lnRef idx="1">
-            <a:schemeClr val="accent1"/>
-          </a:lnRef>
-          <a:fillRef idx="0">
-            <a:schemeClr val="accent1"/>
-          </a:fillRef>
-          <a:effectRef idx="0">
-            <a:schemeClr val="accent1"/>
-          </a:effectRef>
-          <a:fontRef idx="minor">
-            <a:schemeClr val="tx1"/>
-          </a:fontRef>
-        </p:style>
-      </p:cxnSp>
-      <p:pic>
-        <p:nvPicPr>
-          <p:cNvPr id="14" name="Imagem 13">
-            <a:extLst>
-              <a:ext uri="{FF2B5EF4-FFF2-40B4-BE49-F238E27FC236}">
-                <a16:creationId xmlns:a16="http://schemas.microsoft.com/office/drawing/2014/main" id="{42D323B6-9B59-406A-8490-F154B66F9D74}"/>
-              </a:ext>
-            </a:extLst>
-          </p:cNvPr>
-          <p:cNvPicPr>
-            <a:picLocks noChangeAspect="1"/>
-          </p:cNvPicPr>
-          <p:nvPr/>
-        </p:nvPicPr>
-        <p:blipFill>
-          <a:blip r:embed="rId2">
-            <a:extLst>
-              <a:ext uri="{28A0092B-C50C-407E-A947-70E740481C1C}">
-                <a14:useLocalDpi xmlns:a14="http://schemas.microsoft.com/office/drawing/2010/main" val="0"/>
-              </a:ext>
-            </a:extLst>
-          </a:blip>
-          <a:stretch>
-            <a:fillRect/>
-          </a:stretch>
-        </p:blipFill>
-        <p:spPr>
-          <a:xfrm>
-            <a:off x="4169833" y="4953632"/>
-            <a:ext cx="1093895" cy="1093895"/>
-          </a:xfrm>
-          <a:prstGeom prst="rect">
-            <a:avLst/>
-          </a:prstGeom>
-        </p:spPr>
-      </p:pic>
-      <p:pic>
-        <p:nvPicPr>
-          <p:cNvPr id="16" name="Imagem 15">
-            <a:extLst>
-              <a:ext uri="{FF2B5EF4-FFF2-40B4-BE49-F238E27FC236}">
-                <a16:creationId xmlns:a16="http://schemas.microsoft.com/office/drawing/2014/main" id="{A42EE720-7CCF-4A68-8CA4-B3F45BAD16C5}"/>
-              </a:ext>
-            </a:extLst>
-          </p:cNvPr>
-          <p:cNvPicPr>
-            <a:picLocks noChangeAspect="1"/>
-          </p:cNvPicPr>
-          <p:nvPr/>
-        </p:nvPicPr>
-        <p:blipFill>
-          <a:blip r:embed="rId2">
-            <a:extLst>
-              <a:ext uri="{28A0092B-C50C-407E-A947-70E740481C1C}">
-                <a14:useLocalDpi xmlns:a14="http://schemas.microsoft.com/office/drawing/2010/main" val="0"/>
-              </a:ext>
-            </a:extLst>
-          </a:blip>
-          <a:stretch>
-            <a:fillRect/>
-          </a:stretch>
-        </p:blipFill>
-        <p:spPr>
-          <a:xfrm>
-            <a:off x="6928269" y="4953632"/>
-            <a:ext cx="1093895" cy="1093895"/>
-          </a:xfrm>
-          <a:prstGeom prst="rect">
-            <a:avLst/>
-          </a:prstGeom>
-        </p:spPr>
-      </p:pic>
-    </p:spTree>
-    <p:extLst>
-      <p:ext uri="{BB962C8B-B14F-4D97-AF65-F5344CB8AC3E}">
-        <p14:creationId xmlns:p14="http://schemas.microsoft.com/office/powerpoint/2010/main" val="1785814877"/>
       </p:ext>
     </p:extLst>
   </p:cSld>
@@ -6760,7 +6715,7 @@
           <p:cNvPr id="7" name="Retângulo 6">
             <a:extLst>
               <a:ext uri="{FF2B5EF4-FFF2-40B4-BE49-F238E27FC236}">
-                <a16:creationId xmlns:a16="http://schemas.microsoft.com/office/drawing/2014/main" id="{5E0F7497-D302-4F68-8123-03414F2C6833}"/>
+                <a16:creationId xmlns:a16="http://schemas.microsoft.com/office/drawing/2014/main" xmlns="" id="{5E0F7497-D302-4F68-8123-03414F2C6833}"/>
               </a:ext>
             </a:extLst>
           </p:cNvPr>
@@ -6812,7 +6767,7 @@
           <p:cNvPr id="2" name="Título 1">
             <a:extLst>
               <a:ext uri="{FF2B5EF4-FFF2-40B4-BE49-F238E27FC236}">
-                <a16:creationId xmlns:a16="http://schemas.microsoft.com/office/drawing/2014/main" id="{E5407E68-547D-40FB-ADFC-29225BCA97FB}"/>
+                <a16:creationId xmlns:a16="http://schemas.microsoft.com/office/drawing/2014/main" xmlns="" id="{E5407E68-547D-40FB-ADFC-29225BCA97FB}"/>
               </a:ext>
             </a:extLst>
           </p:cNvPr>
@@ -6846,7 +6801,7 @@
           <p:cNvPr id="4" name="Espaço Reservado para Número de Slide 3">
             <a:extLst>
               <a:ext uri="{FF2B5EF4-FFF2-40B4-BE49-F238E27FC236}">
-                <a16:creationId xmlns:a16="http://schemas.microsoft.com/office/drawing/2014/main" id="{B251EF4B-4832-430A-9B53-231F361E70F5}"/>
+                <a16:creationId xmlns:a16="http://schemas.microsoft.com/office/drawing/2014/main" xmlns="" id="{B251EF4B-4832-430A-9B53-231F361E70F5}"/>
               </a:ext>
             </a:extLst>
           </p:cNvPr>
@@ -6876,7 +6831,7 @@
           <p:cNvPr id="9" name="CaixaDeTexto 8">
             <a:extLst>
               <a:ext uri="{FF2B5EF4-FFF2-40B4-BE49-F238E27FC236}">
-                <a16:creationId xmlns:a16="http://schemas.microsoft.com/office/drawing/2014/main" id="{A32DB5FD-E24E-4C04-851E-C1CA2DE45BC8}"/>
+                <a16:creationId xmlns:a16="http://schemas.microsoft.com/office/drawing/2014/main" xmlns="" id="{A32DB5FD-E24E-4C04-851E-C1CA2DE45BC8}"/>
               </a:ext>
             </a:extLst>
           </p:cNvPr>
@@ -6885,8 +6840,8 @@
         </p:nvSpPr>
         <p:spPr>
           <a:xfrm>
-            <a:off x="1714500" y="3047259"/>
-            <a:ext cx="8905874" cy="923330"/>
+            <a:off x="1838324" y="2709877"/>
+            <a:ext cx="8515350" cy="1754326"/>
           </a:xfrm>
           <a:prstGeom prst="rect">
             <a:avLst/>
@@ -6905,7 +6860,41 @@
                   <a:schemeClr val="bg1"/>
                 </a:solidFill>
               </a:rPr>
-              <a:t>4.2.2 A indicação do local de atuação é requisito indispensável para alocação do profissional no Projeto sendo oportunizada ao candidato a indicação de 2 (duas) localidades, por ordem de sua preferência.</a:t>
+              <a:t>Perfil 1: médicos formados em instituições de educação superior brasileiras ou com diploma revalidado no País, com registro no Conselho Regional de Medicina - CRM;</a:t>
+            </a:r>
+          </a:p>
+          <a:p>
+            <a:endParaRPr lang="pt-BR" b="1" dirty="0">
+              <a:solidFill>
+                <a:schemeClr val="bg1"/>
+              </a:solidFill>
+            </a:endParaRPr>
+          </a:p>
+          <a:p>
+            <a:r>
+              <a:rPr lang="pt-BR" b="1" dirty="0">
+                <a:solidFill>
+                  <a:schemeClr val="bg1"/>
+                </a:solidFill>
+              </a:rPr>
+              <a:t>Perfil 2: médicos brasileiros com habilitação para exercício da Medicina no exterior; e</a:t>
+            </a:r>
+          </a:p>
+          <a:p>
+            <a:endParaRPr lang="pt-BR" b="1" dirty="0">
+              <a:solidFill>
+                <a:schemeClr val="bg1"/>
+              </a:solidFill>
+            </a:endParaRPr>
+          </a:p>
+          <a:p>
+            <a:r>
+              <a:rPr lang="pt-BR" b="1" dirty="0">
+                <a:solidFill>
+                  <a:schemeClr val="bg1"/>
+                </a:solidFill>
+              </a:rPr>
+              <a:t>Perfil 3: médicos estrangeiros com habilitação para exercício de medicina no exterior.</a:t>
             </a:r>
           </a:p>
         </p:txBody>
@@ -6915,7 +6904,7 @@
           <p:cNvPr id="5" name="Imagem 4">
             <a:extLst>
               <a:ext uri="{FF2B5EF4-FFF2-40B4-BE49-F238E27FC236}">
-                <a16:creationId xmlns:a16="http://schemas.microsoft.com/office/drawing/2014/main" id="{05F67C67-DA67-4FF1-A286-CF17F0405004}"/>
+                <a16:creationId xmlns:a16="http://schemas.microsoft.com/office/drawing/2014/main" xmlns="" id="{05F67C67-DA67-4FF1-A286-CF17F0405004}"/>
               </a:ext>
             </a:extLst>
           </p:cNvPr>
@@ -6925,7 +6914,7 @@
           <p:nvPr/>
         </p:nvPicPr>
         <p:blipFill>
-          <a:blip r:embed="rId2">
+          <a:blip r:embed="rId2" cstate="print">
             <a:extLst>
               <a:ext uri="{28A0092B-C50C-407E-A947-70E740481C1C}">
                 <a14:useLocalDpi xmlns:a14="http://schemas.microsoft.com/office/drawing/2010/main" val="0"/>
@@ -6951,7 +6940,7 @@
           <p:cNvPr id="10" name="CaixaDeTexto 9">
             <a:extLst>
               <a:ext uri="{FF2B5EF4-FFF2-40B4-BE49-F238E27FC236}">
-                <a16:creationId xmlns:a16="http://schemas.microsoft.com/office/drawing/2014/main" id="{8C44AB79-BD69-42C7-8107-999C571EC43F}"/>
+                <a16:creationId xmlns:a16="http://schemas.microsoft.com/office/drawing/2014/main" xmlns="" id="{8C44AB79-BD69-42C7-8107-999C571EC43F}"/>
               </a:ext>
             </a:extLst>
           </p:cNvPr>
@@ -6994,7 +6983,7 @@
           <p:cNvPr id="11" name="Conector reto 10">
             <a:extLst>
               <a:ext uri="{FF2B5EF4-FFF2-40B4-BE49-F238E27FC236}">
-                <a16:creationId xmlns:a16="http://schemas.microsoft.com/office/drawing/2014/main" id="{A3621E3D-C0AF-4E23-A437-341DB4FEC23B}"/>
+                <a16:creationId xmlns:a16="http://schemas.microsoft.com/office/drawing/2014/main" xmlns="" id="{A3621E3D-C0AF-4E23-A437-341DB4FEC23B}"/>
               </a:ext>
             </a:extLst>
           </p:cNvPr>
@@ -7035,7 +7024,7 @@
           <p:cNvPr id="12" name="Conector reto 11">
             <a:extLst>
               <a:ext uri="{FF2B5EF4-FFF2-40B4-BE49-F238E27FC236}">
-                <a16:creationId xmlns:a16="http://schemas.microsoft.com/office/drawing/2014/main" id="{CBCC7E19-1EEF-4343-A75D-B93ACB22F9D6}"/>
+                <a16:creationId xmlns:a16="http://schemas.microsoft.com/office/drawing/2014/main" xmlns="" id="{CBCC7E19-1EEF-4343-A75D-B93ACB22F9D6}"/>
               </a:ext>
             </a:extLst>
           </p:cNvPr>
@@ -7076,7 +7065,7 @@
           <p:cNvPr id="14" name="Imagem 13">
             <a:extLst>
               <a:ext uri="{FF2B5EF4-FFF2-40B4-BE49-F238E27FC236}">
-                <a16:creationId xmlns:a16="http://schemas.microsoft.com/office/drawing/2014/main" id="{42D323B6-9B59-406A-8490-F154B66F9D74}"/>
+                <a16:creationId xmlns:a16="http://schemas.microsoft.com/office/drawing/2014/main" xmlns="" id="{42D323B6-9B59-406A-8490-F154B66F9D74}"/>
               </a:ext>
             </a:extLst>
           </p:cNvPr>
@@ -7086,7 +7075,7 @@
           <p:nvPr/>
         </p:nvPicPr>
         <p:blipFill>
-          <a:blip r:embed="rId2">
+          <a:blip r:embed="rId3" cstate="print">
             <a:extLst>
               <a:ext uri="{28A0092B-C50C-407E-A947-70E740481C1C}">
                 <a14:useLocalDpi xmlns:a14="http://schemas.microsoft.com/office/drawing/2010/main" val="0"/>
@@ -7112,7 +7101,7 @@
           <p:cNvPr id="16" name="Imagem 15">
             <a:extLst>
               <a:ext uri="{FF2B5EF4-FFF2-40B4-BE49-F238E27FC236}">
-                <a16:creationId xmlns:a16="http://schemas.microsoft.com/office/drawing/2014/main" id="{A42EE720-7CCF-4A68-8CA4-B3F45BAD16C5}"/>
+                <a16:creationId xmlns:a16="http://schemas.microsoft.com/office/drawing/2014/main" xmlns="" id="{A42EE720-7CCF-4A68-8CA4-B3F45BAD16C5}"/>
               </a:ext>
             </a:extLst>
           </p:cNvPr>
@@ -7122,7 +7111,7 @@
           <p:nvPr/>
         </p:nvPicPr>
         <p:blipFill>
-          <a:blip r:embed="rId2">
+          <a:blip r:embed="rId3" cstate="print">
             <a:extLst>
               <a:ext uri="{28A0092B-C50C-407E-A947-70E740481C1C}">
                 <a14:useLocalDpi xmlns:a14="http://schemas.microsoft.com/office/drawing/2010/main" val="0"/>
@@ -7146,7 +7135,7 @@
     </p:spTree>
     <p:extLst>
       <p:ext uri="{BB962C8B-B14F-4D97-AF65-F5344CB8AC3E}">
-        <p14:creationId xmlns:p14="http://schemas.microsoft.com/office/powerpoint/2010/main" val="3563273176"/>
+        <p14:creationId xmlns:p14="http://schemas.microsoft.com/office/powerpoint/2010/main" val="1785814877"/>
       </p:ext>
     </p:extLst>
   </p:cSld>
@@ -7175,10 +7164,62 @@
       </p:grpSpPr>
       <p:sp>
         <p:nvSpPr>
+          <p:cNvPr id="7" name="Retângulo 6">
+            <a:extLst>
+              <a:ext uri="{FF2B5EF4-FFF2-40B4-BE49-F238E27FC236}">
+                <a16:creationId xmlns:a16="http://schemas.microsoft.com/office/drawing/2014/main" xmlns="" id="{5E0F7497-D302-4F68-8123-03414F2C6833}"/>
+              </a:ext>
+            </a:extLst>
+          </p:cNvPr>
+          <p:cNvSpPr/>
+          <p:nvPr/>
+        </p:nvSpPr>
+        <p:spPr>
+          <a:xfrm>
+            <a:off x="1704975" y="2558112"/>
+            <a:ext cx="8905875" cy="2032937"/>
+          </a:xfrm>
+          <a:prstGeom prst="rect">
+            <a:avLst/>
+          </a:prstGeom>
+          <a:solidFill>
+            <a:srgbClr val="67C7F2"/>
+          </a:solidFill>
+          <a:ln>
+            <a:noFill/>
+          </a:ln>
+        </p:spPr>
+        <p:style>
+          <a:lnRef idx="2">
+            <a:schemeClr val="accent1">
+              <a:shade val="50000"/>
+            </a:schemeClr>
+          </a:lnRef>
+          <a:fillRef idx="1">
+            <a:schemeClr val="accent1"/>
+          </a:fillRef>
+          <a:effectRef idx="0">
+            <a:schemeClr val="accent1"/>
+          </a:effectRef>
+          <a:fontRef idx="minor">
+            <a:schemeClr val="lt1"/>
+          </a:fontRef>
+        </p:style>
+        <p:txBody>
+          <a:bodyPr rtlCol="0" anchor="ctr"/>
+          <a:lstStyle/>
+          <a:p>
+            <a:pPr algn="ctr"/>
+            <a:endParaRPr lang="pt-BR"/>
+          </a:p>
+        </p:txBody>
+      </p:sp>
+      <p:sp>
+        <p:nvSpPr>
           <p:cNvPr id="2" name="Título 1">
             <a:extLst>
               <a:ext uri="{FF2B5EF4-FFF2-40B4-BE49-F238E27FC236}">
-                <a16:creationId xmlns:a16="http://schemas.microsoft.com/office/drawing/2014/main" id="{E5407E68-547D-40FB-ADFC-29225BCA97FB}"/>
+                <a16:creationId xmlns:a16="http://schemas.microsoft.com/office/drawing/2014/main" xmlns="" id="{E5407E68-547D-40FB-ADFC-29225BCA97FB}"/>
               </a:ext>
             </a:extLst>
           </p:cNvPr>
@@ -7202,7 +7243,7 @@
             <a:pPr algn="ctr"/>
             <a:r>
               <a:rPr lang="pt-BR" dirty="0"/>
-              <a:t>EDITAL Nº 05, DE 19 DE MAIO DE 2023</a:t>
+              <a:t>EDITAL Nº 5, DE 19 DE MAIO DE 2023</a:t>
             </a:r>
           </a:p>
         </p:txBody>
@@ -7212,7 +7253,7 @@
           <p:cNvPr id="4" name="Espaço Reservado para Número de Slide 3">
             <a:extLst>
               <a:ext uri="{FF2B5EF4-FFF2-40B4-BE49-F238E27FC236}">
-                <a16:creationId xmlns:a16="http://schemas.microsoft.com/office/drawing/2014/main" id="{B251EF4B-4832-430A-9B53-231F361E70F5}"/>
+                <a16:creationId xmlns:a16="http://schemas.microsoft.com/office/drawing/2014/main" xmlns="" id="{B251EF4B-4832-430A-9B53-231F361E70F5}"/>
               </a:ext>
             </a:extLst>
           </p:cNvPr>
@@ -7237,12 +7278,378 @@
           </a:p>
         </p:txBody>
       </p:sp>
+      <p:sp>
+        <p:nvSpPr>
+          <p:cNvPr id="9" name="CaixaDeTexto 8">
+            <a:extLst>
+              <a:ext uri="{FF2B5EF4-FFF2-40B4-BE49-F238E27FC236}">
+                <a16:creationId xmlns:a16="http://schemas.microsoft.com/office/drawing/2014/main" xmlns="" id="{A32DB5FD-E24E-4C04-851E-C1CA2DE45BC8}"/>
+              </a:ext>
+            </a:extLst>
+          </p:cNvPr>
+          <p:cNvSpPr txBox="1"/>
+          <p:nvPr/>
+        </p:nvSpPr>
+        <p:spPr>
+          <a:xfrm>
+            <a:off x="1714500" y="3047259"/>
+            <a:ext cx="8905874" cy="923330"/>
+          </a:xfrm>
+          <a:prstGeom prst="rect">
+            <a:avLst/>
+          </a:prstGeom>
+          <a:noFill/>
+        </p:spPr>
+        <p:txBody>
+          <a:bodyPr wrap="square">
+            <a:spAutoFit/>
+          </a:bodyPr>
+          <a:lstStyle/>
+          <a:p>
+            <a:r>
+              <a:rPr lang="pt-BR" b="1" dirty="0">
+                <a:solidFill>
+                  <a:schemeClr val="bg1"/>
+                </a:solidFill>
+              </a:rPr>
+              <a:t>4.2.2 A indicação do local de atuação é requisito indispensável para alocação do profissional no Projeto sendo oportunizada ao candidato a indicação de 2 (duas) localidades, por ordem de sua preferência.</a:t>
+            </a:r>
+          </a:p>
+        </p:txBody>
+      </p:sp>
+      <p:pic>
+        <p:nvPicPr>
+          <p:cNvPr id="5" name="Imagem 4">
+            <a:extLst>
+              <a:ext uri="{FF2B5EF4-FFF2-40B4-BE49-F238E27FC236}">
+                <a16:creationId xmlns:a16="http://schemas.microsoft.com/office/drawing/2014/main" xmlns="" id="{05F67C67-DA67-4FF1-A286-CF17F0405004}"/>
+              </a:ext>
+            </a:extLst>
+          </p:cNvPr>
+          <p:cNvPicPr>
+            <a:picLocks noChangeAspect="1"/>
+          </p:cNvPicPr>
+          <p:nvPr/>
+        </p:nvPicPr>
+        <p:blipFill>
+          <a:blip r:embed="rId2" cstate="print">
+            <a:extLst>
+              <a:ext uri="{28A0092B-C50C-407E-A947-70E740481C1C}">
+                <a14:useLocalDpi xmlns:a14="http://schemas.microsoft.com/office/drawing/2010/main" val="0"/>
+              </a:ext>
+            </a:extLst>
+          </a:blip>
+          <a:stretch>
+            <a:fillRect/>
+          </a:stretch>
+        </p:blipFill>
+        <p:spPr>
+          <a:xfrm>
+            <a:off x="5338232" y="4742814"/>
+            <a:ext cx="1515533" cy="1515533"/>
+          </a:xfrm>
+          <a:prstGeom prst="rect">
+            <a:avLst/>
+          </a:prstGeom>
+        </p:spPr>
+      </p:pic>
+      <p:sp>
+        <p:nvSpPr>
+          <p:cNvPr id="10" name="CaixaDeTexto 9">
+            <a:extLst>
+              <a:ext uri="{FF2B5EF4-FFF2-40B4-BE49-F238E27FC236}">
+                <a16:creationId xmlns:a16="http://schemas.microsoft.com/office/drawing/2014/main" xmlns="" id="{8C44AB79-BD69-42C7-8107-999C571EC43F}"/>
+              </a:ext>
+            </a:extLst>
+          </p:cNvPr>
+          <p:cNvSpPr txBox="1"/>
+          <p:nvPr/>
+        </p:nvSpPr>
+        <p:spPr>
+          <a:xfrm>
+            <a:off x="956733" y="1667675"/>
+            <a:ext cx="10278533" cy="461665"/>
+          </a:xfrm>
+          <a:prstGeom prst="rect">
+            <a:avLst/>
+          </a:prstGeom>
+          <a:noFill/>
+        </p:spPr>
+        <p:txBody>
+          <a:bodyPr wrap="square">
+            <a:spAutoFit/>
+          </a:bodyPr>
+          <a:lstStyle/>
+          <a:p>
+            <a:pPr algn="ctr" rtl="0">
+              <a:spcBef>
+                <a:spcPts val="0"/>
+              </a:spcBef>
+              <a:spcAft>
+                <a:spcPts val="0"/>
+              </a:spcAft>
+            </a:pPr>
+            <a:r>
+              <a:rPr lang="pt-BR" sz="2400" dirty="0"/>
+              <a:t>Ordem de prioridade</a:t>
+            </a:r>
+          </a:p>
+        </p:txBody>
+      </p:sp>
+      <p:cxnSp>
+        <p:nvCxnSpPr>
+          <p:cNvPr id="11" name="Conector reto 10">
+            <a:extLst>
+              <a:ext uri="{FF2B5EF4-FFF2-40B4-BE49-F238E27FC236}">
+                <a16:creationId xmlns:a16="http://schemas.microsoft.com/office/drawing/2014/main" xmlns="" id="{A3621E3D-C0AF-4E23-A437-341DB4FEC23B}"/>
+              </a:ext>
+            </a:extLst>
+          </p:cNvPr>
+          <p:cNvCxnSpPr/>
+          <p:nvPr/>
+        </p:nvCxnSpPr>
+        <p:spPr>
+          <a:xfrm flipH="1">
+            <a:off x="-177800" y="1905000"/>
+            <a:ext cx="4690533" cy="0"/>
+          </a:xfrm>
+          <a:prstGeom prst="line">
+            <a:avLst/>
+          </a:prstGeom>
+          <a:ln>
+            <a:solidFill>
+              <a:schemeClr val="tx1"/>
+            </a:solidFill>
+          </a:ln>
+        </p:spPr>
+        <p:style>
+          <a:lnRef idx="1">
+            <a:schemeClr val="accent1"/>
+          </a:lnRef>
+          <a:fillRef idx="0">
+            <a:schemeClr val="accent1"/>
+          </a:fillRef>
+          <a:effectRef idx="0">
+            <a:schemeClr val="accent1"/>
+          </a:effectRef>
+          <a:fontRef idx="minor">
+            <a:schemeClr val="tx1"/>
+          </a:fontRef>
+        </p:style>
+      </p:cxnSp>
+      <p:cxnSp>
+        <p:nvCxnSpPr>
+          <p:cNvPr id="12" name="Conector reto 11">
+            <a:extLst>
+              <a:ext uri="{FF2B5EF4-FFF2-40B4-BE49-F238E27FC236}">
+                <a16:creationId xmlns:a16="http://schemas.microsoft.com/office/drawing/2014/main" xmlns="" id="{CBCC7E19-1EEF-4343-A75D-B93ACB22F9D6}"/>
+              </a:ext>
+            </a:extLst>
+          </p:cNvPr>
+          <p:cNvCxnSpPr/>
+          <p:nvPr/>
+        </p:nvCxnSpPr>
+        <p:spPr>
+          <a:xfrm flipH="1">
+            <a:off x="7653867" y="1905000"/>
+            <a:ext cx="4690533" cy="0"/>
+          </a:xfrm>
+          <a:prstGeom prst="line">
+            <a:avLst/>
+          </a:prstGeom>
+          <a:ln>
+            <a:solidFill>
+              <a:schemeClr val="tx1"/>
+            </a:solidFill>
+          </a:ln>
+        </p:spPr>
+        <p:style>
+          <a:lnRef idx="1">
+            <a:schemeClr val="accent1"/>
+          </a:lnRef>
+          <a:fillRef idx="0">
+            <a:schemeClr val="accent1"/>
+          </a:fillRef>
+          <a:effectRef idx="0">
+            <a:schemeClr val="accent1"/>
+          </a:effectRef>
+          <a:fontRef idx="minor">
+            <a:schemeClr val="tx1"/>
+          </a:fontRef>
+        </p:style>
+      </p:cxnSp>
+      <p:pic>
+        <p:nvPicPr>
+          <p:cNvPr id="14" name="Imagem 13">
+            <a:extLst>
+              <a:ext uri="{FF2B5EF4-FFF2-40B4-BE49-F238E27FC236}">
+                <a16:creationId xmlns:a16="http://schemas.microsoft.com/office/drawing/2014/main" xmlns="" id="{42D323B6-9B59-406A-8490-F154B66F9D74}"/>
+              </a:ext>
+            </a:extLst>
+          </p:cNvPr>
+          <p:cNvPicPr>
+            <a:picLocks noChangeAspect="1"/>
+          </p:cNvPicPr>
+          <p:nvPr/>
+        </p:nvPicPr>
+        <p:blipFill>
+          <a:blip r:embed="rId3" cstate="print">
+            <a:extLst>
+              <a:ext uri="{28A0092B-C50C-407E-A947-70E740481C1C}">
+                <a14:useLocalDpi xmlns:a14="http://schemas.microsoft.com/office/drawing/2010/main" val="0"/>
+              </a:ext>
+            </a:extLst>
+          </a:blip>
+          <a:stretch>
+            <a:fillRect/>
+          </a:stretch>
+        </p:blipFill>
+        <p:spPr>
+          <a:xfrm>
+            <a:off x="4169833" y="4953632"/>
+            <a:ext cx="1093895" cy="1093895"/>
+          </a:xfrm>
+          <a:prstGeom prst="rect">
+            <a:avLst/>
+          </a:prstGeom>
+        </p:spPr>
+      </p:pic>
+      <p:pic>
+        <p:nvPicPr>
+          <p:cNvPr id="16" name="Imagem 15">
+            <a:extLst>
+              <a:ext uri="{FF2B5EF4-FFF2-40B4-BE49-F238E27FC236}">
+                <a16:creationId xmlns:a16="http://schemas.microsoft.com/office/drawing/2014/main" xmlns="" id="{A42EE720-7CCF-4A68-8CA4-B3F45BAD16C5}"/>
+              </a:ext>
+            </a:extLst>
+          </p:cNvPr>
+          <p:cNvPicPr>
+            <a:picLocks noChangeAspect="1"/>
+          </p:cNvPicPr>
+          <p:nvPr/>
+        </p:nvPicPr>
+        <p:blipFill>
+          <a:blip r:embed="rId3" cstate="print">
+            <a:extLst>
+              <a:ext uri="{28A0092B-C50C-407E-A947-70E740481C1C}">
+                <a14:useLocalDpi xmlns:a14="http://schemas.microsoft.com/office/drawing/2010/main" val="0"/>
+              </a:ext>
+            </a:extLst>
+          </a:blip>
+          <a:stretch>
+            <a:fillRect/>
+          </a:stretch>
+        </p:blipFill>
+        <p:spPr>
+          <a:xfrm>
+            <a:off x="6928269" y="4953632"/>
+            <a:ext cx="1093895" cy="1093895"/>
+          </a:xfrm>
+          <a:prstGeom prst="rect">
+            <a:avLst/>
+          </a:prstGeom>
+        </p:spPr>
+      </p:pic>
+    </p:spTree>
+    <p:extLst>
+      <p:ext uri="{BB962C8B-B14F-4D97-AF65-F5344CB8AC3E}">
+        <p14:creationId xmlns:p14="http://schemas.microsoft.com/office/powerpoint/2010/main" val="3563273176"/>
+      </p:ext>
+    </p:extLst>
+  </p:cSld>
+  <p:clrMapOvr>
+    <a:masterClrMapping/>
+  </p:clrMapOvr>
+</p:sld>
+</file>
+
+<file path=ppt/slides/slide16.xml><?xml version="1.0" encoding="utf-8"?>
+<p:sld xmlns:a="http://schemas.openxmlformats.org/drawingml/2006/main" xmlns:r="http://schemas.openxmlformats.org/officeDocument/2006/relationships" xmlns:p="http://schemas.openxmlformats.org/presentationml/2006/main">
+  <p:cSld>
+    <p:spTree>
+      <p:nvGrpSpPr>
+        <p:cNvPr id="1" name=""/>
+        <p:cNvGrpSpPr/>
+        <p:nvPr/>
+      </p:nvGrpSpPr>
+      <p:grpSpPr>
+        <a:xfrm>
+          <a:off x="0" y="0"/>
+          <a:ext cx="0" cy="0"/>
+          <a:chOff x="0" y="0"/>
+          <a:chExt cx="0" cy="0"/>
+        </a:xfrm>
+      </p:grpSpPr>
+      <p:sp>
+        <p:nvSpPr>
+          <p:cNvPr id="2" name="Título 1">
+            <a:extLst>
+              <a:ext uri="{FF2B5EF4-FFF2-40B4-BE49-F238E27FC236}">
+                <a16:creationId xmlns:a16="http://schemas.microsoft.com/office/drawing/2014/main" xmlns="" id="{E5407E68-547D-40FB-ADFC-29225BCA97FB}"/>
+              </a:ext>
+            </a:extLst>
+          </p:cNvPr>
+          <p:cNvSpPr>
+            <a:spLocks noGrp="1"/>
+          </p:cNvSpPr>
+          <p:nvPr>
+            <p:ph type="title"/>
+          </p:nvPr>
+        </p:nvSpPr>
+        <p:spPr>
+          <a:xfrm>
+            <a:off x="419100" y="373393"/>
+            <a:ext cx="11496675" cy="1325563"/>
+          </a:xfrm>
+        </p:spPr>
+        <p:txBody>
+          <a:bodyPr/>
+          <a:lstStyle/>
+          <a:p>
+            <a:pPr algn="ctr"/>
+            <a:r>
+              <a:rPr lang="pt-BR" dirty="0"/>
+              <a:t>EDITAL Nº 05, DE 19 DE MAIO DE 2023</a:t>
+            </a:r>
+          </a:p>
+        </p:txBody>
+      </p:sp>
+      <p:sp>
+        <p:nvSpPr>
+          <p:cNvPr id="4" name="Espaço Reservado para Número de Slide 3">
+            <a:extLst>
+              <a:ext uri="{FF2B5EF4-FFF2-40B4-BE49-F238E27FC236}">
+                <a16:creationId xmlns:a16="http://schemas.microsoft.com/office/drawing/2014/main" xmlns="" id="{B251EF4B-4832-430A-9B53-231F361E70F5}"/>
+              </a:ext>
+            </a:extLst>
+          </p:cNvPr>
+          <p:cNvSpPr>
+            <a:spLocks noGrp="1"/>
+          </p:cNvSpPr>
+          <p:nvPr>
+            <p:ph type="sldNum" sz="quarter" idx="10"/>
+          </p:nvPr>
+        </p:nvSpPr>
+        <p:spPr/>
+        <p:txBody>
+          <a:bodyPr/>
+          <a:lstStyle/>
+          <a:p>
+            <a:fld id="{42B4FE49-DA0E-4E24-BB21-E8757AAD71F5}" type="slidenum">
+              <a:rPr lang="pt-BR" smtClean="0"/>
+              <a:pPr/>
+              <a:t>16</a:t>
+            </a:fld>
+            <a:endParaRPr lang="pt-BR" dirty="0"/>
+          </a:p>
+        </p:txBody>
+      </p:sp>
       <p:pic>
         <p:nvPicPr>
           <p:cNvPr id="10" name="Imagem 9">
             <a:extLst>
               <a:ext uri="{FF2B5EF4-FFF2-40B4-BE49-F238E27FC236}">
-                <a16:creationId xmlns:a16="http://schemas.microsoft.com/office/drawing/2014/main" id="{6409CD67-C6D4-4B5A-B708-68E3228A4FD4}"/>
+                <a16:creationId xmlns:a16="http://schemas.microsoft.com/office/drawing/2014/main" xmlns="" id="{6409CD67-C6D4-4B5A-B708-68E3228A4FD4}"/>
               </a:ext>
             </a:extLst>
           </p:cNvPr>
@@ -7252,7 +7659,7 @@
           <p:nvPr/>
         </p:nvPicPr>
         <p:blipFill rotWithShape="1">
-          <a:blip r:embed="rId2">
+          <a:blip r:embed="rId2" cstate="print">
             <a:extLst>
               <a:ext uri="{28A0092B-C50C-407E-A947-70E740481C1C}">
                 <a14:useLocalDpi xmlns:a14="http://schemas.microsoft.com/office/drawing/2010/main" val="0"/>
@@ -7277,7 +7684,7 @@
           <p:cNvPr id="11" name="Imagem 10">
             <a:extLst>
               <a:ext uri="{FF2B5EF4-FFF2-40B4-BE49-F238E27FC236}">
-                <a16:creationId xmlns:a16="http://schemas.microsoft.com/office/drawing/2014/main" id="{DE8F042E-A23D-40DC-A1CC-56C166F772D8}"/>
+                <a16:creationId xmlns:a16="http://schemas.microsoft.com/office/drawing/2014/main" xmlns="" id="{DE8F042E-A23D-40DC-A1CC-56C166F772D8}"/>
               </a:ext>
             </a:extLst>
           </p:cNvPr>
@@ -7307,7 +7714,7 @@
           <p:cNvPr id="12" name="CaixaDeTexto 11">
             <a:extLst>
               <a:ext uri="{FF2B5EF4-FFF2-40B4-BE49-F238E27FC236}">
-                <a16:creationId xmlns:a16="http://schemas.microsoft.com/office/drawing/2014/main" id="{C2E3A72C-5002-43FB-9D36-5178527CEE2C}"/>
+                <a16:creationId xmlns:a16="http://schemas.microsoft.com/office/drawing/2014/main" xmlns="" id="{C2E3A72C-5002-43FB-9D36-5178527CEE2C}"/>
               </a:ext>
             </a:extLst>
           </p:cNvPr>
@@ -7349,6 +7756,12 @@
                 <a:effectLst/>
               </a:rPr>
             </a:br>
+            <a:r>
+              <a:rPr lang="pt-BR" sz="2400" b="0" dirty="0">
+                <a:effectLst/>
+              </a:rPr>
+              <a:t/>
+            </a:r>
             <a:br>
               <a:rPr lang="pt-BR" sz="2400" b="0" dirty="0">
                 <a:effectLst/>
@@ -7363,7 +7776,7 @@
           <p:cNvPr id="13" name="Conector reto 12">
             <a:extLst>
               <a:ext uri="{FF2B5EF4-FFF2-40B4-BE49-F238E27FC236}">
-                <a16:creationId xmlns:a16="http://schemas.microsoft.com/office/drawing/2014/main" id="{0E93BDD7-EDA9-42FF-A27B-ADD5ED57043A}"/>
+                <a16:creationId xmlns:a16="http://schemas.microsoft.com/office/drawing/2014/main" xmlns="" id="{0E93BDD7-EDA9-42FF-A27B-ADD5ED57043A}"/>
               </a:ext>
             </a:extLst>
           </p:cNvPr>
@@ -7406,7 +7819,7 @@
           <p:cNvPr id="14" name="Conector reto 13">
             <a:extLst>
               <a:ext uri="{FF2B5EF4-FFF2-40B4-BE49-F238E27FC236}">
-                <a16:creationId xmlns:a16="http://schemas.microsoft.com/office/drawing/2014/main" id="{973A06F0-7F39-4132-A1CC-91B9D178825E}"/>
+                <a16:creationId xmlns:a16="http://schemas.microsoft.com/office/drawing/2014/main" xmlns="" id="{973A06F0-7F39-4132-A1CC-91B9D178825E}"/>
               </a:ext>
             </a:extLst>
           </p:cNvPr>
@@ -7457,7 +7870,7 @@
 </p:sld>
 </file>
 
-<file path=ppt/slides/slide16.xml><?xml version="1.0" encoding="utf-8"?>
+<file path=ppt/slides/slide17.xml><?xml version="1.0" encoding="utf-8"?>
 <p:sld xmlns:a="http://schemas.openxmlformats.org/drawingml/2006/main" xmlns:r="http://schemas.openxmlformats.org/officeDocument/2006/relationships" xmlns:p="http://schemas.openxmlformats.org/presentationml/2006/main">
   <p:cSld>
     <p:spTree>
@@ -7479,7 +7892,7 @@
           <p:cNvPr id="7" name="Retângulo 6">
             <a:extLst>
               <a:ext uri="{FF2B5EF4-FFF2-40B4-BE49-F238E27FC236}">
-                <a16:creationId xmlns:a16="http://schemas.microsoft.com/office/drawing/2014/main" id="{5E0F7497-D302-4F68-8123-03414F2C6833}"/>
+                <a16:creationId xmlns:a16="http://schemas.microsoft.com/office/drawing/2014/main" xmlns="" id="{5E0F7497-D302-4F68-8123-03414F2C6833}"/>
               </a:ext>
             </a:extLst>
           </p:cNvPr>
@@ -7531,7 +7944,7 @@
           <p:cNvPr id="2" name="Título 1">
             <a:extLst>
               <a:ext uri="{FF2B5EF4-FFF2-40B4-BE49-F238E27FC236}">
-                <a16:creationId xmlns:a16="http://schemas.microsoft.com/office/drawing/2014/main" id="{E5407E68-547D-40FB-ADFC-29225BCA97FB}"/>
+                <a16:creationId xmlns:a16="http://schemas.microsoft.com/office/drawing/2014/main" xmlns="" id="{E5407E68-547D-40FB-ADFC-29225BCA97FB}"/>
               </a:ext>
             </a:extLst>
           </p:cNvPr>
@@ -7565,7 +7978,7 @@
           <p:cNvPr id="4" name="Espaço Reservado para Número de Slide 3">
             <a:extLst>
               <a:ext uri="{FF2B5EF4-FFF2-40B4-BE49-F238E27FC236}">
-                <a16:creationId xmlns:a16="http://schemas.microsoft.com/office/drawing/2014/main" id="{B251EF4B-4832-430A-9B53-231F361E70F5}"/>
+                <a16:creationId xmlns:a16="http://schemas.microsoft.com/office/drawing/2014/main" xmlns="" id="{B251EF4B-4832-430A-9B53-231F361E70F5}"/>
               </a:ext>
             </a:extLst>
           </p:cNvPr>
@@ -7584,7 +7997,7 @@
             <a:fld id="{42B4FE49-DA0E-4E24-BB21-E8757AAD71F5}" type="slidenum">
               <a:rPr lang="pt-BR" smtClean="0"/>
               <a:pPr/>
-              <a:t>16</a:t>
+              <a:t>17</a:t>
             </a:fld>
             <a:endParaRPr lang="pt-BR" dirty="0"/>
           </a:p>
@@ -7595,7 +8008,7 @@
           <p:cNvPr id="6" name="CaixaDeTexto 5">
             <a:extLst>
               <a:ext uri="{FF2B5EF4-FFF2-40B4-BE49-F238E27FC236}">
-                <a16:creationId xmlns:a16="http://schemas.microsoft.com/office/drawing/2014/main" id="{51FA5D3E-0952-4ABF-9964-6524675A944A}"/>
+                <a16:creationId xmlns:a16="http://schemas.microsoft.com/office/drawing/2014/main" xmlns="" id="{51FA5D3E-0952-4ABF-9964-6524675A944A}"/>
               </a:ext>
             </a:extLst>
           </p:cNvPr>
@@ -7630,11 +8043,23 @@
               <a:rPr lang="pt-BR" sz="2400" dirty="0"/>
               <a:t>Critérios de desempate</a:t>
             </a:r>
+            <a:r>
+              <a:rPr lang="pt-BR" sz="2400" b="0" dirty="0">
+                <a:effectLst/>
+              </a:rPr>
+              <a:t/>
+            </a:r>
             <a:br>
               <a:rPr lang="pt-BR" sz="2400" b="0" dirty="0">
                 <a:effectLst/>
               </a:rPr>
             </a:br>
+            <a:r>
+              <a:rPr lang="pt-BR" sz="2400" b="0" dirty="0">
+                <a:effectLst/>
+              </a:rPr>
+              <a:t/>
+            </a:r>
             <a:br>
               <a:rPr lang="pt-BR" sz="2400" b="0" dirty="0">
                 <a:effectLst/>
@@ -7649,7 +8074,7 @@
           <p:cNvPr id="9" name="CaixaDeTexto 8">
             <a:extLst>
               <a:ext uri="{FF2B5EF4-FFF2-40B4-BE49-F238E27FC236}">
-                <a16:creationId xmlns:a16="http://schemas.microsoft.com/office/drawing/2014/main" id="{A32DB5FD-E24E-4C04-851E-C1CA2DE45BC8}"/>
+                <a16:creationId xmlns:a16="http://schemas.microsoft.com/office/drawing/2014/main" xmlns="" id="{A32DB5FD-E24E-4C04-851E-C1CA2DE45BC8}"/>
               </a:ext>
             </a:extLst>
           </p:cNvPr>
@@ -7718,7 +8143,7 @@
           <p:cNvPr id="10" name="Conector reto 9">
             <a:extLst>
               <a:ext uri="{FF2B5EF4-FFF2-40B4-BE49-F238E27FC236}">
-                <a16:creationId xmlns:a16="http://schemas.microsoft.com/office/drawing/2014/main" id="{863ED132-1CFD-4B6E-9EC7-E7A9D8A31099}"/>
+                <a16:creationId xmlns:a16="http://schemas.microsoft.com/office/drawing/2014/main" xmlns="" id="{863ED132-1CFD-4B6E-9EC7-E7A9D8A31099}"/>
               </a:ext>
             </a:extLst>
           </p:cNvPr>
@@ -7761,7 +8186,7 @@
           <p:cNvPr id="14" name="Conector reto 13">
             <a:extLst>
               <a:ext uri="{FF2B5EF4-FFF2-40B4-BE49-F238E27FC236}">
-                <a16:creationId xmlns:a16="http://schemas.microsoft.com/office/drawing/2014/main" id="{7080E6B4-42C5-4D2F-88E5-5F25701B64F7}"/>
+                <a16:creationId xmlns:a16="http://schemas.microsoft.com/office/drawing/2014/main" xmlns="" id="{7080E6B4-42C5-4D2F-88E5-5F25701B64F7}"/>
               </a:ext>
             </a:extLst>
           </p:cNvPr>
@@ -7804,7 +8229,7 @@
           <p:cNvPr id="12" name="Imagem 11">
             <a:extLst>
               <a:ext uri="{FF2B5EF4-FFF2-40B4-BE49-F238E27FC236}">
-                <a16:creationId xmlns:a16="http://schemas.microsoft.com/office/drawing/2014/main" id="{E2BD5E67-FCF1-42BD-86B3-DC1E87EB9549}"/>
+                <a16:creationId xmlns:a16="http://schemas.microsoft.com/office/drawing/2014/main" xmlns="" id="{E2BD5E67-FCF1-42BD-86B3-DC1E87EB9549}"/>
               </a:ext>
             </a:extLst>
           </p:cNvPr>
@@ -7814,7 +8239,7 @@
           <p:nvPr/>
         </p:nvPicPr>
         <p:blipFill rotWithShape="1">
-          <a:blip r:embed="rId2">
+          <a:blip r:embed="rId2" cstate="print">
             <a:extLst>
               <a:ext uri="{28A0092B-C50C-407E-A947-70E740481C1C}">
                 <a14:useLocalDpi xmlns:a14="http://schemas.microsoft.com/office/drawing/2010/main" val="0"/>
@@ -7838,353 +8263,6 @@
     <p:extLst>
       <p:ext uri="{BB962C8B-B14F-4D97-AF65-F5344CB8AC3E}">
         <p14:creationId xmlns:p14="http://schemas.microsoft.com/office/powerpoint/2010/main" val="1642264672"/>
-      </p:ext>
-    </p:extLst>
-  </p:cSld>
-  <p:clrMapOvr>
-    <a:masterClrMapping/>
-  </p:clrMapOvr>
-</p:sld>
-</file>
-
-<file path=ppt/slides/slide17.xml><?xml version="1.0" encoding="utf-8"?>
-<p:sld xmlns:a="http://schemas.openxmlformats.org/drawingml/2006/main" xmlns:r="http://schemas.openxmlformats.org/officeDocument/2006/relationships" xmlns:p="http://schemas.openxmlformats.org/presentationml/2006/main">
-  <p:cSld>
-    <p:spTree>
-      <p:nvGrpSpPr>
-        <p:cNvPr id="1" name=""/>
-        <p:cNvGrpSpPr/>
-        <p:nvPr/>
-      </p:nvGrpSpPr>
-      <p:grpSpPr>
-        <a:xfrm>
-          <a:off x="0" y="0"/>
-          <a:ext cx="0" cy="0"/>
-          <a:chOff x="0" y="0"/>
-          <a:chExt cx="0" cy="0"/>
-        </a:xfrm>
-      </p:grpSpPr>
-      <p:sp>
-        <p:nvSpPr>
-          <p:cNvPr id="2" name="Título 1">
-            <a:extLst>
-              <a:ext uri="{FF2B5EF4-FFF2-40B4-BE49-F238E27FC236}">
-                <a16:creationId xmlns:a16="http://schemas.microsoft.com/office/drawing/2014/main" id="{E5407E68-547D-40FB-ADFC-29225BCA97FB}"/>
-              </a:ext>
-            </a:extLst>
-          </p:cNvPr>
-          <p:cNvSpPr>
-            <a:spLocks noGrp="1"/>
-          </p:cNvSpPr>
-          <p:nvPr>
-            <p:ph type="title"/>
-          </p:nvPr>
-        </p:nvSpPr>
-        <p:spPr>
-          <a:xfrm>
-            <a:off x="419100" y="373393"/>
-            <a:ext cx="11496675" cy="1325563"/>
-          </a:xfrm>
-        </p:spPr>
-        <p:txBody>
-          <a:bodyPr/>
-          <a:lstStyle/>
-          <a:p>
-            <a:pPr algn="ctr"/>
-            <a:r>
-              <a:rPr lang="pt-BR" dirty="0"/>
-              <a:t>EDITAL Nº 5, DE 19 DE MAIO DE 2023</a:t>
-            </a:r>
-          </a:p>
-        </p:txBody>
-      </p:sp>
-      <p:sp>
-        <p:nvSpPr>
-          <p:cNvPr id="4" name="Espaço Reservado para Número de Slide 3">
-            <a:extLst>
-              <a:ext uri="{FF2B5EF4-FFF2-40B4-BE49-F238E27FC236}">
-                <a16:creationId xmlns:a16="http://schemas.microsoft.com/office/drawing/2014/main" id="{B251EF4B-4832-430A-9B53-231F361E70F5}"/>
-              </a:ext>
-            </a:extLst>
-          </p:cNvPr>
-          <p:cNvSpPr>
-            <a:spLocks noGrp="1"/>
-          </p:cNvSpPr>
-          <p:nvPr>
-            <p:ph type="sldNum" sz="quarter" idx="10"/>
-          </p:nvPr>
-        </p:nvSpPr>
-        <p:spPr/>
-        <p:txBody>
-          <a:bodyPr/>
-          <a:lstStyle/>
-          <a:p>
-            <a:fld id="{42B4FE49-DA0E-4E24-BB21-E8757AAD71F5}" type="slidenum">
-              <a:rPr lang="pt-BR" smtClean="0"/>
-              <a:pPr/>
-              <a:t>17</a:t>
-            </a:fld>
-            <a:endParaRPr lang="pt-BR" dirty="0"/>
-          </a:p>
-        </p:txBody>
-      </p:sp>
-      <p:sp>
-        <p:nvSpPr>
-          <p:cNvPr id="6" name="CaixaDeTexto 5">
-            <a:extLst>
-              <a:ext uri="{FF2B5EF4-FFF2-40B4-BE49-F238E27FC236}">
-                <a16:creationId xmlns:a16="http://schemas.microsoft.com/office/drawing/2014/main" id="{51FA5D3E-0952-4ABF-9964-6524675A944A}"/>
-              </a:ext>
-            </a:extLst>
-          </p:cNvPr>
-          <p:cNvSpPr txBox="1"/>
-          <p:nvPr/>
-        </p:nvSpPr>
-        <p:spPr>
-          <a:xfrm>
-            <a:off x="956733" y="1316468"/>
-            <a:ext cx="10278533" cy="1384995"/>
-          </a:xfrm>
-          <a:prstGeom prst="rect">
-            <a:avLst/>
-          </a:prstGeom>
-          <a:noFill/>
-        </p:spPr>
-        <p:txBody>
-          <a:bodyPr wrap="square">
-            <a:spAutoFit/>
-          </a:bodyPr>
-          <a:lstStyle/>
-          <a:p>
-            <a:pPr algn="ctr" rtl="0">
-              <a:spcBef>
-                <a:spcPts val="0"/>
-              </a:spcBef>
-              <a:spcAft>
-                <a:spcPts val="0"/>
-              </a:spcAft>
-            </a:pPr>
-            <a:r>
-              <a:rPr lang="pt-BR" sz="2800" dirty="0"/>
-              <a:t>Classificação das localidades</a:t>
-            </a:r>
-            <a:br>
-              <a:rPr lang="pt-BR" sz="2800" b="0" dirty="0">
-                <a:effectLst/>
-              </a:rPr>
-            </a:br>
-            <a:br>
-              <a:rPr lang="pt-BR" sz="2800" b="0" dirty="0">
-                <a:effectLst/>
-              </a:rPr>
-            </a:br>
-            <a:endParaRPr lang="pt-BR" sz="2800" dirty="0"/>
-          </a:p>
-        </p:txBody>
-      </p:sp>
-      <p:sp>
-        <p:nvSpPr>
-          <p:cNvPr id="13" name="CaixaDeTexto 12">
-            <a:extLst>
-              <a:ext uri="{FF2B5EF4-FFF2-40B4-BE49-F238E27FC236}">
-                <a16:creationId xmlns:a16="http://schemas.microsoft.com/office/drawing/2014/main" id="{9C3FC4C1-BBE1-40EB-BB49-C266511B5D4F}"/>
-              </a:ext>
-            </a:extLst>
-          </p:cNvPr>
-          <p:cNvSpPr txBox="1"/>
-          <p:nvPr/>
-        </p:nvSpPr>
-        <p:spPr>
-          <a:xfrm>
-            <a:off x="771525" y="6449100"/>
-            <a:ext cx="6096000" cy="369332"/>
-          </a:xfrm>
-          <a:prstGeom prst="rect">
-            <a:avLst/>
-          </a:prstGeom>
-          <a:noFill/>
-        </p:spPr>
-        <p:txBody>
-          <a:bodyPr wrap="square">
-            <a:spAutoFit/>
-          </a:bodyPr>
-          <a:lstStyle/>
-          <a:p>
-            <a:r>
-              <a:rPr lang="pt-BR" dirty="0">
-                <a:solidFill>
-                  <a:schemeClr val="bg1"/>
-                </a:solidFill>
-              </a:rPr>
-              <a:t>Consultar Portaria Nº 1.409, de 10 de julho de 2013</a:t>
-            </a:r>
-          </a:p>
-        </p:txBody>
-      </p:sp>
-      <p:cxnSp>
-        <p:nvCxnSpPr>
-          <p:cNvPr id="9" name="Conector reto 8">
-            <a:extLst>
-              <a:ext uri="{FF2B5EF4-FFF2-40B4-BE49-F238E27FC236}">
-                <a16:creationId xmlns:a16="http://schemas.microsoft.com/office/drawing/2014/main" id="{0C5F8B4B-E280-4140-838E-B39EB5F7609A}"/>
-              </a:ext>
-            </a:extLst>
-          </p:cNvPr>
-          <p:cNvCxnSpPr>
-            <a:cxnSpLocks/>
-          </p:cNvCxnSpPr>
-          <p:nvPr/>
-        </p:nvCxnSpPr>
-        <p:spPr>
-          <a:xfrm flipH="1">
-            <a:off x="0" y="1596196"/>
-            <a:ext cx="3797620" cy="0"/>
-          </a:xfrm>
-          <a:prstGeom prst="line">
-            <a:avLst/>
-          </a:prstGeom>
-          <a:ln>
-            <a:solidFill>
-              <a:schemeClr val="tx1"/>
-            </a:solidFill>
-          </a:ln>
-        </p:spPr>
-        <p:style>
-          <a:lnRef idx="1">
-            <a:schemeClr val="accent1"/>
-          </a:lnRef>
-          <a:fillRef idx="0">
-            <a:schemeClr val="accent1"/>
-          </a:fillRef>
-          <a:effectRef idx="0">
-            <a:schemeClr val="accent1"/>
-          </a:effectRef>
-          <a:fontRef idx="minor">
-            <a:schemeClr val="tx1"/>
-          </a:fontRef>
-        </p:style>
-      </p:cxnSp>
-      <p:cxnSp>
-        <p:nvCxnSpPr>
-          <p:cNvPr id="10" name="Conector reto 9">
-            <a:extLst>
-              <a:ext uri="{FF2B5EF4-FFF2-40B4-BE49-F238E27FC236}">
-                <a16:creationId xmlns:a16="http://schemas.microsoft.com/office/drawing/2014/main" id="{93CB148D-F7D0-4670-A07F-77B4494B35B4}"/>
-              </a:ext>
-            </a:extLst>
-          </p:cNvPr>
-          <p:cNvCxnSpPr>
-            <a:cxnSpLocks/>
-          </p:cNvCxnSpPr>
-          <p:nvPr/>
-        </p:nvCxnSpPr>
-        <p:spPr>
-          <a:xfrm flipH="1">
-            <a:off x="8259234" y="1596196"/>
-            <a:ext cx="3932766" cy="0"/>
-          </a:xfrm>
-          <a:prstGeom prst="line">
-            <a:avLst/>
-          </a:prstGeom>
-          <a:ln>
-            <a:solidFill>
-              <a:schemeClr val="tx1"/>
-            </a:solidFill>
-          </a:ln>
-        </p:spPr>
-        <p:style>
-          <a:lnRef idx="1">
-            <a:schemeClr val="accent1"/>
-          </a:lnRef>
-          <a:fillRef idx="0">
-            <a:schemeClr val="accent1"/>
-          </a:fillRef>
-          <a:effectRef idx="0">
-            <a:schemeClr val="accent1"/>
-          </a:effectRef>
-          <a:fontRef idx="minor">
-            <a:schemeClr val="tx1"/>
-          </a:fontRef>
-        </p:style>
-      </p:cxnSp>
-      <p:pic>
-        <p:nvPicPr>
-          <p:cNvPr id="7" name="Imagem 6">
-            <a:extLst>
-              <a:ext uri="{FF2B5EF4-FFF2-40B4-BE49-F238E27FC236}">
-                <a16:creationId xmlns:a16="http://schemas.microsoft.com/office/drawing/2014/main" id="{95AC1215-970E-48F0-9C5F-09DC7477DF7D}"/>
-              </a:ext>
-            </a:extLst>
-          </p:cNvPr>
-          <p:cNvPicPr>
-            <a:picLocks noChangeAspect="1"/>
-          </p:cNvPicPr>
-          <p:nvPr/>
-        </p:nvPicPr>
-        <p:blipFill>
-          <a:blip r:embed="rId2"/>
-          <a:stretch>
-            <a:fillRect/>
-          </a:stretch>
-        </p:blipFill>
-        <p:spPr>
-          <a:xfrm>
-            <a:off x="3338127" y="2141911"/>
-            <a:ext cx="5515745" cy="2667372"/>
-          </a:xfrm>
-          <a:prstGeom prst="rect">
-            <a:avLst/>
-          </a:prstGeom>
-        </p:spPr>
-      </p:pic>
-      <p:sp>
-        <p:nvSpPr>
-          <p:cNvPr id="14" name="CaixaDeTexto 13">
-            <a:extLst>
-              <a:ext uri="{FF2B5EF4-FFF2-40B4-BE49-F238E27FC236}">
-                <a16:creationId xmlns:a16="http://schemas.microsoft.com/office/drawing/2014/main" id="{1A8DCA55-E1F6-4A36-8934-B233A4CC8686}"/>
-              </a:ext>
-            </a:extLst>
-          </p:cNvPr>
-          <p:cNvSpPr txBox="1"/>
-          <p:nvPr/>
-        </p:nvSpPr>
-        <p:spPr>
-          <a:xfrm>
-            <a:off x="1994429" y="4893370"/>
-            <a:ext cx="8346016" cy="646331"/>
-          </a:xfrm>
-          <a:prstGeom prst="rect">
-            <a:avLst/>
-          </a:prstGeom>
-          <a:noFill/>
-        </p:spPr>
-        <p:txBody>
-          <a:bodyPr wrap="square">
-            <a:spAutoFit/>
-          </a:bodyPr>
-          <a:lstStyle/>
-          <a:p>
-            <a:pPr algn="ctr"/>
-            <a:r>
-              <a:rPr lang="pt-BR" dirty="0"/>
-              <a:t>*na hipótese do médico integrar </a:t>
-            </a:r>
-            <a:r>
-              <a:rPr lang="pt-BR" dirty="0" err="1"/>
-              <a:t>eSF</a:t>
-            </a:r>
-            <a:r>
-              <a:rPr lang="pt-BR" dirty="0"/>
-              <a:t> situada em município de Perfil 1, apenas será possível a indicação de vagas em municípios de mesmo perfil;</a:t>
-            </a:r>
-          </a:p>
-        </p:txBody>
-      </p:sp>
-    </p:spTree>
-    <p:extLst>
-      <p:ext uri="{BB962C8B-B14F-4D97-AF65-F5344CB8AC3E}">
-        <p14:creationId xmlns:p14="http://schemas.microsoft.com/office/powerpoint/2010/main" val="2885577964"/>
       </p:ext>
     </p:extLst>
   </p:cSld>
@@ -8213,10 +8291,369 @@
       </p:grpSpPr>
       <p:sp>
         <p:nvSpPr>
+          <p:cNvPr id="2" name="Título 1">
+            <a:extLst>
+              <a:ext uri="{FF2B5EF4-FFF2-40B4-BE49-F238E27FC236}">
+                <a16:creationId xmlns:a16="http://schemas.microsoft.com/office/drawing/2014/main" xmlns="" id="{E5407E68-547D-40FB-ADFC-29225BCA97FB}"/>
+              </a:ext>
+            </a:extLst>
+          </p:cNvPr>
+          <p:cNvSpPr>
+            <a:spLocks noGrp="1"/>
+          </p:cNvSpPr>
+          <p:nvPr>
+            <p:ph type="title"/>
+          </p:nvPr>
+        </p:nvSpPr>
+        <p:spPr>
+          <a:xfrm>
+            <a:off x="419100" y="373393"/>
+            <a:ext cx="11496675" cy="1325563"/>
+          </a:xfrm>
+        </p:spPr>
+        <p:txBody>
+          <a:bodyPr/>
+          <a:lstStyle/>
+          <a:p>
+            <a:pPr algn="ctr"/>
+            <a:r>
+              <a:rPr lang="pt-BR" dirty="0"/>
+              <a:t>EDITAL Nº 5, DE 19 DE MAIO DE 2023</a:t>
+            </a:r>
+          </a:p>
+        </p:txBody>
+      </p:sp>
+      <p:sp>
+        <p:nvSpPr>
+          <p:cNvPr id="4" name="Espaço Reservado para Número de Slide 3">
+            <a:extLst>
+              <a:ext uri="{FF2B5EF4-FFF2-40B4-BE49-F238E27FC236}">
+                <a16:creationId xmlns:a16="http://schemas.microsoft.com/office/drawing/2014/main" xmlns="" id="{B251EF4B-4832-430A-9B53-231F361E70F5}"/>
+              </a:ext>
+            </a:extLst>
+          </p:cNvPr>
+          <p:cNvSpPr>
+            <a:spLocks noGrp="1"/>
+          </p:cNvSpPr>
+          <p:nvPr>
+            <p:ph type="sldNum" sz="quarter" idx="10"/>
+          </p:nvPr>
+        </p:nvSpPr>
+        <p:spPr/>
+        <p:txBody>
+          <a:bodyPr/>
+          <a:lstStyle/>
+          <a:p>
+            <a:fld id="{42B4FE49-DA0E-4E24-BB21-E8757AAD71F5}" type="slidenum">
+              <a:rPr lang="pt-BR" smtClean="0"/>
+              <a:pPr/>
+              <a:t>18</a:t>
+            </a:fld>
+            <a:endParaRPr lang="pt-BR" dirty="0"/>
+          </a:p>
+        </p:txBody>
+      </p:sp>
+      <p:sp>
+        <p:nvSpPr>
+          <p:cNvPr id="6" name="CaixaDeTexto 5">
+            <a:extLst>
+              <a:ext uri="{FF2B5EF4-FFF2-40B4-BE49-F238E27FC236}">
+                <a16:creationId xmlns:a16="http://schemas.microsoft.com/office/drawing/2014/main" xmlns="" id="{51FA5D3E-0952-4ABF-9964-6524675A944A}"/>
+              </a:ext>
+            </a:extLst>
+          </p:cNvPr>
+          <p:cNvSpPr txBox="1"/>
+          <p:nvPr/>
+        </p:nvSpPr>
+        <p:spPr>
+          <a:xfrm>
+            <a:off x="956733" y="1316468"/>
+            <a:ext cx="10278533" cy="1384995"/>
+          </a:xfrm>
+          <a:prstGeom prst="rect">
+            <a:avLst/>
+          </a:prstGeom>
+          <a:noFill/>
+        </p:spPr>
+        <p:txBody>
+          <a:bodyPr wrap="square">
+            <a:spAutoFit/>
+          </a:bodyPr>
+          <a:lstStyle/>
+          <a:p>
+            <a:pPr algn="ctr" rtl="0">
+              <a:spcBef>
+                <a:spcPts val="0"/>
+              </a:spcBef>
+              <a:spcAft>
+                <a:spcPts val="0"/>
+              </a:spcAft>
+            </a:pPr>
+            <a:r>
+              <a:rPr lang="pt-BR" sz="2800" dirty="0"/>
+              <a:t>Classificação das localidades</a:t>
+            </a:r>
+            <a:r>
+              <a:rPr lang="pt-BR" sz="2800" b="0" dirty="0">
+                <a:effectLst/>
+              </a:rPr>
+              <a:t/>
+            </a:r>
+            <a:br>
+              <a:rPr lang="pt-BR" sz="2800" b="0" dirty="0">
+                <a:effectLst/>
+              </a:rPr>
+            </a:br>
+            <a:r>
+              <a:rPr lang="pt-BR" sz="2800" b="0" dirty="0">
+                <a:effectLst/>
+              </a:rPr>
+              <a:t/>
+            </a:r>
+            <a:br>
+              <a:rPr lang="pt-BR" sz="2800" b="0" dirty="0">
+                <a:effectLst/>
+              </a:rPr>
+            </a:br>
+            <a:endParaRPr lang="pt-BR" sz="2800" dirty="0"/>
+          </a:p>
+        </p:txBody>
+      </p:sp>
+      <p:sp>
+        <p:nvSpPr>
+          <p:cNvPr id="13" name="CaixaDeTexto 12">
+            <a:extLst>
+              <a:ext uri="{FF2B5EF4-FFF2-40B4-BE49-F238E27FC236}">
+                <a16:creationId xmlns:a16="http://schemas.microsoft.com/office/drawing/2014/main" xmlns="" id="{9C3FC4C1-BBE1-40EB-BB49-C266511B5D4F}"/>
+              </a:ext>
+            </a:extLst>
+          </p:cNvPr>
+          <p:cNvSpPr txBox="1"/>
+          <p:nvPr/>
+        </p:nvSpPr>
+        <p:spPr>
+          <a:xfrm>
+            <a:off x="771525" y="6449100"/>
+            <a:ext cx="6096000" cy="369332"/>
+          </a:xfrm>
+          <a:prstGeom prst="rect">
+            <a:avLst/>
+          </a:prstGeom>
+          <a:noFill/>
+        </p:spPr>
+        <p:txBody>
+          <a:bodyPr wrap="square">
+            <a:spAutoFit/>
+          </a:bodyPr>
+          <a:lstStyle/>
+          <a:p>
+            <a:r>
+              <a:rPr lang="pt-BR" dirty="0">
+                <a:solidFill>
+                  <a:schemeClr val="bg1"/>
+                </a:solidFill>
+              </a:rPr>
+              <a:t>Consultar Portaria Nº 1.409, de 10 de julho de 2013</a:t>
+            </a:r>
+          </a:p>
+        </p:txBody>
+      </p:sp>
+      <p:cxnSp>
+        <p:nvCxnSpPr>
+          <p:cNvPr id="9" name="Conector reto 8">
+            <a:extLst>
+              <a:ext uri="{FF2B5EF4-FFF2-40B4-BE49-F238E27FC236}">
+                <a16:creationId xmlns:a16="http://schemas.microsoft.com/office/drawing/2014/main" xmlns="" id="{0C5F8B4B-E280-4140-838E-B39EB5F7609A}"/>
+              </a:ext>
+            </a:extLst>
+          </p:cNvPr>
+          <p:cNvCxnSpPr>
+            <a:cxnSpLocks/>
+          </p:cNvCxnSpPr>
+          <p:nvPr/>
+        </p:nvCxnSpPr>
+        <p:spPr>
+          <a:xfrm flipH="1">
+            <a:off x="0" y="1596196"/>
+            <a:ext cx="3797620" cy="0"/>
+          </a:xfrm>
+          <a:prstGeom prst="line">
+            <a:avLst/>
+          </a:prstGeom>
+          <a:ln>
+            <a:solidFill>
+              <a:schemeClr val="tx1"/>
+            </a:solidFill>
+          </a:ln>
+        </p:spPr>
+        <p:style>
+          <a:lnRef idx="1">
+            <a:schemeClr val="accent1"/>
+          </a:lnRef>
+          <a:fillRef idx="0">
+            <a:schemeClr val="accent1"/>
+          </a:fillRef>
+          <a:effectRef idx="0">
+            <a:schemeClr val="accent1"/>
+          </a:effectRef>
+          <a:fontRef idx="minor">
+            <a:schemeClr val="tx1"/>
+          </a:fontRef>
+        </p:style>
+      </p:cxnSp>
+      <p:cxnSp>
+        <p:nvCxnSpPr>
+          <p:cNvPr id="10" name="Conector reto 9">
+            <a:extLst>
+              <a:ext uri="{FF2B5EF4-FFF2-40B4-BE49-F238E27FC236}">
+                <a16:creationId xmlns:a16="http://schemas.microsoft.com/office/drawing/2014/main" xmlns="" id="{93CB148D-F7D0-4670-A07F-77B4494B35B4}"/>
+              </a:ext>
+            </a:extLst>
+          </p:cNvPr>
+          <p:cNvCxnSpPr>
+            <a:cxnSpLocks/>
+          </p:cNvCxnSpPr>
+          <p:nvPr/>
+        </p:nvCxnSpPr>
+        <p:spPr>
+          <a:xfrm flipH="1">
+            <a:off x="8259234" y="1596196"/>
+            <a:ext cx="3932766" cy="0"/>
+          </a:xfrm>
+          <a:prstGeom prst="line">
+            <a:avLst/>
+          </a:prstGeom>
+          <a:ln>
+            <a:solidFill>
+              <a:schemeClr val="tx1"/>
+            </a:solidFill>
+          </a:ln>
+        </p:spPr>
+        <p:style>
+          <a:lnRef idx="1">
+            <a:schemeClr val="accent1"/>
+          </a:lnRef>
+          <a:fillRef idx="0">
+            <a:schemeClr val="accent1"/>
+          </a:fillRef>
+          <a:effectRef idx="0">
+            <a:schemeClr val="accent1"/>
+          </a:effectRef>
+          <a:fontRef idx="minor">
+            <a:schemeClr val="tx1"/>
+          </a:fontRef>
+        </p:style>
+      </p:cxnSp>
+      <p:pic>
+        <p:nvPicPr>
+          <p:cNvPr id="7" name="Imagem 6">
+            <a:extLst>
+              <a:ext uri="{FF2B5EF4-FFF2-40B4-BE49-F238E27FC236}">
+                <a16:creationId xmlns:a16="http://schemas.microsoft.com/office/drawing/2014/main" xmlns="" id="{95AC1215-970E-48F0-9C5F-09DC7477DF7D}"/>
+              </a:ext>
+            </a:extLst>
+          </p:cNvPr>
+          <p:cNvPicPr>
+            <a:picLocks noChangeAspect="1"/>
+          </p:cNvPicPr>
+          <p:nvPr/>
+        </p:nvPicPr>
+        <p:blipFill>
+          <a:blip r:embed="rId2"/>
+          <a:stretch>
+            <a:fillRect/>
+          </a:stretch>
+        </p:blipFill>
+        <p:spPr>
+          <a:xfrm>
+            <a:off x="3338127" y="2141911"/>
+            <a:ext cx="5515745" cy="2667372"/>
+          </a:xfrm>
+          <a:prstGeom prst="rect">
+            <a:avLst/>
+          </a:prstGeom>
+        </p:spPr>
+      </p:pic>
+      <p:sp>
+        <p:nvSpPr>
+          <p:cNvPr id="14" name="CaixaDeTexto 13">
+            <a:extLst>
+              <a:ext uri="{FF2B5EF4-FFF2-40B4-BE49-F238E27FC236}">
+                <a16:creationId xmlns:a16="http://schemas.microsoft.com/office/drawing/2014/main" xmlns="" id="{1A8DCA55-E1F6-4A36-8934-B233A4CC8686}"/>
+              </a:ext>
+            </a:extLst>
+          </p:cNvPr>
+          <p:cNvSpPr txBox="1"/>
+          <p:nvPr/>
+        </p:nvSpPr>
+        <p:spPr>
+          <a:xfrm>
+            <a:off x="1994429" y="4893370"/>
+            <a:ext cx="8346016" cy="646331"/>
+          </a:xfrm>
+          <a:prstGeom prst="rect">
+            <a:avLst/>
+          </a:prstGeom>
+          <a:noFill/>
+        </p:spPr>
+        <p:txBody>
+          <a:bodyPr wrap="square">
+            <a:spAutoFit/>
+          </a:bodyPr>
+          <a:lstStyle/>
+          <a:p>
+            <a:pPr algn="ctr"/>
+            <a:r>
+              <a:rPr lang="pt-BR" dirty="0"/>
+              <a:t>*na hipótese do médico integrar </a:t>
+            </a:r>
+            <a:r>
+              <a:rPr lang="pt-BR" dirty="0" err="1"/>
+              <a:t>eSF</a:t>
+            </a:r>
+            <a:r>
+              <a:rPr lang="pt-BR" dirty="0"/>
+              <a:t> situada em município de Perfil 1, apenas será possível a indicação de vagas em municípios de mesmo perfil;</a:t>
+            </a:r>
+          </a:p>
+        </p:txBody>
+      </p:sp>
+    </p:spTree>
+    <p:extLst>
+      <p:ext uri="{BB962C8B-B14F-4D97-AF65-F5344CB8AC3E}">
+        <p14:creationId xmlns:p14="http://schemas.microsoft.com/office/powerpoint/2010/main" val="2885577964"/>
+      </p:ext>
+    </p:extLst>
+  </p:cSld>
+  <p:clrMapOvr>
+    <a:masterClrMapping/>
+  </p:clrMapOvr>
+</p:sld>
+</file>
+
+<file path=ppt/slides/slide19.xml><?xml version="1.0" encoding="utf-8"?>
+<p:sld xmlns:a="http://schemas.openxmlformats.org/drawingml/2006/main" xmlns:r="http://schemas.openxmlformats.org/officeDocument/2006/relationships" xmlns:p="http://schemas.openxmlformats.org/presentationml/2006/main">
+  <p:cSld>
+    <p:spTree>
+      <p:nvGrpSpPr>
+        <p:cNvPr id="1" name=""/>
+        <p:cNvGrpSpPr/>
+        <p:nvPr/>
+      </p:nvGrpSpPr>
+      <p:grpSpPr>
+        <a:xfrm>
+          <a:off x="0" y="0"/>
+          <a:ext cx="0" cy="0"/>
+          <a:chOff x="0" y="0"/>
+          <a:chExt cx="0" cy="0"/>
+        </a:xfrm>
+      </p:grpSpPr>
+      <p:sp>
+        <p:nvSpPr>
           <p:cNvPr id="2" name="Espaço Reservado para Texto 1">
             <a:extLst>
               <a:ext uri="{FF2B5EF4-FFF2-40B4-BE49-F238E27FC236}">
-                <a16:creationId xmlns:a16="http://schemas.microsoft.com/office/drawing/2014/main" id="{D92FA219-391B-418F-A58F-61E12DA6A1F3}"/>
+                <a16:creationId xmlns:a16="http://schemas.microsoft.com/office/drawing/2014/main" xmlns="" id="{D92FA219-391B-418F-A58F-61E12DA6A1F3}"/>
               </a:ext>
             </a:extLst>
           </p:cNvPr>
@@ -8244,7 +8681,7 @@
           <p:cNvPr id="4" name="CaixaDeTexto 3">
             <a:extLst>
               <a:ext uri="{FF2B5EF4-FFF2-40B4-BE49-F238E27FC236}">
-                <a16:creationId xmlns:a16="http://schemas.microsoft.com/office/drawing/2014/main" id="{8E666252-507F-459A-ADDB-37C24C8F4C6E}"/>
+                <a16:creationId xmlns:a16="http://schemas.microsoft.com/office/drawing/2014/main" xmlns="" id="{8E666252-507F-459A-ADDB-37C24C8F4C6E}"/>
               </a:ext>
             </a:extLst>
           </p:cNvPr>
@@ -8280,7 +8717,7 @@
                 <a:hlinkClick r:id="rId2">
                   <a:extLst>
                     <a:ext uri="{A12FA001-AC4F-418D-AE19-62706E023703}">
-                      <ahyp:hlinkClr xmlns:ahyp="http://schemas.microsoft.com/office/drawing/2018/hyperlinkcolor" val="tx"/>
+                      <ahyp:hlinkClr xmlns:ahyp="http://schemas.microsoft.com/office/drawing/2018/hyperlinkcolor" xmlns="" val="tx"/>
                     </a:ext>
                   </a:extLst>
                 </a:hlinkClick>
@@ -8301,7 +8738,7 @@
             <a:hlinkClick r:id="rId3"/>
             <a:extLst>
               <a:ext uri="{FF2B5EF4-FFF2-40B4-BE49-F238E27FC236}">
-                <a16:creationId xmlns:a16="http://schemas.microsoft.com/office/drawing/2014/main" id="{B1218359-291A-40AF-B50D-806C8590F9E1}"/>
+                <a16:creationId xmlns:a16="http://schemas.microsoft.com/office/drawing/2014/main" xmlns="" id="{B1218359-291A-40AF-B50D-806C8590F9E1}"/>
               </a:ext>
             </a:extLst>
           </p:cNvPr>
@@ -8337,7 +8774,7 @@
                 <a:hlinkClick r:id="rId4">
                   <a:extLst>
                     <a:ext uri="{A12FA001-AC4F-418D-AE19-62706E023703}">
-                      <ahyp:hlinkClr xmlns:ahyp="http://schemas.microsoft.com/office/drawing/2018/hyperlinkcolor" val="tx"/>
+                      <ahyp:hlinkClr xmlns:ahyp="http://schemas.microsoft.com/office/drawing/2018/hyperlinkcolor" xmlns="" val="tx"/>
                     </a:ext>
                   </a:extLst>
                 </a:hlinkClick>
@@ -8358,7 +8795,7 @@
             <a:hlinkClick r:id="rId3"/>
             <a:extLst>
               <a:ext uri="{FF2B5EF4-FFF2-40B4-BE49-F238E27FC236}">
-                <a16:creationId xmlns:a16="http://schemas.microsoft.com/office/drawing/2014/main" id="{CF0935FA-19B0-431C-B7FF-7EE62DA5F034}"/>
+                <a16:creationId xmlns:a16="http://schemas.microsoft.com/office/drawing/2014/main" xmlns="" id="{CF0935FA-19B0-431C-B7FF-7EE62DA5F034}"/>
               </a:ext>
             </a:extLst>
           </p:cNvPr>
@@ -8394,7 +8831,7 @@
                 <a:hlinkClick r:id="rId5">
                   <a:extLst>
                     <a:ext uri="{A12FA001-AC4F-418D-AE19-62706E023703}">
-                      <ahyp:hlinkClr xmlns:ahyp="http://schemas.microsoft.com/office/drawing/2018/hyperlinkcolor" val="tx"/>
+                      <ahyp:hlinkClr xmlns:ahyp="http://schemas.microsoft.com/office/drawing/2018/hyperlinkcolor" xmlns="" val="tx"/>
                     </a:ext>
                   </a:extLst>
                 </a:hlinkClick>
@@ -8444,7 +8881,7 @@
           <p:cNvPr id="2" name="Título 1">
             <a:extLst>
               <a:ext uri="{FF2B5EF4-FFF2-40B4-BE49-F238E27FC236}">
-                <a16:creationId xmlns:a16="http://schemas.microsoft.com/office/drawing/2014/main" id="{E5407E68-547D-40FB-ADFC-29225BCA97FB}"/>
+                <a16:creationId xmlns:a16="http://schemas.microsoft.com/office/drawing/2014/main" xmlns="" id="{E5407E68-547D-40FB-ADFC-29225BCA97FB}"/>
               </a:ext>
             </a:extLst>
           </p:cNvPr>
@@ -8473,7 +8910,7 @@
           <p:cNvPr id="4" name="Espaço Reservado para Número de Slide 3">
             <a:extLst>
               <a:ext uri="{FF2B5EF4-FFF2-40B4-BE49-F238E27FC236}">
-                <a16:creationId xmlns:a16="http://schemas.microsoft.com/office/drawing/2014/main" id="{B251EF4B-4832-430A-9B53-231F361E70F5}"/>
+                <a16:creationId xmlns:a16="http://schemas.microsoft.com/office/drawing/2014/main" xmlns="" id="{B251EF4B-4832-430A-9B53-231F361E70F5}"/>
               </a:ext>
             </a:extLst>
           </p:cNvPr>
@@ -8503,7 +8940,7 @@
           <p:cNvPr id="6" name="CaixaDeTexto 5">
             <a:extLst>
               <a:ext uri="{FF2B5EF4-FFF2-40B4-BE49-F238E27FC236}">
-                <a16:creationId xmlns:a16="http://schemas.microsoft.com/office/drawing/2014/main" id="{51FA5D3E-0952-4ABF-9964-6524675A944A}"/>
+                <a16:creationId xmlns:a16="http://schemas.microsoft.com/office/drawing/2014/main" xmlns="" id="{51FA5D3E-0952-4ABF-9964-6524675A944A}"/>
               </a:ext>
             </a:extLst>
           </p:cNvPr>
@@ -8544,6 +8981,16 @@
               </a:rPr>
               <a:t>A lei 12.871, DE 12 de OUTUBRO DE 2013:</a:t>
             </a:r>
+            <a:r>
+              <a:rPr lang="pt-BR" sz="1800" b="0" i="0" u="none" strike="noStrike" dirty="0">
+                <a:solidFill>
+                  <a:srgbClr val="000000"/>
+                </a:solidFill>
+                <a:effectLst/>
+                <a:latin typeface="Arial" panose="020B0604020202020204" pitchFamily="34" charset="0"/>
+              </a:rPr>
+              <a:t/>
+            </a:r>
             <a:br>
               <a:rPr lang="pt-BR" sz="1800" b="0" i="0" u="none" strike="noStrike" dirty="0">
                 <a:solidFill>
@@ -8553,6 +9000,16 @@
                 <a:latin typeface="Arial" panose="020B0604020202020204" pitchFamily="34" charset="0"/>
               </a:rPr>
             </a:br>
+            <a:r>
+              <a:rPr lang="pt-BR" sz="1800" b="0" i="0" u="none" strike="noStrike" dirty="0">
+                <a:solidFill>
+                  <a:srgbClr val="000000"/>
+                </a:solidFill>
+                <a:effectLst/>
+                <a:latin typeface="Arial" panose="020B0604020202020204" pitchFamily="34" charset="0"/>
+              </a:rPr>
+              <a:t/>
+            </a:r>
             <a:br>
               <a:rPr lang="pt-BR" sz="1800" b="0" i="0" u="none" strike="noStrike" dirty="0">
                 <a:solidFill>
@@ -8585,6 +9042,12 @@
                 <a:spcPts val="0"/>
               </a:spcAft>
             </a:pPr>
+            <a:r>
+              <a:rPr lang="pt-BR" b="0" dirty="0">
+                <a:effectLst/>
+              </a:rPr>
+              <a:t/>
+            </a:r>
             <a:br>
               <a:rPr lang="pt-BR" b="0" dirty="0">
                 <a:effectLst/>
@@ -8605,11 +9068,23 @@
             </a:endParaRPr>
           </a:p>
           <a:p>
+            <a:r>
+              <a:rPr lang="pt-BR" b="0" dirty="0">
+                <a:effectLst/>
+              </a:rPr>
+              <a:t/>
+            </a:r>
             <a:br>
               <a:rPr lang="pt-BR" b="0" dirty="0">
                 <a:effectLst/>
               </a:rPr>
             </a:br>
+            <a:r>
+              <a:rPr lang="pt-BR" b="0" dirty="0">
+                <a:effectLst/>
+              </a:rPr>
+              <a:t/>
+            </a:r>
             <a:br>
               <a:rPr lang="pt-BR" b="0" dirty="0">
                 <a:effectLst/>
@@ -8624,7 +9099,7 @@
           <p:cNvPr id="10" name="Imagem 9">
             <a:extLst>
               <a:ext uri="{FF2B5EF4-FFF2-40B4-BE49-F238E27FC236}">
-                <a16:creationId xmlns:a16="http://schemas.microsoft.com/office/drawing/2014/main" id="{8A7E1D30-FFA0-4A6E-886B-AD2FDB64E610}"/>
+                <a16:creationId xmlns:a16="http://schemas.microsoft.com/office/drawing/2014/main" xmlns="" id="{8A7E1D30-FFA0-4A6E-886B-AD2FDB64E610}"/>
               </a:ext>
             </a:extLst>
           </p:cNvPr>
@@ -8665,6 +9140,13 @@
   <p:clrMapOvr>
     <a:masterClrMapping/>
   </p:clrMapOvr>
+  <p:timing>
+    <p:tnLst>
+      <p:par>
+        <p:cTn id="1" dur="indefinite" restart="never" nodeType="tmRoot"/>
+      </p:par>
+    </p:tnLst>
+  </p:timing>
 </p:sld>
 </file>
 
@@ -8690,7 +9172,7 @@
           <p:cNvPr id="2" name="Título 1">
             <a:extLst>
               <a:ext uri="{FF2B5EF4-FFF2-40B4-BE49-F238E27FC236}">
-                <a16:creationId xmlns:a16="http://schemas.microsoft.com/office/drawing/2014/main" id="{E5407E68-547D-40FB-ADFC-29225BCA97FB}"/>
+                <a16:creationId xmlns:a16="http://schemas.microsoft.com/office/drawing/2014/main" xmlns="" id="{E5407E68-547D-40FB-ADFC-29225BCA97FB}"/>
               </a:ext>
             </a:extLst>
           </p:cNvPr>
@@ -8719,7 +9201,7 @@
           <p:cNvPr id="4" name="Espaço Reservado para Número de Slide 3">
             <a:extLst>
               <a:ext uri="{FF2B5EF4-FFF2-40B4-BE49-F238E27FC236}">
-                <a16:creationId xmlns:a16="http://schemas.microsoft.com/office/drawing/2014/main" id="{B251EF4B-4832-430A-9B53-231F361E70F5}"/>
+                <a16:creationId xmlns:a16="http://schemas.microsoft.com/office/drawing/2014/main" xmlns="" id="{B251EF4B-4832-430A-9B53-231F361E70F5}"/>
               </a:ext>
             </a:extLst>
           </p:cNvPr>
@@ -8749,7 +9231,7 @@
           <p:cNvPr id="7" name="CaixaDeTexto 6">
             <a:extLst>
               <a:ext uri="{FF2B5EF4-FFF2-40B4-BE49-F238E27FC236}">
-                <a16:creationId xmlns:a16="http://schemas.microsoft.com/office/drawing/2014/main" id="{875E6116-A1D4-4C06-8451-B1ED7DE07F79}"/>
+                <a16:creationId xmlns:a16="http://schemas.microsoft.com/office/drawing/2014/main" xmlns="" id="{875E6116-A1D4-4C06-8451-B1ED7DE07F79}"/>
               </a:ext>
             </a:extLst>
           </p:cNvPr>
@@ -8780,6 +9262,16 @@
                 <a:spcPts val="0"/>
               </a:spcAft>
             </a:pPr>
+            <a:r>
+              <a:rPr lang="pt-BR" b="0" i="0" u="none" strike="noStrike" dirty="0">
+                <a:solidFill>
+                  <a:srgbClr val="000000"/>
+                </a:solidFill>
+                <a:effectLst/>
+                <a:latin typeface="Arial" panose="020B0604020202020204" pitchFamily="34" charset="0"/>
+              </a:rPr>
+              <a:t/>
+            </a:r>
             <a:br>
               <a:rPr lang="pt-BR" b="0" i="0" u="none" strike="noStrike" dirty="0">
                 <a:solidFill>
@@ -8989,6 +9481,12 @@
             </a:r>
           </a:p>
           <a:p>
+            <a:r>
+              <a:rPr lang="pt-BR" sz="1400" b="0" dirty="0">
+                <a:effectLst/>
+              </a:rPr>
+              <a:t/>
+            </a:r>
             <a:br>
               <a:rPr lang="pt-BR" sz="1400" b="0" dirty="0">
                 <a:effectLst/>
@@ -9003,7 +9501,7 @@
           <p:cNvPr id="8" name="Imagem 7">
             <a:extLst>
               <a:ext uri="{FF2B5EF4-FFF2-40B4-BE49-F238E27FC236}">
-                <a16:creationId xmlns:a16="http://schemas.microsoft.com/office/drawing/2014/main" id="{3E7296CD-5480-4449-8052-272CC856813E}"/>
+                <a16:creationId xmlns:a16="http://schemas.microsoft.com/office/drawing/2014/main" xmlns="" id="{3E7296CD-5480-4449-8052-272CC856813E}"/>
               </a:ext>
             </a:extLst>
           </p:cNvPr>
@@ -9058,7 +9556,7 @@
           <p:cNvPr id="11" name="CaixaDeTexto 10">
             <a:extLst>
               <a:ext uri="{FF2B5EF4-FFF2-40B4-BE49-F238E27FC236}">
-                <a16:creationId xmlns:a16="http://schemas.microsoft.com/office/drawing/2014/main" id="{AF106E79-C335-4CE3-8363-15D1553A4BC7}"/>
+                <a16:creationId xmlns:a16="http://schemas.microsoft.com/office/drawing/2014/main" xmlns="" id="{AF106E79-C335-4CE3-8363-15D1553A4BC7}"/>
               </a:ext>
             </a:extLst>
           </p:cNvPr>
@@ -9133,7 +9631,7 @@
           <p:cNvPr id="13" name="CaixaDeTexto 12">
             <a:extLst>
               <a:ext uri="{FF2B5EF4-FFF2-40B4-BE49-F238E27FC236}">
-                <a16:creationId xmlns:a16="http://schemas.microsoft.com/office/drawing/2014/main" id="{4D7473EB-0DC6-43B6-8AD5-EFAAB4FC7143}"/>
+                <a16:creationId xmlns:a16="http://schemas.microsoft.com/office/drawing/2014/main" xmlns="" id="{4D7473EB-0DC6-43B6-8AD5-EFAAB4FC7143}"/>
               </a:ext>
             </a:extLst>
           </p:cNvPr>
@@ -9179,6 +9677,10 @@
             </a:endParaRPr>
           </a:p>
           <a:p>
+            <a:r>
+              <a:rPr lang="pt-BR" dirty="0"/>
+              <a:t/>
+            </a:r>
             <a:br>
               <a:rPr lang="pt-BR" dirty="0"/>
             </a:br>
@@ -9196,6 +9698,13 @@
   <p:clrMapOvr>
     <a:masterClrMapping/>
   </p:clrMapOvr>
+  <p:timing>
+    <p:tnLst>
+      <p:par>
+        <p:cTn id="1" dur="indefinite" restart="never" nodeType="tmRoot"/>
+      </p:par>
+    </p:tnLst>
+  </p:timing>
 </p:sld>
 </file>
 
@@ -9218,10 +9727,62 @@
       </p:grpSpPr>
       <p:sp>
         <p:nvSpPr>
+          <p:cNvPr id="7" name="Retângulo 6">
+            <a:extLst>
+              <a:ext uri="{FF2B5EF4-FFF2-40B4-BE49-F238E27FC236}">
+                <a16:creationId xmlns:a16="http://schemas.microsoft.com/office/drawing/2014/main" xmlns="" id="{5E0F7497-D302-4F68-8123-03414F2C6833}"/>
+              </a:ext>
+            </a:extLst>
+          </p:cNvPr>
+          <p:cNvSpPr/>
+          <p:nvPr/>
+        </p:nvSpPr>
+        <p:spPr>
+          <a:xfrm>
+            <a:off x="1704975" y="2558112"/>
+            <a:ext cx="8905875" cy="2032937"/>
+          </a:xfrm>
+          <a:prstGeom prst="rect">
+            <a:avLst/>
+          </a:prstGeom>
+          <a:solidFill>
+            <a:srgbClr val="67C7F2"/>
+          </a:solidFill>
+          <a:ln>
+            <a:noFill/>
+          </a:ln>
+        </p:spPr>
+        <p:style>
+          <a:lnRef idx="2">
+            <a:schemeClr val="accent1">
+              <a:shade val="50000"/>
+            </a:schemeClr>
+          </a:lnRef>
+          <a:fillRef idx="1">
+            <a:schemeClr val="accent1"/>
+          </a:fillRef>
+          <a:effectRef idx="0">
+            <a:schemeClr val="accent1"/>
+          </a:effectRef>
+          <a:fontRef idx="minor">
+            <a:schemeClr val="lt1"/>
+          </a:fontRef>
+        </p:style>
+        <p:txBody>
+          <a:bodyPr rtlCol="0" anchor="ctr"/>
+          <a:lstStyle/>
+          <a:p>
+            <a:pPr algn="ctr"/>
+            <a:endParaRPr lang="pt-BR" dirty="0"/>
+          </a:p>
+        </p:txBody>
+      </p:sp>
+      <p:sp>
+        <p:nvSpPr>
           <p:cNvPr id="2" name="Título 1">
             <a:extLst>
               <a:ext uri="{FF2B5EF4-FFF2-40B4-BE49-F238E27FC236}">
-                <a16:creationId xmlns:a16="http://schemas.microsoft.com/office/drawing/2014/main" id="{E5407E68-547D-40FB-ADFC-29225BCA97FB}"/>
+                <a16:creationId xmlns:a16="http://schemas.microsoft.com/office/drawing/2014/main" xmlns="" id="{E5407E68-547D-40FB-ADFC-29225BCA97FB}"/>
               </a:ext>
             </a:extLst>
           </p:cNvPr>
@@ -9232,16 +9793,50 @@
             <p:ph type="title"/>
           </p:nvPr>
         </p:nvSpPr>
-        <p:spPr/>
+        <p:spPr>
+          <a:xfrm>
+            <a:off x="0" y="373393"/>
+            <a:ext cx="12192000" cy="1325563"/>
+          </a:xfrm>
+        </p:spPr>
         <p:txBody>
           <a:bodyPr/>
           <a:lstStyle/>
           <a:p>
             <a:pPr algn="ctr"/>
             <a:r>
-              <a:rPr lang="pt-BR" dirty="0"/>
-              <a:t>Ruptura do acordo</a:t>
-            </a:r>
+              <a:rPr lang="pt-BR" sz="4000" dirty="0"/>
+              <a:t>EDITAL Nº </a:t>
+            </a:r>
+            <a:r>
+              <a:rPr lang="pt-BR" sz="4000" dirty="0" smtClean="0"/>
+              <a:t>12, </a:t>
+            </a:r>
+            <a:r>
+              <a:rPr lang="pt-BR" sz="4000" dirty="0"/>
+              <a:t>DE </a:t>
+            </a:r>
+            <a:r>
+              <a:rPr lang="pt-BR" sz="4000" dirty="0" smtClean="0"/>
+              <a:t>27 </a:t>
+            </a:r>
+            <a:r>
+              <a:rPr lang="pt-BR" sz="4000" dirty="0"/>
+              <a:t>DE </a:t>
+            </a:r>
+            <a:r>
+              <a:rPr lang="pt-BR" sz="4000" dirty="0" smtClean="0"/>
+              <a:t>NOVEMBRO </a:t>
+            </a:r>
+            <a:r>
+              <a:rPr lang="pt-BR" sz="4000" dirty="0"/>
+              <a:t>DE </a:t>
+            </a:r>
+            <a:r>
+              <a:rPr lang="pt-BR" sz="4000" dirty="0" smtClean="0"/>
+              <a:t>2017</a:t>
+            </a:r>
+            <a:endParaRPr lang="pt-BR" sz="4000" dirty="0"/>
           </a:p>
         </p:txBody>
       </p:sp>
@@ -9250,7 +9845,7 @@
           <p:cNvPr id="4" name="Espaço Reservado para Número de Slide 3">
             <a:extLst>
               <a:ext uri="{FF2B5EF4-FFF2-40B4-BE49-F238E27FC236}">
-                <a16:creationId xmlns:a16="http://schemas.microsoft.com/office/drawing/2014/main" id="{B251EF4B-4832-430A-9B53-231F361E70F5}"/>
+                <a16:creationId xmlns:a16="http://schemas.microsoft.com/office/drawing/2014/main" xmlns="" id="{B251EF4B-4832-430A-9B53-231F361E70F5}"/>
               </a:ext>
             </a:extLst>
           </p:cNvPr>
@@ -9277,10 +9872,10 @@
       </p:sp>
       <p:sp>
         <p:nvSpPr>
-          <p:cNvPr id="7" name="CaixaDeTexto 6">
-            <a:extLst>
-              <a:ext uri="{FF2B5EF4-FFF2-40B4-BE49-F238E27FC236}">
-                <a16:creationId xmlns:a16="http://schemas.microsoft.com/office/drawing/2014/main" id="{875E6116-A1D4-4C06-8451-B1ED7DE07F79}"/>
+          <p:cNvPr id="6" name="CaixaDeTexto 5">
+            <a:extLst>
+              <a:ext uri="{FF2B5EF4-FFF2-40B4-BE49-F238E27FC236}">
+                <a16:creationId xmlns:a16="http://schemas.microsoft.com/office/drawing/2014/main" xmlns="" id="{51FA5D3E-0952-4ABF-9964-6524675A944A}"/>
               </a:ext>
             </a:extLst>
           </p:cNvPr>
@@ -9289,8 +9884,8 @@
         </p:nvSpPr>
         <p:spPr>
           <a:xfrm>
-            <a:off x="318459" y="824296"/>
-            <a:ext cx="11709639" cy="1261884"/>
+            <a:off x="956732" y="1162215"/>
+            <a:ext cx="10278533" cy="1200329"/>
           </a:xfrm>
           <a:prstGeom prst="rect">
             <a:avLst/>
@@ -9303,58 +9898,20 @@
           </a:bodyPr>
           <a:lstStyle/>
           <a:p>
-            <a:pPr algn="ctr" rtl="0">
-              <a:spcBef>
-                <a:spcPts val="0"/>
-              </a:spcBef>
-              <a:spcAft>
-                <a:spcPts val="0"/>
-              </a:spcAft>
-            </a:pPr>
-            <a:br>
-              <a:rPr lang="pt-BR" b="0" i="0" u="none" strike="noStrike" dirty="0">
-                <a:solidFill>
-                  <a:srgbClr val="000000"/>
-                </a:solidFill>
-                <a:effectLst/>
-                <a:latin typeface="Arial" panose="020B0604020202020204" pitchFamily="34" charset="0"/>
-              </a:rPr>
-            </a:br>
-            <a:r>
-              <a:rPr lang="pt-BR" sz="2200" b="0" i="0" u="none" strike="noStrike" dirty="0">
-                <a:solidFill>
-                  <a:srgbClr val="000000"/>
-                </a:solidFill>
-                <a:effectLst/>
-                <a:latin typeface="Arial" panose="020B0604020202020204" pitchFamily="34" charset="0"/>
-              </a:rPr>
-              <a:t>O governo cubano anunciou, no dia 14/11/2018, sua retirada do Programa Mais Médicos e a ruptura do convênio com o governo brasileiro¹</a:t>
-            </a:r>
-            <a:r>
-              <a:rPr lang="pt-BR" sz="1400" b="0" i="0" u="none" strike="noStrike" dirty="0">
-                <a:solidFill>
-                  <a:srgbClr val="000000"/>
-                </a:solidFill>
-                <a:effectLst/>
-                <a:latin typeface="Arial" panose="020B0604020202020204" pitchFamily="34" charset="0"/>
-              </a:rPr>
-              <a:t>.</a:t>
-            </a:r>
-            <a:br>
-              <a:rPr lang="pt-BR" sz="1400" b="0" dirty="0">
-                <a:effectLst/>
-              </a:rPr>
-            </a:br>
-            <a:endParaRPr lang="pt-BR" sz="1400" dirty="0"/>
+            <a:pPr algn="ctr"/>
+            <a:r>
+              <a:rPr lang="pt-BR" dirty="0"/>
+              <a:t>O edital visa convocar médicos formados no Brasil e no exterior, conforme a Lei nº 12.871/2013 e a Portaria Interministerial nº 1.369/MS/MEC/2013, para adesão ao Projeto Mais Médicos. O objetivo é aperfeiçoar médicos na atenção básica em regiões prioritárias do SUS, oferecendo curso de especialização por instituição pública e atividades de ensino, pesquisa e extensão, com componente assistencial integrado.</a:t>
+            </a:r>
           </a:p>
         </p:txBody>
       </p:sp>
       <p:sp>
         <p:nvSpPr>
-          <p:cNvPr id="13" name="CaixaDeTexto 12">
-            <a:extLst>
-              <a:ext uri="{FF2B5EF4-FFF2-40B4-BE49-F238E27FC236}">
-                <a16:creationId xmlns:a16="http://schemas.microsoft.com/office/drawing/2014/main" id="{4D7473EB-0DC6-43B6-8AD5-EFAAB4FC7143}"/>
+          <p:cNvPr id="9" name="CaixaDeTexto 8">
+            <a:extLst>
+              <a:ext uri="{FF2B5EF4-FFF2-40B4-BE49-F238E27FC236}">
+                <a16:creationId xmlns:a16="http://schemas.microsoft.com/office/drawing/2014/main" xmlns="" id="{A32DB5FD-E24E-4C04-851E-C1CA2DE45BC8}"/>
               </a:ext>
             </a:extLst>
           </p:cNvPr>
@@ -9363,8 +9920,8 @@
         </p:nvSpPr>
         <p:spPr>
           <a:xfrm>
-            <a:off x="598818" y="6391038"/>
-            <a:ext cx="10754982" cy="923330"/>
+            <a:off x="1838324" y="2709877"/>
+            <a:ext cx="8515350" cy="1754326"/>
           </a:xfrm>
           <a:prstGeom prst="rect">
             <a:avLst/>
@@ -9377,158 +9934,58 @@
           </a:bodyPr>
           <a:lstStyle/>
           <a:p>
-            <a:pPr rtl="0">
-              <a:spcBef>
-                <a:spcPts val="0"/>
-              </a:spcBef>
-              <a:spcAft>
-                <a:spcPts val="0"/>
-              </a:spcAft>
-            </a:pPr>
-            <a:r>
-              <a:rPr lang="pt-BR" sz="1800" b="0" i="0" u="none" strike="noStrike" dirty="0">
-                <a:solidFill>
-                  <a:srgbClr val="FFFFFF"/>
-                </a:solidFill>
-                <a:effectLst/>
-                <a:latin typeface="Avenir"/>
-              </a:rPr>
-              <a:t>¹ definidas com base nos critérios estabelecidos pela Portaria nº 1.377/GM/MS, de 13 de junho de 2011</a:t>
-            </a:r>
-            <a:endParaRPr lang="pt-BR" b="0" dirty="0">
-              <a:effectLst/>
+            <a:r>
+              <a:rPr lang="pt-BR" b="1" dirty="0">
+                <a:solidFill>
+                  <a:schemeClr val="bg1"/>
+                </a:solidFill>
+              </a:rPr>
+              <a:t>a) Médicos formados em instituições de educação superior brasileiras ou com diploma revalidado no País; e</a:t>
+            </a:r>
+          </a:p>
+          <a:p>
+            <a:endParaRPr lang="pt-BR" b="1" dirty="0">
+              <a:solidFill>
+                <a:schemeClr val="bg1"/>
+              </a:solidFill>
             </a:endParaRPr>
           </a:p>
           <a:p>
-            <a:br>
-              <a:rPr lang="pt-BR" dirty="0"/>
-            </a:br>
-            <a:endParaRPr lang="pt-BR" dirty="0"/>
+            <a:r>
+              <a:rPr lang="pt-BR" b="1" dirty="0">
+                <a:solidFill>
+                  <a:schemeClr val="bg1"/>
+                </a:solidFill>
+              </a:rPr>
+              <a:t>b) Médicos brasileiros formados em instituições estrangeiras com habilitação para exercício da Medicina no </a:t>
+            </a:r>
+            <a:r>
+              <a:rPr lang="pt-BR" b="1" dirty="0" smtClean="0">
+                <a:solidFill>
+                  <a:schemeClr val="bg1"/>
+                </a:solidFill>
+              </a:rPr>
+              <a:t>exterior.</a:t>
+            </a:r>
+            <a:endParaRPr lang="pt-BR" b="1" dirty="0">
+              <a:solidFill>
+                <a:schemeClr val="bg1"/>
+              </a:solidFill>
+            </a:endParaRPr>
+          </a:p>
+          <a:p>
+            <a:endParaRPr lang="pt-BR" b="1" dirty="0">
+              <a:solidFill>
+                <a:schemeClr val="bg1"/>
+              </a:solidFill>
+            </a:endParaRPr>
           </a:p>
         </p:txBody>
       </p:sp>
-      <p:pic>
-        <p:nvPicPr>
-          <p:cNvPr id="5" name="Imagem 4">
-            <a:extLst>
-              <a:ext uri="{FF2B5EF4-FFF2-40B4-BE49-F238E27FC236}">
-                <a16:creationId xmlns:a16="http://schemas.microsoft.com/office/drawing/2014/main" id="{2507062F-962A-4EA3-BDFC-19F7DEB3B305}"/>
-              </a:ext>
-            </a:extLst>
-          </p:cNvPr>
-          <p:cNvPicPr>
-            <a:picLocks noChangeAspect="1"/>
-          </p:cNvPicPr>
-          <p:nvPr/>
-        </p:nvPicPr>
-        <p:blipFill>
-          <a:blip r:embed="rId2">
-            <a:extLst>
-              <a:ext uri="{28A0092B-C50C-407E-A947-70E740481C1C}">
-                <a14:useLocalDpi xmlns:a14="http://schemas.microsoft.com/office/drawing/2010/main" val="0"/>
-              </a:ext>
-            </a:extLst>
-          </a:blip>
-          <a:stretch>
-            <a:fillRect/>
-          </a:stretch>
-        </p:blipFill>
-        <p:spPr>
-          <a:xfrm>
-            <a:off x="3578165" y="2147955"/>
-            <a:ext cx="5035670" cy="3258798"/>
-          </a:xfrm>
-          <a:prstGeom prst="rect">
-            <a:avLst/>
-          </a:prstGeom>
-        </p:spPr>
-      </p:pic>
-      <p:cxnSp>
-        <p:nvCxnSpPr>
-          <p:cNvPr id="10" name="Conector reto 9">
-            <a:extLst>
-              <a:ext uri="{FF2B5EF4-FFF2-40B4-BE49-F238E27FC236}">
-                <a16:creationId xmlns:a16="http://schemas.microsoft.com/office/drawing/2014/main" id="{500C1D4A-6CA1-4918-9D0C-A6C7752B7263}"/>
-              </a:ext>
-            </a:extLst>
-          </p:cNvPr>
-          <p:cNvCxnSpPr/>
-          <p:nvPr/>
-        </p:nvCxnSpPr>
-        <p:spPr>
-          <a:xfrm>
-            <a:off x="419100" y="1958196"/>
-            <a:ext cx="11537111" cy="0"/>
-          </a:xfrm>
-          <a:prstGeom prst="line">
-            <a:avLst/>
-          </a:prstGeom>
-          <a:ln w="19050">
-            <a:solidFill>
-              <a:schemeClr val="tx1"/>
-            </a:solidFill>
-          </a:ln>
-        </p:spPr>
-        <p:style>
-          <a:lnRef idx="1">
-            <a:schemeClr val="accent1"/>
-          </a:lnRef>
-          <a:fillRef idx="0">
-            <a:schemeClr val="accent1"/>
-          </a:fillRef>
-          <a:effectRef idx="0">
-            <a:schemeClr val="accent1"/>
-          </a:effectRef>
-          <a:fontRef idx="minor">
-            <a:schemeClr val="tx1"/>
-          </a:fontRef>
-        </p:style>
-      </p:cxnSp>
-      <p:cxnSp>
-        <p:nvCxnSpPr>
-          <p:cNvPr id="14" name="Conector reto 13">
-            <a:extLst>
-              <a:ext uri="{FF2B5EF4-FFF2-40B4-BE49-F238E27FC236}">
-                <a16:creationId xmlns:a16="http://schemas.microsoft.com/office/drawing/2014/main" id="{CAF07FCD-2206-4ECE-87FD-E01D375737E0}"/>
-              </a:ext>
-            </a:extLst>
-          </p:cNvPr>
-          <p:cNvCxnSpPr/>
-          <p:nvPr/>
-        </p:nvCxnSpPr>
-        <p:spPr>
-          <a:xfrm>
-            <a:off x="598818" y="5656053"/>
-            <a:ext cx="11537111" cy="0"/>
-          </a:xfrm>
-          <a:prstGeom prst="line">
-            <a:avLst/>
-          </a:prstGeom>
-          <a:ln w="19050">
-            <a:solidFill>
-              <a:schemeClr val="tx1"/>
-            </a:solidFill>
-          </a:ln>
-        </p:spPr>
-        <p:style>
-          <a:lnRef idx="1">
-            <a:schemeClr val="accent1"/>
-          </a:lnRef>
-          <a:fillRef idx="0">
-            <a:schemeClr val="accent1"/>
-          </a:fillRef>
-          <a:effectRef idx="0">
-            <a:schemeClr val="accent1"/>
-          </a:effectRef>
-          <a:fontRef idx="minor">
-            <a:schemeClr val="tx1"/>
-          </a:fontRef>
-        </p:style>
-      </p:cxnSp>
     </p:spTree>
     <p:extLst>
       <p:ext uri="{BB962C8B-B14F-4D97-AF65-F5344CB8AC3E}">
-        <p14:creationId xmlns:p14="http://schemas.microsoft.com/office/powerpoint/2010/main" val="258047634"/>
+        <p14:creationId xmlns:p14="http://schemas.microsoft.com/office/powerpoint/2010/main" val="3709535926"/>
       </p:ext>
     </p:extLst>
   </p:cSld>
@@ -9555,59 +10012,12 @@
           <a:chExt cx="0" cy="0"/>
         </a:xfrm>
       </p:grpSpPr>
-      <p:pic>
-        <p:nvPicPr>
-          <p:cNvPr id="2050" name="Picture 2">
-            <a:extLst>
-              <a:ext uri="{FF2B5EF4-FFF2-40B4-BE49-F238E27FC236}">
-                <a16:creationId xmlns:a16="http://schemas.microsoft.com/office/drawing/2014/main" id="{917B7366-C21A-41D0-9629-017CDE3B70CE}"/>
-              </a:ext>
-            </a:extLst>
-          </p:cNvPr>
-          <p:cNvPicPr>
-            <a:picLocks noChangeAspect="1" noChangeArrowheads="1"/>
-          </p:cNvPicPr>
-          <p:nvPr/>
-        </p:nvPicPr>
-        <p:blipFill>
-          <a:blip r:embed="rId2">
-            <a:extLst>
-              <a:ext uri="{28A0092B-C50C-407E-A947-70E740481C1C}">
-                <a14:useLocalDpi xmlns:a14="http://schemas.microsoft.com/office/drawing/2010/main" val="0"/>
-              </a:ext>
-            </a:extLst>
-          </a:blip>
-          <a:srcRect/>
-          <a:stretch>
-            <a:fillRect/>
-          </a:stretch>
-        </p:blipFill>
-        <p:spPr bwMode="auto">
-          <a:xfrm>
-            <a:off x="3500966" y="3480617"/>
-            <a:ext cx="5190067" cy="2862322"/>
-          </a:xfrm>
-          <a:prstGeom prst="rect">
-            <a:avLst/>
-          </a:prstGeom>
-          <a:noFill/>
-          <a:extLst>
-            <a:ext uri="{909E8E84-426E-40DD-AFC4-6F175D3DCCD1}">
-              <a14:hiddenFill xmlns:a14="http://schemas.microsoft.com/office/drawing/2010/main">
-                <a:solidFill>
-                  <a:srgbClr val="FFFFFF"/>
-                </a:solidFill>
-              </a14:hiddenFill>
-            </a:ext>
-          </a:extLst>
-        </p:spPr>
-      </p:pic>
       <p:sp>
         <p:nvSpPr>
           <p:cNvPr id="2" name="Título 1">
             <a:extLst>
               <a:ext uri="{FF2B5EF4-FFF2-40B4-BE49-F238E27FC236}">
-                <a16:creationId xmlns:a16="http://schemas.microsoft.com/office/drawing/2014/main" id="{E5407E68-547D-40FB-ADFC-29225BCA97FB}"/>
+                <a16:creationId xmlns:a16="http://schemas.microsoft.com/office/drawing/2014/main" xmlns="" id="{E5407E68-547D-40FB-ADFC-29225BCA97FB}"/>
               </a:ext>
             </a:extLst>
           </p:cNvPr>
@@ -9626,7 +10036,7 @@
             <a:pPr algn="ctr"/>
             <a:r>
               <a:rPr lang="pt-BR" dirty="0"/>
-              <a:t>Programa Mais Médicos pelo Brasil</a:t>
+              <a:t>Ruptura do acordo</a:t>
             </a:r>
           </a:p>
         </p:txBody>
@@ -9636,7 +10046,7 @@
           <p:cNvPr id="4" name="Espaço Reservado para Número de Slide 3">
             <a:extLst>
               <a:ext uri="{FF2B5EF4-FFF2-40B4-BE49-F238E27FC236}">
-                <a16:creationId xmlns:a16="http://schemas.microsoft.com/office/drawing/2014/main" id="{B251EF4B-4832-430A-9B53-231F361E70F5}"/>
+                <a16:creationId xmlns:a16="http://schemas.microsoft.com/office/drawing/2014/main" xmlns="" id="{B251EF4B-4832-430A-9B53-231F361E70F5}"/>
               </a:ext>
             </a:extLst>
           </p:cNvPr>
@@ -9663,10 +10073,10 @@
       </p:sp>
       <p:sp>
         <p:nvSpPr>
-          <p:cNvPr id="16" name="CaixaDeTexto 15">
-            <a:extLst>
-              <a:ext uri="{FF2B5EF4-FFF2-40B4-BE49-F238E27FC236}">
-                <a16:creationId xmlns:a16="http://schemas.microsoft.com/office/drawing/2014/main" id="{02AF37DB-B681-4C41-A8BD-3132AC01852C}"/>
+          <p:cNvPr id="7" name="CaixaDeTexto 6">
+            <a:extLst>
+              <a:ext uri="{FF2B5EF4-FFF2-40B4-BE49-F238E27FC236}">
+                <a16:creationId xmlns:a16="http://schemas.microsoft.com/office/drawing/2014/main" xmlns="" id="{875E6116-A1D4-4C06-8451-B1ED7DE07F79}"/>
               </a:ext>
             </a:extLst>
           </p:cNvPr>
@@ -9675,8 +10085,8 @@
         </p:nvSpPr>
         <p:spPr>
           <a:xfrm>
-            <a:off x="669087" y="1426394"/>
-            <a:ext cx="10853826" cy="2585323"/>
+            <a:off x="318459" y="824296"/>
+            <a:ext cx="11709639" cy="1261884"/>
           </a:xfrm>
           <a:prstGeom prst="rect">
             <a:avLst/>
@@ -9698,100 +10108,65 @@
               </a:spcAft>
             </a:pPr>
             <a:r>
-              <a:rPr lang="pt-BR" sz="1800" b="0" i="0" u="none" strike="noStrike" dirty="0">
+              <a:rPr lang="pt-BR" b="0" i="0" u="none" strike="noStrike" dirty="0">
                 <a:solidFill>
                   <a:srgbClr val="000000"/>
                 </a:solidFill>
                 <a:effectLst/>
                 <a:latin typeface="Arial" panose="020B0604020202020204" pitchFamily="34" charset="0"/>
               </a:rPr>
-              <a:t>Em dezembro de 2019, a Lei Nº 13.958 (Programa Mais Médicos pelo Brasil) alterou a Lei Nº 12.871 de 2013, para permitir a </a:t>
-            </a:r>
-            <a:r>
-              <a:rPr lang="pt-BR" sz="1800" b="1" i="0" u="none" strike="noStrike" dirty="0">
+              <a:t/>
+            </a:r>
+            <a:br>
+              <a:rPr lang="pt-BR" b="0" i="0" u="none" strike="noStrike" dirty="0">
                 <a:solidFill>
                   <a:srgbClr val="000000"/>
                 </a:solidFill>
                 <a:effectLst/>
                 <a:latin typeface="Arial" panose="020B0604020202020204" pitchFamily="34" charset="0"/>
               </a:rPr>
-              <a:t>reincorporação, por dois anos (improrrogável), de médicos intercambistas do Projeto Mais Médicos</a:t>
-            </a:r>
-            <a:r>
-              <a:rPr lang="pt-BR" sz="1800" b="0" i="0" u="none" strike="noStrike" dirty="0">
+            </a:br>
+            <a:r>
+              <a:rPr lang="pt-BR" sz="2200" b="0" i="0" u="none" strike="noStrike" dirty="0">
                 <a:solidFill>
                   <a:srgbClr val="000000"/>
                 </a:solidFill>
                 <a:effectLst/>
                 <a:latin typeface="Arial" panose="020B0604020202020204" pitchFamily="34" charset="0"/>
               </a:rPr>
-              <a:t> que atendam aos seguintes requisitos: estarem atuando no projeto em </a:t>
-            </a:r>
-            <a:r>
-              <a:rPr lang="pt-BR" sz="1800" b="1" i="0" u="none" strike="noStrike" dirty="0">
+              <a:t>O governo cubano anunciou, no dia 14/11/2018, sua retirada do Programa Mais Médicos e a ruptura do convênio com o governo brasileiro¹</a:t>
+            </a:r>
+            <a:r>
+              <a:rPr lang="pt-BR" sz="1400" b="0" i="0" u="none" strike="noStrike" dirty="0">
                 <a:solidFill>
                   <a:srgbClr val="000000"/>
                 </a:solidFill>
                 <a:effectLst/>
                 <a:latin typeface="Arial" panose="020B0604020202020204" pitchFamily="34" charset="0"/>
               </a:rPr>
-              <a:t>13 de novembro de 2018</a:t>
-            </a:r>
-            <a:r>
-              <a:rPr lang="pt-BR" sz="1800" b="0" i="0" u="none" strike="noStrike" dirty="0">
-                <a:solidFill>
-                  <a:srgbClr val="000000"/>
-                </a:solidFill>
+              <a:t>.</a:t>
+            </a:r>
+            <a:r>
+              <a:rPr lang="pt-BR" sz="1400" b="0" dirty="0">
                 <a:effectLst/>
-                <a:latin typeface="Arial" panose="020B0604020202020204" pitchFamily="34" charset="0"/>
-              </a:rPr>
-              <a:t>, terem sido desligados devido ao fim do acordo entre Brasil e Cuba, e terem </a:t>
-            </a:r>
-            <a:r>
-              <a:rPr lang="pt-BR" sz="1800" b="1" i="0" u="none" strike="noStrike" dirty="0">
-                <a:solidFill>
-                  <a:srgbClr val="000000"/>
-                </a:solidFill>
+              </a:rPr>
+              <a:t/>
+            </a:r>
+            <a:br>
+              <a:rPr lang="pt-BR" sz="1400" b="0" dirty="0">
                 <a:effectLst/>
-                <a:latin typeface="Arial" panose="020B0604020202020204" pitchFamily="34" charset="0"/>
-              </a:rPr>
-              <a:t>permanecido no Brasil até 1º de agosto de 2019 como naturalizados, residentes ou com pedido de refúgio</a:t>
-            </a:r>
-            <a:r>
-              <a:rPr lang="pt-BR" sz="1800" b="0" i="0" u="none" strike="noStrike" dirty="0">
-                <a:solidFill>
-                  <a:srgbClr val="000000"/>
-                </a:solidFill>
-                <a:effectLst/>
-                <a:latin typeface="Arial" panose="020B0604020202020204" pitchFamily="34" charset="0"/>
-              </a:rPr>
-              <a:t>.</a:t>
-            </a:r>
-            <a:endParaRPr lang="pt-BR" b="0" dirty="0">
-              <a:effectLst/>
-            </a:endParaRPr>
-          </a:p>
-          <a:p>
-            <a:br>
-              <a:rPr lang="pt-BR" b="0" dirty="0">
-                <a:effectLst/>
               </a:rPr>
             </a:br>
-            <a:br>
-              <a:rPr lang="pt-BR" b="0" dirty="0">
-                <a:effectLst/>
-              </a:rPr>
-            </a:br>
-            <a:endParaRPr lang="pt-BR" dirty="0"/>
+            <a:endParaRPr lang="pt-BR" sz="1400" dirty="0"/>
           </a:p>
         </p:txBody>
       </p:sp>
       <p:sp>
         <p:nvSpPr>
-          <p:cNvPr id="19" name="CaixaDeTexto 18">
-            <a:extLst>
-              <a:ext uri="{FF2B5EF4-FFF2-40B4-BE49-F238E27FC236}">
-                <a16:creationId xmlns:a16="http://schemas.microsoft.com/office/drawing/2014/main" id="{6A3144A0-0FCA-4AFD-968A-3429775EF61A}"/>
+          <p:cNvPr id="13" name="CaixaDeTexto 12">
+            <a:extLst>
+              <a:ext uri="{FF2B5EF4-FFF2-40B4-BE49-F238E27FC236}">
+                <a16:creationId xmlns:a16="http://schemas.microsoft.com/office/drawing/2014/main" xmlns="" id="{4D7473EB-0DC6-43B6-8AD5-EFAAB4FC7143}"/>
               </a:ext>
             </a:extLst>
           </p:cNvPr>
@@ -9800,8 +10175,8 @@
         </p:nvSpPr>
         <p:spPr>
           <a:xfrm>
-            <a:off x="419100" y="6399510"/>
-            <a:ext cx="11468100" cy="461665"/>
+            <a:off x="598818" y="6391038"/>
+            <a:ext cx="10754982" cy="923330"/>
           </a:xfrm>
           <a:prstGeom prst="rect">
             <a:avLst/>
@@ -9823,74 +10198,166 @@
               </a:spcAft>
             </a:pPr>
             <a:r>
-              <a:rPr lang="pt-BR" sz="1200" b="0" i="0" u="none" strike="noStrike" dirty="0">
+              <a:rPr lang="pt-BR" sz="1800" b="0" i="0" u="none" strike="noStrike" dirty="0">
                 <a:solidFill>
                   <a:srgbClr val="FFFFFF"/>
                 </a:solidFill>
                 <a:effectLst/>
                 <a:latin typeface="Avenir"/>
               </a:rPr>
-              <a:t>¹ </a:t>
-            </a:r>
-            <a:r>
-              <a:rPr lang="pt-BR" sz="1200" b="0" i="0" u="sng" strike="noStrike" dirty="0">
-                <a:solidFill>
-                  <a:schemeClr val="bg1"/>
-                </a:solidFill>
-                <a:effectLst/>
-                <a:latin typeface="Avenir"/>
-                <a:hlinkClick r:id="rId3">
-                  <a:extLst>
-                    <a:ext uri="{A12FA001-AC4F-418D-AE19-62706E023703}">
-                      <ahyp:hlinkClr xmlns:ahyp="http://schemas.microsoft.com/office/drawing/2018/hyperlinkcolor" val="tx"/>
-                    </a:ext>
-                  </a:extLst>
-                </a:hlinkClick>
-              </a:rPr>
-              <a:t>https://www12.senado.leg.br/noticias/materias/2019/12/19/publicada-no-diario-oficial-lei-que-cria-o-medicos-pelo-brasil</a:t>
-            </a:r>
-            <a:endParaRPr lang="pt-BR" sz="1200" b="0" dirty="0">
-              <a:solidFill>
-                <a:schemeClr val="bg1"/>
-              </a:solidFill>
+              <a:t>¹ definidas com base nos critérios estabelecidos pela Portaria nº 1.377/GM/MS, de 13 de junho de 2011</a:t>
+            </a:r>
+            <a:endParaRPr lang="pt-BR" b="0" dirty="0">
               <a:effectLst/>
             </a:endParaRPr>
           </a:p>
           <a:p>
-            <a:pPr rtl="0">
-              <a:spcBef>
-                <a:spcPts val="0"/>
-              </a:spcBef>
-              <a:spcAft>
-                <a:spcPts val="0"/>
-              </a:spcAft>
-            </a:pPr>
-            <a:r>
-              <a:rPr lang="pt-BR" sz="1200" b="0" i="0" u="none" strike="noStrike" dirty="0">
-                <a:solidFill>
-                  <a:srgbClr val="FFFFFF"/>
-                </a:solidFill>
-                <a:effectLst/>
-                <a:latin typeface="Avenir"/>
-              </a:rPr>
-              <a:t>Foto: Marcos Correa/PR</a:t>
-            </a:r>
-            <a:endParaRPr lang="pt-BR" sz="1200" b="0" dirty="0">
-              <a:effectLst/>
-            </a:endParaRPr>
+            <a:r>
+              <a:rPr lang="pt-BR" dirty="0"/>
+              <a:t/>
+            </a:r>
+            <a:br>
+              <a:rPr lang="pt-BR" dirty="0"/>
+            </a:br>
+            <a:endParaRPr lang="pt-BR" dirty="0"/>
           </a:p>
         </p:txBody>
       </p:sp>
+      <p:pic>
+        <p:nvPicPr>
+          <p:cNvPr id="5" name="Imagem 4">
+            <a:extLst>
+              <a:ext uri="{FF2B5EF4-FFF2-40B4-BE49-F238E27FC236}">
+                <a16:creationId xmlns:a16="http://schemas.microsoft.com/office/drawing/2014/main" xmlns="" id="{2507062F-962A-4EA3-BDFC-19F7DEB3B305}"/>
+              </a:ext>
+            </a:extLst>
+          </p:cNvPr>
+          <p:cNvPicPr>
+            <a:picLocks noChangeAspect="1"/>
+          </p:cNvPicPr>
+          <p:nvPr/>
+        </p:nvPicPr>
+        <p:blipFill>
+          <a:blip r:embed="rId2">
+            <a:extLst>
+              <a:ext uri="{28A0092B-C50C-407E-A947-70E740481C1C}">
+                <a14:useLocalDpi xmlns:a14="http://schemas.microsoft.com/office/drawing/2010/main" val="0"/>
+              </a:ext>
+            </a:extLst>
+          </a:blip>
+          <a:stretch>
+            <a:fillRect/>
+          </a:stretch>
+        </p:blipFill>
+        <p:spPr>
+          <a:xfrm>
+            <a:off x="3578165" y="2147955"/>
+            <a:ext cx="5035670" cy="3258798"/>
+          </a:xfrm>
+          <a:prstGeom prst="rect">
+            <a:avLst/>
+          </a:prstGeom>
+        </p:spPr>
+      </p:pic>
+      <p:cxnSp>
+        <p:nvCxnSpPr>
+          <p:cNvPr id="10" name="Conector reto 9">
+            <a:extLst>
+              <a:ext uri="{FF2B5EF4-FFF2-40B4-BE49-F238E27FC236}">
+                <a16:creationId xmlns:a16="http://schemas.microsoft.com/office/drawing/2014/main" xmlns="" id="{500C1D4A-6CA1-4918-9D0C-A6C7752B7263}"/>
+              </a:ext>
+            </a:extLst>
+          </p:cNvPr>
+          <p:cNvCxnSpPr/>
+          <p:nvPr/>
+        </p:nvCxnSpPr>
+        <p:spPr>
+          <a:xfrm>
+            <a:off x="419100" y="1958196"/>
+            <a:ext cx="11537111" cy="0"/>
+          </a:xfrm>
+          <a:prstGeom prst="line">
+            <a:avLst/>
+          </a:prstGeom>
+          <a:ln w="19050">
+            <a:solidFill>
+              <a:schemeClr val="tx1"/>
+            </a:solidFill>
+          </a:ln>
+        </p:spPr>
+        <p:style>
+          <a:lnRef idx="1">
+            <a:schemeClr val="accent1"/>
+          </a:lnRef>
+          <a:fillRef idx="0">
+            <a:schemeClr val="accent1"/>
+          </a:fillRef>
+          <a:effectRef idx="0">
+            <a:schemeClr val="accent1"/>
+          </a:effectRef>
+          <a:fontRef idx="minor">
+            <a:schemeClr val="tx1"/>
+          </a:fontRef>
+        </p:style>
+      </p:cxnSp>
+      <p:cxnSp>
+        <p:nvCxnSpPr>
+          <p:cNvPr id="14" name="Conector reto 13">
+            <a:extLst>
+              <a:ext uri="{FF2B5EF4-FFF2-40B4-BE49-F238E27FC236}">
+                <a16:creationId xmlns:a16="http://schemas.microsoft.com/office/drawing/2014/main" xmlns="" id="{CAF07FCD-2206-4ECE-87FD-E01D375737E0}"/>
+              </a:ext>
+            </a:extLst>
+          </p:cNvPr>
+          <p:cNvCxnSpPr/>
+          <p:nvPr/>
+        </p:nvCxnSpPr>
+        <p:spPr>
+          <a:xfrm>
+            <a:off x="598818" y="5656053"/>
+            <a:ext cx="11537111" cy="0"/>
+          </a:xfrm>
+          <a:prstGeom prst="line">
+            <a:avLst/>
+          </a:prstGeom>
+          <a:ln w="19050">
+            <a:solidFill>
+              <a:schemeClr val="tx1"/>
+            </a:solidFill>
+          </a:ln>
+        </p:spPr>
+        <p:style>
+          <a:lnRef idx="1">
+            <a:schemeClr val="accent1"/>
+          </a:lnRef>
+          <a:fillRef idx="0">
+            <a:schemeClr val="accent1"/>
+          </a:fillRef>
+          <a:effectRef idx="0">
+            <a:schemeClr val="accent1"/>
+          </a:effectRef>
+          <a:fontRef idx="minor">
+            <a:schemeClr val="tx1"/>
+          </a:fontRef>
+        </p:style>
+      </p:cxnSp>
     </p:spTree>
     <p:extLst>
       <p:ext uri="{BB962C8B-B14F-4D97-AF65-F5344CB8AC3E}">
-        <p14:creationId xmlns:p14="http://schemas.microsoft.com/office/powerpoint/2010/main" val="860441776"/>
+        <p14:creationId xmlns:p14="http://schemas.microsoft.com/office/powerpoint/2010/main" val="258047634"/>
       </p:ext>
     </p:extLst>
   </p:cSld>
   <p:clrMapOvr>
     <a:masterClrMapping/>
   </p:clrMapOvr>
+  <p:timing>
+    <p:tnLst>
+      <p:par>
+        <p:cTn id="1" dur="indefinite" restart="never" nodeType="tmRoot"/>
+      </p:par>
+    </p:tnLst>
+  </p:timing>
 </p:sld>
 </file>
 
@@ -9911,64 +10378,59 @@
           <a:chExt cx="0" cy="0"/>
         </a:xfrm>
       </p:grpSpPr>
-      <p:sp>
-        <p:nvSpPr>
-          <p:cNvPr id="7" name="Retângulo 6">
-            <a:extLst>
-              <a:ext uri="{FF2B5EF4-FFF2-40B4-BE49-F238E27FC236}">
-                <a16:creationId xmlns:a16="http://schemas.microsoft.com/office/drawing/2014/main" id="{5E0F7497-D302-4F68-8123-03414F2C6833}"/>
-              </a:ext>
-            </a:extLst>
-          </p:cNvPr>
-          <p:cNvSpPr/>
+      <p:pic>
+        <p:nvPicPr>
+          <p:cNvPr id="2050" name="Picture 2">
+            <a:extLst>
+              <a:ext uri="{FF2B5EF4-FFF2-40B4-BE49-F238E27FC236}">
+                <a16:creationId xmlns:a16="http://schemas.microsoft.com/office/drawing/2014/main" xmlns="" id="{917B7366-C21A-41D0-9629-017CDE3B70CE}"/>
+              </a:ext>
+            </a:extLst>
+          </p:cNvPr>
+          <p:cNvPicPr>
+            <a:picLocks noChangeAspect="1" noChangeArrowheads="1"/>
+          </p:cNvPicPr>
           <p:nvPr/>
-        </p:nvSpPr>
-        <p:spPr>
-          <a:xfrm>
-            <a:off x="1704975" y="2558112"/>
-            <a:ext cx="8905875" cy="2032937"/>
-          </a:xfrm>
-          <a:prstGeom prst="rect">
-            <a:avLst/>
-          </a:prstGeom>
-          <a:solidFill>
-            <a:srgbClr val="67C7F2"/>
-          </a:solidFill>
-          <a:ln>
-            <a:noFill/>
-          </a:ln>
-        </p:spPr>
-        <p:style>
-          <a:lnRef idx="2">
-            <a:schemeClr val="accent1">
-              <a:shade val="50000"/>
-            </a:schemeClr>
-          </a:lnRef>
-          <a:fillRef idx="1">
-            <a:schemeClr val="accent1"/>
-          </a:fillRef>
-          <a:effectRef idx="0">
-            <a:schemeClr val="accent1"/>
-          </a:effectRef>
-          <a:fontRef idx="minor">
-            <a:schemeClr val="lt1"/>
-          </a:fontRef>
-        </p:style>
-        <p:txBody>
-          <a:bodyPr rtlCol="0" anchor="ctr"/>
-          <a:lstStyle/>
-          <a:p>
-            <a:pPr algn="ctr"/>
-            <a:endParaRPr lang="pt-BR"/>
-          </a:p>
-        </p:txBody>
-      </p:sp>
+        </p:nvPicPr>
+        <p:blipFill>
+          <a:blip r:embed="rId2">
+            <a:extLst>
+              <a:ext uri="{28A0092B-C50C-407E-A947-70E740481C1C}">
+                <a14:useLocalDpi xmlns:a14="http://schemas.microsoft.com/office/drawing/2010/main" val="0"/>
+              </a:ext>
+            </a:extLst>
+          </a:blip>
+          <a:srcRect/>
+          <a:stretch>
+            <a:fillRect/>
+          </a:stretch>
+        </p:blipFill>
+        <p:spPr bwMode="auto">
+          <a:xfrm>
+            <a:off x="3500966" y="3480617"/>
+            <a:ext cx="5190067" cy="2862322"/>
+          </a:xfrm>
+          <a:prstGeom prst="rect">
+            <a:avLst/>
+          </a:prstGeom>
+          <a:noFill/>
+          <a:extLst>
+            <a:ext uri="{909E8E84-426E-40DD-AFC4-6F175D3DCCD1}">
+              <a14:hiddenFill xmlns:a14="http://schemas.microsoft.com/office/drawing/2010/main">
+                <a:solidFill>
+                  <a:srgbClr val="FFFFFF"/>
+                </a:solidFill>
+              </a14:hiddenFill>
+            </a:ext>
+          </a:extLst>
+        </p:spPr>
+      </p:pic>
       <p:sp>
         <p:nvSpPr>
           <p:cNvPr id="2" name="Título 1">
             <a:extLst>
               <a:ext uri="{FF2B5EF4-FFF2-40B4-BE49-F238E27FC236}">
-                <a16:creationId xmlns:a16="http://schemas.microsoft.com/office/drawing/2014/main" id="{E5407E68-547D-40FB-ADFC-29225BCA97FB}"/>
+                <a16:creationId xmlns:a16="http://schemas.microsoft.com/office/drawing/2014/main" xmlns="" id="{E5407E68-547D-40FB-ADFC-29225BCA97FB}"/>
               </a:ext>
             </a:extLst>
           </p:cNvPr>
@@ -9979,12 +10441,7 @@
             <p:ph type="title"/>
           </p:nvPr>
         </p:nvSpPr>
-        <p:spPr>
-          <a:xfrm>
-            <a:off x="419100" y="373393"/>
-            <a:ext cx="11496675" cy="1325563"/>
-          </a:xfrm>
-        </p:spPr>
+        <p:spPr/>
         <p:txBody>
           <a:bodyPr/>
           <a:lstStyle/>
@@ -9992,7 +10449,7 @@
             <a:pPr algn="ctr"/>
             <a:r>
               <a:rPr lang="pt-BR" dirty="0"/>
-              <a:t>EDITAL Nº 9, DE 26 DE MARÇO DE 2020</a:t>
+              <a:t>Programa Mais Médicos pelo Brasil</a:t>
             </a:r>
           </a:p>
         </p:txBody>
@@ -10002,7 +10459,7 @@
           <p:cNvPr id="4" name="Espaço Reservado para Número de Slide 3">
             <a:extLst>
               <a:ext uri="{FF2B5EF4-FFF2-40B4-BE49-F238E27FC236}">
-                <a16:creationId xmlns:a16="http://schemas.microsoft.com/office/drawing/2014/main" id="{B251EF4B-4832-430A-9B53-231F361E70F5}"/>
+                <a16:creationId xmlns:a16="http://schemas.microsoft.com/office/drawing/2014/main" xmlns="" id="{B251EF4B-4832-430A-9B53-231F361E70F5}"/>
               </a:ext>
             </a:extLst>
           </p:cNvPr>
@@ -10029,10 +10486,10 @@
       </p:sp>
       <p:sp>
         <p:nvSpPr>
-          <p:cNvPr id="6" name="CaixaDeTexto 5">
-            <a:extLst>
-              <a:ext uri="{FF2B5EF4-FFF2-40B4-BE49-F238E27FC236}">
-                <a16:creationId xmlns:a16="http://schemas.microsoft.com/office/drawing/2014/main" id="{51FA5D3E-0952-4ABF-9964-6524675A944A}"/>
+          <p:cNvPr id="16" name="CaixaDeTexto 15">
+            <a:extLst>
+              <a:ext uri="{FF2B5EF4-FFF2-40B4-BE49-F238E27FC236}">
+                <a16:creationId xmlns:a16="http://schemas.microsoft.com/office/drawing/2014/main" xmlns="" id="{02AF37DB-B681-4C41-A8BD-3132AC01852C}"/>
               </a:ext>
             </a:extLst>
           </p:cNvPr>
@@ -10041,8 +10498,8 @@
         </p:nvSpPr>
         <p:spPr>
           <a:xfrm>
-            <a:off x="956733" y="1232549"/>
-            <a:ext cx="10278533" cy="1477328"/>
+            <a:off x="669087" y="1426394"/>
+            <a:ext cx="10853826" cy="2585323"/>
           </a:xfrm>
           <a:prstGeom prst="rect">
             <a:avLst/>
@@ -10064,14 +10521,97 @@
               </a:spcAft>
             </a:pPr>
             <a:r>
-              <a:rPr lang="pt-BR" dirty="0"/>
-              <a:t>Este edital realiza o chamamento público de médicos intercambistas, da cooperação internacional, listados no Anexo II, que atendam aos requisitos do art. 23-A da Lei nº 12.871/2013, alterado pela Lei nº 13.958/2019, para reincorporação ao Projeto Mais Médicos por um prazo improrrogável de dois anos.</a:t>
+              <a:rPr lang="pt-BR" sz="1800" b="0" i="0" u="none" strike="noStrike" dirty="0">
+                <a:solidFill>
+                  <a:srgbClr val="000000"/>
+                </a:solidFill>
+                <a:effectLst/>
+                <a:latin typeface="Arial" panose="020B0604020202020204" pitchFamily="34" charset="0"/>
+              </a:rPr>
+              <a:t>Em dezembro de 2019, a Lei Nº 13.958 (Programa Mais Médicos pelo Brasil) alterou a Lei Nº 12.871 de 2013, para permitir a </a:t>
+            </a:r>
+            <a:r>
+              <a:rPr lang="pt-BR" sz="1800" b="1" i="0" u="none" strike="noStrike" dirty="0">
+                <a:solidFill>
+                  <a:srgbClr val="000000"/>
+                </a:solidFill>
+                <a:effectLst/>
+                <a:latin typeface="Arial" panose="020B0604020202020204" pitchFamily="34" charset="0"/>
+              </a:rPr>
+              <a:t>reincorporação, por dois anos (improrrogável), de médicos intercambistas do Projeto Mais Médicos</a:t>
+            </a:r>
+            <a:r>
+              <a:rPr lang="pt-BR" sz="1800" b="0" i="0" u="none" strike="noStrike" dirty="0">
+                <a:solidFill>
+                  <a:srgbClr val="000000"/>
+                </a:solidFill>
+                <a:effectLst/>
+                <a:latin typeface="Arial" panose="020B0604020202020204" pitchFamily="34" charset="0"/>
+              </a:rPr>
+              <a:t> que atendam aos seguintes requisitos: estarem atuando no projeto em </a:t>
+            </a:r>
+            <a:r>
+              <a:rPr lang="pt-BR" sz="1800" b="1" i="0" u="none" strike="noStrike" dirty="0">
+                <a:solidFill>
+                  <a:srgbClr val="000000"/>
+                </a:solidFill>
+                <a:effectLst/>
+                <a:latin typeface="Arial" panose="020B0604020202020204" pitchFamily="34" charset="0"/>
+              </a:rPr>
+              <a:t>13 de novembro de 2018</a:t>
+            </a:r>
+            <a:r>
+              <a:rPr lang="pt-BR" sz="1800" b="0" i="0" u="none" strike="noStrike" dirty="0">
+                <a:solidFill>
+                  <a:srgbClr val="000000"/>
+                </a:solidFill>
+                <a:effectLst/>
+                <a:latin typeface="Arial" panose="020B0604020202020204" pitchFamily="34" charset="0"/>
+              </a:rPr>
+              <a:t>, terem sido desligados devido ao fim do acordo entre Brasil e Cuba, e terem </a:t>
+            </a:r>
+            <a:r>
+              <a:rPr lang="pt-BR" sz="1800" b="1" i="0" u="none" strike="noStrike" dirty="0">
+                <a:solidFill>
+                  <a:srgbClr val="000000"/>
+                </a:solidFill>
+                <a:effectLst/>
+                <a:latin typeface="Arial" panose="020B0604020202020204" pitchFamily="34" charset="0"/>
+              </a:rPr>
+              <a:t>permanecido no Brasil até 1º de agosto de 2019 como naturalizados, residentes ou com pedido de refúgio</a:t>
+            </a:r>
+            <a:r>
+              <a:rPr lang="pt-BR" sz="1800" b="0" i="0" u="none" strike="noStrike" dirty="0">
+                <a:solidFill>
+                  <a:srgbClr val="000000"/>
+                </a:solidFill>
+                <a:effectLst/>
+                <a:latin typeface="Arial" panose="020B0604020202020204" pitchFamily="34" charset="0"/>
+              </a:rPr>
+              <a:t>.</a:t>
+            </a:r>
+            <a:endParaRPr lang="pt-BR" b="0" dirty="0">
+              <a:effectLst/>
+            </a:endParaRPr>
+          </a:p>
+          <a:p>
+            <a:r>
+              <a:rPr lang="pt-BR" b="0" dirty="0">
+                <a:effectLst/>
+              </a:rPr>
+              <a:t/>
             </a:r>
             <a:br>
               <a:rPr lang="pt-BR" b="0" dirty="0">
                 <a:effectLst/>
               </a:rPr>
             </a:br>
+            <a:r>
+              <a:rPr lang="pt-BR" b="0" dirty="0">
+                <a:effectLst/>
+              </a:rPr>
+              <a:t/>
+            </a:r>
             <a:br>
               <a:rPr lang="pt-BR" b="0" dirty="0">
                 <a:effectLst/>
@@ -10083,10 +10623,10 @@
       </p:sp>
       <p:sp>
         <p:nvSpPr>
-          <p:cNvPr id="9" name="CaixaDeTexto 8">
-            <a:extLst>
-              <a:ext uri="{FF2B5EF4-FFF2-40B4-BE49-F238E27FC236}">
-                <a16:creationId xmlns:a16="http://schemas.microsoft.com/office/drawing/2014/main" id="{A32DB5FD-E24E-4C04-851E-C1CA2DE45BC8}"/>
+          <p:cNvPr id="19" name="CaixaDeTexto 18">
+            <a:extLst>
+              <a:ext uri="{FF2B5EF4-FFF2-40B4-BE49-F238E27FC236}">
+                <a16:creationId xmlns:a16="http://schemas.microsoft.com/office/drawing/2014/main" xmlns="" id="{6A3144A0-0FCA-4AFD-968A-3429775EF61A}"/>
               </a:ext>
             </a:extLst>
           </p:cNvPr>
@@ -10095,8 +10635,8 @@
         </p:nvSpPr>
         <p:spPr>
           <a:xfrm>
-            <a:off x="1838324" y="2709877"/>
-            <a:ext cx="8515350" cy="1754326"/>
+            <a:off x="419100" y="6399510"/>
+            <a:ext cx="11468100" cy="461665"/>
           </a:xfrm>
           <a:prstGeom prst="rect">
             <a:avLst/>
@@ -10109,74 +10649,90 @@
           </a:bodyPr>
           <a:lstStyle/>
           <a:p>
-            <a:r>
-              <a:rPr lang="pt-BR" b="1" dirty="0">
+            <a:pPr rtl="0">
+              <a:spcBef>
+                <a:spcPts val="0"/>
+              </a:spcBef>
+              <a:spcAft>
+                <a:spcPts val="0"/>
+              </a:spcAft>
+            </a:pPr>
+            <a:r>
+              <a:rPr lang="pt-BR" sz="1200" b="0" i="0" u="none" strike="noStrike" dirty="0">
+                <a:solidFill>
+                  <a:srgbClr val="FFFFFF"/>
+                </a:solidFill>
+                <a:effectLst/>
+                <a:latin typeface="Avenir"/>
+              </a:rPr>
+              <a:t>¹ </a:t>
+            </a:r>
+            <a:r>
+              <a:rPr lang="pt-BR" sz="1200" b="0" i="0" u="sng" strike="noStrike" dirty="0">
                 <a:solidFill>
                   <a:schemeClr val="bg1"/>
                 </a:solidFill>
-              </a:rPr>
-              <a:t>6.5. É oportunizada ao médico a indicação de 4 (quatro) localidades e sua ordem de preferência (prioridade) para atuação.</a:t>
-            </a:r>
-          </a:p>
-          <a:p>
-            <a:endParaRPr lang="pt-BR" b="1" dirty="0">
+                <a:effectLst/>
+                <a:latin typeface="Avenir"/>
+                <a:hlinkClick r:id="rId3">
+                  <a:extLst>
+                    <a:ext uri="{A12FA001-AC4F-418D-AE19-62706E023703}">
+                      <ahyp:hlinkClr xmlns:ahyp="http://schemas.microsoft.com/office/drawing/2018/hyperlinkcolor" xmlns="" val="tx"/>
+                    </a:ext>
+                  </a:extLst>
+                </a:hlinkClick>
+              </a:rPr>
+              <a:t>https://www12.senado.leg.br/noticias/materias/2019/12/19/publicada-no-diario-oficial-lei-que-cria-o-medicos-pelo-brasil</a:t>
+            </a:r>
+            <a:endParaRPr lang="pt-BR" sz="1200" b="0" dirty="0">
               <a:solidFill>
                 <a:schemeClr val="bg1"/>
               </a:solidFill>
+              <a:effectLst/>
             </a:endParaRPr>
           </a:p>
           <a:p>
-            <a:r>
-              <a:rPr lang="pt-BR" b="1" dirty="0">
-                <a:solidFill>
-                  <a:schemeClr val="bg1"/>
-                </a:solidFill>
-              </a:rPr>
-              <a:t>6.8. A concorrência entre os médicos se dará dentro de cada opção escolhida; ou seja, só haverá concorrência em prioridades posteriores, caso a vaga não tenha sido ocupada por nenhum médico que optou por aquele município como prioridade antecedente.</a:t>
-            </a:r>
+            <a:pPr rtl="0">
+              <a:spcBef>
+                <a:spcPts val="0"/>
+              </a:spcBef>
+              <a:spcAft>
+                <a:spcPts val="0"/>
+              </a:spcAft>
+            </a:pPr>
+            <a:r>
+              <a:rPr lang="pt-BR" sz="1200" b="0" i="0" u="none" strike="noStrike" dirty="0">
+                <a:solidFill>
+                  <a:srgbClr val="FFFFFF"/>
+                </a:solidFill>
+                <a:effectLst/>
+                <a:latin typeface="Avenir"/>
+              </a:rPr>
+              <a:t>Foto: Marcos Correa/PR</a:t>
+            </a:r>
+            <a:endParaRPr lang="pt-BR" sz="1200" b="0" dirty="0">
+              <a:effectLst/>
+            </a:endParaRPr>
           </a:p>
         </p:txBody>
       </p:sp>
-      <p:pic>
-        <p:nvPicPr>
-          <p:cNvPr id="13" name="Imagem 12">
-            <a:extLst>
-              <a:ext uri="{FF2B5EF4-FFF2-40B4-BE49-F238E27FC236}">
-                <a16:creationId xmlns:a16="http://schemas.microsoft.com/office/drawing/2014/main" id="{7B31CF5A-89BB-410B-8F30-0E1B50BA401C}"/>
-              </a:ext>
-            </a:extLst>
-          </p:cNvPr>
-          <p:cNvPicPr>
-            <a:picLocks noChangeAspect="1"/>
-          </p:cNvPicPr>
-          <p:nvPr/>
-        </p:nvPicPr>
-        <p:blipFill>
-          <a:blip r:embed="rId2"/>
-          <a:stretch>
-            <a:fillRect/>
-          </a:stretch>
-        </p:blipFill>
-        <p:spPr>
-          <a:xfrm>
-            <a:off x="5394400" y="4748606"/>
-            <a:ext cx="1403197" cy="1403197"/>
-          </a:xfrm>
-          <a:prstGeom prst="rect">
-            <a:avLst/>
-          </a:prstGeom>
-        </p:spPr>
-      </p:pic>
     </p:spTree>
     <p:extLst>
       <p:ext uri="{BB962C8B-B14F-4D97-AF65-F5344CB8AC3E}">
-        <p14:creationId xmlns:p14="http://schemas.microsoft.com/office/powerpoint/2010/main" val="2313058853"/>
+        <p14:creationId xmlns:p14="http://schemas.microsoft.com/office/powerpoint/2010/main" val="860441776"/>
       </p:ext>
     </p:extLst>
   </p:cSld>
   <p:clrMapOvr>
     <a:masterClrMapping/>
   </p:clrMapOvr>
+  <p:timing>
+    <p:tnLst>
+      <p:par>
+        <p:cTn id="1" dur="indefinite" restart="never" nodeType="tmRoot"/>
+      </p:par>
+    </p:tnLst>
+  </p:timing>
 </p:sld>
 </file>
 
@@ -10202,7 +10758,7 @@
           <p:cNvPr id="7" name="Retângulo 6">
             <a:extLst>
               <a:ext uri="{FF2B5EF4-FFF2-40B4-BE49-F238E27FC236}">
-                <a16:creationId xmlns:a16="http://schemas.microsoft.com/office/drawing/2014/main" id="{5E0F7497-D302-4F68-8123-03414F2C6833}"/>
+                <a16:creationId xmlns:a16="http://schemas.microsoft.com/office/drawing/2014/main" xmlns="" id="{5E0F7497-D302-4F68-8123-03414F2C6833}"/>
               </a:ext>
             </a:extLst>
           </p:cNvPr>
@@ -10254,7 +10810,7 @@
           <p:cNvPr id="2" name="Título 1">
             <a:extLst>
               <a:ext uri="{FF2B5EF4-FFF2-40B4-BE49-F238E27FC236}">
-                <a16:creationId xmlns:a16="http://schemas.microsoft.com/office/drawing/2014/main" id="{E5407E68-547D-40FB-ADFC-29225BCA97FB}"/>
+                <a16:creationId xmlns:a16="http://schemas.microsoft.com/office/drawing/2014/main" xmlns="" id="{E5407E68-547D-40FB-ADFC-29225BCA97FB}"/>
               </a:ext>
             </a:extLst>
           </p:cNvPr>
@@ -10288,7 +10844,7 @@
           <p:cNvPr id="4" name="Espaço Reservado para Número de Slide 3">
             <a:extLst>
               <a:ext uri="{FF2B5EF4-FFF2-40B4-BE49-F238E27FC236}">
-                <a16:creationId xmlns:a16="http://schemas.microsoft.com/office/drawing/2014/main" id="{B251EF4B-4832-430A-9B53-231F361E70F5}"/>
+                <a16:creationId xmlns:a16="http://schemas.microsoft.com/office/drawing/2014/main" xmlns="" id="{B251EF4B-4832-430A-9B53-231F361E70F5}"/>
               </a:ext>
             </a:extLst>
           </p:cNvPr>
@@ -10315,10 +10871,10 @@
       </p:sp>
       <p:sp>
         <p:nvSpPr>
-          <p:cNvPr id="9" name="CaixaDeTexto 8">
-            <a:extLst>
-              <a:ext uri="{FF2B5EF4-FFF2-40B4-BE49-F238E27FC236}">
-                <a16:creationId xmlns:a16="http://schemas.microsoft.com/office/drawing/2014/main" id="{A32DB5FD-E24E-4C04-851E-C1CA2DE45BC8}"/>
+          <p:cNvPr id="6" name="CaixaDeTexto 5">
+            <a:extLst>
+              <a:ext uri="{FF2B5EF4-FFF2-40B4-BE49-F238E27FC236}">
+                <a16:creationId xmlns:a16="http://schemas.microsoft.com/office/drawing/2014/main" xmlns="" id="{51FA5D3E-0952-4ABF-9964-6524675A944A}"/>
               </a:ext>
             </a:extLst>
           </p:cNvPr>
@@ -10327,64 +10883,8 @@
         </p:nvSpPr>
         <p:spPr>
           <a:xfrm>
-            <a:off x="1838323" y="2919745"/>
-            <a:ext cx="8515350" cy="1200329"/>
-          </a:xfrm>
-          <a:prstGeom prst="rect">
-            <a:avLst/>
-          </a:prstGeom>
-          <a:noFill/>
-        </p:spPr>
-        <p:txBody>
-          <a:bodyPr wrap="square">
-            <a:spAutoFit/>
-          </a:bodyPr>
-          <a:lstStyle/>
-          <a:p>
-            <a:r>
-              <a:rPr lang="pt-BR" b="1" dirty="0">
-                <a:solidFill>
-                  <a:schemeClr val="bg1"/>
-                </a:solidFill>
-              </a:rPr>
-              <a:t>a) possuir maior idade, considerados o dia, mês e ano de nascimento; e</a:t>
-            </a:r>
-          </a:p>
-          <a:p>
-            <a:endParaRPr lang="pt-BR" b="1" dirty="0">
-              <a:solidFill>
-                <a:schemeClr val="bg1"/>
-              </a:solidFill>
-            </a:endParaRPr>
-          </a:p>
-          <a:p>
-            <a:r>
-              <a:rPr lang="pt-BR" b="1" dirty="0">
-                <a:solidFill>
-                  <a:schemeClr val="bg1"/>
-                </a:solidFill>
-              </a:rPr>
-              <a:t>b) possuir maior tempo de atuação no Projeto Mais Médicos para o Brasil, quando da sua participação por meio da cooperação internacional, considerados, dia, mês e ano</a:t>
-            </a:r>
-          </a:p>
-        </p:txBody>
-      </p:sp>
-      <p:sp>
-        <p:nvSpPr>
-          <p:cNvPr id="8" name="CaixaDeTexto 7">
-            <a:extLst>
-              <a:ext uri="{FF2B5EF4-FFF2-40B4-BE49-F238E27FC236}">
-                <a16:creationId xmlns:a16="http://schemas.microsoft.com/office/drawing/2014/main" id="{1AC60388-FB46-49D4-B159-D5CCE911D9FB}"/>
-              </a:ext>
-            </a:extLst>
-          </p:cNvPr>
-          <p:cNvSpPr txBox="1"/>
-          <p:nvPr/>
-        </p:nvSpPr>
-        <p:spPr>
-          <a:xfrm>
-            <a:off x="956733" y="1667675"/>
-            <a:ext cx="10278533" cy="1200329"/>
+            <a:off x="956733" y="1232549"/>
+            <a:ext cx="10278533" cy="1477328"/>
           </a:xfrm>
           <a:prstGeom prst="rect">
             <a:avLst/>
@@ -10406,111 +10906,97 @@
               </a:spcAft>
             </a:pPr>
             <a:r>
-              <a:rPr lang="pt-BR" sz="2400" dirty="0"/>
-              <a:t>Critérios de desempate</a:t>
+              <a:rPr lang="pt-BR" dirty="0"/>
+              <a:t>Este edital realiza o chamamento público de médicos intercambistas, da cooperação internacional, listados no Anexo II, que atendam aos requisitos do art. 23-A da Lei nº 12.871/2013, alterado pela Lei nº 13.958/2019, para reincorporação ao Projeto Mais Médicos por um prazo improrrogável de dois anos.</a:t>
+            </a:r>
+            <a:r>
+              <a:rPr lang="pt-BR" b="0" dirty="0">
+                <a:effectLst/>
+              </a:rPr>
+              <a:t/>
             </a:r>
             <a:br>
-              <a:rPr lang="pt-BR" sz="2400" b="0" dirty="0">
+              <a:rPr lang="pt-BR" b="0" dirty="0">
                 <a:effectLst/>
               </a:rPr>
             </a:br>
+            <a:r>
+              <a:rPr lang="pt-BR" b="0" dirty="0">
+                <a:effectLst/>
+              </a:rPr>
+              <a:t/>
+            </a:r>
             <a:br>
-              <a:rPr lang="pt-BR" sz="2400" b="0" dirty="0">
+              <a:rPr lang="pt-BR" b="0" dirty="0">
                 <a:effectLst/>
               </a:rPr>
             </a:br>
-            <a:endParaRPr lang="pt-BR" sz="2400" dirty="0"/>
+            <a:endParaRPr lang="pt-BR" dirty="0"/>
           </a:p>
         </p:txBody>
       </p:sp>
-      <p:cxnSp>
-        <p:nvCxnSpPr>
-          <p:cNvPr id="10" name="Conector reto 9">
-            <a:extLst>
-              <a:ext uri="{FF2B5EF4-FFF2-40B4-BE49-F238E27FC236}">
-                <a16:creationId xmlns:a16="http://schemas.microsoft.com/office/drawing/2014/main" id="{878DEA95-2B8A-4B00-A51D-62C3A2292DF4}"/>
-              </a:ext>
-            </a:extLst>
-          </p:cNvPr>
-          <p:cNvCxnSpPr/>
+      <p:sp>
+        <p:nvSpPr>
+          <p:cNvPr id="9" name="CaixaDeTexto 8">
+            <a:extLst>
+              <a:ext uri="{FF2B5EF4-FFF2-40B4-BE49-F238E27FC236}">
+                <a16:creationId xmlns:a16="http://schemas.microsoft.com/office/drawing/2014/main" xmlns="" id="{A32DB5FD-E24E-4C04-851E-C1CA2DE45BC8}"/>
+              </a:ext>
+            </a:extLst>
+          </p:cNvPr>
+          <p:cNvSpPr txBox="1"/>
           <p:nvPr/>
-        </p:nvCxnSpPr>
-        <p:spPr>
-          <a:xfrm flipH="1">
-            <a:off x="-177800" y="1905000"/>
-            <a:ext cx="4690533" cy="0"/>
-          </a:xfrm>
-          <a:prstGeom prst="line">
-            <a:avLst/>
-          </a:prstGeom>
-          <a:ln>
-            <a:solidFill>
-              <a:schemeClr val="tx1"/>
-            </a:solidFill>
-          </a:ln>
-        </p:spPr>
-        <p:style>
-          <a:lnRef idx="1">
-            <a:schemeClr val="accent1"/>
-          </a:lnRef>
-          <a:fillRef idx="0">
-            <a:schemeClr val="accent1"/>
-          </a:fillRef>
-          <a:effectRef idx="0">
-            <a:schemeClr val="accent1"/>
-          </a:effectRef>
-          <a:fontRef idx="minor">
-            <a:schemeClr val="tx1"/>
-          </a:fontRef>
-        </p:style>
-      </p:cxnSp>
-      <p:cxnSp>
-        <p:nvCxnSpPr>
-          <p:cNvPr id="11" name="Conector reto 10">
-            <a:extLst>
-              <a:ext uri="{FF2B5EF4-FFF2-40B4-BE49-F238E27FC236}">
-                <a16:creationId xmlns:a16="http://schemas.microsoft.com/office/drawing/2014/main" id="{E28299DE-D7B7-49CF-91C7-668002789FEF}"/>
-              </a:ext>
-            </a:extLst>
-          </p:cNvPr>
-          <p:cNvCxnSpPr/>
-          <p:nvPr/>
-        </p:nvCxnSpPr>
-        <p:spPr>
-          <a:xfrm flipH="1">
-            <a:off x="7653867" y="1905000"/>
-            <a:ext cx="4690533" cy="0"/>
-          </a:xfrm>
-          <a:prstGeom prst="line">
-            <a:avLst/>
-          </a:prstGeom>
-          <a:ln>
-            <a:solidFill>
-              <a:schemeClr val="tx1"/>
-            </a:solidFill>
-          </a:ln>
-        </p:spPr>
-        <p:style>
-          <a:lnRef idx="1">
-            <a:schemeClr val="accent1"/>
-          </a:lnRef>
-          <a:fillRef idx="0">
-            <a:schemeClr val="accent1"/>
-          </a:fillRef>
-          <a:effectRef idx="0">
-            <a:schemeClr val="accent1"/>
-          </a:effectRef>
-          <a:fontRef idx="minor">
-            <a:schemeClr val="tx1"/>
-          </a:fontRef>
-        </p:style>
-      </p:cxnSp>
+        </p:nvSpPr>
+        <p:spPr>
+          <a:xfrm>
+            <a:off x="1838324" y="2709877"/>
+            <a:ext cx="8515350" cy="1754326"/>
+          </a:xfrm>
+          <a:prstGeom prst="rect">
+            <a:avLst/>
+          </a:prstGeom>
+          <a:noFill/>
+        </p:spPr>
+        <p:txBody>
+          <a:bodyPr wrap="square">
+            <a:spAutoFit/>
+          </a:bodyPr>
+          <a:lstStyle/>
+          <a:p>
+            <a:r>
+              <a:rPr lang="pt-BR" b="1" dirty="0">
+                <a:solidFill>
+                  <a:schemeClr val="bg1"/>
+                </a:solidFill>
+              </a:rPr>
+              <a:t>6.5. É oportunizada ao médico a indicação de 4 (quatro) localidades e sua ordem de preferência (prioridade) para atuação.</a:t>
+            </a:r>
+          </a:p>
+          <a:p>
+            <a:endParaRPr lang="pt-BR" b="1" dirty="0">
+              <a:solidFill>
+                <a:schemeClr val="bg1"/>
+              </a:solidFill>
+            </a:endParaRPr>
+          </a:p>
+          <a:p>
+            <a:r>
+              <a:rPr lang="pt-BR" b="1" dirty="0">
+                <a:solidFill>
+                  <a:schemeClr val="bg1"/>
+                </a:solidFill>
+              </a:rPr>
+              <a:t>6.8. A concorrência entre os médicos se dará dentro de cada opção escolhida; ou seja, só haverá concorrência em prioridades posteriores, caso a vaga não tenha sido ocupada por nenhum médico que optou por aquele município como prioridade antecedente.</a:t>
+            </a:r>
+          </a:p>
+        </p:txBody>
+      </p:sp>
       <p:pic>
         <p:nvPicPr>
-          <p:cNvPr id="12" name="Imagem 11">
-            <a:extLst>
-              <a:ext uri="{FF2B5EF4-FFF2-40B4-BE49-F238E27FC236}">
-                <a16:creationId xmlns:a16="http://schemas.microsoft.com/office/drawing/2014/main" id="{3B0FE0C9-59A4-47C6-B6CB-660FF30E2123}"/>
+          <p:cNvPr id="13" name="Imagem 12">
+            <a:extLst>
+              <a:ext uri="{FF2B5EF4-FFF2-40B4-BE49-F238E27FC236}">
+                <a16:creationId xmlns:a16="http://schemas.microsoft.com/office/drawing/2014/main" xmlns="" id="{7B31CF5A-89BB-410B-8F30-0E1B50BA401C}"/>
               </a:ext>
             </a:extLst>
           </p:cNvPr>
@@ -10519,21 +11005,16 @@
           </p:cNvPicPr>
           <p:nvPr/>
         </p:nvPicPr>
-        <p:blipFill rotWithShape="1">
-          <a:blip r:embed="rId2">
-            <a:extLst>
-              <a:ext uri="{28A0092B-C50C-407E-A947-70E740481C1C}">
-                <a14:useLocalDpi xmlns:a14="http://schemas.microsoft.com/office/drawing/2010/main" val="0"/>
-              </a:ext>
-            </a:extLst>
-          </a:blip>
-          <a:srcRect t="24493"/>
-          <a:stretch/>
+        <p:blipFill>
+          <a:blip r:embed="rId2"/>
+          <a:stretch>
+            <a:fillRect/>
+          </a:stretch>
         </p:blipFill>
         <p:spPr>
           <a:xfrm>
-            <a:off x="5135034" y="4716283"/>
-            <a:ext cx="1921932" cy="1549456"/>
+            <a:off x="5394400" y="4748606"/>
+            <a:ext cx="1403197" cy="1403197"/>
           </a:xfrm>
           <a:prstGeom prst="rect">
             <a:avLst/>
@@ -10543,7 +11024,7 @@
     </p:spTree>
     <p:extLst>
       <p:ext uri="{BB962C8B-B14F-4D97-AF65-F5344CB8AC3E}">
-        <p14:creationId xmlns:p14="http://schemas.microsoft.com/office/powerpoint/2010/main" val="3111718399"/>
+        <p14:creationId xmlns:p14="http://schemas.microsoft.com/office/powerpoint/2010/main" val="2313058853"/>
       </p:ext>
     </p:extLst>
   </p:cSld>
@@ -10572,10 +11053,62 @@
       </p:grpSpPr>
       <p:sp>
         <p:nvSpPr>
+          <p:cNvPr id="7" name="Retângulo 6">
+            <a:extLst>
+              <a:ext uri="{FF2B5EF4-FFF2-40B4-BE49-F238E27FC236}">
+                <a16:creationId xmlns:a16="http://schemas.microsoft.com/office/drawing/2014/main" xmlns="" id="{5E0F7497-D302-4F68-8123-03414F2C6833}"/>
+              </a:ext>
+            </a:extLst>
+          </p:cNvPr>
+          <p:cNvSpPr/>
+          <p:nvPr/>
+        </p:nvSpPr>
+        <p:spPr>
+          <a:xfrm>
+            <a:off x="1704975" y="2558112"/>
+            <a:ext cx="8905875" cy="2032937"/>
+          </a:xfrm>
+          <a:prstGeom prst="rect">
+            <a:avLst/>
+          </a:prstGeom>
+          <a:solidFill>
+            <a:srgbClr val="67C7F2"/>
+          </a:solidFill>
+          <a:ln>
+            <a:noFill/>
+          </a:ln>
+        </p:spPr>
+        <p:style>
+          <a:lnRef idx="2">
+            <a:schemeClr val="accent1">
+              <a:shade val="50000"/>
+            </a:schemeClr>
+          </a:lnRef>
+          <a:fillRef idx="1">
+            <a:schemeClr val="accent1"/>
+          </a:fillRef>
+          <a:effectRef idx="0">
+            <a:schemeClr val="accent1"/>
+          </a:effectRef>
+          <a:fontRef idx="minor">
+            <a:schemeClr val="lt1"/>
+          </a:fontRef>
+        </p:style>
+        <p:txBody>
+          <a:bodyPr rtlCol="0" anchor="ctr"/>
+          <a:lstStyle/>
+          <a:p>
+            <a:pPr algn="ctr"/>
+            <a:endParaRPr lang="pt-BR"/>
+          </a:p>
+        </p:txBody>
+      </p:sp>
+      <p:sp>
+        <p:nvSpPr>
           <p:cNvPr id="2" name="Título 1">
             <a:extLst>
               <a:ext uri="{FF2B5EF4-FFF2-40B4-BE49-F238E27FC236}">
-                <a16:creationId xmlns:a16="http://schemas.microsoft.com/office/drawing/2014/main" id="{E5407E68-547D-40FB-ADFC-29225BCA97FB}"/>
+                <a16:creationId xmlns:a16="http://schemas.microsoft.com/office/drawing/2014/main" xmlns="" id="{E5407E68-547D-40FB-ADFC-29225BCA97FB}"/>
               </a:ext>
             </a:extLst>
           </p:cNvPr>
@@ -10609,7 +11142,7 @@
           <p:cNvPr id="4" name="Espaço Reservado para Número de Slide 3">
             <a:extLst>
               <a:ext uri="{FF2B5EF4-FFF2-40B4-BE49-F238E27FC236}">
-                <a16:creationId xmlns:a16="http://schemas.microsoft.com/office/drawing/2014/main" id="{B251EF4B-4832-430A-9B53-231F361E70F5}"/>
+                <a16:creationId xmlns:a16="http://schemas.microsoft.com/office/drawing/2014/main" xmlns="" id="{B251EF4B-4832-430A-9B53-231F361E70F5}"/>
               </a:ext>
             </a:extLst>
           </p:cNvPr>
@@ -10636,10 +11169,10 @@
       </p:sp>
       <p:sp>
         <p:nvSpPr>
-          <p:cNvPr id="6" name="CaixaDeTexto 5">
-            <a:extLst>
-              <a:ext uri="{FF2B5EF4-FFF2-40B4-BE49-F238E27FC236}">
-                <a16:creationId xmlns:a16="http://schemas.microsoft.com/office/drawing/2014/main" id="{51FA5D3E-0952-4ABF-9964-6524675A944A}"/>
+          <p:cNvPr id="9" name="CaixaDeTexto 8">
+            <a:extLst>
+              <a:ext uri="{FF2B5EF4-FFF2-40B4-BE49-F238E27FC236}">
+                <a16:creationId xmlns:a16="http://schemas.microsoft.com/office/drawing/2014/main" xmlns="" id="{A32DB5FD-E24E-4C04-851E-C1CA2DE45BC8}"/>
               </a:ext>
             </a:extLst>
           </p:cNvPr>
@@ -10648,8 +11181,64 @@
         </p:nvSpPr>
         <p:spPr>
           <a:xfrm>
-            <a:off x="956733" y="914392"/>
-            <a:ext cx="10278533" cy="1384995"/>
+            <a:off x="1838323" y="2919745"/>
+            <a:ext cx="8515350" cy="1200329"/>
+          </a:xfrm>
+          <a:prstGeom prst="rect">
+            <a:avLst/>
+          </a:prstGeom>
+          <a:noFill/>
+        </p:spPr>
+        <p:txBody>
+          <a:bodyPr wrap="square">
+            <a:spAutoFit/>
+          </a:bodyPr>
+          <a:lstStyle/>
+          <a:p>
+            <a:r>
+              <a:rPr lang="pt-BR" b="1" dirty="0">
+                <a:solidFill>
+                  <a:schemeClr val="bg1"/>
+                </a:solidFill>
+              </a:rPr>
+              <a:t>a) possuir maior idade, considerados o dia, mês e ano de nascimento; e</a:t>
+            </a:r>
+          </a:p>
+          <a:p>
+            <a:endParaRPr lang="pt-BR" b="1" dirty="0">
+              <a:solidFill>
+                <a:schemeClr val="bg1"/>
+              </a:solidFill>
+            </a:endParaRPr>
+          </a:p>
+          <a:p>
+            <a:r>
+              <a:rPr lang="pt-BR" b="1" dirty="0">
+                <a:solidFill>
+                  <a:schemeClr val="bg1"/>
+                </a:solidFill>
+              </a:rPr>
+              <a:t>b) possuir maior tempo de atuação no Projeto Mais Médicos para o Brasil, quando da sua participação por meio da cooperação internacional, considerados, dia, mês e ano</a:t>
+            </a:r>
+          </a:p>
+        </p:txBody>
+      </p:sp>
+      <p:sp>
+        <p:nvSpPr>
+          <p:cNvPr id="8" name="CaixaDeTexto 7">
+            <a:extLst>
+              <a:ext uri="{FF2B5EF4-FFF2-40B4-BE49-F238E27FC236}">
+                <a16:creationId xmlns:a16="http://schemas.microsoft.com/office/drawing/2014/main" xmlns="" id="{1AC60388-FB46-49D4-B159-D5CCE911D9FB}"/>
+              </a:ext>
+            </a:extLst>
+          </p:cNvPr>
+          <p:cNvSpPr txBox="1"/>
+          <p:nvPr/>
+        </p:nvSpPr>
+        <p:spPr>
+          <a:xfrm>
+            <a:off x="956733" y="1667675"/>
+            <a:ext cx="10278533" cy="1200329"/>
           </a:xfrm>
           <a:prstGeom prst="rect">
             <a:avLst/>
@@ -10671,170 +11260,51 @@
               </a:spcAft>
             </a:pPr>
             <a:r>
-              <a:rPr lang="pt-BR" sz="2800" dirty="0"/>
-              <a:t>Classificação das localidades</a:t>
+              <a:rPr lang="pt-BR" sz="2400" dirty="0"/>
+              <a:t>Critérios de desempate</a:t>
+            </a:r>
+            <a:r>
+              <a:rPr lang="pt-BR" sz="2400" b="0" dirty="0">
+                <a:effectLst/>
+              </a:rPr>
+              <a:t/>
             </a:r>
             <a:br>
-              <a:rPr lang="pt-BR" sz="2800" b="0" dirty="0">
+              <a:rPr lang="pt-BR" sz="2400" b="0" dirty="0">
                 <a:effectLst/>
               </a:rPr>
             </a:br>
+            <a:r>
+              <a:rPr lang="pt-BR" sz="2400" b="0" dirty="0">
+                <a:effectLst/>
+              </a:rPr>
+              <a:t/>
+            </a:r>
             <a:br>
-              <a:rPr lang="pt-BR" sz="2800" b="0" dirty="0">
+              <a:rPr lang="pt-BR" sz="2400" b="0" dirty="0">
                 <a:effectLst/>
               </a:rPr>
             </a:br>
-            <a:endParaRPr lang="pt-BR" sz="2800" dirty="0"/>
+            <a:endParaRPr lang="pt-BR" sz="2400" dirty="0"/>
           </a:p>
         </p:txBody>
       </p:sp>
-      <p:pic>
-        <p:nvPicPr>
-          <p:cNvPr id="5" name="Imagem 4">
-            <a:extLst>
-              <a:ext uri="{FF2B5EF4-FFF2-40B4-BE49-F238E27FC236}">
-                <a16:creationId xmlns:a16="http://schemas.microsoft.com/office/drawing/2014/main" id="{467BE022-C1FE-4C97-AACA-74B47374DE06}"/>
-              </a:ext>
-            </a:extLst>
-          </p:cNvPr>
-          <p:cNvPicPr>
-            <a:picLocks noChangeAspect="1"/>
-          </p:cNvPicPr>
-          <p:nvPr/>
-        </p:nvPicPr>
-        <p:blipFill>
-          <a:blip r:embed="rId2"/>
-          <a:stretch>
-            <a:fillRect/>
-          </a:stretch>
-        </p:blipFill>
-        <p:spPr>
-          <a:xfrm>
-            <a:off x="956733" y="1361798"/>
-            <a:ext cx="5496692" cy="3962953"/>
-          </a:xfrm>
-          <a:prstGeom prst="rect">
-            <a:avLst/>
-          </a:prstGeom>
-        </p:spPr>
-      </p:pic>
-      <p:pic>
-        <p:nvPicPr>
-          <p:cNvPr id="8" name="Imagem 7">
-            <a:extLst>
-              <a:ext uri="{FF2B5EF4-FFF2-40B4-BE49-F238E27FC236}">
-                <a16:creationId xmlns:a16="http://schemas.microsoft.com/office/drawing/2014/main" id="{729167F8-24DE-4DA1-AC5B-B48CC02C5DBD}"/>
-              </a:ext>
-            </a:extLst>
-          </p:cNvPr>
-          <p:cNvPicPr>
-            <a:picLocks noChangeAspect="1"/>
-          </p:cNvPicPr>
-          <p:nvPr/>
-        </p:nvPicPr>
-        <p:blipFill>
-          <a:blip r:embed="rId3"/>
-          <a:stretch>
-            <a:fillRect/>
-          </a:stretch>
-        </p:blipFill>
-        <p:spPr>
-          <a:xfrm>
-            <a:off x="6453425" y="1971093"/>
-            <a:ext cx="5544324" cy="2743583"/>
-          </a:xfrm>
-          <a:prstGeom prst="rect">
-            <a:avLst/>
-          </a:prstGeom>
-        </p:spPr>
-      </p:pic>
-      <p:sp>
-        <p:nvSpPr>
-          <p:cNvPr id="13" name="CaixaDeTexto 12">
-            <a:extLst>
-              <a:ext uri="{FF2B5EF4-FFF2-40B4-BE49-F238E27FC236}">
-                <a16:creationId xmlns:a16="http://schemas.microsoft.com/office/drawing/2014/main" id="{9C3FC4C1-BBE1-40EB-BB49-C266511B5D4F}"/>
-              </a:ext>
-            </a:extLst>
-          </p:cNvPr>
-          <p:cNvSpPr txBox="1"/>
-          <p:nvPr/>
-        </p:nvSpPr>
-        <p:spPr>
-          <a:xfrm>
-            <a:off x="771525" y="6449100"/>
-            <a:ext cx="6096000" cy="369332"/>
-          </a:xfrm>
-          <a:prstGeom prst="rect">
-            <a:avLst/>
-          </a:prstGeom>
-          <a:noFill/>
-        </p:spPr>
-        <p:txBody>
-          <a:bodyPr wrap="square">
-            <a:spAutoFit/>
-          </a:bodyPr>
-          <a:lstStyle/>
-          <a:p>
-            <a:r>
-              <a:rPr lang="pt-BR" dirty="0">
-                <a:solidFill>
-                  <a:schemeClr val="bg1"/>
-                </a:solidFill>
-              </a:rPr>
-              <a:t>Consultar Portaria Nº 1.409, de 10 de julho de 2013</a:t>
-            </a:r>
-          </a:p>
-        </p:txBody>
-      </p:sp>
-      <p:pic>
-        <p:nvPicPr>
-          <p:cNvPr id="15" name="Imagem 14">
-            <a:extLst>
-              <a:ext uri="{FF2B5EF4-FFF2-40B4-BE49-F238E27FC236}">
-                <a16:creationId xmlns:a16="http://schemas.microsoft.com/office/drawing/2014/main" id="{E5C5197A-7EE6-4B81-B23E-689160BB1836}"/>
-              </a:ext>
-            </a:extLst>
-          </p:cNvPr>
-          <p:cNvPicPr>
-            <a:picLocks noChangeAspect="1"/>
-          </p:cNvPicPr>
-          <p:nvPr/>
-        </p:nvPicPr>
-        <p:blipFill>
-          <a:blip r:embed="rId4"/>
-          <a:stretch>
-            <a:fillRect/>
-          </a:stretch>
-        </p:blipFill>
-        <p:spPr>
-          <a:xfrm>
-            <a:off x="2709529" y="5335599"/>
-            <a:ext cx="6915816" cy="952477"/>
-          </a:xfrm>
-          <a:prstGeom prst="rect">
-            <a:avLst/>
-          </a:prstGeom>
-        </p:spPr>
-      </p:pic>
       <p:cxnSp>
         <p:nvCxnSpPr>
-          <p:cNvPr id="9" name="Conector reto 8">
-            <a:extLst>
-              <a:ext uri="{FF2B5EF4-FFF2-40B4-BE49-F238E27FC236}">
-                <a16:creationId xmlns:a16="http://schemas.microsoft.com/office/drawing/2014/main" id="{0C5F8B4B-E280-4140-838E-B39EB5F7609A}"/>
-              </a:ext>
-            </a:extLst>
-          </p:cNvPr>
-          <p:cNvCxnSpPr>
-            <a:cxnSpLocks/>
-          </p:cNvCxnSpPr>
+          <p:cNvPr id="10" name="Conector reto 9">
+            <a:extLst>
+              <a:ext uri="{FF2B5EF4-FFF2-40B4-BE49-F238E27FC236}">
+                <a16:creationId xmlns:a16="http://schemas.microsoft.com/office/drawing/2014/main" xmlns="" id="{878DEA95-2B8A-4B00-A51D-62C3A2292DF4}"/>
+              </a:ext>
+            </a:extLst>
+          </p:cNvPr>
+          <p:cNvCxnSpPr/>
           <p:nvPr/>
         </p:nvCxnSpPr>
         <p:spPr>
           <a:xfrm flipH="1">
-            <a:off x="0" y="1194120"/>
-            <a:ext cx="3797620" cy="0"/>
+            <a:off x="-177800" y="1905000"/>
+            <a:ext cx="4690533" cy="0"/>
           </a:xfrm>
           <a:prstGeom prst="line">
             <a:avLst/>
@@ -10862,22 +11332,20 @@
       </p:cxnSp>
       <p:cxnSp>
         <p:nvCxnSpPr>
-          <p:cNvPr id="10" name="Conector reto 9">
-            <a:extLst>
-              <a:ext uri="{FF2B5EF4-FFF2-40B4-BE49-F238E27FC236}">
-                <a16:creationId xmlns:a16="http://schemas.microsoft.com/office/drawing/2014/main" id="{93CB148D-F7D0-4670-A07F-77B4494B35B4}"/>
-              </a:ext>
-            </a:extLst>
-          </p:cNvPr>
-          <p:cNvCxnSpPr>
-            <a:cxnSpLocks/>
-          </p:cNvCxnSpPr>
+          <p:cNvPr id="11" name="Conector reto 10">
+            <a:extLst>
+              <a:ext uri="{FF2B5EF4-FFF2-40B4-BE49-F238E27FC236}">
+                <a16:creationId xmlns:a16="http://schemas.microsoft.com/office/drawing/2014/main" xmlns="" id="{E28299DE-D7B7-49CF-91C7-668002789FEF}"/>
+              </a:ext>
+            </a:extLst>
+          </p:cNvPr>
+          <p:cNvCxnSpPr/>
           <p:nvPr/>
         </p:nvCxnSpPr>
         <p:spPr>
           <a:xfrm flipH="1">
-            <a:off x="8259234" y="1194120"/>
-            <a:ext cx="3932766" cy="0"/>
+            <a:off x="7653867" y="1905000"/>
+            <a:ext cx="4690533" cy="0"/>
           </a:xfrm>
           <a:prstGeom prst="line">
             <a:avLst/>
@@ -10903,10 +11371,45 @@
           </a:fontRef>
         </p:style>
       </p:cxnSp>
+      <p:pic>
+        <p:nvPicPr>
+          <p:cNvPr id="12" name="Imagem 11">
+            <a:extLst>
+              <a:ext uri="{FF2B5EF4-FFF2-40B4-BE49-F238E27FC236}">
+                <a16:creationId xmlns:a16="http://schemas.microsoft.com/office/drawing/2014/main" xmlns="" id="{3B0FE0C9-59A4-47C6-B6CB-660FF30E2123}"/>
+              </a:ext>
+            </a:extLst>
+          </p:cNvPr>
+          <p:cNvPicPr>
+            <a:picLocks noChangeAspect="1"/>
+          </p:cNvPicPr>
+          <p:nvPr/>
+        </p:nvPicPr>
+        <p:blipFill rotWithShape="1">
+          <a:blip r:embed="rId2">
+            <a:extLst>
+              <a:ext uri="{28A0092B-C50C-407E-A947-70E740481C1C}">
+                <a14:useLocalDpi xmlns:a14="http://schemas.microsoft.com/office/drawing/2010/main" val="0"/>
+              </a:ext>
+            </a:extLst>
+          </a:blip>
+          <a:srcRect t="24493"/>
+          <a:stretch/>
+        </p:blipFill>
+        <p:spPr>
+          <a:xfrm>
+            <a:off x="5135034" y="4716283"/>
+            <a:ext cx="1921932" cy="1549456"/>
+          </a:xfrm>
+          <a:prstGeom prst="rect">
+            <a:avLst/>
+          </a:prstGeom>
+        </p:spPr>
+      </p:pic>
     </p:spTree>
     <p:extLst>
       <p:ext uri="{BB962C8B-B14F-4D97-AF65-F5344CB8AC3E}">
-        <p14:creationId xmlns:p14="http://schemas.microsoft.com/office/powerpoint/2010/main" val="3872737907"/>
+        <p14:creationId xmlns:p14="http://schemas.microsoft.com/office/powerpoint/2010/main" val="3111718399"/>
       </p:ext>
     </p:extLst>
   </p:cSld>
@@ -10935,62 +11438,10 @@
       </p:grpSpPr>
       <p:sp>
         <p:nvSpPr>
-          <p:cNvPr id="7" name="Retângulo 6">
-            <a:extLst>
-              <a:ext uri="{FF2B5EF4-FFF2-40B4-BE49-F238E27FC236}">
-                <a16:creationId xmlns:a16="http://schemas.microsoft.com/office/drawing/2014/main" id="{5E0F7497-D302-4F68-8123-03414F2C6833}"/>
-              </a:ext>
-            </a:extLst>
-          </p:cNvPr>
-          <p:cNvSpPr/>
-          <p:nvPr/>
-        </p:nvSpPr>
-        <p:spPr>
-          <a:xfrm>
-            <a:off x="1704975" y="2558112"/>
-            <a:ext cx="8905875" cy="2032937"/>
-          </a:xfrm>
-          <a:prstGeom prst="rect">
-            <a:avLst/>
-          </a:prstGeom>
-          <a:solidFill>
-            <a:srgbClr val="67C7F2"/>
-          </a:solidFill>
-          <a:ln>
-            <a:noFill/>
-          </a:ln>
-        </p:spPr>
-        <p:style>
-          <a:lnRef idx="2">
-            <a:schemeClr val="accent1">
-              <a:shade val="50000"/>
-            </a:schemeClr>
-          </a:lnRef>
-          <a:fillRef idx="1">
-            <a:schemeClr val="accent1"/>
-          </a:fillRef>
-          <a:effectRef idx="0">
-            <a:schemeClr val="accent1"/>
-          </a:effectRef>
-          <a:fontRef idx="minor">
-            <a:schemeClr val="lt1"/>
-          </a:fontRef>
-        </p:style>
-        <p:txBody>
-          <a:bodyPr rtlCol="0" anchor="ctr"/>
-          <a:lstStyle/>
-          <a:p>
-            <a:pPr algn="ctr"/>
-            <a:endParaRPr lang="pt-BR" dirty="0"/>
-          </a:p>
-        </p:txBody>
-      </p:sp>
-      <p:sp>
-        <p:nvSpPr>
           <p:cNvPr id="2" name="Título 1">
             <a:extLst>
               <a:ext uri="{FF2B5EF4-FFF2-40B4-BE49-F238E27FC236}">
-                <a16:creationId xmlns:a16="http://schemas.microsoft.com/office/drawing/2014/main" id="{E5407E68-547D-40FB-ADFC-29225BCA97FB}"/>
+                <a16:creationId xmlns:a16="http://schemas.microsoft.com/office/drawing/2014/main" xmlns="" id="{E5407E68-547D-40FB-ADFC-29225BCA97FB}"/>
               </a:ext>
             </a:extLst>
           </p:cNvPr>
@@ -11024,7 +11475,7 @@
           <p:cNvPr id="4" name="Espaço Reservado para Número de Slide 3">
             <a:extLst>
               <a:ext uri="{FF2B5EF4-FFF2-40B4-BE49-F238E27FC236}">
-                <a16:creationId xmlns:a16="http://schemas.microsoft.com/office/drawing/2014/main" id="{B251EF4B-4832-430A-9B53-231F361E70F5}"/>
+                <a16:creationId xmlns:a16="http://schemas.microsoft.com/office/drawing/2014/main" xmlns="" id="{B251EF4B-4832-430A-9B53-231F361E70F5}"/>
               </a:ext>
             </a:extLst>
           </p:cNvPr>
@@ -11054,7 +11505,7 @@
           <p:cNvPr id="6" name="CaixaDeTexto 5">
             <a:extLst>
               <a:ext uri="{FF2B5EF4-FFF2-40B4-BE49-F238E27FC236}">
-                <a16:creationId xmlns:a16="http://schemas.microsoft.com/office/drawing/2014/main" id="{51FA5D3E-0952-4ABF-9964-6524675A944A}"/>
+                <a16:creationId xmlns:a16="http://schemas.microsoft.com/office/drawing/2014/main" xmlns="" id="{51FA5D3E-0952-4ABF-9964-6524675A944A}"/>
               </a:ext>
             </a:extLst>
           </p:cNvPr>
@@ -11063,8 +11514,8 @@
         </p:nvSpPr>
         <p:spPr>
           <a:xfrm>
-            <a:off x="872064" y="1645481"/>
-            <a:ext cx="10278533" cy="1200329"/>
+            <a:off x="956733" y="914392"/>
+            <a:ext cx="10278533" cy="1384995"/>
           </a:xfrm>
           <a:prstGeom prst="rect">
             <a:avLst/>
@@ -11086,31 +11537,101 @@
               </a:spcAft>
             </a:pPr>
             <a:r>
-              <a:rPr lang="pt-BR" sz="2400" b="0" dirty="0">
+              <a:rPr lang="pt-BR" sz="2800" dirty="0"/>
+              <a:t>Classificação das localidades</a:t>
+            </a:r>
+            <a:r>
+              <a:rPr lang="pt-BR" sz="2800" b="0" dirty="0">
                 <a:effectLst/>
               </a:rPr>
-              <a:t>Homologação</a:t>
+              <a:t/>
             </a:r>
             <a:br>
-              <a:rPr lang="pt-BR" sz="2400" b="0" dirty="0">
+              <a:rPr lang="pt-BR" sz="2800" b="0" dirty="0">
                 <a:effectLst/>
               </a:rPr>
             </a:br>
+            <a:r>
+              <a:rPr lang="pt-BR" sz="2800" b="0" dirty="0">
+                <a:effectLst/>
+              </a:rPr>
+              <a:t/>
+            </a:r>
             <a:br>
-              <a:rPr lang="pt-BR" sz="2400" b="0" dirty="0">
+              <a:rPr lang="pt-BR" sz="2800" b="0" dirty="0">
                 <a:effectLst/>
               </a:rPr>
             </a:br>
-            <a:endParaRPr lang="pt-BR" sz="2400" dirty="0"/>
+            <a:endParaRPr lang="pt-BR" sz="2800" dirty="0"/>
           </a:p>
         </p:txBody>
       </p:sp>
+      <p:pic>
+        <p:nvPicPr>
+          <p:cNvPr id="5" name="Imagem 4">
+            <a:extLst>
+              <a:ext uri="{FF2B5EF4-FFF2-40B4-BE49-F238E27FC236}">
+                <a16:creationId xmlns:a16="http://schemas.microsoft.com/office/drawing/2014/main" xmlns="" id="{467BE022-C1FE-4C97-AACA-74B47374DE06}"/>
+              </a:ext>
+            </a:extLst>
+          </p:cNvPr>
+          <p:cNvPicPr>
+            <a:picLocks noChangeAspect="1"/>
+          </p:cNvPicPr>
+          <p:nvPr/>
+        </p:nvPicPr>
+        <p:blipFill>
+          <a:blip r:embed="rId2"/>
+          <a:stretch>
+            <a:fillRect/>
+          </a:stretch>
+        </p:blipFill>
+        <p:spPr>
+          <a:xfrm>
+            <a:off x="956733" y="1361798"/>
+            <a:ext cx="5496692" cy="3962953"/>
+          </a:xfrm>
+          <a:prstGeom prst="rect">
+            <a:avLst/>
+          </a:prstGeom>
+        </p:spPr>
+      </p:pic>
+      <p:pic>
+        <p:nvPicPr>
+          <p:cNvPr id="8" name="Imagem 7">
+            <a:extLst>
+              <a:ext uri="{FF2B5EF4-FFF2-40B4-BE49-F238E27FC236}">
+                <a16:creationId xmlns:a16="http://schemas.microsoft.com/office/drawing/2014/main" xmlns="" id="{729167F8-24DE-4DA1-AC5B-B48CC02C5DBD}"/>
+              </a:ext>
+            </a:extLst>
+          </p:cNvPr>
+          <p:cNvPicPr>
+            <a:picLocks noChangeAspect="1"/>
+          </p:cNvPicPr>
+          <p:nvPr/>
+        </p:nvPicPr>
+        <p:blipFill>
+          <a:blip r:embed="rId3"/>
+          <a:stretch>
+            <a:fillRect/>
+          </a:stretch>
+        </p:blipFill>
+        <p:spPr>
+          <a:xfrm>
+            <a:off x="6453425" y="1971093"/>
+            <a:ext cx="5544324" cy="2743583"/>
+          </a:xfrm>
+          <a:prstGeom prst="rect">
+            <a:avLst/>
+          </a:prstGeom>
+        </p:spPr>
+      </p:pic>
       <p:sp>
         <p:nvSpPr>
-          <p:cNvPr id="9" name="CaixaDeTexto 8">
-            <a:extLst>
-              <a:ext uri="{FF2B5EF4-FFF2-40B4-BE49-F238E27FC236}">
-                <a16:creationId xmlns:a16="http://schemas.microsoft.com/office/drawing/2014/main" id="{A32DB5FD-E24E-4C04-851E-C1CA2DE45BC8}"/>
+          <p:cNvPr id="13" name="CaixaDeTexto 12">
+            <a:extLst>
+              <a:ext uri="{FF2B5EF4-FFF2-40B4-BE49-F238E27FC236}">
+                <a16:creationId xmlns:a16="http://schemas.microsoft.com/office/drawing/2014/main" xmlns="" id="{9C3FC4C1-BBE1-40EB-BB49-C266511B5D4F}"/>
               </a:ext>
             </a:extLst>
           </p:cNvPr>
@@ -11119,8 +11640,8 @@
         </p:nvSpPr>
         <p:spPr>
           <a:xfrm>
-            <a:off x="1838323" y="2919745"/>
-            <a:ext cx="8515350" cy="1200329"/>
+            <a:off x="771525" y="6449100"/>
+            <a:ext cx="6096000" cy="369332"/>
           </a:xfrm>
           <a:prstGeom prst="rect">
             <a:avLst/>
@@ -11134,49 +11655,52 @@
           <a:lstStyle/>
           <a:p>
             <a:r>
-              <a:rPr lang="pt-BR" b="1" dirty="0">
+              <a:rPr lang="pt-BR" dirty="0">
                 <a:solidFill>
                   <a:schemeClr val="bg1"/>
                 </a:solidFill>
               </a:rPr>
-              <a:t>9.3. A homologação pelo gestor está condicionada ao início das atividades pelo médico.</a:t>
-            </a:r>
-          </a:p>
-          <a:p>
-            <a:endParaRPr lang="pt-BR" b="1" dirty="0">
-              <a:solidFill>
-                <a:schemeClr val="bg1"/>
-              </a:solidFill>
-            </a:endParaRPr>
-          </a:p>
-          <a:p>
-            <a:r>
-              <a:rPr lang="pt-BR" b="1" dirty="0">
-                <a:solidFill>
-                  <a:schemeClr val="bg1"/>
-                </a:solidFill>
-              </a:rPr>
-              <a:t>9.10. Finalizado o período de homologação das vagas, o resultado final da alocação do</a:t>
-            </a:r>
-          </a:p>
-          <a:p>
-            <a:r>
-              <a:rPr lang="pt-BR" b="1" dirty="0">
-                <a:solidFill>
-                  <a:schemeClr val="bg1"/>
-                </a:solidFill>
-              </a:rPr>
-              <a:t>médico será publicado no endereço eletrônico http://maismedicos.gov.br</a:t>
+              <a:t>Consultar Portaria Nº 1.409, de 10 de julho de 2013</a:t>
             </a:r>
           </a:p>
         </p:txBody>
       </p:sp>
+      <p:pic>
+        <p:nvPicPr>
+          <p:cNvPr id="15" name="Imagem 14">
+            <a:extLst>
+              <a:ext uri="{FF2B5EF4-FFF2-40B4-BE49-F238E27FC236}">
+                <a16:creationId xmlns:a16="http://schemas.microsoft.com/office/drawing/2014/main" xmlns="" id="{E5C5197A-7EE6-4B81-B23E-689160BB1836}"/>
+              </a:ext>
+            </a:extLst>
+          </p:cNvPr>
+          <p:cNvPicPr>
+            <a:picLocks noChangeAspect="1"/>
+          </p:cNvPicPr>
+          <p:nvPr/>
+        </p:nvPicPr>
+        <p:blipFill>
+          <a:blip r:embed="rId4"/>
+          <a:stretch>
+            <a:fillRect/>
+          </a:stretch>
+        </p:blipFill>
+        <p:spPr>
+          <a:xfrm>
+            <a:off x="2709529" y="5335599"/>
+            <a:ext cx="6915816" cy="952477"/>
+          </a:xfrm>
+          <a:prstGeom prst="rect">
+            <a:avLst/>
+          </a:prstGeom>
+        </p:spPr>
+      </p:pic>
       <p:cxnSp>
         <p:nvCxnSpPr>
-          <p:cNvPr id="8" name="Conector reto 7">
-            <a:extLst>
-              <a:ext uri="{FF2B5EF4-FFF2-40B4-BE49-F238E27FC236}">
-                <a16:creationId xmlns:a16="http://schemas.microsoft.com/office/drawing/2014/main" id="{9885DA61-CAA6-41FC-9114-4B7DC6186EE6}"/>
+          <p:cNvPr id="9" name="Conector reto 8">
+            <a:extLst>
+              <a:ext uri="{FF2B5EF4-FFF2-40B4-BE49-F238E27FC236}">
+                <a16:creationId xmlns:a16="http://schemas.microsoft.com/office/drawing/2014/main" xmlns="" id="{0C5F8B4B-E280-4140-838E-B39EB5F7609A}"/>
               </a:ext>
             </a:extLst>
           </p:cNvPr>
@@ -11187,8 +11711,8 @@
         </p:nvCxnSpPr>
         <p:spPr>
           <a:xfrm flipH="1">
-            <a:off x="-177799" y="1905000"/>
-            <a:ext cx="5088466" cy="0"/>
+            <a:off x="0" y="1194120"/>
+            <a:ext cx="3797620" cy="0"/>
           </a:xfrm>
           <a:prstGeom prst="line">
             <a:avLst/>
@@ -11219,7 +11743,7 @@
           <p:cNvPr id="10" name="Conector reto 9">
             <a:extLst>
               <a:ext uri="{FF2B5EF4-FFF2-40B4-BE49-F238E27FC236}">
-                <a16:creationId xmlns:a16="http://schemas.microsoft.com/office/drawing/2014/main" id="{071EE150-6B18-471E-A02B-E6D14947807B}"/>
+                <a16:creationId xmlns:a16="http://schemas.microsoft.com/office/drawing/2014/main" xmlns="" id="{93CB148D-F7D0-4670-A07F-77B4494B35B4}"/>
               </a:ext>
             </a:extLst>
           </p:cNvPr>
@@ -11230,8 +11754,8 @@
         </p:nvCxnSpPr>
         <p:spPr>
           <a:xfrm flipH="1">
-            <a:off x="7103533" y="1905000"/>
-            <a:ext cx="5240869" cy="0"/>
+            <a:off x="8259234" y="1194120"/>
+            <a:ext cx="3932766" cy="0"/>
           </a:xfrm>
           <a:prstGeom prst="line">
             <a:avLst/>
@@ -11260,7 +11784,7 @@
     </p:spTree>
     <p:extLst>
       <p:ext uri="{BB962C8B-B14F-4D97-AF65-F5344CB8AC3E}">
-        <p14:creationId xmlns:p14="http://schemas.microsoft.com/office/powerpoint/2010/main" val="1559740330"/>
+        <p14:creationId xmlns:p14="http://schemas.microsoft.com/office/powerpoint/2010/main" val="3872737907"/>
       </p:ext>
     </p:extLst>
   </p:cSld>

--- a/01_dados/Programa Mais Médicos.pptx
+++ b/01_dados/Programa Mais Médicos.pptx
@@ -5,31 +5,34 @@
     <p:sldMasterId id="2147483648" r:id="rId1"/>
   </p:sldMasterIdLst>
   <p:notesMasterIdLst>
-    <p:notesMasterId r:id="rId21"/>
+    <p:notesMasterId r:id="rId24"/>
   </p:notesMasterIdLst>
   <p:handoutMasterIdLst>
-    <p:handoutMasterId r:id="rId22"/>
+    <p:handoutMasterId r:id="rId25"/>
   </p:handoutMasterIdLst>
   <p:sldIdLst>
     <p:sldId id="256" r:id="rId2"/>
     <p:sldId id="258" r:id="rId3"/>
     <p:sldId id="259" r:id="rId4"/>
     <p:sldId id="274" r:id="rId5"/>
-    <p:sldId id="260" r:id="rId6"/>
-    <p:sldId id="261" r:id="rId7"/>
-    <p:sldId id="264" r:id="rId8"/>
-    <p:sldId id="263" r:id="rId9"/>
-    <p:sldId id="262" r:id="rId10"/>
-    <p:sldId id="265" r:id="rId11"/>
-    <p:sldId id="266" r:id="rId12"/>
-    <p:sldId id="267" r:id="rId13"/>
-    <p:sldId id="268" r:id="rId14"/>
-    <p:sldId id="269" r:id="rId15"/>
-    <p:sldId id="270" r:id="rId16"/>
-    <p:sldId id="271" r:id="rId17"/>
-    <p:sldId id="272" r:id="rId18"/>
-    <p:sldId id="273" r:id="rId19"/>
-    <p:sldId id="257" r:id="rId20"/>
+    <p:sldId id="275" r:id="rId6"/>
+    <p:sldId id="276" r:id="rId7"/>
+    <p:sldId id="277" r:id="rId8"/>
+    <p:sldId id="260" r:id="rId9"/>
+    <p:sldId id="261" r:id="rId10"/>
+    <p:sldId id="264" r:id="rId11"/>
+    <p:sldId id="263" r:id="rId12"/>
+    <p:sldId id="262" r:id="rId13"/>
+    <p:sldId id="265" r:id="rId14"/>
+    <p:sldId id="266" r:id="rId15"/>
+    <p:sldId id="267" r:id="rId16"/>
+    <p:sldId id="268" r:id="rId17"/>
+    <p:sldId id="269" r:id="rId18"/>
+    <p:sldId id="270" r:id="rId19"/>
+    <p:sldId id="271" r:id="rId20"/>
+    <p:sldId id="272" r:id="rId21"/>
+    <p:sldId id="273" r:id="rId22"/>
+    <p:sldId id="257" r:id="rId23"/>
   </p:sldIdLst>
   <p:sldSz cx="12192000" cy="6858000"/>
   <p:notesSz cx="6858000" cy="9144000"/>
@@ -877,7 +880,7 @@
           <p:cNvPr id="2" name="Espaço Reservado para Cabeçalho 1">
             <a:extLst>
               <a:ext uri="{FF2B5EF4-FFF2-40B4-BE49-F238E27FC236}">
-                <a16:creationId xmlns:a16="http://schemas.microsoft.com/office/drawing/2014/main" xmlns="" id="{16A2C953-4C52-4A2A-93A5-EDE3581CFF01}"/>
+                <a16:creationId xmlns="" xmlns:a16="http://schemas.microsoft.com/office/drawing/2014/main" id="{16A2C953-4C52-4A2A-93A5-EDE3581CFF01}"/>
               </a:ext>
             </a:extLst>
           </p:cNvPr>
@@ -914,7 +917,7 @@
           <p:cNvPr id="3" name="Espaço Reservado para Data 2">
             <a:extLst>
               <a:ext uri="{FF2B5EF4-FFF2-40B4-BE49-F238E27FC236}">
-                <a16:creationId xmlns:a16="http://schemas.microsoft.com/office/drawing/2014/main" xmlns="" id="{21BB0678-AA43-4D98-B879-71FF14972DDB}"/>
+                <a16:creationId xmlns="" xmlns:a16="http://schemas.microsoft.com/office/drawing/2014/main" id="{21BB0678-AA43-4D98-B879-71FF14972DDB}"/>
               </a:ext>
             </a:extLst>
           </p:cNvPr>
@@ -944,7 +947,7 @@
           <a:p>
             <a:fld id="{A475A829-2C09-4158-9A6C-8C2E8AC2F6C5}" type="datetime1">
               <a:rPr lang="pt-BR" smtClean="0"/>
-              <a:t>19/10/2024</a:t>
+              <a:t>21/10/2024</a:t>
             </a:fld>
             <a:endParaRPr lang="pt-BR"/>
           </a:p>
@@ -955,7 +958,7 @@
           <p:cNvPr id="4" name="Espaço Reservado para Rodapé 3">
             <a:extLst>
               <a:ext uri="{FF2B5EF4-FFF2-40B4-BE49-F238E27FC236}">
-                <a16:creationId xmlns:a16="http://schemas.microsoft.com/office/drawing/2014/main" xmlns="" id="{FDA99150-AB63-424D-8EA7-F8948FD87CB2}"/>
+                <a16:creationId xmlns="" xmlns:a16="http://schemas.microsoft.com/office/drawing/2014/main" id="{FDA99150-AB63-424D-8EA7-F8948FD87CB2}"/>
               </a:ext>
             </a:extLst>
           </p:cNvPr>
@@ -992,7 +995,7 @@
           <p:cNvPr id="5" name="Espaço Reservado para Número de Slide 4">
             <a:extLst>
               <a:ext uri="{FF2B5EF4-FFF2-40B4-BE49-F238E27FC236}">
-                <a16:creationId xmlns:a16="http://schemas.microsoft.com/office/drawing/2014/main" xmlns="" id="{46238A6C-37AF-4C48-BD61-F2F0E74A4C6E}"/>
+                <a16:creationId xmlns="" xmlns:a16="http://schemas.microsoft.com/office/drawing/2014/main" id="{46238A6C-37AF-4C48-BD61-F2F0E74A4C6E}"/>
               </a:ext>
             </a:extLst>
           </p:cNvPr>
@@ -1122,7 +1125,7 @@
           <a:p>
             <a:fld id="{058C80BB-B020-4C47-9BB6-7B39E15BB53E}" type="datetime1">
               <a:rPr lang="pt-BR" smtClean="0"/>
-              <a:t>19/10/2024</a:t>
+              <a:t>21/10/2024</a:t>
             </a:fld>
             <a:endParaRPr lang="pt-BR"/>
           </a:p>
@@ -1412,7 +1415,7 @@
           <p:cNvPr id="6" name="Imagem 5">
             <a:extLst>
               <a:ext uri="{FF2B5EF4-FFF2-40B4-BE49-F238E27FC236}">
-                <a16:creationId xmlns:a16="http://schemas.microsoft.com/office/drawing/2014/main" xmlns="" id="{BEEB613F-61F4-4948-A293-0CB7386397FE}"/>
+                <a16:creationId xmlns="" xmlns:a16="http://schemas.microsoft.com/office/drawing/2014/main" id="{BEEB613F-61F4-4948-A293-0CB7386397FE}"/>
               </a:ext>
             </a:extLst>
           </p:cNvPr>
@@ -1448,7 +1451,7 @@
           <p:cNvPr id="8" name="Espaço Reservado para Texto 11">
             <a:extLst>
               <a:ext uri="{FF2B5EF4-FFF2-40B4-BE49-F238E27FC236}">
-                <a16:creationId xmlns:a16="http://schemas.microsoft.com/office/drawing/2014/main" xmlns="" id="{D1772355-F550-4856-8B50-23C766B879F4}"/>
+                <a16:creationId xmlns="" xmlns:a16="http://schemas.microsoft.com/office/drawing/2014/main" id="{D1772355-F550-4856-8B50-23C766B879F4}"/>
               </a:ext>
             </a:extLst>
           </p:cNvPr>
@@ -1525,7 +1528,7 @@
           <p:cNvPr id="10" name="Imagem 9">
             <a:extLst>
               <a:ext uri="{FF2B5EF4-FFF2-40B4-BE49-F238E27FC236}">
-                <a16:creationId xmlns:a16="http://schemas.microsoft.com/office/drawing/2014/main" xmlns="" id="{78D6BBD8-B690-4072-A523-35F24C61DD2D}"/>
+                <a16:creationId xmlns="" xmlns:a16="http://schemas.microsoft.com/office/drawing/2014/main" id="{78D6BBD8-B690-4072-A523-35F24C61DD2D}"/>
               </a:ext>
             </a:extLst>
           </p:cNvPr>
@@ -1561,7 +1564,7 @@
           <p:cNvPr id="11" name="Imagem 10">
             <a:extLst>
               <a:ext uri="{FF2B5EF4-FFF2-40B4-BE49-F238E27FC236}">
-                <a16:creationId xmlns:a16="http://schemas.microsoft.com/office/drawing/2014/main" xmlns="" id="{B169AAD6-233A-49A6-86A4-B01B3A16B727}"/>
+                <a16:creationId xmlns="" xmlns:a16="http://schemas.microsoft.com/office/drawing/2014/main" id="{B169AAD6-233A-49A6-86A4-B01B3A16B727}"/>
               </a:ext>
             </a:extLst>
           </p:cNvPr>
@@ -1597,7 +1600,7 @@
           <p:cNvPr id="7" name="Título 1">
             <a:extLst>
               <a:ext uri="{FF2B5EF4-FFF2-40B4-BE49-F238E27FC236}">
-                <a16:creationId xmlns:a16="http://schemas.microsoft.com/office/drawing/2014/main" xmlns="" id="{BF215598-9F8B-4458-A0C8-C1F8FCB46B97}"/>
+                <a16:creationId xmlns="" xmlns:a16="http://schemas.microsoft.com/office/drawing/2014/main" id="{BF215598-9F8B-4458-A0C8-C1F8FCB46B97}"/>
               </a:ext>
             </a:extLst>
           </p:cNvPr>
@@ -1643,7 +1646,7 @@
           <p:cNvPr id="8" name="Espaço Reservado para Imagem 2">
             <a:extLst>
               <a:ext uri="{FF2B5EF4-FFF2-40B4-BE49-F238E27FC236}">
-                <a16:creationId xmlns:a16="http://schemas.microsoft.com/office/drawing/2014/main" xmlns="" id="{2C86163D-14E9-44D9-B28E-5E1E4D083C70}"/>
+                <a16:creationId xmlns="" xmlns:a16="http://schemas.microsoft.com/office/drawing/2014/main" id="{2C86163D-14E9-44D9-B28E-5E1E4D083C70}"/>
               </a:ext>
             </a:extLst>
           </p:cNvPr>
@@ -1722,7 +1725,7 @@
           <p:cNvPr id="9" name="Espaço Reservado para Texto 3">
             <a:extLst>
               <a:ext uri="{FF2B5EF4-FFF2-40B4-BE49-F238E27FC236}">
-                <a16:creationId xmlns:a16="http://schemas.microsoft.com/office/drawing/2014/main" xmlns="" id="{58CD2BC1-5F52-4779-B9CE-95B69D211DCE}"/>
+                <a16:creationId xmlns="" xmlns:a16="http://schemas.microsoft.com/office/drawing/2014/main" id="{58CD2BC1-5F52-4779-B9CE-95B69D211DCE}"/>
               </a:ext>
             </a:extLst>
           </p:cNvPr>
@@ -1801,7 +1804,7 @@
           <p:cNvPr id="2" name="Espaço Reservado para Número de Slide 1">
             <a:extLst>
               <a:ext uri="{FF2B5EF4-FFF2-40B4-BE49-F238E27FC236}">
-                <a16:creationId xmlns:a16="http://schemas.microsoft.com/office/drawing/2014/main" xmlns="" id="{E026C2AA-2C9A-486D-8F08-26EBCC42C592}"/>
+                <a16:creationId xmlns="" xmlns:a16="http://schemas.microsoft.com/office/drawing/2014/main" id="{E026C2AA-2C9A-486D-8F08-26EBCC42C592}"/>
               </a:ext>
             </a:extLst>
           </p:cNvPr>
@@ -1861,7 +1864,7 @@
           <p:cNvPr id="3" name="Imagem 2">
             <a:extLst>
               <a:ext uri="{FF2B5EF4-FFF2-40B4-BE49-F238E27FC236}">
-                <a16:creationId xmlns:a16="http://schemas.microsoft.com/office/drawing/2014/main" xmlns="" id="{E9185539-108D-4603-8378-6FAC4FD09EB7}"/>
+                <a16:creationId xmlns="" xmlns:a16="http://schemas.microsoft.com/office/drawing/2014/main" id="{E9185539-108D-4603-8378-6FAC4FD09EB7}"/>
               </a:ext>
             </a:extLst>
           </p:cNvPr>
@@ -1897,7 +1900,7 @@
           <p:cNvPr id="2" name="Espaço Reservado para Número de Slide 1">
             <a:extLst>
               <a:ext uri="{FF2B5EF4-FFF2-40B4-BE49-F238E27FC236}">
-                <a16:creationId xmlns:a16="http://schemas.microsoft.com/office/drawing/2014/main" xmlns="" id="{592EE18B-7CDD-4761-8816-0824F78FF547}"/>
+                <a16:creationId xmlns="" xmlns:a16="http://schemas.microsoft.com/office/drawing/2014/main" id="{592EE18B-7CDD-4761-8816-0824F78FF547}"/>
               </a:ext>
             </a:extLst>
           </p:cNvPr>
@@ -1987,7 +1990,7 @@
           <p:cNvPr id="6" name="Imagem 5">
             <a:extLst>
               <a:ext uri="{FF2B5EF4-FFF2-40B4-BE49-F238E27FC236}">
-                <a16:creationId xmlns:a16="http://schemas.microsoft.com/office/drawing/2014/main" xmlns="" id="{E88D3656-7F74-49D9-9852-8B124A49A82B}"/>
+                <a16:creationId xmlns="" xmlns:a16="http://schemas.microsoft.com/office/drawing/2014/main" id="{E88D3656-7F74-49D9-9852-8B124A49A82B}"/>
               </a:ext>
             </a:extLst>
           </p:cNvPr>
@@ -2023,7 +2026,7 @@
           <p:cNvPr id="8" name="Espaço Reservado para Texto 6">
             <a:extLst>
               <a:ext uri="{FF2B5EF4-FFF2-40B4-BE49-F238E27FC236}">
-                <a16:creationId xmlns:a16="http://schemas.microsoft.com/office/drawing/2014/main" xmlns="" id="{AAF52C71-8317-4579-B2F0-07D70E17CF11}"/>
+                <a16:creationId xmlns="" xmlns:a16="http://schemas.microsoft.com/office/drawing/2014/main" id="{AAF52C71-8317-4579-B2F0-07D70E17CF11}"/>
               </a:ext>
             </a:extLst>
           </p:cNvPr>
@@ -2070,7 +2073,7 @@
           <p:cNvPr id="2" name="CaixaDeTexto 1">
             <a:extLst>
               <a:ext uri="{FF2B5EF4-FFF2-40B4-BE49-F238E27FC236}">
-                <a16:creationId xmlns:a16="http://schemas.microsoft.com/office/drawing/2014/main" xmlns="" id="{B4614A98-3FE2-47A2-AFEF-A8C48CAAB79F}"/>
+                <a16:creationId xmlns="" xmlns:a16="http://schemas.microsoft.com/office/drawing/2014/main" id="{B4614A98-3FE2-47A2-AFEF-A8C48CAAB79F}"/>
               </a:ext>
             </a:extLst>
           </p:cNvPr>
@@ -2112,7 +2115,7 @@
             <a:hlinkClick r:id="rId3"/>
             <a:extLst>
               <a:ext uri="{FF2B5EF4-FFF2-40B4-BE49-F238E27FC236}">
-                <a16:creationId xmlns:a16="http://schemas.microsoft.com/office/drawing/2014/main" xmlns="" id="{0A978260-68B5-46C7-AD02-C086A19ED979}"/>
+                <a16:creationId xmlns="" xmlns:a16="http://schemas.microsoft.com/office/drawing/2014/main" id="{0A978260-68B5-46C7-AD02-C086A19ED979}"/>
               </a:ext>
             </a:extLst>
           </p:cNvPr>
@@ -2149,7 +2152,7 @@
             <a:hlinkClick r:id="rId5"/>
             <a:extLst>
               <a:ext uri="{FF2B5EF4-FFF2-40B4-BE49-F238E27FC236}">
-                <a16:creationId xmlns:a16="http://schemas.microsoft.com/office/drawing/2014/main" xmlns="" id="{A2EBC6DA-DCE8-4858-A946-014B0A9319FD}"/>
+                <a16:creationId xmlns="" xmlns:a16="http://schemas.microsoft.com/office/drawing/2014/main" id="{A2EBC6DA-DCE8-4858-A946-014B0A9319FD}"/>
               </a:ext>
             </a:extLst>
           </p:cNvPr>
@@ -2186,7 +2189,7 @@
             <a:hlinkClick r:id="rId7"/>
             <a:extLst>
               <a:ext uri="{FF2B5EF4-FFF2-40B4-BE49-F238E27FC236}">
-                <a16:creationId xmlns:a16="http://schemas.microsoft.com/office/drawing/2014/main" xmlns="" id="{9867A168-59CC-43EC-97BA-39A5F9497F69}"/>
+                <a16:creationId xmlns="" xmlns:a16="http://schemas.microsoft.com/office/drawing/2014/main" id="{9867A168-59CC-43EC-97BA-39A5F9497F69}"/>
               </a:ext>
             </a:extLst>
           </p:cNvPr>
@@ -2222,7 +2225,7 @@
           <p:cNvPr id="3" name="CaixaDeTexto 2">
             <a:extLst>
               <a:ext uri="{FF2B5EF4-FFF2-40B4-BE49-F238E27FC236}">
-                <a16:creationId xmlns:a16="http://schemas.microsoft.com/office/drawing/2014/main" xmlns="" id="{B9711B3E-E156-4876-B3B3-500348A8E4BB}"/>
+                <a16:creationId xmlns="" xmlns:a16="http://schemas.microsoft.com/office/drawing/2014/main" id="{B9711B3E-E156-4876-B3B3-500348A8E4BB}"/>
               </a:ext>
             </a:extLst>
           </p:cNvPr>
@@ -2432,7 +2435,7 @@
           <p:cNvPr id="4" name="Imagem 3">
             <a:extLst>
               <a:ext uri="{FF2B5EF4-FFF2-40B4-BE49-F238E27FC236}">
-                <a16:creationId xmlns:a16="http://schemas.microsoft.com/office/drawing/2014/main" xmlns="" id="{DEDCA6E9-E5AF-4CC6-95E0-47340401B8D2}"/>
+                <a16:creationId xmlns="" xmlns:a16="http://schemas.microsoft.com/office/drawing/2014/main" id="{DEDCA6E9-E5AF-4CC6-95E0-47340401B8D2}"/>
               </a:ext>
             </a:extLst>
           </p:cNvPr>
@@ -2468,7 +2471,7 @@
           <p:cNvPr id="7" name="Título 1">
             <a:extLst>
               <a:ext uri="{FF2B5EF4-FFF2-40B4-BE49-F238E27FC236}">
-                <a16:creationId xmlns:a16="http://schemas.microsoft.com/office/drawing/2014/main" xmlns="" id="{40CFF233-BE83-4D09-BF59-DDD8566EEC04}"/>
+                <a16:creationId xmlns="" xmlns:a16="http://schemas.microsoft.com/office/drawing/2014/main" id="{40CFF233-BE83-4D09-BF59-DDD8566EEC04}"/>
               </a:ext>
             </a:extLst>
           </p:cNvPr>
@@ -2514,7 +2517,7 @@
           <p:cNvPr id="8" name="Espaço Reservado para Conteúdo 2">
             <a:extLst>
               <a:ext uri="{FF2B5EF4-FFF2-40B4-BE49-F238E27FC236}">
-                <a16:creationId xmlns:a16="http://schemas.microsoft.com/office/drawing/2014/main" xmlns="" id="{0782AE72-6294-45AD-9921-E4CD17B156A3}"/>
+                <a16:creationId xmlns="" xmlns:a16="http://schemas.microsoft.com/office/drawing/2014/main" id="{0782AE72-6294-45AD-9921-E4CD17B156A3}"/>
               </a:ext>
             </a:extLst>
           </p:cNvPr>
@@ -2621,7 +2624,7 @@
           <p:cNvPr id="9" name="Imagem 8">
             <a:extLst>
               <a:ext uri="{FF2B5EF4-FFF2-40B4-BE49-F238E27FC236}">
-                <a16:creationId xmlns:a16="http://schemas.microsoft.com/office/drawing/2014/main" xmlns="" id="{BAD092CA-0A9E-4EC3-B2B5-8570FA57A9BD}"/>
+                <a16:creationId xmlns="" xmlns:a16="http://schemas.microsoft.com/office/drawing/2014/main" id="{BAD092CA-0A9E-4EC3-B2B5-8570FA57A9BD}"/>
               </a:ext>
             </a:extLst>
           </p:cNvPr>
@@ -2657,7 +2660,7 @@
           <p:cNvPr id="2" name="Espaço Reservado para Número de Slide 1">
             <a:extLst>
               <a:ext uri="{FF2B5EF4-FFF2-40B4-BE49-F238E27FC236}">
-                <a16:creationId xmlns:a16="http://schemas.microsoft.com/office/drawing/2014/main" xmlns="" id="{CFEE0B1B-397A-47FF-BF37-EF68C4820C5B}"/>
+                <a16:creationId xmlns="" xmlns:a16="http://schemas.microsoft.com/office/drawing/2014/main" id="{CFEE0B1B-397A-47FF-BF37-EF68C4820C5B}"/>
               </a:ext>
             </a:extLst>
           </p:cNvPr>
@@ -2725,7 +2728,7 @@
           <p:cNvPr id="6" name="Imagem 5">
             <a:extLst>
               <a:ext uri="{FF2B5EF4-FFF2-40B4-BE49-F238E27FC236}">
-                <a16:creationId xmlns:a16="http://schemas.microsoft.com/office/drawing/2014/main" xmlns="" id="{25AB4B6E-DE07-4882-88A0-7576158F80FC}"/>
+                <a16:creationId xmlns="" xmlns:a16="http://schemas.microsoft.com/office/drawing/2014/main" id="{25AB4B6E-DE07-4882-88A0-7576158F80FC}"/>
               </a:ext>
             </a:extLst>
           </p:cNvPr>
@@ -2761,7 +2764,7 @@
           <p:cNvPr id="9" name="Imagem 8">
             <a:extLst>
               <a:ext uri="{FF2B5EF4-FFF2-40B4-BE49-F238E27FC236}">
-                <a16:creationId xmlns:a16="http://schemas.microsoft.com/office/drawing/2014/main" xmlns="" id="{D9322655-91D1-412A-8781-DE1FAB014F39}"/>
+                <a16:creationId xmlns="" xmlns:a16="http://schemas.microsoft.com/office/drawing/2014/main" id="{D9322655-91D1-412A-8781-DE1FAB014F39}"/>
               </a:ext>
             </a:extLst>
           </p:cNvPr>
@@ -2797,7 +2800,7 @@
           <p:cNvPr id="7" name="Título 1">
             <a:extLst>
               <a:ext uri="{FF2B5EF4-FFF2-40B4-BE49-F238E27FC236}">
-                <a16:creationId xmlns:a16="http://schemas.microsoft.com/office/drawing/2014/main" xmlns="" id="{FAB9913B-5764-44A9-9A81-C9E395207360}"/>
+                <a16:creationId xmlns="" xmlns:a16="http://schemas.microsoft.com/office/drawing/2014/main" id="{FAB9913B-5764-44A9-9A81-C9E395207360}"/>
               </a:ext>
             </a:extLst>
           </p:cNvPr>
@@ -2843,7 +2846,7 @@
           <p:cNvPr id="8" name="Espaço Reservado para Texto 2">
             <a:extLst>
               <a:ext uri="{FF2B5EF4-FFF2-40B4-BE49-F238E27FC236}">
-                <a16:creationId xmlns:a16="http://schemas.microsoft.com/office/drawing/2014/main" xmlns="" id="{624EA57F-879C-427C-BDF6-2E0E26B7D44E}"/>
+                <a16:creationId xmlns="" xmlns:a16="http://schemas.microsoft.com/office/drawing/2014/main" id="{624EA57F-879C-427C-BDF6-2E0E26B7D44E}"/>
               </a:ext>
             </a:extLst>
           </p:cNvPr>
@@ -2970,7 +2973,7 @@
           <p:cNvPr id="2" name="Espaço Reservado para Número de Slide 1">
             <a:extLst>
               <a:ext uri="{FF2B5EF4-FFF2-40B4-BE49-F238E27FC236}">
-                <a16:creationId xmlns:a16="http://schemas.microsoft.com/office/drawing/2014/main" xmlns="" id="{6C5167B2-BF52-4D97-BB3F-C792EFC77CFB}"/>
+                <a16:creationId xmlns="" xmlns:a16="http://schemas.microsoft.com/office/drawing/2014/main" id="{6C5167B2-BF52-4D97-BB3F-C792EFC77CFB}"/>
               </a:ext>
             </a:extLst>
           </p:cNvPr>
@@ -3030,7 +3033,7 @@
           <p:cNvPr id="7" name="Imagem 6">
             <a:extLst>
               <a:ext uri="{FF2B5EF4-FFF2-40B4-BE49-F238E27FC236}">
-                <a16:creationId xmlns:a16="http://schemas.microsoft.com/office/drawing/2014/main" xmlns="" id="{9A793D9F-F1CC-4220-94C6-0F8EFF1C1041}"/>
+                <a16:creationId xmlns="" xmlns:a16="http://schemas.microsoft.com/office/drawing/2014/main" id="{9A793D9F-F1CC-4220-94C6-0F8EFF1C1041}"/>
               </a:ext>
             </a:extLst>
           </p:cNvPr>
@@ -3066,7 +3069,7 @@
           <p:cNvPr id="11" name="Imagem 10">
             <a:extLst>
               <a:ext uri="{FF2B5EF4-FFF2-40B4-BE49-F238E27FC236}">
-                <a16:creationId xmlns:a16="http://schemas.microsoft.com/office/drawing/2014/main" xmlns="" id="{D9913CD7-1242-45E3-B948-A6965B097A03}"/>
+                <a16:creationId xmlns="" xmlns:a16="http://schemas.microsoft.com/office/drawing/2014/main" id="{D9913CD7-1242-45E3-B948-A6965B097A03}"/>
               </a:ext>
             </a:extLst>
           </p:cNvPr>
@@ -3102,7 +3105,7 @@
           <p:cNvPr id="8" name="Título 1">
             <a:extLst>
               <a:ext uri="{FF2B5EF4-FFF2-40B4-BE49-F238E27FC236}">
-                <a16:creationId xmlns:a16="http://schemas.microsoft.com/office/drawing/2014/main" xmlns="" id="{C8D532FC-F4CB-4C11-8A3D-A82DAB788023}"/>
+                <a16:creationId xmlns="" xmlns:a16="http://schemas.microsoft.com/office/drawing/2014/main" id="{C8D532FC-F4CB-4C11-8A3D-A82DAB788023}"/>
               </a:ext>
             </a:extLst>
           </p:cNvPr>
@@ -3148,7 +3151,7 @@
           <p:cNvPr id="9" name="Espaço Reservado para Conteúdo 2">
             <a:extLst>
               <a:ext uri="{FF2B5EF4-FFF2-40B4-BE49-F238E27FC236}">
-                <a16:creationId xmlns:a16="http://schemas.microsoft.com/office/drawing/2014/main" xmlns="" id="{F2BC6FA8-17C1-4B16-BD71-58D0ACD979A8}"/>
+                <a16:creationId xmlns="" xmlns:a16="http://schemas.microsoft.com/office/drawing/2014/main" id="{F2BC6FA8-17C1-4B16-BD71-58D0ACD979A8}"/>
               </a:ext>
             </a:extLst>
           </p:cNvPr>
@@ -3255,7 +3258,7 @@
           <p:cNvPr id="10" name="Espaço Reservado para Conteúdo 3">
             <a:extLst>
               <a:ext uri="{FF2B5EF4-FFF2-40B4-BE49-F238E27FC236}">
-                <a16:creationId xmlns:a16="http://schemas.microsoft.com/office/drawing/2014/main" xmlns="" id="{BA2090DA-CD76-4997-A9AF-1DD388E9161B}"/>
+                <a16:creationId xmlns="" xmlns:a16="http://schemas.microsoft.com/office/drawing/2014/main" id="{BA2090DA-CD76-4997-A9AF-1DD388E9161B}"/>
               </a:ext>
             </a:extLst>
           </p:cNvPr>
@@ -3362,7 +3365,7 @@
           <p:cNvPr id="2" name="Espaço Reservado para Número de Slide 1">
             <a:extLst>
               <a:ext uri="{FF2B5EF4-FFF2-40B4-BE49-F238E27FC236}">
-                <a16:creationId xmlns:a16="http://schemas.microsoft.com/office/drawing/2014/main" xmlns="" id="{546DF0C4-E378-4758-BCCA-9AFFE06A2BDB}"/>
+                <a16:creationId xmlns="" xmlns:a16="http://schemas.microsoft.com/office/drawing/2014/main" id="{546DF0C4-E378-4758-BCCA-9AFFE06A2BDB}"/>
               </a:ext>
             </a:extLst>
           </p:cNvPr>
@@ -3422,7 +3425,7 @@
           <p:cNvPr id="9" name="Imagem 8">
             <a:extLst>
               <a:ext uri="{FF2B5EF4-FFF2-40B4-BE49-F238E27FC236}">
-                <a16:creationId xmlns:a16="http://schemas.microsoft.com/office/drawing/2014/main" xmlns="" id="{7DF30185-02AD-4755-A417-F681F7603AB9}"/>
+                <a16:creationId xmlns="" xmlns:a16="http://schemas.microsoft.com/office/drawing/2014/main" id="{7DF30185-02AD-4755-A417-F681F7603AB9}"/>
               </a:ext>
             </a:extLst>
           </p:cNvPr>
@@ -3458,7 +3461,7 @@
           <p:cNvPr id="15" name="Imagem 14">
             <a:extLst>
               <a:ext uri="{FF2B5EF4-FFF2-40B4-BE49-F238E27FC236}">
-                <a16:creationId xmlns:a16="http://schemas.microsoft.com/office/drawing/2014/main" xmlns="" id="{50308F8A-7106-4B1E-B886-5DBE71C6A920}"/>
+                <a16:creationId xmlns="" xmlns:a16="http://schemas.microsoft.com/office/drawing/2014/main" id="{50308F8A-7106-4B1E-B886-5DBE71C6A920}"/>
               </a:ext>
             </a:extLst>
           </p:cNvPr>
@@ -3494,7 +3497,7 @@
           <p:cNvPr id="10" name="Título 1">
             <a:extLst>
               <a:ext uri="{FF2B5EF4-FFF2-40B4-BE49-F238E27FC236}">
-                <a16:creationId xmlns:a16="http://schemas.microsoft.com/office/drawing/2014/main" xmlns="" id="{5094566B-3641-40EE-865C-FFD0E20E55C8}"/>
+                <a16:creationId xmlns="" xmlns:a16="http://schemas.microsoft.com/office/drawing/2014/main" id="{5094566B-3641-40EE-865C-FFD0E20E55C8}"/>
               </a:ext>
             </a:extLst>
           </p:cNvPr>
@@ -3540,7 +3543,7 @@
           <p:cNvPr id="11" name="Espaço Reservado para Texto 2">
             <a:extLst>
               <a:ext uri="{FF2B5EF4-FFF2-40B4-BE49-F238E27FC236}">
-                <a16:creationId xmlns:a16="http://schemas.microsoft.com/office/drawing/2014/main" xmlns="" id="{C06E63DA-E942-47C6-82A9-B79E6989F671}"/>
+                <a16:creationId xmlns="" xmlns:a16="http://schemas.microsoft.com/office/drawing/2014/main" id="{C06E63DA-E942-47C6-82A9-B79E6989F671}"/>
               </a:ext>
             </a:extLst>
           </p:cNvPr>
@@ -3619,7 +3622,7 @@
           <p:cNvPr id="12" name="Espaço Reservado para Conteúdo 3">
             <a:extLst>
               <a:ext uri="{FF2B5EF4-FFF2-40B4-BE49-F238E27FC236}">
-                <a16:creationId xmlns:a16="http://schemas.microsoft.com/office/drawing/2014/main" xmlns="" id="{C399AE6F-7B93-4268-A2D5-A822054739C3}"/>
+                <a16:creationId xmlns="" xmlns:a16="http://schemas.microsoft.com/office/drawing/2014/main" id="{C399AE6F-7B93-4268-A2D5-A822054739C3}"/>
               </a:ext>
             </a:extLst>
           </p:cNvPr>
@@ -3726,7 +3729,7 @@
           <p:cNvPr id="13" name="Espaço Reservado para Texto 4">
             <a:extLst>
               <a:ext uri="{FF2B5EF4-FFF2-40B4-BE49-F238E27FC236}">
-                <a16:creationId xmlns:a16="http://schemas.microsoft.com/office/drawing/2014/main" xmlns="" id="{062851C4-0BEE-49AD-92B8-4578040DB465}"/>
+                <a16:creationId xmlns="" xmlns:a16="http://schemas.microsoft.com/office/drawing/2014/main" id="{062851C4-0BEE-49AD-92B8-4578040DB465}"/>
               </a:ext>
             </a:extLst>
           </p:cNvPr>
@@ -3805,7 +3808,7 @@
           <p:cNvPr id="14" name="Espaço Reservado para Conteúdo 5">
             <a:extLst>
               <a:ext uri="{FF2B5EF4-FFF2-40B4-BE49-F238E27FC236}">
-                <a16:creationId xmlns:a16="http://schemas.microsoft.com/office/drawing/2014/main" xmlns="" id="{76DBCEB5-46D7-4EDA-A87B-89495CD61FC2}"/>
+                <a16:creationId xmlns="" xmlns:a16="http://schemas.microsoft.com/office/drawing/2014/main" id="{76DBCEB5-46D7-4EDA-A87B-89495CD61FC2}"/>
               </a:ext>
             </a:extLst>
           </p:cNvPr>
@@ -3912,7 +3915,7 @@
           <p:cNvPr id="2" name="Espaço Reservado para Número de Slide 1">
             <a:extLst>
               <a:ext uri="{FF2B5EF4-FFF2-40B4-BE49-F238E27FC236}">
-                <a16:creationId xmlns:a16="http://schemas.microsoft.com/office/drawing/2014/main" xmlns="" id="{59545F2B-00B1-4954-8A3A-B1E9257BA460}"/>
+                <a16:creationId xmlns="" xmlns:a16="http://schemas.microsoft.com/office/drawing/2014/main" id="{59545F2B-00B1-4954-8A3A-B1E9257BA460}"/>
               </a:ext>
             </a:extLst>
           </p:cNvPr>
@@ -3972,7 +3975,7 @@
           <p:cNvPr id="3" name="Imagem 2">
             <a:extLst>
               <a:ext uri="{FF2B5EF4-FFF2-40B4-BE49-F238E27FC236}">
-                <a16:creationId xmlns:a16="http://schemas.microsoft.com/office/drawing/2014/main" xmlns="" id="{86C3205B-A23F-4D73-87D4-9782A1555D11}"/>
+                <a16:creationId xmlns="" xmlns:a16="http://schemas.microsoft.com/office/drawing/2014/main" id="{86C3205B-A23F-4D73-87D4-9782A1555D11}"/>
               </a:ext>
             </a:extLst>
           </p:cNvPr>
@@ -4008,7 +4011,7 @@
           <p:cNvPr id="7" name="Título 1">
             <a:extLst>
               <a:ext uri="{FF2B5EF4-FFF2-40B4-BE49-F238E27FC236}">
-                <a16:creationId xmlns:a16="http://schemas.microsoft.com/office/drawing/2014/main" xmlns="" id="{D9397135-E5D1-4C6C-A462-39F211FCFDD6}"/>
+                <a16:creationId xmlns="" xmlns:a16="http://schemas.microsoft.com/office/drawing/2014/main" id="{D9397135-E5D1-4C6C-A462-39F211FCFDD6}"/>
               </a:ext>
             </a:extLst>
           </p:cNvPr>
@@ -4054,7 +4057,7 @@
           <p:cNvPr id="8" name="Imagem 7">
             <a:extLst>
               <a:ext uri="{FF2B5EF4-FFF2-40B4-BE49-F238E27FC236}">
-                <a16:creationId xmlns:a16="http://schemas.microsoft.com/office/drawing/2014/main" xmlns="" id="{0BB658F4-25AE-4E8C-B4EB-F71DB7ADBBC8}"/>
+                <a16:creationId xmlns="" xmlns:a16="http://schemas.microsoft.com/office/drawing/2014/main" id="{0BB658F4-25AE-4E8C-B4EB-F71DB7ADBBC8}"/>
               </a:ext>
             </a:extLst>
           </p:cNvPr>
@@ -4090,7 +4093,7 @@
           <p:cNvPr id="2" name="Espaço Reservado para Número de Slide 1">
             <a:extLst>
               <a:ext uri="{FF2B5EF4-FFF2-40B4-BE49-F238E27FC236}">
-                <a16:creationId xmlns:a16="http://schemas.microsoft.com/office/drawing/2014/main" xmlns="" id="{57CEB9DE-B557-413D-BEBE-FB285BDE282E}"/>
+                <a16:creationId xmlns="" xmlns:a16="http://schemas.microsoft.com/office/drawing/2014/main" id="{57CEB9DE-B557-413D-BEBE-FB285BDE282E}"/>
               </a:ext>
             </a:extLst>
           </p:cNvPr>
@@ -4162,7 +4165,7 @@
           <p:cNvPr id="4" name="Imagem 3">
             <a:extLst>
               <a:ext uri="{FF2B5EF4-FFF2-40B4-BE49-F238E27FC236}">
-                <a16:creationId xmlns:a16="http://schemas.microsoft.com/office/drawing/2014/main" xmlns="" id="{E8564CF9-F112-4AA6-92FC-DC4F202EA9EF}"/>
+                <a16:creationId xmlns="" xmlns:a16="http://schemas.microsoft.com/office/drawing/2014/main" id="{E8564CF9-F112-4AA6-92FC-DC4F202EA9EF}"/>
               </a:ext>
             </a:extLst>
           </p:cNvPr>
@@ -4198,7 +4201,7 @@
           <p:cNvPr id="6" name="Imagem 5">
             <a:extLst>
               <a:ext uri="{FF2B5EF4-FFF2-40B4-BE49-F238E27FC236}">
-                <a16:creationId xmlns:a16="http://schemas.microsoft.com/office/drawing/2014/main" xmlns="" id="{B7D87F16-9577-4D10-8CE3-380D13F7F94C}"/>
+                <a16:creationId xmlns="" xmlns:a16="http://schemas.microsoft.com/office/drawing/2014/main" id="{B7D87F16-9577-4D10-8CE3-380D13F7F94C}"/>
               </a:ext>
             </a:extLst>
           </p:cNvPr>
@@ -4234,7 +4237,7 @@
           <p:cNvPr id="2" name="Espaço Reservado para Número de Slide 1">
             <a:extLst>
               <a:ext uri="{FF2B5EF4-FFF2-40B4-BE49-F238E27FC236}">
-                <a16:creationId xmlns:a16="http://schemas.microsoft.com/office/drawing/2014/main" xmlns="" id="{8DDEB24D-5838-4D12-A8B0-8E961C4391DD}"/>
+                <a16:creationId xmlns="" xmlns:a16="http://schemas.microsoft.com/office/drawing/2014/main" id="{8DDEB24D-5838-4D12-A8B0-8E961C4391DD}"/>
               </a:ext>
             </a:extLst>
           </p:cNvPr>
@@ -4306,7 +4309,7 @@
           <p:cNvPr id="4" name="Imagem 3">
             <a:extLst>
               <a:ext uri="{FF2B5EF4-FFF2-40B4-BE49-F238E27FC236}">
-                <a16:creationId xmlns:a16="http://schemas.microsoft.com/office/drawing/2014/main" xmlns="" id="{A854FCF4-49AC-48CD-BC09-07FF867DA7B4}"/>
+                <a16:creationId xmlns="" xmlns:a16="http://schemas.microsoft.com/office/drawing/2014/main" id="{A854FCF4-49AC-48CD-BC09-07FF867DA7B4}"/>
               </a:ext>
             </a:extLst>
           </p:cNvPr>
@@ -4342,7 +4345,7 @@
           <p:cNvPr id="5" name="Imagem 4">
             <a:extLst>
               <a:ext uri="{FF2B5EF4-FFF2-40B4-BE49-F238E27FC236}">
-                <a16:creationId xmlns:a16="http://schemas.microsoft.com/office/drawing/2014/main" xmlns="" id="{3266A073-0B04-4EDF-A0CB-628519234D63}"/>
+                <a16:creationId xmlns="" xmlns:a16="http://schemas.microsoft.com/office/drawing/2014/main" id="{3266A073-0B04-4EDF-A0CB-628519234D63}"/>
               </a:ext>
             </a:extLst>
           </p:cNvPr>
@@ -4378,7 +4381,7 @@
           <p:cNvPr id="2" name="Espaço Reservado para Número de Slide 1">
             <a:extLst>
               <a:ext uri="{FF2B5EF4-FFF2-40B4-BE49-F238E27FC236}">
-                <a16:creationId xmlns:a16="http://schemas.microsoft.com/office/drawing/2014/main" xmlns="" id="{20A9BCC1-2FCC-4CC9-B9B9-368D2B968A52}"/>
+                <a16:creationId xmlns="" xmlns:a16="http://schemas.microsoft.com/office/drawing/2014/main" id="{20A9BCC1-2FCC-4CC9-B9B9-368D2B968A52}"/>
               </a:ext>
             </a:extLst>
           </p:cNvPr>
@@ -4438,7 +4441,7 @@
           <p:cNvPr id="7" name="Imagem 6">
             <a:extLst>
               <a:ext uri="{FF2B5EF4-FFF2-40B4-BE49-F238E27FC236}">
-                <a16:creationId xmlns:a16="http://schemas.microsoft.com/office/drawing/2014/main" xmlns="" id="{44CD1DD3-685E-40F4-AF17-3916E93E2C2B}"/>
+                <a16:creationId xmlns="" xmlns:a16="http://schemas.microsoft.com/office/drawing/2014/main" id="{44CD1DD3-685E-40F4-AF17-3916E93E2C2B}"/>
               </a:ext>
             </a:extLst>
           </p:cNvPr>
@@ -4474,7 +4477,7 @@
           <p:cNvPr id="11" name="Imagem 10">
             <a:extLst>
               <a:ext uri="{FF2B5EF4-FFF2-40B4-BE49-F238E27FC236}">
-                <a16:creationId xmlns:a16="http://schemas.microsoft.com/office/drawing/2014/main" xmlns="" id="{70A02987-7801-49C3-B17C-A551D02A2F5B}"/>
+                <a16:creationId xmlns="" xmlns:a16="http://schemas.microsoft.com/office/drawing/2014/main" id="{70A02987-7801-49C3-B17C-A551D02A2F5B}"/>
               </a:ext>
             </a:extLst>
           </p:cNvPr>
@@ -4510,7 +4513,7 @@
           <p:cNvPr id="8" name="Título 1">
             <a:extLst>
               <a:ext uri="{FF2B5EF4-FFF2-40B4-BE49-F238E27FC236}">
-                <a16:creationId xmlns:a16="http://schemas.microsoft.com/office/drawing/2014/main" xmlns="" id="{41D65979-6B14-4189-99BD-4C0AF22AC276}"/>
+                <a16:creationId xmlns="" xmlns:a16="http://schemas.microsoft.com/office/drawing/2014/main" id="{41D65979-6B14-4189-99BD-4C0AF22AC276}"/>
               </a:ext>
             </a:extLst>
           </p:cNvPr>
@@ -4556,7 +4559,7 @@
           <p:cNvPr id="9" name="Espaço Reservado para Conteúdo 2">
             <a:extLst>
               <a:ext uri="{FF2B5EF4-FFF2-40B4-BE49-F238E27FC236}">
-                <a16:creationId xmlns:a16="http://schemas.microsoft.com/office/drawing/2014/main" xmlns="" id="{EC8FBE94-C456-4D35-B64F-A36251B02D8C}"/>
+                <a16:creationId xmlns="" xmlns:a16="http://schemas.microsoft.com/office/drawing/2014/main" id="{EC8FBE94-C456-4D35-B64F-A36251B02D8C}"/>
               </a:ext>
             </a:extLst>
           </p:cNvPr>
@@ -4675,7 +4678,7 @@
           <p:cNvPr id="10" name="Espaço Reservado para Texto 3">
             <a:extLst>
               <a:ext uri="{FF2B5EF4-FFF2-40B4-BE49-F238E27FC236}">
-                <a16:creationId xmlns:a16="http://schemas.microsoft.com/office/drawing/2014/main" xmlns="" id="{A43ABC15-F003-401B-8EF1-F81A13DCED9A}"/>
+                <a16:creationId xmlns="" xmlns:a16="http://schemas.microsoft.com/office/drawing/2014/main" id="{A43ABC15-F003-401B-8EF1-F81A13DCED9A}"/>
               </a:ext>
             </a:extLst>
           </p:cNvPr>
@@ -4754,7 +4757,7 @@
           <p:cNvPr id="2" name="Espaço Reservado para Número de Slide 1">
             <a:extLst>
               <a:ext uri="{FF2B5EF4-FFF2-40B4-BE49-F238E27FC236}">
-                <a16:creationId xmlns:a16="http://schemas.microsoft.com/office/drawing/2014/main" xmlns="" id="{2ADCAE97-9C80-44DC-8E50-44DCD075765E}"/>
+                <a16:creationId xmlns="" xmlns:a16="http://schemas.microsoft.com/office/drawing/2014/main" id="{2ADCAE97-9C80-44DC-8E50-44DCD075765E}"/>
               </a:ext>
             </a:extLst>
           </p:cNvPr>
@@ -4819,7 +4822,7 @@
           <p:cNvPr id="5" name="Espaço Reservado para Número de Slide 2">
             <a:extLst>
               <a:ext uri="{FF2B5EF4-FFF2-40B4-BE49-F238E27FC236}">
-                <a16:creationId xmlns:a16="http://schemas.microsoft.com/office/drawing/2014/main" xmlns="" id="{D7C30D80-C4A7-4602-85EB-27440E84C771}"/>
+                <a16:creationId xmlns="" xmlns:a16="http://schemas.microsoft.com/office/drawing/2014/main" id="{D7C30D80-C4A7-4602-85EB-27440E84C771}"/>
               </a:ext>
             </a:extLst>
           </p:cNvPr>
@@ -5206,7 +5209,7 @@
           <p:cNvPr id="2" name="Espaço Reservado para Texto 1">
             <a:extLst>
               <a:ext uri="{FF2B5EF4-FFF2-40B4-BE49-F238E27FC236}">
-                <a16:creationId xmlns:a16="http://schemas.microsoft.com/office/drawing/2014/main" xmlns="" id="{370D92D6-A8C6-464D-96F7-8C55D1A544BB}"/>
+                <a16:creationId xmlns="" xmlns:a16="http://schemas.microsoft.com/office/drawing/2014/main" id="{370D92D6-A8C6-464D-96F7-8C55D1A544BB}"/>
               </a:ext>
             </a:extLst>
           </p:cNvPr>
@@ -5234,7 +5237,7 @@
           <p:cNvPr id="1026" name="Picture 2">
             <a:extLst>
               <a:ext uri="{FF2B5EF4-FFF2-40B4-BE49-F238E27FC236}">
-                <a16:creationId xmlns:a16="http://schemas.microsoft.com/office/drawing/2014/main" xmlns="" id="{04CEE753-0D3C-4635-9AB5-E00711BD73FA}"/>
+                <a16:creationId xmlns="" xmlns:a16="http://schemas.microsoft.com/office/drawing/2014/main" id="{04CEE753-0D3C-4635-9AB5-E00711BD73FA}"/>
               </a:ext>
             </a:extLst>
           </p:cNvPr>
@@ -5318,7 +5321,7 @@
           <p:cNvPr id="7" name="Retângulo 6">
             <a:extLst>
               <a:ext uri="{FF2B5EF4-FFF2-40B4-BE49-F238E27FC236}">
-                <a16:creationId xmlns:a16="http://schemas.microsoft.com/office/drawing/2014/main" xmlns="" id="{5E0F7497-D302-4F68-8123-03414F2C6833}"/>
+                <a16:creationId xmlns="" xmlns:a16="http://schemas.microsoft.com/office/drawing/2014/main" id="{5E0F7497-D302-4F68-8123-03414F2C6833}"/>
               </a:ext>
             </a:extLst>
           </p:cNvPr>
@@ -5361,7 +5364,7 @@
           <a:lstStyle/>
           <a:p>
             <a:pPr algn="ctr"/>
-            <a:endParaRPr lang="pt-BR" dirty="0"/>
+            <a:endParaRPr lang="pt-BR"/>
           </a:p>
         </p:txBody>
       </p:sp>
@@ -5370,7 +5373,7 @@
           <p:cNvPr id="2" name="Título 1">
             <a:extLst>
               <a:ext uri="{FF2B5EF4-FFF2-40B4-BE49-F238E27FC236}">
-                <a16:creationId xmlns:a16="http://schemas.microsoft.com/office/drawing/2014/main" xmlns="" id="{E5407E68-547D-40FB-ADFC-29225BCA97FB}"/>
+                <a16:creationId xmlns="" xmlns:a16="http://schemas.microsoft.com/office/drawing/2014/main" id="{E5407E68-547D-40FB-ADFC-29225BCA97FB}"/>
               </a:ext>
             </a:extLst>
           </p:cNvPr>
@@ -5404,7 +5407,7 @@
           <p:cNvPr id="4" name="Espaço Reservado para Número de Slide 3">
             <a:extLst>
               <a:ext uri="{FF2B5EF4-FFF2-40B4-BE49-F238E27FC236}">
-                <a16:creationId xmlns:a16="http://schemas.microsoft.com/office/drawing/2014/main" xmlns="" id="{B251EF4B-4832-430A-9B53-231F361E70F5}"/>
+                <a16:creationId xmlns="" xmlns:a16="http://schemas.microsoft.com/office/drawing/2014/main" id="{B251EF4B-4832-430A-9B53-231F361E70F5}"/>
               </a:ext>
             </a:extLst>
           </p:cNvPr>
@@ -5434,7 +5437,7 @@
           <p:cNvPr id="6" name="CaixaDeTexto 5">
             <a:extLst>
               <a:ext uri="{FF2B5EF4-FFF2-40B4-BE49-F238E27FC236}">
-                <a16:creationId xmlns:a16="http://schemas.microsoft.com/office/drawing/2014/main" xmlns="" id="{51FA5D3E-0952-4ABF-9964-6524675A944A}"/>
+                <a16:creationId xmlns="" xmlns:a16="http://schemas.microsoft.com/office/drawing/2014/main" id="{51FA5D3E-0952-4ABF-9964-6524675A944A}"/>
               </a:ext>
             </a:extLst>
           </p:cNvPr>
@@ -5443,8 +5446,8 @@
         </p:nvSpPr>
         <p:spPr>
           <a:xfrm>
-            <a:off x="872064" y="1645481"/>
-            <a:ext cx="10278533" cy="1200329"/>
+            <a:off x="956733" y="1232549"/>
+            <a:ext cx="10278533" cy="1477328"/>
           </a:xfrm>
           <a:prstGeom prst="rect">
             <a:avLst/>
@@ -5466,28 +5469,32 @@
               </a:spcAft>
             </a:pPr>
             <a:r>
-              <a:rPr lang="pt-BR" sz="2400" b="0" dirty="0">
+              <a:rPr lang="pt-BR" dirty="0"/>
+              <a:t>Este edital realiza o chamamento público de médicos intercambistas, da cooperação internacional, listados no Anexo II, que atendam aos requisitos do art. 23-A da Lei nº 12.871/2013, alterado pela Lei nº 13.958/2019, para reincorporação ao Projeto Mais Médicos por um prazo improrrogável de dois anos.</a:t>
+            </a:r>
+            <a:r>
+              <a:rPr lang="pt-BR" b="0" dirty="0">
                 <a:effectLst/>
               </a:rPr>
-              <a:t>Homologação</a:t>
+              <a:t/>
             </a:r>
             <a:br>
-              <a:rPr lang="pt-BR" sz="2400" b="0" dirty="0">
+              <a:rPr lang="pt-BR" b="0" dirty="0">
                 <a:effectLst/>
               </a:rPr>
             </a:br>
             <a:r>
-              <a:rPr lang="pt-BR" sz="2400" b="0" dirty="0">
+              <a:rPr lang="pt-BR" b="0" dirty="0">
                 <a:effectLst/>
               </a:rPr>
               <a:t/>
             </a:r>
             <a:br>
-              <a:rPr lang="pt-BR" sz="2400" b="0" dirty="0">
+              <a:rPr lang="pt-BR" b="0" dirty="0">
                 <a:effectLst/>
               </a:rPr>
             </a:br>
-            <a:endParaRPr lang="pt-BR" sz="2400" dirty="0"/>
+            <a:endParaRPr lang="pt-BR" dirty="0"/>
           </a:p>
         </p:txBody>
       </p:sp>
@@ -5496,7 +5503,7 @@
           <p:cNvPr id="9" name="CaixaDeTexto 8">
             <a:extLst>
               <a:ext uri="{FF2B5EF4-FFF2-40B4-BE49-F238E27FC236}">
-                <a16:creationId xmlns:a16="http://schemas.microsoft.com/office/drawing/2014/main" xmlns="" id="{A32DB5FD-E24E-4C04-851E-C1CA2DE45BC8}"/>
+                <a16:creationId xmlns="" xmlns:a16="http://schemas.microsoft.com/office/drawing/2014/main" id="{A32DB5FD-E24E-4C04-851E-C1CA2DE45BC8}"/>
               </a:ext>
             </a:extLst>
           </p:cNvPr>
@@ -5505,8 +5512,8 @@
         </p:nvSpPr>
         <p:spPr>
           <a:xfrm>
-            <a:off x="1838323" y="2919745"/>
-            <a:ext cx="8515350" cy="1200329"/>
+            <a:off x="1838324" y="2709877"/>
+            <a:ext cx="8515350" cy="1754326"/>
           </a:xfrm>
           <a:prstGeom prst="rect">
             <a:avLst/>
@@ -5525,7 +5532,7 @@
                   <a:schemeClr val="bg1"/>
                 </a:solidFill>
               </a:rPr>
-              <a:t>9.3. A homologação pelo gestor está condicionada ao início das atividades pelo médico.</a:t>
+              <a:t>6.5. É oportunizada ao médico a indicação de 4 (quatro) localidades e sua ordem de preferência (prioridade) para atuação.</a:t>
             </a:r>
           </a:p>
           <a:p>
@@ -5542,9 +5549,214 @@
                   <a:schemeClr val="bg1"/>
                 </a:solidFill>
               </a:rPr>
-              <a:t>9.10. Finalizado o período de homologação das vagas, o resultado final da alocação do</a:t>
-            </a:r>
-          </a:p>
+              <a:t>6.8. A concorrência entre os médicos se dará dentro de cada opção escolhida; ou seja, só haverá concorrência em prioridades posteriores, caso a vaga não tenha sido ocupada por nenhum médico que optou por aquele município como prioridade antecedente.</a:t>
+            </a:r>
+          </a:p>
+        </p:txBody>
+      </p:sp>
+      <p:pic>
+        <p:nvPicPr>
+          <p:cNvPr id="13" name="Imagem 12">
+            <a:extLst>
+              <a:ext uri="{FF2B5EF4-FFF2-40B4-BE49-F238E27FC236}">
+                <a16:creationId xmlns="" xmlns:a16="http://schemas.microsoft.com/office/drawing/2014/main" id="{7B31CF5A-89BB-410B-8F30-0E1B50BA401C}"/>
+              </a:ext>
+            </a:extLst>
+          </p:cNvPr>
+          <p:cNvPicPr>
+            <a:picLocks noChangeAspect="1"/>
+          </p:cNvPicPr>
+          <p:nvPr/>
+        </p:nvPicPr>
+        <p:blipFill>
+          <a:blip r:embed="rId2"/>
+          <a:stretch>
+            <a:fillRect/>
+          </a:stretch>
+        </p:blipFill>
+        <p:spPr>
+          <a:xfrm>
+            <a:off x="5394400" y="4748606"/>
+            <a:ext cx="1403197" cy="1403197"/>
+          </a:xfrm>
+          <a:prstGeom prst="rect">
+            <a:avLst/>
+          </a:prstGeom>
+        </p:spPr>
+      </p:pic>
+    </p:spTree>
+    <p:extLst>
+      <p:ext uri="{BB962C8B-B14F-4D97-AF65-F5344CB8AC3E}">
+        <p14:creationId xmlns:p14="http://schemas.microsoft.com/office/powerpoint/2010/main" val="2313058853"/>
+      </p:ext>
+    </p:extLst>
+  </p:cSld>
+  <p:clrMapOvr>
+    <a:masterClrMapping/>
+  </p:clrMapOvr>
+</p:sld>
+</file>
+
+<file path=ppt/slides/slide11.xml><?xml version="1.0" encoding="utf-8"?>
+<p:sld xmlns:a="http://schemas.openxmlformats.org/drawingml/2006/main" xmlns:r="http://schemas.openxmlformats.org/officeDocument/2006/relationships" xmlns:p="http://schemas.openxmlformats.org/presentationml/2006/main">
+  <p:cSld>
+    <p:spTree>
+      <p:nvGrpSpPr>
+        <p:cNvPr id="1" name=""/>
+        <p:cNvGrpSpPr/>
+        <p:nvPr/>
+      </p:nvGrpSpPr>
+      <p:grpSpPr>
+        <a:xfrm>
+          <a:off x="0" y="0"/>
+          <a:ext cx="0" cy="0"/>
+          <a:chOff x="0" y="0"/>
+          <a:chExt cx="0" cy="0"/>
+        </a:xfrm>
+      </p:grpSpPr>
+      <p:sp>
+        <p:nvSpPr>
+          <p:cNvPr id="7" name="Retângulo 6">
+            <a:extLst>
+              <a:ext uri="{FF2B5EF4-FFF2-40B4-BE49-F238E27FC236}">
+                <a16:creationId xmlns="" xmlns:a16="http://schemas.microsoft.com/office/drawing/2014/main" id="{5E0F7497-D302-4F68-8123-03414F2C6833}"/>
+              </a:ext>
+            </a:extLst>
+          </p:cNvPr>
+          <p:cNvSpPr/>
+          <p:nvPr/>
+        </p:nvSpPr>
+        <p:spPr>
+          <a:xfrm>
+            <a:off x="1704975" y="2558112"/>
+            <a:ext cx="8905875" cy="2032937"/>
+          </a:xfrm>
+          <a:prstGeom prst="rect">
+            <a:avLst/>
+          </a:prstGeom>
+          <a:solidFill>
+            <a:srgbClr val="67C7F2"/>
+          </a:solidFill>
+          <a:ln>
+            <a:noFill/>
+          </a:ln>
+        </p:spPr>
+        <p:style>
+          <a:lnRef idx="2">
+            <a:schemeClr val="accent1">
+              <a:shade val="50000"/>
+            </a:schemeClr>
+          </a:lnRef>
+          <a:fillRef idx="1">
+            <a:schemeClr val="accent1"/>
+          </a:fillRef>
+          <a:effectRef idx="0">
+            <a:schemeClr val="accent1"/>
+          </a:effectRef>
+          <a:fontRef idx="minor">
+            <a:schemeClr val="lt1"/>
+          </a:fontRef>
+        </p:style>
+        <p:txBody>
+          <a:bodyPr rtlCol="0" anchor="ctr"/>
+          <a:lstStyle/>
+          <a:p>
+            <a:pPr algn="ctr"/>
+            <a:endParaRPr lang="pt-BR"/>
+          </a:p>
+        </p:txBody>
+      </p:sp>
+      <p:sp>
+        <p:nvSpPr>
+          <p:cNvPr id="2" name="Título 1">
+            <a:extLst>
+              <a:ext uri="{FF2B5EF4-FFF2-40B4-BE49-F238E27FC236}">
+                <a16:creationId xmlns="" xmlns:a16="http://schemas.microsoft.com/office/drawing/2014/main" id="{E5407E68-547D-40FB-ADFC-29225BCA97FB}"/>
+              </a:ext>
+            </a:extLst>
+          </p:cNvPr>
+          <p:cNvSpPr>
+            <a:spLocks noGrp="1"/>
+          </p:cNvSpPr>
+          <p:nvPr>
+            <p:ph type="title"/>
+          </p:nvPr>
+        </p:nvSpPr>
+        <p:spPr>
+          <a:xfrm>
+            <a:off x="419100" y="373393"/>
+            <a:ext cx="11496675" cy="1325563"/>
+          </a:xfrm>
+        </p:spPr>
+        <p:txBody>
+          <a:bodyPr/>
+          <a:lstStyle/>
+          <a:p>
+            <a:pPr algn="ctr"/>
+            <a:r>
+              <a:rPr lang="pt-BR" dirty="0"/>
+              <a:t>EDITAL Nº 9, DE 26 DE MARÇO DE 2020</a:t>
+            </a:r>
+          </a:p>
+        </p:txBody>
+      </p:sp>
+      <p:sp>
+        <p:nvSpPr>
+          <p:cNvPr id="4" name="Espaço Reservado para Número de Slide 3">
+            <a:extLst>
+              <a:ext uri="{FF2B5EF4-FFF2-40B4-BE49-F238E27FC236}">
+                <a16:creationId xmlns="" xmlns:a16="http://schemas.microsoft.com/office/drawing/2014/main" id="{B251EF4B-4832-430A-9B53-231F361E70F5}"/>
+              </a:ext>
+            </a:extLst>
+          </p:cNvPr>
+          <p:cNvSpPr>
+            <a:spLocks noGrp="1"/>
+          </p:cNvSpPr>
+          <p:nvPr>
+            <p:ph type="sldNum" sz="quarter" idx="10"/>
+          </p:nvPr>
+        </p:nvSpPr>
+        <p:spPr/>
+        <p:txBody>
+          <a:bodyPr/>
+          <a:lstStyle/>
+          <a:p>
+            <a:fld id="{42B4FE49-DA0E-4E24-BB21-E8757AAD71F5}" type="slidenum">
+              <a:rPr lang="pt-BR" smtClean="0"/>
+              <a:pPr/>
+              <a:t>11</a:t>
+            </a:fld>
+            <a:endParaRPr lang="pt-BR" dirty="0"/>
+          </a:p>
+        </p:txBody>
+      </p:sp>
+      <p:sp>
+        <p:nvSpPr>
+          <p:cNvPr id="9" name="CaixaDeTexto 8">
+            <a:extLst>
+              <a:ext uri="{FF2B5EF4-FFF2-40B4-BE49-F238E27FC236}">
+                <a16:creationId xmlns="" xmlns:a16="http://schemas.microsoft.com/office/drawing/2014/main" id="{A32DB5FD-E24E-4C04-851E-C1CA2DE45BC8}"/>
+              </a:ext>
+            </a:extLst>
+          </p:cNvPr>
+          <p:cNvSpPr txBox="1"/>
+          <p:nvPr/>
+        </p:nvSpPr>
+        <p:spPr>
+          <a:xfrm>
+            <a:off x="1838323" y="2919745"/>
+            <a:ext cx="8515350" cy="1200329"/>
+          </a:xfrm>
+          <a:prstGeom prst="rect">
+            <a:avLst/>
+          </a:prstGeom>
+          <a:noFill/>
+        </p:spPr>
+        <p:txBody>
+          <a:bodyPr wrap="square">
+            <a:spAutoFit/>
+          </a:bodyPr>
+          <a:lstStyle/>
           <a:p>
             <a:r>
               <a:rPr lang="pt-BR" b="1" dirty="0">
@@ -5552,17 +5764,506 @@
                   <a:schemeClr val="bg1"/>
                 </a:solidFill>
               </a:rPr>
-              <a:t>médico será publicado no endereço eletrônico http://maismedicos.gov.br</a:t>
-            </a:r>
+              <a:t>a) possuir maior idade, considerados o dia, mês e ano de nascimento; e</a:t>
+            </a:r>
+          </a:p>
+          <a:p>
+            <a:endParaRPr lang="pt-BR" b="1" dirty="0">
+              <a:solidFill>
+                <a:schemeClr val="bg1"/>
+              </a:solidFill>
+            </a:endParaRPr>
+          </a:p>
+          <a:p>
+            <a:r>
+              <a:rPr lang="pt-BR" b="1" dirty="0">
+                <a:solidFill>
+                  <a:schemeClr val="bg1"/>
+                </a:solidFill>
+              </a:rPr>
+              <a:t>b) possuir maior tempo de atuação no Projeto Mais Médicos para o Brasil, quando da sua participação por meio da cooperação internacional, considerados, dia, mês e ano</a:t>
+            </a:r>
+          </a:p>
+        </p:txBody>
+      </p:sp>
+      <p:sp>
+        <p:nvSpPr>
+          <p:cNvPr id="8" name="CaixaDeTexto 7">
+            <a:extLst>
+              <a:ext uri="{FF2B5EF4-FFF2-40B4-BE49-F238E27FC236}">
+                <a16:creationId xmlns="" xmlns:a16="http://schemas.microsoft.com/office/drawing/2014/main" id="{1AC60388-FB46-49D4-B159-D5CCE911D9FB}"/>
+              </a:ext>
+            </a:extLst>
+          </p:cNvPr>
+          <p:cNvSpPr txBox="1"/>
+          <p:nvPr/>
+        </p:nvSpPr>
+        <p:spPr>
+          <a:xfrm>
+            <a:off x="956733" y="1667675"/>
+            <a:ext cx="10278533" cy="1200329"/>
+          </a:xfrm>
+          <a:prstGeom prst="rect">
+            <a:avLst/>
+          </a:prstGeom>
+          <a:noFill/>
+        </p:spPr>
+        <p:txBody>
+          <a:bodyPr wrap="square">
+            <a:spAutoFit/>
+          </a:bodyPr>
+          <a:lstStyle/>
+          <a:p>
+            <a:pPr algn="ctr" rtl="0">
+              <a:spcBef>
+                <a:spcPts val="0"/>
+              </a:spcBef>
+              <a:spcAft>
+                <a:spcPts val="0"/>
+              </a:spcAft>
+            </a:pPr>
+            <a:r>
+              <a:rPr lang="pt-BR" sz="2400" dirty="0"/>
+              <a:t>Critérios de desempate</a:t>
+            </a:r>
+            <a:r>
+              <a:rPr lang="pt-BR" sz="2400" b="0" dirty="0">
+                <a:effectLst/>
+              </a:rPr>
+              <a:t/>
+            </a:r>
+            <a:br>
+              <a:rPr lang="pt-BR" sz="2400" b="0" dirty="0">
+                <a:effectLst/>
+              </a:rPr>
+            </a:br>
+            <a:r>
+              <a:rPr lang="pt-BR" sz="2400" b="0" dirty="0">
+                <a:effectLst/>
+              </a:rPr>
+              <a:t/>
+            </a:r>
+            <a:br>
+              <a:rPr lang="pt-BR" sz="2400" b="0" dirty="0">
+                <a:effectLst/>
+              </a:rPr>
+            </a:br>
+            <a:endParaRPr lang="pt-BR" sz="2400" dirty="0"/>
           </a:p>
         </p:txBody>
       </p:sp>
       <p:cxnSp>
         <p:nvCxnSpPr>
-          <p:cNvPr id="8" name="Conector reto 7">
-            <a:extLst>
-              <a:ext uri="{FF2B5EF4-FFF2-40B4-BE49-F238E27FC236}">
-                <a16:creationId xmlns:a16="http://schemas.microsoft.com/office/drawing/2014/main" xmlns="" id="{9885DA61-CAA6-41FC-9114-4B7DC6186EE6}"/>
+          <p:cNvPr id="10" name="Conector reto 9">
+            <a:extLst>
+              <a:ext uri="{FF2B5EF4-FFF2-40B4-BE49-F238E27FC236}">
+                <a16:creationId xmlns="" xmlns:a16="http://schemas.microsoft.com/office/drawing/2014/main" id="{878DEA95-2B8A-4B00-A51D-62C3A2292DF4}"/>
+              </a:ext>
+            </a:extLst>
+          </p:cNvPr>
+          <p:cNvCxnSpPr/>
+          <p:nvPr/>
+        </p:nvCxnSpPr>
+        <p:spPr>
+          <a:xfrm flipH="1">
+            <a:off x="-177800" y="1905000"/>
+            <a:ext cx="4690533" cy="0"/>
+          </a:xfrm>
+          <a:prstGeom prst="line">
+            <a:avLst/>
+          </a:prstGeom>
+          <a:ln>
+            <a:solidFill>
+              <a:schemeClr val="tx1"/>
+            </a:solidFill>
+          </a:ln>
+        </p:spPr>
+        <p:style>
+          <a:lnRef idx="1">
+            <a:schemeClr val="accent1"/>
+          </a:lnRef>
+          <a:fillRef idx="0">
+            <a:schemeClr val="accent1"/>
+          </a:fillRef>
+          <a:effectRef idx="0">
+            <a:schemeClr val="accent1"/>
+          </a:effectRef>
+          <a:fontRef idx="minor">
+            <a:schemeClr val="tx1"/>
+          </a:fontRef>
+        </p:style>
+      </p:cxnSp>
+      <p:cxnSp>
+        <p:nvCxnSpPr>
+          <p:cNvPr id="11" name="Conector reto 10">
+            <a:extLst>
+              <a:ext uri="{FF2B5EF4-FFF2-40B4-BE49-F238E27FC236}">
+                <a16:creationId xmlns="" xmlns:a16="http://schemas.microsoft.com/office/drawing/2014/main" id="{E28299DE-D7B7-49CF-91C7-668002789FEF}"/>
+              </a:ext>
+            </a:extLst>
+          </p:cNvPr>
+          <p:cNvCxnSpPr/>
+          <p:nvPr/>
+        </p:nvCxnSpPr>
+        <p:spPr>
+          <a:xfrm flipH="1">
+            <a:off x="7653867" y="1905000"/>
+            <a:ext cx="4690533" cy="0"/>
+          </a:xfrm>
+          <a:prstGeom prst="line">
+            <a:avLst/>
+          </a:prstGeom>
+          <a:ln>
+            <a:solidFill>
+              <a:schemeClr val="tx1"/>
+            </a:solidFill>
+          </a:ln>
+        </p:spPr>
+        <p:style>
+          <a:lnRef idx="1">
+            <a:schemeClr val="accent1"/>
+          </a:lnRef>
+          <a:fillRef idx="0">
+            <a:schemeClr val="accent1"/>
+          </a:fillRef>
+          <a:effectRef idx="0">
+            <a:schemeClr val="accent1"/>
+          </a:effectRef>
+          <a:fontRef idx="minor">
+            <a:schemeClr val="tx1"/>
+          </a:fontRef>
+        </p:style>
+      </p:cxnSp>
+      <p:pic>
+        <p:nvPicPr>
+          <p:cNvPr id="12" name="Imagem 11">
+            <a:extLst>
+              <a:ext uri="{FF2B5EF4-FFF2-40B4-BE49-F238E27FC236}">
+                <a16:creationId xmlns="" xmlns:a16="http://schemas.microsoft.com/office/drawing/2014/main" id="{3B0FE0C9-59A4-47C6-B6CB-660FF30E2123}"/>
+              </a:ext>
+            </a:extLst>
+          </p:cNvPr>
+          <p:cNvPicPr>
+            <a:picLocks noChangeAspect="1"/>
+          </p:cNvPicPr>
+          <p:nvPr/>
+        </p:nvPicPr>
+        <p:blipFill rotWithShape="1">
+          <a:blip r:embed="rId2">
+            <a:extLst>
+              <a:ext uri="{28A0092B-C50C-407E-A947-70E740481C1C}">
+                <a14:useLocalDpi xmlns:a14="http://schemas.microsoft.com/office/drawing/2010/main" val="0"/>
+              </a:ext>
+            </a:extLst>
+          </a:blip>
+          <a:srcRect t="24493"/>
+          <a:stretch/>
+        </p:blipFill>
+        <p:spPr>
+          <a:xfrm>
+            <a:off x="5135034" y="4716283"/>
+            <a:ext cx="1921932" cy="1549456"/>
+          </a:xfrm>
+          <a:prstGeom prst="rect">
+            <a:avLst/>
+          </a:prstGeom>
+        </p:spPr>
+      </p:pic>
+    </p:spTree>
+    <p:extLst>
+      <p:ext uri="{BB962C8B-B14F-4D97-AF65-F5344CB8AC3E}">
+        <p14:creationId xmlns:p14="http://schemas.microsoft.com/office/powerpoint/2010/main" val="3111718399"/>
+      </p:ext>
+    </p:extLst>
+  </p:cSld>
+  <p:clrMapOvr>
+    <a:masterClrMapping/>
+  </p:clrMapOvr>
+</p:sld>
+</file>
+
+<file path=ppt/slides/slide12.xml><?xml version="1.0" encoding="utf-8"?>
+<p:sld xmlns:a="http://schemas.openxmlformats.org/drawingml/2006/main" xmlns:r="http://schemas.openxmlformats.org/officeDocument/2006/relationships" xmlns:p="http://schemas.openxmlformats.org/presentationml/2006/main">
+  <p:cSld>
+    <p:spTree>
+      <p:nvGrpSpPr>
+        <p:cNvPr id="1" name=""/>
+        <p:cNvGrpSpPr/>
+        <p:nvPr/>
+      </p:nvGrpSpPr>
+      <p:grpSpPr>
+        <a:xfrm>
+          <a:off x="0" y="0"/>
+          <a:ext cx="0" cy="0"/>
+          <a:chOff x="0" y="0"/>
+          <a:chExt cx="0" cy="0"/>
+        </a:xfrm>
+      </p:grpSpPr>
+      <p:sp>
+        <p:nvSpPr>
+          <p:cNvPr id="2" name="Título 1">
+            <a:extLst>
+              <a:ext uri="{FF2B5EF4-FFF2-40B4-BE49-F238E27FC236}">
+                <a16:creationId xmlns="" xmlns:a16="http://schemas.microsoft.com/office/drawing/2014/main" id="{E5407E68-547D-40FB-ADFC-29225BCA97FB}"/>
+              </a:ext>
+            </a:extLst>
+          </p:cNvPr>
+          <p:cNvSpPr>
+            <a:spLocks noGrp="1"/>
+          </p:cNvSpPr>
+          <p:nvPr>
+            <p:ph type="title"/>
+          </p:nvPr>
+        </p:nvSpPr>
+        <p:spPr>
+          <a:xfrm>
+            <a:off x="419100" y="373393"/>
+            <a:ext cx="11496675" cy="1325563"/>
+          </a:xfrm>
+        </p:spPr>
+        <p:txBody>
+          <a:bodyPr/>
+          <a:lstStyle/>
+          <a:p>
+            <a:pPr algn="ctr"/>
+            <a:r>
+              <a:rPr lang="pt-BR" dirty="0"/>
+              <a:t>EDITAL Nº 9, DE 26 DE MARÇO DE 2020</a:t>
+            </a:r>
+          </a:p>
+        </p:txBody>
+      </p:sp>
+      <p:sp>
+        <p:nvSpPr>
+          <p:cNvPr id="4" name="Espaço Reservado para Número de Slide 3">
+            <a:extLst>
+              <a:ext uri="{FF2B5EF4-FFF2-40B4-BE49-F238E27FC236}">
+                <a16:creationId xmlns="" xmlns:a16="http://schemas.microsoft.com/office/drawing/2014/main" id="{B251EF4B-4832-430A-9B53-231F361E70F5}"/>
+              </a:ext>
+            </a:extLst>
+          </p:cNvPr>
+          <p:cNvSpPr>
+            <a:spLocks noGrp="1"/>
+          </p:cNvSpPr>
+          <p:nvPr>
+            <p:ph type="sldNum" sz="quarter" idx="10"/>
+          </p:nvPr>
+        </p:nvSpPr>
+        <p:spPr/>
+        <p:txBody>
+          <a:bodyPr/>
+          <a:lstStyle/>
+          <a:p>
+            <a:fld id="{42B4FE49-DA0E-4E24-BB21-E8757AAD71F5}" type="slidenum">
+              <a:rPr lang="pt-BR" smtClean="0"/>
+              <a:pPr/>
+              <a:t>12</a:t>
+            </a:fld>
+            <a:endParaRPr lang="pt-BR" dirty="0"/>
+          </a:p>
+        </p:txBody>
+      </p:sp>
+      <p:sp>
+        <p:nvSpPr>
+          <p:cNvPr id="6" name="CaixaDeTexto 5">
+            <a:extLst>
+              <a:ext uri="{FF2B5EF4-FFF2-40B4-BE49-F238E27FC236}">
+                <a16:creationId xmlns="" xmlns:a16="http://schemas.microsoft.com/office/drawing/2014/main" id="{51FA5D3E-0952-4ABF-9964-6524675A944A}"/>
+              </a:ext>
+            </a:extLst>
+          </p:cNvPr>
+          <p:cNvSpPr txBox="1"/>
+          <p:nvPr/>
+        </p:nvSpPr>
+        <p:spPr>
+          <a:xfrm>
+            <a:off x="956733" y="914392"/>
+            <a:ext cx="10278533" cy="1384995"/>
+          </a:xfrm>
+          <a:prstGeom prst="rect">
+            <a:avLst/>
+          </a:prstGeom>
+          <a:noFill/>
+        </p:spPr>
+        <p:txBody>
+          <a:bodyPr wrap="square">
+            <a:spAutoFit/>
+          </a:bodyPr>
+          <a:lstStyle/>
+          <a:p>
+            <a:pPr algn="ctr" rtl="0">
+              <a:spcBef>
+                <a:spcPts val="0"/>
+              </a:spcBef>
+              <a:spcAft>
+                <a:spcPts val="0"/>
+              </a:spcAft>
+            </a:pPr>
+            <a:r>
+              <a:rPr lang="pt-BR" sz="2800" dirty="0"/>
+              <a:t>Classificação das localidades</a:t>
+            </a:r>
+            <a:r>
+              <a:rPr lang="pt-BR" sz="2800" b="0" dirty="0">
+                <a:effectLst/>
+              </a:rPr>
+              <a:t/>
+            </a:r>
+            <a:br>
+              <a:rPr lang="pt-BR" sz="2800" b="0" dirty="0">
+                <a:effectLst/>
+              </a:rPr>
+            </a:br>
+            <a:r>
+              <a:rPr lang="pt-BR" sz="2800" b="0" dirty="0">
+                <a:effectLst/>
+              </a:rPr>
+              <a:t/>
+            </a:r>
+            <a:br>
+              <a:rPr lang="pt-BR" sz="2800" b="0" dirty="0">
+                <a:effectLst/>
+              </a:rPr>
+            </a:br>
+            <a:endParaRPr lang="pt-BR" sz="2800" dirty="0"/>
+          </a:p>
+        </p:txBody>
+      </p:sp>
+      <p:pic>
+        <p:nvPicPr>
+          <p:cNvPr id="5" name="Imagem 4">
+            <a:extLst>
+              <a:ext uri="{FF2B5EF4-FFF2-40B4-BE49-F238E27FC236}">
+                <a16:creationId xmlns="" xmlns:a16="http://schemas.microsoft.com/office/drawing/2014/main" id="{467BE022-C1FE-4C97-AACA-74B47374DE06}"/>
+              </a:ext>
+            </a:extLst>
+          </p:cNvPr>
+          <p:cNvPicPr>
+            <a:picLocks noChangeAspect="1"/>
+          </p:cNvPicPr>
+          <p:nvPr/>
+        </p:nvPicPr>
+        <p:blipFill>
+          <a:blip r:embed="rId2"/>
+          <a:stretch>
+            <a:fillRect/>
+          </a:stretch>
+        </p:blipFill>
+        <p:spPr>
+          <a:xfrm>
+            <a:off x="956733" y="1361798"/>
+            <a:ext cx="5496692" cy="3962953"/>
+          </a:xfrm>
+          <a:prstGeom prst="rect">
+            <a:avLst/>
+          </a:prstGeom>
+        </p:spPr>
+      </p:pic>
+      <p:pic>
+        <p:nvPicPr>
+          <p:cNvPr id="8" name="Imagem 7">
+            <a:extLst>
+              <a:ext uri="{FF2B5EF4-FFF2-40B4-BE49-F238E27FC236}">
+                <a16:creationId xmlns="" xmlns:a16="http://schemas.microsoft.com/office/drawing/2014/main" id="{729167F8-24DE-4DA1-AC5B-B48CC02C5DBD}"/>
+              </a:ext>
+            </a:extLst>
+          </p:cNvPr>
+          <p:cNvPicPr>
+            <a:picLocks noChangeAspect="1"/>
+          </p:cNvPicPr>
+          <p:nvPr/>
+        </p:nvPicPr>
+        <p:blipFill>
+          <a:blip r:embed="rId3"/>
+          <a:stretch>
+            <a:fillRect/>
+          </a:stretch>
+        </p:blipFill>
+        <p:spPr>
+          <a:xfrm>
+            <a:off x="6453425" y="1971093"/>
+            <a:ext cx="5544324" cy="2743583"/>
+          </a:xfrm>
+          <a:prstGeom prst="rect">
+            <a:avLst/>
+          </a:prstGeom>
+        </p:spPr>
+      </p:pic>
+      <p:sp>
+        <p:nvSpPr>
+          <p:cNvPr id="13" name="CaixaDeTexto 12">
+            <a:extLst>
+              <a:ext uri="{FF2B5EF4-FFF2-40B4-BE49-F238E27FC236}">
+                <a16:creationId xmlns="" xmlns:a16="http://schemas.microsoft.com/office/drawing/2014/main" id="{9C3FC4C1-BBE1-40EB-BB49-C266511B5D4F}"/>
+              </a:ext>
+            </a:extLst>
+          </p:cNvPr>
+          <p:cNvSpPr txBox="1"/>
+          <p:nvPr/>
+        </p:nvSpPr>
+        <p:spPr>
+          <a:xfrm>
+            <a:off x="771525" y="6449100"/>
+            <a:ext cx="6096000" cy="369332"/>
+          </a:xfrm>
+          <a:prstGeom prst="rect">
+            <a:avLst/>
+          </a:prstGeom>
+          <a:noFill/>
+        </p:spPr>
+        <p:txBody>
+          <a:bodyPr wrap="square">
+            <a:spAutoFit/>
+          </a:bodyPr>
+          <a:lstStyle/>
+          <a:p>
+            <a:r>
+              <a:rPr lang="pt-BR" dirty="0">
+                <a:solidFill>
+                  <a:schemeClr val="bg1"/>
+                </a:solidFill>
+              </a:rPr>
+              <a:t>Consultar Portaria Nº 1.409, de 10 de julho de 2013</a:t>
+            </a:r>
+          </a:p>
+        </p:txBody>
+      </p:sp>
+      <p:pic>
+        <p:nvPicPr>
+          <p:cNvPr id="15" name="Imagem 14">
+            <a:extLst>
+              <a:ext uri="{FF2B5EF4-FFF2-40B4-BE49-F238E27FC236}">
+                <a16:creationId xmlns="" xmlns:a16="http://schemas.microsoft.com/office/drawing/2014/main" id="{E5C5197A-7EE6-4B81-B23E-689160BB1836}"/>
+              </a:ext>
+            </a:extLst>
+          </p:cNvPr>
+          <p:cNvPicPr>
+            <a:picLocks noChangeAspect="1"/>
+          </p:cNvPicPr>
+          <p:nvPr/>
+        </p:nvPicPr>
+        <p:blipFill>
+          <a:blip r:embed="rId4"/>
+          <a:stretch>
+            <a:fillRect/>
+          </a:stretch>
+        </p:blipFill>
+        <p:spPr>
+          <a:xfrm>
+            <a:off x="2709529" y="5335599"/>
+            <a:ext cx="6915816" cy="952477"/>
+          </a:xfrm>
+          <a:prstGeom prst="rect">
+            <a:avLst/>
+          </a:prstGeom>
+        </p:spPr>
+      </p:pic>
+      <p:cxnSp>
+        <p:nvCxnSpPr>
+          <p:cNvPr id="9" name="Conector reto 8">
+            <a:extLst>
+              <a:ext uri="{FF2B5EF4-FFF2-40B4-BE49-F238E27FC236}">
+                <a16:creationId xmlns="" xmlns:a16="http://schemas.microsoft.com/office/drawing/2014/main" id="{0C5F8B4B-E280-4140-838E-B39EB5F7609A}"/>
               </a:ext>
             </a:extLst>
           </p:cNvPr>
@@ -5573,8 +6274,8 @@
         </p:nvCxnSpPr>
         <p:spPr>
           <a:xfrm flipH="1">
-            <a:off x="-177799" y="1905000"/>
-            <a:ext cx="5088466" cy="0"/>
+            <a:off x="0" y="1194120"/>
+            <a:ext cx="3797620" cy="0"/>
           </a:xfrm>
           <a:prstGeom prst="line">
             <a:avLst/>
@@ -5605,7 +6306,367 @@
           <p:cNvPr id="10" name="Conector reto 9">
             <a:extLst>
               <a:ext uri="{FF2B5EF4-FFF2-40B4-BE49-F238E27FC236}">
-                <a16:creationId xmlns:a16="http://schemas.microsoft.com/office/drawing/2014/main" xmlns="" id="{071EE150-6B18-471E-A02B-E6D14947807B}"/>
+                <a16:creationId xmlns="" xmlns:a16="http://schemas.microsoft.com/office/drawing/2014/main" id="{93CB148D-F7D0-4670-A07F-77B4494B35B4}"/>
+              </a:ext>
+            </a:extLst>
+          </p:cNvPr>
+          <p:cNvCxnSpPr>
+            <a:cxnSpLocks/>
+          </p:cNvCxnSpPr>
+          <p:nvPr/>
+        </p:nvCxnSpPr>
+        <p:spPr>
+          <a:xfrm flipH="1">
+            <a:off x="8259234" y="1194120"/>
+            <a:ext cx="3932766" cy="0"/>
+          </a:xfrm>
+          <a:prstGeom prst="line">
+            <a:avLst/>
+          </a:prstGeom>
+          <a:ln>
+            <a:solidFill>
+              <a:schemeClr val="tx1"/>
+            </a:solidFill>
+          </a:ln>
+        </p:spPr>
+        <p:style>
+          <a:lnRef idx="1">
+            <a:schemeClr val="accent1"/>
+          </a:lnRef>
+          <a:fillRef idx="0">
+            <a:schemeClr val="accent1"/>
+          </a:fillRef>
+          <a:effectRef idx="0">
+            <a:schemeClr val="accent1"/>
+          </a:effectRef>
+          <a:fontRef idx="minor">
+            <a:schemeClr val="tx1"/>
+          </a:fontRef>
+        </p:style>
+      </p:cxnSp>
+    </p:spTree>
+    <p:extLst>
+      <p:ext uri="{BB962C8B-B14F-4D97-AF65-F5344CB8AC3E}">
+        <p14:creationId xmlns:p14="http://schemas.microsoft.com/office/powerpoint/2010/main" val="3872737907"/>
+      </p:ext>
+    </p:extLst>
+  </p:cSld>
+  <p:clrMapOvr>
+    <a:masterClrMapping/>
+  </p:clrMapOvr>
+</p:sld>
+</file>
+
+<file path=ppt/slides/slide13.xml><?xml version="1.0" encoding="utf-8"?>
+<p:sld xmlns:a="http://schemas.openxmlformats.org/drawingml/2006/main" xmlns:r="http://schemas.openxmlformats.org/officeDocument/2006/relationships" xmlns:p="http://schemas.openxmlformats.org/presentationml/2006/main">
+  <p:cSld>
+    <p:spTree>
+      <p:nvGrpSpPr>
+        <p:cNvPr id="1" name=""/>
+        <p:cNvGrpSpPr/>
+        <p:nvPr/>
+      </p:nvGrpSpPr>
+      <p:grpSpPr>
+        <a:xfrm>
+          <a:off x="0" y="0"/>
+          <a:ext cx="0" cy="0"/>
+          <a:chOff x="0" y="0"/>
+          <a:chExt cx="0" cy="0"/>
+        </a:xfrm>
+      </p:grpSpPr>
+      <p:sp>
+        <p:nvSpPr>
+          <p:cNvPr id="7" name="Retângulo 6">
+            <a:extLst>
+              <a:ext uri="{FF2B5EF4-FFF2-40B4-BE49-F238E27FC236}">
+                <a16:creationId xmlns="" xmlns:a16="http://schemas.microsoft.com/office/drawing/2014/main" id="{5E0F7497-D302-4F68-8123-03414F2C6833}"/>
+              </a:ext>
+            </a:extLst>
+          </p:cNvPr>
+          <p:cNvSpPr/>
+          <p:nvPr/>
+        </p:nvSpPr>
+        <p:spPr>
+          <a:xfrm>
+            <a:off x="1704975" y="2558112"/>
+            <a:ext cx="8905875" cy="2032937"/>
+          </a:xfrm>
+          <a:prstGeom prst="rect">
+            <a:avLst/>
+          </a:prstGeom>
+          <a:solidFill>
+            <a:srgbClr val="67C7F2"/>
+          </a:solidFill>
+          <a:ln>
+            <a:noFill/>
+          </a:ln>
+        </p:spPr>
+        <p:style>
+          <a:lnRef idx="2">
+            <a:schemeClr val="accent1">
+              <a:shade val="50000"/>
+            </a:schemeClr>
+          </a:lnRef>
+          <a:fillRef idx="1">
+            <a:schemeClr val="accent1"/>
+          </a:fillRef>
+          <a:effectRef idx="0">
+            <a:schemeClr val="accent1"/>
+          </a:effectRef>
+          <a:fontRef idx="minor">
+            <a:schemeClr val="lt1"/>
+          </a:fontRef>
+        </p:style>
+        <p:txBody>
+          <a:bodyPr rtlCol="0" anchor="ctr"/>
+          <a:lstStyle/>
+          <a:p>
+            <a:pPr algn="ctr"/>
+            <a:endParaRPr lang="pt-BR" dirty="0"/>
+          </a:p>
+        </p:txBody>
+      </p:sp>
+      <p:sp>
+        <p:nvSpPr>
+          <p:cNvPr id="2" name="Título 1">
+            <a:extLst>
+              <a:ext uri="{FF2B5EF4-FFF2-40B4-BE49-F238E27FC236}">
+                <a16:creationId xmlns="" xmlns:a16="http://schemas.microsoft.com/office/drawing/2014/main" id="{E5407E68-547D-40FB-ADFC-29225BCA97FB}"/>
+              </a:ext>
+            </a:extLst>
+          </p:cNvPr>
+          <p:cNvSpPr>
+            <a:spLocks noGrp="1"/>
+          </p:cNvSpPr>
+          <p:nvPr>
+            <p:ph type="title"/>
+          </p:nvPr>
+        </p:nvSpPr>
+        <p:spPr>
+          <a:xfrm>
+            <a:off x="419100" y="373393"/>
+            <a:ext cx="11496675" cy="1325563"/>
+          </a:xfrm>
+        </p:spPr>
+        <p:txBody>
+          <a:bodyPr/>
+          <a:lstStyle/>
+          <a:p>
+            <a:pPr algn="ctr"/>
+            <a:r>
+              <a:rPr lang="pt-BR" dirty="0"/>
+              <a:t>EDITAL Nº 9, DE 26 DE MARÇO DE 2020</a:t>
+            </a:r>
+          </a:p>
+        </p:txBody>
+      </p:sp>
+      <p:sp>
+        <p:nvSpPr>
+          <p:cNvPr id="4" name="Espaço Reservado para Número de Slide 3">
+            <a:extLst>
+              <a:ext uri="{FF2B5EF4-FFF2-40B4-BE49-F238E27FC236}">
+                <a16:creationId xmlns="" xmlns:a16="http://schemas.microsoft.com/office/drawing/2014/main" id="{B251EF4B-4832-430A-9B53-231F361E70F5}"/>
+              </a:ext>
+            </a:extLst>
+          </p:cNvPr>
+          <p:cNvSpPr>
+            <a:spLocks noGrp="1"/>
+          </p:cNvSpPr>
+          <p:nvPr>
+            <p:ph type="sldNum" sz="quarter" idx="10"/>
+          </p:nvPr>
+        </p:nvSpPr>
+        <p:spPr/>
+        <p:txBody>
+          <a:bodyPr/>
+          <a:lstStyle/>
+          <a:p>
+            <a:fld id="{42B4FE49-DA0E-4E24-BB21-E8757AAD71F5}" type="slidenum">
+              <a:rPr lang="pt-BR" smtClean="0"/>
+              <a:pPr/>
+              <a:t>13</a:t>
+            </a:fld>
+            <a:endParaRPr lang="pt-BR" dirty="0"/>
+          </a:p>
+        </p:txBody>
+      </p:sp>
+      <p:sp>
+        <p:nvSpPr>
+          <p:cNvPr id="6" name="CaixaDeTexto 5">
+            <a:extLst>
+              <a:ext uri="{FF2B5EF4-FFF2-40B4-BE49-F238E27FC236}">
+                <a16:creationId xmlns="" xmlns:a16="http://schemas.microsoft.com/office/drawing/2014/main" id="{51FA5D3E-0952-4ABF-9964-6524675A944A}"/>
+              </a:ext>
+            </a:extLst>
+          </p:cNvPr>
+          <p:cNvSpPr txBox="1"/>
+          <p:nvPr/>
+        </p:nvSpPr>
+        <p:spPr>
+          <a:xfrm>
+            <a:off x="872064" y="1645481"/>
+            <a:ext cx="10278533" cy="1200329"/>
+          </a:xfrm>
+          <a:prstGeom prst="rect">
+            <a:avLst/>
+          </a:prstGeom>
+          <a:noFill/>
+        </p:spPr>
+        <p:txBody>
+          <a:bodyPr wrap="square">
+            <a:spAutoFit/>
+          </a:bodyPr>
+          <a:lstStyle/>
+          <a:p>
+            <a:pPr algn="ctr" rtl="0">
+              <a:spcBef>
+                <a:spcPts val="0"/>
+              </a:spcBef>
+              <a:spcAft>
+                <a:spcPts val="0"/>
+              </a:spcAft>
+            </a:pPr>
+            <a:r>
+              <a:rPr lang="pt-BR" sz="2400" b="0" dirty="0">
+                <a:effectLst/>
+              </a:rPr>
+              <a:t>Homologação</a:t>
+            </a:r>
+            <a:br>
+              <a:rPr lang="pt-BR" sz="2400" b="0" dirty="0">
+                <a:effectLst/>
+              </a:rPr>
+            </a:br>
+            <a:r>
+              <a:rPr lang="pt-BR" sz="2400" b="0" dirty="0">
+                <a:effectLst/>
+              </a:rPr>
+              <a:t/>
+            </a:r>
+            <a:br>
+              <a:rPr lang="pt-BR" sz="2400" b="0" dirty="0">
+                <a:effectLst/>
+              </a:rPr>
+            </a:br>
+            <a:endParaRPr lang="pt-BR" sz="2400" dirty="0"/>
+          </a:p>
+        </p:txBody>
+      </p:sp>
+      <p:sp>
+        <p:nvSpPr>
+          <p:cNvPr id="9" name="CaixaDeTexto 8">
+            <a:extLst>
+              <a:ext uri="{FF2B5EF4-FFF2-40B4-BE49-F238E27FC236}">
+                <a16:creationId xmlns="" xmlns:a16="http://schemas.microsoft.com/office/drawing/2014/main" id="{A32DB5FD-E24E-4C04-851E-C1CA2DE45BC8}"/>
+              </a:ext>
+            </a:extLst>
+          </p:cNvPr>
+          <p:cNvSpPr txBox="1"/>
+          <p:nvPr/>
+        </p:nvSpPr>
+        <p:spPr>
+          <a:xfrm>
+            <a:off x="1838323" y="2919745"/>
+            <a:ext cx="8515350" cy="1200329"/>
+          </a:xfrm>
+          <a:prstGeom prst="rect">
+            <a:avLst/>
+          </a:prstGeom>
+          <a:noFill/>
+        </p:spPr>
+        <p:txBody>
+          <a:bodyPr wrap="square">
+            <a:spAutoFit/>
+          </a:bodyPr>
+          <a:lstStyle/>
+          <a:p>
+            <a:r>
+              <a:rPr lang="pt-BR" b="1" dirty="0">
+                <a:solidFill>
+                  <a:schemeClr val="bg1"/>
+                </a:solidFill>
+              </a:rPr>
+              <a:t>9.3. A homologação pelo gestor está condicionada ao início das atividades pelo médico.</a:t>
+            </a:r>
+          </a:p>
+          <a:p>
+            <a:endParaRPr lang="pt-BR" b="1" dirty="0">
+              <a:solidFill>
+                <a:schemeClr val="bg1"/>
+              </a:solidFill>
+            </a:endParaRPr>
+          </a:p>
+          <a:p>
+            <a:r>
+              <a:rPr lang="pt-BR" b="1" dirty="0">
+                <a:solidFill>
+                  <a:schemeClr val="bg1"/>
+                </a:solidFill>
+              </a:rPr>
+              <a:t>9.10. Finalizado o período de homologação das vagas, o resultado final da alocação do</a:t>
+            </a:r>
+          </a:p>
+          <a:p>
+            <a:r>
+              <a:rPr lang="pt-BR" b="1" dirty="0">
+                <a:solidFill>
+                  <a:schemeClr val="bg1"/>
+                </a:solidFill>
+              </a:rPr>
+              <a:t>médico será publicado no endereço eletrônico http://maismedicos.gov.br</a:t>
+            </a:r>
+          </a:p>
+        </p:txBody>
+      </p:sp>
+      <p:cxnSp>
+        <p:nvCxnSpPr>
+          <p:cNvPr id="8" name="Conector reto 7">
+            <a:extLst>
+              <a:ext uri="{FF2B5EF4-FFF2-40B4-BE49-F238E27FC236}">
+                <a16:creationId xmlns="" xmlns:a16="http://schemas.microsoft.com/office/drawing/2014/main" id="{9885DA61-CAA6-41FC-9114-4B7DC6186EE6}"/>
+              </a:ext>
+            </a:extLst>
+          </p:cNvPr>
+          <p:cNvCxnSpPr>
+            <a:cxnSpLocks/>
+          </p:cNvCxnSpPr>
+          <p:nvPr/>
+        </p:nvCxnSpPr>
+        <p:spPr>
+          <a:xfrm flipH="1">
+            <a:off x="-177799" y="1905000"/>
+            <a:ext cx="5088466" cy="0"/>
+          </a:xfrm>
+          <a:prstGeom prst="line">
+            <a:avLst/>
+          </a:prstGeom>
+          <a:ln>
+            <a:solidFill>
+              <a:schemeClr val="tx1"/>
+            </a:solidFill>
+          </a:ln>
+        </p:spPr>
+        <p:style>
+          <a:lnRef idx="1">
+            <a:schemeClr val="accent1"/>
+          </a:lnRef>
+          <a:fillRef idx="0">
+            <a:schemeClr val="accent1"/>
+          </a:fillRef>
+          <a:effectRef idx="0">
+            <a:schemeClr val="accent1"/>
+          </a:effectRef>
+          <a:fontRef idx="minor">
+            <a:schemeClr val="tx1"/>
+          </a:fontRef>
+        </p:style>
+      </p:cxnSp>
+      <p:cxnSp>
+        <p:nvCxnSpPr>
+          <p:cNvPr id="10" name="Conector reto 9">
+            <a:extLst>
+              <a:ext uri="{FF2B5EF4-FFF2-40B4-BE49-F238E27FC236}">
+                <a16:creationId xmlns="" xmlns:a16="http://schemas.microsoft.com/office/drawing/2014/main" id="{071EE150-6B18-471E-A02B-E6D14947807B}"/>
               </a:ext>
             </a:extLst>
           </p:cNvPr>
@@ -5656,7 +6717,7 @@
 </p:sld>
 </file>
 
-<file path=ppt/slides/slide11.xml><?xml version="1.0" encoding="utf-8"?>
+<file path=ppt/slides/slide14.xml><?xml version="1.0" encoding="utf-8"?>
 <p:sld xmlns:a="http://schemas.openxmlformats.org/drawingml/2006/main" xmlns:r="http://schemas.openxmlformats.org/officeDocument/2006/relationships" xmlns:p="http://schemas.openxmlformats.org/presentationml/2006/main">
   <p:cSld>
     <p:spTree>
@@ -5678,7 +6739,7 @@
           <p:cNvPr id="2" name="Título 1">
             <a:extLst>
               <a:ext uri="{FF2B5EF4-FFF2-40B4-BE49-F238E27FC236}">
-                <a16:creationId xmlns:a16="http://schemas.microsoft.com/office/drawing/2014/main" xmlns="" id="{E5407E68-547D-40FB-ADFC-29225BCA97FB}"/>
+                <a16:creationId xmlns="" xmlns:a16="http://schemas.microsoft.com/office/drawing/2014/main" id="{E5407E68-547D-40FB-ADFC-29225BCA97FB}"/>
               </a:ext>
             </a:extLst>
           </p:cNvPr>
@@ -5712,7 +6773,7 @@
           <p:cNvPr id="4" name="Espaço Reservado para Número de Slide 3">
             <a:extLst>
               <a:ext uri="{FF2B5EF4-FFF2-40B4-BE49-F238E27FC236}">
-                <a16:creationId xmlns:a16="http://schemas.microsoft.com/office/drawing/2014/main" xmlns="" id="{B251EF4B-4832-430A-9B53-231F361E70F5}"/>
+                <a16:creationId xmlns="" xmlns:a16="http://schemas.microsoft.com/office/drawing/2014/main" id="{B251EF4B-4832-430A-9B53-231F361E70F5}"/>
               </a:ext>
             </a:extLst>
           </p:cNvPr>
@@ -5731,7 +6792,7 @@
             <a:fld id="{42B4FE49-DA0E-4E24-BB21-E8757AAD71F5}" type="slidenum">
               <a:rPr lang="pt-BR" smtClean="0"/>
               <a:pPr/>
-              <a:t>11</a:t>
+              <a:t>14</a:t>
             </a:fld>
             <a:endParaRPr lang="pt-BR" dirty="0"/>
           </a:p>
@@ -5742,7 +6803,7 @@
           <p:cNvPr id="6" name="CaixaDeTexto 5">
             <a:extLst>
               <a:ext uri="{FF2B5EF4-FFF2-40B4-BE49-F238E27FC236}">
-                <a16:creationId xmlns:a16="http://schemas.microsoft.com/office/drawing/2014/main" xmlns="" id="{51FA5D3E-0952-4ABF-9964-6524675A944A}"/>
+                <a16:creationId xmlns="" xmlns:a16="http://schemas.microsoft.com/office/drawing/2014/main" id="{51FA5D3E-0952-4ABF-9964-6524675A944A}"/>
               </a:ext>
             </a:extLst>
           </p:cNvPr>
@@ -5808,7 +6869,7 @@
           <p:cNvPr id="5" name="Imagem 4">
             <a:extLst>
               <a:ext uri="{FF2B5EF4-FFF2-40B4-BE49-F238E27FC236}">
-                <a16:creationId xmlns:a16="http://schemas.microsoft.com/office/drawing/2014/main" xmlns="" id="{BF277FD9-7616-495D-8D2A-0A7207C63ABC}"/>
+                <a16:creationId xmlns="" xmlns:a16="http://schemas.microsoft.com/office/drawing/2014/main" id="{BF277FD9-7616-495D-8D2A-0A7207C63ABC}"/>
               </a:ext>
             </a:extLst>
           </p:cNvPr>
@@ -5851,7 +6912,7 @@
           <p:cNvPr id="10" name="Imagem 9">
             <a:extLst>
               <a:ext uri="{FF2B5EF4-FFF2-40B4-BE49-F238E27FC236}">
-                <a16:creationId xmlns:a16="http://schemas.microsoft.com/office/drawing/2014/main" xmlns="" id="{6409CD67-C6D4-4B5A-B708-68E3228A4FD4}"/>
+                <a16:creationId xmlns="" xmlns:a16="http://schemas.microsoft.com/office/drawing/2014/main" id="{6409CD67-C6D4-4B5A-B708-68E3228A4FD4}"/>
               </a:ext>
             </a:extLst>
           </p:cNvPr>
@@ -5886,7 +6947,7 @@
           <p:cNvPr id="8" name="Retângulo 7">
             <a:extLst>
               <a:ext uri="{FF2B5EF4-FFF2-40B4-BE49-F238E27FC236}">
-                <a16:creationId xmlns:a16="http://schemas.microsoft.com/office/drawing/2014/main" xmlns="" id="{F1FAE7BE-5E1D-4CF6-9FDC-F48C03E19584}"/>
+                <a16:creationId xmlns="" xmlns:a16="http://schemas.microsoft.com/office/drawing/2014/main" id="{F1FAE7BE-5E1D-4CF6-9FDC-F48C03E19584}"/>
               </a:ext>
             </a:extLst>
           </p:cNvPr>
@@ -5937,1205 +6998,6 @@
     <p:extLst>
       <p:ext uri="{BB962C8B-B14F-4D97-AF65-F5344CB8AC3E}">
         <p14:creationId xmlns:p14="http://schemas.microsoft.com/office/powerpoint/2010/main" val="2723821767"/>
-      </p:ext>
-    </p:extLst>
-  </p:cSld>
-  <p:clrMapOvr>
-    <a:masterClrMapping/>
-  </p:clrMapOvr>
-</p:sld>
-</file>
-
-<file path=ppt/slides/slide12.xml><?xml version="1.0" encoding="utf-8"?>
-<p:sld xmlns:a="http://schemas.openxmlformats.org/drawingml/2006/main" xmlns:r="http://schemas.openxmlformats.org/officeDocument/2006/relationships" xmlns:p="http://schemas.openxmlformats.org/presentationml/2006/main">
-  <p:cSld>
-    <p:spTree>
-      <p:nvGrpSpPr>
-        <p:cNvPr id="1" name=""/>
-        <p:cNvGrpSpPr/>
-        <p:nvPr/>
-      </p:nvGrpSpPr>
-      <p:grpSpPr>
-        <a:xfrm>
-          <a:off x="0" y="0"/>
-          <a:ext cx="0" cy="0"/>
-          <a:chOff x="0" y="0"/>
-          <a:chExt cx="0" cy="0"/>
-        </a:xfrm>
-      </p:grpSpPr>
-      <p:sp>
-        <p:nvSpPr>
-          <p:cNvPr id="7" name="Retângulo 6">
-            <a:extLst>
-              <a:ext uri="{FF2B5EF4-FFF2-40B4-BE49-F238E27FC236}">
-                <a16:creationId xmlns:a16="http://schemas.microsoft.com/office/drawing/2014/main" xmlns="" id="{5E0F7497-D302-4F68-8123-03414F2C6833}"/>
-              </a:ext>
-            </a:extLst>
-          </p:cNvPr>
-          <p:cNvSpPr/>
-          <p:nvPr/>
-        </p:nvSpPr>
-        <p:spPr>
-          <a:xfrm>
-            <a:off x="1704975" y="2558112"/>
-            <a:ext cx="8905875" cy="2032937"/>
-          </a:xfrm>
-          <a:prstGeom prst="rect">
-            <a:avLst/>
-          </a:prstGeom>
-          <a:solidFill>
-            <a:srgbClr val="67C7F2"/>
-          </a:solidFill>
-          <a:ln>
-            <a:noFill/>
-          </a:ln>
-        </p:spPr>
-        <p:style>
-          <a:lnRef idx="2">
-            <a:schemeClr val="accent1">
-              <a:shade val="50000"/>
-            </a:schemeClr>
-          </a:lnRef>
-          <a:fillRef idx="1">
-            <a:schemeClr val="accent1"/>
-          </a:fillRef>
-          <a:effectRef idx="0">
-            <a:schemeClr val="accent1"/>
-          </a:effectRef>
-          <a:fontRef idx="minor">
-            <a:schemeClr val="lt1"/>
-          </a:fontRef>
-        </p:style>
-        <p:txBody>
-          <a:bodyPr rtlCol="0" anchor="ctr"/>
-          <a:lstStyle/>
-          <a:p>
-            <a:pPr algn="ctr"/>
-            <a:endParaRPr lang="pt-BR"/>
-          </a:p>
-        </p:txBody>
-      </p:sp>
-      <p:sp>
-        <p:nvSpPr>
-          <p:cNvPr id="2" name="Título 1">
-            <a:extLst>
-              <a:ext uri="{FF2B5EF4-FFF2-40B4-BE49-F238E27FC236}">
-                <a16:creationId xmlns:a16="http://schemas.microsoft.com/office/drawing/2014/main" xmlns="" id="{E5407E68-547D-40FB-ADFC-29225BCA97FB}"/>
-              </a:ext>
-            </a:extLst>
-          </p:cNvPr>
-          <p:cNvSpPr>
-            <a:spLocks noGrp="1"/>
-          </p:cNvSpPr>
-          <p:nvPr>
-            <p:ph type="title"/>
-          </p:nvPr>
-        </p:nvSpPr>
-        <p:spPr>
-          <a:xfrm>
-            <a:off x="419100" y="373393"/>
-            <a:ext cx="11496675" cy="1325563"/>
-          </a:xfrm>
-        </p:spPr>
-        <p:txBody>
-          <a:bodyPr/>
-          <a:lstStyle/>
-          <a:p>
-            <a:pPr algn="ctr"/>
-            <a:r>
-              <a:rPr lang="pt-BR" dirty="0"/>
-              <a:t>EDITAL Nº 5, DE 11 DE MARÇO DE 2020</a:t>
-            </a:r>
-          </a:p>
-        </p:txBody>
-      </p:sp>
-      <p:sp>
-        <p:nvSpPr>
-          <p:cNvPr id="4" name="Espaço Reservado para Número de Slide 3">
-            <a:extLst>
-              <a:ext uri="{FF2B5EF4-FFF2-40B4-BE49-F238E27FC236}">
-                <a16:creationId xmlns:a16="http://schemas.microsoft.com/office/drawing/2014/main" xmlns="" id="{B251EF4B-4832-430A-9B53-231F361E70F5}"/>
-              </a:ext>
-            </a:extLst>
-          </p:cNvPr>
-          <p:cNvSpPr>
-            <a:spLocks noGrp="1"/>
-          </p:cNvSpPr>
-          <p:nvPr>
-            <p:ph type="sldNum" sz="quarter" idx="10"/>
-          </p:nvPr>
-        </p:nvSpPr>
-        <p:spPr/>
-        <p:txBody>
-          <a:bodyPr/>
-          <a:lstStyle/>
-          <a:p>
-            <a:fld id="{42B4FE49-DA0E-4E24-BB21-E8757AAD71F5}" type="slidenum">
-              <a:rPr lang="pt-BR" smtClean="0"/>
-              <a:pPr/>
-              <a:t>12</a:t>
-            </a:fld>
-            <a:endParaRPr lang="pt-BR" dirty="0"/>
-          </a:p>
-        </p:txBody>
-      </p:sp>
-      <p:sp>
-        <p:nvSpPr>
-          <p:cNvPr id="6" name="CaixaDeTexto 5">
-            <a:extLst>
-              <a:ext uri="{FF2B5EF4-FFF2-40B4-BE49-F238E27FC236}">
-                <a16:creationId xmlns:a16="http://schemas.microsoft.com/office/drawing/2014/main" xmlns="" id="{51FA5D3E-0952-4ABF-9964-6524675A944A}"/>
-              </a:ext>
-            </a:extLst>
-          </p:cNvPr>
-          <p:cNvSpPr txBox="1"/>
-          <p:nvPr/>
-        </p:nvSpPr>
-        <p:spPr>
-          <a:xfrm>
-            <a:off x="956733" y="1667675"/>
-            <a:ext cx="10278533" cy="1200329"/>
-          </a:xfrm>
-          <a:prstGeom prst="rect">
-            <a:avLst/>
-          </a:prstGeom>
-          <a:noFill/>
-        </p:spPr>
-        <p:txBody>
-          <a:bodyPr wrap="square">
-            <a:spAutoFit/>
-          </a:bodyPr>
-          <a:lstStyle/>
-          <a:p>
-            <a:pPr algn="ctr" rtl="0">
-              <a:spcBef>
-                <a:spcPts val="0"/>
-              </a:spcBef>
-              <a:spcAft>
-                <a:spcPts val="0"/>
-              </a:spcAft>
-            </a:pPr>
-            <a:r>
-              <a:rPr lang="pt-BR" sz="2400" dirty="0"/>
-              <a:t>Critérios de desempate</a:t>
-            </a:r>
-            <a:r>
-              <a:rPr lang="pt-BR" sz="2400" b="0" dirty="0">
-                <a:effectLst/>
-              </a:rPr>
-              <a:t/>
-            </a:r>
-            <a:br>
-              <a:rPr lang="pt-BR" sz="2400" b="0" dirty="0">
-                <a:effectLst/>
-              </a:rPr>
-            </a:br>
-            <a:r>
-              <a:rPr lang="pt-BR" sz="2400" b="0" dirty="0">
-                <a:effectLst/>
-              </a:rPr>
-              <a:t/>
-            </a:r>
-            <a:br>
-              <a:rPr lang="pt-BR" sz="2400" b="0" dirty="0">
-                <a:effectLst/>
-              </a:rPr>
-            </a:br>
-            <a:endParaRPr lang="pt-BR" sz="2400" dirty="0"/>
-          </a:p>
-        </p:txBody>
-      </p:sp>
-      <p:sp>
-        <p:nvSpPr>
-          <p:cNvPr id="9" name="CaixaDeTexto 8">
-            <a:extLst>
-              <a:ext uri="{FF2B5EF4-FFF2-40B4-BE49-F238E27FC236}">
-                <a16:creationId xmlns:a16="http://schemas.microsoft.com/office/drawing/2014/main" xmlns="" id="{A32DB5FD-E24E-4C04-851E-C1CA2DE45BC8}"/>
-              </a:ext>
-            </a:extLst>
-          </p:cNvPr>
-          <p:cNvSpPr txBox="1"/>
-          <p:nvPr/>
-        </p:nvSpPr>
-        <p:spPr>
-          <a:xfrm>
-            <a:off x="1900237" y="2697417"/>
-            <a:ext cx="8515350" cy="1754326"/>
-          </a:xfrm>
-          <a:prstGeom prst="rect">
-            <a:avLst/>
-          </a:prstGeom>
-          <a:noFill/>
-        </p:spPr>
-        <p:txBody>
-          <a:bodyPr wrap="square">
-            <a:spAutoFit/>
-          </a:bodyPr>
-          <a:lstStyle/>
-          <a:p>
-            <a:r>
-              <a:rPr lang="pt-BR" b="1" dirty="0">
-                <a:solidFill>
-                  <a:schemeClr val="bg1"/>
-                </a:solidFill>
-              </a:rPr>
-              <a:t>a) candidatos que já atuaram no Projeto Mais Médicos para o Brasil e que tenham concluído satisfatoriamente a Especialização em Medicina da Família e Comunidade;</a:t>
-            </a:r>
-          </a:p>
-          <a:p>
-            <a:endParaRPr lang="pt-BR" b="1" dirty="0">
-              <a:solidFill>
-                <a:schemeClr val="bg1"/>
-              </a:solidFill>
-            </a:endParaRPr>
-          </a:p>
-          <a:p>
-            <a:r>
-              <a:rPr lang="pt-BR" b="1" dirty="0">
-                <a:solidFill>
-                  <a:schemeClr val="bg1"/>
-                </a:solidFill>
-              </a:rPr>
-              <a:t>b) possuir maior idade, considerados o dia, mês e ano de nascimento; e</a:t>
-            </a:r>
-          </a:p>
-          <a:p>
-            <a:endParaRPr lang="pt-BR" b="1" dirty="0">
-              <a:solidFill>
-                <a:schemeClr val="bg1"/>
-              </a:solidFill>
-            </a:endParaRPr>
-          </a:p>
-          <a:p>
-            <a:r>
-              <a:rPr lang="pt-BR" b="1" dirty="0">
-                <a:solidFill>
-                  <a:schemeClr val="bg1"/>
-                </a:solidFill>
-              </a:rPr>
-              <a:t>c) maior tempo de formação em medicina, considerando o mês e o ano.</a:t>
-            </a:r>
-          </a:p>
-        </p:txBody>
-      </p:sp>
-      <p:pic>
-        <p:nvPicPr>
-          <p:cNvPr id="5" name="Imagem 4">
-            <a:extLst>
-              <a:ext uri="{FF2B5EF4-FFF2-40B4-BE49-F238E27FC236}">
-                <a16:creationId xmlns:a16="http://schemas.microsoft.com/office/drawing/2014/main" xmlns="" id="{F259DF46-C33C-4A19-A269-1A37F1A956EE}"/>
-              </a:ext>
-            </a:extLst>
-          </p:cNvPr>
-          <p:cNvPicPr>
-            <a:picLocks noChangeAspect="1"/>
-          </p:cNvPicPr>
-          <p:nvPr/>
-        </p:nvPicPr>
-        <p:blipFill rotWithShape="1">
-          <a:blip r:embed="rId2">
-            <a:extLst>
-              <a:ext uri="{28A0092B-C50C-407E-A947-70E740481C1C}">
-                <a14:useLocalDpi xmlns:a14="http://schemas.microsoft.com/office/drawing/2010/main" val="0"/>
-              </a:ext>
-            </a:extLst>
-          </a:blip>
-          <a:srcRect t="24493"/>
-          <a:stretch/>
-        </p:blipFill>
-        <p:spPr>
-          <a:xfrm>
-            <a:off x="5135034" y="4716283"/>
-            <a:ext cx="1921932" cy="1549456"/>
-          </a:xfrm>
-          <a:prstGeom prst="rect">
-            <a:avLst/>
-          </a:prstGeom>
-        </p:spPr>
-      </p:pic>
-      <p:cxnSp>
-        <p:nvCxnSpPr>
-          <p:cNvPr id="10" name="Conector reto 9">
-            <a:extLst>
-              <a:ext uri="{FF2B5EF4-FFF2-40B4-BE49-F238E27FC236}">
-                <a16:creationId xmlns:a16="http://schemas.microsoft.com/office/drawing/2014/main" xmlns="" id="{863ED132-1CFD-4B6E-9EC7-E7A9D8A31099}"/>
-              </a:ext>
-            </a:extLst>
-          </p:cNvPr>
-          <p:cNvCxnSpPr/>
-          <p:nvPr/>
-        </p:nvCxnSpPr>
-        <p:spPr>
-          <a:xfrm flipH="1">
-            <a:off x="-177800" y="1905000"/>
-            <a:ext cx="4690533" cy="0"/>
-          </a:xfrm>
-          <a:prstGeom prst="line">
-            <a:avLst/>
-          </a:prstGeom>
-          <a:ln>
-            <a:solidFill>
-              <a:schemeClr val="tx1"/>
-            </a:solidFill>
-          </a:ln>
-        </p:spPr>
-        <p:style>
-          <a:lnRef idx="1">
-            <a:schemeClr val="accent1"/>
-          </a:lnRef>
-          <a:fillRef idx="0">
-            <a:schemeClr val="accent1"/>
-          </a:fillRef>
-          <a:effectRef idx="0">
-            <a:schemeClr val="accent1"/>
-          </a:effectRef>
-          <a:fontRef idx="minor">
-            <a:schemeClr val="tx1"/>
-          </a:fontRef>
-        </p:style>
-      </p:cxnSp>
-      <p:cxnSp>
-        <p:nvCxnSpPr>
-          <p:cNvPr id="14" name="Conector reto 13">
-            <a:extLst>
-              <a:ext uri="{FF2B5EF4-FFF2-40B4-BE49-F238E27FC236}">
-                <a16:creationId xmlns:a16="http://schemas.microsoft.com/office/drawing/2014/main" xmlns="" id="{7080E6B4-42C5-4D2F-88E5-5F25701B64F7}"/>
-              </a:ext>
-            </a:extLst>
-          </p:cNvPr>
-          <p:cNvCxnSpPr/>
-          <p:nvPr/>
-        </p:nvCxnSpPr>
-        <p:spPr>
-          <a:xfrm flipH="1">
-            <a:off x="7653867" y="1905000"/>
-            <a:ext cx="4690533" cy="0"/>
-          </a:xfrm>
-          <a:prstGeom prst="line">
-            <a:avLst/>
-          </a:prstGeom>
-          <a:ln>
-            <a:solidFill>
-              <a:schemeClr val="tx1"/>
-            </a:solidFill>
-          </a:ln>
-        </p:spPr>
-        <p:style>
-          <a:lnRef idx="1">
-            <a:schemeClr val="accent1"/>
-          </a:lnRef>
-          <a:fillRef idx="0">
-            <a:schemeClr val="accent1"/>
-          </a:fillRef>
-          <a:effectRef idx="0">
-            <a:schemeClr val="accent1"/>
-          </a:effectRef>
-          <a:fontRef idx="minor">
-            <a:schemeClr val="tx1"/>
-          </a:fontRef>
-        </p:style>
-      </p:cxnSp>
-    </p:spTree>
-    <p:extLst>
-      <p:ext uri="{BB962C8B-B14F-4D97-AF65-F5344CB8AC3E}">
-        <p14:creationId xmlns:p14="http://schemas.microsoft.com/office/powerpoint/2010/main" val="1432902056"/>
-      </p:ext>
-    </p:extLst>
-  </p:cSld>
-  <p:clrMapOvr>
-    <a:masterClrMapping/>
-  </p:clrMapOvr>
-</p:sld>
-</file>
-
-<file path=ppt/slides/slide13.xml><?xml version="1.0" encoding="utf-8"?>
-<p:sld xmlns:a="http://schemas.openxmlformats.org/drawingml/2006/main" xmlns:r="http://schemas.openxmlformats.org/officeDocument/2006/relationships" xmlns:p="http://schemas.openxmlformats.org/presentationml/2006/main">
-  <p:cSld>
-    <p:spTree>
-      <p:nvGrpSpPr>
-        <p:cNvPr id="1" name=""/>
-        <p:cNvGrpSpPr/>
-        <p:nvPr/>
-      </p:nvGrpSpPr>
-      <p:grpSpPr>
-        <a:xfrm>
-          <a:off x="0" y="0"/>
-          <a:ext cx="0" cy="0"/>
-          <a:chOff x="0" y="0"/>
-          <a:chExt cx="0" cy="0"/>
-        </a:xfrm>
-      </p:grpSpPr>
-      <p:sp>
-        <p:nvSpPr>
-          <p:cNvPr id="2" name="Título 1">
-            <a:extLst>
-              <a:ext uri="{FF2B5EF4-FFF2-40B4-BE49-F238E27FC236}">
-                <a16:creationId xmlns:a16="http://schemas.microsoft.com/office/drawing/2014/main" xmlns="" id="{E5407E68-547D-40FB-ADFC-29225BCA97FB}"/>
-              </a:ext>
-            </a:extLst>
-          </p:cNvPr>
-          <p:cNvSpPr>
-            <a:spLocks noGrp="1"/>
-          </p:cNvSpPr>
-          <p:nvPr>
-            <p:ph type="title"/>
-          </p:nvPr>
-        </p:nvSpPr>
-        <p:spPr>
-          <a:xfrm>
-            <a:off x="333274" y="361952"/>
-            <a:ext cx="11286067" cy="1325563"/>
-          </a:xfrm>
-        </p:spPr>
-        <p:txBody>
-          <a:bodyPr/>
-          <a:lstStyle/>
-          <a:p>
-            <a:pPr algn="ctr"/>
-            <a:r>
-              <a:rPr lang="pt-BR" dirty="0"/>
-              <a:t>LEI Nº 14.621, DE 14 DE JULHO DE 2023</a:t>
-            </a:r>
-          </a:p>
-        </p:txBody>
-      </p:sp>
-      <p:sp>
-        <p:nvSpPr>
-          <p:cNvPr id="4" name="Espaço Reservado para Número de Slide 3">
-            <a:extLst>
-              <a:ext uri="{FF2B5EF4-FFF2-40B4-BE49-F238E27FC236}">
-                <a16:creationId xmlns:a16="http://schemas.microsoft.com/office/drawing/2014/main" xmlns="" id="{B251EF4B-4832-430A-9B53-231F361E70F5}"/>
-              </a:ext>
-            </a:extLst>
-          </p:cNvPr>
-          <p:cNvSpPr>
-            <a:spLocks noGrp="1"/>
-          </p:cNvSpPr>
-          <p:nvPr>
-            <p:ph type="sldNum" sz="quarter" idx="10"/>
-          </p:nvPr>
-        </p:nvSpPr>
-        <p:spPr/>
-        <p:txBody>
-          <a:bodyPr/>
-          <a:lstStyle/>
-          <a:p>
-            <a:fld id="{42B4FE49-DA0E-4E24-BB21-E8757AAD71F5}" type="slidenum">
-              <a:rPr lang="pt-BR" smtClean="0"/>
-              <a:pPr/>
-              <a:t>13</a:t>
-            </a:fld>
-            <a:endParaRPr lang="pt-BR" dirty="0"/>
-          </a:p>
-        </p:txBody>
-      </p:sp>
-      <p:sp>
-        <p:nvSpPr>
-          <p:cNvPr id="7" name="CaixaDeTexto 6">
-            <a:extLst>
-              <a:ext uri="{FF2B5EF4-FFF2-40B4-BE49-F238E27FC236}">
-                <a16:creationId xmlns:a16="http://schemas.microsoft.com/office/drawing/2014/main" xmlns="" id="{875E6116-A1D4-4C06-8451-B1ED7DE07F79}"/>
-              </a:ext>
-            </a:extLst>
-          </p:cNvPr>
-          <p:cNvSpPr txBox="1"/>
-          <p:nvPr/>
-        </p:nvSpPr>
-        <p:spPr>
-          <a:xfrm>
-            <a:off x="333274" y="1102740"/>
-            <a:ext cx="11709639" cy="738664"/>
-          </a:xfrm>
-          <a:prstGeom prst="rect">
-            <a:avLst/>
-          </a:prstGeom>
-          <a:noFill/>
-        </p:spPr>
-        <p:txBody>
-          <a:bodyPr wrap="square">
-            <a:spAutoFit/>
-          </a:bodyPr>
-          <a:lstStyle/>
-          <a:p>
-            <a:pPr algn="ctr" rtl="0">
-              <a:spcBef>
-                <a:spcPts val="0"/>
-              </a:spcBef>
-              <a:spcAft>
-                <a:spcPts val="0"/>
-              </a:spcAft>
-            </a:pPr>
-            <a:r>
-              <a:rPr lang="pt-BR" sz="2400" b="0" i="0" u="none" strike="noStrike" dirty="0">
-                <a:solidFill>
-                  <a:srgbClr val="000000"/>
-                </a:solidFill>
-                <a:effectLst/>
-                <a:latin typeface="Arial" panose="020B0604020202020204" pitchFamily="34" charset="0"/>
-              </a:rPr>
-              <a:t>“Retomada” do Programa Mais Médicos para o Brasil.</a:t>
-            </a:r>
-            <a:r>
-              <a:rPr lang="pt-BR" b="0" dirty="0">
-                <a:effectLst/>
-              </a:rPr>
-              <a:t/>
-            </a:r>
-            <a:br>
-              <a:rPr lang="pt-BR" b="0" dirty="0">
-                <a:effectLst/>
-              </a:rPr>
-            </a:br>
-            <a:endParaRPr lang="pt-BR" dirty="0"/>
-          </a:p>
-        </p:txBody>
-      </p:sp>
-      <p:cxnSp>
-        <p:nvCxnSpPr>
-          <p:cNvPr id="10" name="Conector reto 9">
-            <a:extLst>
-              <a:ext uri="{FF2B5EF4-FFF2-40B4-BE49-F238E27FC236}">
-                <a16:creationId xmlns:a16="http://schemas.microsoft.com/office/drawing/2014/main" xmlns="" id="{500C1D4A-6CA1-4918-9D0C-A6C7752B7263}"/>
-              </a:ext>
-            </a:extLst>
-          </p:cNvPr>
-          <p:cNvCxnSpPr/>
-          <p:nvPr/>
-        </p:nvCxnSpPr>
-        <p:spPr>
-          <a:xfrm>
-            <a:off x="327444" y="1877667"/>
-            <a:ext cx="11537111" cy="0"/>
-          </a:xfrm>
-          <a:prstGeom prst="line">
-            <a:avLst/>
-          </a:prstGeom>
-          <a:ln w="19050">
-            <a:solidFill>
-              <a:schemeClr val="tx1"/>
-            </a:solidFill>
-          </a:ln>
-        </p:spPr>
-        <p:style>
-          <a:lnRef idx="1">
-            <a:schemeClr val="accent1"/>
-          </a:lnRef>
-          <a:fillRef idx="0">
-            <a:schemeClr val="accent1"/>
-          </a:fillRef>
-          <a:effectRef idx="0">
-            <a:schemeClr val="accent1"/>
-          </a:effectRef>
-          <a:fontRef idx="minor">
-            <a:schemeClr val="tx1"/>
-          </a:fontRef>
-        </p:style>
-      </p:cxnSp>
-      <p:cxnSp>
-        <p:nvCxnSpPr>
-          <p:cNvPr id="14" name="Conector reto 13">
-            <a:extLst>
-              <a:ext uri="{FF2B5EF4-FFF2-40B4-BE49-F238E27FC236}">
-                <a16:creationId xmlns:a16="http://schemas.microsoft.com/office/drawing/2014/main" xmlns="" id="{CAF07FCD-2206-4ECE-87FD-E01D375737E0}"/>
-              </a:ext>
-            </a:extLst>
-          </p:cNvPr>
-          <p:cNvCxnSpPr/>
-          <p:nvPr/>
-        </p:nvCxnSpPr>
-        <p:spPr>
-          <a:xfrm>
-            <a:off x="350089" y="5656053"/>
-            <a:ext cx="11537111" cy="0"/>
-          </a:xfrm>
-          <a:prstGeom prst="line">
-            <a:avLst/>
-          </a:prstGeom>
-          <a:ln w="19050">
-            <a:solidFill>
-              <a:schemeClr val="tx1"/>
-            </a:solidFill>
-          </a:ln>
-        </p:spPr>
-        <p:style>
-          <a:lnRef idx="1">
-            <a:schemeClr val="accent1"/>
-          </a:lnRef>
-          <a:fillRef idx="0">
-            <a:schemeClr val="accent1"/>
-          </a:fillRef>
-          <a:effectRef idx="0">
-            <a:schemeClr val="accent1"/>
-          </a:effectRef>
-          <a:fontRef idx="minor">
-            <a:schemeClr val="tx1"/>
-          </a:fontRef>
-        </p:style>
-      </p:cxnSp>
-      <p:pic>
-        <p:nvPicPr>
-          <p:cNvPr id="6" name="Imagem 5">
-            <a:extLst>
-              <a:ext uri="{FF2B5EF4-FFF2-40B4-BE49-F238E27FC236}">
-                <a16:creationId xmlns:a16="http://schemas.microsoft.com/office/drawing/2014/main" xmlns="" id="{7196FE7D-F35C-4E73-8AD8-6AFBE10F21C9}"/>
-              </a:ext>
-            </a:extLst>
-          </p:cNvPr>
-          <p:cNvPicPr>
-            <a:picLocks noChangeAspect="1"/>
-          </p:cNvPicPr>
-          <p:nvPr/>
-        </p:nvPicPr>
-        <p:blipFill>
-          <a:blip r:embed="rId2">
-            <a:extLst>
-              <a:ext uri="{28A0092B-C50C-407E-A947-70E740481C1C}">
-                <a14:useLocalDpi xmlns:a14="http://schemas.microsoft.com/office/drawing/2010/main" val="0"/>
-              </a:ext>
-            </a:extLst>
-          </a:blip>
-          <a:stretch>
-            <a:fillRect/>
-          </a:stretch>
-        </p:blipFill>
-        <p:spPr>
-          <a:xfrm>
-            <a:off x="3237871" y="2172272"/>
-            <a:ext cx="5476875" cy="3213100"/>
-          </a:xfrm>
-          <a:prstGeom prst="rect">
-            <a:avLst/>
-          </a:prstGeom>
-        </p:spPr>
-      </p:pic>
-      <p:sp>
-        <p:nvSpPr>
-          <p:cNvPr id="11" name="CaixaDeTexto 10">
-            <a:extLst>
-              <a:ext uri="{FF2B5EF4-FFF2-40B4-BE49-F238E27FC236}">
-                <a16:creationId xmlns:a16="http://schemas.microsoft.com/office/drawing/2014/main" xmlns="" id="{08EADC39-F10A-4669-8C70-79A7D56B594B}"/>
-              </a:ext>
-            </a:extLst>
-          </p:cNvPr>
-          <p:cNvSpPr txBox="1"/>
-          <p:nvPr/>
-        </p:nvSpPr>
-        <p:spPr>
-          <a:xfrm>
-            <a:off x="419100" y="6399510"/>
-            <a:ext cx="11468100" cy="276999"/>
-          </a:xfrm>
-          <a:prstGeom prst="rect">
-            <a:avLst/>
-          </a:prstGeom>
-          <a:noFill/>
-        </p:spPr>
-        <p:txBody>
-          <a:bodyPr wrap="square">
-            <a:spAutoFit/>
-          </a:bodyPr>
-          <a:lstStyle/>
-          <a:p>
-            <a:pPr rtl="0">
-              <a:spcBef>
-                <a:spcPts val="0"/>
-              </a:spcBef>
-              <a:spcAft>
-                <a:spcPts val="0"/>
-              </a:spcAft>
-            </a:pPr>
-            <a:r>
-              <a:rPr lang="pt-BR" sz="1200" b="0" i="0" u="none" strike="noStrike" dirty="0">
-                <a:solidFill>
-                  <a:srgbClr val="FFFFFF"/>
-                </a:solidFill>
-                <a:effectLst/>
-                <a:latin typeface="Avenir"/>
-              </a:rPr>
-              <a:t>Foto: Ricardo </a:t>
-            </a:r>
-            <a:r>
-              <a:rPr lang="pt-BR" sz="1200" b="0" i="0" u="none" strike="noStrike" dirty="0" err="1">
-                <a:solidFill>
-                  <a:srgbClr val="FFFFFF"/>
-                </a:solidFill>
-                <a:effectLst/>
-                <a:latin typeface="Avenir"/>
-              </a:rPr>
-              <a:t>Stuckert</a:t>
-            </a:r>
-            <a:r>
-              <a:rPr lang="pt-BR" sz="1200" b="0" i="0" u="none" strike="noStrike" dirty="0">
-                <a:solidFill>
-                  <a:srgbClr val="FFFFFF"/>
-                </a:solidFill>
-                <a:effectLst/>
-                <a:latin typeface="Avenir"/>
-              </a:rPr>
-              <a:t>/PR</a:t>
-            </a:r>
-            <a:endParaRPr lang="pt-BR" sz="1200" b="0" dirty="0">
-              <a:effectLst/>
-            </a:endParaRPr>
-          </a:p>
-        </p:txBody>
-      </p:sp>
-    </p:spTree>
-    <p:extLst>
-      <p:ext uri="{BB962C8B-B14F-4D97-AF65-F5344CB8AC3E}">
-        <p14:creationId xmlns:p14="http://schemas.microsoft.com/office/powerpoint/2010/main" val="1768915570"/>
-      </p:ext>
-    </p:extLst>
-  </p:cSld>
-  <p:clrMapOvr>
-    <a:masterClrMapping/>
-  </p:clrMapOvr>
-</p:sld>
-</file>
-
-<file path=ppt/slides/slide14.xml><?xml version="1.0" encoding="utf-8"?>
-<p:sld xmlns:a="http://schemas.openxmlformats.org/drawingml/2006/main" xmlns:r="http://schemas.openxmlformats.org/officeDocument/2006/relationships" xmlns:p="http://schemas.openxmlformats.org/presentationml/2006/main">
-  <p:cSld>
-    <p:spTree>
-      <p:nvGrpSpPr>
-        <p:cNvPr id="1" name=""/>
-        <p:cNvGrpSpPr/>
-        <p:nvPr/>
-      </p:nvGrpSpPr>
-      <p:grpSpPr>
-        <a:xfrm>
-          <a:off x="0" y="0"/>
-          <a:ext cx="0" cy="0"/>
-          <a:chOff x="0" y="0"/>
-          <a:chExt cx="0" cy="0"/>
-        </a:xfrm>
-      </p:grpSpPr>
-      <p:sp>
-        <p:nvSpPr>
-          <p:cNvPr id="7" name="Retângulo 6">
-            <a:extLst>
-              <a:ext uri="{FF2B5EF4-FFF2-40B4-BE49-F238E27FC236}">
-                <a16:creationId xmlns:a16="http://schemas.microsoft.com/office/drawing/2014/main" xmlns="" id="{5E0F7497-D302-4F68-8123-03414F2C6833}"/>
-              </a:ext>
-            </a:extLst>
-          </p:cNvPr>
-          <p:cNvSpPr/>
-          <p:nvPr/>
-        </p:nvSpPr>
-        <p:spPr>
-          <a:xfrm>
-            <a:off x="1704975" y="2558112"/>
-            <a:ext cx="8905875" cy="2032937"/>
-          </a:xfrm>
-          <a:prstGeom prst="rect">
-            <a:avLst/>
-          </a:prstGeom>
-          <a:solidFill>
-            <a:srgbClr val="67C7F2"/>
-          </a:solidFill>
-          <a:ln>
-            <a:noFill/>
-          </a:ln>
-        </p:spPr>
-        <p:style>
-          <a:lnRef idx="2">
-            <a:schemeClr val="accent1">
-              <a:shade val="50000"/>
-            </a:schemeClr>
-          </a:lnRef>
-          <a:fillRef idx="1">
-            <a:schemeClr val="accent1"/>
-          </a:fillRef>
-          <a:effectRef idx="0">
-            <a:schemeClr val="accent1"/>
-          </a:effectRef>
-          <a:fontRef idx="minor">
-            <a:schemeClr val="lt1"/>
-          </a:fontRef>
-        </p:style>
-        <p:txBody>
-          <a:bodyPr rtlCol="0" anchor="ctr"/>
-          <a:lstStyle/>
-          <a:p>
-            <a:pPr algn="ctr"/>
-            <a:endParaRPr lang="pt-BR"/>
-          </a:p>
-        </p:txBody>
-      </p:sp>
-      <p:sp>
-        <p:nvSpPr>
-          <p:cNvPr id="2" name="Título 1">
-            <a:extLst>
-              <a:ext uri="{FF2B5EF4-FFF2-40B4-BE49-F238E27FC236}">
-                <a16:creationId xmlns:a16="http://schemas.microsoft.com/office/drawing/2014/main" xmlns="" id="{E5407E68-547D-40FB-ADFC-29225BCA97FB}"/>
-              </a:ext>
-            </a:extLst>
-          </p:cNvPr>
-          <p:cNvSpPr>
-            <a:spLocks noGrp="1"/>
-          </p:cNvSpPr>
-          <p:nvPr>
-            <p:ph type="title"/>
-          </p:nvPr>
-        </p:nvSpPr>
-        <p:spPr>
-          <a:xfrm>
-            <a:off x="419100" y="373393"/>
-            <a:ext cx="11496675" cy="1325563"/>
-          </a:xfrm>
-        </p:spPr>
-        <p:txBody>
-          <a:bodyPr/>
-          <a:lstStyle/>
-          <a:p>
-            <a:pPr algn="ctr"/>
-            <a:r>
-              <a:rPr lang="pt-BR" dirty="0"/>
-              <a:t>EDITAL Nº 5, DE 19 DE MAIO DE 2023</a:t>
-            </a:r>
-          </a:p>
-        </p:txBody>
-      </p:sp>
-      <p:sp>
-        <p:nvSpPr>
-          <p:cNvPr id="4" name="Espaço Reservado para Número de Slide 3">
-            <a:extLst>
-              <a:ext uri="{FF2B5EF4-FFF2-40B4-BE49-F238E27FC236}">
-                <a16:creationId xmlns:a16="http://schemas.microsoft.com/office/drawing/2014/main" xmlns="" id="{B251EF4B-4832-430A-9B53-231F361E70F5}"/>
-              </a:ext>
-            </a:extLst>
-          </p:cNvPr>
-          <p:cNvSpPr>
-            <a:spLocks noGrp="1"/>
-          </p:cNvSpPr>
-          <p:nvPr>
-            <p:ph type="sldNum" sz="quarter" idx="10"/>
-          </p:nvPr>
-        </p:nvSpPr>
-        <p:spPr/>
-        <p:txBody>
-          <a:bodyPr/>
-          <a:lstStyle/>
-          <a:p>
-            <a:fld id="{42B4FE49-DA0E-4E24-BB21-E8757AAD71F5}" type="slidenum">
-              <a:rPr lang="pt-BR" smtClean="0"/>
-              <a:pPr/>
-              <a:t>14</a:t>
-            </a:fld>
-            <a:endParaRPr lang="pt-BR" dirty="0"/>
-          </a:p>
-        </p:txBody>
-      </p:sp>
-      <p:sp>
-        <p:nvSpPr>
-          <p:cNvPr id="9" name="CaixaDeTexto 8">
-            <a:extLst>
-              <a:ext uri="{FF2B5EF4-FFF2-40B4-BE49-F238E27FC236}">
-                <a16:creationId xmlns:a16="http://schemas.microsoft.com/office/drawing/2014/main" xmlns="" id="{A32DB5FD-E24E-4C04-851E-C1CA2DE45BC8}"/>
-              </a:ext>
-            </a:extLst>
-          </p:cNvPr>
-          <p:cNvSpPr txBox="1"/>
-          <p:nvPr/>
-        </p:nvSpPr>
-        <p:spPr>
-          <a:xfrm>
-            <a:off x="1838324" y="2709877"/>
-            <a:ext cx="8515350" cy="1754326"/>
-          </a:xfrm>
-          <a:prstGeom prst="rect">
-            <a:avLst/>
-          </a:prstGeom>
-          <a:noFill/>
-        </p:spPr>
-        <p:txBody>
-          <a:bodyPr wrap="square">
-            <a:spAutoFit/>
-          </a:bodyPr>
-          <a:lstStyle/>
-          <a:p>
-            <a:r>
-              <a:rPr lang="pt-BR" b="1" dirty="0">
-                <a:solidFill>
-                  <a:schemeClr val="bg1"/>
-                </a:solidFill>
-              </a:rPr>
-              <a:t>Perfil 1: médicos formados em instituições de educação superior brasileiras ou com diploma revalidado no País, com registro no Conselho Regional de Medicina - CRM;</a:t>
-            </a:r>
-          </a:p>
-          <a:p>
-            <a:endParaRPr lang="pt-BR" b="1" dirty="0">
-              <a:solidFill>
-                <a:schemeClr val="bg1"/>
-              </a:solidFill>
-            </a:endParaRPr>
-          </a:p>
-          <a:p>
-            <a:r>
-              <a:rPr lang="pt-BR" b="1" dirty="0">
-                <a:solidFill>
-                  <a:schemeClr val="bg1"/>
-                </a:solidFill>
-              </a:rPr>
-              <a:t>Perfil 2: médicos brasileiros com habilitação para exercício da Medicina no exterior; e</a:t>
-            </a:r>
-          </a:p>
-          <a:p>
-            <a:endParaRPr lang="pt-BR" b="1" dirty="0">
-              <a:solidFill>
-                <a:schemeClr val="bg1"/>
-              </a:solidFill>
-            </a:endParaRPr>
-          </a:p>
-          <a:p>
-            <a:r>
-              <a:rPr lang="pt-BR" b="1" dirty="0">
-                <a:solidFill>
-                  <a:schemeClr val="bg1"/>
-                </a:solidFill>
-              </a:rPr>
-              <a:t>Perfil 3: médicos estrangeiros com habilitação para exercício de medicina no exterior.</a:t>
-            </a:r>
-          </a:p>
-        </p:txBody>
-      </p:sp>
-      <p:pic>
-        <p:nvPicPr>
-          <p:cNvPr id="5" name="Imagem 4">
-            <a:extLst>
-              <a:ext uri="{FF2B5EF4-FFF2-40B4-BE49-F238E27FC236}">
-                <a16:creationId xmlns:a16="http://schemas.microsoft.com/office/drawing/2014/main" xmlns="" id="{05F67C67-DA67-4FF1-A286-CF17F0405004}"/>
-              </a:ext>
-            </a:extLst>
-          </p:cNvPr>
-          <p:cNvPicPr>
-            <a:picLocks noChangeAspect="1"/>
-          </p:cNvPicPr>
-          <p:nvPr/>
-        </p:nvPicPr>
-        <p:blipFill>
-          <a:blip r:embed="rId2" cstate="print">
-            <a:extLst>
-              <a:ext uri="{28A0092B-C50C-407E-A947-70E740481C1C}">
-                <a14:useLocalDpi xmlns:a14="http://schemas.microsoft.com/office/drawing/2010/main" val="0"/>
-              </a:ext>
-            </a:extLst>
-          </a:blip>
-          <a:stretch>
-            <a:fillRect/>
-          </a:stretch>
-        </p:blipFill>
-        <p:spPr>
-          <a:xfrm>
-            <a:off x="5338232" y="4742814"/>
-            <a:ext cx="1515533" cy="1515533"/>
-          </a:xfrm>
-          <a:prstGeom prst="rect">
-            <a:avLst/>
-          </a:prstGeom>
-        </p:spPr>
-      </p:pic>
-      <p:sp>
-        <p:nvSpPr>
-          <p:cNvPr id="10" name="CaixaDeTexto 9">
-            <a:extLst>
-              <a:ext uri="{FF2B5EF4-FFF2-40B4-BE49-F238E27FC236}">
-                <a16:creationId xmlns:a16="http://schemas.microsoft.com/office/drawing/2014/main" xmlns="" id="{8C44AB79-BD69-42C7-8107-999C571EC43F}"/>
-              </a:ext>
-            </a:extLst>
-          </p:cNvPr>
-          <p:cNvSpPr txBox="1"/>
-          <p:nvPr/>
-        </p:nvSpPr>
-        <p:spPr>
-          <a:xfrm>
-            <a:off x="956733" y="1667675"/>
-            <a:ext cx="10278533" cy="461665"/>
-          </a:xfrm>
-          <a:prstGeom prst="rect">
-            <a:avLst/>
-          </a:prstGeom>
-          <a:noFill/>
-        </p:spPr>
-        <p:txBody>
-          <a:bodyPr wrap="square">
-            <a:spAutoFit/>
-          </a:bodyPr>
-          <a:lstStyle/>
-          <a:p>
-            <a:pPr algn="ctr" rtl="0">
-              <a:spcBef>
-                <a:spcPts val="0"/>
-              </a:spcBef>
-              <a:spcAft>
-                <a:spcPts val="0"/>
-              </a:spcAft>
-            </a:pPr>
-            <a:r>
-              <a:rPr lang="pt-BR" sz="2400" dirty="0"/>
-              <a:t>Ordem de prioridade</a:t>
-            </a:r>
-          </a:p>
-        </p:txBody>
-      </p:sp>
-      <p:cxnSp>
-        <p:nvCxnSpPr>
-          <p:cNvPr id="11" name="Conector reto 10">
-            <a:extLst>
-              <a:ext uri="{FF2B5EF4-FFF2-40B4-BE49-F238E27FC236}">
-                <a16:creationId xmlns:a16="http://schemas.microsoft.com/office/drawing/2014/main" xmlns="" id="{A3621E3D-C0AF-4E23-A437-341DB4FEC23B}"/>
-              </a:ext>
-            </a:extLst>
-          </p:cNvPr>
-          <p:cNvCxnSpPr/>
-          <p:nvPr/>
-        </p:nvCxnSpPr>
-        <p:spPr>
-          <a:xfrm flipH="1">
-            <a:off x="-177800" y="1905000"/>
-            <a:ext cx="4690533" cy="0"/>
-          </a:xfrm>
-          <a:prstGeom prst="line">
-            <a:avLst/>
-          </a:prstGeom>
-          <a:ln>
-            <a:solidFill>
-              <a:schemeClr val="tx1"/>
-            </a:solidFill>
-          </a:ln>
-        </p:spPr>
-        <p:style>
-          <a:lnRef idx="1">
-            <a:schemeClr val="accent1"/>
-          </a:lnRef>
-          <a:fillRef idx="0">
-            <a:schemeClr val="accent1"/>
-          </a:fillRef>
-          <a:effectRef idx="0">
-            <a:schemeClr val="accent1"/>
-          </a:effectRef>
-          <a:fontRef idx="minor">
-            <a:schemeClr val="tx1"/>
-          </a:fontRef>
-        </p:style>
-      </p:cxnSp>
-      <p:cxnSp>
-        <p:nvCxnSpPr>
-          <p:cNvPr id="12" name="Conector reto 11">
-            <a:extLst>
-              <a:ext uri="{FF2B5EF4-FFF2-40B4-BE49-F238E27FC236}">
-                <a16:creationId xmlns:a16="http://schemas.microsoft.com/office/drawing/2014/main" xmlns="" id="{CBCC7E19-1EEF-4343-A75D-B93ACB22F9D6}"/>
-              </a:ext>
-            </a:extLst>
-          </p:cNvPr>
-          <p:cNvCxnSpPr/>
-          <p:nvPr/>
-        </p:nvCxnSpPr>
-        <p:spPr>
-          <a:xfrm flipH="1">
-            <a:off x="7653867" y="1905000"/>
-            <a:ext cx="4690533" cy="0"/>
-          </a:xfrm>
-          <a:prstGeom prst="line">
-            <a:avLst/>
-          </a:prstGeom>
-          <a:ln>
-            <a:solidFill>
-              <a:schemeClr val="tx1"/>
-            </a:solidFill>
-          </a:ln>
-        </p:spPr>
-        <p:style>
-          <a:lnRef idx="1">
-            <a:schemeClr val="accent1"/>
-          </a:lnRef>
-          <a:fillRef idx="0">
-            <a:schemeClr val="accent1"/>
-          </a:fillRef>
-          <a:effectRef idx="0">
-            <a:schemeClr val="accent1"/>
-          </a:effectRef>
-          <a:fontRef idx="minor">
-            <a:schemeClr val="tx1"/>
-          </a:fontRef>
-        </p:style>
-      </p:cxnSp>
-      <p:pic>
-        <p:nvPicPr>
-          <p:cNvPr id="14" name="Imagem 13">
-            <a:extLst>
-              <a:ext uri="{FF2B5EF4-FFF2-40B4-BE49-F238E27FC236}">
-                <a16:creationId xmlns:a16="http://schemas.microsoft.com/office/drawing/2014/main" xmlns="" id="{42D323B6-9B59-406A-8490-F154B66F9D74}"/>
-              </a:ext>
-            </a:extLst>
-          </p:cNvPr>
-          <p:cNvPicPr>
-            <a:picLocks noChangeAspect="1"/>
-          </p:cNvPicPr>
-          <p:nvPr/>
-        </p:nvPicPr>
-        <p:blipFill>
-          <a:blip r:embed="rId3" cstate="print">
-            <a:extLst>
-              <a:ext uri="{28A0092B-C50C-407E-A947-70E740481C1C}">
-                <a14:useLocalDpi xmlns:a14="http://schemas.microsoft.com/office/drawing/2010/main" val="0"/>
-              </a:ext>
-            </a:extLst>
-          </a:blip>
-          <a:stretch>
-            <a:fillRect/>
-          </a:stretch>
-        </p:blipFill>
-        <p:spPr>
-          <a:xfrm>
-            <a:off x="4169833" y="4953632"/>
-            <a:ext cx="1093895" cy="1093895"/>
-          </a:xfrm>
-          <a:prstGeom prst="rect">
-            <a:avLst/>
-          </a:prstGeom>
-        </p:spPr>
-      </p:pic>
-      <p:pic>
-        <p:nvPicPr>
-          <p:cNvPr id="16" name="Imagem 15">
-            <a:extLst>
-              <a:ext uri="{FF2B5EF4-FFF2-40B4-BE49-F238E27FC236}">
-                <a16:creationId xmlns:a16="http://schemas.microsoft.com/office/drawing/2014/main" xmlns="" id="{A42EE720-7CCF-4A68-8CA4-B3F45BAD16C5}"/>
-              </a:ext>
-            </a:extLst>
-          </p:cNvPr>
-          <p:cNvPicPr>
-            <a:picLocks noChangeAspect="1"/>
-          </p:cNvPicPr>
-          <p:nvPr/>
-        </p:nvPicPr>
-        <p:blipFill>
-          <a:blip r:embed="rId3" cstate="print">
-            <a:extLst>
-              <a:ext uri="{28A0092B-C50C-407E-A947-70E740481C1C}">
-                <a14:useLocalDpi xmlns:a14="http://schemas.microsoft.com/office/drawing/2010/main" val="0"/>
-              </a:ext>
-            </a:extLst>
-          </a:blip>
-          <a:stretch>
-            <a:fillRect/>
-          </a:stretch>
-        </p:blipFill>
-        <p:spPr>
-          <a:xfrm>
-            <a:off x="6928269" y="4953632"/>
-            <a:ext cx="1093895" cy="1093895"/>
-          </a:xfrm>
-          <a:prstGeom prst="rect">
-            <a:avLst/>
-          </a:prstGeom>
-        </p:spPr>
-      </p:pic>
-    </p:spTree>
-    <p:extLst>
-      <p:ext uri="{BB962C8B-B14F-4D97-AF65-F5344CB8AC3E}">
-        <p14:creationId xmlns:p14="http://schemas.microsoft.com/office/powerpoint/2010/main" val="1785814877"/>
       </p:ext>
     </p:extLst>
   </p:cSld>
@@ -7167,7 +7029,7 @@
           <p:cNvPr id="7" name="Retângulo 6">
             <a:extLst>
               <a:ext uri="{FF2B5EF4-FFF2-40B4-BE49-F238E27FC236}">
-                <a16:creationId xmlns:a16="http://schemas.microsoft.com/office/drawing/2014/main" xmlns="" id="{5E0F7497-D302-4F68-8123-03414F2C6833}"/>
+                <a16:creationId xmlns="" xmlns:a16="http://schemas.microsoft.com/office/drawing/2014/main" id="{5E0F7497-D302-4F68-8123-03414F2C6833}"/>
               </a:ext>
             </a:extLst>
           </p:cNvPr>
@@ -7219,7 +7081,7 @@
           <p:cNvPr id="2" name="Título 1">
             <a:extLst>
               <a:ext uri="{FF2B5EF4-FFF2-40B4-BE49-F238E27FC236}">
-                <a16:creationId xmlns:a16="http://schemas.microsoft.com/office/drawing/2014/main" xmlns="" id="{E5407E68-547D-40FB-ADFC-29225BCA97FB}"/>
+                <a16:creationId xmlns="" xmlns:a16="http://schemas.microsoft.com/office/drawing/2014/main" id="{E5407E68-547D-40FB-ADFC-29225BCA97FB}"/>
               </a:ext>
             </a:extLst>
           </p:cNvPr>
@@ -7243,7 +7105,7 @@
             <a:pPr algn="ctr"/>
             <a:r>
               <a:rPr lang="pt-BR" dirty="0"/>
-              <a:t>EDITAL Nº 5, DE 19 DE MAIO DE 2023</a:t>
+              <a:t>EDITAL Nº 5, DE 11 DE MARÇO DE 2020</a:t>
             </a:r>
           </a:p>
         </p:txBody>
@@ -7253,7 +7115,7 @@
           <p:cNvPr id="4" name="Espaço Reservado para Número de Slide 3">
             <a:extLst>
               <a:ext uri="{FF2B5EF4-FFF2-40B4-BE49-F238E27FC236}">
-                <a16:creationId xmlns:a16="http://schemas.microsoft.com/office/drawing/2014/main" xmlns="" id="{B251EF4B-4832-430A-9B53-231F361E70F5}"/>
+                <a16:creationId xmlns="" xmlns:a16="http://schemas.microsoft.com/office/drawing/2014/main" id="{B251EF4B-4832-430A-9B53-231F361E70F5}"/>
               </a:ext>
             </a:extLst>
           </p:cNvPr>
@@ -7280,10 +7142,10 @@
       </p:sp>
       <p:sp>
         <p:nvSpPr>
-          <p:cNvPr id="9" name="CaixaDeTexto 8">
-            <a:extLst>
-              <a:ext uri="{FF2B5EF4-FFF2-40B4-BE49-F238E27FC236}">
-                <a16:creationId xmlns:a16="http://schemas.microsoft.com/office/drawing/2014/main" xmlns="" id="{A32DB5FD-E24E-4C04-851E-C1CA2DE45BC8}"/>
+          <p:cNvPr id="6" name="CaixaDeTexto 5">
+            <a:extLst>
+              <a:ext uri="{FF2B5EF4-FFF2-40B4-BE49-F238E27FC236}">
+                <a16:creationId xmlns="" xmlns:a16="http://schemas.microsoft.com/office/drawing/2014/main" id="{51FA5D3E-0952-4ABF-9964-6524675A944A}"/>
               </a:ext>
             </a:extLst>
           </p:cNvPr>
@@ -7292,83 +7154,8 @@
         </p:nvSpPr>
         <p:spPr>
           <a:xfrm>
-            <a:off x="1714500" y="3047259"/>
-            <a:ext cx="8905874" cy="923330"/>
-          </a:xfrm>
-          <a:prstGeom prst="rect">
-            <a:avLst/>
-          </a:prstGeom>
-          <a:noFill/>
-        </p:spPr>
-        <p:txBody>
-          <a:bodyPr wrap="square">
-            <a:spAutoFit/>
-          </a:bodyPr>
-          <a:lstStyle/>
-          <a:p>
-            <a:r>
-              <a:rPr lang="pt-BR" b="1" dirty="0">
-                <a:solidFill>
-                  <a:schemeClr val="bg1"/>
-                </a:solidFill>
-              </a:rPr>
-              <a:t>4.2.2 A indicação do local de atuação é requisito indispensável para alocação do profissional no Projeto sendo oportunizada ao candidato a indicação de 2 (duas) localidades, por ordem de sua preferência.</a:t>
-            </a:r>
-          </a:p>
-        </p:txBody>
-      </p:sp>
-      <p:pic>
-        <p:nvPicPr>
-          <p:cNvPr id="5" name="Imagem 4">
-            <a:extLst>
-              <a:ext uri="{FF2B5EF4-FFF2-40B4-BE49-F238E27FC236}">
-                <a16:creationId xmlns:a16="http://schemas.microsoft.com/office/drawing/2014/main" xmlns="" id="{05F67C67-DA67-4FF1-A286-CF17F0405004}"/>
-              </a:ext>
-            </a:extLst>
-          </p:cNvPr>
-          <p:cNvPicPr>
-            <a:picLocks noChangeAspect="1"/>
-          </p:cNvPicPr>
-          <p:nvPr/>
-        </p:nvPicPr>
-        <p:blipFill>
-          <a:blip r:embed="rId2" cstate="print">
-            <a:extLst>
-              <a:ext uri="{28A0092B-C50C-407E-A947-70E740481C1C}">
-                <a14:useLocalDpi xmlns:a14="http://schemas.microsoft.com/office/drawing/2010/main" val="0"/>
-              </a:ext>
-            </a:extLst>
-          </a:blip>
-          <a:stretch>
-            <a:fillRect/>
-          </a:stretch>
-        </p:blipFill>
-        <p:spPr>
-          <a:xfrm>
-            <a:off x="5338232" y="4742814"/>
-            <a:ext cx="1515533" cy="1515533"/>
-          </a:xfrm>
-          <a:prstGeom prst="rect">
-            <a:avLst/>
-          </a:prstGeom>
-        </p:spPr>
-      </p:pic>
-      <p:sp>
-        <p:nvSpPr>
-          <p:cNvPr id="10" name="CaixaDeTexto 9">
-            <a:extLst>
-              <a:ext uri="{FF2B5EF4-FFF2-40B4-BE49-F238E27FC236}">
-                <a16:creationId xmlns:a16="http://schemas.microsoft.com/office/drawing/2014/main" xmlns="" id="{8C44AB79-BD69-42C7-8107-999C571EC43F}"/>
-              </a:ext>
-            </a:extLst>
-          </p:cNvPr>
-          <p:cNvSpPr txBox="1"/>
-          <p:nvPr/>
-        </p:nvSpPr>
-        <p:spPr>
-          <a:xfrm>
             <a:off x="956733" y="1667675"/>
-            <a:ext cx="10278533" cy="461665"/>
+            <a:ext cx="10278533" cy="1200329"/>
           </a:xfrm>
           <a:prstGeom prst="rect">
             <a:avLst/>
@@ -7391,17 +7178,148 @@
             </a:pPr>
             <a:r>
               <a:rPr lang="pt-BR" sz="2400" dirty="0"/>
-              <a:t>Ordem de prioridade</a:t>
-            </a:r>
+              <a:t>Critérios de desempate</a:t>
+            </a:r>
+            <a:r>
+              <a:rPr lang="pt-BR" sz="2400" b="0" dirty="0">
+                <a:effectLst/>
+              </a:rPr>
+              <a:t/>
+            </a:r>
+            <a:br>
+              <a:rPr lang="pt-BR" sz="2400" b="0" dirty="0">
+                <a:effectLst/>
+              </a:rPr>
+            </a:br>
+            <a:r>
+              <a:rPr lang="pt-BR" sz="2400" b="0" dirty="0">
+                <a:effectLst/>
+              </a:rPr>
+              <a:t/>
+            </a:r>
+            <a:br>
+              <a:rPr lang="pt-BR" sz="2400" b="0" dirty="0">
+                <a:effectLst/>
+              </a:rPr>
+            </a:br>
+            <a:endParaRPr lang="pt-BR" sz="2400" dirty="0"/>
           </a:p>
         </p:txBody>
       </p:sp>
+      <p:sp>
+        <p:nvSpPr>
+          <p:cNvPr id="9" name="CaixaDeTexto 8">
+            <a:extLst>
+              <a:ext uri="{FF2B5EF4-FFF2-40B4-BE49-F238E27FC236}">
+                <a16:creationId xmlns="" xmlns:a16="http://schemas.microsoft.com/office/drawing/2014/main" id="{A32DB5FD-E24E-4C04-851E-C1CA2DE45BC8}"/>
+              </a:ext>
+            </a:extLst>
+          </p:cNvPr>
+          <p:cNvSpPr txBox="1"/>
+          <p:nvPr/>
+        </p:nvSpPr>
+        <p:spPr>
+          <a:xfrm>
+            <a:off x="1900237" y="2697417"/>
+            <a:ext cx="8515350" cy="1754326"/>
+          </a:xfrm>
+          <a:prstGeom prst="rect">
+            <a:avLst/>
+          </a:prstGeom>
+          <a:noFill/>
+        </p:spPr>
+        <p:txBody>
+          <a:bodyPr wrap="square">
+            <a:spAutoFit/>
+          </a:bodyPr>
+          <a:lstStyle/>
+          <a:p>
+            <a:r>
+              <a:rPr lang="pt-BR" b="1" dirty="0">
+                <a:solidFill>
+                  <a:schemeClr val="bg1"/>
+                </a:solidFill>
+              </a:rPr>
+              <a:t>a) candidatos que já atuaram no Projeto Mais Médicos para o Brasil e que tenham concluído satisfatoriamente a Especialização em Medicina da Família e Comunidade;</a:t>
+            </a:r>
+          </a:p>
+          <a:p>
+            <a:endParaRPr lang="pt-BR" b="1" dirty="0">
+              <a:solidFill>
+                <a:schemeClr val="bg1"/>
+              </a:solidFill>
+            </a:endParaRPr>
+          </a:p>
+          <a:p>
+            <a:r>
+              <a:rPr lang="pt-BR" b="1" dirty="0">
+                <a:solidFill>
+                  <a:schemeClr val="bg1"/>
+                </a:solidFill>
+              </a:rPr>
+              <a:t>b) possuir maior idade, considerados o dia, mês e ano de nascimento; e</a:t>
+            </a:r>
+          </a:p>
+          <a:p>
+            <a:endParaRPr lang="pt-BR" b="1" dirty="0">
+              <a:solidFill>
+                <a:schemeClr val="bg1"/>
+              </a:solidFill>
+            </a:endParaRPr>
+          </a:p>
+          <a:p>
+            <a:r>
+              <a:rPr lang="pt-BR" b="1" dirty="0">
+                <a:solidFill>
+                  <a:schemeClr val="bg1"/>
+                </a:solidFill>
+              </a:rPr>
+              <a:t>c) maior tempo de formação em medicina, considerando o mês e o ano.</a:t>
+            </a:r>
+          </a:p>
+        </p:txBody>
+      </p:sp>
+      <p:pic>
+        <p:nvPicPr>
+          <p:cNvPr id="5" name="Imagem 4">
+            <a:extLst>
+              <a:ext uri="{FF2B5EF4-FFF2-40B4-BE49-F238E27FC236}">
+                <a16:creationId xmlns="" xmlns:a16="http://schemas.microsoft.com/office/drawing/2014/main" id="{F259DF46-C33C-4A19-A269-1A37F1A956EE}"/>
+              </a:ext>
+            </a:extLst>
+          </p:cNvPr>
+          <p:cNvPicPr>
+            <a:picLocks noChangeAspect="1"/>
+          </p:cNvPicPr>
+          <p:nvPr/>
+        </p:nvPicPr>
+        <p:blipFill rotWithShape="1">
+          <a:blip r:embed="rId2">
+            <a:extLst>
+              <a:ext uri="{28A0092B-C50C-407E-A947-70E740481C1C}">
+                <a14:useLocalDpi xmlns:a14="http://schemas.microsoft.com/office/drawing/2010/main" val="0"/>
+              </a:ext>
+            </a:extLst>
+          </a:blip>
+          <a:srcRect t="24493"/>
+          <a:stretch/>
+        </p:blipFill>
+        <p:spPr>
+          <a:xfrm>
+            <a:off x="5135034" y="4716283"/>
+            <a:ext cx="1921932" cy="1549456"/>
+          </a:xfrm>
+          <a:prstGeom prst="rect">
+            <a:avLst/>
+          </a:prstGeom>
+        </p:spPr>
+      </p:pic>
       <p:cxnSp>
         <p:nvCxnSpPr>
-          <p:cNvPr id="11" name="Conector reto 10">
-            <a:extLst>
-              <a:ext uri="{FF2B5EF4-FFF2-40B4-BE49-F238E27FC236}">
-                <a16:creationId xmlns:a16="http://schemas.microsoft.com/office/drawing/2014/main" xmlns="" id="{A3621E3D-C0AF-4E23-A437-341DB4FEC23B}"/>
+          <p:cNvPr id="10" name="Conector reto 9">
+            <a:extLst>
+              <a:ext uri="{FF2B5EF4-FFF2-40B4-BE49-F238E27FC236}">
+                <a16:creationId xmlns="" xmlns:a16="http://schemas.microsoft.com/office/drawing/2014/main" id="{863ED132-1CFD-4B6E-9EC7-E7A9D8A31099}"/>
               </a:ext>
             </a:extLst>
           </p:cNvPr>
@@ -7439,10 +7357,10 @@
       </p:cxnSp>
       <p:cxnSp>
         <p:nvCxnSpPr>
-          <p:cNvPr id="12" name="Conector reto 11">
-            <a:extLst>
-              <a:ext uri="{FF2B5EF4-FFF2-40B4-BE49-F238E27FC236}">
-                <a16:creationId xmlns:a16="http://schemas.microsoft.com/office/drawing/2014/main" xmlns="" id="{CBCC7E19-1EEF-4343-A75D-B93ACB22F9D6}"/>
+          <p:cNvPr id="14" name="Conector reto 13">
+            <a:extLst>
+              <a:ext uri="{FF2B5EF4-FFF2-40B4-BE49-F238E27FC236}">
+                <a16:creationId xmlns="" xmlns:a16="http://schemas.microsoft.com/office/drawing/2014/main" id="{7080E6B4-42C5-4D2F-88E5-5F25701B64F7}"/>
               </a:ext>
             </a:extLst>
           </p:cNvPr>
@@ -7478,82 +7396,10 @@
           </a:fontRef>
         </p:style>
       </p:cxnSp>
-      <p:pic>
-        <p:nvPicPr>
-          <p:cNvPr id="14" name="Imagem 13">
-            <a:extLst>
-              <a:ext uri="{FF2B5EF4-FFF2-40B4-BE49-F238E27FC236}">
-                <a16:creationId xmlns:a16="http://schemas.microsoft.com/office/drawing/2014/main" xmlns="" id="{42D323B6-9B59-406A-8490-F154B66F9D74}"/>
-              </a:ext>
-            </a:extLst>
-          </p:cNvPr>
-          <p:cNvPicPr>
-            <a:picLocks noChangeAspect="1"/>
-          </p:cNvPicPr>
-          <p:nvPr/>
-        </p:nvPicPr>
-        <p:blipFill>
-          <a:blip r:embed="rId3" cstate="print">
-            <a:extLst>
-              <a:ext uri="{28A0092B-C50C-407E-A947-70E740481C1C}">
-                <a14:useLocalDpi xmlns:a14="http://schemas.microsoft.com/office/drawing/2010/main" val="0"/>
-              </a:ext>
-            </a:extLst>
-          </a:blip>
-          <a:stretch>
-            <a:fillRect/>
-          </a:stretch>
-        </p:blipFill>
-        <p:spPr>
-          <a:xfrm>
-            <a:off x="4169833" y="4953632"/>
-            <a:ext cx="1093895" cy="1093895"/>
-          </a:xfrm>
-          <a:prstGeom prst="rect">
-            <a:avLst/>
-          </a:prstGeom>
-        </p:spPr>
-      </p:pic>
-      <p:pic>
-        <p:nvPicPr>
-          <p:cNvPr id="16" name="Imagem 15">
-            <a:extLst>
-              <a:ext uri="{FF2B5EF4-FFF2-40B4-BE49-F238E27FC236}">
-                <a16:creationId xmlns:a16="http://schemas.microsoft.com/office/drawing/2014/main" xmlns="" id="{A42EE720-7CCF-4A68-8CA4-B3F45BAD16C5}"/>
-              </a:ext>
-            </a:extLst>
-          </p:cNvPr>
-          <p:cNvPicPr>
-            <a:picLocks noChangeAspect="1"/>
-          </p:cNvPicPr>
-          <p:nvPr/>
-        </p:nvPicPr>
-        <p:blipFill>
-          <a:blip r:embed="rId3" cstate="print">
-            <a:extLst>
-              <a:ext uri="{28A0092B-C50C-407E-A947-70E740481C1C}">
-                <a14:useLocalDpi xmlns:a14="http://schemas.microsoft.com/office/drawing/2010/main" val="0"/>
-              </a:ext>
-            </a:extLst>
-          </a:blip>
-          <a:stretch>
-            <a:fillRect/>
-          </a:stretch>
-        </p:blipFill>
-        <p:spPr>
-          <a:xfrm>
-            <a:off x="6928269" y="4953632"/>
-            <a:ext cx="1093895" cy="1093895"/>
-          </a:xfrm>
-          <a:prstGeom prst="rect">
-            <a:avLst/>
-          </a:prstGeom>
-        </p:spPr>
-      </p:pic>
     </p:spTree>
     <p:extLst>
       <p:ext uri="{BB962C8B-B14F-4D97-AF65-F5344CB8AC3E}">
-        <p14:creationId xmlns:p14="http://schemas.microsoft.com/office/powerpoint/2010/main" val="3563273176"/>
+        <p14:creationId xmlns:p14="http://schemas.microsoft.com/office/powerpoint/2010/main" val="1432902056"/>
       </p:ext>
     </p:extLst>
   </p:cSld>
@@ -7585,7 +7431,7 @@
           <p:cNvPr id="2" name="Título 1">
             <a:extLst>
               <a:ext uri="{FF2B5EF4-FFF2-40B4-BE49-F238E27FC236}">
-                <a16:creationId xmlns:a16="http://schemas.microsoft.com/office/drawing/2014/main" xmlns="" id="{E5407E68-547D-40FB-ADFC-29225BCA97FB}"/>
+                <a16:creationId xmlns="" xmlns:a16="http://schemas.microsoft.com/office/drawing/2014/main" id="{E5407E68-547D-40FB-ADFC-29225BCA97FB}"/>
               </a:ext>
             </a:extLst>
           </p:cNvPr>
@@ -7598,8 +7444,8 @@
         </p:nvSpPr>
         <p:spPr>
           <a:xfrm>
-            <a:off x="419100" y="373393"/>
-            <a:ext cx="11496675" cy="1325563"/>
+            <a:off x="333274" y="361952"/>
+            <a:ext cx="11286067" cy="1325563"/>
           </a:xfrm>
         </p:spPr>
         <p:txBody>
@@ -7609,7 +7455,7 @@
             <a:pPr algn="ctr"/>
             <a:r>
               <a:rPr lang="pt-BR" dirty="0"/>
-              <a:t>EDITAL Nº 05, DE 19 DE MAIO DE 2023</a:t>
+              <a:t>LEI Nº 14.621, DE 14 DE JULHO DE 2023</a:t>
             </a:r>
           </a:p>
         </p:txBody>
@@ -7619,7 +7465,7 @@
           <p:cNvPr id="4" name="Espaço Reservado para Número de Slide 3">
             <a:extLst>
               <a:ext uri="{FF2B5EF4-FFF2-40B4-BE49-F238E27FC236}">
-                <a16:creationId xmlns:a16="http://schemas.microsoft.com/office/drawing/2014/main" xmlns="" id="{B251EF4B-4832-430A-9B53-231F361E70F5}"/>
+                <a16:creationId xmlns="" xmlns:a16="http://schemas.microsoft.com/office/drawing/2014/main" id="{B251EF4B-4832-430A-9B53-231F361E70F5}"/>
               </a:ext>
             </a:extLst>
           </p:cNvPr>
@@ -7644,77 +7490,12 @@
           </a:p>
         </p:txBody>
       </p:sp>
-      <p:pic>
-        <p:nvPicPr>
-          <p:cNvPr id="10" name="Imagem 9">
-            <a:extLst>
-              <a:ext uri="{FF2B5EF4-FFF2-40B4-BE49-F238E27FC236}">
-                <a16:creationId xmlns:a16="http://schemas.microsoft.com/office/drawing/2014/main" xmlns="" id="{6409CD67-C6D4-4B5A-B708-68E3228A4FD4}"/>
-              </a:ext>
-            </a:extLst>
-          </p:cNvPr>
-          <p:cNvPicPr>
-            <a:picLocks noChangeAspect="1"/>
-          </p:cNvPicPr>
-          <p:nvPr/>
-        </p:nvPicPr>
-        <p:blipFill rotWithShape="1">
-          <a:blip r:embed="rId2" cstate="print">
-            <a:extLst>
-              <a:ext uri="{28A0092B-C50C-407E-A947-70E740481C1C}">
-                <a14:useLocalDpi xmlns:a14="http://schemas.microsoft.com/office/drawing/2010/main" val="0"/>
-              </a:ext>
-            </a:extLst>
-          </a:blip>
-          <a:srcRect t="24493"/>
-          <a:stretch/>
-        </p:blipFill>
-        <p:spPr>
-          <a:xfrm>
-            <a:off x="5418370" y="5190067"/>
-            <a:ext cx="1355259" cy="1092606"/>
-          </a:xfrm>
-          <a:prstGeom prst="rect">
-            <a:avLst/>
-          </a:prstGeom>
-        </p:spPr>
-      </p:pic>
-      <p:pic>
-        <p:nvPicPr>
-          <p:cNvPr id="11" name="Imagem 10">
-            <a:extLst>
-              <a:ext uri="{FF2B5EF4-FFF2-40B4-BE49-F238E27FC236}">
-                <a16:creationId xmlns:a16="http://schemas.microsoft.com/office/drawing/2014/main" xmlns="" id="{DE8F042E-A23D-40DC-A1CC-56C166F772D8}"/>
-              </a:ext>
-            </a:extLst>
-          </p:cNvPr>
-          <p:cNvPicPr>
-            <a:picLocks noChangeAspect="1"/>
-          </p:cNvPicPr>
-          <p:nvPr/>
-        </p:nvPicPr>
-        <p:blipFill>
-          <a:blip r:embed="rId3"/>
-          <a:stretch>
-            <a:fillRect/>
-          </a:stretch>
-        </p:blipFill>
-        <p:spPr>
-          <a:xfrm>
-            <a:off x="2573798" y="1698956"/>
-            <a:ext cx="7044401" cy="3264823"/>
-          </a:xfrm>
-          <a:prstGeom prst="rect">
-            <a:avLst/>
-          </a:prstGeom>
-        </p:spPr>
-      </p:pic>
       <p:sp>
         <p:nvSpPr>
-          <p:cNvPr id="12" name="CaixaDeTexto 11">
-            <a:extLst>
-              <a:ext uri="{FF2B5EF4-FFF2-40B4-BE49-F238E27FC236}">
-                <a16:creationId xmlns:a16="http://schemas.microsoft.com/office/drawing/2014/main" xmlns="" id="{C2E3A72C-5002-43FB-9D36-5178527CEE2C}"/>
+          <p:cNvPr id="7" name="CaixaDeTexto 6">
+            <a:extLst>
+              <a:ext uri="{FF2B5EF4-FFF2-40B4-BE49-F238E27FC236}">
+                <a16:creationId xmlns="" xmlns:a16="http://schemas.microsoft.com/office/drawing/2014/main" id="{875E6116-A1D4-4C06-8451-B1ED7DE07F79}"/>
               </a:ext>
             </a:extLst>
           </p:cNvPr>
@@ -7723,8 +7504,8 @@
         </p:nvSpPr>
         <p:spPr>
           <a:xfrm>
-            <a:off x="956733" y="1033604"/>
-            <a:ext cx="10278533" cy="1200329"/>
+            <a:off x="333274" y="1102740"/>
+            <a:ext cx="11709639" cy="738664"/>
           </a:xfrm>
           <a:prstGeom prst="rect">
             <a:avLst/>
@@ -7746,54 +7527,51 @@
               </a:spcAft>
             </a:pPr>
             <a:r>
-              <a:rPr lang="pt-BR" sz="2400" b="0" dirty="0">
+              <a:rPr lang="pt-BR" sz="2400" b="0" i="0" u="none" strike="noStrike" dirty="0">
+                <a:solidFill>
+                  <a:srgbClr val="000000"/>
+                </a:solidFill>
                 <a:effectLst/>
-              </a:rPr>
-              <a:t>Classificação</a:t>
+                <a:latin typeface="Arial" panose="020B0604020202020204" pitchFamily="34" charset="0"/>
+              </a:rPr>
+              <a:t>“Retomada” do Programa Mais Médicos para o Brasil.</a:t>
+            </a:r>
+            <a:r>
+              <a:rPr lang="pt-BR" b="0" dirty="0">
+                <a:effectLst/>
+              </a:rPr>
+              <a:t/>
             </a:r>
             <a:br>
-              <a:rPr lang="pt-BR" sz="2400" b="0" dirty="0">
+              <a:rPr lang="pt-BR" b="0" dirty="0">
                 <a:effectLst/>
               </a:rPr>
             </a:br>
-            <a:r>
-              <a:rPr lang="pt-BR" sz="2400" b="0" dirty="0">
-                <a:effectLst/>
-              </a:rPr>
-              <a:t/>
-            </a:r>
-            <a:br>
-              <a:rPr lang="pt-BR" sz="2400" b="0" dirty="0">
-                <a:effectLst/>
-              </a:rPr>
-            </a:br>
-            <a:endParaRPr lang="pt-BR" sz="2400" dirty="0"/>
+            <a:endParaRPr lang="pt-BR" dirty="0"/>
           </a:p>
         </p:txBody>
       </p:sp>
       <p:cxnSp>
         <p:nvCxnSpPr>
-          <p:cNvPr id="13" name="Conector reto 12">
-            <a:extLst>
-              <a:ext uri="{FF2B5EF4-FFF2-40B4-BE49-F238E27FC236}">
-                <a16:creationId xmlns:a16="http://schemas.microsoft.com/office/drawing/2014/main" xmlns="" id="{0E93BDD7-EDA9-42FF-A27B-ADD5ED57043A}"/>
-              </a:ext>
-            </a:extLst>
-          </p:cNvPr>
-          <p:cNvCxnSpPr>
-            <a:cxnSpLocks/>
-          </p:cNvCxnSpPr>
+          <p:cNvPr id="10" name="Conector reto 9">
+            <a:extLst>
+              <a:ext uri="{FF2B5EF4-FFF2-40B4-BE49-F238E27FC236}">
+                <a16:creationId xmlns="" xmlns:a16="http://schemas.microsoft.com/office/drawing/2014/main" id="{500C1D4A-6CA1-4918-9D0C-A6C7752B7263}"/>
+              </a:ext>
+            </a:extLst>
+          </p:cNvPr>
+          <p:cNvCxnSpPr/>
           <p:nvPr/>
         </p:nvCxnSpPr>
         <p:spPr>
-          <a:xfrm flipH="1">
-            <a:off x="-177799" y="1270929"/>
-            <a:ext cx="4969932" cy="0"/>
+          <a:xfrm>
+            <a:off x="327444" y="1877667"/>
+            <a:ext cx="11537111" cy="0"/>
           </a:xfrm>
           <a:prstGeom prst="line">
             <a:avLst/>
           </a:prstGeom>
-          <a:ln>
+          <a:ln w="19050">
             <a:solidFill>
               <a:schemeClr val="tx1"/>
             </a:solidFill>
@@ -7819,24 +7597,22 @@
           <p:cNvPr id="14" name="Conector reto 13">
             <a:extLst>
               <a:ext uri="{FF2B5EF4-FFF2-40B4-BE49-F238E27FC236}">
-                <a16:creationId xmlns:a16="http://schemas.microsoft.com/office/drawing/2014/main" xmlns="" id="{973A06F0-7F39-4132-A1CC-91B9D178825E}"/>
-              </a:ext>
-            </a:extLst>
-          </p:cNvPr>
-          <p:cNvCxnSpPr>
-            <a:cxnSpLocks/>
-          </p:cNvCxnSpPr>
+                <a16:creationId xmlns="" xmlns:a16="http://schemas.microsoft.com/office/drawing/2014/main" id="{CAF07FCD-2206-4ECE-87FD-E01D375737E0}"/>
+              </a:ext>
+            </a:extLst>
+          </p:cNvPr>
+          <p:cNvCxnSpPr/>
           <p:nvPr/>
         </p:nvCxnSpPr>
         <p:spPr>
-          <a:xfrm flipH="1">
-            <a:off x="7366000" y="1280325"/>
-            <a:ext cx="5020734" cy="0"/>
+          <a:xfrm>
+            <a:off x="350089" y="5656053"/>
+            <a:ext cx="11537111" cy="0"/>
           </a:xfrm>
           <a:prstGeom prst="line">
             <a:avLst/>
           </a:prstGeom>
-          <a:ln>
+          <a:ln w="19050">
             <a:solidFill>
               <a:schemeClr val="tx1"/>
             </a:solidFill>
@@ -7857,10 +7633,118 @@
           </a:fontRef>
         </p:style>
       </p:cxnSp>
+      <p:pic>
+        <p:nvPicPr>
+          <p:cNvPr id="6" name="Imagem 5">
+            <a:extLst>
+              <a:ext uri="{FF2B5EF4-FFF2-40B4-BE49-F238E27FC236}">
+                <a16:creationId xmlns="" xmlns:a16="http://schemas.microsoft.com/office/drawing/2014/main" id="{7196FE7D-F35C-4E73-8AD8-6AFBE10F21C9}"/>
+              </a:ext>
+            </a:extLst>
+          </p:cNvPr>
+          <p:cNvPicPr>
+            <a:picLocks noChangeAspect="1"/>
+          </p:cNvPicPr>
+          <p:nvPr/>
+        </p:nvPicPr>
+        <p:blipFill>
+          <a:blip r:embed="rId2">
+            <a:extLst>
+              <a:ext uri="{28A0092B-C50C-407E-A947-70E740481C1C}">
+                <a14:useLocalDpi xmlns:a14="http://schemas.microsoft.com/office/drawing/2010/main" val="0"/>
+              </a:ext>
+            </a:extLst>
+          </a:blip>
+          <a:stretch>
+            <a:fillRect/>
+          </a:stretch>
+        </p:blipFill>
+        <p:spPr>
+          <a:xfrm>
+            <a:off x="3237871" y="2172272"/>
+            <a:ext cx="5476875" cy="3213100"/>
+          </a:xfrm>
+          <a:prstGeom prst="rect">
+            <a:avLst/>
+          </a:prstGeom>
+        </p:spPr>
+      </p:pic>
+      <p:sp>
+        <p:nvSpPr>
+          <p:cNvPr id="11" name="CaixaDeTexto 10">
+            <a:extLst>
+              <a:ext uri="{FF2B5EF4-FFF2-40B4-BE49-F238E27FC236}">
+                <a16:creationId xmlns="" xmlns:a16="http://schemas.microsoft.com/office/drawing/2014/main" id="{08EADC39-F10A-4669-8C70-79A7D56B594B}"/>
+              </a:ext>
+            </a:extLst>
+          </p:cNvPr>
+          <p:cNvSpPr txBox="1"/>
+          <p:nvPr/>
+        </p:nvSpPr>
+        <p:spPr>
+          <a:xfrm>
+            <a:off x="419100" y="6399510"/>
+            <a:ext cx="11468100" cy="276999"/>
+          </a:xfrm>
+          <a:prstGeom prst="rect">
+            <a:avLst/>
+          </a:prstGeom>
+          <a:noFill/>
+        </p:spPr>
+        <p:txBody>
+          <a:bodyPr wrap="square">
+            <a:spAutoFit/>
+          </a:bodyPr>
+          <a:lstStyle/>
+          <a:p>
+            <a:pPr rtl="0">
+              <a:spcBef>
+                <a:spcPts val="0"/>
+              </a:spcBef>
+              <a:spcAft>
+                <a:spcPts val="0"/>
+              </a:spcAft>
+            </a:pPr>
+            <a:r>
+              <a:rPr lang="pt-BR" sz="1200" b="0" i="0" u="none" strike="noStrike" dirty="0">
+                <a:solidFill>
+                  <a:srgbClr val="FFFFFF"/>
+                </a:solidFill>
+                <a:effectLst/>
+                <a:latin typeface="Avenir"/>
+              </a:rPr>
+              <a:t>Foto: Ricardo </a:t>
+            </a:r>
+            <a:r>
+              <a:rPr lang="pt-BR" sz="1200" b="0" i="0" u="none" strike="noStrike" dirty="0" err="1">
+                <a:solidFill>
+                  <a:srgbClr val="FFFFFF"/>
+                </a:solidFill>
+                <a:effectLst/>
+                <a:latin typeface="Avenir"/>
+              </a:rPr>
+              <a:t>Stuckert</a:t>
+            </a:r>
+            <a:r>
+              <a:rPr lang="pt-BR" sz="1200" b="0" i="0" u="none" strike="noStrike" dirty="0">
+                <a:solidFill>
+                  <a:srgbClr val="FFFFFF"/>
+                </a:solidFill>
+                <a:effectLst/>
+                <a:latin typeface="Avenir"/>
+              </a:rPr>
+              <a:t>/PR</a:t>
+            </a:r>
+            <a:endParaRPr lang="pt-BR" sz="1200" b="0" dirty="0">
+              <a:effectLst/>
+            </a:endParaRPr>
+          </a:p>
+        </p:txBody>
+      </p:sp>
     </p:spTree>
     <p:extLst>
       <p:ext uri="{BB962C8B-B14F-4D97-AF65-F5344CB8AC3E}">
-        <p14:creationId xmlns:p14="http://schemas.microsoft.com/office/powerpoint/2010/main" val="467822419"/>
+        <p14:creationId xmlns:p14="http://schemas.microsoft.com/office/powerpoint/2010/main" val="1768915570"/>
       </p:ext>
     </p:extLst>
   </p:cSld>
@@ -7892,7 +7776,7 @@
           <p:cNvPr id="7" name="Retângulo 6">
             <a:extLst>
               <a:ext uri="{FF2B5EF4-FFF2-40B4-BE49-F238E27FC236}">
-                <a16:creationId xmlns:a16="http://schemas.microsoft.com/office/drawing/2014/main" xmlns="" id="{5E0F7497-D302-4F68-8123-03414F2C6833}"/>
+                <a16:creationId xmlns="" xmlns:a16="http://schemas.microsoft.com/office/drawing/2014/main" id="{5E0F7497-D302-4F68-8123-03414F2C6833}"/>
               </a:ext>
             </a:extLst>
           </p:cNvPr>
@@ -7901,8 +7785,8 @@
         </p:nvSpPr>
         <p:spPr>
           <a:xfrm>
-            <a:off x="1704975" y="2450833"/>
-            <a:ext cx="8905875" cy="2308324"/>
+            <a:off x="1704975" y="2558112"/>
+            <a:ext cx="8905875" cy="2032937"/>
           </a:xfrm>
           <a:prstGeom prst="rect">
             <a:avLst/>
@@ -7944,7 +7828,7 @@
           <p:cNvPr id="2" name="Título 1">
             <a:extLst>
               <a:ext uri="{FF2B5EF4-FFF2-40B4-BE49-F238E27FC236}">
-                <a16:creationId xmlns:a16="http://schemas.microsoft.com/office/drawing/2014/main" xmlns="" id="{E5407E68-547D-40FB-ADFC-29225BCA97FB}"/>
+                <a16:creationId xmlns="" xmlns:a16="http://schemas.microsoft.com/office/drawing/2014/main" id="{E5407E68-547D-40FB-ADFC-29225BCA97FB}"/>
               </a:ext>
             </a:extLst>
           </p:cNvPr>
@@ -7978,7 +7862,7 @@
           <p:cNvPr id="4" name="Espaço Reservado para Número de Slide 3">
             <a:extLst>
               <a:ext uri="{FF2B5EF4-FFF2-40B4-BE49-F238E27FC236}">
-                <a16:creationId xmlns:a16="http://schemas.microsoft.com/office/drawing/2014/main" xmlns="" id="{B251EF4B-4832-430A-9B53-231F361E70F5}"/>
+                <a16:creationId xmlns="" xmlns:a16="http://schemas.microsoft.com/office/drawing/2014/main" id="{B251EF4B-4832-430A-9B53-231F361E70F5}"/>
               </a:ext>
             </a:extLst>
           </p:cNvPr>
@@ -8005,10 +7889,10 @@
       </p:sp>
       <p:sp>
         <p:nvSpPr>
-          <p:cNvPr id="6" name="CaixaDeTexto 5">
-            <a:extLst>
-              <a:ext uri="{FF2B5EF4-FFF2-40B4-BE49-F238E27FC236}">
-                <a16:creationId xmlns:a16="http://schemas.microsoft.com/office/drawing/2014/main" xmlns="" id="{51FA5D3E-0952-4ABF-9964-6524675A944A}"/>
+          <p:cNvPr id="9" name="CaixaDeTexto 8">
+            <a:extLst>
+              <a:ext uri="{FF2B5EF4-FFF2-40B4-BE49-F238E27FC236}">
+                <a16:creationId xmlns="" xmlns:a16="http://schemas.microsoft.com/office/drawing/2014/main" id="{A32DB5FD-E24E-4C04-851E-C1CA2DE45BC8}"/>
               </a:ext>
             </a:extLst>
           </p:cNvPr>
@@ -8017,8 +7901,117 @@
         </p:nvSpPr>
         <p:spPr>
           <a:xfrm>
+            <a:off x="1838324" y="2709877"/>
+            <a:ext cx="8515350" cy="1754326"/>
+          </a:xfrm>
+          <a:prstGeom prst="rect">
+            <a:avLst/>
+          </a:prstGeom>
+          <a:noFill/>
+        </p:spPr>
+        <p:txBody>
+          <a:bodyPr wrap="square">
+            <a:spAutoFit/>
+          </a:bodyPr>
+          <a:lstStyle/>
+          <a:p>
+            <a:r>
+              <a:rPr lang="pt-BR" b="1" dirty="0">
+                <a:solidFill>
+                  <a:schemeClr val="bg1"/>
+                </a:solidFill>
+              </a:rPr>
+              <a:t>Perfil 1: médicos formados em instituições de educação superior brasileiras ou com diploma revalidado no País, com registro no Conselho Regional de Medicina - CRM;</a:t>
+            </a:r>
+          </a:p>
+          <a:p>
+            <a:endParaRPr lang="pt-BR" b="1" dirty="0">
+              <a:solidFill>
+                <a:schemeClr val="bg1"/>
+              </a:solidFill>
+            </a:endParaRPr>
+          </a:p>
+          <a:p>
+            <a:r>
+              <a:rPr lang="pt-BR" b="1" dirty="0">
+                <a:solidFill>
+                  <a:schemeClr val="bg1"/>
+                </a:solidFill>
+              </a:rPr>
+              <a:t>Perfil 2: médicos brasileiros com habilitação para exercício da Medicina no exterior; e</a:t>
+            </a:r>
+          </a:p>
+          <a:p>
+            <a:endParaRPr lang="pt-BR" b="1" dirty="0">
+              <a:solidFill>
+                <a:schemeClr val="bg1"/>
+              </a:solidFill>
+            </a:endParaRPr>
+          </a:p>
+          <a:p>
+            <a:r>
+              <a:rPr lang="pt-BR" b="1" dirty="0">
+                <a:solidFill>
+                  <a:schemeClr val="bg1"/>
+                </a:solidFill>
+              </a:rPr>
+              <a:t>Perfil 3: médicos estrangeiros com habilitação para exercício de medicina no exterior.</a:t>
+            </a:r>
+          </a:p>
+        </p:txBody>
+      </p:sp>
+      <p:pic>
+        <p:nvPicPr>
+          <p:cNvPr id="5" name="Imagem 4">
+            <a:extLst>
+              <a:ext uri="{FF2B5EF4-FFF2-40B4-BE49-F238E27FC236}">
+                <a16:creationId xmlns="" xmlns:a16="http://schemas.microsoft.com/office/drawing/2014/main" id="{05F67C67-DA67-4FF1-A286-CF17F0405004}"/>
+              </a:ext>
+            </a:extLst>
+          </p:cNvPr>
+          <p:cNvPicPr>
+            <a:picLocks noChangeAspect="1"/>
+          </p:cNvPicPr>
+          <p:nvPr/>
+        </p:nvPicPr>
+        <p:blipFill>
+          <a:blip r:embed="rId2" cstate="print">
+            <a:extLst>
+              <a:ext uri="{28A0092B-C50C-407E-A947-70E740481C1C}">
+                <a14:useLocalDpi xmlns:a14="http://schemas.microsoft.com/office/drawing/2010/main" val="0"/>
+              </a:ext>
+            </a:extLst>
+          </a:blip>
+          <a:stretch>
+            <a:fillRect/>
+          </a:stretch>
+        </p:blipFill>
+        <p:spPr>
+          <a:xfrm>
+            <a:off x="5338232" y="4742814"/>
+            <a:ext cx="1515533" cy="1515533"/>
+          </a:xfrm>
+          <a:prstGeom prst="rect">
+            <a:avLst/>
+          </a:prstGeom>
+        </p:spPr>
+      </p:pic>
+      <p:sp>
+        <p:nvSpPr>
+          <p:cNvPr id="10" name="CaixaDeTexto 9">
+            <a:extLst>
+              <a:ext uri="{FF2B5EF4-FFF2-40B4-BE49-F238E27FC236}">
+                <a16:creationId xmlns="" xmlns:a16="http://schemas.microsoft.com/office/drawing/2014/main" id="{8C44AB79-BD69-42C7-8107-999C571EC43F}"/>
+              </a:ext>
+            </a:extLst>
+          </p:cNvPr>
+          <p:cNvSpPr txBox="1"/>
+          <p:nvPr/>
+        </p:nvSpPr>
+        <p:spPr>
+          <a:xfrm>
             <a:off x="956733" y="1667675"/>
-            <a:ext cx="10278533" cy="1200329"/>
+            <a:ext cx="10278533" cy="461665"/>
           </a:xfrm>
           <a:prstGeom prst="rect">
             <a:avLst/>
@@ -8041,121 +8034,27 @@
             </a:pPr>
             <a:r>
               <a:rPr lang="pt-BR" sz="2400" dirty="0"/>
-              <a:t>Critérios de desempate</a:t>
-            </a:r>
-            <a:r>
-              <a:rPr lang="pt-BR" sz="2400" b="0" dirty="0">
-                <a:effectLst/>
-              </a:rPr>
-              <a:t/>
-            </a:r>
-            <a:br>
-              <a:rPr lang="pt-BR" sz="2400" b="0" dirty="0">
-                <a:effectLst/>
-              </a:rPr>
-            </a:br>
-            <a:r>
-              <a:rPr lang="pt-BR" sz="2400" b="0" dirty="0">
-                <a:effectLst/>
-              </a:rPr>
-              <a:t/>
-            </a:r>
-            <a:br>
-              <a:rPr lang="pt-BR" sz="2400" b="0" dirty="0">
-                <a:effectLst/>
-              </a:rPr>
-            </a:br>
-            <a:endParaRPr lang="pt-BR" sz="2400" dirty="0"/>
-          </a:p>
-        </p:txBody>
-      </p:sp>
-      <p:sp>
-        <p:nvSpPr>
-          <p:cNvPr id="9" name="CaixaDeTexto 8">
-            <a:extLst>
-              <a:ext uri="{FF2B5EF4-FFF2-40B4-BE49-F238E27FC236}">
-                <a16:creationId xmlns:a16="http://schemas.microsoft.com/office/drawing/2014/main" xmlns="" id="{A32DB5FD-E24E-4C04-851E-C1CA2DE45BC8}"/>
-              </a:ext>
-            </a:extLst>
-          </p:cNvPr>
-          <p:cNvSpPr txBox="1"/>
-          <p:nvPr/>
-        </p:nvSpPr>
-        <p:spPr>
-          <a:xfrm>
-            <a:off x="1971675" y="2492343"/>
-            <a:ext cx="8515350" cy="2308324"/>
-          </a:xfrm>
-          <a:prstGeom prst="rect">
-            <a:avLst/>
-          </a:prstGeom>
-          <a:noFill/>
-        </p:spPr>
-        <p:txBody>
-          <a:bodyPr wrap="square">
-            <a:spAutoFit/>
-          </a:bodyPr>
-          <a:lstStyle/>
-          <a:p>
-            <a:r>
-              <a:rPr lang="pt-BR" b="1" dirty="0">
-                <a:solidFill>
-                  <a:schemeClr val="bg1"/>
-                </a:solidFill>
-              </a:rPr>
-              <a:t>I - candidatos que tenham optado por município de atuação de mesma UF do seu domicílio de residência, considerado o endereço informado no ato da inscrição;</a:t>
-            </a:r>
-          </a:p>
-          <a:p>
-            <a:r>
-              <a:rPr lang="pt-BR" b="1" dirty="0">
-                <a:solidFill>
-                  <a:schemeClr val="bg1"/>
-                </a:solidFill>
-              </a:rPr>
-              <a:t>II - candidatos que tenham optado por município de atuação de mesma UF do município de seu nascimento, conforme registrado no documento de identificação;</a:t>
-            </a:r>
-          </a:p>
-          <a:p>
-            <a:r>
-              <a:rPr lang="pt-BR" b="1" dirty="0">
-                <a:solidFill>
-                  <a:schemeClr val="bg1"/>
-                </a:solidFill>
-              </a:rPr>
-              <a:t>III - candidatos com maior tempo de formação em medicina, considerando o dia, o mês e o ano;</a:t>
-            </a:r>
-          </a:p>
-          <a:p>
-            <a:r>
-              <a:rPr lang="pt-BR" b="1" dirty="0">
-                <a:solidFill>
-                  <a:schemeClr val="bg1"/>
-                </a:solidFill>
-              </a:rPr>
-              <a:t>IV - candidatos que possuírem maior idade, considerados o dia, mês e ano de nascimento.</a:t>
+              <a:t>Ordem de prioridade</a:t>
             </a:r>
           </a:p>
         </p:txBody>
       </p:sp>
       <p:cxnSp>
         <p:nvCxnSpPr>
-          <p:cNvPr id="10" name="Conector reto 9">
-            <a:extLst>
-              <a:ext uri="{FF2B5EF4-FFF2-40B4-BE49-F238E27FC236}">
-                <a16:creationId xmlns:a16="http://schemas.microsoft.com/office/drawing/2014/main" xmlns="" id="{863ED132-1CFD-4B6E-9EC7-E7A9D8A31099}"/>
-              </a:ext>
-            </a:extLst>
-          </p:cNvPr>
-          <p:cNvCxnSpPr>
-            <a:cxnSpLocks/>
-          </p:cNvCxnSpPr>
+          <p:cNvPr id="11" name="Conector reto 10">
+            <a:extLst>
+              <a:ext uri="{FF2B5EF4-FFF2-40B4-BE49-F238E27FC236}">
+                <a16:creationId xmlns="" xmlns:a16="http://schemas.microsoft.com/office/drawing/2014/main" id="{A3621E3D-C0AF-4E23-A437-341DB4FEC23B}"/>
+              </a:ext>
+            </a:extLst>
+          </p:cNvPr>
+          <p:cNvCxnSpPr/>
           <p:nvPr/>
         </p:nvCxnSpPr>
         <p:spPr>
           <a:xfrm flipH="1">
-            <a:off x="0" y="1905000"/>
-            <a:ext cx="4512734" cy="0"/>
+            <a:off x="-177800" y="1905000"/>
+            <a:ext cx="4690533" cy="0"/>
           </a:xfrm>
           <a:prstGeom prst="line">
             <a:avLst/>
@@ -8183,22 +8082,20 @@
       </p:cxnSp>
       <p:cxnSp>
         <p:nvCxnSpPr>
-          <p:cNvPr id="14" name="Conector reto 13">
-            <a:extLst>
-              <a:ext uri="{FF2B5EF4-FFF2-40B4-BE49-F238E27FC236}">
-                <a16:creationId xmlns:a16="http://schemas.microsoft.com/office/drawing/2014/main" xmlns="" id="{7080E6B4-42C5-4D2F-88E5-5F25701B64F7}"/>
-              </a:ext>
-            </a:extLst>
-          </p:cNvPr>
-          <p:cNvCxnSpPr>
-            <a:cxnSpLocks/>
-          </p:cNvCxnSpPr>
+          <p:cNvPr id="12" name="Conector reto 11">
+            <a:extLst>
+              <a:ext uri="{FF2B5EF4-FFF2-40B4-BE49-F238E27FC236}">
+                <a16:creationId xmlns="" xmlns:a16="http://schemas.microsoft.com/office/drawing/2014/main" id="{CBCC7E19-1EEF-4343-A75D-B93ACB22F9D6}"/>
+              </a:ext>
+            </a:extLst>
+          </p:cNvPr>
+          <p:cNvCxnSpPr/>
           <p:nvPr/>
         </p:nvCxnSpPr>
         <p:spPr>
           <a:xfrm flipH="1">
-            <a:off x="7653868" y="1905000"/>
-            <a:ext cx="4538132" cy="0"/>
+            <a:off x="7653867" y="1905000"/>
+            <a:ext cx="4690533" cy="0"/>
           </a:xfrm>
           <a:prstGeom prst="line">
             <a:avLst/>
@@ -8226,10 +8123,10 @@
       </p:cxnSp>
       <p:pic>
         <p:nvPicPr>
-          <p:cNvPr id="12" name="Imagem 11">
-            <a:extLst>
-              <a:ext uri="{FF2B5EF4-FFF2-40B4-BE49-F238E27FC236}">
-                <a16:creationId xmlns:a16="http://schemas.microsoft.com/office/drawing/2014/main" xmlns="" id="{E2BD5E67-FCF1-42BD-86B3-DC1E87EB9549}"/>
+          <p:cNvPr id="14" name="Imagem 13">
+            <a:extLst>
+              <a:ext uri="{FF2B5EF4-FFF2-40B4-BE49-F238E27FC236}">
+                <a16:creationId xmlns="" xmlns:a16="http://schemas.microsoft.com/office/drawing/2014/main" id="{42D323B6-9B59-406A-8490-F154B66F9D74}"/>
               </a:ext>
             </a:extLst>
           </p:cNvPr>
@@ -8238,21 +8135,58 @@
           </p:cNvPicPr>
           <p:nvPr/>
         </p:nvPicPr>
-        <p:blipFill rotWithShape="1">
-          <a:blip r:embed="rId2" cstate="print">
+        <p:blipFill>
+          <a:blip r:embed="rId3" cstate="print">
             <a:extLst>
               <a:ext uri="{28A0092B-C50C-407E-A947-70E740481C1C}">
                 <a14:useLocalDpi xmlns:a14="http://schemas.microsoft.com/office/drawing/2010/main" val="0"/>
               </a:ext>
             </a:extLst>
           </a:blip>
-          <a:srcRect t="24493"/>
-          <a:stretch/>
+          <a:stretch>
+            <a:fillRect/>
+          </a:stretch>
         </p:blipFill>
         <p:spPr>
           <a:xfrm>
-            <a:off x="5418370" y="5190067"/>
-            <a:ext cx="1355259" cy="1092606"/>
+            <a:off x="4169833" y="4953632"/>
+            <a:ext cx="1093895" cy="1093895"/>
+          </a:xfrm>
+          <a:prstGeom prst="rect">
+            <a:avLst/>
+          </a:prstGeom>
+        </p:spPr>
+      </p:pic>
+      <p:pic>
+        <p:nvPicPr>
+          <p:cNvPr id="16" name="Imagem 15">
+            <a:extLst>
+              <a:ext uri="{FF2B5EF4-FFF2-40B4-BE49-F238E27FC236}">
+                <a16:creationId xmlns="" xmlns:a16="http://schemas.microsoft.com/office/drawing/2014/main" id="{A42EE720-7CCF-4A68-8CA4-B3F45BAD16C5}"/>
+              </a:ext>
+            </a:extLst>
+          </p:cNvPr>
+          <p:cNvPicPr>
+            <a:picLocks noChangeAspect="1"/>
+          </p:cNvPicPr>
+          <p:nvPr/>
+        </p:nvPicPr>
+        <p:blipFill>
+          <a:blip r:embed="rId3" cstate="print">
+            <a:extLst>
+              <a:ext uri="{28A0092B-C50C-407E-A947-70E740481C1C}">
+                <a14:useLocalDpi xmlns:a14="http://schemas.microsoft.com/office/drawing/2010/main" val="0"/>
+              </a:ext>
+            </a:extLst>
+          </a:blip>
+          <a:stretch>
+            <a:fillRect/>
+          </a:stretch>
+        </p:blipFill>
+        <p:spPr>
+          <a:xfrm>
+            <a:off x="6928269" y="4953632"/>
+            <a:ext cx="1093895" cy="1093895"/>
           </a:xfrm>
           <a:prstGeom prst="rect">
             <a:avLst/>
@@ -8262,7 +8196,7 @@
     </p:spTree>
     <p:extLst>
       <p:ext uri="{BB962C8B-B14F-4D97-AF65-F5344CB8AC3E}">
-        <p14:creationId xmlns:p14="http://schemas.microsoft.com/office/powerpoint/2010/main" val="1642264672"/>
+        <p14:creationId xmlns:p14="http://schemas.microsoft.com/office/powerpoint/2010/main" val="1785814877"/>
       </p:ext>
     </p:extLst>
   </p:cSld>
@@ -8291,10 +8225,62 @@
       </p:grpSpPr>
       <p:sp>
         <p:nvSpPr>
+          <p:cNvPr id="7" name="Retângulo 6">
+            <a:extLst>
+              <a:ext uri="{FF2B5EF4-FFF2-40B4-BE49-F238E27FC236}">
+                <a16:creationId xmlns="" xmlns:a16="http://schemas.microsoft.com/office/drawing/2014/main" id="{5E0F7497-D302-4F68-8123-03414F2C6833}"/>
+              </a:ext>
+            </a:extLst>
+          </p:cNvPr>
+          <p:cNvSpPr/>
+          <p:nvPr/>
+        </p:nvSpPr>
+        <p:spPr>
+          <a:xfrm>
+            <a:off x="1704975" y="2558112"/>
+            <a:ext cx="8905875" cy="2032937"/>
+          </a:xfrm>
+          <a:prstGeom prst="rect">
+            <a:avLst/>
+          </a:prstGeom>
+          <a:solidFill>
+            <a:srgbClr val="67C7F2"/>
+          </a:solidFill>
+          <a:ln>
+            <a:noFill/>
+          </a:ln>
+        </p:spPr>
+        <p:style>
+          <a:lnRef idx="2">
+            <a:schemeClr val="accent1">
+              <a:shade val="50000"/>
+            </a:schemeClr>
+          </a:lnRef>
+          <a:fillRef idx="1">
+            <a:schemeClr val="accent1"/>
+          </a:fillRef>
+          <a:effectRef idx="0">
+            <a:schemeClr val="accent1"/>
+          </a:effectRef>
+          <a:fontRef idx="minor">
+            <a:schemeClr val="lt1"/>
+          </a:fontRef>
+        </p:style>
+        <p:txBody>
+          <a:bodyPr rtlCol="0" anchor="ctr"/>
+          <a:lstStyle/>
+          <a:p>
+            <a:pPr algn="ctr"/>
+            <a:endParaRPr lang="pt-BR"/>
+          </a:p>
+        </p:txBody>
+      </p:sp>
+      <p:sp>
+        <p:nvSpPr>
           <p:cNvPr id="2" name="Título 1">
             <a:extLst>
               <a:ext uri="{FF2B5EF4-FFF2-40B4-BE49-F238E27FC236}">
-                <a16:creationId xmlns:a16="http://schemas.microsoft.com/office/drawing/2014/main" xmlns="" id="{E5407E68-547D-40FB-ADFC-29225BCA97FB}"/>
+                <a16:creationId xmlns="" xmlns:a16="http://schemas.microsoft.com/office/drawing/2014/main" id="{E5407E68-547D-40FB-ADFC-29225BCA97FB}"/>
               </a:ext>
             </a:extLst>
           </p:cNvPr>
@@ -8328,7 +8314,7 @@
           <p:cNvPr id="4" name="Espaço Reservado para Número de Slide 3">
             <a:extLst>
               <a:ext uri="{FF2B5EF4-FFF2-40B4-BE49-F238E27FC236}">
-                <a16:creationId xmlns:a16="http://schemas.microsoft.com/office/drawing/2014/main" xmlns="" id="{B251EF4B-4832-430A-9B53-231F361E70F5}"/>
+                <a16:creationId xmlns="" xmlns:a16="http://schemas.microsoft.com/office/drawing/2014/main" id="{B251EF4B-4832-430A-9B53-231F361E70F5}"/>
               </a:ext>
             </a:extLst>
           </p:cNvPr>
@@ -8355,10 +8341,10 @@
       </p:sp>
       <p:sp>
         <p:nvSpPr>
-          <p:cNvPr id="6" name="CaixaDeTexto 5">
-            <a:extLst>
-              <a:ext uri="{FF2B5EF4-FFF2-40B4-BE49-F238E27FC236}">
-                <a16:creationId xmlns:a16="http://schemas.microsoft.com/office/drawing/2014/main" xmlns="" id="{51FA5D3E-0952-4ABF-9964-6524675A944A}"/>
+          <p:cNvPr id="9" name="CaixaDeTexto 8">
+            <a:extLst>
+              <a:ext uri="{FF2B5EF4-FFF2-40B4-BE49-F238E27FC236}">
+                <a16:creationId xmlns="" xmlns:a16="http://schemas.microsoft.com/office/drawing/2014/main" id="{A32DB5FD-E24E-4C04-851E-C1CA2DE45BC8}"/>
               </a:ext>
             </a:extLst>
           </p:cNvPr>
@@ -8367,8 +8353,83 @@
         </p:nvSpPr>
         <p:spPr>
           <a:xfrm>
-            <a:off x="956733" y="1316468"/>
-            <a:ext cx="10278533" cy="1384995"/>
+            <a:off x="1714500" y="3047259"/>
+            <a:ext cx="8905874" cy="923330"/>
+          </a:xfrm>
+          <a:prstGeom prst="rect">
+            <a:avLst/>
+          </a:prstGeom>
+          <a:noFill/>
+        </p:spPr>
+        <p:txBody>
+          <a:bodyPr wrap="square">
+            <a:spAutoFit/>
+          </a:bodyPr>
+          <a:lstStyle/>
+          <a:p>
+            <a:r>
+              <a:rPr lang="pt-BR" b="1" dirty="0">
+                <a:solidFill>
+                  <a:schemeClr val="bg1"/>
+                </a:solidFill>
+              </a:rPr>
+              <a:t>4.2.2 A indicação do local de atuação é requisito indispensável para alocação do profissional no Projeto sendo oportunizada ao candidato a indicação de 2 (duas) localidades, por ordem de sua preferência.</a:t>
+            </a:r>
+          </a:p>
+        </p:txBody>
+      </p:sp>
+      <p:pic>
+        <p:nvPicPr>
+          <p:cNvPr id="5" name="Imagem 4">
+            <a:extLst>
+              <a:ext uri="{FF2B5EF4-FFF2-40B4-BE49-F238E27FC236}">
+                <a16:creationId xmlns="" xmlns:a16="http://schemas.microsoft.com/office/drawing/2014/main" id="{05F67C67-DA67-4FF1-A286-CF17F0405004}"/>
+              </a:ext>
+            </a:extLst>
+          </p:cNvPr>
+          <p:cNvPicPr>
+            <a:picLocks noChangeAspect="1"/>
+          </p:cNvPicPr>
+          <p:nvPr/>
+        </p:nvPicPr>
+        <p:blipFill>
+          <a:blip r:embed="rId2" cstate="print">
+            <a:extLst>
+              <a:ext uri="{28A0092B-C50C-407E-A947-70E740481C1C}">
+                <a14:useLocalDpi xmlns:a14="http://schemas.microsoft.com/office/drawing/2010/main" val="0"/>
+              </a:ext>
+            </a:extLst>
+          </a:blip>
+          <a:stretch>
+            <a:fillRect/>
+          </a:stretch>
+        </p:blipFill>
+        <p:spPr>
+          <a:xfrm>
+            <a:off x="5338232" y="4742814"/>
+            <a:ext cx="1515533" cy="1515533"/>
+          </a:xfrm>
+          <a:prstGeom prst="rect">
+            <a:avLst/>
+          </a:prstGeom>
+        </p:spPr>
+      </p:pic>
+      <p:sp>
+        <p:nvSpPr>
+          <p:cNvPr id="10" name="CaixaDeTexto 9">
+            <a:extLst>
+              <a:ext uri="{FF2B5EF4-FFF2-40B4-BE49-F238E27FC236}">
+                <a16:creationId xmlns="" xmlns:a16="http://schemas.microsoft.com/office/drawing/2014/main" id="{8C44AB79-BD69-42C7-8107-999C571EC43F}"/>
+              </a:ext>
+            </a:extLst>
+          </p:cNvPr>
+          <p:cNvSpPr txBox="1"/>
+          <p:nvPr/>
+        </p:nvSpPr>
+        <p:spPr>
+          <a:xfrm>
+            <a:off x="956733" y="1667675"/>
+            <a:ext cx="10278533" cy="461665"/>
           </a:xfrm>
           <a:prstGeom prst="rect">
             <a:avLst/>
@@ -8390,92 +8451,28 @@
               </a:spcAft>
             </a:pPr>
             <a:r>
-              <a:rPr lang="pt-BR" sz="2800" dirty="0"/>
-              <a:t>Classificação das localidades</a:t>
-            </a:r>
-            <a:r>
-              <a:rPr lang="pt-BR" sz="2800" b="0" dirty="0">
-                <a:effectLst/>
-              </a:rPr>
-              <a:t/>
-            </a:r>
-            <a:br>
-              <a:rPr lang="pt-BR" sz="2800" b="0" dirty="0">
-                <a:effectLst/>
-              </a:rPr>
-            </a:br>
-            <a:r>
-              <a:rPr lang="pt-BR" sz="2800" b="0" dirty="0">
-                <a:effectLst/>
-              </a:rPr>
-              <a:t/>
-            </a:r>
-            <a:br>
-              <a:rPr lang="pt-BR" sz="2800" b="0" dirty="0">
-                <a:effectLst/>
-              </a:rPr>
-            </a:br>
-            <a:endParaRPr lang="pt-BR" sz="2800" dirty="0"/>
-          </a:p>
-        </p:txBody>
-      </p:sp>
-      <p:sp>
-        <p:nvSpPr>
-          <p:cNvPr id="13" name="CaixaDeTexto 12">
-            <a:extLst>
-              <a:ext uri="{FF2B5EF4-FFF2-40B4-BE49-F238E27FC236}">
-                <a16:creationId xmlns:a16="http://schemas.microsoft.com/office/drawing/2014/main" xmlns="" id="{9C3FC4C1-BBE1-40EB-BB49-C266511B5D4F}"/>
-              </a:ext>
-            </a:extLst>
-          </p:cNvPr>
-          <p:cNvSpPr txBox="1"/>
-          <p:nvPr/>
-        </p:nvSpPr>
-        <p:spPr>
-          <a:xfrm>
-            <a:off x="771525" y="6449100"/>
-            <a:ext cx="6096000" cy="369332"/>
-          </a:xfrm>
-          <a:prstGeom prst="rect">
-            <a:avLst/>
-          </a:prstGeom>
-          <a:noFill/>
-        </p:spPr>
-        <p:txBody>
-          <a:bodyPr wrap="square">
-            <a:spAutoFit/>
-          </a:bodyPr>
-          <a:lstStyle/>
-          <a:p>
-            <a:r>
-              <a:rPr lang="pt-BR" dirty="0">
-                <a:solidFill>
-                  <a:schemeClr val="bg1"/>
-                </a:solidFill>
-              </a:rPr>
-              <a:t>Consultar Portaria Nº 1.409, de 10 de julho de 2013</a:t>
+              <a:rPr lang="pt-BR" sz="2400" dirty="0"/>
+              <a:t>Ordem de prioridade</a:t>
             </a:r>
           </a:p>
         </p:txBody>
       </p:sp>
       <p:cxnSp>
         <p:nvCxnSpPr>
-          <p:cNvPr id="9" name="Conector reto 8">
-            <a:extLst>
-              <a:ext uri="{FF2B5EF4-FFF2-40B4-BE49-F238E27FC236}">
-                <a16:creationId xmlns:a16="http://schemas.microsoft.com/office/drawing/2014/main" xmlns="" id="{0C5F8B4B-E280-4140-838E-B39EB5F7609A}"/>
-              </a:ext>
-            </a:extLst>
-          </p:cNvPr>
-          <p:cNvCxnSpPr>
-            <a:cxnSpLocks/>
-          </p:cNvCxnSpPr>
+          <p:cNvPr id="11" name="Conector reto 10">
+            <a:extLst>
+              <a:ext uri="{FF2B5EF4-FFF2-40B4-BE49-F238E27FC236}">
+                <a16:creationId xmlns="" xmlns:a16="http://schemas.microsoft.com/office/drawing/2014/main" id="{A3621E3D-C0AF-4E23-A437-341DB4FEC23B}"/>
+              </a:ext>
+            </a:extLst>
+          </p:cNvPr>
+          <p:cNvCxnSpPr/>
           <p:nvPr/>
         </p:nvCxnSpPr>
         <p:spPr>
           <a:xfrm flipH="1">
-            <a:off x="0" y="1596196"/>
-            <a:ext cx="3797620" cy="0"/>
+            <a:off x="-177800" y="1905000"/>
+            <a:ext cx="4690533" cy="0"/>
           </a:xfrm>
           <a:prstGeom prst="line">
             <a:avLst/>
@@ -8503,22 +8500,20 @@
       </p:cxnSp>
       <p:cxnSp>
         <p:nvCxnSpPr>
-          <p:cNvPr id="10" name="Conector reto 9">
-            <a:extLst>
-              <a:ext uri="{FF2B5EF4-FFF2-40B4-BE49-F238E27FC236}">
-                <a16:creationId xmlns:a16="http://schemas.microsoft.com/office/drawing/2014/main" xmlns="" id="{93CB148D-F7D0-4670-A07F-77B4494B35B4}"/>
-              </a:ext>
-            </a:extLst>
-          </p:cNvPr>
-          <p:cNvCxnSpPr>
-            <a:cxnSpLocks/>
-          </p:cNvCxnSpPr>
+          <p:cNvPr id="12" name="Conector reto 11">
+            <a:extLst>
+              <a:ext uri="{FF2B5EF4-FFF2-40B4-BE49-F238E27FC236}">
+                <a16:creationId xmlns="" xmlns:a16="http://schemas.microsoft.com/office/drawing/2014/main" id="{CBCC7E19-1EEF-4343-A75D-B93ACB22F9D6}"/>
+              </a:ext>
+            </a:extLst>
+          </p:cNvPr>
+          <p:cNvCxnSpPr/>
           <p:nvPr/>
         </p:nvCxnSpPr>
         <p:spPr>
           <a:xfrm flipH="1">
-            <a:off x="8259234" y="1596196"/>
-            <a:ext cx="3932766" cy="0"/>
+            <a:off x="7653867" y="1905000"/>
+            <a:ext cx="4690533" cy="0"/>
           </a:xfrm>
           <a:prstGeom prst="line">
             <a:avLst/>
@@ -8546,10 +8541,10 @@
       </p:cxnSp>
       <p:pic>
         <p:nvPicPr>
-          <p:cNvPr id="7" name="Imagem 6">
-            <a:extLst>
-              <a:ext uri="{FF2B5EF4-FFF2-40B4-BE49-F238E27FC236}">
-                <a16:creationId xmlns:a16="http://schemas.microsoft.com/office/drawing/2014/main" xmlns="" id="{95AC1215-970E-48F0-9C5F-09DC7477DF7D}"/>
+          <p:cNvPr id="14" name="Imagem 13">
+            <a:extLst>
+              <a:ext uri="{FF2B5EF4-FFF2-40B4-BE49-F238E27FC236}">
+                <a16:creationId xmlns="" xmlns:a16="http://schemas.microsoft.com/office/drawing/2014/main" id="{42D323B6-9B59-406A-8490-F154B66F9D74}"/>
               </a:ext>
             </a:extLst>
           </p:cNvPr>
@@ -8559,69 +8554,67 @@
           <p:nvPr/>
         </p:nvPicPr>
         <p:blipFill>
-          <a:blip r:embed="rId2"/>
+          <a:blip r:embed="rId3" cstate="print">
+            <a:extLst>
+              <a:ext uri="{28A0092B-C50C-407E-A947-70E740481C1C}">
+                <a14:useLocalDpi xmlns:a14="http://schemas.microsoft.com/office/drawing/2010/main" val="0"/>
+              </a:ext>
+            </a:extLst>
+          </a:blip>
           <a:stretch>
             <a:fillRect/>
           </a:stretch>
         </p:blipFill>
         <p:spPr>
           <a:xfrm>
-            <a:off x="3338127" y="2141911"/>
-            <a:ext cx="5515745" cy="2667372"/>
+            <a:off x="4169833" y="4953632"/>
+            <a:ext cx="1093895" cy="1093895"/>
           </a:xfrm>
           <a:prstGeom prst="rect">
             <a:avLst/>
           </a:prstGeom>
         </p:spPr>
       </p:pic>
-      <p:sp>
-        <p:nvSpPr>
-          <p:cNvPr id="14" name="CaixaDeTexto 13">
-            <a:extLst>
-              <a:ext uri="{FF2B5EF4-FFF2-40B4-BE49-F238E27FC236}">
-                <a16:creationId xmlns:a16="http://schemas.microsoft.com/office/drawing/2014/main" xmlns="" id="{1A8DCA55-E1F6-4A36-8934-B233A4CC8686}"/>
-              </a:ext>
-            </a:extLst>
-          </p:cNvPr>
-          <p:cNvSpPr txBox="1"/>
+      <p:pic>
+        <p:nvPicPr>
+          <p:cNvPr id="16" name="Imagem 15">
+            <a:extLst>
+              <a:ext uri="{FF2B5EF4-FFF2-40B4-BE49-F238E27FC236}">
+                <a16:creationId xmlns="" xmlns:a16="http://schemas.microsoft.com/office/drawing/2014/main" id="{A42EE720-7CCF-4A68-8CA4-B3F45BAD16C5}"/>
+              </a:ext>
+            </a:extLst>
+          </p:cNvPr>
+          <p:cNvPicPr>
+            <a:picLocks noChangeAspect="1"/>
+          </p:cNvPicPr>
           <p:nvPr/>
-        </p:nvSpPr>
-        <p:spPr>
-          <a:xfrm>
-            <a:off x="1994429" y="4893370"/>
-            <a:ext cx="8346016" cy="646331"/>
+        </p:nvPicPr>
+        <p:blipFill>
+          <a:blip r:embed="rId3" cstate="print">
+            <a:extLst>
+              <a:ext uri="{28A0092B-C50C-407E-A947-70E740481C1C}">
+                <a14:useLocalDpi xmlns:a14="http://schemas.microsoft.com/office/drawing/2010/main" val="0"/>
+              </a:ext>
+            </a:extLst>
+          </a:blip>
+          <a:stretch>
+            <a:fillRect/>
+          </a:stretch>
+        </p:blipFill>
+        <p:spPr>
+          <a:xfrm>
+            <a:off x="6928269" y="4953632"/>
+            <a:ext cx="1093895" cy="1093895"/>
           </a:xfrm>
           <a:prstGeom prst="rect">
             <a:avLst/>
           </a:prstGeom>
-          <a:noFill/>
-        </p:spPr>
-        <p:txBody>
-          <a:bodyPr wrap="square">
-            <a:spAutoFit/>
-          </a:bodyPr>
-          <a:lstStyle/>
-          <a:p>
-            <a:pPr algn="ctr"/>
-            <a:r>
-              <a:rPr lang="pt-BR" dirty="0"/>
-              <a:t>*na hipótese do médico integrar </a:t>
-            </a:r>
-            <a:r>
-              <a:rPr lang="pt-BR" dirty="0" err="1"/>
-              <a:t>eSF</a:t>
-            </a:r>
-            <a:r>
-              <a:rPr lang="pt-BR" dirty="0"/>
-              <a:t> situada em município de Perfil 1, apenas será possível a indicação de vagas em municípios de mesmo perfil;</a:t>
-            </a:r>
-          </a:p>
-        </p:txBody>
-      </p:sp>
+        </p:spPr>
+      </p:pic>
     </p:spTree>
     <p:extLst>
       <p:ext uri="{BB962C8B-B14F-4D97-AF65-F5344CB8AC3E}">
-        <p14:creationId xmlns:p14="http://schemas.microsoft.com/office/powerpoint/2010/main" val="2885577964"/>
+        <p14:creationId xmlns:p14="http://schemas.microsoft.com/office/powerpoint/2010/main" val="3563273176"/>
       </p:ext>
     </p:extLst>
   </p:cSld>
@@ -8650,10 +8643,10 @@
       </p:grpSpPr>
       <p:sp>
         <p:nvSpPr>
-          <p:cNvPr id="2" name="Espaço Reservado para Texto 1">
-            <a:extLst>
-              <a:ext uri="{FF2B5EF4-FFF2-40B4-BE49-F238E27FC236}">
-                <a16:creationId xmlns:a16="http://schemas.microsoft.com/office/drawing/2014/main" xmlns="" id="{D92FA219-391B-418F-A58F-61E12DA6A1F3}"/>
+          <p:cNvPr id="2" name="Título 1">
+            <a:extLst>
+              <a:ext uri="{FF2B5EF4-FFF2-40B4-BE49-F238E27FC236}">
+                <a16:creationId xmlns="" xmlns:a16="http://schemas.microsoft.com/office/drawing/2014/main" id="{E5407E68-547D-40FB-ADFC-29225BCA97FB}"/>
               </a:ext>
             </a:extLst>
           </p:cNvPr>
@@ -8661,7 +8654,41 @@
             <a:spLocks noGrp="1"/>
           </p:cNvSpPr>
           <p:nvPr>
-            <p:ph type="body" sz="quarter" idx="10"/>
+            <p:ph type="title"/>
+          </p:nvPr>
+        </p:nvSpPr>
+        <p:spPr>
+          <a:xfrm>
+            <a:off x="419100" y="373393"/>
+            <a:ext cx="11496675" cy="1325563"/>
+          </a:xfrm>
+        </p:spPr>
+        <p:txBody>
+          <a:bodyPr/>
+          <a:lstStyle/>
+          <a:p>
+            <a:pPr algn="ctr"/>
+            <a:r>
+              <a:rPr lang="pt-BR" dirty="0"/>
+              <a:t>EDITAL Nº 05, DE 19 DE MAIO DE 2023</a:t>
+            </a:r>
+          </a:p>
+        </p:txBody>
+      </p:sp>
+      <p:sp>
+        <p:nvSpPr>
+          <p:cNvPr id="4" name="Espaço Reservado para Número de Slide 3">
+            <a:extLst>
+              <a:ext uri="{FF2B5EF4-FFF2-40B4-BE49-F238E27FC236}">
+                <a16:creationId xmlns="" xmlns:a16="http://schemas.microsoft.com/office/drawing/2014/main" id="{B251EF4B-4832-430A-9B53-231F361E70F5}"/>
+              </a:ext>
+            </a:extLst>
+          </p:cNvPr>
+          <p:cNvSpPr>
+            <a:spLocks noGrp="1"/>
+          </p:cNvSpPr>
+          <p:nvPr>
+            <p:ph type="sldNum" sz="quarter" idx="10"/>
           </p:nvPr>
         </p:nvSpPr>
         <p:spPr/>
@@ -8669,19 +8696,86 @@
           <a:bodyPr/>
           <a:lstStyle/>
           <a:p>
-            <a:r>
-              <a:rPr lang="pt-BR" dirty="0"/>
-              <a:t>Obrigado!</a:t>
-            </a:r>
+            <a:fld id="{42B4FE49-DA0E-4E24-BB21-E8757AAD71F5}" type="slidenum">
+              <a:rPr lang="pt-BR" smtClean="0"/>
+              <a:pPr/>
+              <a:t>19</a:t>
+            </a:fld>
+            <a:endParaRPr lang="pt-BR" dirty="0"/>
           </a:p>
         </p:txBody>
       </p:sp>
+      <p:pic>
+        <p:nvPicPr>
+          <p:cNvPr id="10" name="Imagem 9">
+            <a:extLst>
+              <a:ext uri="{FF2B5EF4-FFF2-40B4-BE49-F238E27FC236}">
+                <a16:creationId xmlns="" xmlns:a16="http://schemas.microsoft.com/office/drawing/2014/main" id="{6409CD67-C6D4-4B5A-B708-68E3228A4FD4}"/>
+              </a:ext>
+            </a:extLst>
+          </p:cNvPr>
+          <p:cNvPicPr>
+            <a:picLocks noChangeAspect="1"/>
+          </p:cNvPicPr>
+          <p:nvPr/>
+        </p:nvPicPr>
+        <p:blipFill rotWithShape="1">
+          <a:blip r:embed="rId2" cstate="print">
+            <a:extLst>
+              <a:ext uri="{28A0092B-C50C-407E-A947-70E740481C1C}">
+                <a14:useLocalDpi xmlns:a14="http://schemas.microsoft.com/office/drawing/2010/main" val="0"/>
+              </a:ext>
+            </a:extLst>
+          </a:blip>
+          <a:srcRect t="24493"/>
+          <a:stretch/>
+        </p:blipFill>
+        <p:spPr>
+          <a:xfrm>
+            <a:off x="5418370" y="5190067"/>
+            <a:ext cx="1355259" cy="1092606"/>
+          </a:xfrm>
+          <a:prstGeom prst="rect">
+            <a:avLst/>
+          </a:prstGeom>
+        </p:spPr>
+      </p:pic>
+      <p:pic>
+        <p:nvPicPr>
+          <p:cNvPr id="11" name="Imagem 10">
+            <a:extLst>
+              <a:ext uri="{FF2B5EF4-FFF2-40B4-BE49-F238E27FC236}">
+                <a16:creationId xmlns="" xmlns:a16="http://schemas.microsoft.com/office/drawing/2014/main" id="{DE8F042E-A23D-40DC-A1CC-56C166F772D8}"/>
+              </a:ext>
+            </a:extLst>
+          </p:cNvPr>
+          <p:cNvPicPr>
+            <a:picLocks noChangeAspect="1"/>
+          </p:cNvPicPr>
+          <p:nvPr/>
+        </p:nvPicPr>
+        <p:blipFill>
+          <a:blip r:embed="rId3"/>
+          <a:stretch>
+            <a:fillRect/>
+          </a:stretch>
+        </p:blipFill>
+        <p:spPr>
+          <a:xfrm>
+            <a:off x="2573798" y="1698956"/>
+            <a:ext cx="7044401" cy="3264823"/>
+          </a:xfrm>
+          <a:prstGeom prst="rect">
+            <a:avLst/>
+          </a:prstGeom>
+        </p:spPr>
+      </p:pic>
       <p:sp>
         <p:nvSpPr>
-          <p:cNvPr id="4" name="CaixaDeTexto 3">
-            <a:extLst>
-              <a:ext uri="{FF2B5EF4-FFF2-40B4-BE49-F238E27FC236}">
-                <a16:creationId xmlns:a16="http://schemas.microsoft.com/office/drawing/2014/main" xmlns="" id="{8E666252-507F-459A-ADDB-37C24C8F4C6E}"/>
+          <p:cNvPr id="12" name="CaixaDeTexto 11">
+            <a:extLst>
+              <a:ext uri="{FF2B5EF4-FFF2-40B4-BE49-F238E27FC236}">
+                <a16:creationId xmlns="" xmlns:a16="http://schemas.microsoft.com/office/drawing/2014/main" id="{C2E3A72C-5002-43FB-9D36-5178527CEE2C}"/>
               </a:ext>
             </a:extLst>
           </p:cNvPr>
@@ -8690,166 +8784,144 @@
         </p:nvSpPr>
         <p:spPr>
           <a:xfrm>
-            <a:off x="2315289" y="4133941"/>
-            <a:ext cx="2391508" cy="307777"/>
+            <a:off x="956733" y="1033604"/>
+            <a:ext cx="10278533" cy="1200329"/>
           </a:xfrm>
           <a:prstGeom prst="rect">
             <a:avLst/>
           </a:prstGeom>
-          <a:solidFill>
-            <a:srgbClr val="0096D5"/>
-          </a:solidFill>
-          <a:ln>
-            <a:noFill/>
-          </a:ln>
+          <a:noFill/>
         </p:spPr>
         <p:txBody>
-          <a:bodyPr wrap="square" rtlCol="0">
+          <a:bodyPr wrap="square">
             <a:spAutoFit/>
           </a:bodyPr>
           <a:lstStyle/>
           <a:p>
-            <a:r>
-              <a:rPr lang="pt-BR" sz="1400" dirty="0">
-                <a:solidFill>
-                  <a:schemeClr val="bg1"/>
-                </a:solidFill>
-                <a:hlinkClick r:id="rId2">
-                  <a:extLst>
-                    <a:ext uri="{A12FA001-AC4F-418D-AE19-62706E023703}">
-                      <ahyp:hlinkClr xmlns:ahyp="http://schemas.microsoft.com/office/drawing/2018/hyperlinkcolor" xmlns="" val="tx"/>
-                    </a:ext>
-                  </a:extLst>
-                </a:hlinkClick>
-              </a:rPr>
-              <a:t>lapei.face.ufg.br</a:t>
-            </a:r>
-            <a:endParaRPr lang="pt-BR" sz="1400" dirty="0">
-              <a:solidFill>
-                <a:schemeClr val="bg1"/>
-              </a:solidFill>
-            </a:endParaRPr>
+            <a:pPr algn="ctr" rtl="0">
+              <a:spcBef>
+                <a:spcPts val="0"/>
+              </a:spcBef>
+              <a:spcAft>
+                <a:spcPts val="0"/>
+              </a:spcAft>
+            </a:pPr>
+            <a:r>
+              <a:rPr lang="pt-BR" sz="2400" b="0" dirty="0">
+                <a:effectLst/>
+              </a:rPr>
+              <a:t>Classificação</a:t>
+            </a:r>
+            <a:br>
+              <a:rPr lang="pt-BR" sz="2400" b="0" dirty="0">
+                <a:effectLst/>
+              </a:rPr>
+            </a:br>
+            <a:r>
+              <a:rPr lang="pt-BR" sz="2400" b="0" dirty="0">
+                <a:effectLst/>
+              </a:rPr>
+              <a:t/>
+            </a:r>
+            <a:br>
+              <a:rPr lang="pt-BR" sz="2400" b="0" dirty="0">
+                <a:effectLst/>
+              </a:rPr>
+            </a:br>
+            <a:endParaRPr lang="pt-BR" sz="2400" dirty="0"/>
           </a:p>
         </p:txBody>
       </p:sp>
-      <p:sp>
-        <p:nvSpPr>
-          <p:cNvPr id="5" name="CaixaDeTexto 4">
-            <a:hlinkClick r:id="rId3"/>
-            <a:extLst>
-              <a:ext uri="{FF2B5EF4-FFF2-40B4-BE49-F238E27FC236}">
-                <a16:creationId xmlns:a16="http://schemas.microsoft.com/office/drawing/2014/main" xmlns="" id="{B1218359-291A-40AF-B50D-806C8590F9E1}"/>
-              </a:ext>
-            </a:extLst>
-          </p:cNvPr>
-          <p:cNvSpPr txBox="1"/>
+      <p:cxnSp>
+        <p:nvCxnSpPr>
+          <p:cNvPr id="13" name="Conector reto 12">
+            <a:extLst>
+              <a:ext uri="{FF2B5EF4-FFF2-40B4-BE49-F238E27FC236}">
+                <a16:creationId xmlns="" xmlns:a16="http://schemas.microsoft.com/office/drawing/2014/main" id="{0E93BDD7-EDA9-42FF-A27B-ADD5ED57043A}"/>
+              </a:ext>
+            </a:extLst>
+          </p:cNvPr>
+          <p:cNvCxnSpPr>
+            <a:cxnSpLocks/>
+          </p:cNvCxnSpPr>
           <p:nvPr/>
-        </p:nvSpPr>
-        <p:spPr>
-          <a:xfrm>
-            <a:off x="2315289" y="4989724"/>
-            <a:ext cx="2391508" cy="307777"/>
-          </a:xfrm>
-          <a:prstGeom prst="rect">
-            <a:avLst/>
-          </a:prstGeom>
-          <a:solidFill>
-            <a:srgbClr val="0096D5"/>
-          </a:solidFill>
+        </p:nvCxnSpPr>
+        <p:spPr>
+          <a:xfrm flipH="1">
+            <a:off x="-177799" y="1270929"/>
+            <a:ext cx="4969932" cy="0"/>
+          </a:xfrm>
+          <a:prstGeom prst="line">
+            <a:avLst/>
+          </a:prstGeom>
           <a:ln>
-            <a:noFill/>
+            <a:solidFill>
+              <a:schemeClr val="tx1"/>
+            </a:solidFill>
           </a:ln>
         </p:spPr>
-        <p:txBody>
-          <a:bodyPr wrap="square" rtlCol="0">
-            <a:spAutoFit/>
-          </a:bodyPr>
-          <a:lstStyle/>
-          <a:p>
-            <a:r>
-              <a:rPr lang="pt-BR" sz="1400" dirty="0">
-                <a:solidFill>
-                  <a:schemeClr val="bg1"/>
-                </a:solidFill>
-                <a:hlinkClick r:id="rId4">
-                  <a:extLst>
-                    <a:ext uri="{A12FA001-AC4F-418D-AE19-62706E023703}">
-                      <ahyp:hlinkClr xmlns:ahyp="http://schemas.microsoft.com/office/drawing/2018/hyperlinkcolor" xmlns="" val="tx"/>
-                    </a:ext>
-                  </a:extLst>
-                </a:hlinkClick>
-              </a:rPr>
-              <a:t>cepasp.face.ufg.br</a:t>
-            </a:r>
-            <a:endParaRPr lang="pt-BR" sz="1400" dirty="0">
-              <a:solidFill>
-                <a:schemeClr val="bg1"/>
-              </a:solidFill>
-            </a:endParaRPr>
-          </a:p>
-        </p:txBody>
-      </p:sp>
-      <p:sp>
-        <p:nvSpPr>
-          <p:cNvPr id="6" name="CaixaDeTexto 5">
-            <a:hlinkClick r:id="rId3"/>
-            <a:extLst>
-              <a:ext uri="{FF2B5EF4-FFF2-40B4-BE49-F238E27FC236}">
-                <a16:creationId xmlns:a16="http://schemas.microsoft.com/office/drawing/2014/main" xmlns="" id="{CF0935FA-19B0-431C-B7FF-7EE62DA5F034}"/>
-              </a:ext>
-            </a:extLst>
-          </p:cNvPr>
-          <p:cNvSpPr txBox="1"/>
+        <p:style>
+          <a:lnRef idx="1">
+            <a:schemeClr val="accent1"/>
+          </a:lnRef>
+          <a:fillRef idx="0">
+            <a:schemeClr val="accent1"/>
+          </a:fillRef>
+          <a:effectRef idx="0">
+            <a:schemeClr val="accent1"/>
+          </a:effectRef>
+          <a:fontRef idx="minor">
+            <a:schemeClr val="tx1"/>
+          </a:fontRef>
+        </p:style>
+      </p:cxnSp>
+      <p:cxnSp>
+        <p:nvCxnSpPr>
+          <p:cNvPr id="14" name="Conector reto 13">
+            <a:extLst>
+              <a:ext uri="{FF2B5EF4-FFF2-40B4-BE49-F238E27FC236}">
+                <a16:creationId xmlns="" xmlns:a16="http://schemas.microsoft.com/office/drawing/2014/main" id="{973A06F0-7F39-4132-A1CC-91B9D178825E}"/>
+              </a:ext>
+            </a:extLst>
+          </p:cNvPr>
+          <p:cNvCxnSpPr>
+            <a:cxnSpLocks/>
+          </p:cNvCxnSpPr>
           <p:nvPr/>
-        </p:nvSpPr>
-        <p:spPr>
-          <a:xfrm>
-            <a:off x="2315289" y="5871543"/>
-            <a:ext cx="2391508" cy="307777"/>
-          </a:xfrm>
-          <a:prstGeom prst="rect">
-            <a:avLst/>
-          </a:prstGeom>
-          <a:solidFill>
-            <a:srgbClr val="0096D5"/>
-          </a:solidFill>
+        </p:nvCxnSpPr>
+        <p:spPr>
+          <a:xfrm flipH="1">
+            <a:off x="7366000" y="1280325"/>
+            <a:ext cx="5020734" cy="0"/>
+          </a:xfrm>
+          <a:prstGeom prst="line">
+            <a:avLst/>
+          </a:prstGeom>
           <a:ln>
-            <a:noFill/>
+            <a:solidFill>
+              <a:schemeClr val="tx1"/>
+            </a:solidFill>
           </a:ln>
         </p:spPr>
-        <p:txBody>
-          <a:bodyPr wrap="square" rtlCol="0">
-            <a:spAutoFit/>
-          </a:bodyPr>
-          <a:lstStyle/>
-          <a:p>
-            <a:r>
-              <a:rPr lang="pt-BR" sz="1400" dirty="0">
-                <a:solidFill>
-                  <a:schemeClr val="bg1"/>
-                </a:solidFill>
-                <a:hlinkClick r:id="rId5">
-                  <a:extLst>
-                    <a:ext uri="{A12FA001-AC4F-418D-AE19-62706E023703}">
-                      <ahyp:hlinkClr xmlns:ahyp="http://schemas.microsoft.com/office/drawing/2018/hyperlinkcolor" xmlns="" val="tx"/>
-                    </a:ext>
-                  </a:extLst>
-                </a:hlinkClick>
-              </a:rPr>
-              <a:t>linegov.com.br</a:t>
-            </a:r>
-            <a:endParaRPr lang="pt-BR" sz="1400" dirty="0">
-              <a:solidFill>
-                <a:schemeClr val="bg1"/>
-              </a:solidFill>
-            </a:endParaRPr>
-          </a:p>
-        </p:txBody>
-      </p:sp>
+        <p:style>
+          <a:lnRef idx="1">
+            <a:schemeClr val="accent1"/>
+          </a:lnRef>
+          <a:fillRef idx="0">
+            <a:schemeClr val="accent1"/>
+          </a:fillRef>
+          <a:effectRef idx="0">
+            <a:schemeClr val="accent1"/>
+          </a:effectRef>
+          <a:fontRef idx="minor">
+            <a:schemeClr val="tx1"/>
+          </a:fontRef>
+        </p:style>
+      </p:cxnSp>
     </p:spTree>
     <p:extLst>
       <p:ext uri="{BB962C8B-B14F-4D97-AF65-F5344CB8AC3E}">
-        <p14:creationId xmlns:p14="http://schemas.microsoft.com/office/powerpoint/2010/main" val="2171335003"/>
+        <p14:creationId xmlns:p14="http://schemas.microsoft.com/office/powerpoint/2010/main" val="467822419"/>
       </p:ext>
     </p:extLst>
   </p:cSld>
@@ -8881,7 +8953,7 @@
           <p:cNvPr id="2" name="Título 1">
             <a:extLst>
               <a:ext uri="{FF2B5EF4-FFF2-40B4-BE49-F238E27FC236}">
-                <a16:creationId xmlns:a16="http://schemas.microsoft.com/office/drawing/2014/main" xmlns="" id="{E5407E68-547D-40FB-ADFC-29225BCA97FB}"/>
+                <a16:creationId xmlns="" xmlns:a16="http://schemas.microsoft.com/office/drawing/2014/main" id="{E5407E68-547D-40FB-ADFC-29225BCA97FB}"/>
               </a:ext>
             </a:extLst>
           </p:cNvPr>
@@ -8910,7 +8982,7 @@
           <p:cNvPr id="4" name="Espaço Reservado para Número de Slide 3">
             <a:extLst>
               <a:ext uri="{FF2B5EF4-FFF2-40B4-BE49-F238E27FC236}">
-                <a16:creationId xmlns:a16="http://schemas.microsoft.com/office/drawing/2014/main" xmlns="" id="{B251EF4B-4832-430A-9B53-231F361E70F5}"/>
+                <a16:creationId xmlns="" xmlns:a16="http://schemas.microsoft.com/office/drawing/2014/main" id="{B251EF4B-4832-430A-9B53-231F361E70F5}"/>
               </a:ext>
             </a:extLst>
           </p:cNvPr>
@@ -8940,7 +9012,7 @@
           <p:cNvPr id="6" name="CaixaDeTexto 5">
             <a:extLst>
               <a:ext uri="{FF2B5EF4-FFF2-40B4-BE49-F238E27FC236}">
-                <a16:creationId xmlns:a16="http://schemas.microsoft.com/office/drawing/2014/main" xmlns="" id="{51FA5D3E-0952-4ABF-9964-6524675A944A}"/>
+                <a16:creationId xmlns="" xmlns:a16="http://schemas.microsoft.com/office/drawing/2014/main" id="{51FA5D3E-0952-4ABF-9964-6524675A944A}"/>
               </a:ext>
             </a:extLst>
           </p:cNvPr>
@@ -9099,7 +9171,7 @@
           <p:cNvPr id="10" name="Imagem 9">
             <a:extLst>
               <a:ext uri="{FF2B5EF4-FFF2-40B4-BE49-F238E27FC236}">
-                <a16:creationId xmlns:a16="http://schemas.microsoft.com/office/drawing/2014/main" xmlns="" id="{8A7E1D30-FFA0-4A6E-886B-AD2FDB64E610}"/>
+                <a16:creationId xmlns="" xmlns:a16="http://schemas.microsoft.com/office/drawing/2014/main" id="{8A7E1D30-FFA0-4A6E-886B-AD2FDB64E610}"/>
               </a:ext>
             </a:extLst>
           </p:cNvPr>
@@ -9147,6 +9219,995 @@
       </p:par>
     </p:tnLst>
   </p:timing>
+</p:sld>
+</file>
+
+<file path=ppt/slides/slide20.xml><?xml version="1.0" encoding="utf-8"?>
+<p:sld xmlns:a="http://schemas.openxmlformats.org/drawingml/2006/main" xmlns:r="http://schemas.openxmlformats.org/officeDocument/2006/relationships" xmlns:p="http://schemas.openxmlformats.org/presentationml/2006/main">
+  <p:cSld>
+    <p:spTree>
+      <p:nvGrpSpPr>
+        <p:cNvPr id="1" name=""/>
+        <p:cNvGrpSpPr/>
+        <p:nvPr/>
+      </p:nvGrpSpPr>
+      <p:grpSpPr>
+        <a:xfrm>
+          <a:off x="0" y="0"/>
+          <a:ext cx="0" cy="0"/>
+          <a:chOff x="0" y="0"/>
+          <a:chExt cx="0" cy="0"/>
+        </a:xfrm>
+      </p:grpSpPr>
+      <p:sp>
+        <p:nvSpPr>
+          <p:cNvPr id="7" name="Retângulo 6">
+            <a:extLst>
+              <a:ext uri="{FF2B5EF4-FFF2-40B4-BE49-F238E27FC236}">
+                <a16:creationId xmlns="" xmlns:a16="http://schemas.microsoft.com/office/drawing/2014/main" id="{5E0F7497-D302-4F68-8123-03414F2C6833}"/>
+              </a:ext>
+            </a:extLst>
+          </p:cNvPr>
+          <p:cNvSpPr/>
+          <p:nvPr/>
+        </p:nvSpPr>
+        <p:spPr>
+          <a:xfrm>
+            <a:off x="1704975" y="2450833"/>
+            <a:ext cx="8905875" cy="2308324"/>
+          </a:xfrm>
+          <a:prstGeom prst="rect">
+            <a:avLst/>
+          </a:prstGeom>
+          <a:solidFill>
+            <a:srgbClr val="67C7F2"/>
+          </a:solidFill>
+          <a:ln>
+            <a:noFill/>
+          </a:ln>
+        </p:spPr>
+        <p:style>
+          <a:lnRef idx="2">
+            <a:schemeClr val="accent1">
+              <a:shade val="50000"/>
+            </a:schemeClr>
+          </a:lnRef>
+          <a:fillRef idx="1">
+            <a:schemeClr val="accent1"/>
+          </a:fillRef>
+          <a:effectRef idx="0">
+            <a:schemeClr val="accent1"/>
+          </a:effectRef>
+          <a:fontRef idx="minor">
+            <a:schemeClr val="lt1"/>
+          </a:fontRef>
+        </p:style>
+        <p:txBody>
+          <a:bodyPr rtlCol="0" anchor="ctr"/>
+          <a:lstStyle/>
+          <a:p>
+            <a:pPr algn="ctr"/>
+            <a:endParaRPr lang="pt-BR"/>
+          </a:p>
+        </p:txBody>
+      </p:sp>
+      <p:sp>
+        <p:nvSpPr>
+          <p:cNvPr id="2" name="Título 1">
+            <a:extLst>
+              <a:ext uri="{FF2B5EF4-FFF2-40B4-BE49-F238E27FC236}">
+                <a16:creationId xmlns="" xmlns:a16="http://schemas.microsoft.com/office/drawing/2014/main" id="{E5407E68-547D-40FB-ADFC-29225BCA97FB}"/>
+              </a:ext>
+            </a:extLst>
+          </p:cNvPr>
+          <p:cNvSpPr>
+            <a:spLocks noGrp="1"/>
+          </p:cNvSpPr>
+          <p:nvPr>
+            <p:ph type="title"/>
+          </p:nvPr>
+        </p:nvSpPr>
+        <p:spPr>
+          <a:xfrm>
+            <a:off x="419100" y="373393"/>
+            <a:ext cx="11496675" cy="1325563"/>
+          </a:xfrm>
+        </p:spPr>
+        <p:txBody>
+          <a:bodyPr/>
+          <a:lstStyle/>
+          <a:p>
+            <a:pPr algn="ctr"/>
+            <a:r>
+              <a:rPr lang="pt-BR" dirty="0"/>
+              <a:t>EDITAL Nº 5, DE 19 DE MAIO DE 2023</a:t>
+            </a:r>
+          </a:p>
+        </p:txBody>
+      </p:sp>
+      <p:sp>
+        <p:nvSpPr>
+          <p:cNvPr id="4" name="Espaço Reservado para Número de Slide 3">
+            <a:extLst>
+              <a:ext uri="{FF2B5EF4-FFF2-40B4-BE49-F238E27FC236}">
+                <a16:creationId xmlns="" xmlns:a16="http://schemas.microsoft.com/office/drawing/2014/main" id="{B251EF4B-4832-430A-9B53-231F361E70F5}"/>
+              </a:ext>
+            </a:extLst>
+          </p:cNvPr>
+          <p:cNvSpPr>
+            <a:spLocks noGrp="1"/>
+          </p:cNvSpPr>
+          <p:nvPr>
+            <p:ph type="sldNum" sz="quarter" idx="10"/>
+          </p:nvPr>
+        </p:nvSpPr>
+        <p:spPr/>
+        <p:txBody>
+          <a:bodyPr/>
+          <a:lstStyle/>
+          <a:p>
+            <a:fld id="{42B4FE49-DA0E-4E24-BB21-E8757AAD71F5}" type="slidenum">
+              <a:rPr lang="pt-BR" smtClean="0"/>
+              <a:pPr/>
+              <a:t>20</a:t>
+            </a:fld>
+            <a:endParaRPr lang="pt-BR" dirty="0"/>
+          </a:p>
+        </p:txBody>
+      </p:sp>
+      <p:sp>
+        <p:nvSpPr>
+          <p:cNvPr id="6" name="CaixaDeTexto 5">
+            <a:extLst>
+              <a:ext uri="{FF2B5EF4-FFF2-40B4-BE49-F238E27FC236}">
+                <a16:creationId xmlns="" xmlns:a16="http://schemas.microsoft.com/office/drawing/2014/main" id="{51FA5D3E-0952-4ABF-9964-6524675A944A}"/>
+              </a:ext>
+            </a:extLst>
+          </p:cNvPr>
+          <p:cNvSpPr txBox="1"/>
+          <p:nvPr/>
+        </p:nvSpPr>
+        <p:spPr>
+          <a:xfrm>
+            <a:off x="956733" y="1667675"/>
+            <a:ext cx="10278533" cy="1200329"/>
+          </a:xfrm>
+          <a:prstGeom prst="rect">
+            <a:avLst/>
+          </a:prstGeom>
+          <a:noFill/>
+        </p:spPr>
+        <p:txBody>
+          <a:bodyPr wrap="square">
+            <a:spAutoFit/>
+          </a:bodyPr>
+          <a:lstStyle/>
+          <a:p>
+            <a:pPr algn="ctr" rtl="0">
+              <a:spcBef>
+                <a:spcPts val="0"/>
+              </a:spcBef>
+              <a:spcAft>
+                <a:spcPts val="0"/>
+              </a:spcAft>
+            </a:pPr>
+            <a:r>
+              <a:rPr lang="pt-BR" sz="2400" dirty="0"/>
+              <a:t>Critérios de desempate</a:t>
+            </a:r>
+            <a:r>
+              <a:rPr lang="pt-BR" sz="2400" b="0" dirty="0">
+                <a:effectLst/>
+              </a:rPr>
+              <a:t/>
+            </a:r>
+            <a:br>
+              <a:rPr lang="pt-BR" sz="2400" b="0" dirty="0">
+                <a:effectLst/>
+              </a:rPr>
+            </a:br>
+            <a:r>
+              <a:rPr lang="pt-BR" sz="2400" b="0" dirty="0">
+                <a:effectLst/>
+              </a:rPr>
+              <a:t/>
+            </a:r>
+            <a:br>
+              <a:rPr lang="pt-BR" sz="2400" b="0" dirty="0">
+                <a:effectLst/>
+              </a:rPr>
+            </a:br>
+            <a:endParaRPr lang="pt-BR" sz="2400" dirty="0"/>
+          </a:p>
+        </p:txBody>
+      </p:sp>
+      <p:sp>
+        <p:nvSpPr>
+          <p:cNvPr id="9" name="CaixaDeTexto 8">
+            <a:extLst>
+              <a:ext uri="{FF2B5EF4-FFF2-40B4-BE49-F238E27FC236}">
+                <a16:creationId xmlns="" xmlns:a16="http://schemas.microsoft.com/office/drawing/2014/main" id="{A32DB5FD-E24E-4C04-851E-C1CA2DE45BC8}"/>
+              </a:ext>
+            </a:extLst>
+          </p:cNvPr>
+          <p:cNvSpPr txBox="1"/>
+          <p:nvPr/>
+        </p:nvSpPr>
+        <p:spPr>
+          <a:xfrm>
+            <a:off x="1971675" y="2492343"/>
+            <a:ext cx="8515350" cy="2308324"/>
+          </a:xfrm>
+          <a:prstGeom prst="rect">
+            <a:avLst/>
+          </a:prstGeom>
+          <a:noFill/>
+        </p:spPr>
+        <p:txBody>
+          <a:bodyPr wrap="square">
+            <a:spAutoFit/>
+          </a:bodyPr>
+          <a:lstStyle/>
+          <a:p>
+            <a:r>
+              <a:rPr lang="pt-BR" b="1" dirty="0">
+                <a:solidFill>
+                  <a:schemeClr val="bg1"/>
+                </a:solidFill>
+              </a:rPr>
+              <a:t>I - candidatos que tenham optado por município de atuação de mesma UF do seu domicílio de residência, considerado o endereço informado no ato da inscrição;</a:t>
+            </a:r>
+          </a:p>
+          <a:p>
+            <a:r>
+              <a:rPr lang="pt-BR" b="1" dirty="0">
+                <a:solidFill>
+                  <a:schemeClr val="bg1"/>
+                </a:solidFill>
+              </a:rPr>
+              <a:t>II - candidatos que tenham optado por município de atuação de mesma UF do município de seu nascimento, conforme registrado no documento de identificação;</a:t>
+            </a:r>
+          </a:p>
+          <a:p>
+            <a:r>
+              <a:rPr lang="pt-BR" b="1" dirty="0">
+                <a:solidFill>
+                  <a:schemeClr val="bg1"/>
+                </a:solidFill>
+              </a:rPr>
+              <a:t>III - candidatos com maior tempo de formação em medicina, considerando o dia, o mês e o ano;</a:t>
+            </a:r>
+          </a:p>
+          <a:p>
+            <a:r>
+              <a:rPr lang="pt-BR" b="1" dirty="0">
+                <a:solidFill>
+                  <a:schemeClr val="bg1"/>
+                </a:solidFill>
+              </a:rPr>
+              <a:t>IV - candidatos que possuírem maior idade, considerados o dia, mês e ano de nascimento.</a:t>
+            </a:r>
+          </a:p>
+        </p:txBody>
+      </p:sp>
+      <p:cxnSp>
+        <p:nvCxnSpPr>
+          <p:cNvPr id="10" name="Conector reto 9">
+            <a:extLst>
+              <a:ext uri="{FF2B5EF4-FFF2-40B4-BE49-F238E27FC236}">
+                <a16:creationId xmlns="" xmlns:a16="http://schemas.microsoft.com/office/drawing/2014/main" id="{863ED132-1CFD-4B6E-9EC7-E7A9D8A31099}"/>
+              </a:ext>
+            </a:extLst>
+          </p:cNvPr>
+          <p:cNvCxnSpPr>
+            <a:cxnSpLocks/>
+          </p:cNvCxnSpPr>
+          <p:nvPr/>
+        </p:nvCxnSpPr>
+        <p:spPr>
+          <a:xfrm flipH="1">
+            <a:off x="0" y="1905000"/>
+            <a:ext cx="4512734" cy="0"/>
+          </a:xfrm>
+          <a:prstGeom prst="line">
+            <a:avLst/>
+          </a:prstGeom>
+          <a:ln>
+            <a:solidFill>
+              <a:schemeClr val="tx1"/>
+            </a:solidFill>
+          </a:ln>
+        </p:spPr>
+        <p:style>
+          <a:lnRef idx="1">
+            <a:schemeClr val="accent1"/>
+          </a:lnRef>
+          <a:fillRef idx="0">
+            <a:schemeClr val="accent1"/>
+          </a:fillRef>
+          <a:effectRef idx="0">
+            <a:schemeClr val="accent1"/>
+          </a:effectRef>
+          <a:fontRef idx="minor">
+            <a:schemeClr val="tx1"/>
+          </a:fontRef>
+        </p:style>
+      </p:cxnSp>
+      <p:cxnSp>
+        <p:nvCxnSpPr>
+          <p:cNvPr id="14" name="Conector reto 13">
+            <a:extLst>
+              <a:ext uri="{FF2B5EF4-FFF2-40B4-BE49-F238E27FC236}">
+                <a16:creationId xmlns="" xmlns:a16="http://schemas.microsoft.com/office/drawing/2014/main" id="{7080E6B4-42C5-4D2F-88E5-5F25701B64F7}"/>
+              </a:ext>
+            </a:extLst>
+          </p:cNvPr>
+          <p:cNvCxnSpPr>
+            <a:cxnSpLocks/>
+          </p:cNvCxnSpPr>
+          <p:nvPr/>
+        </p:nvCxnSpPr>
+        <p:spPr>
+          <a:xfrm flipH="1">
+            <a:off x="7653868" y="1905000"/>
+            <a:ext cx="4538132" cy="0"/>
+          </a:xfrm>
+          <a:prstGeom prst="line">
+            <a:avLst/>
+          </a:prstGeom>
+          <a:ln>
+            <a:solidFill>
+              <a:schemeClr val="tx1"/>
+            </a:solidFill>
+          </a:ln>
+        </p:spPr>
+        <p:style>
+          <a:lnRef idx="1">
+            <a:schemeClr val="accent1"/>
+          </a:lnRef>
+          <a:fillRef idx="0">
+            <a:schemeClr val="accent1"/>
+          </a:fillRef>
+          <a:effectRef idx="0">
+            <a:schemeClr val="accent1"/>
+          </a:effectRef>
+          <a:fontRef idx="minor">
+            <a:schemeClr val="tx1"/>
+          </a:fontRef>
+        </p:style>
+      </p:cxnSp>
+      <p:pic>
+        <p:nvPicPr>
+          <p:cNvPr id="12" name="Imagem 11">
+            <a:extLst>
+              <a:ext uri="{FF2B5EF4-FFF2-40B4-BE49-F238E27FC236}">
+                <a16:creationId xmlns="" xmlns:a16="http://schemas.microsoft.com/office/drawing/2014/main" id="{E2BD5E67-FCF1-42BD-86B3-DC1E87EB9549}"/>
+              </a:ext>
+            </a:extLst>
+          </p:cNvPr>
+          <p:cNvPicPr>
+            <a:picLocks noChangeAspect="1"/>
+          </p:cNvPicPr>
+          <p:nvPr/>
+        </p:nvPicPr>
+        <p:blipFill rotWithShape="1">
+          <a:blip r:embed="rId2" cstate="print">
+            <a:extLst>
+              <a:ext uri="{28A0092B-C50C-407E-A947-70E740481C1C}">
+                <a14:useLocalDpi xmlns:a14="http://schemas.microsoft.com/office/drawing/2010/main" val="0"/>
+              </a:ext>
+            </a:extLst>
+          </a:blip>
+          <a:srcRect t="24493"/>
+          <a:stretch/>
+        </p:blipFill>
+        <p:spPr>
+          <a:xfrm>
+            <a:off x="5418370" y="5190067"/>
+            <a:ext cx="1355259" cy="1092606"/>
+          </a:xfrm>
+          <a:prstGeom prst="rect">
+            <a:avLst/>
+          </a:prstGeom>
+        </p:spPr>
+      </p:pic>
+    </p:spTree>
+    <p:extLst>
+      <p:ext uri="{BB962C8B-B14F-4D97-AF65-F5344CB8AC3E}">
+        <p14:creationId xmlns:p14="http://schemas.microsoft.com/office/powerpoint/2010/main" val="1642264672"/>
+      </p:ext>
+    </p:extLst>
+  </p:cSld>
+  <p:clrMapOvr>
+    <a:masterClrMapping/>
+  </p:clrMapOvr>
+</p:sld>
+</file>
+
+<file path=ppt/slides/slide21.xml><?xml version="1.0" encoding="utf-8"?>
+<p:sld xmlns:a="http://schemas.openxmlformats.org/drawingml/2006/main" xmlns:r="http://schemas.openxmlformats.org/officeDocument/2006/relationships" xmlns:p="http://schemas.openxmlformats.org/presentationml/2006/main">
+  <p:cSld>
+    <p:spTree>
+      <p:nvGrpSpPr>
+        <p:cNvPr id="1" name=""/>
+        <p:cNvGrpSpPr/>
+        <p:nvPr/>
+      </p:nvGrpSpPr>
+      <p:grpSpPr>
+        <a:xfrm>
+          <a:off x="0" y="0"/>
+          <a:ext cx="0" cy="0"/>
+          <a:chOff x="0" y="0"/>
+          <a:chExt cx="0" cy="0"/>
+        </a:xfrm>
+      </p:grpSpPr>
+      <p:sp>
+        <p:nvSpPr>
+          <p:cNvPr id="2" name="Título 1">
+            <a:extLst>
+              <a:ext uri="{FF2B5EF4-FFF2-40B4-BE49-F238E27FC236}">
+                <a16:creationId xmlns="" xmlns:a16="http://schemas.microsoft.com/office/drawing/2014/main" id="{E5407E68-547D-40FB-ADFC-29225BCA97FB}"/>
+              </a:ext>
+            </a:extLst>
+          </p:cNvPr>
+          <p:cNvSpPr>
+            <a:spLocks noGrp="1"/>
+          </p:cNvSpPr>
+          <p:nvPr>
+            <p:ph type="title"/>
+          </p:nvPr>
+        </p:nvSpPr>
+        <p:spPr>
+          <a:xfrm>
+            <a:off x="419100" y="373393"/>
+            <a:ext cx="11496675" cy="1325563"/>
+          </a:xfrm>
+        </p:spPr>
+        <p:txBody>
+          <a:bodyPr/>
+          <a:lstStyle/>
+          <a:p>
+            <a:pPr algn="ctr"/>
+            <a:r>
+              <a:rPr lang="pt-BR" dirty="0"/>
+              <a:t>EDITAL Nº 5, DE 19 DE MAIO DE 2023</a:t>
+            </a:r>
+          </a:p>
+        </p:txBody>
+      </p:sp>
+      <p:sp>
+        <p:nvSpPr>
+          <p:cNvPr id="4" name="Espaço Reservado para Número de Slide 3">
+            <a:extLst>
+              <a:ext uri="{FF2B5EF4-FFF2-40B4-BE49-F238E27FC236}">
+                <a16:creationId xmlns="" xmlns:a16="http://schemas.microsoft.com/office/drawing/2014/main" id="{B251EF4B-4832-430A-9B53-231F361E70F5}"/>
+              </a:ext>
+            </a:extLst>
+          </p:cNvPr>
+          <p:cNvSpPr>
+            <a:spLocks noGrp="1"/>
+          </p:cNvSpPr>
+          <p:nvPr>
+            <p:ph type="sldNum" sz="quarter" idx="10"/>
+          </p:nvPr>
+        </p:nvSpPr>
+        <p:spPr/>
+        <p:txBody>
+          <a:bodyPr/>
+          <a:lstStyle/>
+          <a:p>
+            <a:fld id="{42B4FE49-DA0E-4E24-BB21-E8757AAD71F5}" type="slidenum">
+              <a:rPr lang="pt-BR" smtClean="0"/>
+              <a:pPr/>
+              <a:t>21</a:t>
+            </a:fld>
+            <a:endParaRPr lang="pt-BR" dirty="0"/>
+          </a:p>
+        </p:txBody>
+      </p:sp>
+      <p:sp>
+        <p:nvSpPr>
+          <p:cNvPr id="6" name="CaixaDeTexto 5">
+            <a:extLst>
+              <a:ext uri="{FF2B5EF4-FFF2-40B4-BE49-F238E27FC236}">
+                <a16:creationId xmlns="" xmlns:a16="http://schemas.microsoft.com/office/drawing/2014/main" id="{51FA5D3E-0952-4ABF-9964-6524675A944A}"/>
+              </a:ext>
+            </a:extLst>
+          </p:cNvPr>
+          <p:cNvSpPr txBox="1"/>
+          <p:nvPr/>
+        </p:nvSpPr>
+        <p:spPr>
+          <a:xfrm>
+            <a:off x="956733" y="1316468"/>
+            <a:ext cx="10278533" cy="1384995"/>
+          </a:xfrm>
+          <a:prstGeom prst="rect">
+            <a:avLst/>
+          </a:prstGeom>
+          <a:noFill/>
+        </p:spPr>
+        <p:txBody>
+          <a:bodyPr wrap="square">
+            <a:spAutoFit/>
+          </a:bodyPr>
+          <a:lstStyle/>
+          <a:p>
+            <a:pPr algn="ctr" rtl="0">
+              <a:spcBef>
+                <a:spcPts val="0"/>
+              </a:spcBef>
+              <a:spcAft>
+                <a:spcPts val="0"/>
+              </a:spcAft>
+            </a:pPr>
+            <a:r>
+              <a:rPr lang="pt-BR" sz="2800" dirty="0"/>
+              <a:t>Classificação das localidades</a:t>
+            </a:r>
+            <a:r>
+              <a:rPr lang="pt-BR" sz="2800" b="0" dirty="0">
+                <a:effectLst/>
+              </a:rPr>
+              <a:t/>
+            </a:r>
+            <a:br>
+              <a:rPr lang="pt-BR" sz="2800" b="0" dirty="0">
+                <a:effectLst/>
+              </a:rPr>
+            </a:br>
+            <a:r>
+              <a:rPr lang="pt-BR" sz="2800" b="0" dirty="0">
+                <a:effectLst/>
+              </a:rPr>
+              <a:t/>
+            </a:r>
+            <a:br>
+              <a:rPr lang="pt-BR" sz="2800" b="0" dirty="0">
+                <a:effectLst/>
+              </a:rPr>
+            </a:br>
+            <a:endParaRPr lang="pt-BR" sz="2800" dirty="0"/>
+          </a:p>
+        </p:txBody>
+      </p:sp>
+      <p:sp>
+        <p:nvSpPr>
+          <p:cNvPr id="13" name="CaixaDeTexto 12">
+            <a:extLst>
+              <a:ext uri="{FF2B5EF4-FFF2-40B4-BE49-F238E27FC236}">
+                <a16:creationId xmlns="" xmlns:a16="http://schemas.microsoft.com/office/drawing/2014/main" id="{9C3FC4C1-BBE1-40EB-BB49-C266511B5D4F}"/>
+              </a:ext>
+            </a:extLst>
+          </p:cNvPr>
+          <p:cNvSpPr txBox="1"/>
+          <p:nvPr/>
+        </p:nvSpPr>
+        <p:spPr>
+          <a:xfrm>
+            <a:off x="771525" y="6449100"/>
+            <a:ext cx="6096000" cy="369332"/>
+          </a:xfrm>
+          <a:prstGeom prst="rect">
+            <a:avLst/>
+          </a:prstGeom>
+          <a:noFill/>
+        </p:spPr>
+        <p:txBody>
+          <a:bodyPr wrap="square">
+            <a:spAutoFit/>
+          </a:bodyPr>
+          <a:lstStyle/>
+          <a:p>
+            <a:r>
+              <a:rPr lang="pt-BR" dirty="0">
+                <a:solidFill>
+                  <a:schemeClr val="bg1"/>
+                </a:solidFill>
+              </a:rPr>
+              <a:t>Consultar Portaria Nº 1.409, de 10 de julho de 2013</a:t>
+            </a:r>
+          </a:p>
+        </p:txBody>
+      </p:sp>
+      <p:cxnSp>
+        <p:nvCxnSpPr>
+          <p:cNvPr id="9" name="Conector reto 8">
+            <a:extLst>
+              <a:ext uri="{FF2B5EF4-FFF2-40B4-BE49-F238E27FC236}">
+                <a16:creationId xmlns="" xmlns:a16="http://schemas.microsoft.com/office/drawing/2014/main" id="{0C5F8B4B-E280-4140-838E-B39EB5F7609A}"/>
+              </a:ext>
+            </a:extLst>
+          </p:cNvPr>
+          <p:cNvCxnSpPr>
+            <a:cxnSpLocks/>
+          </p:cNvCxnSpPr>
+          <p:nvPr/>
+        </p:nvCxnSpPr>
+        <p:spPr>
+          <a:xfrm flipH="1">
+            <a:off x="0" y="1596196"/>
+            <a:ext cx="3797620" cy="0"/>
+          </a:xfrm>
+          <a:prstGeom prst="line">
+            <a:avLst/>
+          </a:prstGeom>
+          <a:ln>
+            <a:solidFill>
+              <a:schemeClr val="tx1"/>
+            </a:solidFill>
+          </a:ln>
+        </p:spPr>
+        <p:style>
+          <a:lnRef idx="1">
+            <a:schemeClr val="accent1"/>
+          </a:lnRef>
+          <a:fillRef idx="0">
+            <a:schemeClr val="accent1"/>
+          </a:fillRef>
+          <a:effectRef idx="0">
+            <a:schemeClr val="accent1"/>
+          </a:effectRef>
+          <a:fontRef idx="minor">
+            <a:schemeClr val="tx1"/>
+          </a:fontRef>
+        </p:style>
+      </p:cxnSp>
+      <p:cxnSp>
+        <p:nvCxnSpPr>
+          <p:cNvPr id="10" name="Conector reto 9">
+            <a:extLst>
+              <a:ext uri="{FF2B5EF4-FFF2-40B4-BE49-F238E27FC236}">
+                <a16:creationId xmlns="" xmlns:a16="http://schemas.microsoft.com/office/drawing/2014/main" id="{93CB148D-F7D0-4670-A07F-77B4494B35B4}"/>
+              </a:ext>
+            </a:extLst>
+          </p:cNvPr>
+          <p:cNvCxnSpPr>
+            <a:cxnSpLocks/>
+          </p:cNvCxnSpPr>
+          <p:nvPr/>
+        </p:nvCxnSpPr>
+        <p:spPr>
+          <a:xfrm flipH="1">
+            <a:off x="8259234" y="1596196"/>
+            <a:ext cx="3932766" cy="0"/>
+          </a:xfrm>
+          <a:prstGeom prst="line">
+            <a:avLst/>
+          </a:prstGeom>
+          <a:ln>
+            <a:solidFill>
+              <a:schemeClr val="tx1"/>
+            </a:solidFill>
+          </a:ln>
+        </p:spPr>
+        <p:style>
+          <a:lnRef idx="1">
+            <a:schemeClr val="accent1"/>
+          </a:lnRef>
+          <a:fillRef idx="0">
+            <a:schemeClr val="accent1"/>
+          </a:fillRef>
+          <a:effectRef idx="0">
+            <a:schemeClr val="accent1"/>
+          </a:effectRef>
+          <a:fontRef idx="minor">
+            <a:schemeClr val="tx1"/>
+          </a:fontRef>
+        </p:style>
+      </p:cxnSp>
+      <p:pic>
+        <p:nvPicPr>
+          <p:cNvPr id="7" name="Imagem 6">
+            <a:extLst>
+              <a:ext uri="{FF2B5EF4-FFF2-40B4-BE49-F238E27FC236}">
+                <a16:creationId xmlns="" xmlns:a16="http://schemas.microsoft.com/office/drawing/2014/main" id="{95AC1215-970E-48F0-9C5F-09DC7477DF7D}"/>
+              </a:ext>
+            </a:extLst>
+          </p:cNvPr>
+          <p:cNvPicPr>
+            <a:picLocks noChangeAspect="1"/>
+          </p:cNvPicPr>
+          <p:nvPr/>
+        </p:nvPicPr>
+        <p:blipFill>
+          <a:blip r:embed="rId2"/>
+          <a:stretch>
+            <a:fillRect/>
+          </a:stretch>
+        </p:blipFill>
+        <p:spPr>
+          <a:xfrm>
+            <a:off x="3338127" y="2141911"/>
+            <a:ext cx="5515745" cy="2667372"/>
+          </a:xfrm>
+          <a:prstGeom prst="rect">
+            <a:avLst/>
+          </a:prstGeom>
+        </p:spPr>
+      </p:pic>
+      <p:sp>
+        <p:nvSpPr>
+          <p:cNvPr id="14" name="CaixaDeTexto 13">
+            <a:extLst>
+              <a:ext uri="{FF2B5EF4-FFF2-40B4-BE49-F238E27FC236}">
+                <a16:creationId xmlns="" xmlns:a16="http://schemas.microsoft.com/office/drawing/2014/main" id="{1A8DCA55-E1F6-4A36-8934-B233A4CC8686}"/>
+              </a:ext>
+            </a:extLst>
+          </p:cNvPr>
+          <p:cNvSpPr txBox="1"/>
+          <p:nvPr/>
+        </p:nvSpPr>
+        <p:spPr>
+          <a:xfrm>
+            <a:off x="1994429" y="4893370"/>
+            <a:ext cx="8346016" cy="646331"/>
+          </a:xfrm>
+          <a:prstGeom prst="rect">
+            <a:avLst/>
+          </a:prstGeom>
+          <a:noFill/>
+        </p:spPr>
+        <p:txBody>
+          <a:bodyPr wrap="square">
+            <a:spAutoFit/>
+          </a:bodyPr>
+          <a:lstStyle/>
+          <a:p>
+            <a:pPr algn="ctr"/>
+            <a:r>
+              <a:rPr lang="pt-BR" dirty="0"/>
+              <a:t>*na hipótese do médico integrar </a:t>
+            </a:r>
+            <a:r>
+              <a:rPr lang="pt-BR" dirty="0" err="1"/>
+              <a:t>eSF</a:t>
+            </a:r>
+            <a:r>
+              <a:rPr lang="pt-BR" dirty="0"/>
+              <a:t> situada em município de Perfil 1, apenas será possível a indicação de vagas em municípios de mesmo perfil;</a:t>
+            </a:r>
+          </a:p>
+        </p:txBody>
+      </p:sp>
+    </p:spTree>
+    <p:extLst>
+      <p:ext uri="{BB962C8B-B14F-4D97-AF65-F5344CB8AC3E}">
+        <p14:creationId xmlns:p14="http://schemas.microsoft.com/office/powerpoint/2010/main" val="2885577964"/>
+      </p:ext>
+    </p:extLst>
+  </p:cSld>
+  <p:clrMapOvr>
+    <a:masterClrMapping/>
+  </p:clrMapOvr>
+</p:sld>
+</file>
+
+<file path=ppt/slides/slide22.xml><?xml version="1.0" encoding="utf-8"?>
+<p:sld xmlns:a="http://schemas.openxmlformats.org/drawingml/2006/main" xmlns:r="http://schemas.openxmlformats.org/officeDocument/2006/relationships" xmlns:p="http://schemas.openxmlformats.org/presentationml/2006/main">
+  <p:cSld>
+    <p:spTree>
+      <p:nvGrpSpPr>
+        <p:cNvPr id="1" name=""/>
+        <p:cNvGrpSpPr/>
+        <p:nvPr/>
+      </p:nvGrpSpPr>
+      <p:grpSpPr>
+        <a:xfrm>
+          <a:off x="0" y="0"/>
+          <a:ext cx="0" cy="0"/>
+          <a:chOff x="0" y="0"/>
+          <a:chExt cx="0" cy="0"/>
+        </a:xfrm>
+      </p:grpSpPr>
+      <p:sp>
+        <p:nvSpPr>
+          <p:cNvPr id="2" name="Espaço Reservado para Texto 1">
+            <a:extLst>
+              <a:ext uri="{FF2B5EF4-FFF2-40B4-BE49-F238E27FC236}">
+                <a16:creationId xmlns="" xmlns:a16="http://schemas.microsoft.com/office/drawing/2014/main" id="{D92FA219-391B-418F-A58F-61E12DA6A1F3}"/>
+              </a:ext>
+            </a:extLst>
+          </p:cNvPr>
+          <p:cNvSpPr>
+            <a:spLocks noGrp="1"/>
+          </p:cNvSpPr>
+          <p:nvPr>
+            <p:ph type="body" sz="quarter" idx="10"/>
+          </p:nvPr>
+        </p:nvSpPr>
+        <p:spPr/>
+        <p:txBody>
+          <a:bodyPr/>
+          <a:lstStyle/>
+          <a:p>
+            <a:r>
+              <a:rPr lang="pt-BR" dirty="0"/>
+              <a:t>Obrigado!</a:t>
+            </a:r>
+          </a:p>
+        </p:txBody>
+      </p:sp>
+      <p:sp>
+        <p:nvSpPr>
+          <p:cNvPr id="4" name="CaixaDeTexto 3">
+            <a:extLst>
+              <a:ext uri="{FF2B5EF4-FFF2-40B4-BE49-F238E27FC236}">
+                <a16:creationId xmlns="" xmlns:a16="http://schemas.microsoft.com/office/drawing/2014/main" id="{8E666252-507F-459A-ADDB-37C24C8F4C6E}"/>
+              </a:ext>
+            </a:extLst>
+          </p:cNvPr>
+          <p:cNvSpPr txBox="1"/>
+          <p:nvPr/>
+        </p:nvSpPr>
+        <p:spPr>
+          <a:xfrm>
+            <a:off x="2315289" y="4133941"/>
+            <a:ext cx="2391508" cy="307777"/>
+          </a:xfrm>
+          <a:prstGeom prst="rect">
+            <a:avLst/>
+          </a:prstGeom>
+          <a:solidFill>
+            <a:srgbClr val="0096D5"/>
+          </a:solidFill>
+          <a:ln>
+            <a:noFill/>
+          </a:ln>
+        </p:spPr>
+        <p:txBody>
+          <a:bodyPr wrap="square" rtlCol="0">
+            <a:spAutoFit/>
+          </a:bodyPr>
+          <a:lstStyle/>
+          <a:p>
+            <a:r>
+              <a:rPr lang="pt-BR" sz="1400" dirty="0">
+                <a:solidFill>
+                  <a:schemeClr val="bg1"/>
+                </a:solidFill>
+                <a:hlinkClick r:id="rId2">
+                  <a:extLst>
+                    <a:ext uri="{A12FA001-AC4F-418D-AE19-62706E023703}">
+                      <ahyp:hlinkClr xmlns="" xmlns:ahyp="http://schemas.microsoft.com/office/drawing/2018/hyperlinkcolor" val="tx"/>
+                    </a:ext>
+                  </a:extLst>
+                </a:hlinkClick>
+              </a:rPr>
+              <a:t>lapei.face.ufg.br</a:t>
+            </a:r>
+            <a:endParaRPr lang="pt-BR" sz="1400" dirty="0">
+              <a:solidFill>
+                <a:schemeClr val="bg1"/>
+              </a:solidFill>
+            </a:endParaRPr>
+          </a:p>
+        </p:txBody>
+      </p:sp>
+      <p:sp>
+        <p:nvSpPr>
+          <p:cNvPr id="5" name="CaixaDeTexto 4">
+            <a:hlinkClick r:id="rId3"/>
+            <a:extLst>
+              <a:ext uri="{FF2B5EF4-FFF2-40B4-BE49-F238E27FC236}">
+                <a16:creationId xmlns="" xmlns:a16="http://schemas.microsoft.com/office/drawing/2014/main" id="{B1218359-291A-40AF-B50D-806C8590F9E1}"/>
+              </a:ext>
+            </a:extLst>
+          </p:cNvPr>
+          <p:cNvSpPr txBox="1"/>
+          <p:nvPr/>
+        </p:nvSpPr>
+        <p:spPr>
+          <a:xfrm>
+            <a:off x="2315289" y="4989724"/>
+            <a:ext cx="2391508" cy="307777"/>
+          </a:xfrm>
+          <a:prstGeom prst="rect">
+            <a:avLst/>
+          </a:prstGeom>
+          <a:solidFill>
+            <a:srgbClr val="0096D5"/>
+          </a:solidFill>
+          <a:ln>
+            <a:noFill/>
+          </a:ln>
+        </p:spPr>
+        <p:txBody>
+          <a:bodyPr wrap="square" rtlCol="0">
+            <a:spAutoFit/>
+          </a:bodyPr>
+          <a:lstStyle/>
+          <a:p>
+            <a:r>
+              <a:rPr lang="pt-BR" sz="1400" dirty="0">
+                <a:solidFill>
+                  <a:schemeClr val="bg1"/>
+                </a:solidFill>
+                <a:hlinkClick r:id="rId4">
+                  <a:extLst>
+                    <a:ext uri="{A12FA001-AC4F-418D-AE19-62706E023703}">
+                      <ahyp:hlinkClr xmlns="" xmlns:ahyp="http://schemas.microsoft.com/office/drawing/2018/hyperlinkcolor" val="tx"/>
+                    </a:ext>
+                  </a:extLst>
+                </a:hlinkClick>
+              </a:rPr>
+              <a:t>cepasp.face.ufg.br</a:t>
+            </a:r>
+            <a:endParaRPr lang="pt-BR" sz="1400" dirty="0">
+              <a:solidFill>
+                <a:schemeClr val="bg1"/>
+              </a:solidFill>
+            </a:endParaRPr>
+          </a:p>
+        </p:txBody>
+      </p:sp>
+      <p:sp>
+        <p:nvSpPr>
+          <p:cNvPr id="6" name="CaixaDeTexto 5">
+            <a:hlinkClick r:id="rId3"/>
+            <a:extLst>
+              <a:ext uri="{FF2B5EF4-FFF2-40B4-BE49-F238E27FC236}">
+                <a16:creationId xmlns="" xmlns:a16="http://schemas.microsoft.com/office/drawing/2014/main" id="{CF0935FA-19B0-431C-B7FF-7EE62DA5F034}"/>
+              </a:ext>
+            </a:extLst>
+          </p:cNvPr>
+          <p:cNvSpPr txBox="1"/>
+          <p:nvPr/>
+        </p:nvSpPr>
+        <p:spPr>
+          <a:xfrm>
+            <a:off x="2315289" y="5871543"/>
+            <a:ext cx="2391508" cy="307777"/>
+          </a:xfrm>
+          <a:prstGeom prst="rect">
+            <a:avLst/>
+          </a:prstGeom>
+          <a:solidFill>
+            <a:srgbClr val="0096D5"/>
+          </a:solidFill>
+          <a:ln>
+            <a:noFill/>
+          </a:ln>
+        </p:spPr>
+        <p:txBody>
+          <a:bodyPr wrap="square" rtlCol="0">
+            <a:spAutoFit/>
+          </a:bodyPr>
+          <a:lstStyle/>
+          <a:p>
+            <a:r>
+              <a:rPr lang="pt-BR" sz="1400" dirty="0">
+                <a:solidFill>
+                  <a:schemeClr val="bg1"/>
+                </a:solidFill>
+                <a:hlinkClick r:id="rId5">
+                  <a:extLst>
+                    <a:ext uri="{A12FA001-AC4F-418D-AE19-62706E023703}">
+                      <ahyp:hlinkClr xmlns="" xmlns:ahyp="http://schemas.microsoft.com/office/drawing/2018/hyperlinkcolor" val="tx"/>
+                    </a:ext>
+                  </a:extLst>
+                </a:hlinkClick>
+              </a:rPr>
+              <a:t>linegov.com.br</a:t>
+            </a:r>
+            <a:endParaRPr lang="pt-BR" sz="1400" dirty="0">
+              <a:solidFill>
+                <a:schemeClr val="bg1"/>
+              </a:solidFill>
+            </a:endParaRPr>
+          </a:p>
+        </p:txBody>
+      </p:sp>
+    </p:spTree>
+    <p:extLst>
+      <p:ext uri="{BB962C8B-B14F-4D97-AF65-F5344CB8AC3E}">
+        <p14:creationId xmlns:p14="http://schemas.microsoft.com/office/powerpoint/2010/main" val="2171335003"/>
+      </p:ext>
+    </p:extLst>
+  </p:cSld>
+  <p:clrMapOvr>
+    <a:masterClrMapping/>
+  </p:clrMapOvr>
 </p:sld>
 </file>
 
@@ -9172,7 +10233,7 @@
           <p:cNvPr id="2" name="Título 1">
             <a:extLst>
               <a:ext uri="{FF2B5EF4-FFF2-40B4-BE49-F238E27FC236}">
-                <a16:creationId xmlns:a16="http://schemas.microsoft.com/office/drawing/2014/main" xmlns="" id="{E5407E68-547D-40FB-ADFC-29225BCA97FB}"/>
+                <a16:creationId xmlns="" xmlns:a16="http://schemas.microsoft.com/office/drawing/2014/main" id="{E5407E68-547D-40FB-ADFC-29225BCA97FB}"/>
               </a:ext>
             </a:extLst>
           </p:cNvPr>
@@ -9201,7 +10262,7 @@
           <p:cNvPr id="4" name="Espaço Reservado para Número de Slide 3">
             <a:extLst>
               <a:ext uri="{FF2B5EF4-FFF2-40B4-BE49-F238E27FC236}">
-                <a16:creationId xmlns:a16="http://schemas.microsoft.com/office/drawing/2014/main" xmlns="" id="{B251EF4B-4832-430A-9B53-231F361E70F5}"/>
+                <a16:creationId xmlns="" xmlns:a16="http://schemas.microsoft.com/office/drawing/2014/main" id="{B251EF4B-4832-430A-9B53-231F361E70F5}"/>
               </a:ext>
             </a:extLst>
           </p:cNvPr>
@@ -9231,7 +10292,7 @@
           <p:cNvPr id="7" name="CaixaDeTexto 6">
             <a:extLst>
               <a:ext uri="{FF2B5EF4-FFF2-40B4-BE49-F238E27FC236}">
-                <a16:creationId xmlns:a16="http://schemas.microsoft.com/office/drawing/2014/main" xmlns="" id="{875E6116-A1D4-4C06-8451-B1ED7DE07F79}"/>
+                <a16:creationId xmlns="" xmlns:a16="http://schemas.microsoft.com/office/drawing/2014/main" id="{875E6116-A1D4-4C06-8451-B1ED7DE07F79}"/>
               </a:ext>
             </a:extLst>
           </p:cNvPr>
@@ -9501,7 +10562,7 @@
           <p:cNvPr id="8" name="Imagem 7">
             <a:extLst>
               <a:ext uri="{FF2B5EF4-FFF2-40B4-BE49-F238E27FC236}">
-                <a16:creationId xmlns:a16="http://schemas.microsoft.com/office/drawing/2014/main" xmlns="" id="{3E7296CD-5480-4449-8052-272CC856813E}"/>
+                <a16:creationId xmlns="" xmlns:a16="http://schemas.microsoft.com/office/drawing/2014/main" id="{3E7296CD-5480-4449-8052-272CC856813E}"/>
               </a:ext>
             </a:extLst>
           </p:cNvPr>
@@ -9556,7 +10617,7 @@
           <p:cNvPr id="11" name="CaixaDeTexto 10">
             <a:extLst>
               <a:ext uri="{FF2B5EF4-FFF2-40B4-BE49-F238E27FC236}">
-                <a16:creationId xmlns:a16="http://schemas.microsoft.com/office/drawing/2014/main" xmlns="" id="{AF106E79-C335-4CE3-8363-15D1553A4BC7}"/>
+                <a16:creationId xmlns="" xmlns:a16="http://schemas.microsoft.com/office/drawing/2014/main" id="{AF106E79-C335-4CE3-8363-15D1553A4BC7}"/>
               </a:ext>
             </a:extLst>
           </p:cNvPr>
@@ -9631,7 +10692,7 @@
           <p:cNvPr id="13" name="CaixaDeTexto 12">
             <a:extLst>
               <a:ext uri="{FF2B5EF4-FFF2-40B4-BE49-F238E27FC236}">
-                <a16:creationId xmlns:a16="http://schemas.microsoft.com/office/drawing/2014/main" xmlns="" id="{4D7473EB-0DC6-43B6-8AD5-EFAAB4FC7143}"/>
+                <a16:creationId xmlns="" xmlns:a16="http://schemas.microsoft.com/office/drawing/2014/main" id="{4D7473EB-0DC6-43B6-8AD5-EFAAB4FC7143}"/>
               </a:ext>
             </a:extLst>
           </p:cNvPr>
@@ -9730,7 +10791,7 @@
           <p:cNvPr id="7" name="Retângulo 6">
             <a:extLst>
               <a:ext uri="{FF2B5EF4-FFF2-40B4-BE49-F238E27FC236}">
-                <a16:creationId xmlns:a16="http://schemas.microsoft.com/office/drawing/2014/main" xmlns="" id="{5E0F7497-D302-4F68-8123-03414F2C6833}"/>
+                <a16:creationId xmlns="" xmlns:a16="http://schemas.microsoft.com/office/drawing/2014/main" id="{5E0F7497-D302-4F68-8123-03414F2C6833}"/>
               </a:ext>
             </a:extLst>
           </p:cNvPr>
@@ -9782,7 +10843,7 @@
           <p:cNvPr id="2" name="Título 1">
             <a:extLst>
               <a:ext uri="{FF2B5EF4-FFF2-40B4-BE49-F238E27FC236}">
-                <a16:creationId xmlns:a16="http://schemas.microsoft.com/office/drawing/2014/main" xmlns="" id="{E5407E68-547D-40FB-ADFC-29225BCA97FB}"/>
+                <a16:creationId xmlns="" xmlns:a16="http://schemas.microsoft.com/office/drawing/2014/main" id="{E5407E68-547D-40FB-ADFC-29225BCA97FB}"/>
               </a:ext>
             </a:extLst>
           </p:cNvPr>
@@ -9845,7 +10906,7 @@
           <p:cNvPr id="4" name="Espaço Reservado para Número de Slide 3">
             <a:extLst>
               <a:ext uri="{FF2B5EF4-FFF2-40B4-BE49-F238E27FC236}">
-                <a16:creationId xmlns:a16="http://schemas.microsoft.com/office/drawing/2014/main" xmlns="" id="{B251EF4B-4832-430A-9B53-231F361E70F5}"/>
+                <a16:creationId xmlns="" xmlns:a16="http://schemas.microsoft.com/office/drawing/2014/main" id="{B251EF4B-4832-430A-9B53-231F361E70F5}"/>
               </a:ext>
             </a:extLst>
           </p:cNvPr>
@@ -9875,7 +10936,7 @@
           <p:cNvPr id="6" name="CaixaDeTexto 5">
             <a:extLst>
               <a:ext uri="{FF2B5EF4-FFF2-40B4-BE49-F238E27FC236}">
-                <a16:creationId xmlns:a16="http://schemas.microsoft.com/office/drawing/2014/main" xmlns="" id="{51FA5D3E-0952-4ABF-9964-6524675A944A}"/>
+                <a16:creationId xmlns="" xmlns:a16="http://schemas.microsoft.com/office/drawing/2014/main" id="{51FA5D3E-0952-4ABF-9964-6524675A944A}"/>
               </a:ext>
             </a:extLst>
           </p:cNvPr>
@@ -9911,7 +10972,7 @@
           <p:cNvPr id="9" name="CaixaDeTexto 8">
             <a:extLst>
               <a:ext uri="{FF2B5EF4-FFF2-40B4-BE49-F238E27FC236}">
-                <a16:creationId xmlns:a16="http://schemas.microsoft.com/office/drawing/2014/main" xmlns="" id="{A32DB5FD-E24E-4C04-851E-C1CA2DE45BC8}"/>
+                <a16:creationId xmlns="" xmlns:a16="http://schemas.microsoft.com/office/drawing/2014/main" id="{A32DB5FD-E24E-4C04-851E-C1CA2DE45BC8}"/>
               </a:ext>
             </a:extLst>
           </p:cNvPr>
@@ -10017,7 +11078,1063 @@
           <p:cNvPr id="2" name="Título 1">
             <a:extLst>
               <a:ext uri="{FF2B5EF4-FFF2-40B4-BE49-F238E27FC236}">
-                <a16:creationId xmlns:a16="http://schemas.microsoft.com/office/drawing/2014/main" xmlns="" id="{E5407E68-547D-40FB-ADFC-29225BCA97FB}"/>
+                <a16:creationId xmlns="" xmlns:a16="http://schemas.microsoft.com/office/drawing/2014/main" id="{E5407E68-547D-40FB-ADFC-29225BCA97FB}"/>
+              </a:ext>
+            </a:extLst>
+          </p:cNvPr>
+          <p:cNvSpPr>
+            <a:spLocks noGrp="1"/>
+          </p:cNvSpPr>
+          <p:nvPr>
+            <p:ph type="title"/>
+          </p:nvPr>
+        </p:nvSpPr>
+        <p:spPr>
+          <a:xfrm>
+            <a:off x="0" y="373393"/>
+            <a:ext cx="12192000" cy="1325563"/>
+          </a:xfrm>
+        </p:spPr>
+        <p:txBody>
+          <a:bodyPr/>
+          <a:lstStyle/>
+          <a:p>
+            <a:pPr algn="ctr"/>
+            <a:r>
+              <a:rPr lang="pt-BR" sz="4000" dirty="0"/>
+              <a:t>EDITAL Nº </a:t>
+            </a:r>
+            <a:r>
+              <a:rPr lang="pt-BR" sz="4000" dirty="0" smtClean="0"/>
+              <a:t>12, </a:t>
+            </a:r>
+            <a:r>
+              <a:rPr lang="pt-BR" sz="4000" dirty="0"/>
+              <a:t>DE </a:t>
+            </a:r>
+            <a:r>
+              <a:rPr lang="pt-BR" sz="4000" dirty="0" smtClean="0"/>
+              <a:t>27 </a:t>
+            </a:r>
+            <a:r>
+              <a:rPr lang="pt-BR" sz="4000" dirty="0"/>
+              <a:t>DE </a:t>
+            </a:r>
+            <a:r>
+              <a:rPr lang="pt-BR" sz="4000" dirty="0" smtClean="0"/>
+              <a:t>NOVEMBRO </a:t>
+            </a:r>
+            <a:r>
+              <a:rPr lang="pt-BR" sz="4000" dirty="0"/>
+              <a:t>DE </a:t>
+            </a:r>
+            <a:r>
+              <a:rPr lang="pt-BR" sz="4000" dirty="0" smtClean="0"/>
+              <a:t>2017</a:t>
+            </a:r>
+            <a:endParaRPr lang="pt-BR" sz="4000" dirty="0"/>
+          </a:p>
+        </p:txBody>
+      </p:sp>
+      <p:sp>
+        <p:nvSpPr>
+          <p:cNvPr id="4" name="Espaço Reservado para Número de Slide 3">
+            <a:extLst>
+              <a:ext uri="{FF2B5EF4-FFF2-40B4-BE49-F238E27FC236}">
+                <a16:creationId xmlns="" xmlns:a16="http://schemas.microsoft.com/office/drawing/2014/main" id="{B251EF4B-4832-430A-9B53-231F361E70F5}"/>
+              </a:ext>
+            </a:extLst>
+          </p:cNvPr>
+          <p:cNvSpPr>
+            <a:spLocks noGrp="1"/>
+          </p:cNvSpPr>
+          <p:nvPr>
+            <p:ph type="sldNum" sz="quarter" idx="10"/>
+          </p:nvPr>
+        </p:nvSpPr>
+        <p:spPr/>
+        <p:txBody>
+          <a:bodyPr/>
+          <a:lstStyle/>
+          <a:p>
+            <a:fld id="{42B4FE49-DA0E-4E24-BB21-E8757AAD71F5}" type="slidenum">
+              <a:rPr lang="pt-BR" smtClean="0"/>
+              <a:pPr/>
+              <a:t>5</a:t>
+            </a:fld>
+            <a:endParaRPr lang="pt-BR" dirty="0"/>
+          </a:p>
+        </p:txBody>
+      </p:sp>
+      <p:pic>
+        <p:nvPicPr>
+          <p:cNvPr id="3" name="Imagem 2"/>
+          <p:cNvPicPr>
+            <a:picLocks noChangeAspect="1"/>
+          </p:cNvPicPr>
+          <p:nvPr/>
+        </p:nvPicPr>
+        <p:blipFill>
+          <a:blip r:embed="rId2"/>
+          <a:stretch>
+            <a:fillRect/>
+          </a:stretch>
+        </p:blipFill>
+        <p:spPr>
+          <a:xfrm>
+            <a:off x="3085680" y="1953845"/>
+            <a:ext cx="6020640" cy="4401164"/>
+          </a:xfrm>
+          <a:prstGeom prst="rect">
+            <a:avLst/>
+          </a:prstGeom>
+        </p:spPr>
+      </p:pic>
+      <p:sp>
+        <p:nvSpPr>
+          <p:cNvPr id="8" name="CaixaDeTexto 7">
+            <a:extLst>
+              <a:ext uri="{FF2B5EF4-FFF2-40B4-BE49-F238E27FC236}">
+                <a16:creationId xmlns="" xmlns:a16="http://schemas.microsoft.com/office/drawing/2014/main" id="{C2E3A72C-5002-43FB-9D36-5178527CEE2C}"/>
+              </a:ext>
+            </a:extLst>
+          </p:cNvPr>
+          <p:cNvSpPr txBox="1"/>
+          <p:nvPr/>
+        </p:nvSpPr>
+        <p:spPr>
+          <a:xfrm>
+            <a:off x="956733" y="1033604"/>
+            <a:ext cx="10278533" cy="1200329"/>
+          </a:xfrm>
+          <a:prstGeom prst="rect">
+            <a:avLst/>
+          </a:prstGeom>
+          <a:noFill/>
+        </p:spPr>
+        <p:txBody>
+          <a:bodyPr wrap="square">
+            <a:spAutoFit/>
+          </a:bodyPr>
+          <a:lstStyle/>
+          <a:p>
+            <a:pPr algn="ctr" rtl="0">
+              <a:spcBef>
+                <a:spcPts val="0"/>
+              </a:spcBef>
+              <a:spcAft>
+                <a:spcPts val="0"/>
+              </a:spcAft>
+            </a:pPr>
+            <a:r>
+              <a:rPr lang="pt-BR" sz="2400" b="0" dirty="0">
+                <a:effectLst/>
+              </a:rPr>
+              <a:t>Classificação</a:t>
+            </a:r>
+            <a:br>
+              <a:rPr lang="pt-BR" sz="2400" b="0" dirty="0">
+                <a:effectLst/>
+              </a:rPr>
+            </a:br>
+            <a:r>
+              <a:rPr lang="pt-BR" sz="2400" b="0" dirty="0">
+                <a:effectLst/>
+              </a:rPr>
+              <a:t/>
+            </a:r>
+            <a:br>
+              <a:rPr lang="pt-BR" sz="2400" b="0" dirty="0">
+                <a:effectLst/>
+              </a:rPr>
+            </a:br>
+            <a:endParaRPr lang="pt-BR" sz="2400" dirty="0"/>
+          </a:p>
+        </p:txBody>
+      </p:sp>
+      <p:cxnSp>
+        <p:nvCxnSpPr>
+          <p:cNvPr id="10" name="Conector reto 9">
+            <a:extLst>
+              <a:ext uri="{FF2B5EF4-FFF2-40B4-BE49-F238E27FC236}">
+                <a16:creationId xmlns="" xmlns:a16="http://schemas.microsoft.com/office/drawing/2014/main" id="{0E93BDD7-EDA9-42FF-A27B-ADD5ED57043A}"/>
+              </a:ext>
+            </a:extLst>
+          </p:cNvPr>
+          <p:cNvCxnSpPr>
+            <a:cxnSpLocks/>
+          </p:cNvCxnSpPr>
+          <p:nvPr/>
+        </p:nvCxnSpPr>
+        <p:spPr>
+          <a:xfrm flipH="1">
+            <a:off x="-177799" y="1270929"/>
+            <a:ext cx="4969932" cy="0"/>
+          </a:xfrm>
+          <a:prstGeom prst="line">
+            <a:avLst/>
+          </a:prstGeom>
+          <a:ln>
+            <a:solidFill>
+              <a:schemeClr val="tx1"/>
+            </a:solidFill>
+          </a:ln>
+        </p:spPr>
+        <p:style>
+          <a:lnRef idx="1">
+            <a:schemeClr val="accent1"/>
+          </a:lnRef>
+          <a:fillRef idx="0">
+            <a:schemeClr val="accent1"/>
+          </a:fillRef>
+          <a:effectRef idx="0">
+            <a:schemeClr val="accent1"/>
+          </a:effectRef>
+          <a:fontRef idx="minor">
+            <a:schemeClr val="tx1"/>
+          </a:fontRef>
+        </p:style>
+      </p:cxnSp>
+      <p:cxnSp>
+        <p:nvCxnSpPr>
+          <p:cNvPr id="11" name="Conector reto 10">
+            <a:extLst>
+              <a:ext uri="{FF2B5EF4-FFF2-40B4-BE49-F238E27FC236}">
+                <a16:creationId xmlns="" xmlns:a16="http://schemas.microsoft.com/office/drawing/2014/main" id="{973A06F0-7F39-4132-A1CC-91B9D178825E}"/>
+              </a:ext>
+            </a:extLst>
+          </p:cNvPr>
+          <p:cNvCxnSpPr>
+            <a:cxnSpLocks/>
+          </p:cNvCxnSpPr>
+          <p:nvPr/>
+        </p:nvCxnSpPr>
+        <p:spPr>
+          <a:xfrm flipH="1">
+            <a:off x="7366000" y="1280325"/>
+            <a:ext cx="5020734" cy="0"/>
+          </a:xfrm>
+          <a:prstGeom prst="line">
+            <a:avLst/>
+          </a:prstGeom>
+          <a:ln>
+            <a:solidFill>
+              <a:schemeClr val="tx1"/>
+            </a:solidFill>
+          </a:ln>
+        </p:spPr>
+        <p:style>
+          <a:lnRef idx="1">
+            <a:schemeClr val="accent1"/>
+          </a:lnRef>
+          <a:fillRef idx="0">
+            <a:schemeClr val="accent1"/>
+          </a:fillRef>
+          <a:effectRef idx="0">
+            <a:schemeClr val="accent1"/>
+          </a:effectRef>
+          <a:fontRef idx="minor">
+            <a:schemeClr val="tx1"/>
+          </a:fontRef>
+        </p:style>
+      </p:cxnSp>
+    </p:spTree>
+    <p:extLst>
+      <p:ext uri="{BB962C8B-B14F-4D97-AF65-F5344CB8AC3E}">
+        <p14:creationId xmlns:p14="http://schemas.microsoft.com/office/powerpoint/2010/main" val="2712773111"/>
+      </p:ext>
+    </p:extLst>
+  </p:cSld>
+  <p:clrMapOvr>
+    <a:masterClrMapping/>
+  </p:clrMapOvr>
+</p:sld>
+</file>
+
+<file path=ppt/slides/slide6.xml><?xml version="1.0" encoding="utf-8"?>
+<p:sld xmlns:a="http://schemas.openxmlformats.org/drawingml/2006/main" xmlns:r="http://schemas.openxmlformats.org/officeDocument/2006/relationships" xmlns:p="http://schemas.openxmlformats.org/presentationml/2006/main">
+  <p:cSld>
+    <p:spTree>
+      <p:nvGrpSpPr>
+        <p:cNvPr id="1" name=""/>
+        <p:cNvGrpSpPr/>
+        <p:nvPr/>
+      </p:nvGrpSpPr>
+      <p:grpSpPr>
+        <a:xfrm>
+          <a:off x="0" y="0"/>
+          <a:ext cx="0" cy="0"/>
+          <a:chOff x="0" y="0"/>
+          <a:chExt cx="0" cy="0"/>
+        </a:xfrm>
+      </p:grpSpPr>
+      <p:sp>
+        <p:nvSpPr>
+          <p:cNvPr id="7" name="Retângulo 6">
+            <a:extLst>
+              <a:ext uri="{FF2B5EF4-FFF2-40B4-BE49-F238E27FC236}">
+                <a16:creationId xmlns="" xmlns:a16="http://schemas.microsoft.com/office/drawing/2014/main" id="{5E0F7497-D302-4F68-8123-03414F2C6833}"/>
+              </a:ext>
+            </a:extLst>
+          </p:cNvPr>
+          <p:cNvSpPr/>
+          <p:nvPr/>
+        </p:nvSpPr>
+        <p:spPr>
+          <a:xfrm>
+            <a:off x="1704975" y="2558112"/>
+            <a:ext cx="8905875" cy="2032937"/>
+          </a:xfrm>
+          <a:prstGeom prst="rect">
+            <a:avLst/>
+          </a:prstGeom>
+          <a:solidFill>
+            <a:srgbClr val="67C7F2"/>
+          </a:solidFill>
+          <a:ln>
+            <a:noFill/>
+          </a:ln>
+        </p:spPr>
+        <p:style>
+          <a:lnRef idx="2">
+            <a:schemeClr val="accent1">
+              <a:shade val="50000"/>
+            </a:schemeClr>
+          </a:lnRef>
+          <a:fillRef idx="1">
+            <a:schemeClr val="accent1"/>
+          </a:fillRef>
+          <a:effectRef idx="0">
+            <a:schemeClr val="accent1"/>
+          </a:effectRef>
+          <a:fontRef idx="minor">
+            <a:schemeClr val="lt1"/>
+          </a:fontRef>
+        </p:style>
+        <p:txBody>
+          <a:bodyPr rtlCol="0" anchor="ctr"/>
+          <a:lstStyle/>
+          <a:p>
+            <a:pPr algn="ctr"/>
+            <a:endParaRPr lang="pt-BR" dirty="0"/>
+          </a:p>
+        </p:txBody>
+      </p:sp>
+      <p:sp>
+        <p:nvSpPr>
+          <p:cNvPr id="2" name="Título 1">
+            <a:extLst>
+              <a:ext uri="{FF2B5EF4-FFF2-40B4-BE49-F238E27FC236}">
+                <a16:creationId xmlns="" xmlns:a16="http://schemas.microsoft.com/office/drawing/2014/main" id="{E5407E68-547D-40FB-ADFC-29225BCA97FB}"/>
+              </a:ext>
+            </a:extLst>
+          </p:cNvPr>
+          <p:cNvSpPr>
+            <a:spLocks noGrp="1"/>
+          </p:cNvSpPr>
+          <p:nvPr>
+            <p:ph type="title"/>
+          </p:nvPr>
+        </p:nvSpPr>
+        <p:spPr>
+          <a:xfrm>
+            <a:off x="0" y="373393"/>
+            <a:ext cx="12192000" cy="1325563"/>
+          </a:xfrm>
+        </p:spPr>
+        <p:txBody>
+          <a:bodyPr/>
+          <a:lstStyle/>
+          <a:p>
+            <a:pPr algn="ctr"/>
+            <a:r>
+              <a:rPr lang="pt-BR" sz="4000" dirty="0"/>
+              <a:t>EDITAL Nº </a:t>
+            </a:r>
+            <a:r>
+              <a:rPr lang="pt-BR" sz="4000" dirty="0" smtClean="0"/>
+              <a:t>12, </a:t>
+            </a:r>
+            <a:r>
+              <a:rPr lang="pt-BR" sz="4000" dirty="0"/>
+              <a:t>DE </a:t>
+            </a:r>
+            <a:r>
+              <a:rPr lang="pt-BR" sz="4000" dirty="0" smtClean="0"/>
+              <a:t>27 </a:t>
+            </a:r>
+            <a:r>
+              <a:rPr lang="pt-BR" sz="4000" dirty="0"/>
+              <a:t>DE </a:t>
+            </a:r>
+            <a:r>
+              <a:rPr lang="pt-BR" sz="4000" dirty="0" smtClean="0"/>
+              <a:t>NOVEMBRO </a:t>
+            </a:r>
+            <a:r>
+              <a:rPr lang="pt-BR" sz="4000" dirty="0"/>
+              <a:t>DE </a:t>
+            </a:r>
+            <a:r>
+              <a:rPr lang="pt-BR" sz="4000" dirty="0" smtClean="0"/>
+              <a:t>2017</a:t>
+            </a:r>
+            <a:endParaRPr lang="pt-BR" sz="4000" dirty="0"/>
+          </a:p>
+        </p:txBody>
+      </p:sp>
+      <p:sp>
+        <p:nvSpPr>
+          <p:cNvPr id="4" name="Espaço Reservado para Número de Slide 3">
+            <a:extLst>
+              <a:ext uri="{FF2B5EF4-FFF2-40B4-BE49-F238E27FC236}">
+                <a16:creationId xmlns="" xmlns:a16="http://schemas.microsoft.com/office/drawing/2014/main" id="{B251EF4B-4832-430A-9B53-231F361E70F5}"/>
+              </a:ext>
+            </a:extLst>
+          </p:cNvPr>
+          <p:cNvSpPr>
+            <a:spLocks noGrp="1"/>
+          </p:cNvSpPr>
+          <p:nvPr>
+            <p:ph type="sldNum" sz="quarter" idx="10"/>
+          </p:nvPr>
+        </p:nvSpPr>
+        <p:spPr/>
+        <p:txBody>
+          <a:bodyPr/>
+          <a:lstStyle/>
+          <a:p>
+            <a:fld id="{42B4FE49-DA0E-4E24-BB21-E8757AAD71F5}" type="slidenum">
+              <a:rPr lang="pt-BR" smtClean="0"/>
+              <a:pPr/>
+              <a:t>6</a:t>
+            </a:fld>
+            <a:endParaRPr lang="pt-BR" dirty="0"/>
+          </a:p>
+        </p:txBody>
+      </p:sp>
+      <p:sp>
+        <p:nvSpPr>
+          <p:cNvPr id="9" name="CaixaDeTexto 8">
+            <a:extLst>
+              <a:ext uri="{FF2B5EF4-FFF2-40B4-BE49-F238E27FC236}">
+                <a16:creationId xmlns="" xmlns:a16="http://schemas.microsoft.com/office/drawing/2014/main" id="{A32DB5FD-E24E-4C04-851E-C1CA2DE45BC8}"/>
+              </a:ext>
+            </a:extLst>
+          </p:cNvPr>
+          <p:cNvSpPr txBox="1"/>
+          <p:nvPr/>
+        </p:nvSpPr>
+        <p:spPr>
+          <a:xfrm>
+            <a:off x="1838324" y="2974415"/>
+            <a:ext cx="8772526" cy="1200329"/>
+          </a:xfrm>
+          <a:prstGeom prst="rect">
+            <a:avLst/>
+          </a:prstGeom>
+          <a:noFill/>
+        </p:spPr>
+        <p:txBody>
+          <a:bodyPr wrap="square">
+            <a:spAutoFit/>
+          </a:bodyPr>
+          <a:lstStyle/>
+          <a:p>
+            <a:pPr marL="342900" indent="-342900">
+              <a:buAutoNum type="alphaLcParenR"/>
+            </a:pPr>
+            <a:r>
+              <a:rPr lang="pt-BR" b="1" dirty="0" smtClean="0">
+                <a:solidFill>
+                  <a:schemeClr val="bg1"/>
+                </a:solidFill>
+              </a:rPr>
+              <a:t>Maior </a:t>
+            </a:r>
+            <a:r>
+              <a:rPr lang="pt-BR" b="1" dirty="0">
+                <a:solidFill>
+                  <a:schemeClr val="bg1"/>
+                </a:solidFill>
+              </a:rPr>
+              <a:t>idade, considerados o dia, mês e ano de nascimento; </a:t>
+            </a:r>
+            <a:r>
+              <a:rPr lang="pt-BR" b="1" dirty="0" smtClean="0">
+                <a:solidFill>
+                  <a:schemeClr val="bg1"/>
+                </a:solidFill>
+              </a:rPr>
+              <a:t>e</a:t>
+            </a:r>
+          </a:p>
+          <a:p>
+            <a:pPr marL="342900" indent="-342900">
+              <a:buAutoNum type="alphaLcParenR"/>
+            </a:pPr>
+            <a:endParaRPr lang="pt-BR" b="1" dirty="0">
+              <a:solidFill>
+                <a:schemeClr val="bg1"/>
+              </a:solidFill>
+            </a:endParaRPr>
+          </a:p>
+          <a:p>
+            <a:r>
+              <a:rPr lang="pt-BR" b="1" dirty="0">
+                <a:solidFill>
+                  <a:schemeClr val="bg1"/>
+                </a:solidFill>
+              </a:rPr>
+              <a:t>b) Permanecendo o empate, será considerado a data e horário da efetivação </a:t>
+            </a:r>
+            <a:r>
+              <a:rPr lang="pt-BR" b="1" dirty="0" smtClean="0">
+                <a:solidFill>
+                  <a:schemeClr val="bg1"/>
+                </a:solidFill>
+              </a:rPr>
+              <a:t>da inscrição</a:t>
+            </a:r>
+            <a:r>
+              <a:rPr lang="pt-BR" b="1" dirty="0">
+                <a:solidFill>
+                  <a:schemeClr val="bg1"/>
+                </a:solidFill>
+              </a:rPr>
+              <a:t>.</a:t>
+            </a:r>
+          </a:p>
+          <a:p>
+            <a:endParaRPr lang="pt-BR" b="1" dirty="0">
+              <a:solidFill>
+                <a:schemeClr val="bg1"/>
+              </a:solidFill>
+            </a:endParaRPr>
+          </a:p>
+        </p:txBody>
+      </p:sp>
+      <p:sp>
+        <p:nvSpPr>
+          <p:cNvPr id="8" name="CaixaDeTexto 7">
+            <a:extLst>
+              <a:ext uri="{FF2B5EF4-FFF2-40B4-BE49-F238E27FC236}">
+                <a16:creationId xmlns="" xmlns:a16="http://schemas.microsoft.com/office/drawing/2014/main" id="{51FA5D3E-0952-4ABF-9964-6524675A944A}"/>
+              </a:ext>
+            </a:extLst>
+          </p:cNvPr>
+          <p:cNvSpPr txBox="1"/>
+          <p:nvPr/>
+        </p:nvSpPr>
+        <p:spPr>
+          <a:xfrm>
+            <a:off x="956733" y="1667675"/>
+            <a:ext cx="10278533" cy="1200329"/>
+          </a:xfrm>
+          <a:prstGeom prst="rect">
+            <a:avLst/>
+          </a:prstGeom>
+          <a:noFill/>
+        </p:spPr>
+        <p:txBody>
+          <a:bodyPr wrap="square">
+            <a:spAutoFit/>
+          </a:bodyPr>
+          <a:lstStyle/>
+          <a:p>
+            <a:pPr algn="ctr" rtl="0">
+              <a:spcBef>
+                <a:spcPts val="0"/>
+              </a:spcBef>
+              <a:spcAft>
+                <a:spcPts val="0"/>
+              </a:spcAft>
+            </a:pPr>
+            <a:r>
+              <a:rPr lang="pt-BR" sz="2400" dirty="0"/>
+              <a:t>Critérios de desempate</a:t>
+            </a:r>
+            <a:r>
+              <a:rPr lang="pt-BR" sz="2400" b="0" dirty="0">
+                <a:effectLst/>
+              </a:rPr>
+              <a:t/>
+            </a:r>
+            <a:br>
+              <a:rPr lang="pt-BR" sz="2400" b="0" dirty="0">
+                <a:effectLst/>
+              </a:rPr>
+            </a:br>
+            <a:r>
+              <a:rPr lang="pt-BR" sz="2400" b="0" dirty="0">
+                <a:effectLst/>
+              </a:rPr>
+              <a:t/>
+            </a:r>
+            <a:br>
+              <a:rPr lang="pt-BR" sz="2400" b="0" dirty="0">
+                <a:effectLst/>
+              </a:rPr>
+            </a:br>
+            <a:endParaRPr lang="pt-BR" sz="2400" dirty="0"/>
+          </a:p>
+        </p:txBody>
+      </p:sp>
+      <p:cxnSp>
+        <p:nvCxnSpPr>
+          <p:cNvPr id="10" name="Conector reto 9">
+            <a:extLst>
+              <a:ext uri="{FF2B5EF4-FFF2-40B4-BE49-F238E27FC236}">
+                <a16:creationId xmlns="" xmlns:a16="http://schemas.microsoft.com/office/drawing/2014/main" id="{863ED132-1CFD-4B6E-9EC7-E7A9D8A31099}"/>
+              </a:ext>
+            </a:extLst>
+          </p:cNvPr>
+          <p:cNvCxnSpPr>
+            <a:cxnSpLocks/>
+          </p:cNvCxnSpPr>
+          <p:nvPr/>
+        </p:nvCxnSpPr>
+        <p:spPr>
+          <a:xfrm flipH="1">
+            <a:off x="0" y="1905000"/>
+            <a:ext cx="4512734" cy="0"/>
+          </a:xfrm>
+          <a:prstGeom prst="line">
+            <a:avLst/>
+          </a:prstGeom>
+          <a:ln>
+            <a:solidFill>
+              <a:schemeClr val="tx1"/>
+            </a:solidFill>
+          </a:ln>
+        </p:spPr>
+        <p:style>
+          <a:lnRef idx="1">
+            <a:schemeClr val="accent1"/>
+          </a:lnRef>
+          <a:fillRef idx="0">
+            <a:schemeClr val="accent1"/>
+          </a:fillRef>
+          <a:effectRef idx="0">
+            <a:schemeClr val="accent1"/>
+          </a:effectRef>
+          <a:fontRef idx="minor">
+            <a:schemeClr val="tx1"/>
+          </a:fontRef>
+        </p:style>
+      </p:cxnSp>
+      <p:cxnSp>
+        <p:nvCxnSpPr>
+          <p:cNvPr id="11" name="Conector reto 10">
+            <a:extLst>
+              <a:ext uri="{FF2B5EF4-FFF2-40B4-BE49-F238E27FC236}">
+                <a16:creationId xmlns="" xmlns:a16="http://schemas.microsoft.com/office/drawing/2014/main" id="{7080E6B4-42C5-4D2F-88E5-5F25701B64F7}"/>
+              </a:ext>
+            </a:extLst>
+          </p:cNvPr>
+          <p:cNvCxnSpPr>
+            <a:cxnSpLocks/>
+          </p:cNvCxnSpPr>
+          <p:nvPr/>
+        </p:nvCxnSpPr>
+        <p:spPr>
+          <a:xfrm flipH="1">
+            <a:off x="7653868" y="1905000"/>
+            <a:ext cx="4538132" cy="0"/>
+          </a:xfrm>
+          <a:prstGeom prst="line">
+            <a:avLst/>
+          </a:prstGeom>
+          <a:ln>
+            <a:solidFill>
+              <a:schemeClr val="tx1"/>
+            </a:solidFill>
+          </a:ln>
+        </p:spPr>
+        <p:style>
+          <a:lnRef idx="1">
+            <a:schemeClr val="accent1"/>
+          </a:lnRef>
+          <a:fillRef idx="0">
+            <a:schemeClr val="accent1"/>
+          </a:fillRef>
+          <a:effectRef idx="0">
+            <a:schemeClr val="accent1"/>
+          </a:effectRef>
+          <a:fontRef idx="minor">
+            <a:schemeClr val="tx1"/>
+          </a:fontRef>
+        </p:style>
+      </p:cxnSp>
+    </p:spTree>
+    <p:extLst>
+      <p:ext uri="{BB962C8B-B14F-4D97-AF65-F5344CB8AC3E}">
+        <p14:creationId xmlns:p14="http://schemas.microsoft.com/office/powerpoint/2010/main" val="2350790513"/>
+      </p:ext>
+    </p:extLst>
+  </p:cSld>
+  <p:clrMapOvr>
+    <a:masterClrMapping/>
+  </p:clrMapOvr>
+</p:sld>
+</file>
+
+<file path=ppt/slides/slide7.xml><?xml version="1.0" encoding="utf-8"?>
+<p:sld xmlns:a="http://schemas.openxmlformats.org/drawingml/2006/main" xmlns:r="http://schemas.openxmlformats.org/officeDocument/2006/relationships" xmlns:p="http://schemas.openxmlformats.org/presentationml/2006/main">
+  <p:cSld>
+    <p:spTree>
+      <p:nvGrpSpPr>
+        <p:cNvPr id="1" name=""/>
+        <p:cNvGrpSpPr/>
+        <p:nvPr/>
+      </p:nvGrpSpPr>
+      <p:grpSpPr>
+        <a:xfrm>
+          <a:off x="0" y="0"/>
+          <a:ext cx="0" cy="0"/>
+          <a:chOff x="0" y="0"/>
+          <a:chExt cx="0" cy="0"/>
+        </a:xfrm>
+      </p:grpSpPr>
+      <p:sp>
+        <p:nvSpPr>
+          <p:cNvPr id="2" name="Título 1">
+            <a:extLst>
+              <a:ext uri="{FF2B5EF4-FFF2-40B4-BE49-F238E27FC236}">
+                <a16:creationId xmlns="" xmlns:a16="http://schemas.microsoft.com/office/drawing/2014/main" id="{E5407E68-547D-40FB-ADFC-29225BCA97FB}"/>
+              </a:ext>
+            </a:extLst>
+          </p:cNvPr>
+          <p:cNvSpPr>
+            <a:spLocks noGrp="1"/>
+          </p:cNvSpPr>
+          <p:nvPr>
+            <p:ph type="title"/>
+          </p:nvPr>
+        </p:nvSpPr>
+        <p:spPr>
+          <a:xfrm>
+            <a:off x="419100" y="373393"/>
+            <a:ext cx="11496675" cy="1325563"/>
+          </a:xfrm>
+        </p:spPr>
+        <p:txBody>
+          <a:bodyPr/>
+          <a:lstStyle/>
+          <a:p>
+            <a:pPr algn="ctr"/>
+            <a:r>
+              <a:rPr lang="pt-BR" dirty="0"/>
+              <a:t>EDITAL Nº 9, DE 26 DE MARÇO DE 2020</a:t>
+            </a:r>
+          </a:p>
+        </p:txBody>
+      </p:sp>
+      <p:sp>
+        <p:nvSpPr>
+          <p:cNvPr id="4" name="Espaço Reservado para Número de Slide 3">
+            <a:extLst>
+              <a:ext uri="{FF2B5EF4-FFF2-40B4-BE49-F238E27FC236}">
+                <a16:creationId xmlns="" xmlns:a16="http://schemas.microsoft.com/office/drawing/2014/main" id="{B251EF4B-4832-430A-9B53-231F361E70F5}"/>
+              </a:ext>
+            </a:extLst>
+          </p:cNvPr>
+          <p:cNvSpPr>
+            <a:spLocks noGrp="1"/>
+          </p:cNvSpPr>
+          <p:nvPr>
+            <p:ph type="sldNum" sz="quarter" idx="10"/>
+          </p:nvPr>
+        </p:nvSpPr>
+        <p:spPr/>
+        <p:txBody>
+          <a:bodyPr/>
+          <a:lstStyle/>
+          <a:p>
+            <a:fld id="{42B4FE49-DA0E-4E24-BB21-E8757AAD71F5}" type="slidenum">
+              <a:rPr lang="pt-BR" smtClean="0"/>
+              <a:pPr/>
+              <a:t>7</a:t>
+            </a:fld>
+            <a:endParaRPr lang="pt-BR" dirty="0"/>
+          </a:p>
+        </p:txBody>
+      </p:sp>
+      <p:sp>
+        <p:nvSpPr>
+          <p:cNvPr id="6" name="CaixaDeTexto 5">
+            <a:extLst>
+              <a:ext uri="{FF2B5EF4-FFF2-40B4-BE49-F238E27FC236}">
+                <a16:creationId xmlns="" xmlns:a16="http://schemas.microsoft.com/office/drawing/2014/main" id="{51FA5D3E-0952-4ABF-9964-6524675A944A}"/>
+              </a:ext>
+            </a:extLst>
+          </p:cNvPr>
+          <p:cNvSpPr txBox="1"/>
+          <p:nvPr/>
+        </p:nvSpPr>
+        <p:spPr>
+          <a:xfrm>
+            <a:off x="956733" y="914392"/>
+            <a:ext cx="10278533" cy="1384995"/>
+          </a:xfrm>
+          <a:prstGeom prst="rect">
+            <a:avLst/>
+          </a:prstGeom>
+          <a:noFill/>
+        </p:spPr>
+        <p:txBody>
+          <a:bodyPr wrap="square">
+            <a:spAutoFit/>
+          </a:bodyPr>
+          <a:lstStyle/>
+          <a:p>
+            <a:pPr algn="ctr" rtl="0">
+              <a:spcBef>
+                <a:spcPts val="0"/>
+              </a:spcBef>
+              <a:spcAft>
+                <a:spcPts val="0"/>
+              </a:spcAft>
+            </a:pPr>
+            <a:r>
+              <a:rPr lang="pt-BR" sz="2800" dirty="0"/>
+              <a:t>Classificação das localidades</a:t>
+            </a:r>
+            <a:r>
+              <a:rPr lang="pt-BR" sz="2800" b="0" dirty="0">
+                <a:effectLst/>
+              </a:rPr>
+              <a:t/>
+            </a:r>
+            <a:br>
+              <a:rPr lang="pt-BR" sz="2800" b="0" dirty="0">
+                <a:effectLst/>
+              </a:rPr>
+            </a:br>
+            <a:r>
+              <a:rPr lang="pt-BR" sz="2800" b="0" dirty="0">
+                <a:effectLst/>
+              </a:rPr>
+              <a:t/>
+            </a:r>
+            <a:br>
+              <a:rPr lang="pt-BR" sz="2800" b="0" dirty="0">
+                <a:effectLst/>
+              </a:rPr>
+            </a:br>
+            <a:endParaRPr lang="pt-BR" sz="2800" dirty="0"/>
+          </a:p>
+        </p:txBody>
+      </p:sp>
+      <p:sp>
+        <p:nvSpPr>
+          <p:cNvPr id="13" name="CaixaDeTexto 12">
+            <a:extLst>
+              <a:ext uri="{FF2B5EF4-FFF2-40B4-BE49-F238E27FC236}">
+                <a16:creationId xmlns="" xmlns:a16="http://schemas.microsoft.com/office/drawing/2014/main" id="{9C3FC4C1-BBE1-40EB-BB49-C266511B5D4F}"/>
+              </a:ext>
+            </a:extLst>
+          </p:cNvPr>
+          <p:cNvSpPr txBox="1"/>
+          <p:nvPr/>
+        </p:nvSpPr>
+        <p:spPr>
+          <a:xfrm>
+            <a:off x="771525" y="6449100"/>
+            <a:ext cx="6096000" cy="369332"/>
+          </a:xfrm>
+          <a:prstGeom prst="rect">
+            <a:avLst/>
+          </a:prstGeom>
+          <a:noFill/>
+        </p:spPr>
+        <p:txBody>
+          <a:bodyPr wrap="square">
+            <a:spAutoFit/>
+          </a:bodyPr>
+          <a:lstStyle/>
+          <a:p>
+            <a:r>
+              <a:rPr lang="pt-BR" dirty="0">
+                <a:solidFill>
+                  <a:schemeClr val="bg1"/>
+                </a:solidFill>
+              </a:rPr>
+              <a:t>Consultar Portaria Nº 1.409, de 10 de julho de 2013</a:t>
+            </a:r>
+          </a:p>
+        </p:txBody>
+      </p:sp>
+      <p:cxnSp>
+        <p:nvCxnSpPr>
+          <p:cNvPr id="9" name="Conector reto 8">
+            <a:extLst>
+              <a:ext uri="{FF2B5EF4-FFF2-40B4-BE49-F238E27FC236}">
+                <a16:creationId xmlns="" xmlns:a16="http://schemas.microsoft.com/office/drawing/2014/main" id="{0C5F8B4B-E280-4140-838E-B39EB5F7609A}"/>
+              </a:ext>
+            </a:extLst>
+          </p:cNvPr>
+          <p:cNvCxnSpPr>
+            <a:cxnSpLocks/>
+          </p:cNvCxnSpPr>
+          <p:nvPr/>
+        </p:nvCxnSpPr>
+        <p:spPr>
+          <a:xfrm flipH="1">
+            <a:off x="0" y="1194120"/>
+            <a:ext cx="3797620" cy="0"/>
+          </a:xfrm>
+          <a:prstGeom prst="line">
+            <a:avLst/>
+          </a:prstGeom>
+          <a:ln>
+            <a:solidFill>
+              <a:schemeClr val="tx1"/>
+            </a:solidFill>
+          </a:ln>
+        </p:spPr>
+        <p:style>
+          <a:lnRef idx="1">
+            <a:schemeClr val="accent1"/>
+          </a:lnRef>
+          <a:fillRef idx="0">
+            <a:schemeClr val="accent1"/>
+          </a:fillRef>
+          <a:effectRef idx="0">
+            <a:schemeClr val="accent1"/>
+          </a:effectRef>
+          <a:fontRef idx="minor">
+            <a:schemeClr val="tx1"/>
+          </a:fontRef>
+        </p:style>
+      </p:cxnSp>
+      <p:cxnSp>
+        <p:nvCxnSpPr>
+          <p:cNvPr id="10" name="Conector reto 9">
+            <a:extLst>
+              <a:ext uri="{FF2B5EF4-FFF2-40B4-BE49-F238E27FC236}">
+                <a16:creationId xmlns="" xmlns:a16="http://schemas.microsoft.com/office/drawing/2014/main" id="{93CB148D-F7D0-4670-A07F-77B4494B35B4}"/>
+              </a:ext>
+            </a:extLst>
+          </p:cNvPr>
+          <p:cNvCxnSpPr>
+            <a:cxnSpLocks/>
+          </p:cNvCxnSpPr>
+          <p:nvPr/>
+        </p:nvCxnSpPr>
+        <p:spPr>
+          <a:xfrm flipH="1">
+            <a:off x="8259234" y="1194120"/>
+            <a:ext cx="3932766" cy="0"/>
+          </a:xfrm>
+          <a:prstGeom prst="line">
+            <a:avLst/>
+          </a:prstGeom>
+          <a:ln>
+            <a:solidFill>
+              <a:schemeClr val="tx1"/>
+            </a:solidFill>
+          </a:ln>
+        </p:spPr>
+        <p:style>
+          <a:lnRef idx="1">
+            <a:schemeClr val="accent1"/>
+          </a:lnRef>
+          <a:fillRef idx="0">
+            <a:schemeClr val="accent1"/>
+          </a:fillRef>
+          <a:effectRef idx="0">
+            <a:schemeClr val="accent1"/>
+          </a:effectRef>
+          <a:fontRef idx="minor">
+            <a:schemeClr val="tx1"/>
+          </a:fontRef>
+        </p:style>
+      </p:cxnSp>
+      <p:pic>
+        <p:nvPicPr>
+          <p:cNvPr id="3" name="Imagem 2"/>
+          <p:cNvPicPr>
+            <a:picLocks noChangeAspect="1"/>
+          </p:cNvPicPr>
+          <p:nvPr/>
+        </p:nvPicPr>
+        <p:blipFill>
+          <a:blip r:embed="rId2"/>
+          <a:stretch>
+            <a:fillRect/>
+          </a:stretch>
+        </p:blipFill>
+        <p:spPr>
+          <a:xfrm>
+            <a:off x="75359" y="1971093"/>
+            <a:ext cx="6020640" cy="2829320"/>
+          </a:xfrm>
+          <a:prstGeom prst="rect">
+            <a:avLst/>
+          </a:prstGeom>
+        </p:spPr>
+      </p:pic>
+      <p:pic>
+        <p:nvPicPr>
+          <p:cNvPr id="7" name="Imagem 6"/>
+          <p:cNvPicPr>
+            <a:picLocks noChangeAspect="1"/>
+          </p:cNvPicPr>
+          <p:nvPr/>
+        </p:nvPicPr>
+        <p:blipFill>
+          <a:blip r:embed="rId3"/>
+          <a:stretch>
+            <a:fillRect/>
+          </a:stretch>
+        </p:blipFill>
+        <p:spPr>
+          <a:xfrm>
+            <a:off x="6199939" y="2299387"/>
+            <a:ext cx="5992061" cy="2286319"/>
+          </a:xfrm>
+          <a:prstGeom prst="rect">
+            <a:avLst/>
+          </a:prstGeom>
+        </p:spPr>
+      </p:pic>
+    </p:spTree>
+    <p:extLst>
+      <p:ext uri="{BB962C8B-B14F-4D97-AF65-F5344CB8AC3E}">
+        <p14:creationId xmlns:p14="http://schemas.microsoft.com/office/powerpoint/2010/main" val="2221675722"/>
+      </p:ext>
+    </p:extLst>
+  </p:cSld>
+  <p:clrMapOvr>
+    <a:masterClrMapping/>
+  </p:clrMapOvr>
+</p:sld>
+</file>
+
+<file path=ppt/slides/slide8.xml><?xml version="1.0" encoding="utf-8"?>
+<p:sld xmlns:a="http://schemas.openxmlformats.org/drawingml/2006/main" xmlns:r="http://schemas.openxmlformats.org/officeDocument/2006/relationships" xmlns:p="http://schemas.openxmlformats.org/presentationml/2006/main">
+  <p:cSld>
+    <p:spTree>
+      <p:nvGrpSpPr>
+        <p:cNvPr id="1" name=""/>
+        <p:cNvGrpSpPr/>
+        <p:nvPr/>
+      </p:nvGrpSpPr>
+      <p:grpSpPr>
+        <a:xfrm>
+          <a:off x="0" y="0"/>
+          <a:ext cx="0" cy="0"/>
+          <a:chOff x="0" y="0"/>
+          <a:chExt cx="0" cy="0"/>
+        </a:xfrm>
+      </p:grpSpPr>
+      <p:sp>
+        <p:nvSpPr>
+          <p:cNvPr id="2" name="Título 1">
+            <a:extLst>
+              <a:ext uri="{FF2B5EF4-FFF2-40B4-BE49-F238E27FC236}">
+                <a16:creationId xmlns="" xmlns:a16="http://schemas.microsoft.com/office/drawing/2014/main" id="{E5407E68-547D-40FB-ADFC-29225BCA97FB}"/>
               </a:ext>
             </a:extLst>
           </p:cNvPr>
@@ -10046,7 +12163,7 @@
           <p:cNvPr id="4" name="Espaço Reservado para Número de Slide 3">
             <a:extLst>
               <a:ext uri="{FF2B5EF4-FFF2-40B4-BE49-F238E27FC236}">
-                <a16:creationId xmlns:a16="http://schemas.microsoft.com/office/drawing/2014/main" xmlns="" id="{B251EF4B-4832-430A-9B53-231F361E70F5}"/>
+                <a16:creationId xmlns="" xmlns:a16="http://schemas.microsoft.com/office/drawing/2014/main" id="{B251EF4B-4832-430A-9B53-231F361E70F5}"/>
               </a:ext>
             </a:extLst>
           </p:cNvPr>
@@ -10065,7 +12182,7 @@
             <a:fld id="{42B4FE49-DA0E-4E24-BB21-E8757AAD71F5}" type="slidenum">
               <a:rPr lang="pt-BR" smtClean="0"/>
               <a:pPr/>
-              <a:t>5</a:t>
+              <a:t>8</a:t>
             </a:fld>
             <a:endParaRPr lang="pt-BR" dirty="0"/>
           </a:p>
@@ -10076,7 +12193,7 @@
           <p:cNvPr id="7" name="CaixaDeTexto 6">
             <a:extLst>
               <a:ext uri="{FF2B5EF4-FFF2-40B4-BE49-F238E27FC236}">
-                <a16:creationId xmlns:a16="http://schemas.microsoft.com/office/drawing/2014/main" xmlns="" id="{875E6116-A1D4-4C06-8451-B1ED7DE07F79}"/>
+                <a16:creationId xmlns="" xmlns:a16="http://schemas.microsoft.com/office/drawing/2014/main" id="{875E6116-A1D4-4C06-8451-B1ED7DE07F79}"/>
               </a:ext>
             </a:extLst>
           </p:cNvPr>
@@ -10166,7 +12283,7 @@
           <p:cNvPr id="13" name="CaixaDeTexto 12">
             <a:extLst>
               <a:ext uri="{FF2B5EF4-FFF2-40B4-BE49-F238E27FC236}">
-                <a16:creationId xmlns:a16="http://schemas.microsoft.com/office/drawing/2014/main" xmlns="" id="{4D7473EB-0DC6-43B6-8AD5-EFAAB4FC7143}"/>
+                <a16:creationId xmlns="" xmlns:a16="http://schemas.microsoft.com/office/drawing/2014/main" id="{4D7473EB-0DC6-43B6-8AD5-EFAAB4FC7143}"/>
               </a:ext>
             </a:extLst>
           </p:cNvPr>
@@ -10228,7 +12345,7 @@
           <p:cNvPr id="5" name="Imagem 4">
             <a:extLst>
               <a:ext uri="{FF2B5EF4-FFF2-40B4-BE49-F238E27FC236}">
-                <a16:creationId xmlns:a16="http://schemas.microsoft.com/office/drawing/2014/main" xmlns="" id="{2507062F-962A-4EA3-BDFC-19F7DEB3B305}"/>
+                <a16:creationId xmlns="" xmlns:a16="http://schemas.microsoft.com/office/drawing/2014/main" id="{2507062F-962A-4EA3-BDFC-19F7DEB3B305}"/>
               </a:ext>
             </a:extLst>
           </p:cNvPr>
@@ -10264,7 +12381,7 @@
           <p:cNvPr id="10" name="Conector reto 9">
             <a:extLst>
               <a:ext uri="{FF2B5EF4-FFF2-40B4-BE49-F238E27FC236}">
-                <a16:creationId xmlns:a16="http://schemas.microsoft.com/office/drawing/2014/main" xmlns="" id="{500C1D4A-6CA1-4918-9D0C-A6C7752B7263}"/>
+                <a16:creationId xmlns="" xmlns:a16="http://schemas.microsoft.com/office/drawing/2014/main" id="{500C1D4A-6CA1-4918-9D0C-A6C7752B7263}"/>
               </a:ext>
             </a:extLst>
           </p:cNvPr>
@@ -10305,7 +12422,7 @@
           <p:cNvPr id="14" name="Conector reto 13">
             <a:extLst>
               <a:ext uri="{FF2B5EF4-FFF2-40B4-BE49-F238E27FC236}">
-                <a16:creationId xmlns:a16="http://schemas.microsoft.com/office/drawing/2014/main" xmlns="" id="{CAF07FCD-2206-4ECE-87FD-E01D375737E0}"/>
+                <a16:creationId xmlns="" xmlns:a16="http://schemas.microsoft.com/office/drawing/2014/main" id="{CAF07FCD-2206-4ECE-87FD-E01D375737E0}"/>
               </a:ext>
             </a:extLst>
           </p:cNvPr>
@@ -10361,7 +12478,7 @@
 </p:sld>
 </file>
 
-<file path=ppt/slides/slide6.xml><?xml version="1.0" encoding="utf-8"?>
+<file path=ppt/slides/slide9.xml><?xml version="1.0" encoding="utf-8"?>
 <p:sld xmlns:a="http://schemas.openxmlformats.org/drawingml/2006/main" xmlns:r="http://schemas.openxmlformats.org/officeDocument/2006/relationships" xmlns:p="http://schemas.openxmlformats.org/presentationml/2006/main">
   <p:cSld>
     <p:spTree>
@@ -10383,7 +12500,7 @@
           <p:cNvPr id="2050" name="Picture 2">
             <a:extLst>
               <a:ext uri="{FF2B5EF4-FFF2-40B4-BE49-F238E27FC236}">
-                <a16:creationId xmlns:a16="http://schemas.microsoft.com/office/drawing/2014/main" xmlns="" id="{917B7366-C21A-41D0-9629-017CDE3B70CE}"/>
+                <a16:creationId xmlns="" xmlns:a16="http://schemas.microsoft.com/office/drawing/2014/main" id="{917B7366-C21A-41D0-9629-017CDE3B70CE}"/>
               </a:ext>
             </a:extLst>
           </p:cNvPr>
@@ -10430,7 +12547,7 @@
           <p:cNvPr id="2" name="Título 1">
             <a:extLst>
               <a:ext uri="{FF2B5EF4-FFF2-40B4-BE49-F238E27FC236}">
-                <a16:creationId xmlns:a16="http://schemas.microsoft.com/office/drawing/2014/main" xmlns="" id="{E5407E68-547D-40FB-ADFC-29225BCA97FB}"/>
+                <a16:creationId xmlns="" xmlns:a16="http://schemas.microsoft.com/office/drawing/2014/main" id="{E5407E68-547D-40FB-ADFC-29225BCA97FB}"/>
               </a:ext>
             </a:extLst>
           </p:cNvPr>
@@ -10459,7 +12576,7 @@
           <p:cNvPr id="4" name="Espaço Reservado para Número de Slide 3">
             <a:extLst>
               <a:ext uri="{FF2B5EF4-FFF2-40B4-BE49-F238E27FC236}">
-                <a16:creationId xmlns:a16="http://schemas.microsoft.com/office/drawing/2014/main" xmlns="" id="{B251EF4B-4832-430A-9B53-231F361E70F5}"/>
+                <a16:creationId xmlns="" xmlns:a16="http://schemas.microsoft.com/office/drawing/2014/main" id="{B251EF4B-4832-430A-9B53-231F361E70F5}"/>
               </a:ext>
             </a:extLst>
           </p:cNvPr>
@@ -10478,7 +12595,7 @@
             <a:fld id="{42B4FE49-DA0E-4E24-BB21-E8757AAD71F5}" type="slidenum">
               <a:rPr lang="pt-BR" smtClean="0"/>
               <a:pPr/>
-              <a:t>6</a:t>
+              <a:t>9</a:t>
             </a:fld>
             <a:endParaRPr lang="pt-BR" dirty="0"/>
           </a:p>
@@ -10489,7 +12606,7 @@
           <p:cNvPr id="16" name="CaixaDeTexto 15">
             <a:extLst>
               <a:ext uri="{FF2B5EF4-FFF2-40B4-BE49-F238E27FC236}">
-                <a16:creationId xmlns:a16="http://schemas.microsoft.com/office/drawing/2014/main" xmlns="" id="{02AF37DB-B681-4C41-A8BD-3132AC01852C}"/>
+                <a16:creationId xmlns="" xmlns:a16="http://schemas.microsoft.com/office/drawing/2014/main" id="{02AF37DB-B681-4C41-A8BD-3132AC01852C}"/>
               </a:ext>
             </a:extLst>
           </p:cNvPr>
@@ -10626,7 +12743,7 @@
           <p:cNvPr id="19" name="CaixaDeTexto 18">
             <a:extLst>
               <a:ext uri="{FF2B5EF4-FFF2-40B4-BE49-F238E27FC236}">
-                <a16:creationId xmlns:a16="http://schemas.microsoft.com/office/drawing/2014/main" xmlns="" id="{6A3144A0-0FCA-4AFD-968A-3429775EF61A}"/>
+                <a16:creationId xmlns="" xmlns:a16="http://schemas.microsoft.com/office/drawing/2014/main" id="{6A3144A0-0FCA-4AFD-968A-3429775EF61A}"/>
               </a:ext>
             </a:extLst>
           </p:cNvPr>
@@ -10677,7 +12794,7 @@
                 <a:hlinkClick r:id="rId3">
                   <a:extLst>
                     <a:ext uri="{A12FA001-AC4F-418D-AE19-62706E023703}">
-                      <ahyp:hlinkClr xmlns:ahyp="http://schemas.microsoft.com/office/drawing/2018/hyperlinkcolor" xmlns="" val="tx"/>
+                      <ahyp:hlinkClr xmlns="" xmlns:ahyp="http://schemas.microsoft.com/office/drawing/2018/hyperlinkcolor" val="tx"/>
                     </a:ext>
                   </a:extLst>
                 </a:hlinkClick>
@@ -10733,1064 +12850,6 @@
       </p:par>
     </p:tnLst>
   </p:timing>
-</p:sld>
-</file>
-
-<file path=ppt/slides/slide7.xml><?xml version="1.0" encoding="utf-8"?>
-<p:sld xmlns:a="http://schemas.openxmlformats.org/drawingml/2006/main" xmlns:r="http://schemas.openxmlformats.org/officeDocument/2006/relationships" xmlns:p="http://schemas.openxmlformats.org/presentationml/2006/main">
-  <p:cSld>
-    <p:spTree>
-      <p:nvGrpSpPr>
-        <p:cNvPr id="1" name=""/>
-        <p:cNvGrpSpPr/>
-        <p:nvPr/>
-      </p:nvGrpSpPr>
-      <p:grpSpPr>
-        <a:xfrm>
-          <a:off x="0" y="0"/>
-          <a:ext cx="0" cy="0"/>
-          <a:chOff x="0" y="0"/>
-          <a:chExt cx="0" cy="0"/>
-        </a:xfrm>
-      </p:grpSpPr>
-      <p:sp>
-        <p:nvSpPr>
-          <p:cNvPr id="7" name="Retângulo 6">
-            <a:extLst>
-              <a:ext uri="{FF2B5EF4-FFF2-40B4-BE49-F238E27FC236}">
-                <a16:creationId xmlns:a16="http://schemas.microsoft.com/office/drawing/2014/main" xmlns="" id="{5E0F7497-D302-4F68-8123-03414F2C6833}"/>
-              </a:ext>
-            </a:extLst>
-          </p:cNvPr>
-          <p:cNvSpPr/>
-          <p:nvPr/>
-        </p:nvSpPr>
-        <p:spPr>
-          <a:xfrm>
-            <a:off x="1704975" y="2558112"/>
-            <a:ext cx="8905875" cy="2032937"/>
-          </a:xfrm>
-          <a:prstGeom prst="rect">
-            <a:avLst/>
-          </a:prstGeom>
-          <a:solidFill>
-            <a:srgbClr val="67C7F2"/>
-          </a:solidFill>
-          <a:ln>
-            <a:noFill/>
-          </a:ln>
-        </p:spPr>
-        <p:style>
-          <a:lnRef idx="2">
-            <a:schemeClr val="accent1">
-              <a:shade val="50000"/>
-            </a:schemeClr>
-          </a:lnRef>
-          <a:fillRef idx="1">
-            <a:schemeClr val="accent1"/>
-          </a:fillRef>
-          <a:effectRef idx="0">
-            <a:schemeClr val="accent1"/>
-          </a:effectRef>
-          <a:fontRef idx="minor">
-            <a:schemeClr val="lt1"/>
-          </a:fontRef>
-        </p:style>
-        <p:txBody>
-          <a:bodyPr rtlCol="0" anchor="ctr"/>
-          <a:lstStyle/>
-          <a:p>
-            <a:pPr algn="ctr"/>
-            <a:endParaRPr lang="pt-BR"/>
-          </a:p>
-        </p:txBody>
-      </p:sp>
-      <p:sp>
-        <p:nvSpPr>
-          <p:cNvPr id="2" name="Título 1">
-            <a:extLst>
-              <a:ext uri="{FF2B5EF4-FFF2-40B4-BE49-F238E27FC236}">
-                <a16:creationId xmlns:a16="http://schemas.microsoft.com/office/drawing/2014/main" xmlns="" id="{E5407E68-547D-40FB-ADFC-29225BCA97FB}"/>
-              </a:ext>
-            </a:extLst>
-          </p:cNvPr>
-          <p:cNvSpPr>
-            <a:spLocks noGrp="1"/>
-          </p:cNvSpPr>
-          <p:nvPr>
-            <p:ph type="title"/>
-          </p:nvPr>
-        </p:nvSpPr>
-        <p:spPr>
-          <a:xfrm>
-            <a:off x="419100" y="373393"/>
-            <a:ext cx="11496675" cy="1325563"/>
-          </a:xfrm>
-        </p:spPr>
-        <p:txBody>
-          <a:bodyPr/>
-          <a:lstStyle/>
-          <a:p>
-            <a:pPr algn="ctr"/>
-            <a:r>
-              <a:rPr lang="pt-BR" dirty="0"/>
-              <a:t>EDITAL Nº 9, DE 26 DE MARÇO DE 2020</a:t>
-            </a:r>
-          </a:p>
-        </p:txBody>
-      </p:sp>
-      <p:sp>
-        <p:nvSpPr>
-          <p:cNvPr id="4" name="Espaço Reservado para Número de Slide 3">
-            <a:extLst>
-              <a:ext uri="{FF2B5EF4-FFF2-40B4-BE49-F238E27FC236}">
-                <a16:creationId xmlns:a16="http://schemas.microsoft.com/office/drawing/2014/main" xmlns="" id="{B251EF4B-4832-430A-9B53-231F361E70F5}"/>
-              </a:ext>
-            </a:extLst>
-          </p:cNvPr>
-          <p:cNvSpPr>
-            <a:spLocks noGrp="1"/>
-          </p:cNvSpPr>
-          <p:nvPr>
-            <p:ph type="sldNum" sz="quarter" idx="10"/>
-          </p:nvPr>
-        </p:nvSpPr>
-        <p:spPr/>
-        <p:txBody>
-          <a:bodyPr/>
-          <a:lstStyle/>
-          <a:p>
-            <a:fld id="{42B4FE49-DA0E-4E24-BB21-E8757AAD71F5}" type="slidenum">
-              <a:rPr lang="pt-BR" smtClean="0"/>
-              <a:pPr/>
-              <a:t>7</a:t>
-            </a:fld>
-            <a:endParaRPr lang="pt-BR" dirty="0"/>
-          </a:p>
-        </p:txBody>
-      </p:sp>
-      <p:sp>
-        <p:nvSpPr>
-          <p:cNvPr id="6" name="CaixaDeTexto 5">
-            <a:extLst>
-              <a:ext uri="{FF2B5EF4-FFF2-40B4-BE49-F238E27FC236}">
-                <a16:creationId xmlns:a16="http://schemas.microsoft.com/office/drawing/2014/main" xmlns="" id="{51FA5D3E-0952-4ABF-9964-6524675A944A}"/>
-              </a:ext>
-            </a:extLst>
-          </p:cNvPr>
-          <p:cNvSpPr txBox="1"/>
-          <p:nvPr/>
-        </p:nvSpPr>
-        <p:spPr>
-          <a:xfrm>
-            <a:off x="956733" y="1232549"/>
-            <a:ext cx="10278533" cy="1477328"/>
-          </a:xfrm>
-          <a:prstGeom prst="rect">
-            <a:avLst/>
-          </a:prstGeom>
-          <a:noFill/>
-        </p:spPr>
-        <p:txBody>
-          <a:bodyPr wrap="square">
-            <a:spAutoFit/>
-          </a:bodyPr>
-          <a:lstStyle/>
-          <a:p>
-            <a:pPr algn="ctr" rtl="0">
-              <a:spcBef>
-                <a:spcPts val="0"/>
-              </a:spcBef>
-              <a:spcAft>
-                <a:spcPts val="0"/>
-              </a:spcAft>
-            </a:pPr>
-            <a:r>
-              <a:rPr lang="pt-BR" dirty="0"/>
-              <a:t>Este edital realiza o chamamento público de médicos intercambistas, da cooperação internacional, listados no Anexo II, que atendam aos requisitos do art. 23-A da Lei nº 12.871/2013, alterado pela Lei nº 13.958/2019, para reincorporação ao Projeto Mais Médicos por um prazo improrrogável de dois anos.</a:t>
-            </a:r>
-            <a:r>
-              <a:rPr lang="pt-BR" b="0" dirty="0">
-                <a:effectLst/>
-              </a:rPr>
-              <a:t/>
-            </a:r>
-            <a:br>
-              <a:rPr lang="pt-BR" b="0" dirty="0">
-                <a:effectLst/>
-              </a:rPr>
-            </a:br>
-            <a:r>
-              <a:rPr lang="pt-BR" b="0" dirty="0">
-                <a:effectLst/>
-              </a:rPr>
-              <a:t/>
-            </a:r>
-            <a:br>
-              <a:rPr lang="pt-BR" b="0" dirty="0">
-                <a:effectLst/>
-              </a:rPr>
-            </a:br>
-            <a:endParaRPr lang="pt-BR" dirty="0"/>
-          </a:p>
-        </p:txBody>
-      </p:sp>
-      <p:sp>
-        <p:nvSpPr>
-          <p:cNvPr id="9" name="CaixaDeTexto 8">
-            <a:extLst>
-              <a:ext uri="{FF2B5EF4-FFF2-40B4-BE49-F238E27FC236}">
-                <a16:creationId xmlns:a16="http://schemas.microsoft.com/office/drawing/2014/main" xmlns="" id="{A32DB5FD-E24E-4C04-851E-C1CA2DE45BC8}"/>
-              </a:ext>
-            </a:extLst>
-          </p:cNvPr>
-          <p:cNvSpPr txBox="1"/>
-          <p:nvPr/>
-        </p:nvSpPr>
-        <p:spPr>
-          <a:xfrm>
-            <a:off x="1838324" y="2709877"/>
-            <a:ext cx="8515350" cy="1754326"/>
-          </a:xfrm>
-          <a:prstGeom prst="rect">
-            <a:avLst/>
-          </a:prstGeom>
-          <a:noFill/>
-        </p:spPr>
-        <p:txBody>
-          <a:bodyPr wrap="square">
-            <a:spAutoFit/>
-          </a:bodyPr>
-          <a:lstStyle/>
-          <a:p>
-            <a:r>
-              <a:rPr lang="pt-BR" b="1" dirty="0">
-                <a:solidFill>
-                  <a:schemeClr val="bg1"/>
-                </a:solidFill>
-              </a:rPr>
-              <a:t>6.5. É oportunizada ao médico a indicação de 4 (quatro) localidades e sua ordem de preferência (prioridade) para atuação.</a:t>
-            </a:r>
-          </a:p>
-          <a:p>
-            <a:endParaRPr lang="pt-BR" b="1" dirty="0">
-              <a:solidFill>
-                <a:schemeClr val="bg1"/>
-              </a:solidFill>
-            </a:endParaRPr>
-          </a:p>
-          <a:p>
-            <a:r>
-              <a:rPr lang="pt-BR" b="1" dirty="0">
-                <a:solidFill>
-                  <a:schemeClr val="bg1"/>
-                </a:solidFill>
-              </a:rPr>
-              <a:t>6.8. A concorrência entre os médicos se dará dentro de cada opção escolhida; ou seja, só haverá concorrência em prioridades posteriores, caso a vaga não tenha sido ocupada por nenhum médico que optou por aquele município como prioridade antecedente.</a:t>
-            </a:r>
-          </a:p>
-        </p:txBody>
-      </p:sp>
-      <p:pic>
-        <p:nvPicPr>
-          <p:cNvPr id="13" name="Imagem 12">
-            <a:extLst>
-              <a:ext uri="{FF2B5EF4-FFF2-40B4-BE49-F238E27FC236}">
-                <a16:creationId xmlns:a16="http://schemas.microsoft.com/office/drawing/2014/main" xmlns="" id="{7B31CF5A-89BB-410B-8F30-0E1B50BA401C}"/>
-              </a:ext>
-            </a:extLst>
-          </p:cNvPr>
-          <p:cNvPicPr>
-            <a:picLocks noChangeAspect="1"/>
-          </p:cNvPicPr>
-          <p:nvPr/>
-        </p:nvPicPr>
-        <p:blipFill>
-          <a:blip r:embed="rId2"/>
-          <a:stretch>
-            <a:fillRect/>
-          </a:stretch>
-        </p:blipFill>
-        <p:spPr>
-          <a:xfrm>
-            <a:off x="5394400" y="4748606"/>
-            <a:ext cx="1403197" cy="1403197"/>
-          </a:xfrm>
-          <a:prstGeom prst="rect">
-            <a:avLst/>
-          </a:prstGeom>
-        </p:spPr>
-      </p:pic>
-    </p:spTree>
-    <p:extLst>
-      <p:ext uri="{BB962C8B-B14F-4D97-AF65-F5344CB8AC3E}">
-        <p14:creationId xmlns:p14="http://schemas.microsoft.com/office/powerpoint/2010/main" val="2313058853"/>
-      </p:ext>
-    </p:extLst>
-  </p:cSld>
-  <p:clrMapOvr>
-    <a:masterClrMapping/>
-  </p:clrMapOvr>
-</p:sld>
-</file>
-
-<file path=ppt/slides/slide8.xml><?xml version="1.0" encoding="utf-8"?>
-<p:sld xmlns:a="http://schemas.openxmlformats.org/drawingml/2006/main" xmlns:r="http://schemas.openxmlformats.org/officeDocument/2006/relationships" xmlns:p="http://schemas.openxmlformats.org/presentationml/2006/main">
-  <p:cSld>
-    <p:spTree>
-      <p:nvGrpSpPr>
-        <p:cNvPr id="1" name=""/>
-        <p:cNvGrpSpPr/>
-        <p:nvPr/>
-      </p:nvGrpSpPr>
-      <p:grpSpPr>
-        <a:xfrm>
-          <a:off x="0" y="0"/>
-          <a:ext cx="0" cy="0"/>
-          <a:chOff x="0" y="0"/>
-          <a:chExt cx="0" cy="0"/>
-        </a:xfrm>
-      </p:grpSpPr>
-      <p:sp>
-        <p:nvSpPr>
-          <p:cNvPr id="7" name="Retângulo 6">
-            <a:extLst>
-              <a:ext uri="{FF2B5EF4-FFF2-40B4-BE49-F238E27FC236}">
-                <a16:creationId xmlns:a16="http://schemas.microsoft.com/office/drawing/2014/main" xmlns="" id="{5E0F7497-D302-4F68-8123-03414F2C6833}"/>
-              </a:ext>
-            </a:extLst>
-          </p:cNvPr>
-          <p:cNvSpPr/>
-          <p:nvPr/>
-        </p:nvSpPr>
-        <p:spPr>
-          <a:xfrm>
-            <a:off x="1704975" y="2558112"/>
-            <a:ext cx="8905875" cy="2032937"/>
-          </a:xfrm>
-          <a:prstGeom prst="rect">
-            <a:avLst/>
-          </a:prstGeom>
-          <a:solidFill>
-            <a:srgbClr val="67C7F2"/>
-          </a:solidFill>
-          <a:ln>
-            <a:noFill/>
-          </a:ln>
-        </p:spPr>
-        <p:style>
-          <a:lnRef idx="2">
-            <a:schemeClr val="accent1">
-              <a:shade val="50000"/>
-            </a:schemeClr>
-          </a:lnRef>
-          <a:fillRef idx="1">
-            <a:schemeClr val="accent1"/>
-          </a:fillRef>
-          <a:effectRef idx="0">
-            <a:schemeClr val="accent1"/>
-          </a:effectRef>
-          <a:fontRef idx="minor">
-            <a:schemeClr val="lt1"/>
-          </a:fontRef>
-        </p:style>
-        <p:txBody>
-          <a:bodyPr rtlCol="0" anchor="ctr"/>
-          <a:lstStyle/>
-          <a:p>
-            <a:pPr algn="ctr"/>
-            <a:endParaRPr lang="pt-BR"/>
-          </a:p>
-        </p:txBody>
-      </p:sp>
-      <p:sp>
-        <p:nvSpPr>
-          <p:cNvPr id="2" name="Título 1">
-            <a:extLst>
-              <a:ext uri="{FF2B5EF4-FFF2-40B4-BE49-F238E27FC236}">
-                <a16:creationId xmlns:a16="http://schemas.microsoft.com/office/drawing/2014/main" xmlns="" id="{E5407E68-547D-40FB-ADFC-29225BCA97FB}"/>
-              </a:ext>
-            </a:extLst>
-          </p:cNvPr>
-          <p:cNvSpPr>
-            <a:spLocks noGrp="1"/>
-          </p:cNvSpPr>
-          <p:nvPr>
-            <p:ph type="title"/>
-          </p:nvPr>
-        </p:nvSpPr>
-        <p:spPr>
-          <a:xfrm>
-            <a:off x="419100" y="373393"/>
-            <a:ext cx="11496675" cy="1325563"/>
-          </a:xfrm>
-        </p:spPr>
-        <p:txBody>
-          <a:bodyPr/>
-          <a:lstStyle/>
-          <a:p>
-            <a:pPr algn="ctr"/>
-            <a:r>
-              <a:rPr lang="pt-BR" dirty="0"/>
-              <a:t>EDITAL Nº 9, DE 26 DE MARÇO DE 2020</a:t>
-            </a:r>
-          </a:p>
-        </p:txBody>
-      </p:sp>
-      <p:sp>
-        <p:nvSpPr>
-          <p:cNvPr id="4" name="Espaço Reservado para Número de Slide 3">
-            <a:extLst>
-              <a:ext uri="{FF2B5EF4-FFF2-40B4-BE49-F238E27FC236}">
-                <a16:creationId xmlns:a16="http://schemas.microsoft.com/office/drawing/2014/main" xmlns="" id="{B251EF4B-4832-430A-9B53-231F361E70F5}"/>
-              </a:ext>
-            </a:extLst>
-          </p:cNvPr>
-          <p:cNvSpPr>
-            <a:spLocks noGrp="1"/>
-          </p:cNvSpPr>
-          <p:nvPr>
-            <p:ph type="sldNum" sz="quarter" idx="10"/>
-          </p:nvPr>
-        </p:nvSpPr>
-        <p:spPr/>
-        <p:txBody>
-          <a:bodyPr/>
-          <a:lstStyle/>
-          <a:p>
-            <a:fld id="{42B4FE49-DA0E-4E24-BB21-E8757AAD71F5}" type="slidenum">
-              <a:rPr lang="pt-BR" smtClean="0"/>
-              <a:pPr/>
-              <a:t>8</a:t>
-            </a:fld>
-            <a:endParaRPr lang="pt-BR" dirty="0"/>
-          </a:p>
-        </p:txBody>
-      </p:sp>
-      <p:sp>
-        <p:nvSpPr>
-          <p:cNvPr id="9" name="CaixaDeTexto 8">
-            <a:extLst>
-              <a:ext uri="{FF2B5EF4-FFF2-40B4-BE49-F238E27FC236}">
-                <a16:creationId xmlns:a16="http://schemas.microsoft.com/office/drawing/2014/main" xmlns="" id="{A32DB5FD-E24E-4C04-851E-C1CA2DE45BC8}"/>
-              </a:ext>
-            </a:extLst>
-          </p:cNvPr>
-          <p:cNvSpPr txBox="1"/>
-          <p:nvPr/>
-        </p:nvSpPr>
-        <p:spPr>
-          <a:xfrm>
-            <a:off x="1838323" y="2919745"/>
-            <a:ext cx="8515350" cy="1200329"/>
-          </a:xfrm>
-          <a:prstGeom prst="rect">
-            <a:avLst/>
-          </a:prstGeom>
-          <a:noFill/>
-        </p:spPr>
-        <p:txBody>
-          <a:bodyPr wrap="square">
-            <a:spAutoFit/>
-          </a:bodyPr>
-          <a:lstStyle/>
-          <a:p>
-            <a:r>
-              <a:rPr lang="pt-BR" b="1" dirty="0">
-                <a:solidFill>
-                  <a:schemeClr val="bg1"/>
-                </a:solidFill>
-              </a:rPr>
-              <a:t>a) possuir maior idade, considerados o dia, mês e ano de nascimento; e</a:t>
-            </a:r>
-          </a:p>
-          <a:p>
-            <a:endParaRPr lang="pt-BR" b="1" dirty="0">
-              <a:solidFill>
-                <a:schemeClr val="bg1"/>
-              </a:solidFill>
-            </a:endParaRPr>
-          </a:p>
-          <a:p>
-            <a:r>
-              <a:rPr lang="pt-BR" b="1" dirty="0">
-                <a:solidFill>
-                  <a:schemeClr val="bg1"/>
-                </a:solidFill>
-              </a:rPr>
-              <a:t>b) possuir maior tempo de atuação no Projeto Mais Médicos para o Brasil, quando da sua participação por meio da cooperação internacional, considerados, dia, mês e ano</a:t>
-            </a:r>
-          </a:p>
-        </p:txBody>
-      </p:sp>
-      <p:sp>
-        <p:nvSpPr>
-          <p:cNvPr id="8" name="CaixaDeTexto 7">
-            <a:extLst>
-              <a:ext uri="{FF2B5EF4-FFF2-40B4-BE49-F238E27FC236}">
-                <a16:creationId xmlns:a16="http://schemas.microsoft.com/office/drawing/2014/main" xmlns="" id="{1AC60388-FB46-49D4-B159-D5CCE911D9FB}"/>
-              </a:ext>
-            </a:extLst>
-          </p:cNvPr>
-          <p:cNvSpPr txBox="1"/>
-          <p:nvPr/>
-        </p:nvSpPr>
-        <p:spPr>
-          <a:xfrm>
-            <a:off x="956733" y="1667675"/>
-            <a:ext cx="10278533" cy="1200329"/>
-          </a:xfrm>
-          <a:prstGeom prst="rect">
-            <a:avLst/>
-          </a:prstGeom>
-          <a:noFill/>
-        </p:spPr>
-        <p:txBody>
-          <a:bodyPr wrap="square">
-            <a:spAutoFit/>
-          </a:bodyPr>
-          <a:lstStyle/>
-          <a:p>
-            <a:pPr algn="ctr" rtl="0">
-              <a:spcBef>
-                <a:spcPts val="0"/>
-              </a:spcBef>
-              <a:spcAft>
-                <a:spcPts val="0"/>
-              </a:spcAft>
-            </a:pPr>
-            <a:r>
-              <a:rPr lang="pt-BR" sz="2400" dirty="0"/>
-              <a:t>Critérios de desempate</a:t>
-            </a:r>
-            <a:r>
-              <a:rPr lang="pt-BR" sz="2400" b="0" dirty="0">
-                <a:effectLst/>
-              </a:rPr>
-              <a:t/>
-            </a:r>
-            <a:br>
-              <a:rPr lang="pt-BR" sz="2400" b="0" dirty="0">
-                <a:effectLst/>
-              </a:rPr>
-            </a:br>
-            <a:r>
-              <a:rPr lang="pt-BR" sz="2400" b="0" dirty="0">
-                <a:effectLst/>
-              </a:rPr>
-              <a:t/>
-            </a:r>
-            <a:br>
-              <a:rPr lang="pt-BR" sz="2400" b="0" dirty="0">
-                <a:effectLst/>
-              </a:rPr>
-            </a:br>
-            <a:endParaRPr lang="pt-BR" sz="2400" dirty="0"/>
-          </a:p>
-        </p:txBody>
-      </p:sp>
-      <p:cxnSp>
-        <p:nvCxnSpPr>
-          <p:cNvPr id="10" name="Conector reto 9">
-            <a:extLst>
-              <a:ext uri="{FF2B5EF4-FFF2-40B4-BE49-F238E27FC236}">
-                <a16:creationId xmlns:a16="http://schemas.microsoft.com/office/drawing/2014/main" xmlns="" id="{878DEA95-2B8A-4B00-A51D-62C3A2292DF4}"/>
-              </a:ext>
-            </a:extLst>
-          </p:cNvPr>
-          <p:cNvCxnSpPr/>
-          <p:nvPr/>
-        </p:nvCxnSpPr>
-        <p:spPr>
-          <a:xfrm flipH="1">
-            <a:off x="-177800" y="1905000"/>
-            <a:ext cx="4690533" cy="0"/>
-          </a:xfrm>
-          <a:prstGeom prst="line">
-            <a:avLst/>
-          </a:prstGeom>
-          <a:ln>
-            <a:solidFill>
-              <a:schemeClr val="tx1"/>
-            </a:solidFill>
-          </a:ln>
-        </p:spPr>
-        <p:style>
-          <a:lnRef idx="1">
-            <a:schemeClr val="accent1"/>
-          </a:lnRef>
-          <a:fillRef idx="0">
-            <a:schemeClr val="accent1"/>
-          </a:fillRef>
-          <a:effectRef idx="0">
-            <a:schemeClr val="accent1"/>
-          </a:effectRef>
-          <a:fontRef idx="minor">
-            <a:schemeClr val="tx1"/>
-          </a:fontRef>
-        </p:style>
-      </p:cxnSp>
-      <p:cxnSp>
-        <p:nvCxnSpPr>
-          <p:cNvPr id="11" name="Conector reto 10">
-            <a:extLst>
-              <a:ext uri="{FF2B5EF4-FFF2-40B4-BE49-F238E27FC236}">
-                <a16:creationId xmlns:a16="http://schemas.microsoft.com/office/drawing/2014/main" xmlns="" id="{E28299DE-D7B7-49CF-91C7-668002789FEF}"/>
-              </a:ext>
-            </a:extLst>
-          </p:cNvPr>
-          <p:cNvCxnSpPr/>
-          <p:nvPr/>
-        </p:nvCxnSpPr>
-        <p:spPr>
-          <a:xfrm flipH="1">
-            <a:off x="7653867" y="1905000"/>
-            <a:ext cx="4690533" cy="0"/>
-          </a:xfrm>
-          <a:prstGeom prst="line">
-            <a:avLst/>
-          </a:prstGeom>
-          <a:ln>
-            <a:solidFill>
-              <a:schemeClr val="tx1"/>
-            </a:solidFill>
-          </a:ln>
-        </p:spPr>
-        <p:style>
-          <a:lnRef idx="1">
-            <a:schemeClr val="accent1"/>
-          </a:lnRef>
-          <a:fillRef idx="0">
-            <a:schemeClr val="accent1"/>
-          </a:fillRef>
-          <a:effectRef idx="0">
-            <a:schemeClr val="accent1"/>
-          </a:effectRef>
-          <a:fontRef idx="minor">
-            <a:schemeClr val="tx1"/>
-          </a:fontRef>
-        </p:style>
-      </p:cxnSp>
-      <p:pic>
-        <p:nvPicPr>
-          <p:cNvPr id="12" name="Imagem 11">
-            <a:extLst>
-              <a:ext uri="{FF2B5EF4-FFF2-40B4-BE49-F238E27FC236}">
-                <a16:creationId xmlns:a16="http://schemas.microsoft.com/office/drawing/2014/main" xmlns="" id="{3B0FE0C9-59A4-47C6-B6CB-660FF30E2123}"/>
-              </a:ext>
-            </a:extLst>
-          </p:cNvPr>
-          <p:cNvPicPr>
-            <a:picLocks noChangeAspect="1"/>
-          </p:cNvPicPr>
-          <p:nvPr/>
-        </p:nvPicPr>
-        <p:blipFill rotWithShape="1">
-          <a:blip r:embed="rId2">
-            <a:extLst>
-              <a:ext uri="{28A0092B-C50C-407E-A947-70E740481C1C}">
-                <a14:useLocalDpi xmlns:a14="http://schemas.microsoft.com/office/drawing/2010/main" val="0"/>
-              </a:ext>
-            </a:extLst>
-          </a:blip>
-          <a:srcRect t="24493"/>
-          <a:stretch/>
-        </p:blipFill>
-        <p:spPr>
-          <a:xfrm>
-            <a:off x="5135034" y="4716283"/>
-            <a:ext cx="1921932" cy="1549456"/>
-          </a:xfrm>
-          <a:prstGeom prst="rect">
-            <a:avLst/>
-          </a:prstGeom>
-        </p:spPr>
-      </p:pic>
-    </p:spTree>
-    <p:extLst>
-      <p:ext uri="{BB962C8B-B14F-4D97-AF65-F5344CB8AC3E}">
-        <p14:creationId xmlns:p14="http://schemas.microsoft.com/office/powerpoint/2010/main" val="3111718399"/>
-      </p:ext>
-    </p:extLst>
-  </p:cSld>
-  <p:clrMapOvr>
-    <a:masterClrMapping/>
-  </p:clrMapOvr>
-</p:sld>
-</file>
-
-<file path=ppt/slides/slide9.xml><?xml version="1.0" encoding="utf-8"?>
-<p:sld xmlns:a="http://schemas.openxmlformats.org/drawingml/2006/main" xmlns:r="http://schemas.openxmlformats.org/officeDocument/2006/relationships" xmlns:p="http://schemas.openxmlformats.org/presentationml/2006/main">
-  <p:cSld>
-    <p:spTree>
-      <p:nvGrpSpPr>
-        <p:cNvPr id="1" name=""/>
-        <p:cNvGrpSpPr/>
-        <p:nvPr/>
-      </p:nvGrpSpPr>
-      <p:grpSpPr>
-        <a:xfrm>
-          <a:off x="0" y="0"/>
-          <a:ext cx="0" cy="0"/>
-          <a:chOff x="0" y="0"/>
-          <a:chExt cx="0" cy="0"/>
-        </a:xfrm>
-      </p:grpSpPr>
-      <p:sp>
-        <p:nvSpPr>
-          <p:cNvPr id="2" name="Título 1">
-            <a:extLst>
-              <a:ext uri="{FF2B5EF4-FFF2-40B4-BE49-F238E27FC236}">
-                <a16:creationId xmlns:a16="http://schemas.microsoft.com/office/drawing/2014/main" xmlns="" id="{E5407E68-547D-40FB-ADFC-29225BCA97FB}"/>
-              </a:ext>
-            </a:extLst>
-          </p:cNvPr>
-          <p:cNvSpPr>
-            <a:spLocks noGrp="1"/>
-          </p:cNvSpPr>
-          <p:nvPr>
-            <p:ph type="title"/>
-          </p:nvPr>
-        </p:nvSpPr>
-        <p:spPr>
-          <a:xfrm>
-            <a:off x="419100" y="373393"/>
-            <a:ext cx="11496675" cy="1325563"/>
-          </a:xfrm>
-        </p:spPr>
-        <p:txBody>
-          <a:bodyPr/>
-          <a:lstStyle/>
-          <a:p>
-            <a:pPr algn="ctr"/>
-            <a:r>
-              <a:rPr lang="pt-BR" dirty="0"/>
-              <a:t>EDITAL Nº 9, DE 26 DE MARÇO DE 2020</a:t>
-            </a:r>
-          </a:p>
-        </p:txBody>
-      </p:sp>
-      <p:sp>
-        <p:nvSpPr>
-          <p:cNvPr id="4" name="Espaço Reservado para Número de Slide 3">
-            <a:extLst>
-              <a:ext uri="{FF2B5EF4-FFF2-40B4-BE49-F238E27FC236}">
-                <a16:creationId xmlns:a16="http://schemas.microsoft.com/office/drawing/2014/main" xmlns="" id="{B251EF4B-4832-430A-9B53-231F361E70F5}"/>
-              </a:ext>
-            </a:extLst>
-          </p:cNvPr>
-          <p:cNvSpPr>
-            <a:spLocks noGrp="1"/>
-          </p:cNvSpPr>
-          <p:nvPr>
-            <p:ph type="sldNum" sz="quarter" idx="10"/>
-          </p:nvPr>
-        </p:nvSpPr>
-        <p:spPr/>
-        <p:txBody>
-          <a:bodyPr/>
-          <a:lstStyle/>
-          <a:p>
-            <a:fld id="{42B4FE49-DA0E-4E24-BB21-E8757AAD71F5}" type="slidenum">
-              <a:rPr lang="pt-BR" smtClean="0"/>
-              <a:pPr/>
-              <a:t>9</a:t>
-            </a:fld>
-            <a:endParaRPr lang="pt-BR" dirty="0"/>
-          </a:p>
-        </p:txBody>
-      </p:sp>
-      <p:sp>
-        <p:nvSpPr>
-          <p:cNvPr id="6" name="CaixaDeTexto 5">
-            <a:extLst>
-              <a:ext uri="{FF2B5EF4-FFF2-40B4-BE49-F238E27FC236}">
-                <a16:creationId xmlns:a16="http://schemas.microsoft.com/office/drawing/2014/main" xmlns="" id="{51FA5D3E-0952-4ABF-9964-6524675A944A}"/>
-              </a:ext>
-            </a:extLst>
-          </p:cNvPr>
-          <p:cNvSpPr txBox="1"/>
-          <p:nvPr/>
-        </p:nvSpPr>
-        <p:spPr>
-          <a:xfrm>
-            <a:off x="956733" y="914392"/>
-            <a:ext cx="10278533" cy="1384995"/>
-          </a:xfrm>
-          <a:prstGeom prst="rect">
-            <a:avLst/>
-          </a:prstGeom>
-          <a:noFill/>
-        </p:spPr>
-        <p:txBody>
-          <a:bodyPr wrap="square">
-            <a:spAutoFit/>
-          </a:bodyPr>
-          <a:lstStyle/>
-          <a:p>
-            <a:pPr algn="ctr" rtl="0">
-              <a:spcBef>
-                <a:spcPts val="0"/>
-              </a:spcBef>
-              <a:spcAft>
-                <a:spcPts val="0"/>
-              </a:spcAft>
-            </a:pPr>
-            <a:r>
-              <a:rPr lang="pt-BR" sz="2800" dirty="0"/>
-              <a:t>Classificação das localidades</a:t>
-            </a:r>
-            <a:r>
-              <a:rPr lang="pt-BR" sz="2800" b="0" dirty="0">
-                <a:effectLst/>
-              </a:rPr>
-              <a:t/>
-            </a:r>
-            <a:br>
-              <a:rPr lang="pt-BR" sz="2800" b="0" dirty="0">
-                <a:effectLst/>
-              </a:rPr>
-            </a:br>
-            <a:r>
-              <a:rPr lang="pt-BR" sz="2800" b="0" dirty="0">
-                <a:effectLst/>
-              </a:rPr>
-              <a:t/>
-            </a:r>
-            <a:br>
-              <a:rPr lang="pt-BR" sz="2800" b="0" dirty="0">
-                <a:effectLst/>
-              </a:rPr>
-            </a:br>
-            <a:endParaRPr lang="pt-BR" sz="2800" dirty="0"/>
-          </a:p>
-        </p:txBody>
-      </p:sp>
-      <p:pic>
-        <p:nvPicPr>
-          <p:cNvPr id="5" name="Imagem 4">
-            <a:extLst>
-              <a:ext uri="{FF2B5EF4-FFF2-40B4-BE49-F238E27FC236}">
-                <a16:creationId xmlns:a16="http://schemas.microsoft.com/office/drawing/2014/main" xmlns="" id="{467BE022-C1FE-4C97-AACA-74B47374DE06}"/>
-              </a:ext>
-            </a:extLst>
-          </p:cNvPr>
-          <p:cNvPicPr>
-            <a:picLocks noChangeAspect="1"/>
-          </p:cNvPicPr>
-          <p:nvPr/>
-        </p:nvPicPr>
-        <p:blipFill>
-          <a:blip r:embed="rId2"/>
-          <a:stretch>
-            <a:fillRect/>
-          </a:stretch>
-        </p:blipFill>
-        <p:spPr>
-          <a:xfrm>
-            <a:off x="956733" y="1361798"/>
-            <a:ext cx="5496692" cy="3962953"/>
-          </a:xfrm>
-          <a:prstGeom prst="rect">
-            <a:avLst/>
-          </a:prstGeom>
-        </p:spPr>
-      </p:pic>
-      <p:pic>
-        <p:nvPicPr>
-          <p:cNvPr id="8" name="Imagem 7">
-            <a:extLst>
-              <a:ext uri="{FF2B5EF4-FFF2-40B4-BE49-F238E27FC236}">
-                <a16:creationId xmlns:a16="http://schemas.microsoft.com/office/drawing/2014/main" xmlns="" id="{729167F8-24DE-4DA1-AC5B-B48CC02C5DBD}"/>
-              </a:ext>
-            </a:extLst>
-          </p:cNvPr>
-          <p:cNvPicPr>
-            <a:picLocks noChangeAspect="1"/>
-          </p:cNvPicPr>
-          <p:nvPr/>
-        </p:nvPicPr>
-        <p:blipFill>
-          <a:blip r:embed="rId3"/>
-          <a:stretch>
-            <a:fillRect/>
-          </a:stretch>
-        </p:blipFill>
-        <p:spPr>
-          <a:xfrm>
-            <a:off x="6453425" y="1971093"/>
-            <a:ext cx="5544324" cy="2743583"/>
-          </a:xfrm>
-          <a:prstGeom prst="rect">
-            <a:avLst/>
-          </a:prstGeom>
-        </p:spPr>
-      </p:pic>
-      <p:sp>
-        <p:nvSpPr>
-          <p:cNvPr id="13" name="CaixaDeTexto 12">
-            <a:extLst>
-              <a:ext uri="{FF2B5EF4-FFF2-40B4-BE49-F238E27FC236}">
-                <a16:creationId xmlns:a16="http://schemas.microsoft.com/office/drawing/2014/main" xmlns="" id="{9C3FC4C1-BBE1-40EB-BB49-C266511B5D4F}"/>
-              </a:ext>
-            </a:extLst>
-          </p:cNvPr>
-          <p:cNvSpPr txBox="1"/>
-          <p:nvPr/>
-        </p:nvSpPr>
-        <p:spPr>
-          <a:xfrm>
-            <a:off x="771525" y="6449100"/>
-            <a:ext cx="6096000" cy="369332"/>
-          </a:xfrm>
-          <a:prstGeom prst="rect">
-            <a:avLst/>
-          </a:prstGeom>
-          <a:noFill/>
-        </p:spPr>
-        <p:txBody>
-          <a:bodyPr wrap="square">
-            <a:spAutoFit/>
-          </a:bodyPr>
-          <a:lstStyle/>
-          <a:p>
-            <a:r>
-              <a:rPr lang="pt-BR" dirty="0">
-                <a:solidFill>
-                  <a:schemeClr val="bg1"/>
-                </a:solidFill>
-              </a:rPr>
-              <a:t>Consultar Portaria Nº 1.409, de 10 de julho de 2013</a:t>
-            </a:r>
-          </a:p>
-        </p:txBody>
-      </p:sp>
-      <p:pic>
-        <p:nvPicPr>
-          <p:cNvPr id="15" name="Imagem 14">
-            <a:extLst>
-              <a:ext uri="{FF2B5EF4-FFF2-40B4-BE49-F238E27FC236}">
-                <a16:creationId xmlns:a16="http://schemas.microsoft.com/office/drawing/2014/main" xmlns="" id="{E5C5197A-7EE6-4B81-B23E-689160BB1836}"/>
-              </a:ext>
-            </a:extLst>
-          </p:cNvPr>
-          <p:cNvPicPr>
-            <a:picLocks noChangeAspect="1"/>
-          </p:cNvPicPr>
-          <p:nvPr/>
-        </p:nvPicPr>
-        <p:blipFill>
-          <a:blip r:embed="rId4"/>
-          <a:stretch>
-            <a:fillRect/>
-          </a:stretch>
-        </p:blipFill>
-        <p:spPr>
-          <a:xfrm>
-            <a:off x="2709529" y="5335599"/>
-            <a:ext cx="6915816" cy="952477"/>
-          </a:xfrm>
-          <a:prstGeom prst="rect">
-            <a:avLst/>
-          </a:prstGeom>
-        </p:spPr>
-      </p:pic>
-      <p:cxnSp>
-        <p:nvCxnSpPr>
-          <p:cNvPr id="9" name="Conector reto 8">
-            <a:extLst>
-              <a:ext uri="{FF2B5EF4-FFF2-40B4-BE49-F238E27FC236}">
-                <a16:creationId xmlns:a16="http://schemas.microsoft.com/office/drawing/2014/main" xmlns="" id="{0C5F8B4B-E280-4140-838E-B39EB5F7609A}"/>
-              </a:ext>
-            </a:extLst>
-          </p:cNvPr>
-          <p:cNvCxnSpPr>
-            <a:cxnSpLocks/>
-          </p:cNvCxnSpPr>
-          <p:nvPr/>
-        </p:nvCxnSpPr>
-        <p:spPr>
-          <a:xfrm flipH="1">
-            <a:off x="0" y="1194120"/>
-            <a:ext cx="3797620" cy="0"/>
-          </a:xfrm>
-          <a:prstGeom prst="line">
-            <a:avLst/>
-          </a:prstGeom>
-          <a:ln>
-            <a:solidFill>
-              <a:schemeClr val="tx1"/>
-            </a:solidFill>
-          </a:ln>
-        </p:spPr>
-        <p:style>
-          <a:lnRef idx="1">
-            <a:schemeClr val="accent1"/>
-          </a:lnRef>
-          <a:fillRef idx="0">
-            <a:schemeClr val="accent1"/>
-          </a:fillRef>
-          <a:effectRef idx="0">
-            <a:schemeClr val="accent1"/>
-          </a:effectRef>
-          <a:fontRef idx="minor">
-            <a:schemeClr val="tx1"/>
-          </a:fontRef>
-        </p:style>
-      </p:cxnSp>
-      <p:cxnSp>
-        <p:nvCxnSpPr>
-          <p:cNvPr id="10" name="Conector reto 9">
-            <a:extLst>
-              <a:ext uri="{FF2B5EF4-FFF2-40B4-BE49-F238E27FC236}">
-                <a16:creationId xmlns:a16="http://schemas.microsoft.com/office/drawing/2014/main" xmlns="" id="{93CB148D-F7D0-4670-A07F-77B4494B35B4}"/>
-              </a:ext>
-            </a:extLst>
-          </p:cNvPr>
-          <p:cNvCxnSpPr>
-            <a:cxnSpLocks/>
-          </p:cNvCxnSpPr>
-          <p:nvPr/>
-        </p:nvCxnSpPr>
-        <p:spPr>
-          <a:xfrm flipH="1">
-            <a:off x="8259234" y="1194120"/>
-            <a:ext cx="3932766" cy="0"/>
-          </a:xfrm>
-          <a:prstGeom prst="line">
-            <a:avLst/>
-          </a:prstGeom>
-          <a:ln>
-            <a:solidFill>
-              <a:schemeClr val="tx1"/>
-            </a:solidFill>
-          </a:ln>
-        </p:spPr>
-        <p:style>
-          <a:lnRef idx="1">
-            <a:schemeClr val="accent1"/>
-          </a:lnRef>
-          <a:fillRef idx="0">
-            <a:schemeClr val="accent1"/>
-          </a:fillRef>
-          <a:effectRef idx="0">
-            <a:schemeClr val="accent1"/>
-          </a:effectRef>
-          <a:fontRef idx="minor">
-            <a:schemeClr val="tx1"/>
-          </a:fontRef>
-        </p:style>
-      </p:cxnSp>
-    </p:spTree>
-    <p:extLst>
-      <p:ext uri="{BB962C8B-B14F-4D97-AF65-F5344CB8AC3E}">
-        <p14:creationId xmlns:p14="http://schemas.microsoft.com/office/powerpoint/2010/main" val="3872737907"/>
-      </p:ext>
-    </p:extLst>
-  </p:cSld>
-  <p:clrMapOvr>
-    <a:masterClrMapping/>
-  </p:clrMapOvr>
 </p:sld>
 </file>
 

--- a/01_dados/Programa Mais Médicos.pptx
+++ b/01_dados/Programa Mais Médicos.pptx
@@ -144,7 +144,7 @@
   <pc:docChgLst>
     <pc:chgData name="Alef Santos" userId="e94e91ad3b9f2a1e" providerId="LiveId" clId="{68A89180-F1A0-4748-A131-D97FFFA3BC5F}"/>
     <pc:docChg chg="undo custSel addSld modSld sldOrd">
-      <pc:chgData name="Alef Santos" userId="e94e91ad3b9f2a1e" providerId="LiveId" clId="{68A89180-F1A0-4748-A131-D97FFFA3BC5F}" dt="2024-10-17T19:49:20.799" v="559" actId="1076"/>
+      <pc:chgData name="Alef Santos" userId="e94e91ad3b9f2a1e" providerId="LiveId" clId="{68A89180-F1A0-4748-A131-D97FFFA3BC5F}" dt="2024-10-21T17:29:35.587" v="654" actId="20577"/>
       <pc:docMkLst>
         <pc:docMk/>
       </pc:docMkLst>
@@ -297,7 +297,7 @@
         </pc:cxnChg>
       </pc:sldChg>
       <pc:sldChg chg="addSp delSp modSp add mod ord">
-        <pc:chgData name="Alef Santos" userId="e94e91ad3b9f2a1e" providerId="LiveId" clId="{68A89180-F1A0-4748-A131-D97FFFA3BC5F}" dt="2024-10-17T17:36:57.704" v="138" actId="29295"/>
+        <pc:chgData name="Alef Santos" userId="e94e91ad3b9f2a1e" providerId="LiveId" clId="{68A89180-F1A0-4748-A131-D97FFFA3BC5F}" dt="2024-10-21T16:10:38.451" v="629" actId="1076"/>
         <pc:sldMkLst>
           <pc:docMk/>
           <pc:sldMk cId="2723821767" sldId="266"/>
@@ -311,7 +311,7 @@
           </ac:spMkLst>
         </pc:spChg>
         <pc:spChg chg="mod">
-          <ac:chgData name="Alef Santos" userId="e94e91ad3b9f2a1e" providerId="LiveId" clId="{68A89180-F1A0-4748-A131-D97FFFA3BC5F}" dt="2024-10-17T17:13:17.802" v="109" actId="1076"/>
+          <ac:chgData name="Alef Santos" userId="e94e91ad3b9f2a1e" providerId="LiveId" clId="{68A89180-F1A0-4748-A131-D97FFFA3BC5F}" dt="2024-10-21T16:10:19.476" v="625" actId="20577"/>
           <ac:spMkLst>
             <pc:docMk/>
             <pc:sldMk cId="2723821767" sldId="266"/>
@@ -327,7 +327,7 @@
           </ac:spMkLst>
         </pc:spChg>
         <pc:spChg chg="add mod">
-          <ac:chgData name="Alef Santos" userId="e94e91ad3b9f2a1e" providerId="LiveId" clId="{68A89180-F1A0-4748-A131-D97FFFA3BC5F}" dt="2024-10-17T17:35:49.825" v="136" actId="207"/>
+          <ac:chgData name="Alef Santos" userId="e94e91ad3b9f2a1e" providerId="LiveId" clId="{68A89180-F1A0-4748-A131-D97FFFA3BC5F}" dt="2024-10-21T16:10:23.811" v="626" actId="14100"/>
           <ac:spMkLst>
             <pc:docMk/>
             <pc:sldMk cId="2723821767" sldId="266"/>
@@ -343,7 +343,7 @@
           </ac:spMkLst>
         </pc:spChg>
         <pc:picChg chg="add mod">
-          <ac:chgData name="Alef Santos" userId="e94e91ad3b9f2a1e" providerId="LiveId" clId="{68A89180-F1A0-4748-A131-D97FFFA3BC5F}" dt="2024-10-17T17:36:57.704" v="138" actId="29295"/>
+          <ac:chgData name="Alef Santos" userId="e94e91ad3b9f2a1e" providerId="LiveId" clId="{68A89180-F1A0-4748-A131-D97FFFA3BC5F}" dt="2024-10-21T16:10:38.451" v="629" actId="1076"/>
           <ac:picMkLst>
             <pc:docMk/>
             <pc:sldMk cId="2723821767" sldId="266"/>
@@ -351,7 +351,7 @@
           </ac:picMkLst>
         </pc:picChg>
         <pc:picChg chg="add mod">
-          <ac:chgData name="Alef Santos" userId="e94e91ad3b9f2a1e" providerId="LiveId" clId="{68A89180-F1A0-4748-A131-D97FFFA3BC5F}" dt="2024-10-17T17:35:24.970" v="133"/>
+          <ac:chgData name="Alef Santos" userId="e94e91ad3b9f2a1e" providerId="LiveId" clId="{68A89180-F1A0-4748-A131-D97FFFA3BC5F}" dt="2024-10-21T16:10:36.978" v="628" actId="1076"/>
           <ac:picMkLst>
             <pc:docMk/>
             <pc:sldMk cId="2723821767" sldId="266"/>
@@ -510,7 +510,7 @@
         </pc:cxnChg>
       </pc:sldChg>
       <pc:sldChg chg="addSp delSp modSp add mod ord">
-        <pc:chgData name="Alef Santos" userId="e94e91ad3b9f2a1e" providerId="LiveId" clId="{68A89180-F1A0-4748-A131-D97FFFA3BC5F}" dt="2024-10-17T19:23:35.488" v="424" actId="1076"/>
+        <pc:chgData name="Alef Santos" userId="e94e91ad3b9f2a1e" providerId="LiveId" clId="{68A89180-F1A0-4748-A131-D97FFFA3BC5F}" dt="2024-10-21T16:12:35.851" v="630" actId="164"/>
         <pc:sldMkLst>
           <pc:docMk/>
           <pc:sldMk cId="1785814877" sldId="269"/>
@@ -547,8 +547,16 @@
             <ac:spMk id="10" creationId="{8C44AB79-BD69-42C7-8107-999C571EC43F}"/>
           </ac:spMkLst>
         </pc:spChg>
+        <pc:grpChg chg="add mod">
+          <ac:chgData name="Alef Santos" userId="e94e91ad3b9f2a1e" providerId="LiveId" clId="{68A89180-F1A0-4748-A131-D97FFFA3BC5F}" dt="2024-10-21T16:12:35.851" v="630" actId="164"/>
+          <ac:grpSpMkLst>
+            <pc:docMk/>
+            <pc:sldMk cId="1785814877" sldId="269"/>
+            <ac:grpSpMk id="3" creationId="{E85027D2-7EC2-4B65-84FF-7F6850687891}"/>
+          </ac:grpSpMkLst>
+        </pc:grpChg>
         <pc:picChg chg="add mod">
-          <ac:chgData name="Alef Santos" userId="e94e91ad3b9f2a1e" providerId="LiveId" clId="{68A89180-F1A0-4748-A131-D97FFFA3BC5F}" dt="2024-10-17T19:20:47.998" v="393" actId="1076"/>
+          <ac:chgData name="Alef Santos" userId="e94e91ad3b9f2a1e" providerId="LiveId" clId="{68A89180-F1A0-4748-A131-D97FFFA3BC5F}" dt="2024-10-21T16:12:35.851" v="630" actId="164"/>
           <ac:picMkLst>
             <pc:docMk/>
             <pc:sldMk cId="1785814877" sldId="269"/>
@@ -564,7 +572,7 @@
           </ac:picMkLst>
         </pc:picChg>
         <pc:picChg chg="add mod">
-          <ac:chgData name="Alef Santos" userId="e94e91ad3b9f2a1e" providerId="LiveId" clId="{68A89180-F1A0-4748-A131-D97FFFA3BC5F}" dt="2024-10-17T19:23:28.630" v="421" actId="1076"/>
+          <ac:chgData name="Alef Santos" userId="e94e91ad3b9f2a1e" providerId="LiveId" clId="{68A89180-F1A0-4748-A131-D97FFFA3BC5F}" dt="2024-10-21T16:12:35.851" v="630" actId="164"/>
           <ac:picMkLst>
             <pc:docMk/>
             <pc:sldMk cId="1785814877" sldId="269"/>
@@ -580,7 +588,7 @@
           </ac:picMkLst>
         </pc:picChg>
         <pc:picChg chg="add mod">
-          <ac:chgData name="Alef Santos" userId="e94e91ad3b9f2a1e" providerId="LiveId" clId="{68A89180-F1A0-4748-A131-D97FFFA3BC5F}" dt="2024-10-17T19:23:35.488" v="424" actId="1076"/>
+          <ac:chgData name="Alef Santos" userId="e94e91ad3b9f2a1e" providerId="LiveId" clId="{68A89180-F1A0-4748-A131-D97FFFA3BC5F}" dt="2024-10-21T16:12:35.851" v="630" actId="164"/>
           <ac:picMkLst>
             <pc:docMk/>
             <pc:sldMk cId="1785814877" sldId="269"/>
@@ -848,6 +856,131 @@
           </ac:cxnSpMkLst>
         </pc:cxnChg>
       </pc:sldChg>
+      <pc:sldChg chg="addSp modSp mod">
+        <pc:chgData name="Alef Santos" userId="e94e91ad3b9f2a1e" providerId="LiveId" clId="{68A89180-F1A0-4748-A131-D97FFFA3BC5F}" dt="2024-10-21T17:29:35.587" v="654" actId="20577"/>
+        <pc:sldMkLst>
+          <pc:docMk/>
+          <pc:sldMk cId="3709535926" sldId="274"/>
+        </pc:sldMkLst>
+        <pc:spChg chg="mod">
+          <ac:chgData name="Alef Santos" userId="e94e91ad3b9f2a1e" providerId="LiveId" clId="{68A89180-F1A0-4748-A131-D97FFFA3BC5F}" dt="2024-10-21T16:07:06.917" v="606" actId="20577"/>
+          <ac:spMkLst>
+            <pc:docMk/>
+            <pc:sldMk cId="3709535926" sldId="274"/>
+            <ac:spMk id="6" creationId="{51FA5D3E-0952-4ABF-9964-6524675A944A}"/>
+          </ac:spMkLst>
+        </pc:spChg>
+        <pc:spChg chg="mod">
+          <ac:chgData name="Alef Santos" userId="e94e91ad3b9f2a1e" providerId="LiveId" clId="{68A89180-F1A0-4748-A131-D97FFFA3BC5F}" dt="2024-10-21T17:29:24.872" v="652" actId="14100"/>
+          <ac:spMkLst>
+            <pc:docMk/>
+            <pc:sldMk cId="3709535926" sldId="274"/>
+            <ac:spMk id="7" creationId="{5E0F7497-D302-4F68-8123-03414F2C6833}"/>
+          </ac:spMkLst>
+        </pc:spChg>
+        <pc:spChg chg="mod">
+          <ac:chgData name="Alef Santos" userId="e94e91ad3b9f2a1e" providerId="LiveId" clId="{68A89180-F1A0-4748-A131-D97FFFA3BC5F}" dt="2024-10-21T17:29:35.587" v="654" actId="20577"/>
+          <ac:spMkLst>
+            <pc:docMk/>
+            <pc:sldMk cId="3709535926" sldId="274"/>
+            <ac:spMk id="9" creationId="{A32DB5FD-E24E-4C04-851E-C1CA2DE45BC8}"/>
+          </ac:spMkLst>
+        </pc:spChg>
+        <pc:grpChg chg="add mod">
+          <ac:chgData name="Alef Santos" userId="e94e91ad3b9f2a1e" providerId="LiveId" clId="{68A89180-F1A0-4748-A131-D97FFFA3BC5F}" dt="2024-10-21T17:29:28.456" v="653" actId="1076"/>
+          <ac:grpSpMkLst>
+            <pc:docMk/>
+            <pc:sldMk cId="3709535926" sldId="274"/>
+            <ac:grpSpMk id="8" creationId="{20C8FD87-9129-41A3-893A-92E263044FB3}"/>
+          </ac:grpSpMkLst>
+        </pc:grpChg>
+        <pc:picChg chg="mod">
+          <ac:chgData name="Alef Santos" userId="e94e91ad3b9f2a1e" providerId="LiveId" clId="{68A89180-F1A0-4748-A131-D97FFFA3BC5F}" dt="2024-10-21T16:12:43.091" v="631"/>
+          <ac:picMkLst>
+            <pc:docMk/>
+            <pc:sldMk cId="3709535926" sldId="274"/>
+            <ac:picMk id="10" creationId="{D38285D6-E03E-449F-BD3F-1BA85663B79C}"/>
+          </ac:picMkLst>
+        </pc:picChg>
+        <pc:picChg chg="mod">
+          <ac:chgData name="Alef Santos" userId="e94e91ad3b9f2a1e" providerId="LiveId" clId="{68A89180-F1A0-4748-A131-D97FFFA3BC5F}" dt="2024-10-21T16:12:43.091" v="631"/>
+          <ac:picMkLst>
+            <pc:docMk/>
+            <pc:sldMk cId="3709535926" sldId="274"/>
+            <ac:picMk id="11" creationId="{C8C263AA-3357-42E9-AB09-1038789A080A}"/>
+          </ac:picMkLst>
+        </pc:picChg>
+        <pc:picChg chg="mod">
+          <ac:chgData name="Alef Santos" userId="e94e91ad3b9f2a1e" providerId="LiveId" clId="{68A89180-F1A0-4748-A131-D97FFFA3BC5F}" dt="2024-10-21T16:12:43.091" v="631"/>
+          <ac:picMkLst>
+            <pc:docMk/>
+            <pc:sldMk cId="3709535926" sldId="274"/>
+            <ac:picMk id="12" creationId="{776B900F-9AF8-4328-A691-7147F27F0483}"/>
+          </ac:picMkLst>
+        </pc:picChg>
+      </pc:sldChg>
+      <pc:sldChg chg="addSp modSp">
+        <pc:chgData name="Alef Santos" userId="e94e91ad3b9f2a1e" providerId="LiveId" clId="{68A89180-F1A0-4748-A131-D97FFFA3BC5F}" dt="2024-10-21T16:12:59.226" v="632"/>
+        <pc:sldMkLst>
+          <pc:docMk/>
+          <pc:sldMk cId="2350790513" sldId="276"/>
+        </pc:sldMkLst>
+        <pc:picChg chg="add mod">
+          <ac:chgData name="Alef Santos" userId="e94e91ad3b9f2a1e" providerId="LiveId" clId="{68A89180-F1A0-4748-A131-D97FFFA3BC5F}" dt="2024-10-21T16:12:59.226" v="632"/>
+          <ac:picMkLst>
+            <pc:docMk/>
+            <pc:sldMk cId="2350790513" sldId="276"/>
+            <ac:picMk id="12" creationId="{CDEE44F8-2987-4785-9125-D00DDD9E7A2D}"/>
+          </ac:picMkLst>
+        </pc:picChg>
+      </pc:sldChg>
+      <pc:sldChg chg="addSp delSp modSp mod">
+        <pc:chgData name="Alef Santos" userId="e94e91ad3b9f2a1e" providerId="LiveId" clId="{68A89180-F1A0-4748-A131-D97FFFA3BC5F}" dt="2024-10-21T16:15:56.443" v="642"/>
+        <pc:sldMkLst>
+          <pc:docMk/>
+          <pc:sldMk cId="2221675722" sldId="277"/>
+        </pc:sldMkLst>
+        <pc:spChg chg="del mod">
+          <ac:chgData name="Alef Santos" userId="e94e91ad3b9f2a1e" providerId="LiveId" clId="{68A89180-F1A0-4748-A131-D97FFFA3BC5F}" dt="2024-10-21T16:15:39.404" v="636" actId="478"/>
+          <ac:spMkLst>
+            <pc:docMk/>
+            <pc:sldMk cId="2221675722" sldId="277"/>
+            <ac:spMk id="2" creationId="{E5407E68-547D-40FB-ADFC-29225BCA97FB}"/>
+          </ac:spMkLst>
+        </pc:spChg>
+        <pc:spChg chg="add del mod">
+          <ac:chgData name="Alef Santos" userId="e94e91ad3b9f2a1e" providerId="LiveId" clId="{68A89180-F1A0-4748-A131-D97FFFA3BC5F}" dt="2024-10-21T16:15:55.428" v="641" actId="478"/>
+          <ac:spMkLst>
+            <pc:docMk/>
+            <pc:sldMk cId="2221675722" sldId="277"/>
+            <ac:spMk id="8" creationId="{A2E6880C-792D-450F-999A-B9411D703AFB}"/>
+          </ac:spMkLst>
+        </pc:spChg>
+        <pc:spChg chg="add del mod">
+          <ac:chgData name="Alef Santos" userId="e94e91ad3b9f2a1e" providerId="LiveId" clId="{68A89180-F1A0-4748-A131-D97FFFA3BC5F}" dt="2024-10-21T16:15:52.808" v="640"/>
+          <ac:spMkLst>
+            <pc:docMk/>
+            <pc:sldMk cId="2221675722" sldId="277"/>
+            <ac:spMk id="12" creationId="{67C08127-8B35-45E4-A214-6463B365B106}"/>
+          </ac:spMkLst>
+        </pc:spChg>
+        <pc:spChg chg="add mod">
+          <ac:chgData name="Alef Santos" userId="e94e91ad3b9f2a1e" providerId="LiveId" clId="{68A89180-F1A0-4748-A131-D97FFFA3BC5F}" dt="2024-10-21T16:15:56.443" v="642"/>
+          <ac:spMkLst>
+            <pc:docMk/>
+            <pc:sldMk cId="2221675722" sldId="277"/>
+            <ac:spMk id="14" creationId="{0662A4D4-1959-4835-96EA-576EEC085C49}"/>
+          </ac:spMkLst>
+        </pc:spChg>
+        <pc:picChg chg="mod">
+          <ac:chgData name="Alef Santos" userId="e94e91ad3b9f2a1e" providerId="LiveId" clId="{68A89180-F1A0-4748-A131-D97FFFA3BC5F}" dt="2024-10-21T16:15:48.457" v="639" actId="1076"/>
+          <ac:picMkLst>
+            <pc:docMk/>
+            <pc:sldMk cId="2221675722" sldId="277"/>
+            <ac:picMk id="3" creationId="{00000000-0000-0000-0000-000000000000}"/>
+          </ac:picMkLst>
+        </pc:picChg>
+      </pc:sldChg>
     </pc:docChg>
   </pc:docChgLst>
 </pc:chgInfo>
@@ -880,7 +1013,7 @@
           <p:cNvPr id="2" name="Espaço Reservado para Cabeçalho 1">
             <a:extLst>
               <a:ext uri="{FF2B5EF4-FFF2-40B4-BE49-F238E27FC236}">
-                <a16:creationId xmlns="" xmlns:a16="http://schemas.microsoft.com/office/drawing/2014/main" id="{16A2C953-4C52-4A2A-93A5-EDE3581CFF01}"/>
+                <a16:creationId xmlns:a16="http://schemas.microsoft.com/office/drawing/2014/main" id="{16A2C953-4C52-4A2A-93A5-EDE3581CFF01}"/>
               </a:ext>
             </a:extLst>
           </p:cNvPr>
@@ -917,7 +1050,7 @@
           <p:cNvPr id="3" name="Espaço Reservado para Data 2">
             <a:extLst>
               <a:ext uri="{FF2B5EF4-FFF2-40B4-BE49-F238E27FC236}">
-                <a16:creationId xmlns="" xmlns:a16="http://schemas.microsoft.com/office/drawing/2014/main" id="{21BB0678-AA43-4D98-B879-71FF14972DDB}"/>
+                <a16:creationId xmlns:a16="http://schemas.microsoft.com/office/drawing/2014/main" id="{21BB0678-AA43-4D98-B879-71FF14972DDB}"/>
               </a:ext>
             </a:extLst>
           </p:cNvPr>
@@ -958,7 +1091,7 @@
           <p:cNvPr id="4" name="Espaço Reservado para Rodapé 3">
             <a:extLst>
               <a:ext uri="{FF2B5EF4-FFF2-40B4-BE49-F238E27FC236}">
-                <a16:creationId xmlns="" xmlns:a16="http://schemas.microsoft.com/office/drawing/2014/main" id="{FDA99150-AB63-424D-8EA7-F8948FD87CB2}"/>
+                <a16:creationId xmlns:a16="http://schemas.microsoft.com/office/drawing/2014/main" id="{FDA99150-AB63-424D-8EA7-F8948FD87CB2}"/>
               </a:ext>
             </a:extLst>
           </p:cNvPr>
@@ -995,7 +1128,7 @@
           <p:cNvPr id="5" name="Espaço Reservado para Número de Slide 4">
             <a:extLst>
               <a:ext uri="{FF2B5EF4-FFF2-40B4-BE49-F238E27FC236}">
-                <a16:creationId xmlns="" xmlns:a16="http://schemas.microsoft.com/office/drawing/2014/main" id="{46238A6C-37AF-4C48-BD61-F2F0E74A4C6E}"/>
+                <a16:creationId xmlns:a16="http://schemas.microsoft.com/office/drawing/2014/main" id="{46238A6C-37AF-4C48-BD61-F2F0E74A4C6E}"/>
               </a:ext>
             </a:extLst>
           </p:cNvPr>
@@ -1415,7 +1548,7 @@
           <p:cNvPr id="6" name="Imagem 5">
             <a:extLst>
               <a:ext uri="{FF2B5EF4-FFF2-40B4-BE49-F238E27FC236}">
-                <a16:creationId xmlns="" xmlns:a16="http://schemas.microsoft.com/office/drawing/2014/main" id="{BEEB613F-61F4-4948-A293-0CB7386397FE}"/>
+                <a16:creationId xmlns:a16="http://schemas.microsoft.com/office/drawing/2014/main" id="{BEEB613F-61F4-4948-A293-0CB7386397FE}"/>
               </a:ext>
             </a:extLst>
           </p:cNvPr>
@@ -1451,7 +1584,7 @@
           <p:cNvPr id="8" name="Espaço Reservado para Texto 11">
             <a:extLst>
               <a:ext uri="{FF2B5EF4-FFF2-40B4-BE49-F238E27FC236}">
-                <a16:creationId xmlns="" xmlns:a16="http://schemas.microsoft.com/office/drawing/2014/main" id="{D1772355-F550-4856-8B50-23C766B879F4}"/>
+                <a16:creationId xmlns:a16="http://schemas.microsoft.com/office/drawing/2014/main" id="{D1772355-F550-4856-8B50-23C766B879F4}"/>
               </a:ext>
             </a:extLst>
           </p:cNvPr>
@@ -1528,7 +1661,7 @@
           <p:cNvPr id="10" name="Imagem 9">
             <a:extLst>
               <a:ext uri="{FF2B5EF4-FFF2-40B4-BE49-F238E27FC236}">
-                <a16:creationId xmlns="" xmlns:a16="http://schemas.microsoft.com/office/drawing/2014/main" id="{78D6BBD8-B690-4072-A523-35F24C61DD2D}"/>
+                <a16:creationId xmlns:a16="http://schemas.microsoft.com/office/drawing/2014/main" id="{78D6BBD8-B690-4072-A523-35F24C61DD2D}"/>
               </a:ext>
             </a:extLst>
           </p:cNvPr>
@@ -1564,7 +1697,7 @@
           <p:cNvPr id="11" name="Imagem 10">
             <a:extLst>
               <a:ext uri="{FF2B5EF4-FFF2-40B4-BE49-F238E27FC236}">
-                <a16:creationId xmlns="" xmlns:a16="http://schemas.microsoft.com/office/drawing/2014/main" id="{B169AAD6-233A-49A6-86A4-B01B3A16B727}"/>
+                <a16:creationId xmlns:a16="http://schemas.microsoft.com/office/drawing/2014/main" id="{B169AAD6-233A-49A6-86A4-B01B3A16B727}"/>
               </a:ext>
             </a:extLst>
           </p:cNvPr>
@@ -1600,7 +1733,7 @@
           <p:cNvPr id="7" name="Título 1">
             <a:extLst>
               <a:ext uri="{FF2B5EF4-FFF2-40B4-BE49-F238E27FC236}">
-                <a16:creationId xmlns="" xmlns:a16="http://schemas.microsoft.com/office/drawing/2014/main" id="{BF215598-9F8B-4458-A0C8-C1F8FCB46B97}"/>
+                <a16:creationId xmlns:a16="http://schemas.microsoft.com/office/drawing/2014/main" id="{BF215598-9F8B-4458-A0C8-C1F8FCB46B97}"/>
               </a:ext>
             </a:extLst>
           </p:cNvPr>
@@ -1646,7 +1779,7 @@
           <p:cNvPr id="8" name="Espaço Reservado para Imagem 2">
             <a:extLst>
               <a:ext uri="{FF2B5EF4-FFF2-40B4-BE49-F238E27FC236}">
-                <a16:creationId xmlns="" xmlns:a16="http://schemas.microsoft.com/office/drawing/2014/main" id="{2C86163D-14E9-44D9-B28E-5E1E4D083C70}"/>
+                <a16:creationId xmlns:a16="http://schemas.microsoft.com/office/drawing/2014/main" id="{2C86163D-14E9-44D9-B28E-5E1E4D083C70}"/>
               </a:ext>
             </a:extLst>
           </p:cNvPr>
@@ -1725,7 +1858,7 @@
           <p:cNvPr id="9" name="Espaço Reservado para Texto 3">
             <a:extLst>
               <a:ext uri="{FF2B5EF4-FFF2-40B4-BE49-F238E27FC236}">
-                <a16:creationId xmlns="" xmlns:a16="http://schemas.microsoft.com/office/drawing/2014/main" id="{58CD2BC1-5F52-4779-B9CE-95B69D211DCE}"/>
+                <a16:creationId xmlns:a16="http://schemas.microsoft.com/office/drawing/2014/main" id="{58CD2BC1-5F52-4779-B9CE-95B69D211DCE}"/>
               </a:ext>
             </a:extLst>
           </p:cNvPr>
@@ -1804,7 +1937,7 @@
           <p:cNvPr id="2" name="Espaço Reservado para Número de Slide 1">
             <a:extLst>
               <a:ext uri="{FF2B5EF4-FFF2-40B4-BE49-F238E27FC236}">
-                <a16:creationId xmlns="" xmlns:a16="http://schemas.microsoft.com/office/drawing/2014/main" id="{E026C2AA-2C9A-486D-8F08-26EBCC42C592}"/>
+                <a16:creationId xmlns:a16="http://schemas.microsoft.com/office/drawing/2014/main" id="{E026C2AA-2C9A-486D-8F08-26EBCC42C592}"/>
               </a:ext>
             </a:extLst>
           </p:cNvPr>
@@ -1864,7 +1997,7 @@
           <p:cNvPr id="3" name="Imagem 2">
             <a:extLst>
               <a:ext uri="{FF2B5EF4-FFF2-40B4-BE49-F238E27FC236}">
-                <a16:creationId xmlns="" xmlns:a16="http://schemas.microsoft.com/office/drawing/2014/main" id="{E9185539-108D-4603-8378-6FAC4FD09EB7}"/>
+                <a16:creationId xmlns:a16="http://schemas.microsoft.com/office/drawing/2014/main" id="{E9185539-108D-4603-8378-6FAC4FD09EB7}"/>
               </a:ext>
             </a:extLst>
           </p:cNvPr>
@@ -1900,7 +2033,7 @@
           <p:cNvPr id="2" name="Espaço Reservado para Número de Slide 1">
             <a:extLst>
               <a:ext uri="{FF2B5EF4-FFF2-40B4-BE49-F238E27FC236}">
-                <a16:creationId xmlns="" xmlns:a16="http://schemas.microsoft.com/office/drawing/2014/main" id="{592EE18B-7CDD-4761-8816-0824F78FF547}"/>
+                <a16:creationId xmlns:a16="http://schemas.microsoft.com/office/drawing/2014/main" id="{592EE18B-7CDD-4761-8816-0824F78FF547}"/>
               </a:ext>
             </a:extLst>
           </p:cNvPr>
@@ -1990,7 +2123,7 @@
           <p:cNvPr id="6" name="Imagem 5">
             <a:extLst>
               <a:ext uri="{FF2B5EF4-FFF2-40B4-BE49-F238E27FC236}">
-                <a16:creationId xmlns="" xmlns:a16="http://schemas.microsoft.com/office/drawing/2014/main" id="{E88D3656-7F74-49D9-9852-8B124A49A82B}"/>
+                <a16:creationId xmlns:a16="http://schemas.microsoft.com/office/drawing/2014/main" id="{E88D3656-7F74-49D9-9852-8B124A49A82B}"/>
               </a:ext>
             </a:extLst>
           </p:cNvPr>
@@ -2026,7 +2159,7 @@
           <p:cNvPr id="8" name="Espaço Reservado para Texto 6">
             <a:extLst>
               <a:ext uri="{FF2B5EF4-FFF2-40B4-BE49-F238E27FC236}">
-                <a16:creationId xmlns="" xmlns:a16="http://schemas.microsoft.com/office/drawing/2014/main" id="{AAF52C71-8317-4579-B2F0-07D70E17CF11}"/>
+                <a16:creationId xmlns:a16="http://schemas.microsoft.com/office/drawing/2014/main" id="{AAF52C71-8317-4579-B2F0-07D70E17CF11}"/>
               </a:ext>
             </a:extLst>
           </p:cNvPr>
@@ -2073,7 +2206,7 @@
           <p:cNvPr id="2" name="CaixaDeTexto 1">
             <a:extLst>
               <a:ext uri="{FF2B5EF4-FFF2-40B4-BE49-F238E27FC236}">
-                <a16:creationId xmlns="" xmlns:a16="http://schemas.microsoft.com/office/drawing/2014/main" id="{B4614A98-3FE2-47A2-AFEF-A8C48CAAB79F}"/>
+                <a16:creationId xmlns:a16="http://schemas.microsoft.com/office/drawing/2014/main" id="{B4614A98-3FE2-47A2-AFEF-A8C48CAAB79F}"/>
               </a:ext>
             </a:extLst>
           </p:cNvPr>
@@ -2115,7 +2248,7 @@
             <a:hlinkClick r:id="rId3"/>
             <a:extLst>
               <a:ext uri="{FF2B5EF4-FFF2-40B4-BE49-F238E27FC236}">
-                <a16:creationId xmlns="" xmlns:a16="http://schemas.microsoft.com/office/drawing/2014/main" id="{0A978260-68B5-46C7-AD02-C086A19ED979}"/>
+                <a16:creationId xmlns:a16="http://schemas.microsoft.com/office/drawing/2014/main" id="{0A978260-68B5-46C7-AD02-C086A19ED979}"/>
               </a:ext>
             </a:extLst>
           </p:cNvPr>
@@ -2152,7 +2285,7 @@
             <a:hlinkClick r:id="rId5"/>
             <a:extLst>
               <a:ext uri="{FF2B5EF4-FFF2-40B4-BE49-F238E27FC236}">
-                <a16:creationId xmlns="" xmlns:a16="http://schemas.microsoft.com/office/drawing/2014/main" id="{A2EBC6DA-DCE8-4858-A946-014B0A9319FD}"/>
+                <a16:creationId xmlns:a16="http://schemas.microsoft.com/office/drawing/2014/main" id="{A2EBC6DA-DCE8-4858-A946-014B0A9319FD}"/>
               </a:ext>
             </a:extLst>
           </p:cNvPr>
@@ -2189,7 +2322,7 @@
             <a:hlinkClick r:id="rId7"/>
             <a:extLst>
               <a:ext uri="{FF2B5EF4-FFF2-40B4-BE49-F238E27FC236}">
-                <a16:creationId xmlns="" xmlns:a16="http://schemas.microsoft.com/office/drawing/2014/main" id="{9867A168-59CC-43EC-97BA-39A5F9497F69}"/>
+                <a16:creationId xmlns:a16="http://schemas.microsoft.com/office/drawing/2014/main" id="{9867A168-59CC-43EC-97BA-39A5F9497F69}"/>
               </a:ext>
             </a:extLst>
           </p:cNvPr>
@@ -2225,7 +2358,7 @@
           <p:cNvPr id="3" name="CaixaDeTexto 2">
             <a:extLst>
               <a:ext uri="{FF2B5EF4-FFF2-40B4-BE49-F238E27FC236}">
-                <a16:creationId xmlns="" xmlns:a16="http://schemas.microsoft.com/office/drawing/2014/main" id="{B9711B3E-E156-4876-B3B3-500348A8E4BB}"/>
+                <a16:creationId xmlns:a16="http://schemas.microsoft.com/office/drawing/2014/main" id="{B9711B3E-E156-4876-B3B3-500348A8E4BB}"/>
               </a:ext>
             </a:extLst>
           </p:cNvPr>
@@ -2370,15 +2503,6 @@
                 <a:latin typeface="Montserrat" panose="00000500000000000000" pitchFamily="50" charset="0"/>
               </a:rPr>
               <a:t>em Governo - UnB</a:t>
-            </a:r>
-            <a:r>
-              <a:rPr lang="pt-BR" sz="1400" b="1" dirty="0">
-                <a:solidFill>
-                  <a:schemeClr val="bg1"/>
-                </a:solidFill>
-                <a:latin typeface="Montserrat" panose="00000500000000000000" pitchFamily="50" charset="0"/>
-              </a:rPr>
-              <a:t/>
             </a:r>
             <a:br>
               <a:rPr lang="pt-BR" sz="1400" b="1" dirty="0">
@@ -2435,7 +2559,7 @@
           <p:cNvPr id="4" name="Imagem 3">
             <a:extLst>
               <a:ext uri="{FF2B5EF4-FFF2-40B4-BE49-F238E27FC236}">
-                <a16:creationId xmlns="" xmlns:a16="http://schemas.microsoft.com/office/drawing/2014/main" id="{DEDCA6E9-E5AF-4CC6-95E0-47340401B8D2}"/>
+                <a16:creationId xmlns:a16="http://schemas.microsoft.com/office/drawing/2014/main" id="{DEDCA6E9-E5AF-4CC6-95E0-47340401B8D2}"/>
               </a:ext>
             </a:extLst>
           </p:cNvPr>
@@ -2471,7 +2595,7 @@
           <p:cNvPr id="7" name="Título 1">
             <a:extLst>
               <a:ext uri="{FF2B5EF4-FFF2-40B4-BE49-F238E27FC236}">
-                <a16:creationId xmlns="" xmlns:a16="http://schemas.microsoft.com/office/drawing/2014/main" id="{40CFF233-BE83-4D09-BF59-DDD8566EEC04}"/>
+                <a16:creationId xmlns:a16="http://schemas.microsoft.com/office/drawing/2014/main" id="{40CFF233-BE83-4D09-BF59-DDD8566EEC04}"/>
               </a:ext>
             </a:extLst>
           </p:cNvPr>
@@ -2517,7 +2641,7 @@
           <p:cNvPr id="8" name="Espaço Reservado para Conteúdo 2">
             <a:extLst>
               <a:ext uri="{FF2B5EF4-FFF2-40B4-BE49-F238E27FC236}">
-                <a16:creationId xmlns="" xmlns:a16="http://schemas.microsoft.com/office/drawing/2014/main" id="{0782AE72-6294-45AD-9921-E4CD17B156A3}"/>
+                <a16:creationId xmlns:a16="http://schemas.microsoft.com/office/drawing/2014/main" id="{0782AE72-6294-45AD-9921-E4CD17B156A3}"/>
               </a:ext>
             </a:extLst>
           </p:cNvPr>
@@ -2624,7 +2748,7 @@
           <p:cNvPr id="9" name="Imagem 8">
             <a:extLst>
               <a:ext uri="{FF2B5EF4-FFF2-40B4-BE49-F238E27FC236}">
-                <a16:creationId xmlns="" xmlns:a16="http://schemas.microsoft.com/office/drawing/2014/main" id="{BAD092CA-0A9E-4EC3-B2B5-8570FA57A9BD}"/>
+                <a16:creationId xmlns:a16="http://schemas.microsoft.com/office/drawing/2014/main" id="{BAD092CA-0A9E-4EC3-B2B5-8570FA57A9BD}"/>
               </a:ext>
             </a:extLst>
           </p:cNvPr>
@@ -2660,7 +2784,7 @@
           <p:cNvPr id="2" name="Espaço Reservado para Número de Slide 1">
             <a:extLst>
               <a:ext uri="{FF2B5EF4-FFF2-40B4-BE49-F238E27FC236}">
-                <a16:creationId xmlns="" xmlns:a16="http://schemas.microsoft.com/office/drawing/2014/main" id="{CFEE0B1B-397A-47FF-BF37-EF68C4820C5B}"/>
+                <a16:creationId xmlns:a16="http://schemas.microsoft.com/office/drawing/2014/main" id="{CFEE0B1B-397A-47FF-BF37-EF68C4820C5B}"/>
               </a:ext>
             </a:extLst>
           </p:cNvPr>
@@ -2728,7 +2852,7 @@
           <p:cNvPr id="6" name="Imagem 5">
             <a:extLst>
               <a:ext uri="{FF2B5EF4-FFF2-40B4-BE49-F238E27FC236}">
-                <a16:creationId xmlns="" xmlns:a16="http://schemas.microsoft.com/office/drawing/2014/main" id="{25AB4B6E-DE07-4882-88A0-7576158F80FC}"/>
+                <a16:creationId xmlns:a16="http://schemas.microsoft.com/office/drawing/2014/main" id="{25AB4B6E-DE07-4882-88A0-7576158F80FC}"/>
               </a:ext>
             </a:extLst>
           </p:cNvPr>
@@ -2764,7 +2888,7 @@
           <p:cNvPr id="9" name="Imagem 8">
             <a:extLst>
               <a:ext uri="{FF2B5EF4-FFF2-40B4-BE49-F238E27FC236}">
-                <a16:creationId xmlns="" xmlns:a16="http://schemas.microsoft.com/office/drawing/2014/main" id="{D9322655-91D1-412A-8781-DE1FAB014F39}"/>
+                <a16:creationId xmlns:a16="http://schemas.microsoft.com/office/drawing/2014/main" id="{D9322655-91D1-412A-8781-DE1FAB014F39}"/>
               </a:ext>
             </a:extLst>
           </p:cNvPr>
@@ -2800,7 +2924,7 @@
           <p:cNvPr id="7" name="Título 1">
             <a:extLst>
               <a:ext uri="{FF2B5EF4-FFF2-40B4-BE49-F238E27FC236}">
-                <a16:creationId xmlns="" xmlns:a16="http://schemas.microsoft.com/office/drawing/2014/main" id="{FAB9913B-5764-44A9-9A81-C9E395207360}"/>
+                <a16:creationId xmlns:a16="http://schemas.microsoft.com/office/drawing/2014/main" id="{FAB9913B-5764-44A9-9A81-C9E395207360}"/>
               </a:ext>
             </a:extLst>
           </p:cNvPr>
@@ -2846,7 +2970,7 @@
           <p:cNvPr id="8" name="Espaço Reservado para Texto 2">
             <a:extLst>
               <a:ext uri="{FF2B5EF4-FFF2-40B4-BE49-F238E27FC236}">
-                <a16:creationId xmlns="" xmlns:a16="http://schemas.microsoft.com/office/drawing/2014/main" id="{624EA57F-879C-427C-BDF6-2E0E26B7D44E}"/>
+                <a16:creationId xmlns:a16="http://schemas.microsoft.com/office/drawing/2014/main" id="{624EA57F-879C-427C-BDF6-2E0E26B7D44E}"/>
               </a:ext>
             </a:extLst>
           </p:cNvPr>
@@ -2973,7 +3097,7 @@
           <p:cNvPr id="2" name="Espaço Reservado para Número de Slide 1">
             <a:extLst>
               <a:ext uri="{FF2B5EF4-FFF2-40B4-BE49-F238E27FC236}">
-                <a16:creationId xmlns="" xmlns:a16="http://schemas.microsoft.com/office/drawing/2014/main" id="{6C5167B2-BF52-4D97-BB3F-C792EFC77CFB}"/>
+                <a16:creationId xmlns:a16="http://schemas.microsoft.com/office/drawing/2014/main" id="{6C5167B2-BF52-4D97-BB3F-C792EFC77CFB}"/>
               </a:ext>
             </a:extLst>
           </p:cNvPr>
@@ -3033,7 +3157,7 @@
           <p:cNvPr id="7" name="Imagem 6">
             <a:extLst>
               <a:ext uri="{FF2B5EF4-FFF2-40B4-BE49-F238E27FC236}">
-                <a16:creationId xmlns="" xmlns:a16="http://schemas.microsoft.com/office/drawing/2014/main" id="{9A793D9F-F1CC-4220-94C6-0F8EFF1C1041}"/>
+                <a16:creationId xmlns:a16="http://schemas.microsoft.com/office/drawing/2014/main" id="{9A793D9F-F1CC-4220-94C6-0F8EFF1C1041}"/>
               </a:ext>
             </a:extLst>
           </p:cNvPr>
@@ -3069,7 +3193,7 @@
           <p:cNvPr id="11" name="Imagem 10">
             <a:extLst>
               <a:ext uri="{FF2B5EF4-FFF2-40B4-BE49-F238E27FC236}">
-                <a16:creationId xmlns="" xmlns:a16="http://schemas.microsoft.com/office/drawing/2014/main" id="{D9913CD7-1242-45E3-B948-A6965B097A03}"/>
+                <a16:creationId xmlns:a16="http://schemas.microsoft.com/office/drawing/2014/main" id="{D9913CD7-1242-45E3-B948-A6965B097A03}"/>
               </a:ext>
             </a:extLst>
           </p:cNvPr>
@@ -3105,7 +3229,7 @@
           <p:cNvPr id="8" name="Título 1">
             <a:extLst>
               <a:ext uri="{FF2B5EF4-FFF2-40B4-BE49-F238E27FC236}">
-                <a16:creationId xmlns="" xmlns:a16="http://schemas.microsoft.com/office/drawing/2014/main" id="{C8D532FC-F4CB-4C11-8A3D-A82DAB788023}"/>
+                <a16:creationId xmlns:a16="http://schemas.microsoft.com/office/drawing/2014/main" id="{C8D532FC-F4CB-4C11-8A3D-A82DAB788023}"/>
               </a:ext>
             </a:extLst>
           </p:cNvPr>
@@ -3151,7 +3275,7 @@
           <p:cNvPr id="9" name="Espaço Reservado para Conteúdo 2">
             <a:extLst>
               <a:ext uri="{FF2B5EF4-FFF2-40B4-BE49-F238E27FC236}">
-                <a16:creationId xmlns="" xmlns:a16="http://schemas.microsoft.com/office/drawing/2014/main" id="{F2BC6FA8-17C1-4B16-BD71-58D0ACD979A8}"/>
+                <a16:creationId xmlns:a16="http://schemas.microsoft.com/office/drawing/2014/main" id="{F2BC6FA8-17C1-4B16-BD71-58D0ACD979A8}"/>
               </a:ext>
             </a:extLst>
           </p:cNvPr>
@@ -3258,7 +3382,7 @@
           <p:cNvPr id="10" name="Espaço Reservado para Conteúdo 3">
             <a:extLst>
               <a:ext uri="{FF2B5EF4-FFF2-40B4-BE49-F238E27FC236}">
-                <a16:creationId xmlns="" xmlns:a16="http://schemas.microsoft.com/office/drawing/2014/main" id="{BA2090DA-CD76-4997-A9AF-1DD388E9161B}"/>
+                <a16:creationId xmlns:a16="http://schemas.microsoft.com/office/drawing/2014/main" id="{BA2090DA-CD76-4997-A9AF-1DD388E9161B}"/>
               </a:ext>
             </a:extLst>
           </p:cNvPr>
@@ -3365,7 +3489,7 @@
           <p:cNvPr id="2" name="Espaço Reservado para Número de Slide 1">
             <a:extLst>
               <a:ext uri="{FF2B5EF4-FFF2-40B4-BE49-F238E27FC236}">
-                <a16:creationId xmlns="" xmlns:a16="http://schemas.microsoft.com/office/drawing/2014/main" id="{546DF0C4-E378-4758-BCCA-9AFFE06A2BDB}"/>
+                <a16:creationId xmlns:a16="http://schemas.microsoft.com/office/drawing/2014/main" id="{546DF0C4-E378-4758-BCCA-9AFFE06A2BDB}"/>
               </a:ext>
             </a:extLst>
           </p:cNvPr>
@@ -3425,7 +3549,7 @@
           <p:cNvPr id="9" name="Imagem 8">
             <a:extLst>
               <a:ext uri="{FF2B5EF4-FFF2-40B4-BE49-F238E27FC236}">
-                <a16:creationId xmlns="" xmlns:a16="http://schemas.microsoft.com/office/drawing/2014/main" id="{7DF30185-02AD-4755-A417-F681F7603AB9}"/>
+                <a16:creationId xmlns:a16="http://schemas.microsoft.com/office/drawing/2014/main" id="{7DF30185-02AD-4755-A417-F681F7603AB9}"/>
               </a:ext>
             </a:extLst>
           </p:cNvPr>
@@ -3461,7 +3585,7 @@
           <p:cNvPr id="15" name="Imagem 14">
             <a:extLst>
               <a:ext uri="{FF2B5EF4-FFF2-40B4-BE49-F238E27FC236}">
-                <a16:creationId xmlns="" xmlns:a16="http://schemas.microsoft.com/office/drawing/2014/main" id="{50308F8A-7106-4B1E-B886-5DBE71C6A920}"/>
+                <a16:creationId xmlns:a16="http://schemas.microsoft.com/office/drawing/2014/main" id="{50308F8A-7106-4B1E-B886-5DBE71C6A920}"/>
               </a:ext>
             </a:extLst>
           </p:cNvPr>
@@ -3497,7 +3621,7 @@
           <p:cNvPr id="10" name="Título 1">
             <a:extLst>
               <a:ext uri="{FF2B5EF4-FFF2-40B4-BE49-F238E27FC236}">
-                <a16:creationId xmlns="" xmlns:a16="http://schemas.microsoft.com/office/drawing/2014/main" id="{5094566B-3641-40EE-865C-FFD0E20E55C8}"/>
+                <a16:creationId xmlns:a16="http://schemas.microsoft.com/office/drawing/2014/main" id="{5094566B-3641-40EE-865C-FFD0E20E55C8}"/>
               </a:ext>
             </a:extLst>
           </p:cNvPr>
@@ -3543,7 +3667,7 @@
           <p:cNvPr id="11" name="Espaço Reservado para Texto 2">
             <a:extLst>
               <a:ext uri="{FF2B5EF4-FFF2-40B4-BE49-F238E27FC236}">
-                <a16:creationId xmlns="" xmlns:a16="http://schemas.microsoft.com/office/drawing/2014/main" id="{C06E63DA-E942-47C6-82A9-B79E6989F671}"/>
+                <a16:creationId xmlns:a16="http://schemas.microsoft.com/office/drawing/2014/main" id="{C06E63DA-E942-47C6-82A9-B79E6989F671}"/>
               </a:ext>
             </a:extLst>
           </p:cNvPr>
@@ -3622,7 +3746,7 @@
           <p:cNvPr id="12" name="Espaço Reservado para Conteúdo 3">
             <a:extLst>
               <a:ext uri="{FF2B5EF4-FFF2-40B4-BE49-F238E27FC236}">
-                <a16:creationId xmlns="" xmlns:a16="http://schemas.microsoft.com/office/drawing/2014/main" id="{C399AE6F-7B93-4268-A2D5-A822054739C3}"/>
+                <a16:creationId xmlns:a16="http://schemas.microsoft.com/office/drawing/2014/main" id="{C399AE6F-7B93-4268-A2D5-A822054739C3}"/>
               </a:ext>
             </a:extLst>
           </p:cNvPr>
@@ -3729,7 +3853,7 @@
           <p:cNvPr id="13" name="Espaço Reservado para Texto 4">
             <a:extLst>
               <a:ext uri="{FF2B5EF4-FFF2-40B4-BE49-F238E27FC236}">
-                <a16:creationId xmlns="" xmlns:a16="http://schemas.microsoft.com/office/drawing/2014/main" id="{062851C4-0BEE-49AD-92B8-4578040DB465}"/>
+                <a16:creationId xmlns:a16="http://schemas.microsoft.com/office/drawing/2014/main" id="{062851C4-0BEE-49AD-92B8-4578040DB465}"/>
               </a:ext>
             </a:extLst>
           </p:cNvPr>
@@ -3808,7 +3932,7 @@
           <p:cNvPr id="14" name="Espaço Reservado para Conteúdo 5">
             <a:extLst>
               <a:ext uri="{FF2B5EF4-FFF2-40B4-BE49-F238E27FC236}">
-                <a16:creationId xmlns="" xmlns:a16="http://schemas.microsoft.com/office/drawing/2014/main" id="{76DBCEB5-46D7-4EDA-A87B-89495CD61FC2}"/>
+                <a16:creationId xmlns:a16="http://schemas.microsoft.com/office/drawing/2014/main" id="{76DBCEB5-46D7-4EDA-A87B-89495CD61FC2}"/>
               </a:ext>
             </a:extLst>
           </p:cNvPr>
@@ -3915,7 +4039,7 @@
           <p:cNvPr id="2" name="Espaço Reservado para Número de Slide 1">
             <a:extLst>
               <a:ext uri="{FF2B5EF4-FFF2-40B4-BE49-F238E27FC236}">
-                <a16:creationId xmlns="" xmlns:a16="http://schemas.microsoft.com/office/drawing/2014/main" id="{59545F2B-00B1-4954-8A3A-B1E9257BA460}"/>
+                <a16:creationId xmlns:a16="http://schemas.microsoft.com/office/drawing/2014/main" id="{59545F2B-00B1-4954-8A3A-B1E9257BA460}"/>
               </a:ext>
             </a:extLst>
           </p:cNvPr>
@@ -3975,7 +4099,7 @@
           <p:cNvPr id="3" name="Imagem 2">
             <a:extLst>
               <a:ext uri="{FF2B5EF4-FFF2-40B4-BE49-F238E27FC236}">
-                <a16:creationId xmlns="" xmlns:a16="http://schemas.microsoft.com/office/drawing/2014/main" id="{86C3205B-A23F-4D73-87D4-9782A1555D11}"/>
+                <a16:creationId xmlns:a16="http://schemas.microsoft.com/office/drawing/2014/main" id="{86C3205B-A23F-4D73-87D4-9782A1555D11}"/>
               </a:ext>
             </a:extLst>
           </p:cNvPr>
@@ -4011,7 +4135,7 @@
           <p:cNvPr id="7" name="Título 1">
             <a:extLst>
               <a:ext uri="{FF2B5EF4-FFF2-40B4-BE49-F238E27FC236}">
-                <a16:creationId xmlns="" xmlns:a16="http://schemas.microsoft.com/office/drawing/2014/main" id="{D9397135-E5D1-4C6C-A462-39F211FCFDD6}"/>
+                <a16:creationId xmlns:a16="http://schemas.microsoft.com/office/drawing/2014/main" id="{D9397135-E5D1-4C6C-A462-39F211FCFDD6}"/>
               </a:ext>
             </a:extLst>
           </p:cNvPr>
@@ -4057,7 +4181,7 @@
           <p:cNvPr id="8" name="Imagem 7">
             <a:extLst>
               <a:ext uri="{FF2B5EF4-FFF2-40B4-BE49-F238E27FC236}">
-                <a16:creationId xmlns="" xmlns:a16="http://schemas.microsoft.com/office/drawing/2014/main" id="{0BB658F4-25AE-4E8C-B4EB-F71DB7ADBBC8}"/>
+                <a16:creationId xmlns:a16="http://schemas.microsoft.com/office/drawing/2014/main" id="{0BB658F4-25AE-4E8C-B4EB-F71DB7ADBBC8}"/>
               </a:ext>
             </a:extLst>
           </p:cNvPr>
@@ -4093,7 +4217,7 @@
           <p:cNvPr id="2" name="Espaço Reservado para Número de Slide 1">
             <a:extLst>
               <a:ext uri="{FF2B5EF4-FFF2-40B4-BE49-F238E27FC236}">
-                <a16:creationId xmlns="" xmlns:a16="http://schemas.microsoft.com/office/drawing/2014/main" id="{57CEB9DE-B557-413D-BEBE-FB285BDE282E}"/>
+                <a16:creationId xmlns:a16="http://schemas.microsoft.com/office/drawing/2014/main" id="{57CEB9DE-B557-413D-BEBE-FB285BDE282E}"/>
               </a:ext>
             </a:extLst>
           </p:cNvPr>
@@ -4165,7 +4289,7 @@
           <p:cNvPr id="4" name="Imagem 3">
             <a:extLst>
               <a:ext uri="{FF2B5EF4-FFF2-40B4-BE49-F238E27FC236}">
-                <a16:creationId xmlns="" xmlns:a16="http://schemas.microsoft.com/office/drawing/2014/main" id="{E8564CF9-F112-4AA6-92FC-DC4F202EA9EF}"/>
+                <a16:creationId xmlns:a16="http://schemas.microsoft.com/office/drawing/2014/main" id="{E8564CF9-F112-4AA6-92FC-DC4F202EA9EF}"/>
               </a:ext>
             </a:extLst>
           </p:cNvPr>
@@ -4201,7 +4325,7 @@
           <p:cNvPr id="6" name="Imagem 5">
             <a:extLst>
               <a:ext uri="{FF2B5EF4-FFF2-40B4-BE49-F238E27FC236}">
-                <a16:creationId xmlns="" xmlns:a16="http://schemas.microsoft.com/office/drawing/2014/main" id="{B7D87F16-9577-4D10-8CE3-380D13F7F94C}"/>
+                <a16:creationId xmlns:a16="http://schemas.microsoft.com/office/drawing/2014/main" id="{B7D87F16-9577-4D10-8CE3-380D13F7F94C}"/>
               </a:ext>
             </a:extLst>
           </p:cNvPr>
@@ -4237,7 +4361,7 @@
           <p:cNvPr id="2" name="Espaço Reservado para Número de Slide 1">
             <a:extLst>
               <a:ext uri="{FF2B5EF4-FFF2-40B4-BE49-F238E27FC236}">
-                <a16:creationId xmlns="" xmlns:a16="http://schemas.microsoft.com/office/drawing/2014/main" id="{8DDEB24D-5838-4D12-A8B0-8E961C4391DD}"/>
+                <a16:creationId xmlns:a16="http://schemas.microsoft.com/office/drawing/2014/main" id="{8DDEB24D-5838-4D12-A8B0-8E961C4391DD}"/>
               </a:ext>
             </a:extLst>
           </p:cNvPr>
@@ -4309,7 +4433,7 @@
           <p:cNvPr id="4" name="Imagem 3">
             <a:extLst>
               <a:ext uri="{FF2B5EF4-FFF2-40B4-BE49-F238E27FC236}">
-                <a16:creationId xmlns="" xmlns:a16="http://schemas.microsoft.com/office/drawing/2014/main" id="{A854FCF4-49AC-48CD-BC09-07FF867DA7B4}"/>
+                <a16:creationId xmlns:a16="http://schemas.microsoft.com/office/drawing/2014/main" id="{A854FCF4-49AC-48CD-BC09-07FF867DA7B4}"/>
               </a:ext>
             </a:extLst>
           </p:cNvPr>
@@ -4345,7 +4469,7 @@
           <p:cNvPr id="5" name="Imagem 4">
             <a:extLst>
               <a:ext uri="{FF2B5EF4-FFF2-40B4-BE49-F238E27FC236}">
-                <a16:creationId xmlns="" xmlns:a16="http://schemas.microsoft.com/office/drawing/2014/main" id="{3266A073-0B04-4EDF-A0CB-628519234D63}"/>
+                <a16:creationId xmlns:a16="http://schemas.microsoft.com/office/drawing/2014/main" id="{3266A073-0B04-4EDF-A0CB-628519234D63}"/>
               </a:ext>
             </a:extLst>
           </p:cNvPr>
@@ -4381,7 +4505,7 @@
           <p:cNvPr id="2" name="Espaço Reservado para Número de Slide 1">
             <a:extLst>
               <a:ext uri="{FF2B5EF4-FFF2-40B4-BE49-F238E27FC236}">
-                <a16:creationId xmlns="" xmlns:a16="http://schemas.microsoft.com/office/drawing/2014/main" id="{20A9BCC1-2FCC-4CC9-B9B9-368D2B968A52}"/>
+                <a16:creationId xmlns:a16="http://schemas.microsoft.com/office/drawing/2014/main" id="{20A9BCC1-2FCC-4CC9-B9B9-368D2B968A52}"/>
               </a:ext>
             </a:extLst>
           </p:cNvPr>
@@ -4441,7 +4565,7 @@
           <p:cNvPr id="7" name="Imagem 6">
             <a:extLst>
               <a:ext uri="{FF2B5EF4-FFF2-40B4-BE49-F238E27FC236}">
-                <a16:creationId xmlns="" xmlns:a16="http://schemas.microsoft.com/office/drawing/2014/main" id="{44CD1DD3-685E-40F4-AF17-3916E93E2C2B}"/>
+                <a16:creationId xmlns:a16="http://schemas.microsoft.com/office/drawing/2014/main" id="{44CD1DD3-685E-40F4-AF17-3916E93E2C2B}"/>
               </a:ext>
             </a:extLst>
           </p:cNvPr>
@@ -4477,7 +4601,7 @@
           <p:cNvPr id="11" name="Imagem 10">
             <a:extLst>
               <a:ext uri="{FF2B5EF4-FFF2-40B4-BE49-F238E27FC236}">
-                <a16:creationId xmlns="" xmlns:a16="http://schemas.microsoft.com/office/drawing/2014/main" id="{70A02987-7801-49C3-B17C-A551D02A2F5B}"/>
+                <a16:creationId xmlns:a16="http://schemas.microsoft.com/office/drawing/2014/main" id="{70A02987-7801-49C3-B17C-A551D02A2F5B}"/>
               </a:ext>
             </a:extLst>
           </p:cNvPr>
@@ -4513,7 +4637,7 @@
           <p:cNvPr id="8" name="Título 1">
             <a:extLst>
               <a:ext uri="{FF2B5EF4-FFF2-40B4-BE49-F238E27FC236}">
-                <a16:creationId xmlns="" xmlns:a16="http://schemas.microsoft.com/office/drawing/2014/main" id="{41D65979-6B14-4189-99BD-4C0AF22AC276}"/>
+                <a16:creationId xmlns:a16="http://schemas.microsoft.com/office/drawing/2014/main" id="{41D65979-6B14-4189-99BD-4C0AF22AC276}"/>
               </a:ext>
             </a:extLst>
           </p:cNvPr>
@@ -4559,7 +4683,7 @@
           <p:cNvPr id="9" name="Espaço Reservado para Conteúdo 2">
             <a:extLst>
               <a:ext uri="{FF2B5EF4-FFF2-40B4-BE49-F238E27FC236}">
-                <a16:creationId xmlns="" xmlns:a16="http://schemas.microsoft.com/office/drawing/2014/main" id="{EC8FBE94-C456-4D35-B64F-A36251B02D8C}"/>
+                <a16:creationId xmlns:a16="http://schemas.microsoft.com/office/drawing/2014/main" id="{EC8FBE94-C456-4D35-B64F-A36251B02D8C}"/>
               </a:ext>
             </a:extLst>
           </p:cNvPr>
@@ -4678,7 +4802,7 @@
           <p:cNvPr id="10" name="Espaço Reservado para Texto 3">
             <a:extLst>
               <a:ext uri="{FF2B5EF4-FFF2-40B4-BE49-F238E27FC236}">
-                <a16:creationId xmlns="" xmlns:a16="http://schemas.microsoft.com/office/drawing/2014/main" id="{A43ABC15-F003-401B-8EF1-F81A13DCED9A}"/>
+                <a16:creationId xmlns:a16="http://schemas.microsoft.com/office/drawing/2014/main" id="{A43ABC15-F003-401B-8EF1-F81A13DCED9A}"/>
               </a:ext>
             </a:extLst>
           </p:cNvPr>
@@ -4757,7 +4881,7 @@
           <p:cNvPr id="2" name="Espaço Reservado para Número de Slide 1">
             <a:extLst>
               <a:ext uri="{FF2B5EF4-FFF2-40B4-BE49-F238E27FC236}">
-                <a16:creationId xmlns="" xmlns:a16="http://schemas.microsoft.com/office/drawing/2014/main" id="{2ADCAE97-9C80-44DC-8E50-44DCD075765E}"/>
+                <a16:creationId xmlns:a16="http://schemas.microsoft.com/office/drawing/2014/main" id="{2ADCAE97-9C80-44DC-8E50-44DCD075765E}"/>
               </a:ext>
             </a:extLst>
           </p:cNvPr>
@@ -4822,7 +4946,7 @@
           <p:cNvPr id="5" name="Espaço Reservado para Número de Slide 2">
             <a:extLst>
               <a:ext uri="{FF2B5EF4-FFF2-40B4-BE49-F238E27FC236}">
-                <a16:creationId xmlns="" xmlns:a16="http://schemas.microsoft.com/office/drawing/2014/main" id="{D7C30D80-C4A7-4602-85EB-27440E84C771}"/>
+                <a16:creationId xmlns:a16="http://schemas.microsoft.com/office/drawing/2014/main" id="{D7C30D80-C4A7-4602-85EB-27440E84C771}"/>
               </a:ext>
             </a:extLst>
           </p:cNvPr>
@@ -5209,7 +5333,7 @@
           <p:cNvPr id="2" name="Espaço Reservado para Texto 1">
             <a:extLst>
               <a:ext uri="{FF2B5EF4-FFF2-40B4-BE49-F238E27FC236}">
-                <a16:creationId xmlns="" xmlns:a16="http://schemas.microsoft.com/office/drawing/2014/main" id="{370D92D6-A8C6-464D-96F7-8C55D1A544BB}"/>
+                <a16:creationId xmlns:a16="http://schemas.microsoft.com/office/drawing/2014/main" id="{370D92D6-A8C6-464D-96F7-8C55D1A544BB}"/>
               </a:ext>
             </a:extLst>
           </p:cNvPr>
@@ -5237,7 +5361,7 @@
           <p:cNvPr id="1026" name="Picture 2">
             <a:extLst>
               <a:ext uri="{FF2B5EF4-FFF2-40B4-BE49-F238E27FC236}">
-                <a16:creationId xmlns="" xmlns:a16="http://schemas.microsoft.com/office/drawing/2014/main" id="{04CEE753-0D3C-4635-9AB5-E00711BD73FA}"/>
+                <a16:creationId xmlns:a16="http://schemas.microsoft.com/office/drawing/2014/main" id="{04CEE753-0D3C-4635-9AB5-E00711BD73FA}"/>
               </a:ext>
             </a:extLst>
           </p:cNvPr>
@@ -5289,13 +5413,6 @@
   <p:clrMapOvr>
     <a:masterClrMapping/>
   </p:clrMapOvr>
-  <p:timing>
-    <p:tnLst>
-      <p:par>
-        <p:cTn id="1" dur="indefinite" restart="never" nodeType="tmRoot"/>
-      </p:par>
-    </p:tnLst>
-  </p:timing>
 </p:sld>
 </file>
 
@@ -5321,7 +5438,7 @@
           <p:cNvPr id="7" name="Retângulo 6">
             <a:extLst>
               <a:ext uri="{FF2B5EF4-FFF2-40B4-BE49-F238E27FC236}">
-                <a16:creationId xmlns="" xmlns:a16="http://schemas.microsoft.com/office/drawing/2014/main" id="{5E0F7497-D302-4F68-8123-03414F2C6833}"/>
+                <a16:creationId xmlns:a16="http://schemas.microsoft.com/office/drawing/2014/main" id="{5E0F7497-D302-4F68-8123-03414F2C6833}"/>
               </a:ext>
             </a:extLst>
           </p:cNvPr>
@@ -5373,7 +5490,7 @@
           <p:cNvPr id="2" name="Título 1">
             <a:extLst>
               <a:ext uri="{FF2B5EF4-FFF2-40B4-BE49-F238E27FC236}">
-                <a16:creationId xmlns="" xmlns:a16="http://schemas.microsoft.com/office/drawing/2014/main" id="{E5407E68-547D-40FB-ADFC-29225BCA97FB}"/>
+                <a16:creationId xmlns:a16="http://schemas.microsoft.com/office/drawing/2014/main" id="{E5407E68-547D-40FB-ADFC-29225BCA97FB}"/>
               </a:ext>
             </a:extLst>
           </p:cNvPr>
@@ -5407,7 +5524,7 @@
           <p:cNvPr id="4" name="Espaço Reservado para Número de Slide 3">
             <a:extLst>
               <a:ext uri="{FF2B5EF4-FFF2-40B4-BE49-F238E27FC236}">
-                <a16:creationId xmlns="" xmlns:a16="http://schemas.microsoft.com/office/drawing/2014/main" id="{B251EF4B-4832-430A-9B53-231F361E70F5}"/>
+                <a16:creationId xmlns:a16="http://schemas.microsoft.com/office/drawing/2014/main" id="{B251EF4B-4832-430A-9B53-231F361E70F5}"/>
               </a:ext>
             </a:extLst>
           </p:cNvPr>
@@ -5437,7 +5554,7 @@
           <p:cNvPr id="6" name="CaixaDeTexto 5">
             <a:extLst>
               <a:ext uri="{FF2B5EF4-FFF2-40B4-BE49-F238E27FC236}">
-                <a16:creationId xmlns="" xmlns:a16="http://schemas.microsoft.com/office/drawing/2014/main" id="{51FA5D3E-0952-4ABF-9964-6524675A944A}"/>
+                <a16:creationId xmlns:a16="http://schemas.microsoft.com/office/drawing/2014/main" id="{51FA5D3E-0952-4ABF-9964-6524675A944A}"/>
               </a:ext>
             </a:extLst>
           </p:cNvPr>
@@ -5472,23 +5589,11 @@
               <a:rPr lang="pt-BR" dirty="0"/>
               <a:t>Este edital realiza o chamamento público de médicos intercambistas, da cooperação internacional, listados no Anexo II, que atendam aos requisitos do art. 23-A da Lei nº 12.871/2013, alterado pela Lei nº 13.958/2019, para reincorporação ao Projeto Mais Médicos por um prazo improrrogável de dois anos.</a:t>
             </a:r>
-            <a:r>
-              <a:rPr lang="pt-BR" b="0" dirty="0">
-                <a:effectLst/>
-              </a:rPr>
-              <a:t/>
-            </a:r>
             <a:br>
               <a:rPr lang="pt-BR" b="0" dirty="0">
                 <a:effectLst/>
               </a:rPr>
             </a:br>
-            <a:r>
-              <a:rPr lang="pt-BR" b="0" dirty="0">
-                <a:effectLst/>
-              </a:rPr>
-              <a:t/>
-            </a:r>
             <a:br>
               <a:rPr lang="pt-BR" b="0" dirty="0">
                 <a:effectLst/>
@@ -5503,7 +5608,7 @@
           <p:cNvPr id="9" name="CaixaDeTexto 8">
             <a:extLst>
               <a:ext uri="{FF2B5EF4-FFF2-40B4-BE49-F238E27FC236}">
-                <a16:creationId xmlns="" xmlns:a16="http://schemas.microsoft.com/office/drawing/2014/main" id="{A32DB5FD-E24E-4C04-851E-C1CA2DE45BC8}"/>
+                <a16:creationId xmlns:a16="http://schemas.microsoft.com/office/drawing/2014/main" id="{A32DB5FD-E24E-4C04-851E-C1CA2DE45BC8}"/>
               </a:ext>
             </a:extLst>
           </p:cNvPr>
@@ -5559,7 +5664,7 @@
           <p:cNvPr id="13" name="Imagem 12">
             <a:extLst>
               <a:ext uri="{FF2B5EF4-FFF2-40B4-BE49-F238E27FC236}">
-                <a16:creationId xmlns="" xmlns:a16="http://schemas.microsoft.com/office/drawing/2014/main" id="{7B31CF5A-89BB-410B-8F30-0E1B50BA401C}"/>
+                <a16:creationId xmlns:a16="http://schemas.microsoft.com/office/drawing/2014/main" id="{7B31CF5A-89BB-410B-8F30-0E1B50BA401C}"/>
               </a:ext>
             </a:extLst>
           </p:cNvPr>
@@ -5619,7 +5724,7 @@
           <p:cNvPr id="7" name="Retângulo 6">
             <a:extLst>
               <a:ext uri="{FF2B5EF4-FFF2-40B4-BE49-F238E27FC236}">
-                <a16:creationId xmlns="" xmlns:a16="http://schemas.microsoft.com/office/drawing/2014/main" id="{5E0F7497-D302-4F68-8123-03414F2C6833}"/>
+                <a16:creationId xmlns:a16="http://schemas.microsoft.com/office/drawing/2014/main" id="{5E0F7497-D302-4F68-8123-03414F2C6833}"/>
               </a:ext>
             </a:extLst>
           </p:cNvPr>
@@ -5671,7 +5776,7 @@
           <p:cNvPr id="2" name="Título 1">
             <a:extLst>
               <a:ext uri="{FF2B5EF4-FFF2-40B4-BE49-F238E27FC236}">
-                <a16:creationId xmlns="" xmlns:a16="http://schemas.microsoft.com/office/drawing/2014/main" id="{E5407E68-547D-40FB-ADFC-29225BCA97FB}"/>
+                <a16:creationId xmlns:a16="http://schemas.microsoft.com/office/drawing/2014/main" id="{E5407E68-547D-40FB-ADFC-29225BCA97FB}"/>
               </a:ext>
             </a:extLst>
           </p:cNvPr>
@@ -5705,7 +5810,7 @@
           <p:cNvPr id="4" name="Espaço Reservado para Número de Slide 3">
             <a:extLst>
               <a:ext uri="{FF2B5EF4-FFF2-40B4-BE49-F238E27FC236}">
-                <a16:creationId xmlns="" xmlns:a16="http://schemas.microsoft.com/office/drawing/2014/main" id="{B251EF4B-4832-430A-9B53-231F361E70F5}"/>
+                <a16:creationId xmlns:a16="http://schemas.microsoft.com/office/drawing/2014/main" id="{B251EF4B-4832-430A-9B53-231F361E70F5}"/>
               </a:ext>
             </a:extLst>
           </p:cNvPr>
@@ -5735,7 +5840,7 @@
           <p:cNvPr id="9" name="CaixaDeTexto 8">
             <a:extLst>
               <a:ext uri="{FF2B5EF4-FFF2-40B4-BE49-F238E27FC236}">
-                <a16:creationId xmlns="" xmlns:a16="http://schemas.microsoft.com/office/drawing/2014/main" id="{A32DB5FD-E24E-4C04-851E-C1CA2DE45BC8}"/>
+                <a16:creationId xmlns:a16="http://schemas.microsoft.com/office/drawing/2014/main" id="{A32DB5FD-E24E-4C04-851E-C1CA2DE45BC8}"/>
               </a:ext>
             </a:extLst>
           </p:cNvPr>
@@ -5791,7 +5896,7 @@
           <p:cNvPr id="8" name="CaixaDeTexto 7">
             <a:extLst>
               <a:ext uri="{FF2B5EF4-FFF2-40B4-BE49-F238E27FC236}">
-                <a16:creationId xmlns="" xmlns:a16="http://schemas.microsoft.com/office/drawing/2014/main" id="{1AC60388-FB46-49D4-B159-D5CCE911D9FB}"/>
+                <a16:creationId xmlns:a16="http://schemas.microsoft.com/office/drawing/2014/main" id="{1AC60388-FB46-49D4-B159-D5CCE911D9FB}"/>
               </a:ext>
             </a:extLst>
           </p:cNvPr>
@@ -5826,23 +5931,11 @@
               <a:rPr lang="pt-BR" sz="2400" dirty="0"/>
               <a:t>Critérios de desempate</a:t>
             </a:r>
-            <a:r>
-              <a:rPr lang="pt-BR" sz="2400" b="0" dirty="0">
-                <a:effectLst/>
-              </a:rPr>
-              <a:t/>
-            </a:r>
             <a:br>
               <a:rPr lang="pt-BR" sz="2400" b="0" dirty="0">
                 <a:effectLst/>
               </a:rPr>
             </a:br>
-            <a:r>
-              <a:rPr lang="pt-BR" sz="2400" b="0" dirty="0">
-                <a:effectLst/>
-              </a:rPr>
-              <a:t/>
-            </a:r>
             <a:br>
               <a:rPr lang="pt-BR" sz="2400" b="0" dirty="0">
                 <a:effectLst/>
@@ -5857,7 +5950,7 @@
           <p:cNvPr id="10" name="Conector reto 9">
             <a:extLst>
               <a:ext uri="{FF2B5EF4-FFF2-40B4-BE49-F238E27FC236}">
-                <a16:creationId xmlns="" xmlns:a16="http://schemas.microsoft.com/office/drawing/2014/main" id="{878DEA95-2B8A-4B00-A51D-62C3A2292DF4}"/>
+                <a16:creationId xmlns:a16="http://schemas.microsoft.com/office/drawing/2014/main" id="{878DEA95-2B8A-4B00-A51D-62C3A2292DF4}"/>
               </a:ext>
             </a:extLst>
           </p:cNvPr>
@@ -5898,7 +5991,7 @@
           <p:cNvPr id="11" name="Conector reto 10">
             <a:extLst>
               <a:ext uri="{FF2B5EF4-FFF2-40B4-BE49-F238E27FC236}">
-                <a16:creationId xmlns="" xmlns:a16="http://schemas.microsoft.com/office/drawing/2014/main" id="{E28299DE-D7B7-49CF-91C7-668002789FEF}"/>
+                <a16:creationId xmlns:a16="http://schemas.microsoft.com/office/drawing/2014/main" id="{E28299DE-D7B7-49CF-91C7-668002789FEF}"/>
               </a:ext>
             </a:extLst>
           </p:cNvPr>
@@ -5939,7 +6032,7 @@
           <p:cNvPr id="12" name="Imagem 11">
             <a:extLst>
               <a:ext uri="{FF2B5EF4-FFF2-40B4-BE49-F238E27FC236}">
-                <a16:creationId xmlns="" xmlns:a16="http://schemas.microsoft.com/office/drawing/2014/main" id="{3B0FE0C9-59A4-47C6-B6CB-660FF30E2123}"/>
+                <a16:creationId xmlns:a16="http://schemas.microsoft.com/office/drawing/2014/main" id="{3B0FE0C9-59A4-47C6-B6CB-660FF30E2123}"/>
               </a:ext>
             </a:extLst>
           </p:cNvPr>
@@ -6004,7 +6097,7 @@
           <p:cNvPr id="2" name="Título 1">
             <a:extLst>
               <a:ext uri="{FF2B5EF4-FFF2-40B4-BE49-F238E27FC236}">
-                <a16:creationId xmlns="" xmlns:a16="http://schemas.microsoft.com/office/drawing/2014/main" id="{E5407E68-547D-40FB-ADFC-29225BCA97FB}"/>
+                <a16:creationId xmlns:a16="http://schemas.microsoft.com/office/drawing/2014/main" id="{E5407E68-547D-40FB-ADFC-29225BCA97FB}"/>
               </a:ext>
             </a:extLst>
           </p:cNvPr>
@@ -6038,7 +6131,7 @@
           <p:cNvPr id="4" name="Espaço Reservado para Número de Slide 3">
             <a:extLst>
               <a:ext uri="{FF2B5EF4-FFF2-40B4-BE49-F238E27FC236}">
-                <a16:creationId xmlns="" xmlns:a16="http://schemas.microsoft.com/office/drawing/2014/main" id="{B251EF4B-4832-430A-9B53-231F361E70F5}"/>
+                <a16:creationId xmlns:a16="http://schemas.microsoft.com/office/drawing/2014/main" id="{B251EF4B-4832-430A-9B53-231F361E70F5}"/>
               </a:ext>
             </a:extLst>
           </p:cNvPr>
@@ -6068,7 +6161,7 @@
           <p:cNvPr id="6" name="CaixaDeTexto 5">
             <a:extLst>
               <a:ext uri="{FF2B5EF4-FFF2-40B4-BE49-F238E27FC236}">
-                <a16:creationId xmlns="" xmlns:a16="http://schemas.microsoft.com/office/drawing/2014/main" id="{51FA5D3E-0952-4ABF-9964-6524675A944A}"/>
+                <a16:creationId xmlns:a16="http://schemas.microsoft.com/office/drawing/2014/main" id="{51FA5D3E-0952-4ABF-9964-6524675A944A}"/>
               </a:ext>
             </a:extLst>
           </p:cNvPr>
@@ -6103,23 +6196,11 @@
               <a:rPr lang="pt-BR" sz="2800" dirty="0"/>
               <a:t>Classificação das localidades</a:t>
             </a:r>
-            <a:r>
-              <a:rPr lang="pt-BR" sz="2800" b="0" dirty="0">
-                <a:effectLst/>
-              </a:rPr>
-              <a:t/>
-            </a:r>
             <a:br>
               <a:rPr lang="pt-BR" sz="2800" b="0" dirty="0">
                 <a:effectLst/>
               </a:rPr>
             </a:br>
-            <a:r>
-              <a:rPr lang="pt-BR" sz="2800" b="0" dirty="0">
-                <a:effectLst/>
-              </a:rPr>
-              <a:t/>
-            </a:r>
             <a:br>
               <a:rPr lang="pt-BR" sz="2800" b="0" dirty="0">
                 <a:effectLst/>
@@ -6134,7 +6215,7 @@
           <p:cNvPr id="5" name="Imagem 4">
             <a:extLst>
               <a:ext uri="{FF2B5EF4-FFF2-40B4-BE49-F238E27FC236}">
-                <a16:creationId xmlns="" xmlns:a16="http://schemas.microsoft.com/office/drawing/2014/main" id="{467BE022-C1FE-4C97-AACA-74B47374DE06}"/>
+                <a16:creationId xmlns:a16="http://schemas.microsoft.com/office/drawing/2014/main" id="{467BE022-C1FE-4C97-AACA-74B47374DE06}"/>
               </a:ext>
             </a:extLst>
           </p:cNvPr>
@@ -6164,7 +6245,7 @@
           <p:cNvPr id="8" name="Imagem 7">
             <a:extLst>
               <a:ext uri="{FF2B5EF4-FFF2-40B4-BE49-F238E27FC236}">
-                <a16:creationId xmlns="" xmlns:a16="http://schemas.microsoft.com/office/drawing/2014/main" id="{729167F8-24DE-4DA1-AC5B-B48CC02C5DBD}"/>
+                <a16:creationId xmlns:a16="http://schemas.microsoft.com/office/drawing/2014/main" id="{729167F8-24DE-4DA1-AC5B-B48CC02C5DBD}"/>
               </a:ext>
             </a:extLst>
           </p:cNvPr>
@@ -6194,7 +6275,7 @@
           <p:cNvPr id="13" name="CaixaDeTexto 12">
             <a:extLst>
               <a:ext uri="{FF2B5EF4-FFF2-40B4-BE49-F238E27FC236}">
-                <a16:creationId xmlns="" xmlns:a16="http://schemas.microsoft.com/office/drawing/2014/main" id="{9C3FC4C1-BBE1-40EB-BB49-C266511B5D4F}"/>
+                <a16:creationId xmlns:a16="http://schemas.microsoft.com/office/drawing/2014/main" id="{9C3FC4C1-BBE1-40EB-BB49-C266511B5D4F}"/>
               </a:ext>
             </a:extLst>
           </p:cNvPr>
@@ -6233,7 +6314,7 @@
           <p:cNvPr id="15" name="Imagem 14">
             <a:extLst>
               <a:ext uri="{FF2B5EF4-FFF2-40B4-BE49-F238E27FC236}">
-                <a16:creationId xmlns="" xmlns:a16="http://schemas.microsoft.com/office/drawing/2014/main" id="{E5C5197A-7EE6-4B81-B23E-689160BB1836}"/>
+                <a16:creationId xmlns:a16="http://schemas.microsoft.com/office/drawing/2014/main" id="{E5C5197A-7EE6-4B81-B23E-689160BB1836}"/>
               </a:ext>
             </a:extLst>
           </p:cNvPr>
@@ -6263,7 +6344,7 @@
           <p:cNvPr id="9" name="Conector reto 8">
             <a:extLst>
               <a:ext uri="{FF2B5EF4-FFF2-40B4-BE49-F238E27FC236}">
-                <a16:creationId xmlns="" xmlns:a16="http://schemas.microsoft.com/office/drawing/2014/main" id="{0C5F8B4B-E280-4140-838E-B39EB5F7609A}"/>
+                <a16:creationId xmlns:a16="http://schemas.microsoft.com/office/drawing/2014/main" id="{0C5F8B4B-E280-4140-838E-B39EB5F7609A}"/>
               </a:ext>
             </a:extLst>
           </p:cNvPr>
@@ -6306,7 +6387,7 @@
           <p:cNvPr id="10" name="Conector reto 9">
             <a:extLst>
               <a:ext uri="{FF2B5EF4-FFF2-40B4-BE49-F238E27FC236}">
-                <a16:creationId xmlns="" xmlns:a16="http://schemas.microsoft.com/office/drawing/2014/main" id="{93CB148D-F7D0-4670-A07F-77B4494B35B4}"/>
+                <a16:creationId xmlns:a16="http://schemas.microsoft.com/office/drawing/2014/main" id="{93CB148D-F7D0-4670-A07F-77B4494B35B4}"/>
               </a:ext>
             </a:extLst>
           </p:cNvPr>
@@ -6379,7 +6460,7 @@
           <p:cNvPr id="7" name="Retângulo 6">
             <a:extLst>
               <a:ext uri="{FF2B5EF4-FFF2-40B4-BE49-F238E27FC236}">
-                <a16:creationId xmlns="" xmlns:a16="http://schemas.microsoft.com/office/drawing/2014/main" id="{5E0F7497-D302-4F68-8123-03414F2C6833}"/>
+                <a16:creationId xmlns:a16="http://schemas.microsoft.com/office/drawing/2014/main" id="{5E0F7497-D302-4F68-8123-03414F2C6833}"/>
               </a:ext>
             </a:extLst>
           </p:cNvPr>
@@ -6431,7 +6512,7 @@
           <p:cNvPr id="2" name="Título 1">
             <a:extLst>
               <a:ext uri="{FF2B5EF4-FFF2-40B4-BE49-F238E27FC236}">
-                <a16:creationId xmlns="" xmlns:a16="http://schemas.microsoft.com/office/drawing/2014/main" id="{E5407E68-547D-40FB-ADFC-29225BCA97FB}"/>
+                <a16:creationId xmlns:a16="http://schemas.microsoft.com/office/drawing/2014/main" id="{E5407E68-547D-40FB-ADFC-29225BCA97FB}"/>
               </a:ext>
             </a:extLst>
           </p:cNvPr>
@@ -6465,7 +6546,7 @@
           <p:cNvPr id="4" name="Espaço Reservado para Número de Slide 3">
             <a:extLst>
               <a:ext uri="{FF2B5EF4-FFF2-40B4-BE49-F238E27FC236}">
-                <a16:creationId xmlns="" xmlns:a16="http://schemas.microsoft.com/office/drawing/2014/main" id="{B251EF4B-4832-430A-9B53-231F361E70F5}"/>
+                <a16:creationId xmlns:a16="http://schemas.microsoft.com/office/drawing/2014/main" id="{B251EF4B-4832-430A-9B53-231F361E70F5}"/>
               </a:ext>
             </a:extLst>
           </p:cNvPr>
@@ -6495,7 +6576,7 @@
           <p:cNvPr id="6" name="CaixaDeTexto 5">
             <a:extLst>
               <a:ext uri="{FF2B5EF4-FFF2-40B4-BE49-F238E27FC236}">
-                <a16:creationId xmlns="" xmlns:a16="http://schemas.microsoft.com/office/drawing/2014/main" id="{51FA5D3E-0952-4ABF-9964-6524675A944A}"/>
+                <a16:creationId xmlns:a16="http://schemas.microsoft.com/office/drawing/2014/main" id="{51FA5D3E-0952-4ABF-9964-6524675A944A}"/>
               </a:ext>
             </a:extLst>
           </p:cNvPr>
@@ -6537,12 +6618,6 @@
                 <a:effectLst/>
               </a:rPr>
             </a:br>
-            <a:r>
-              <a:rPr lang="pt-BR" sz="2400" b="0" dirty="0">
-                <a:effectLst/>
-              </a:rPr>
-              <a:t/>
-            </a:r>
             <a:br>
               <a:rPr lang="pt-BR" sz="2400" b="0" dirty="0">
                 <a:effectLst/>
@@ -6557,7 +6632,7 @@
           <p:cNvPr id="9" name="CaixaDeTexto 8">
             <a:extLst>
               <a:ext uri="{FF2B5EF4-FFF2-40B4-BE49-F238E27FC236}">
-                <a16:creationId xmlns="" xmlns:a16="http://schemas.microsoft.com/office/drawing/2014/main" id="{A32DB5FD-E24E-4C04-851E-C1CA2DE45BC8}"/>
+                <a16:creationId xmlns:a16="http://schemas.microsoft.com/office/drawing/2014/main" id="{A32DB5FD-E24E-4C04-851E-C1CA2DE45BC8}"/>
               </a:ext>
             </a:extLst>
           </p:cNvPr>
@@ -6623,7 +6698,7 @@
           <p:cNvPr id="8" name="Conector reto 7">
             <a:extLst>
               <a:ext uri="{FF2B5EF4-FFF2-40B4-BE49-F238E27FC236}">
-                <a16:creationId xmlns="" xmlns:a16="http://schemas.microsoft.com/office/drawing/2014/main" id="{9885DA61-CAA6-41FC-9114-4B7DC6186EE6}"/>
+                <a16:creationId xmlns:a16="http://schemas.microsoft.com/office/drawing/2014/main" id="{9885DA61-CAA6-41FC-9114-4B7DC6186EE6}"/>
               </a:ext>
             </a:extLst>
           </p:cNvPr>
@@ -6666,7 +6741,7 @@
           <p:cNvPr id="10" name="Conector reto 9">
             <a:extLst>
               <a:ext uri="{FF2B5EF4-FFF2-40B4-BE49-F238E27FC236}">
-                <a16:creationId xmlns="" xmlns:a16="http://schemas.microsoft.com/office/drawing/2014/main" id="{071EE150-6B18-471E-A02B-E6D14947807B}"/>
+                <a16:creationId xmlns:a16="http://schemas.microsoft.com/office/drawing/2014/main" id="{071EE150-6B18-471E-A02B-E6D14947807B}"/>
               </a:ext>
             </a:extLst>
           </p:cNvPr>
@@ -6739,7 +6814,7 @@
           <p:cNvPr id="2" name="Título 1">
             <a:extLst>
               <a:ext uri="{FF2B5EF4-FFF2-40B4-BE49-F238E27FC236}">
-                <a16:creationId xmlns="" xmlns:a16="http://schemas.microsoft.com/office/drawing/2014/main" id="{E5407E68-547D-40FB-ADFC-29225BCA97FB}"/>
+                <a16:creationId xmlns:a16="http://schemas.microsoft.com/office/drawing/2014/main" id="{E5407E68-547D-40FB-ADFC-29225BCA97FB}"/>
               </a:ext>
             </a:extLst>
           </p:cNvPr>
@@ -6773,7 +6848,7 @@
           <p:cNvPr id="4" name="Espaço Reservado para Número de Slide 3">
             <a:extLst>
               <a:ext uri="{FF2B5EF4-FFF2-40B4-BE49-F238E27FC236}">
-                <a16:creationId xmlns="" xmlns:a16="http://schemas.microsoft.com/office/drawing/2014/main" id="{B251EF4B-4832-430A-9B53-231F361E70F5}"/>
+                <a16:creationId xmlns:a16="http://schemas.microsoft.com/office/drawing/2014/main" id="{B251EF4B-4832-430A-9B53-231F361E70F5}"/>
               </a:ext>
             </a:extLst>
           </p:cNvPr>
@@ -6803,7 +6878,7 @@
           <p:cNvPr id="6" name="CaixaDeTexto 5">
             <a:extLst>
               <a:ext uri="{FF2B5EF4-FFF2-40B4-BE49-F238E27FC236}">
-                <a16:creationId xmlns="" xmlns:a16="http://schemas.microsoft.com/office/drawing/2014/main" id="{51FA5D3E-0952-4ABF-9964-6524675A944A}"/>
+                <a16:creationId xmlns:a16="http://schemas.microsoft.com/office/drawing/2014/main" id="{51FA5D3E-0952-4ABF-9964-6524675A944A}"/>
               </a:ext>
             </a:extLst>
           </p:cNvPr>
@@ -6813,7 +6888,7 @@
         <p:spPr>
           <a:xfrm>
             <a:off x="850898" y="1232549"/>
-            <a:ext cx="10490199" cy="1477328"/>
+            <a:ext cx="10490199" cy="1754326"/>
           </a:xfrm>
           <a:prstGeom prst="rect">
             <a:avLst/>
@@ -6838,23 +6913,27 @@
               <a:rPr lang="pt-BR" dirty="0"/>
               <a:t>Este Edital tem por objeto realizar o chamamento público de médicos formados em instituições de educação superior brasileiras ou com diploma revalidado no Brasil, nos termos do art. 13, §1º, inciso I da Lei nº 12.871/2013, para adesão ao Projeto Mais Médicos para o Brasil, nos termos estabelecidos no presente Edital.</a:t>
             </a:r>
+          </a:p>
+          <a:p>
+            <a:pPr algn="ctr" rtl="0">
+              <a:spcBef>
+                <a:spcPts val="0"/>
+              </a:spcBef>
+              <a:spcAft>
+                <a:spcPts val="0"/>
+              </a:spcAft>
+            </a:pPr>
             <a:r>
               <a:rPr lang="pt-BR" b="0" dirty="0">
                 <a:effectLst/>
               </a:rPr>
-              <a:t/>
+              <a:t>Vigência de um ano</a:t>
             </a:r>
             <a:br>
               <a:rPr lang="pt-BR" b="0" dirty="0">
                 <a:effectLst/>
               </a:rPr>
             </a:br>
-            <a:r>
-              <a:rPr lang="pt-BR" b="0" dirty="0">
-                <a:effectLst/>
-              </a:rPr>
-              <a:t/>
-            </a:r>
             <a:br>
               <a:rPr lang="pt-BR" b="0" dirty="0">
                 <a:effectLst/>
@@ -6869,7 +6948,7 @@
           <p:cNvPr id="5" name="Imagem 4">
             <a:extLst>
               <a:ext uri="{FF2B5EF4-FFF2-40B4-BE49-F238E27FC236}">
-                <a16:creationId xmlns="" xmlns:a16="http://schemas.microsoft.com/office/drawing/2014/main" id="{BF277FD9-7616-495D-8D2A-0A7207C63ABC}"/>
+                <a16:creationId xmlns:a16="http://schemas.microsoft.com/office/drawing/2014/main" id="{BF277FD9-7616-495D-8D2A-0A7207C63ABC}"/>
               </a:ext>
             </a:extLst>
           </p:cNvPr>
@@ -6899,7 +6978,7 @@
         </p:blipFill>
         <p:spPr>
           <a:xfrm>
-            <a:off x="2718240" y="2408644"/>
+            <a:off x="2718240" y="2558111"/>
             <a:ext cx="6898393" cy="2196029"/>
           </a:xfrm>
           <a:prstGeom prst="rect">
@@ -6912,7 +6991,7 @@
           <p:cNvPr id="10" name="Imagem 9">
             <a:extLst>
               <a:ext uri="{FF2B5EF4-FFF2-40B4-BE49-F238E27FC236}">
-                <a16:creationId xmlns="" xmlns:a16="http://schemas.microsoft.com/office/drawing/2014/main" id="{6409CD67-C6D4-4B5A-B708-68E3228A4FD4}"/>
+                <a16:creationId xmlns:a16="http://schemas.microsoft.com/office/drawing/2014/main" id="{6409CD67-C6D4-4B5A-B708-68E3228A4FD4}"/>
               </a:ext>
             </a:extLst>
           </p:cNvPr>
@@ -6934,8 +7013,8 @@
         </p:blipFill>
         <p:spPr>
           <a:xfrm>
-            <a:off x="5135034" y="4716283"/>
-            <a:ext cx="1921932" cy="1549456"/>
+            <a:off x="5234517" y="4930926"/>
+            <a:ext cx="1722966" cy="1389050"/>
           </a:xfrm>
           <a:prstGeom prst="rect">
             <a:avLst/>
@@ -6947,7 +7026,7 @@
           <p:cNvPr id="8" name="Retângulo 7">
             <a:extLst>
               <a:ext uri="{FF2B5EF4-FFF2-40B4-BE49-F238E27FC236}">
-                <a16:creationId xmlns="" xmlns:a16="http://schemas.microsoft.com/office/drawing/2014/main" id="{F1FAE7BE-5E1D-4CF6-9FDC-F48C03E19584}"/>
+                <a16:creationId xmlns:a16="http://schemas.microsoft.com/office/drawing/2014/main" id="{F1FAE7BE-5E1D-4CF6-9FDC-F48C03E19584}"/>
               </a:ext>
             </a:extLst>
           </p:cNvPr>
@@ -6956,8 +7035,8 @@
         </p:nvSpPr>
         <p:spPr>
           <a:xfrm>
-            <a:off x="850898" y="1232549"/>
-            <a:ext cx="10579102" cy="985718"/>
+            <a:off x="850898" y="1232548"/>
+            <a:ext cx="10579102" cy="1176095"/>
           </a:xfrm>
           <a:prstGeom prst="rect">
             <a:avLst/>
@@ -7029,7 +7108,7 @@
           <p:cNvPr id="7" name="Retângulo 6">
             <a:extLst>
               <a:ext uri="{FF2B5EF4-FFF2-40B4-BE49-F238E27FC236}">
-                <a16:creationId xmlns="" xmlns:a16="http://schemas.microsoft.com/office/drawing/2014/main" id="{5E0F7497-D302-4F68-8123-03414F2C6833}"/>
+                <a16:creationId xmlns:a16="http://schemas.microsoft.com/office/drawing/2014/main" id="{5E0F7497-D302-4F68-8123-03414F2C6833}"/>
               </a:ext>
             </a:extLst>
           </p:cNvPr>
@@ -7081,7 +7160,7 @@
           <p:cNvPr id="2" name="Título 1">
             <a:extLst>
               <a:ext uri="{FF2B5EF4-FFF2-40B4-BE49-F238E27FC236}">
-                <a16:creationId xmlns="" xmlns:a16="http://schemas.microsoft.com/office/drawing/2014/main" id="{E5407E68-547D-40FB-ADFC-29225BCA97FB}"/>
+                <a16:creationId xmlns:a16="http://schemas.microsoft.com/office/drawing/2014/main" id="{E5407E68-547D-40FB-ADFC-29225BCA97FB}"/>
               </a:ext>
             </a:extLst>
           </p:cNvPr>
@@ -7115,7 +7194,7 @@
           <p:cNvPr id="4" name="Espaço Reservado para Número de Slide 3">
             <a:extLst>
               <a:ext uri="{FF2B5EF4-FFF2-40B4-BE49-F238E27FC236}">
-                <a16:creationId xmlns="" xmlns:a16="http://schemas.microsoft.com/office/drawing/2014/main" id="{B251EF4B-4832-430A-9B53-231F361E70F5}"/>
+                <a16:creationId xmlns:a16="http://schemas.microsoft.com/office/drawing/2014/main" id="{B251EF4B-4832-430A-9B53-231F361E70F5}"/>
               </a:ext>
             </a:extLst>
           </p:cNvPr>
@@ -7145,7 +7224,7 @@
           <p:cNvPr id="6" name="CaixaDeTexto 5">
             <a:extLst>
               <a:ext uri="{FF2B5EF4-FFF2-40B4-BE49-F238E27FC236}">
-                <a16:creationId xmlns="" xmlns:a16="http://schemas.microsoft.com/office/drawing/2014/main" id="{51FA5D3E-0952-4ABF-9964-6524675A944A}"/>
+                <a16:creationId xmlns:a16="http://schemas.microsoft.com/office/drawing/2014/main" id="{51FA5D3E-0952-4ABF-9964-6524675A944A}"/>
               </a:ext>
             </a:extLst>
           </p:cNvPr>
@@ -7180,23 +7259,11 @@
               <a:rPr lang="pt-BR" sz="2400" dirty="0"/>
               <a:t>Critérios de desempate</a:t>
             </a:r>
-            <a:r>
-              <a:rPr lang="pt-BR" sz="2400" b="0" dirty="0">
-                <a:effectLst/>
-              </a:rPr>
-              <a:t/>
-            </a:r>
             <a:br>
               <a:rPr lang="pt-BR" sz="2400" b="0" dirty="0">
                 <a:effectLst/>
               </a:rPr>
             </a:br>
-            <a:r>
-              <a:rPr lang="pt-BR" sz="2400" b="0" dirty="0">
-                <a:effectLst/>
-              </a:rPr>
-              <a:t/>
-            </a:r>
             <a:br>
               <a:rPr lang="pt-BR" sz="2400" b="0" dirty="0">
                 <a:effectLst/>
@@ -7211,7 +7278,7 @@
           <p:cNvPr id="9" name="CaixaDeTexto 8">
             <a:extLst>
               <a:ext uri="{FF2B5EF4-FFF2-40B4-BE49-F238E27FC236}">
-                <a16:creationId xmlns="" xmlns:a16="http://schemas.microsoft.com/office/drawing/2014/main" id="{A32DB5FD-E24E-4C04-851E-C1CA2DE45BC8}"/>
+                <a16:creationId xmlns:a16="http://schemas.microsoft.com/office/drawing/2014/main" id="{A32DB5FD-E24E-4C04-851E-C1CA2DE45BC8}"/>
               </a:ext>
             </a:extLst>
           </p:cNvPr>
@@ -7284,7 +7351,7 @@
           <p:cNvPr id="5" name="Imagem 4">
             <a:extLst>
               <a:ext uri="{FF2B5EF4-FFF2-40B4-BE49-F238E27FC236}">
-                <a16:creationId xmlns="" xmlns:a16="http://schemas.microsoft.com/office/drawing/2014/main" id="{F259DF46-C33C-4A19-A269-1A37F1A956EE}"/>
+                <a16:creationId xmlns:a16="http://schemas.microsoft.com/office/drawing/2014/main" id="{F259DF46-C33C-4A19-A269-1A37F1A956EE}"/>
               </a:ext>
             </a:extLst>
           </p:cNvPr>
@@ -7319,7 +7386,7 @@
           <p:cNvPr id="10" name="Conector reto 9">
             <a:extLst>
               <a:ext uri="{FF2B5EF4-FFF2-40B4-BE49-F238E27FC236}">
-                <a16:creationId xmlns="" xmlns:a16="http://schemas.microsoft.com/office/drawing/2014/main" id="{863ED132-1CFD-4B6E-9EC7-E7A9D8A31099}"/>
+                <a16:creationId xmlns:a16="http://schemas.microsoft.com/office/drawing/2014/main" id="{863ED132-1CFD-4B6E-9EC7-E7A9D8A31099}"/>
               </a:ext>
             </a:extLst>
           </p:cNvPr>
@@ -7360,7 +7427,7 @@
           <p:cNvPr id="14" name="Conector reto 13">
             <a:extLst>
               <a:ext uri="{FF2B5EF4-FFF2-40B4-BE49-F238E27FC236}">
-                <a16:creationId xmlns="" xmlns:a16="http://schemas.microsoft.com/office/drawing/2014/main" id="{7080E6B4-42C5-4D2F-88E5-5F25701B64F7}"/>
+                <a16:creationId xmlns:a16="http://schemas.microsoft.com/office/drawing/2014/main" id="{7080E6B4-42C5-4D2F-88E5-5F25701B64F7}"/>
               </a:ext>
             </a:extLst>
           </p:cNvPr>
@@ -7431,7 +7498,7 @@
           <p:cNvPr id="2" name="Título 1">
             <a:extLst>
               <a:ext uri="{FF2B5EF4-FFF2-40B4-BE49-F238E27FC236}">
-                <a16:creationId xmlns="" xmlns:a16="http://schemas.microsoft.com/office/drawing/2014/main" id="{E5407E68-547D-40FB-ADFC-29225BCA97FB}"/>
+                <a16:creationId xmlns:a16="http://schemas.microsoft.com/office/drawing/2014/main" id="{E5407E68-547D-40FB-ADFC-29225BCA97FB}"/>
               </a:ext>
             </a:extLst>
           </p:cNvPr>
@@ -7465,7 +7532,7 @@
           <p:cNvPr id="4" name="Espaço Reservado para Número de Slide 3">
             <a:extLst>
               <a:ext uri="{FF2B5EF4-FFF2-40B4-BE49-F238E27FC236}">
-                <a16:creationId xmlns="" xmlns:a16="http://schemas.microsoft.com/office/drawing/2014/main" id="{B251EF4B-4832-430A-9B53-231F361E70F5}"/>
+                <a16:creationId xmlns:a16="http://schemas.microsoft.com/office/drawing/2014/main" id="{B251EF4B-4832-430A-9B53-231F361E70F5}"/>
               </a:ext>
             </a:extLst>
           </p:cNvPr>
@@ -7495,7 +7562,7 @@
           <p:cNvPr id="7" name="CaixaDeTexto 6">
             <a:extLst>
               <a:ext uri="{FF2B5EF4-FFF2-40B4-BE49-F238E27FC236}">
-                <a16:creationId xmlns="" xmlns:a16="http://schemas.microsoft.com/office/drawing/2014/main" id="{875E6116-A1D4-4C06-8451-B1ED7DE07F79}"/>
+                <a16:creationId xmlns:a16="http://schemas.microsoft.com/office/drawing/2014/main" id="{875E6116-A1D4-4C06-8451-B1ED7DE07F79}"/>
               </a:ext>
             </a:extLst>
           </p:cNvPr>
@@ -7536,12 +7603,6 @@
               </a:rPr>
               <a:t>“Retomada” do Programa Mais Médicos para o Brasil.</a:t>
             </a:r>
-            <a:r>
-              <a:rPr lang="pt-BR" b="0" dirty="0">
-                <a:effectLst/>
-              </a:rPr>
-              <a:t/>
-            </a:r>
             <a:br>
               <a:rPr lang="pt-BR" b="0" dirty="0">
                 <a:effectLst/>
@@ -7556,7 +7617,7 @@
           <p:cNvPr id="10" name="Conector reto 9">
             <a:extLst>
               <a:ext uri="{FF2B5EF4-FFF2-40B4-BE49-F238E27FC236}">
-                <a16:creationId xmlns="" xmlns:a16="http://schemas.microsoft.com/office/drawing/2014/main" id="{500C1D4A-6CA1-4918-9D0C-A6C7752B7263}"/>
+                <a16:creationId xmlns:a16="http://schemas.microsoft.com/office/drawing/2014/main" id="{500C1D4A-6CA1-4918-9D0C-A6C7752B7263}"/>
               </a:ext>
             </a:extLst>
           </p:cNvPr>
@@ -7597,7 +7658,7 @@
           <p:cNvPr id="14" name="Conector reto 13">
             <a:extLst>
               <a:ext uri="{FF2B5EF4-FFF2-40B4-BE49-F238E27FC236}">
-                <a16:creationId xmlns="" xmlns:a16="http://schemas.microsoft.com/office/drawing/2014/main" id="{CAF07FCD-2206-4ECE-87FD-E01D375737E0}"/>
+                <a16:creationId xmlns:a16="http://schemas.microsoft.com/office/drawing/2014/main" id="{CAF07FCD-2206-4ECE-87FD-E01D375737E0}"/>
               </a:ext>
             </a:extLst>
           </p:cNvPr>
@@ -7638,7 +7699,7 @@
           <p:cNvPr id="6" name="Imagem 5">
             <a:extLst>
               <a:ext uri="{FF2B5EF4-FFF2-40B4-BE49-F238E27FC236}">
-                <a16:creationId xmlns="" xmlns:a16="http://schemas.microsoft.com/office/drawing/2014/main" id="{7196FE7D-F35C-4E73-8AD8-6AFBE10F21C9}"/>
+                <a16:creationId xmlns:a16="http://schemas.microsoft.com/office/drawing/2014/main" id="{7196FE7D-F35C-4E73-8AD8-6AFBE10F21C9}"/>
               </a:ext>
             </a:extLst>
           </p:cNvPr>
@@ -7674,7 +7735,7 @@
           <p:cNvPr id="11" name="CaixaDeTexto 10">
             <a:extLst>
               <a:ext uri="{FF2B5EF4-FFF2-40B4-BE49-F238E27FC236}">
-                <a16:creationId xmlns="" xmlns:a16="http://schemas.microsoft.com/office/drawing/2014/main" id="{08EADC39-F10A-4669-8C70-79A7D56B594B}"/>
+                <a16:creationId xmlns:a16="http://schemas.microsoft.com/office/drawing/2014/main" id="{08EADC39-F10A-4669-8C70-79A7D56B594B}"/>
               </a:ext>
             </a:extLst>
           </p:cNvPr>
@@ -7776,7 +7837,7 @@
           <p:cNvPr id="7" name="Retângulo 6">
             <a:extLst>
               <a:ext uri="{FF2B5EF4-FFF2-40B4-BE49-F238E27FC236}">
-                <a16:creationId xmlns="" xmlns:a16="http://schemas.microsoft.com/office/drawing/2014/main" id="{5E0F7497-D302-4F68-8123-03414F2C6833}"/>
+                <a16:creationId xmlns:a16="http://schemas.microsoft.com/office/drawing/2014/main" id="{5E0F7497-D302-4F68-8123-03414F2C6833}"/>
               </a:ext>
             </a:extLst>
           </p:cNvPr>
@@ -7828,7 +7889,7 @@
           <p:cNvPr id="2" name="Título 1">
             <a:extLst>
               <a:ext uri="{FF2B5EF4-FFF2-40B4-BE49-F238E27FC236}">
-                <a16:creationId xmlns="" xmlns:a16="http://schemas.microsoft.com/office/drawing/2014/main" id="{E5407E68-547D-40FB-ADFC-29225BCA97FB}"/>
+                <a16:creationId xmlns:a16="http://schemas.microsoft.com/office/drawing/2014/main" id="{E5407E68-547D-40FB-ADFC-29225BCA97FB}"/>
               </a:ext>
             </a:extLst>
           </p:cNvPr>
@@ -7862,7 +7923,7 @@
           <p:cNvPr id="4" name="Espaço Reservado para Número de Slide 3">
             <a:extLst>
               <a:ext uri="{FF2B5EF4-FFF2-40B4-BE49-F238E27FC236}">
-                <a16:creationId xmlns="" xmlns:a16="http://schemas.microsoft.com/office/drawing/2014/main" id="{B251EF4B-4832-430A-9B53-231F361E70F5}"/>
+                <a16:creationId xmlns:a16="http://schemas.microsoft.com/office/drawing/2014/main" id="{B251EF4B-4832-430A-9B53-231F361E70F5}"/>
               </a:ext>
             </a:extLst>
           </p:cNvPr>
@@ -7892,7 +7953,7 @@
           <p:cNvPr id="9" name="CaixaDeTexto 8">
             <a:extLst>
               <a:ext uri="{FF2B5EF4-FFF2-40B4-BE49-F238E27FC236}">
-                <a16:creationId xmlns="" xmlns:a16="http://schemas.microsoft.com/office/drawing/2014/main" id="{A32DB5FD-E24E-4C04-851E-C1CA2DE45BC8}"/>
+                <a16:creationId xmlns:a16="http://schemas.microsoft.com/office/drawing/2014/main" id="{A32DB5FD-E24E-4C04-851E-C1CA2DE45BC8}"/>
               </a:ext>
             </a:extLst>
           </p:cNvPr>
@@ -7960,48 +8021,12 @@
           </a:p>
         </p:txBody>
       </p:sp>
-      <p:pic>
-        <p:nvPicPr>
-          <p:cNvPr id="5" name="Imagem 4">
-            <a:extLst>
-              <a:ext uri="{FF2B5EF4-FFF2-40B4-BE49-F238E27FC236}">
-                <a16:creationId xmlns="" xmlns:a16="http://schemas.microsoft.com/office/drawing/2014/main" id="{05F67C67-DA67-4FF1-A286-CF17F0405004}"/>
-              </a:ext>
-            </a:extLst>
-          </p:cNvPr>
-          <p:cNvPicPr>
-            <a:picLocks noChangeAspect="1"/>
-          </p:cNvPicPr>
-          <p:nvPr/>
-        </p:nvPicPr>
-        <p:blipFill>
-          <a:blip r:embed="rId2" cstate="print">
-            <a:extLst>
-              <a:ext uri="{28A0092B-C50C-407E-A947-70E740481C1C}">
-                <a14:useLocalDpi xmlns:a14="http://schemas.microsoft.com/office/drawing/2010/main" val="0"/>
-              </a:ext>
-            </a:extLst>
-          </a:blip>
-          <a:stretch>
-            <a:fillRect/>
-          </a:stretch>
-        </p:blipFill>
-        <p:spPr>
-          <a:xfrm>
-            <a:off x="5338232" y="4742814"/>
-            <a:ext cx="1515533" cy="1515533"/>
-          </a:xfrm>
-          <a:prstGeom prst="rect">
-            <a:avLst/>
-          </a:prstGeom>
-        </p:spPr>
-      </p:pic>
       <p:sp>
         <p:nvSpPr>
           <p:cNvPr id="10" name="CaixaDeTexto 9">
             <a:extLst>
               <a:ext uri="{FF2B5EF4-FFF2-40B4-BE49-F238E27FC236}">
-                <a16:creationId xmlns="" xmlns:a16="http://schemas.microsoft.com/office/drawing/2014/main" id="{8C44AB79-BD69-42C7-8107-999C571EC43F}"/>
+                <a16:creationId xmlns:a16="http://schemas.microsoft.com/office/drawing/2014/main" id="{8C44AB79-BD69-42C7-8107-999C571EC43F}"/>
               </a:ext>
             </a:extLst>
           </p:cNvPr>
@@ -8044,7 +8069,7 @@
           <p:cNvPr id="11" name="Conector reto 10">
             <a:extLst>
               <a:ext uri="{FF2B5EF4-FFF2-40B4-BE49-F238E27FC236}">
-                <a16:creationId xmlns="" xmlns:a16="http://schemas.microsoft.com/office/drawing/2014/main" id="{A3621E3D-C0AF-4E23-A437-341DB4FEC23B}"/>
+                <a16:creationId xmlns:a16="http://schemas.microsoft.com/office/drawing/2014/main" id="{A3621E3D-C0AF-4E23-A437-341DB4FEC23B}"/>
               </a:ext>
             </a:extLst>
           </p:cNvPr>
@@ -8085,7 +8110,7 @@
           <p:cNvPr id="12" name="Conector reto 11">
             <a:extLst>
               <a:ext uri="{FF2B5EF4-FFF2-40B4-BE49-F238E27FC236}">
-                <a16:creationId xmlns="" xmlns:a16="http://schemas.microsoft.com/office/drawing/2014/main" id="{CBCC7E19-1EEF-4343-A75D-B93ACB22F9D6}"/>
+                <a16:creationId xmlns:a16="http://schemas.microsoft.com/office/drawing/2014/main" id="{CBCC7E19-1EEF-4343-A75D-B93ACB22F9D6}"/>
               </a:ext>
             </a:extLst>
           </p:cNvPr>
@@ -8121,78 +8146,135 @@
           </a:fontRef>
         </p:style>
       </p:cxnSp>
-      <p:pic>
-        <p:nvPicPr>
-          <p:cNvPr id="14" name="Imagem 13">
-            <a:extLst>
-              <a:ext uri="{FF2B5EF4-FFF2-40B4-BE49-F238E27FC236}">
-                <a16:creationId xmlns="" xmlns:a16="http://schemas.microsoft.com/office/drawing/2014/main" id="{42D323B6-9B59-406A-8490-F154B66F9D74}"/>
-              </a:ext>
-            </a:extLst>
-          </p:cNvPr>
-          <p:cNvPicPr>
-            <a:picLocks noChangeAspect="1"/>
-          </p:cNvPicPr>
+      <p:grpSp>
+        <p:nvGrpSpPr>
+          <p:cNvPr id="3" name="Agrupar 2">
+            <a:extLst>
+              <a:ext uri="{FF2B5EF4-FFF2-40B4-BE49-F238E27FC236}">
+                <a16:creationId xmlns:a16="http://schemas.microsoft.com/office/drawing/2014/main" id="{E85027D2-7EC2-4B65-84FF-7F6850687891}"/>
+              </a:ext>
+            </a:extLst>
+          </p:cNvPr>
+          <p:cNvGrpSpPr/>
           <p:nvPr/>
-        </p:nvPicPr>
-        <p:blipFill>
-          <a:blip r:embed="rId3" cstate="print">
-            <a:extLst>
-              <a:ext uri="{28A0092B-C50C-407E-A947-70E740481C1C}">
-                <a14:useLocalDpi xmlns:a14="http://schemas.microsoft.com/office/drawing/2010/main" val="0"/>
-              </a:ext>
-            </a:extLst>
-          </a:blip>
-          <a:stretch>
-            <a:fillRect/>
-          </a:stretch>
-        </p:blipFill>
-        <p:spPr>
-          <a:xfrm>
-            <a:off x="4169833" y="4953632"/>
-            <a:ext cx="1093895" cy="1093895"/>
-          </a:xfrm>
-          <a:prstGeom prst="rect">
-            <a:avLst/>
-          </a:prstGeom>
-        </p:spPr>
-      </p:pic>
-      <p:pic>
-        <p:nvPicPr>
-          <p:cNvPr id="16" name="Imagem 15">
-            <a:extLst>
-              <a:ext uri="{FF2B5EF4-FFF2-40B4-BE49-F238E27FC236}">
-                <a16:creationId xmlns="" xmlns:a16="http://schemas.microsoft.com/office/drawing/2014/main" id="{A42EE720-7CCF-4A68-8CA4-B3F45BAD16C5}"/>
-              </a:ext>
-            </a:extLst>
-          </p:cNvPr>
-          <p:cNvPicPr>
-            <a:picLocks noChangeAspect="1"/>
-          </p:cNvPicPr>
-          <p:nvPr/>
-        </p:nvPicPr>
-        <p:blipFill>
-          <a:blip r:embed="rId3" cstate="print">
-            <a:extLst>
-              <a:ext uri="{28A0092B-C50C-407E-A947-70E740481C1C}">
-                <a14:useLocalDpi xmlns:a14="http://schemas.microsoft.com/office/drawing/2010/main" val="0"/>
-              </a:ext>
-            </a:extLst>
-          </a:blip>
-          <a:stretch>
-            <a:fillRect/>
-          </a:stretch>
-        </p:blipFill>
-        <p:spPr>
-          <a:xfrm>
-            <a:off x="6928269" y="4953632"/>
-            <a:ext cx="1093895" cy="1093895"/>
-          </a:xfrm>
-          <a:prstGeom prst="rect">
-            <a:avLst/>
-          </a:prstGeom>
-        </p:spPr>
-      </p:pic>
+        </p:nvGrpSpPr>
+        <p:grpSpPr>
+          <a:xfrm>
+            <a:off x="4169833" y="4742814"/>
+            <a:ext cx="3852331" cy="1515533"/>
+            <a:chOff x="4169833" y="4742814"/>
+            <a:chExt cx="3852331" cy="1515533"/>
+          </a:xfrm>
+        </p:grpSpPr>
+        <p:pic>
+          <p:nvPicPr>
+            <p:cNvPr id="5" name="Imagem 4">
+              <a:extLst>
+                <a:ext uri="{FF2B5EF4-FFF2-40B4-BE49-F238E27FC236}">
+                  <a16:creationId xmlns:a16="http://schemas.microsoft.com/office/drawing/2014/main" id="{05F67C67-DA67-4FF1-A286-CF17F0405004}"/>
+                </a:ext>
+              </a:extLst>
+            </p:cNvPr>
+            <p:cNvPicPr>
+              <a:picLocks noChangeAspect="1"/>
+            </p:cNvPicPr>
+            <p:nvPr/>
+          </p:nvPicPr>
+          <p:blipFill>
+            <a:blip r:embed="rId2" cstate="print">
+              <a:extLst>
+                <a:ext uri="{28A0092B-C50C-407E-A947-70E740481C1C}">
+                  <a14:useLocalDpi xmlns:a14="http://schemas.microsoft.com/office/drawing/2010/main" val="0"/>
+                </a:ext>
+              </a:extLst>
+            </a:blip>
+            <a:stretch>
+              <a:fillRect/>
+            </a:stretch>
+          </p:blipFill>
+          <p:spPr>
+            <a:xfrm>
+              <a:off x="5338232" y="4742814"/>
+              <a:ext cx="1515533" cy="1515533"/>
+            </a:xfrm>
+            <a:prstGeom prst="rect">
+              <a:avLst/>
+            </a:prstGeom>
+          </p:spPr>
+        </p:pic>
+        <p:pic>
+          <p:nvPicPr>
+            <p:cNvPr id="14" name="Imagem 13">
+              <a:extLst>
+                <a:ext uri="{FF2B5EF4-FFF2-40B4-BE49-F238E27FC236}">
+                  <a16:creationId xmlns:a16="http://schemas.microsoft.com/office/drawing/2014/main" id="{42D323B6-9B59-406A-8490-F154B66F9D74}"/>
+                </a:ext>
+              </a:extLst>
+            </p:cNvPr>
+            <p:cNvPicPr>
+              <a:picLocks noChangeAspect="1"/>
+            </p:cNvPicPr>
+            <p:nvPr/>
+          </p:nvPicPr>
+          <p:blipFill>
+            <a:blip r:embed="rId3" cstate="print">
+              <a:extLst>
+                <a:ext uri="{28A0092B-C50C-407E-A947-70E740481C1C}">
+                  <a14:useLocalDpi xmlns:a14="http://schemas.microsoft.com/office/drawing/2010/main" val="0"/>
+                </a:ext>
+              </a:extLst>
+            </a:blip>
+            <a:stretch>
+              <a:fillRect/>
+            </a:stretch>
+          </p:blipFill>
+          <p:spPr>
+            <a:xfrm>
+              <a:off x="4169833" y="4953632"/>
+              <a:ext cx="1093895" cy="1093895"/>
+            </a:xfrm>
+            <a:prstGeom prst="rect">
+              <a:avLst/>
+            </a:prstGeom>
+          </p:spPr>
+        </p:pic>
+        <p:pic>
+          <p:nvPicPr>
+            <p:cNvPr id="16" name="Imagem 15">
+              <a:extLst>
+                <a:ext uri="{FF2B5EF4-FFF2-40B4-BE49-F238E27FC236}">
+                  <a16:creationId xmlns:a16="http://schemas.microsoft.com/office/drawing/2014/main" id="{A42EE720-7CCF-4A68-8CA4-B3F45BAD16C5}"/>
+                </a:ext>
+              </a:extLst>
+            </p:cNvPr>
+            <p:cNvPicPr>
+              <a:picLocks noChangeAspect="1"/>
+            </p:cNvPicPr>
+            <p:nvPr/>
+          </p:nvPicPr>
+          <p:blipFill>
+            <a:blip r:embed="rId3" cstate="print">
+              <a:extLst>
+                <a:ext uri="{28A0092B-C50C-407E-A947-70E740481C1C}">
+                  <a14:useLocalDpi xmlns:a14="http://schemas.microsoft.com/office/drawing/2010/main" val="0"/>
+                </a:ext>
+              </a:extLst>
+            </a:blip>
+            <a:stretch>
+              <a:fillRect/>
+            </a:stretch>
+          </p:blipFill>
+          <p:spPr>
+            <a:xfrm>
+              <a:off x="6928269" y="4953632"/>
+              <a:ext cx="1093895" cy="1093895"/>
+            </a:xfrm>
+            <a:prstGeom prst="rect">
+              <a:avLst/>
+            </a:prstGeom>
+          </p:spPr>
+        </p:pic>
+      </p:grpSp>
     </p:spTree>
     <p:extLst>
       <p:ext uri="{BB962C8B-B14F-4D97-AF65-F5344CB8AC3E}">
@@ -8228,7 +8310,7 @@
           <p:cNvPr id="7" name="Retângulo 6">
             <a:extLst>
               <a:ext uri="{FF2B5EF4-FFF2-40B4-BE49-F238E27FC236}">
-                <a16:creationId xmlns="" xmlns:a16="http://schemas.microsoft.com/office/drawing/2014/main" id="{5E0F7497-D302-4F68-8123-03414F2C6833}"/>
+                <a16:creationId xmlns:a16="http://schemas.microsoft.com/office/drawing/2014/main" id="{5E0F7497-D302-4F68-8123-03414F2C6833}"/>
               </a:ext>
             </a:extLst>
           </p:cNvPr>
@@ -8280,7 +8362,7 @@
           <p:cNvPr id="2" name="Título 1">
             <a:extLst>
               <a:ext uri="{FF2B5EF4-FFF2-40B4-BE49-F238E27FC236}">
-                <a16:creationId xmlns="" xmlns:a16="http://schemas.microsoft.com/office/drawing/2014/main" id="{E5407E68-547D-40FB-ADFC-29225BCA97FB}"/>
+                <a16:creationId xmlns:a16="http://schemas.microsoft.com/office/drawing/2014/main" id="{E5407E68-547D-40FB-ADFC-29225BCA97FB}"/>
               </a:ext>
             </a:extLst>
           </p:cNvPr>
@@ -8314,7 +8396,7 @@
           <p:cNvPr id="4" name="Espaço Reservado para Número de Slide 3">
             <a:extLst>
               <a:ext uri="{FF2B5EF4-FFF2-40B4-BE49-F238E27FC236}">
-                <a16:creationId xmlns="" xmlns:a16="http://schemas.microsoft.com/office/drawing/2014/main" id="{B251EF4B-4832-430A-9B53-231F361E70F5}"/>
+                <a16:creationId xmlns:a16="http://schemas.microsoft.com/office/drawing/2014/main" id="{B251EF4B-4832-430A-9B53-231F361E70F5}"/>
               </a:ext>
             </a:extLst>
           </p:cNvPr>
@@ -8344,7 +8426,7 @@
           <p:cNvPr id="9" name="CaixaDeTexto 8">
             <a:extLst>
               <a:ext uri="{FF2B5EF4-FFF2-40B4-BE49-F238E27FC236}">
-                <a16:creationId xmlns="" xmlns:a16="http://schemas.microsoft.com/office/drawing/2014/main" id="{A32DB5FD-E24E-4C04-851E-C1CA2DE45BC8}"/>
+                <a16:creationId xmlns:a16="http://schemas.microsoft.com/office/drawing/2014/main" id="{A32DB5FD-E24E-4C04-851E-C1CA2DE45BC8}"/>
               </a:ext>
             </a:extLst>
           </p:cNvPr>
@@ -8383,7 +8465,7 @@
           <p:cNvPr id="5" name="Imagem 4">
             <a:extLst>
               <a:ext uri="{FF2B5EF4-FFF2-40B4-BE49-F238E27FC236}">
-                <a16:creationId xmlns="" xmlns:a16="http://schemas.microsoft.com/office/drawing/2014/main" id="{05F67C67-DA67-4FF1-A286-CF17F0405004}"/>
+                <a16:creationId xmlns:a16="http://schemas.microsoft.com/office/drawing/2014/main" id="{05F67C67-DA67-4FF1-A286-CF17F0405004}"/>
               </a:ext>
             </a:extLst>
           </p:cNvPr>
@@ -8419,7 +8501,7 @@
           <p:cNvPr id="10" name="CaixaDeTexto 9">
             <a:extLst>
               <a:ext uri="{FF2B5EF4-FFF2-40B4-BE49-F238E27FC236}">
-                <a16:creationId xmlns="" xmlns:a16="http://schemas.microsoft.com/office/drawing/2014/main" id="{8C44AB79-BD69-42C7-8107-999C571EC43F}"/>
+                <a16:creationId xmlns:a16="http://schemas.microsoft.com/office/drawing/2014/main" id="{8C44AB79-BD69-42C7-8107-999C571EC43F}"/>
               </a:ext>
             </a:extLst>
           </p:cNvPr>
@@ -8462,7 +8544,7 @@
           <p:cNvPr id="11" name="Conector reto 10">
             <a:extLst>
               <a:ext uri="{FF2B5EF4-FFF2-40B4-BE49-F238E27FC236}">
-                <a16:creationId xmlns="" xmlns:a16="http://schemas.microsoft.com/office/drawing/2014/main" id="{A3621E3D-C0AF-4E23-A437-341DB4FEC23B}"/>
+                <a16:creationId xmlns:a16="http://schemas.microsoft.com/office/drawing/2014/main" id="{A3621E3D-C0AF-4E23-A437-341DB4FEC23B}"/>
               </a:ext>
             </a:extLst>
           </p:cNvPr>
@@ -8503,7 +8585,7 @@
           <p:cNvPr id="12" name="Conector reto 11">
             <a:extLst>
               <a:ext uri="{FF2B5EF4-FFF2-40B4-BE49-F238E27FC236}">
-                <a16:creationId xmlns="" xmlns:a16="http://schemas.microsoft.com/office/drawing/2014/main" id="{CBCC7E19-1EEF-4343-A75D-B93ACB22F9D6}"/>
+                <a16:creationId xmlns:a16="http://schemas.microsoft.com/office/drawing/2014/main" id="{CBCC7E19-1EEF-4343-A75D-B93ACB22F9D6}"/>
               </a:ext>
             </a:extLst>
           </p:cNvPr>
@@ -8544,7 +8626,7 @@
           <p:cNvPr id="14" name="Imagem 13">
             <a:extLst>
               <a:ext uri="{FF2B5EF4-FFF2-40B4-BE49-F238E27FC236}">
-                <a16:creationId xmlns="" xmlns:a16="http://schemas.microsoft.com/office/drawing/2014/main" id="{42D323B6-9B59-406A-8490-F154B66F9D74}"/>
+                <a16:creationId xmlns:a16="http://schemas.microsoft.com/office/drawing/2014/main" id="{42D323B6-9B59-406A-8490-F154B66F9D74}"/>
               </a:ext>
             </a:extLst>
           </p:cNvPr>
@@ -8580,7 +8662,7 @@
           <p:cNvPr id="16" name="Imagem 15">
             <a:extLst>
               <a:ext uri="{FF2B5EF4-FFF2-40B4-BE49-F238E27FC236}">
-                <a16:creationId xmlns="" xmlns:a16="http://schemas.microsoft.com/office/drawing/2014/main" id="{A42EE720-7CCF-4A68-8CA4-B3F45BAD16C5}"/>
+                <a16:creationId xmlns:a16="http://schemas.microsoft.com/office/drawing/2014/main" id="{A42EE720-7CCF-4A68-8CA4-B3F45BAD16C5}"/>
               </a:ext>
             </a:extLst>
           </p:cNvPr>
@@ -8646,7 +8728,7 @@
           <p:cNvPr id="2" name="Título 1">
             <a:extLst>
               <a:ext uri="{FF2B5EF4-FFF2-40B4-BE49-F238E27FC236}">
-                <a16:creationId xmlns="" xmlns:a16="http://schemas.microsoft.com/office/drawing/2014/main" id="{E5407E68-547D-40FB-ADFC-29225BCA97FB}"/>
+                <a16:creationId xmlns:a16="http://schemas.microsoft.com/office/drawing/2014/main" id="{E5407E68-547D-40FB-ADFC-29225BCA97FB}"/>
               </a:ext>
             </a:extLst>
           </p:cNvPr>
@@ -8680,7 +8762,7 @@
           <p:cNvPr id="4" name="Espaço Reservado para Número de Slide 3">
             <a:extLst>
               <a:ext uri="{FF2B5EF4-FFF2-40B4-BE49-F238E27FC236}">
-                <a16:creationId xmlns="" xmlns:a16="http://schemas.microsoft.com/office/drawing/2014/main" id="{B251EF4B-4832-430A-9B53-231F361E70F5}"/>
+                <a16:creationId xmlns:a16="http://schemas.microsoft.com/office/drawing/2014/main" id="{B251EF4B-4832-430A-9B53-231F361E70F5}"/>
               </a:ext>
             </a:extLst>
           </p:cNvPr>
@@ -8710,7 +8792,7 @@
           <p:cNvPr id="10" name="Imagem 9">
             <a:extLst>
               <a:ext uri="{FF2B5EF4-FFF2-40B4-BE49-F238E27FC236}">
-                <a16:creationId xmlns="" xmlns:a16="http://schemas.microsoft.com/office/drawing/2014/main" id="{6409CD67-C6D4-4B5A-B708-68E3228A4FD4}"/>
+                <a16:creationId xmlns:a16="http://schemas.microsoft.com/office/drawing/2014/main" id="{6409CD67-C6D4-4B5A-B708-68E3228A4FD4}"/>
               </a:ext>
             </a:extLst>
           </p:cNvPr>
@@ -8745,7 +8827,7 @@
           <p:cNvPr id="11" name="Imagem 10">
             <a:extLst>
               <a:ext uri="{FF2B5EF4-FFF2-40B4-BE49-F238E27FC236}">
-                <a16:creationId xmlns="" xmlns:a16="http://schemas.microsoft.com/office/drawing/2014/main" id="{DE8F042E-A23D-40DC-A1CC-56C166F772D8}"/>
+                <a16:creationId xmlns:a16="http://schemas.microsoft.com/office/drawing/2014/main" id="{DE8F042E-A23D-40DC-A1CC-56C166F772D8}"/>
               </a:ext>
             </a:extLst>
           </p:cNvPr>
@@ -8775,7 +8857,7 @@
           <p:cNvPr id="12" name="CaixaDeTexto 11">
             <a:extLst>
               <a:ext uri="{FF2B5EF4-FFF2-40B4-BE49-F238E27FC236}">
-                <a16:creationId xmlns="" xmlns:a16="http://schemas.microsoft.com/office/drawing/2014/main" id="{C2E3A72C-5002-43FB-9D36-5178527CEE2C}"/>
+                <a16:creationId xmlns:a16="http://schemas.microsoft.com/office/drawing/2014/main" id="{C2E3A72C-5002-43FB-9D36-5178527CEE2C}"/>
               </a:ext>
             </a:extLst>
           </p:cNvPr>
@@ -8817,12 +8899,6 @@
                 <a:effectLst/>
               </a:rPr>
             </a:br>
-            <a:r>
-              <a:rPr lang="pt-BR" sz="2400" b="0" dirty="0">
-                <a:effectLst/>
-              </a:rPr>
-              <a:t/>
-            </a:r>
             <a:br>
               <a:rPr lang="pt-BR" sz="2400" b="0" dirty="0">
                 <a:effectLst/>
@@ -8837,7 +8913,7 @@
           <p:cNvPr id="13" name="Conector reto 12">
             <a:extLst>
               <a:ext uri="{FF2B5EF4-FFF2-40B4-BE49-F238E27FC236}">
-                <a16:creationId xmlns="" xmlns:a16="http://schemas.microsoft.com/office/drawing/2014/main" id="{0E93BDD7-EDA9-42FF-A27B-ADD5ED57043A}"/>
+                <a16:creationId xmlns:a16="http://schemas.microsoft.com/office/drawing/2014/main" id="{0E93BDD7-EDA9-42FF-A27B-ADD5ED57043A}"/>
               </a:ext>
             </a:extLst>
           </p:cNvPr>
@@ -8880,7 +8956,7 @@
           <p:cNvPr id="14" name="Conector reto 13">
             <a:extLst>
               <a:ext uri="{FF2B5EF4-FFF2-40B4-BE49-F238E27FC236}">
-                <a16:creationId xmlns="" xmlns:a16="http://schemas.microsoft.com/office/drawing/2014/main" id="{973A06F0-7F39-4132-A1CC-91B9D178825E}"/>
+                <a16:creationId xmlns:a16="http://schemas.microsoft.com/office/drawing/2014/main" id="{973A06F0-7F39-4132-A1CC-91B9D178825E}"/>
               </a:ext>
             </a:extLst>
           </p:cNvPr>
@@ -8953,7 +9029,7 @@
           <p:cNvPr id="2" name="Título 1">
             <a:extLst>
               <a:ext uri="{FF2B5EF4-FFF2-40B4-BE49-F238E27FC236}">
-                <a16:creationId xmlns="" xmlns:a16="http://schemas.microsoft.com/office/drawing/2014/main" id="{E5407E68-547D-40FB-ADFC-29225BCA97FB}"/>
+                <a16:creationId xmlns:a16="http://schemas.microsoft.com/office/drawing/2014/main" id="{E5407E68-547D-40FB-ADFC-29225BCA97FB}"/>
               </a:ext>
             </a:extLst>
           </p:cNvPr>
@@ -8982,7 +9058,7 @@
           <p:cNvPr id="4" name="Espaço Reservado para Número de Slide 3">
             <a:extLst>
               <a:ext uri="{FF2B5EF4-FFF2-40B4-BE49-F238E27FC236}">
-                <a16:creationId xmlns="" xmlns:a16="http://schemas.microsoft.com/office/drawing/2014/main" id="{B251EF4B-4832-430A-9B53-231F361E70F5}"/>
+                <a16:creationId xmlns:a16="http://schemas.microsoft.com/office/drawing/2014/main" id="{B251EF4B-4832-430A-9B53-231F361E70F5}"/>
               </a:ext>
             </a:extLst>
           </p:cNvPr>
@@ -9012,7 +9088,7 @@
           <p:cNvPr id="6" name="CaixaDeTexto 5">
             <a:extLst>
               <a:ext uri="{FF2B5EF4-FFF2-40B4-BE49-F238E27FC236}">
-                <a16:creationId xmlns="" xmlns:a16="http://schemas.microsoft.com/office/drawing/2014/main" id="{51FA5D3E-0952-4ABF-9964-6524675A944A}"/>
+                <a16:creationId xmlns:a16="http://schemas.microsoft.com/office/drawing/2014/main" id="{51FA5D3E-0952-4ABF-9964-6524675A944A}"/>
               </a:ext>
             </a:extLst>
           </p:cNvPr>
@@ -9053,16 +9129,6 @@
               </a:rPr>
               <a:t>A lei 12.871, DE 12 de OUTUBRO DE 2013:</a:t>
             </a:r>
-            <a:r>
-              <a:rPr lang="pt-BR" sz="1800" b="0" i="0" u="none" strike="noStrike" dirty="0">
-                <a:solidFill>
-                  <a:srgbClr val="000000"/>
-                </a:solidFill>
-                <a:effectLst/>
-                <a:latin typeface="Arial" panose="020B0604020202020204" pitchFamily="34" charset="0"/>
-              </a:rPr>
-              <a:t/>
-            </a:r>
             <a:br>
               <a:rPr lang="pt-BR" sz="1800" b="0" i="0" u="none" strike="noStrike" dirty="0">
                 <a:solidFill>
@@ -9072,16 +9138,6 @@
                 <a:latin typeface="Arial" panose="020B0604020202020204" pitchFamily="34" charset="0"/>
               </a:rPr>
             </a:br>
-            <a:r>
-              <a:rPr lang="pt-BR" sz="1800" b="0" i="0" u="none" strike="noStrike" dirty="0">
-                <a:solidFill>
-                  <a:srgbClr val="000000"/>
-                </a:solidFill>
-                <a:effectLst/>
-                <a:latin typeface="Arial" panose="020B0604020202020204" pitchFamily="34" charset="0"/>
-              </a:rPr>
-              <a:t/>
-            </a:r>
             <a:br>
               <a:rPr lang="pt-BR" sz="1800" b="0" i="0" u="none" strike="noStrike" dirty="0">
                 <a:solidFill>
@@ -9114,12 +9170,6 @@
                 <a:spcPts val="0"/>
               </a:spcAft>
             </a:pPr>
-            <a:r>
-              <a:rPr lang="pt-BR" b="0" dirty="0">
-                <a:effectLst/>
-              </a:rPr>
-              <a:t/>
-            </a:r>
             <a:br>
               <a:rPr lang="pt-BR" b="0" dirty="0">
                 <a:effectLst/>
@@ -9140,23 +9190,11 @@
             </a:endParaRPr>
           </a:p>
           <a:p>
-            <a:r>
-              <a:rPr lang="pt-BR" b="0" dirty="0">
-                <a:effectLst/>
-              </a:rPr>
-              <a:t/>
-            </a:r>
             <a:br>
               <a:rPr lang="pt-BR" b="0" dirty="0">
                 <a:effectLst/>
               </a:rPr>
             </a:br>
-            <a:r>
-              <a:rPr lang="pt-BR" b="0" dirty="0">
-                <a:effectLst/>
-              </a:rPr>
-              <a:t/>
-            </a:r>
             <a:br>
               <a:rPr lang="pt-BR" b="0" dirty="0">
                 <a:effectLst/>
@@ -9171,7 +9209,7 @@
           <p:cNvPr id="10" name="Imagem 9">
             <a:extLst>
               <a:ext uri="{FF2B5EF4-FFF2-40B4-BE49-F238E27FC236}">
-                <a16:creationId xmlns="" xmlns:a16="http://schemas.microsoft.com/office/drawing/2014/main" id="{8A7E1D30-FFA0-4A6E-886B-AD2FDB64E610}"/>
+                <a16:creationId xmlns:a16="http://schemas.microsoft.com/office/drawing/2014/main" id="{8A7E1D30-FFA0-4A6E-886B-AD2FDB64E610}"/>
               </a:ext>
             </a:extLst>
           </p:cNvPr>
@@ -9212,13 +9250,6 @@
   <p:clrMapOvr>
     <a:masterClrMapping/>
   </p:clrMapOvr>
-  <p:timing>
-    <p:tnLst>
-      <p:par>
-        <p:cTn id="1" dur="indefinite" restart="never" nodeType="tmRoot"/>
-      </p:par>
-    </p:tnLst>
-  </p:timing>
 </p:sld>
 </file>
 
@@ -9244,7 +9275,7 @@
           <p:cNvPr id="7" name="Retângulo 6">
             <a:extLst>
               <a:ext uri="{FF2B5EF4-FFF2-40B4-BE49-F238E27FC236}">
-                <a16:creationId xmlns="" xmlns:a16="http://schemas.microsoft.com/office/drawing/2014/main" id="{5E0F7497-D302-4F68-8123-03414F2C6833}"/>
+                <a16:creationId xmlns:a16="http://schemas.microsoft.com/office/drawing/2014/main" id="{5E0F7497-D302-4F68-8123-03414F2C6833}"/>
               </a:ext>
             </a:extLst>
           </p:cNvPr>
@@ -9296,7 +9327,7 @@
           <p:cNvPr id="2" name="Título 1">
             <a:extLst>
               <a:ext uri="{FF2B5EF4-FFF2-40B4-BE49-F238E27FC236}">
-                <a16:creationId xmlns="" xmlns:a16="http://schemas.microsoft.com/office/drawing/2014/main" id="{E5407E68-547D-40FB-ADFC-29225BCA97FB}"/>
+                <a16:creationId xmlns:a16="http://schemas.microsoft.com/office/drawing/2014/main" id="{E5407E68-547D-40FB-ADFC-29225BCA97FB}"/>
               </a:ext>
             </a:extLst>
           </p:cNvPr>
@@ -9330,7 +9361,7 @@
           <p:cNvPr id="4" name="Espaço Reservado para Número de Slide 3">
             <a:extLst>
               <a:ext uri="{FF2B5EF4-FFF2-40B4-BE49-F238E27FC236}">
-                <a16:creationId xmlns="" xmlns:a16="http://schemas.microsoft.com/office/drawing/2014/main" id="{B251EF4B-4832-430A-9B53-231F361E70F5}"/>
+                <a16:creationId xmlns:a16="http://schemas.microsoft.com/office/drawing/2014/main" id="{B251EF4B-4832-430A-9B53-231F361E70F5}"/>
               </a:ext>
             </a:extLst>
           </p:cNvPr>
@@ -9360,7 +9391,7 @@
           <p:cNvPr id="6" name="CaixaDeTexto 5">
             <a:extLst>
               <a:ext uri="{FF2B5EF4-FFF2-40B4-BE49-F238E27FC236}">
-                <a16:creationId xmlns="" xmlns:a16="http://schemas.microsoft.com/office/drawing/2014/main" id="{51FA5D3E-0952-4ABF-9964-6524675A944A}"/>
+                <a16:creationId xmlns:a16="http://schemas.microsoft.com/office/drawing/2014/main" id="{51FA5D3E-0952-4ABF-9964-6524675A944A}"/>
               </a:ext>
             </a:extLst>
           </p:cNvPr>
@@ -9395,23 +9426,11 @@
               <a:rPr lang="pt-BR" sz="2400" dirty="0"/>
               <a:t>Critérios de desempate</a:t>
             </a:r>
-            <a:r>
-              <a:rPr lang="pt-BR" sz="2400" b="0" dirty="0">
-                <a:effectLst/>
-              </a:rPr>
-              <a:t/>
-            </a:r>
             <a:br>
               <a:rPr lang="pt-BR" sz="2400" b="0" dirty="0">
                 <a:effectLst/>
               </a:rPr>
             </a:br>
-            <a:r>
-              <a:rPr lang="pt-BR" sz="2400" b="0" dirty="0">
-                <a:effectLst/>
-              </a:rPr>
-              <a:t/>
-            </a:r>
             <a:br>
               <a:rPr lang="pt-BR" sz="2400" b="0" dirty="0">
                 <a:effectLst/>
@@ -9426,7 +9445,7 @@
           <p:cNvPr id="9" name="CaixaDeTexto 8">
             <a:extLst>
               <a:ext uri="{FF2B5EF4-FFF2-40B4-BE49-F238E27FC236}">
-                <a16:creationId xmlns="" xmlns:a16="http://schemas.microsoft.com/office/drawing/2014/main" id="{A32DB5FD-E24E-4C04-851E-C1CA2DE45BC8}"/>
+                <a16:creationId xmlns:a16="http://schemas.microsoft.com/office/drawing/2014/main" id="{A32DB5FD-E24E-4C04-851E-C1CA2DE45BC8}"/>
               </a:ext>
             </a:extLst>
           </p:cNvPr>
@@ -9495,7 +9514,7 @@
           <p:cNvPr id="10" name="Conector reto 9">
             <a:extLst>
               <a:ext uri="{FF2B5EF4-FFF2-40B4-BE49-F238E27FC236}">
-                <a16:creationId xmlns="" xmlns:a16="http://schemas.microsoft.com/office/drawing/2014/main" id="{863ED132-1CFD-4B6E-9EC7-E7A9D8A31099}"/>
+                <a16:creationId xmlns:a16="http://schemas.microsoft.com/office/drawing/2014/main" id="{863ED132-1CFD-4B6E-9EC7-E7A9D8A31099}"/>
               </a:ext>
             </a:extLst>
           </p:cNvPr>
@@ -9538,7 +9557,7 @@
           <p:cNvPr id="14" name="Conector reto 13">
             <a:extLst>
               <a:ext uri="{FF2B5EF4-FFF2-40B4-BE49-F238E27FC236}">
-                <a16:creationId xmlns="" xmlns:a16="http://schemas.microsoft.com/office/drawing/2014/main" id="{7080E6B4-42C5-4D2F-88E5-5F25701B64F7}"/>
+                <a16:creationId xmlns:a16="http://schemas.microsoft.com/office/drawing/2014/main" id="{7080E6B4-42C5-4D2F-88E5-5F25701B64F7}"/>
               </a:ext>
             </a:extLst>
           </p:cNvPr>
@@ -9581,7 +9600,7 @@
           <p:cNvPr id="12" name="Imagem 11">
             <a:extLst>
               <a:ext uri="{FF2B5EF4-FFF2-40B4-BE49-F238E27FC236}">
-                <a16:creationId xmlns="" xmlns:a16="http://schemas.microsoft.com/office/drawing/2014/main" id="{E2BD5E67-FCF1-42BD-86B3-DC1E87EB9549}"/>
+                <a16:creationId xmlns:a16="http://schemas.microsoft.com/office/drawing/2014/main" id="{E2BD5E67-FCF1-42BD-86B3-DC1E87EB9549}"/>
               </a:ext>
             </a:extLst>
           </p:cNvPr>
@@ -9646,7 +9665,7 @@
           <p:cNvPr id="2" name="Título 1">
             <a:extLst>
               <a:ext uri="{FF2B5EF4-FFF2-40B4-BE49-F238E27FC236}">
-                <a16:creationId xmlns="" xmlns:a16="http://schemas.microsoft.com/office/drawing/2014/main" id="{E5407E68-547D-40FB-ADFC-29225BCA97FB}"/>
+                <a16:creationId xmlns:a16="http://schemas.microsoft.com/office/drawing/2014/main" id="{E5407E68-547D-40FB-ADFC-29225BCA97FB}"/>
               </a:ext>
             </a:extLst>
           </p:cNvPr>
@@ -9680,7 +9699,7 @@
           <p:cNvPr id="4" name="Espaço Reservado para Número de Slide 3">
             <a:extLst>
               <a:ext uri="{FF2B5EF4-FFF2-40B4-BE49-F238E27FC236}">
-                <a16:creationId xmlns="" xmlns:a16="http://schemas.microsoft.com/office/drawing/2014/main" id="{B251EF4B-4832-430A-9B53-231F361E70F5}"/>
+                <a16:creationId xmlns:a16="http://schemas.microsoft.com/office/drawing/2014/main" id="{B251EF4B-4832-430A-9B53-231F361E70F5}"/>
               </a:ext>
             </a:extLst>
           </p:cNvPr>
@@ -9710,7 +9729,7 @@
           <p:cNvPr id="6" name="CaixaDeTexto 5">
             <a:extLst>
               <a:ext uri="{FF2B5EF4-FFF2-40B4-BE49-F238E27FC236}">
-                <a16:creationId xmlns="" xmlns:a16="http://schemas.microsoft.com/office/drawing/2014/main" id="{51FA5D3E-0952-4ABF-9964-6524675A944A}"/>
+                <a16:creationId xmlns:a16="http://schemas.microsoft.com/office/drawing/2014/main" id="{51FA5D3E-0952-4ABF-9964-6524675A944A}"/>
               </a:ext>
             </a:extLst>
           </p:cNvPr>
@@ -9745,23 +9764,11 @@
               <a:rPr lang="pt-BR" sz="2800" dirty="0"/>
               <a:t>Classificação das localidades</a:t>
             </a:r>
-            <a:r>
-              <a:rPr lang="pt-BR" sz="2800" b="0" dirty="0">
-                <a:effectLst/>
-              </a:rPr>
-              <a:t/>
-            </a:r>
             <a:br>
               <a:rPr lang="pt-BR" sz="2800" b="0" dirty="0">
                 <a:effectLst/>
               </a:rPr>
             </a:br>
-            <a:r>
-              <a:rPr lang="pt-BR" sz="2800" b="0" dirty="0">
-                <a:effectLst/>
-              </a:rPr>
-              <a:t/>
-            </a:r>
             <a:br>
               <a:rPr lang="pt-BR" sz="2800" b="0" dirty="0">
                 <a:effectLst/>
@@ -9776,7 +9783,7 @@
           <p:cNvPr id="13" name="CaixaDeTexto 12">
             <a:extLst>
               <a:ext uri="{FF2B5EF4-FFF2-40B4-BE49-F238E27FC236}">
-                <a16:creationId xmlns="" xmlns:a16="http://schemas.microsoft.com/office/drawing/2014/main" id="{9C3FC4C1-BBE1-40EB-BB49-C266511B5D4F}"/>
+                <a16:creationId xmlns:a16="http://schemas.microsoft.com/office/drawing/2014/main" id="{9C3FC4C1-BBE1-40EB-BB49-C266511B5D4F}"/>
               </a:ext>
             </a:extLst>
           </p:cNvPr>
@@ -9815,7 +9822,7 @@
           <p:cNvPr id="9" name="Conector reto 8">
             <a:extLst>
               <a:ext uri="{FF2B5EF4-FFF2-40B4-BE49-F238E27FC236}">
-                <a16:creationId xmlns="" xmlns:a16="http://schemas.microsoft.com/office/drawing/2014/main" id="{0C5F8B4B-E280-4140-838E-B39EB5F7609A}"/>
+                <a16:creationId xmlns:a16="http://schemas.microsoft.com/office/drawing/2014/main" id="{0C5F8B4B-E280-4140-838E-B39EB5F7609A}"/>
               </a:ext>
             </a:extLst>
           </p:cNvPr>
@@ -9858,7 +9865,7 @@
           <p:cNvPr id="10" name="Conector reto 9">
             <a:extLst>
               <a:ext uri="{FF2B5EF4-FFF2-40B4-BE49-F238E27FC236}">
-                <a16:creationId xmlns="" xmlns:a16="http://schemas.microsoft.com/office/drawing/2014/main" id="{93CB148D-F7D0-4670-A07F-77B4494B35B4}"/>
+                <a16:creationId xmlns:a16="http://schemas.microsoft.com/office/drawing/2014/main" id="{93CB148D-F7D0-4670-A07F-77B4494B35B4}"/>
               </a:ext>
             </a:extLst>
           </p:cNvPr>
@@ -9901,7 +9908,7 @@
           <p:cNvPr id="7" name="Imagem 6">
             <a:extLst>
               <a:ext uri="{FF2B5EF4-FFF2-40B4-BE49-F238E27FC236}">
-                <a16:creationId xmlns="" xmlns:a16="http://schemas.microsoft.com/office/drawing/2014/main" id="{95AC1215-970E-48F0-9C5F-09DC7477DF7D}"/>
+                <a16:creationId xmlns:a16="http://schemas.microsoft.com/office/drawing/2014/main" id="{95AC1215-970E-48F0-9C5F-09DC7477DF7D}"/>
               </a:ext>
             </a:extLst>
           </p:cNvPr>
@@ -9931,7 +9938,7 @@
           <p:cNvPr id="14" name="CaixaDeTexto 13">
             <a:extLst>
               <a:ext uri="{FF2B5EF4-FFF2-40B4-BE49-F238E27FC236}">
-                <a16:creationId xmlns="" xmlns:a16="http://schemas.microsoft.com/office/drawing/2014/main" id="{1A8DCA55-E1F6-4A36-8934-B233A4CC8686}"/>
+                <a16:creationId xmlns:a16="http://schemas.microsoft.com/office/drawing/2014/main" id="{1A8DCA55-E1F6-4A36-8934-B233A4CC8686}"/>
               </a:ext>
             </a:extLst>
           </p:cNvPr>
@@ -10005,7 +10012,7 @@
           <p:cNvPr id="2" name="Espaço Reservado para Texto 1">
             <a:extLst>
               <a:ext uri="{FF2B5EF4-FFF2-40B4-BE49-F238E27FC236}">
-                <a16:creationId xmlns="" xmlns:a16="http://schemas.microsoft.com/office/drawing/2014/main" id="{D92FA219-391B-418F-A58F-61E12DA6A1F3}"/>
+                <a16:creationId xmlns:a16="http://schemas.microsoft.com/office/drawing/2014/main" id="{D92FA219-391B-418F-A58F-61E12DA6A1F3}"/>
               </a:ext>
             </a:extLst>
           </p:cNvPr>
@@ -10033,7 +10040,7 @@
           <p:cNvPr id="4" name="CaixaDeTexto 3">
             <a:extLst>
               <a:ext uri="{FF2B5EF4-FFF2-40B4-BE49-F238E27FC236}">
-                <a16:creationId xmlns="" xmlns:a16="http://schemas.microsoft.com/office/drawing/2014/main" id="{8E666252-507F-459A-ADDB-37C24C8F4C6E}"/>
+                <a16:creationId xmlns:a16="http://schemas.microsoft.com/office/drawing/2014/main" id="{8E666252-507F-459A-ADDB-37C24C8F4C6E}"/>
               </a:ext>
             </a:extLst>
           </p:cNvPr>
@@ -10069,7 +10076,7 @@
                 <a:hlinkClick r:id="rId2">
                   <a:extLst>
                     <a:ext uri="{A12FA001-AC4F-418D-AE19-62706E023703}">
-                      <ahyp:hlinkClr xmlns="" xmlns:ahyp="http://schemas.microsoft.com/office/drawing/2018/hyperlinkcolor" val="tx"/>
+                      <ahyp:hlinkClr xmlns:ahyp="http://schemas.microsoft.com/office/drawing/2018/hyperlinkcolor" val="tx"/>
                     </a:ext>
                   </a:extLst>
                 </a:hlinkClick>
@@ -10090,7 +10097,7 @@
             <a:hlinkClick r:id="rId3"/>
             <a:extLst>
               <a:ext uri="{FF2B5EF4-FFF2-40B4-BE49-F238E27FC236}">
-                <a16:creationId xmlns="" xmlns:a16="http://schemas.microsoft.com/office/drawing/2014/main" id="{B1218359-291A-40AF-B50D-806C8590F9E1}"/>
+                <a16:creationId xmlns:a16="http://schemas.microsoft.com/office/drawing/2014/main" id="{B1218359-291A-40AF-B50D-806C8590F9E1}"/>
               </a:ext>
             </a:extLst>
           </p:cNvPr>
@@ -10126,7 +10133,7 @@
                 <a:hlinkClick r:id="rId4">
                   <a:extLst>
                     <a:ext uri="{A12FA001-AC4F-418D-AE19-62706E023703}">
-                      <ahyp:hlinkClr xmlns="" xmlns:ahyp="http://schemas.microsoft.com/office/drawing/2018/hyperlinkcolor" val="tx"/>
+                      <ahyp:hlinkClr xmlns:ahyp="http://schemas.microsoft.com/office/drawing/2018/hyperlinkcolor" val="tx"/>
                     </a:ext>
                   </a:extLst>
                 </a:hlinkClick>
@@ -10147,7 +10154,7 @@
             <a:hlinkClick r:id="rId3"/>
             <a:extLst>
               <a:ext uri="{FF2B5EF4-FFF2-40B4-BE49-F238E27FC236}">
-                <a16:creationId xmlns="" xmlns:a16="http://schemas.microsoft.com/office/drawing/2014/main" id="{CF0935FA-19B0-431C-B7FF-7EE62DA5F034}"/>
+                <a16:creationId xmlns:a16="http://schemas.microsoft.com/office/drawing/2014/main" id="{CF0935FA-19B0-431C-B7FF-7EE62DA5F034}"/>
               </a:ext>
             </a:extLst>
           </p:cNvPr>
@@ -10183,7 +10190,7 @@
                 <a:hlinkClick r:id="rId5">
                   <a:extLst>
                     <a:ext uri="{A12FA001-AC4F-418D-AE19-62706E023703}">
-                      <ahyp:hlinkClr xmlns="" xmlns:ahyp="http://schemas.microsoft.com/office/drawing/2018/hyperlinkcolor" val="tx"/>
+                      <ahyp:hlinkClr xmlns:ahyp="http://schemas.microsoft.com/office/drawing/2018/hyperlinkcolor" val="tx"/>
                     </a:ext>
                   </a:extLst>
                 </a:hlinkClick>
@@ -10233,7 +10240,7 @@
           <p:cNvPr id="2" name="Título 1">
             <a:extLst>
               <a:ext uri="{FF2B5EF4-FFF2-40B4-BE49-F238E27FC236}">
-                <a16:creationId xmlns="" xmlns:a16="http://schemas.microsoft.com/office/drawing/2014/main" id="{E5407E68-547D-40FB-ADFC-29225BCA97FB}"/>
+                <a16:creationId xmlns:a16="http://schemas.microsoft.com/office/drawing/2014/main" id="{E5407E68-547D-40FB-ADFC-29225BCA97FB}"/>
               </a:ext>
             </a:extLst>
           </p:cNvPr>
@@ -10262,7 +10269,7 @@
           <p:cNvPr id="4" name="Espaço Reservado para Número de Slide 3">
             <a:extLst>
               <a:ext uri="{FF2B5EF4-FFF2-40B4-BE49-F238E27FC236}">
-                <a16:creationId xmlns="" xmlns:a16="http://schemas.microsoft.com/office/drawing/2014/main" id="{B251EF4B-4832-430A-9B53-231F361E70F5}"/>
+                <a16:creationId xmlns:a16="http://schemas.microsoft.com/office/drawing/2014/main" id="{B251EF4B-4832-430A-9B53-231F361E70F5}"/>
               </a:ext>
             </a:extLst>
           </p:cNvPr>
@@ -10292,7 +10299,7 @@
           <p:cNvPr id="7" name="CaixaDeTexto 6">
             <a:extLst>
               <a:ext uri="{FF2B5EF4-FFF2-40B4-BE49-F238E27FC236}">
-                <a16:creationId xmlns="" xmlns:a16="http://schemas.microsoft.com/office/drawing/2014/main" id="{875E6116-A1D4-4C06-8451-B1ED7DE07F79}"/>
+                <a16:creationId xmlns:a16="http://schemas.microsoft.com/office/drawing/2014/main" id="{875E6116-A1D4-4C06-8451-B1ED7DE07F79}"/>
               </a:ext>
             </a:extLst>
           </p:cNvPr>
@@ -10323,16 +10330,6 @@
                 <a:spcPts val="0"/>
               </a:spcAft>
             </a:pPr>
-            <a:r>
-              <a:rPr lang="pt-BR" b="0" i="0" u="none" strike="noStrike" dirty="0">
-                <a:solidFill>
-                  <a:srgbClr val="000000"/>
-                </a:solidFill>
-                <a:effectLst/>
-                <a:latin typeface="Arial" panose="020B0604020202020204" pitchFamily="34" charset="0"/>
-              </a:rPr>
-              <a:t/>
-            </a:r>
             <a:br>
               <a:rPr lang="pt-BR" b="0" i="0" u="none" strike="noStrike" dirty="0">
                 <a:solidFill>
@@ -10542,12 +10539,6 @@
             </a:r>
           </a:p>
           <a:p>
-            <a:r>
-              <a:rPr lang="pt-BR" sz="1400" b="0" dirty="0">
-                <a:effectLst/>
-              </a:rPr>
-              <a:t/>
-            </a:r>
             <a:br>
               <a:rPr lang="pt-BR" sz="1400" b="0" dirty="0">
                 <a:effectLst/>
@@ -10562,7 +10553,7 @@
           <p:cNvPr id="8" name="Imagem 7">
             <a:extLst>
               <a:ext uri="{FF2B5EF4-FFF2-40B4-BE49-F238E27FC236}">
-                <a16:creationId xmlns="" xmlns:a16="http://schemas.microsoft.com/office/drawing/2014/main" id="{3E7296CD-5480-4449-8052-272CC856813E}"/>
+                <a16:creationId xmlns:a16="http://schemas.microsoft.com/office/drawing/2014/main" id="{3E7296CD-5480-4449-8052-272CC856813E}"/>
               </a:ext>
             </a:extLst>
           </p:cNvPr>
@@ -10617,7 +10608,7 @@
           <p:cNvPr id="11" name="CaixaDeTexto 10">
             <a:extLst>
               <a:ext uri="{FF2B5EF4-FFF2-40B4-BE49-F238E27FC236}">
-                <a16:creationId xmlns="" xmlns:a16="http://schemas.microsoft.com/office/drawing/2014/main" id="{AF106E79-C335-4CE3-8363-15D1553A4BC7}"/>
+                <a16:creationId xmlns:a16="http://schemas.microsoft.com/office/drawing/2014/main" id="{AF106E79-C335-4CE3-8363-15D1553A4BC7}"/>
               </a:ext>
             </a:extLst>
           </p:cNvPr>
@@ -10692,7 +10683,7 @@
           <p:cNvPr id="13" name="CaixaDeTexto 12">
             <a:extLst>
               <a:ext uri="{FF2B5EF4-FFF2-40B4-BE49-F238E27FC236}">
-                <a16:creationId xmlns="" xmlns:a16="http://schemas.microsoft.com/office/drawing/2014/main" id="{4D7473EB-0DC6-43B6-8AD5-EFAAB4FC7143}"/>
+                <a16:creationId xmlns:a16="http://schemas.microsoft.com/office/drawing/2014/main" id="{4D7473EB-0DC6-43B6-8AD5-EFAAB4FC7143}"/>
               </a:ext>
             </a:extLst>
           </p:cNvPr>
@@ -10738,10 +10729,6 @@
             </a:endParaRPr>
           </a:p>
           <a:p>
-            <a:r>
-              <a:rPr lang="pt-BR" dirty="0"/>
-              <a:t/>
-            </a:r>
             <a:br>
               <a:rPr lang="pt-BR" dirty="0"/>
             </a:br>
@@ -10759,13 +10746,6 @@
   <p:clrMapOvr>
     <a:masterClrMapping/>
   </p:clrMapOvr>
-  <p:timing>
-    <p:tnLst>
-      <p:par>
-        <p:cTn id="1" dur="indefinite" restart="never" nodeType="tmRoot"/>
-      </p:par>
-    </p:tnLst>
-  </p:timing>
 </p:sld>
 </file>
 
@@ -10791,7 +10771,7 @@
           <p:cNvPr id="7" name="Retângulo 6">
             <a:extLst>
               <a:ext uri="{FF2B5EF4-FFF2-40B4-BE49-F238E27FC236}">
-                <a16:creationId xmlns="" xmlns:a16="http://schemas.microsoft.com/office/drawing/2014/main" id="{5E0F7497-D302-4F68-8123-03414F2C6833}"/>
+                <a16:creationId xmlns:a16="http://schemas.microsoft.com/office/drawing/2014/main" id="{5E0F7497-D302-4F68-8123-03414F2C6833}"/>
               </a:ext>
             </a:extLst>
           </p:cNvPr>
@@ -10800,8 +10780,8 @@
         </p:nvSpPr>
         <p:spPr>
           <a:xfrm>
-            <a:off x="1704975" y="2558112"/>
-            <a:ext cx="8905875" cy="2032937"/>
+            <a:off x="1704975" y="2558111"/>
+            <a:ext cx="8905875" cy="2284821"/>
           </a:xfrm>
           <a:prstGeom prst="rect">
             <a:avLst/>
@@ -10843,7 +10823,7 @@
           <p:cNvPr id="2" name="Título 1">
             <a:extLst>
               <a:ext uri="{FF2B5EF4-FFF2-40B4-BE49-F238E27FC236}">
-                <a16:creationId xmlns="" xmlns:a16="http://schemas.microsoft.com/office/drawing/2014/main" id="{E5407E68-547D-40FB-ADFC-29225BCA97FB}"/>
+                <a16:creationId xmlns:a16="http://schemas.microsoft.com/office/drawing/2014/main" id="{E5407E68-547D-40FB-ADFC-29225BCA97FB}"/>
               </a:ext>
             </a:extLst>
           </p:cNvPr>
@@ -10867,37 +10847,8 @@
             <a:pPr algn="ctr"/>
             <a:r>
               <a:rPr lang="pt-BR" sz="4000" dirty="0"/>
-              <a:t>EDITAL Nº </a:t>
-            </a:r>
-            <a:r>
-              <a:rPr lang="pt-BR" sz="4000" dirty="0" smtClean="0"/>
-              <a:t>12, </a:t>
-            </a:r>
-            <a:r>
-              <a:rPr lang="pt-BR" sz="4000" dirty="0"/>
-              <a:t>DE </a:t>
-            </a:r>
-            <a:r>
-              <a:rPr lang="pt-BR" sz="4000" dirty="0" smtClean="0"/>
-              <a:t>27 </a:t>
-            </a:r>
-            <a:r>
-              <a:rPr lang="pt-BR" sz="4000" dirty="0"/>
-              <a:t>DE </a:t>
-            </a:r>
-            <a:r>
-              <a:rPr lang="pt-BR" sz="4000" dirty="0" smtClean="0"/>
-              <a:t>NOVEMBRO </a:t>
-            </a:r>
-            <a:r>
-              <a:rPr lang="pt-BR" sz="4000" dirty="0"/>
-              <a:t>DE </a:t>
-            </a:r>
-            <a:r>
-              <a:rPr lang="pt-BR" sz="4000" dirty="0" smtClean="0"/>
-              <a:t>2017</a:t>
-            </a:r>
-            <a:endParaRPr lang="pt-BR" sz="4000" dirty="0"/>
+              <a:t>EDITAL Nº 12, DE 27 DE NOVEMBRO DE 2017</a:t>
+            </a:r>
           </a:p>
         </p:txBody>
       </p:sp>
@@ -10906,7 +10857,7 @@
           <p:cNvPr id="4" name="Espaço Reservado para Número de Slide 3">
             <a:extLst>
               <a:ext uri="{FF2B5EF4-FFF2-40B4-BE49-F238E27FC236}">
-                <a16:creationId xmlns="" xmlns:a16="http://schemas.microsoft.com/office/drawing/2014/main" id="{B251EF4B-4832-430A-9B53-231F361E70F5}"/>
+                <a16:creationId xmlns:a16="http://schemas.microsoft.com/office/drawing/2014/main" id="{B251EF4B-4832-430A-9B53-231F361E70F5}"/>
               </a:ext>
             </a:extLst>
           </p:cNvPr>
@@ -10936,7 +10887,7 @@
           <p:cNvPr id="6" name="CaixaDeTexto 5">
             <a:extLst>
               <a:ext uri="{FF2B5EF4-FFF2-40B4-BE49-F238E27FC236}">
-                <a16:creationId xmlns="" xmlns:a16="http://schemas.microsoft.com/office/drawing/2014/main" id="{51FA5D3E-0952-4ABF-9964-6524675A944A}"/>
+                <a16:creationId xmlns:a16="http://schemas.microsoft.com/office/drawing/2014/main" id="{51FA5D3E-0952-4ABF-9964-6524675A944A}"/>
               </a:ext>
             </a:extLst>
           </p:cNvPr>
@@ -10945,8 +10896,8 @@
         </p:nvSpPr>
         <p:spPr>
           <a:xfrm>
-            <a:off x="956732" y="1162215"/>
-            <a:ext cx="10278533" cy="1200329"/>
+            <a:off x="956732" y="1036174"/>
+            <a:ext cx="10278533" cy="1477328"/>
           </a:xfrm>
           <a:prstGeom prst="rect">
             <a:avLst/>
@@ -10965,6 +10916,13 @@
               <a:t>O edital visa convocar médicos formados no Brasil e no exterior, conforme a Lei nº 12.871/2013 e a Portaria Interministerial nº 1.369/MS/MEC/2013, para adesão ao Projeto Mais Médicos. O objetivo é aperfeiçoar médicos na atenção básica em regiões prioritárias do SUS, oferecendo curso de especialização por instituição pública e atividades de ensino, pesquisa e extensão, com componente assistencial integrado.</a:t>
             </a:r>
           </a:p>
+          <a:p>
+            <a:pPr algn="ctr"/>
+            <a:r>
+              <a:rPr lang="pt-BR" dirty="0"/>
+              <a:t>Vigência de 3 anos.</a:t>
+            </a:r>
+          </a:p>
         </p:txBody>
       </p:sp>
       <p:sp>
@@ -10972,7 +10930,7 @@
           <p:cNvPr id="9" name="CaixaDeTexto 8">
             <a:extLst>
               <a:ext uri="{FF2B5EF4-FFF2-40B4-BE49-F238E27FC236}">
-                <a16:creationId xmlns="" xmlns:a16="http://schemas.microsoft.com/office/drawing/2014/main" id="{A32DB5FD-E24E-4C04-851E-C1CA2DE45BC8}"/>
+                <a16:creationId xmlns:a16="http://schemas.microsoft.com/office/drawing/2014/main" id="{A32DB5FD-E24E-4C04-851E-C1CA2DE45BC8}"/>
               </a:ext>
             </a:extLst>
           </p:cNvPr>
@@ -10981,8 +10939,8 @@
         </p:nvSpPr>
         <p:spPr>
           <a:xfrm>
-            <a:off x="1838324" y="2709877"/>
-            <a:ext cx="8515350" cy="1754326"/>
+            <a:off x="1838322" y="2558112"/>
+            <a:ext cx="8905875" cy="2585323"/>
           </a:xfrm>
           <a:prstGeom prst="rect">
             <a:avLst/>
@@ -11018,16 +10976,10 @@
                   <a:schemeClr val="bg1"/>
                 </a:solidFill>
               </a:rPr>
-              <a:t>b) Médicos brasileiros formados em instituições estrangeiras com habilitação para exercício da Medicina no </a:t>
-            </a:r>
-            <a:r>
-              <a:rPr lang="pt-BR" b="1" dirty="0" smtClean="0">
-                <a:solidFill>
-                  <a:schemeClr val="bg1"/>
-                </a:solidFill>
-              </a:rPr>
-              <a:t>exterior.</a:t>
-            </a:r>
+              <a:t>b) Médicos brasileiros formados em instituições estrangeiras com habilitação para exercício da Medicina no exterior.</a:t>
+            </a:r>
+          </a:p>
+          <a:p>
             <a:endParaRPr lang="pt-BR" b="1" dirty="0">
               <a:solidFill>
                 <a:schemeClr val="bg1"/>
@@ -11035,6 +10987,16 @@
             </a:endParaRPr>
           </a:p>
           <a:p>
+            <a:r>
+              <a:rPr lang="pt-BR" b="1" dirty="0">
+                <a:solidFill>
+                  <a:schemeClr val="bg1"/>
+                </a:solidFill>
+              </a:rPr>
+              <a:t>*A seleção poderá contar com até 2 (duas) fases, caso haja vagas remanescentes, observada a ordem de prioridade estabelecida.</a:t>
+            </a:r>
+          </a:p>
+          <a:p>
             <a:endParaRPr lang="pt-BR" b="1" dirty="0">
               <a:solidFill>
                 <a:schemeClr val="bg1"/>
@@ -11043,6 +11005,135 @@
           </a:p>
         </p:txBody>
       </p:sp>
+      <p:grpSp>
+        <p:nvGrpSpPr>
+          <p:cNvPr id="8" name="Agrupar 7">
+            <a:extLst>
+              <a:ext uri="{FF2B5EF4-FFF2-40B4-BE49-F238E27FC236}">
+                <a16:creationId xmlns:a16="http://schemas.microsoft.com/office/drawing/2014/main" id="{20C8FD87-9129-41A3-893A-92E263044FB3}"/>
+              </a:ext>
+            </a:extLst>
+          </p:cNvPr>
+          <p:cNvGrpSpPr/>
+          <p:nvPr/>
+        </p:nvGrpSpPr>
+        <p:grpSpPr>
+          <a:xfrm>
+            <a:off x="4169832" y="4842932"/>
+            <a:ext cx="3852331" cy="1515533"/>
+            <a:chOff x="4169833" y="4742814"/>
+            <a:chExt cx="3852331" cy="1515533"/>
+          </a:xfrm>
+        </p:grpSpPr>
+        <p:pic>
+          <p:nvPicPr>
+            <p:cNvPr id="10" name="Imagem 9">
+              <a:extLst>
+                <a:ext uri="{FF2B5EF4-FFF2-40B4-BE49-F238E27FC236}">
+                  <a16:creationId xmlns:a16="http://schemas.microsoft.com/office/drawing/2014/main" id="{D38285D6-E03E-449F-BD3F-1BA85663B79C}"/>
+                </a:ext>
+              </a:extLst>
+            </p:cNvPr>
+            <p:cNvPicPr>
+              <a:picLocks noChangeAspect="1"/>
+            </p:cNvPicPr>
+            <p:nvPr/>
+          </p:nvPicPr>
+          <p:blipFill>
+            <a:blip r:embed="rId2" cstate="print">
+              <a:extLst>
+                <a:ext uri="{28A0092B-C50C-407E-A947-70E740481C1C}">
+                  <a14:useLocalDpi xmlns:a14="http://schemas.microsoft.com/office/drawing/2010/main" val="0"/>
+                </a:ext>
+              </a:extLst>
+            </a:blip>
+            <a:stretch>
+              <a:fillRect/>
+            </a:stretch>
+          </p:blipFill>
+          <p:spPr>
+            <a:xfrm>
+              <a:off x="5338232" y="4742814"/>
+              <a:ext cx="1515533" cy="1515533"/>
+            </a:xfrm>
+            <a:prstGeom prst="rect">
+              <a:avLst/>
+            </a:prstGeom>
+          </p:spPr>
+        </p:pic>
+        <p:pic>
+          <p:nvPicPr>
+            <p:cNvPr id="11" name="Imagem 10">
+              <a:extLst>
+                <a:ext uri="{FF2B5EF4-FFF2-40B4-BE49-F238E27FC236}">
+                  <a16:creationId xmlns:a16="http://schemas.microsoft.com/office/drawing/2014/main" id="{C8C263AA-3357-42E9-AB09-1038789A080A}"/>
+                </a:ext>
+              </a:extLst>
+            </p:cNvPr>
+            <p:cNvPicPr>
+              <a:picLocks noChangeAspect="1"/>
+            </p:cNvPicPr>
+            <p:nvPr/>
+          </p:nvPicPr>
+          <p:blipFill>
+            <a:blip r:embed="rId3" cstate="print">
+              <a:extLst>
+                <a:ext uri="{28A0092B-C50C-407E-A947-70E740481C1C}">
+                  <a14:useLocalDpi xmlns:a14="http://schemas.microsoft.com/office/drawing/2010/main" val="0"/>
+                </a:ext>
+              </a:extLst>
+            </a:blip>
+            <a:stretch>
+              <a:fillRect/>
+            </a:stretch>
+          </p:blipFill>
+          <p:spPr>
+            <a:xfrm>
+              <a:off x="4169833" y="4953632"/>
+              <a:ext cx="1093895" cy="1093895"/>
+            </a:xfrm>
+            <a:prstGeom prst="rect">
+              <a:avLst/>
+            </a:prstGeom>
+          </p:spPr>
+        </p:pic>
+        <p:pic>
+          <p:nvPicPr>
+            <p:cNvPr id="12" name="Imagem 11">
+              <a:extLst>
+                <a:ext uri="{FF2B5EF4-FFF2-40B4-BE49-F238E27FC236}">
+                  <a16:creationId xmlns:a16="http://schemas.microsoft.com/office/drawing/2014/main" id="{776B900F-9AF8-4328-A691-7147F27F0483}"/>
+                </a:ext>
+              </a:extLst>
+            </p:cNvPr>
+            <p:cNvPicPr>
+              <a:picLocks noChangeAspect="1"/>
+            </p:cNvPicPr>
+            <p:nvPr/>
+          </p:nvPicPr>
+          <p:blipFill>
+            <a:blip r:embed="rId3" cstate="print">
+              <a:extLst>
+                <a:ext uri="{28A0092B-C50C-407E-A947-70E740481C1C}">
+                  <a14:useLocalDpi xmlns:a14="http://schemas.microsoft.com/office/drawing/2010/main" val="0"/>
+                </a:ext>
+              </a:extLst>
+            </a:blip>
+            <a:stretch>
+              <a:fillRect/>
+            </a:stretch>
+          </p:blipFill>
+          <p:spPr>
+            <a:xfrm>
+              <a:off x="6928269" y="4953632"/>
+              <a:ext cx="1093895" cy="1093895"/>
+            </a:xfrm>
+            <a:prstGeom prst="rect">
+              <a:avLst/>
+            </a:prstGeom>
+          </p:spPr>
+        </p:pic>
+      </p:grpSp>
     </p:spTree>
     <p:extLst>
       <p:ext uri="{BB962C8B-B14F-4D97-AF65-F5344CB8AC3E}">
@@ -11078,7 +11169,7 @@
           <p:cNvPr id="2" name="Título 1">
             <a:extLst>
               <a:ext uri="{FF2B5EF4-FFF2-40B4-BE49-F238E27FC236}">
-                <a16:creationId xmlns="" xmlns:a16="http://schemas.microsoft.com/office/drawing/2014/main" id="{E5407E68-547D-40FB-ADFC-29225BCA97FB}"/>
+                <a16:creationId xmlns:a16="http://schemas.microsoft.com/office/drawing/2014/main" id="{E5407E68-547D-40FB-ADFC-29225BCA97FB}"/>
               </a:ext>
             </a:extLst>
           </p:cNvPr>
@@ -11102,37 +11193,8 @@
             <a:pPr algn="ctr"/>
             <a:r>
               <a:rPr lang="pt-BR" sz="4000" dirty="0"/>
-              <a:t>EDITAL Nº </a:t>
-            </a:r>
-            <a:r>
-              <a:rPr lang="pt-BR" sz="4000" dirty="0" smtClean="0"/>
-              <a:t>12, </a:t>
-            </a:r>
-            <a:r>
-              <a:rPr lang="pt-BR" sz="4000" dirty="0"/>
-              <a:t>DE </a:t>
-            </a:r>
-            <a:r>
-              <a:rPr lang="pt-BR" sz="4000" dirty="0" smtClean="0"/>
-              <a:t>27 </a:t>
-            </a:r>
-            <a:r>
-              <a:rPr lang="pt-BR" sz="4000" dirty="0"/>
-              <a:t>DE </a:t>
-            </a:r>
-            <a:r>
-              <a:rPr lang="pt-BR" sz="4000" dirty="0" smtClean="0"/>
-              <a:t>NOVEMBRO </a:t>
-            </a:r>
-            <a:r>
-              <a:rPr lang="pt-BR" sz="4000" dirty="0"/>
-              <a:t>DE </a:t>
-            </a:r>
-            <a:r>
-              <a:rPr lang="pt-BR" sz="4000" dirty="0" smtClean="0"/>
-              <a:t>2017</a:t>
-            </a:r>
-            <a:endParaRPr lang="pt-BR" sz="4000" dirty="0"/>
+              <a:t>EDITAL Nº 12, DE 27 DE NOVEMBRO DE 2017</a:t>
+            </a:r>
           </a:p>
         </p:txBody>
       </p:sp>
@@ -11141,7 +11203,7 @@
           <p:cNvPr id="4" name="Espaço Reservado para Número de Slide 3">
             <a:extLst>
               <a:ext uri="{FF2B5EF4-FFF2-40B4-BE49-F238E27FC236}">
-                <a16:creationId xmlns="" xmlns:a16="http://schemas.microsoft.com/office/drawing/2014/main" id="{B251EF4B-4832-430A-9B53-231F361E70F5}"/>
+                <a16:creationId xmlns:a16="http://schemas.microsoft.com/office/drawing/2014/main" id="{B251EF4B-4832-430A-9B53-231F361E70F5}"/>
               </a:ext>
             </a:extLst>
           </p:cNvPr>
@@ -11195,7 +11257,7 @@
           <p:cNvPr id="8" name="CaixaDeTexto 7">
             <a:extLst>
               <a:ext uri="{FF2B5EF4-FFF2-40B4-BE49-F238E27FC236}">
-                <a16:creationId xmlns="" xmlns:a16="http://schemas.microsoft.com/office/drawing/2014/main" id="{C2E3A72C-5002-43FB-9D36-5178527CEE2C}"/>
+                <a16:creationId xmlns:a16="http://schemas.microsoft.com/office/drawing/2014/main" id="{C2E3A72C-5002-43FB-9D36-5178527CEE2C}"/>
               </a:ext>
             </a:extLst>
           </p:cNvPr>
@@ -11237,12 +11299,6 @@
                 <a:effectLst/>
               </a:rPr>
             </a:br>
-            <a:r>
-              <a:rPr lang="pt-BR" sz="2400" b="0" dirty="0">
-                <a:effectLst/>
-              </a:rPr>
-              <a:t/>
-            </a:r>
             <a:br>
               <a:rPr lang="pt-BR" sz="2400" b="0" dirty="0">
                 <a:effectLst/>
@@ -11257,7 +11313,7 @@
           <p:cNvPr id="10" name="Conector reto 9">
             <a:extLst>
               <a:ext uri="{FF2B5EF4-FFF2-40B4-BE49-F238E27FC236}">
-                <a16:creationId xmlns="" xmlns:a16="http://schemas.microsoft.com/office/drawing/2014/main" id="{0E93BDD7-EDA9-42FF-A27B-ADD5ED57043A}"/>
+                <a16:creationId xmlns:a16="http://schemas.microsoft.com/office/drawing/2014/main" id="{0E93BDD7-EDA9-42FF-A27B-ADD5ED57043A}"/>
               </a:ext>
             </a:extLst>
           </p:cNvPr>
@@ -11300,7 +11356,7 @@
           <p:cNvPr id="11" name="Conector reto 10">
             <a:extLst>
               <a:ext uri="{FF2B5EF4-FFF2-40B4-BE49-F238E27FC236}">
-                <a16:creationId xmlns="" xmlns:a16="http://schemas.microsoft.com/office/drawing/2014/main" id="{973A06F0-7F39-4132-A1CC-91B9D178825E}"/>
+                <a16:creationId xmlns:a16="http://schemas.microsoft.com/office/drawing/2014/main" id="{973A06F0-7F39-4132-A1CC-91B9D178825E}"/>
               </a:ext>
             </a:extLst>
           </p:cNvPr>
@@ -11373,7 +11429,7 @@
           <p:cNvPr id="7" name="Retângulo 6">
             <a:extLst>
               <a:ext uri="{FF2B5EF4-FFF2-40B4-BE49-F238E27FC236}">
-                <a16:creationId xmlns="" xmlns:a16="http://schemas.microsoft.com/office/drawing/2014/main" id="{5E0F7497-D302-4F68-8123-03414F2C6833}"/>
+                <a16:creationId xmlns:a16="http://schemas.microsoft.com/office/drawing/2014/main" id="{5E0F7497-D302-4F68-8123-03414F2C6833}"/>
               </a:ext>
             </a:extLst>
           </p:cNvPr>
@@ -11425,7 +11481,7 @@
           <p:cNvPr id="2" name="Título 1">
             <a:extLst>
               <a:ext uri="{FF2B5EF4-FFF2-40B4-BE49-F238E27FC236}">
-                <a16:creationId xmlns="" xmlns:a16="http://schemas.microsoft.com/office/drawing/2014/main" id="{E5407E68-547D-40FB-ADFC-29225BCA97FB}"/>
+                <a16:creationId xmlns:a16="http://schemas.microsoft.com/office/drawing/2014/main" id="{E5407E68-547D-40FB-ADFC-29225BCA97FB}"/>
               </a:ext>
             </a:extLst>
           </p:cNvPr>
@@ -11449,37 +11505,8 @@
             <a:pPr algn="ctr"/>
             <a:r>
               <a:rPr lang="pt-BR" sz="4000" dirty="0"/>
-              <a:t>EDITAL Nº </a:t>
-            </a:r>
-            <a:r>
-              <a:rPr lang="pt-BR" sz="4000" dirty="0" smtClean="0"/>
-              <a:t>12, </a:t>
-            </a:r>
-            <a:r>
-              <a:rPr lang="pt-BR" sz="4000" dirty="0"/>
-              <a:t>DE </a:t>
-            </a:r>
-            <a:r>
-              <a:rPr lang="pt-BR" sz="4000" dirty="0" smtClean="0"/>
-              <a:t>27 </a:t>
-            </a:r>
-            <a:r>
-              <a:rPr lang="pt-BR" sz="4000" dirty="0"/>
-              <a:t>DE </a:t>
-            </a:r>
-            <a:r>
-              <a:rPr lang="pt-BR" sz="4000" dirty="0" smtClean="0"/>
-              <a:t>NOVEMBRO </a:t>
-            </a:r>
-            <a:r>
-              <a:rPr lang="pt-BR" sz="4000" dirty="0"/>
-              <a:t>DE </a:t>
-            </a:r>
-            <a:r>
-              <a:rPr lang="pt-BR" sz="4000" dirty="0" smtClean="0"/>
-              <a:t>2017</a:t>
-            </a:r>
-            <a:endParaRPr lang="pt-BR" sz="4000" dirty="0"/>
+              <a:t>EDITAL Nº 12, DE 27 DE NOVEMBRO DE 2017</a:t>
+            </a:r>
           </a:p>
         </p:txBody>
       </p:sp>
@@ -11488,7 +11515,7 @@
           <p:cNvPr id="4" name="Espaço Reservado para Número de Slide 3">
             <a:extLst>
               <a:ext uri="{FF2B5EF4-FFF2-40B4-BE49-F238E27FC236}">
-                <a16:creationId xmlns="" xmlns:a16="http://schemas.microsoft.com/office/drawing/2014/main" id="{B251EF4B-4832-430A-9B53-231F361E70F5}"/>
+                <a16:creationId xmlns:a16="http://schemas.microsoft.com/office/drawing/2014/main" id="{B251EF4B-4832-430A-9B53-231F361E70F5}"/>
               </a:ext>
             </a:extLst>
           </p:cNvPr>
@@ -11518,7 +11545,7 @@
           <p:cNvPr id="9" name="CaixaDeTexto 8">
             <a:extLst>
               <a:ext uri="{FF2B5EF4-FFF2-40B4-BE49-F238E27FC236}">
-                <a16:creationId xmlns="" xmlns:a16="http://schemas.microsoft.com/office/drawing/2014/main" id="{A32DB5FD-E24E-4C04-851E-C1CA2DE45BC8}"/>
+                <a16:creationId xmlns:a16="http://schemas.microsoft.com/office/drawing/2014/main" id="{A32DB5FD-E24E-4C04-851E-C1CA2DE45BC8}"/>
               </a:ext>
             </a:extLst>
           </p:cNvPr>
@@ -11545,28 +11572,12 @@
               <a:buAutoNum type="alphaLcParenR"/>
             </a:pPr>
             <a:r>
-              <a:rPr lang="pt-BR" b="1" dirty="0" smtClean="0">
+              <a:rPr lang="pt-BR" b="1" dirty="0">
                 <a:solidFill>
                   <a:schemeClr val="bg1"/>
                 </a:solidFill>
               </a:rPr>
-              <a:t>Maior </a:t>
-            </a:r>
-            <a:r>
-              <a:rPr lang="pt-BR" b="1" dirty="0">
-                <a:solidFill>
-                  <a:schemeClr val="bg1"/>
-                </a:solidFill>
-              </a:rPr>
-              <a:t>idade, considerados o dia, mês e ano de nascimento; </a:t>
-            </a:r>
-            <a:r>
-              <a:rPr lang="pt-BR" b="1" dirty="0" smtClean="0">
-                <a:solidFill>
-                  <a:schemeClr val="bg1"/>
-                </a:solidFill>
-              </a:rPr>
-              <a:t>e</a:t>
+              <a:t>Maior idade, considerados o dia, mês e ano de nascimento; e</a:t>
             </a:r>
           </a:p>
           <a:p>
@@ -11586,23 +11597,7 @@
                   <a:schemeClr val="bg1"/>
                 </a:solidFill>
               </a:rPr>
-              <a:t>b) Permanecendo o empate, será considerado a data e horário da efetivação </a:t>
-            </a:r>
-            <a:r>
-              <a:rPr lang="pt-BR" b="1" dirty="0" smtClean="0">
-                <a:solidFill>
-                  <a:schemeClr val="bg1"/>
-                </a:solidFill>
-              </a:rPr>
-              <a:t>da inscrição</a:t>
-            </a:r>
-            <a:r>
-              <a:rPr lang="pt-BR" b="1" dirty="0">
-                <a:solidFill>
-                  <a:schemeClr val="bg1"/>
-                </a:solidFill>
-              </a:rPr>
-              <a:t>.</a:t>
+              <a:t>b) Permanecendo o empate, será considerado a data e horário da efetivação da inscrição.</a:t>
             </a:r>
           </a:p>
           <a:p>
@@ -11619,7 +11614,7 @@
           <p:cNvPr id="8" name="CaixaDeTexto 7">
             <a:extLst>
               <a:ext uri="{FF2B5EF4-FFF2-40B4-BE49-F238E27FC236}">
-                <a16:creationId xmlns="" xmlns:a16="http://schemas.microsoft.com/office/drawing/2014/main" id="{51FA5D3E-0952-4ABF-9964-6524675A944A}"/>
+                <a16:creationId xmlns:a16="http://schemas.microsoft.com/office/drawing/2014/main" id="{51FA5D3E-0952-4ABF-9964-6524675A944A}"/>
               </a:ext>
             </a:extLst>
           </p:cNvPr>
@@ -11654,23 +11649,11 @@
               <a:rPr lang="pt-BR" sz="2400" dirty="0"/>
               <a:t>Critérios de desempate</a:t>
             </a:r>
-            <a:r>
-              <a:rPr lang="pt-BR" sz="2400" b="0" dirty="0">
-                <a:effectLst/>
-              </a:rPr>
-              <a:t/>
-            </a:r>
             <a:br>
               <a:rPr lang="pt-BR" sz="2400" b="0" dirty="0">
                 <a:effectLst/>
               </a:rPr>
             </a:br>
-            <a:r>
-              <a:rPr lang="pt-BR" sz="2400" b="0" dirty="0">
-                <a:effectLst/>
-              </a:rPr>
-              <a:t/>
-            </a:r>
             <a:br>
               <a:rPr lang="pt-BR" sz="2400" b="0" dirty="0">
                 <a:effectLst/>
@@ -11685,7 +11668,7 @@
           <p:cNvPr id="10" name="Conector reto 9">
             <a:extLst>
               <a:ext uri="{FF2B5EF4-FFF2-40B4-BE49-F238E27FC236}">
-                <a16:creationId xmlns="" xmlns:a16="http://schemas.microsoft.com/office/drawing/2014/main" id="{863ED132-1CFD-4B6E-9EC7-E7A9D8A31099}"/>
+                <a16:creationId xmlns:a16="http://schemas.microsoft.com/office/drawing/2014/main" id="{863ED132-1CFD-4B6E-9EC7-E7A9D8A31099}"/>
               </a:ext>
             </a:extLst>
           </p:cNvPr>
@@ -11728,7 +11711,7 @@
           <p:cNvPr id="11" name="Conector reto 10">
             <a:extLst>
               <a:ext uri="{FF2B5EF4-FFF2-40B4-BE49-F238E27FC236}">
-                <a16:creationId xmlns="" xmlns:a16="http://schemas.microsoft.com/office/drawing/2014/main" id="{7080E6B4-42C5-4D2F-88E5-5F25701B64F7}"/>
+                <a16:creationId xmlns:a16="http://schemas.microsoft.com/office/drawing/2014/main" id="{7080E6B4-42C5-4D2F-88E5-5F25701B64F7}"/>
               </a:ext>
             </a:extLst>
           </p:cNvPr>
@@ -11766,6 +11749,41 @@
           </a:fontRef>
         </p:style>
       </p:cxnSp>
+      <p:pic>
+        <p:nvPicPr>
+          <p:cNvPr id="12" name="Imagem 11">
+            <a:extLst>
+              <a:ext uri="{FF2B5EF4-FFF2-40B4-BE49-F238E27FC236}">
+                <a16:creationId xmlns:a16="http://schemas.microsoft.com/office/drawing/2014/main" id="{CDEE44F8-2987-4785-9125-D00DDD9E7A2D}"/>
+              </a:ext>
+            </a:extLst>
+          </p:cNvPr>
+          <p:cNvPicPr>
+            <a:picLocks noChangeAspect="1"/>
+          </p:cNvPicPr>
+          <p:nvPr/>
+        </p:nvPicPr>
+        <p:blipFill rotWithShape="1">
+          <a:blip r:embed="rId2">
+            <a:extLst>
+              <a:ext uri="{28A0092B-C50C-407E-A947-70E740481C1C}">
+                <a14:useLocalDpi xmlns:a14="http://schemas.microsoft.com/office/drawing/2010/main" val="0"/>
+              </a:ext>
+            </a:extLst>
+          </a:blip>
+          <a:srcRect t="24493"/>
+          <a:stretch/>
+        </p:blipFill>
+        <p:spPr>
+          <a:xfrm>
+            <a:off x="5234517" y="4930926"/>
+            <a:ext cx="1722966" cy="1389050"/>
+          </a:xfrm>
+          <a:prstGeom prst="rect">
+            <a:avLst/>
+          </a:prstGeom>
+        </p:spPr>
+      </p:pic>
     </p:spTree>
     <p:extLst>
       <p:ext uri="{BB962C8B-B14F-4D97-AF65-F5344CB8AC3E}">
@@ -11798,44 +11816,10 @@
       </p:grpSpPr>
       <p:sp>
         <p:nvSpPr>
-          <p:cNvPr id="2" name="Título 1">
-            <a:extLst>
-              <a:ext uri="{FF2B5EF4-FFF2-40B4-BE49-F238E27FC236}">
-                <a16:creationId xmlns="" xmlns:a16="http://schemas.microsoft.com/office/drawing/2014/main" id="{E5407E68-547D-40FB-ADFC-29225BCA97FB}"/>
-              </a:ext>
-            </a:extLst>
-          </p:cNvPr>
-          <p:cNvSpPr>
-            <a:spLocks noGrp="1"/>
-          </p:cNvSpPr>
-          <p:nvPr>
-            <p:ph type="title"/>
-          </p:nvPr>
-        </p:nvSpPr>
-        <p:spPr>
-          <a:xfrm>
-            <a:off x="419100" y="373393"/>
-            <a:ext cx="11496675" cy="1325563"/>
-          </a:xfrm>
-        </p:spPr>
-        <p:txBody>
-          <a:bodyPr/>
-          <a:lstStyle/>
-          <a:p>
-            <a:pPr algn="ctr"/>
-            <a:r>
-              <a:rPr lang="pt-BR" dirty="0"/>
-              <a:t>EDITAL Nº 9, DE 26 DE MARÇO DE 2020</a:t>
-            </a:r>
-          </a:p>
-        </p:txBody>
-      </p:sp>
-      <p:sp>
-        <p:nvSpPr>
           <p:cNvPr id="4" name="Espaço Reservado para Número de Slide 3">
             <a:extLst>
               <a:ext uri="{FF2B5EF4-FFF2-40B4-BE49-F238E27FC236}">
-                <a16:creationId xmlns="" xmlns:a16="http://schemas.microsoft.com/office/drawing/2014/main" id="{B251EF4B-4832-430A-9B53-231F361E70F5}"/>
+                <a16:creationId xmlns:a16="http://schemas.microsoft.com/office/drawing/2014/main" id="{B251EF4B-4832-430A-9B53-231F361E70F5}"/>
               </a:ext>
             </a:extLst>
           </p:cNvPr>
@@ -11865,7 +11849,7 @@
           <p:cNvPr id="6" name="CaixaDeTexto 5">
             <a:extLst>
               <a:ext uri="{FF2B5EF4-FFF2-40B4-BE49-F238E27FC236}">
-                <a16:creationId xmlns="" xmlns:a16="http://schemas.microsoft.com/office/drawing/2014/main" id="{51FA5D3E-0952-4ABF-9964-6524675A944A}"/>
+                <a16:creationId xmlns:a16="http://schemas.microsoft.com/office/drawing/2014/main" id="{51FA5D3E-0952-4ABF-9964-6524675A944A}"/>
               </a:ext>
             </a:extLst>
           </p:cNvPr>
@@ -11900,23 +11884,11 @@
               <a:rPr lang="pt-BR" sz="2800" dirty="0"/>
               <a:t>Classificação das localidades</a:t>
             </a:r>
-            <a:r>
-              <a:rPr lang="pt-BR" sz="2800" b="0" dirty="0">
-                <a:effectLst/>
-              </a:rPr>
-              <a:t/>
-            </a:r>
             <a:br>
               <a:rPr lang="pt-BR" sz="2800" b="0" dirty="0">
                 <a:effectLst/>
               </a:rPr>
             </a:br>
-            <a:r>
-              <a:rPr lang="pt-BR" sz="2800" b="0" dirty="0">
-                <a:effectLst/>
-              </a:rPr>
-              <a:t/>
-            </a:r>
             <a:br>
               <a:rPr lang="pt-BR" sz="2800" b="0" dirty="0">
                 <a:effectLst/>
@@ -11931,7 +11903,7 @@
           <p:cNvPr id="13" name="CaixaDeTexto 12">
             <a:extLst>
               <a:ext uri="{FF2B5EF4-FFF2-40B4-BE49-F238E27FC236}">
-                <a16:creationId xmlns="" xmlns:a16="http://schemas.microsoft.com/office/drawing/2014/main" id="{9C3FC4C1-BBE1-40EB-BB49-C266511B5D4F}"/>
+                <a16:creationId xmlns:a16="http://schemas.microsoft.com/office/drawing/2014/main" id="{9C3FC4C1-BBE1-40EB-BB49-C266511B5D4F}"/>
               </a:ext>
             </a:extLst>
           </p:cNvPr>
@@ -11970,7 +11942,7 @@
           <p:cNvPr id="9" name="Conector reto 8">
             <a:extLst>
               <a:ext uri="{FF2B5EF4-FFF2-40B4-BE49-F238E27FC236}">
-                <a16:creationId xmlns="" xmlns:a16="http://schemas.microsoft.com/office/drawing/2014/main" id="{0C5F8B4B-E280-4140-838E-B39EB5F7609A}"/>
+                <a16:creationId xmlns:a16="http://schemas.microsoft.com/office/drawing/2014/main" id="{0C5F8B4B-E280-4140-838E-B39EB5F7609A}"/>
               </a:ext>
             </a:extLst>
           </p:cNvPr>
@@ -12013,7 +11985,7 @@
           <p:cNvPr id="10" name="Conector reto 9">
             <a:extLst>
               <a:ext uri="{FF2B5EF4-FFF2-40B4-BE49-F238E27FC236}">
-                <a16:creationId xmlns="" xmlns:a16="http://schemas.microsoft.com/office/drawing/2014/main" id="{93CB148D-F7D0-4670-A07F-77B4494B35B4}"/>
+                <a16:creationId xmlns:a16="http://schemas.microsoft.com/office/drawing/2014/main" id="{93CB148D-F7D0-4670-A07F-77B4494B35B4}"/>
               </a:ext>
             </a:extLst>
           </p:cNvPr>
@@ -12099,6 +12071,40 @@
           </a:prstGeom>
         </p:spPr>
       </p:pic>
+      <p:sp>
+        <p:nvSpPr>
+          <p:cNvPr id="14" name="Título 1">
+            <a:extLst>
+              <a:ext uri="{FF2B5EF4-FFF2-40B4-BE49-F238E27FC236}">
+                <a16:creationId xmlns:a16="http://schemas.microsoft.com/office/drawing/2014/main" id="{0662A4D4-1959-4835-96EA-576EEC085C49}"/>
+              </a:ext>
+            </a:extLst>
+          </p:cNvPr>
+          <p:cNvSpPr>
+            <a:spLocks noGrp="1"/>
+          </p:cNvSpPr>
+          <p:nvPr>
+            <p:ph type="title"/>
+          </p:nvPr>
+        </p:nvSpPr>
+        <p:spPr>
+          <a:xfrm>
+            <a:off x="0" y="373393"/>
+            <a:ext cx="12192000" cy="1325563"/>
+          </a:xfrm>
+        </p:spPr>
+        <p:txBody>
+          <a:bodyPr/>
+          <a:lstStyle/>
+          <a:p>
+            <a:pPr algn="ctr"/>
+            <a:r>
+              <a:rPr lang="pt-BR" sz="4000" dirty="0"/>
+              <a:t>EDITAL Nº 12, DE 27 DE NOVEMBRO DE 2017</a:t>
+            </a:r>
+          </a:p>
+        </p:txBody>
+      </p:sp>
     </p:spTree>
     <p:extLst>
       <p:ext uri="{BB962C8B-B14F-4D97-AF65-F5344CB8AC3E}">
@@ -12134,7 +12140,7 @@
           <p:cNvPr id="2" name="Título 1">
             <a:extLst>
               <a:ext uri="{FF2B5EF4-FFF2-40B4-BE49-F238E27FC236}">
-                <a16:creationId xmlns="" xmlns:a16="http://schemas.microsoft.com/office/drawing/2014/main" id="{E5407E68-547D-40FB-ADFC-29225BCA97FB}"/>
+                <a16:creationId xmlns:a16="http://schemas.microsoft.com/office/drawing/2014/main" id="{E5407E68-547D-40FB-ADFC-29225BCA97FB}"/>
               </a:ext>
             </a:extLst>
           </p:cNvPr>
@@ -12163,7 +12169,7 @@
           <p:cNvPr id="4" name="Espaço Reservado para Número de Slide 3">
             <a:extLst>
               <a:ext uri="{FF2B5EF4-FFF2-40B4-BE49-F238E27FC236}">
-                <a16:creationId xmlns="" xmlns:a16="http://schemas.microsoft.com/office/drawing/2014/main" id="{B251EF4B-4832-430A-9B53-231F361E70F5}"/>
+                <a16:creationId xmlns:a16="http://schemas.microsoft.com/office/drawing/2014/main" id="{B251EF4B-4832-430A-9B53-231F361E70F5}"/>
               </a:ext>
             </a:extLst>
           </p:cNvPr>
@@ -12193,7 +12199,7 @@
           <p:cNvPr id="7" name="CaixaDeTexto 6">
             <a:extLst>
               <a:ext uri="{FF2B5EF4-FFF2-40B4-BE49-F238E27FC236}">
-                <a16:creationId xmlns="" xmlns:a16="http://schemas.microsoft.com/office/drawing/2014/main" id="{875E6116-A1D4-4C06-8451-B1ED7DE07F79}"/>
+                <a16:creationId xmlns:a16="http://schemas.microsoft.com/office/drawing/2014/main" id="{875E6116-A1D4-4C06-8451-B1ED7DE07F79}"/>
               </a:ext>
             </a:extLst>
           </p:cNvPr>
@@ -12224,16 +12230,6 @@
                 <a:spcPts val="0"/>
               </a:spcAft>
             </a:pPr>
-            <a:r>
-              <a:rPr lang="pt-BR" b="0" i="0" u="none" strike="noStrike" dirty="0">
-                <a:solidFill>
-                  <a:srgbClr val="000000"/>
-                </a:solidFill>
-                <a:effectLst/>
-                <a:latin typeface="Arial" panose="020B0604020202020204" pitchFamily="34" charset="0"/>
-              </a:rPr>
-              <a:t/>
-            </a:r>
             <a:br>
               <a:rPr lang="pt-BR" b="0" i="0" u="none" strike="noStrike" dirty="0">
                 <a:solidFill>
@@ -12262,12 +12258,6 @@
                 <a:latin typeface="Arial" panose="020B0604020202020204" pitchFamily="34" charset="0"/>
               </a:rPr>
               <a:t>.</a:t>
-            </a:r>
-            <a:r>
-              <a:rPr lang="pt-BR" sz="1400" b="0" dirty="0">
-                <a:effectLst/>
-              </a:rPr>
-              <a:t/>
             </a:r>
             <a:br>
               <a:rPr lang="pt-BR" sz="1400" b="0" dirty="0">
@@ -12283,7 +12273,7 @@
           <p:cNvPr id="13" name="CaixaDeTexto 12">
             <a:extLst>
               <a:ext uri="{FF2B5EF4-FFF2-40B4-BE49-F238E27FC236}">
-                <a16:creationId xmlns="" xmlns:a16="http://schemas.microsoft.com/office/drawing/2014/main" id="{4D7473EB-0DC6-43B6-8AD5-EFAAB4FC7143}"/>
+                <a16:creationId xmlns:a16="http://schemas.microsoft.com/office/drawing/2014/main" id="{4D7473EB-0DC6-43B6-8AD5-EFAAB4FC7143}"/>
               </a:ext>
             </a:extLst>
           </p:cNvPr>
@@ -12329,10 +12319,6 @@
             </a:endParaRPr>
           </a:p>
           <a:p>
-            <a:r>
-              <a:rPr lang="pt-BR" dirty="0"/>
-              <a:t/>
-            </a:r>
             <a:br>
               <a:rPr lang="pt-BR" dirty="0"/>
             </a:br>
@@ -12345,7 +12331,7 @@
           <p:cNvPr id="5" name="Imagem 4">
             <a:extLst>
               <a:ext uri="{FF2B5EF4-FFF2-40B4-BE49-F238E27FC236}">
-                <a16:creationId xmlns="" xmlns:a16="http://schemas.microsoft.com/office/drawing/2014/main" id="{2507062F-962A-4EA3-BDFC-19F7DEB3B305}"/>
+                <a16:creationId xmlns:a16="http://schemas.microsoft.com/office/drawing/2014/main" id="{2507062F-962A-4EA3-BDFC-19F7DEB3B305}"/>
               </a:ext>
             </a:extLst>
           </p:cNvPr>
@@ -12381,7 +12367,7 @@
           <p:cNvPr id="10" name="Conector reto 9">
             <a:extLst>
               <a:ext uri="{FF2B5EF4-FFF2-40B4-BE49-F238E27FC236}">
-                <a16:creationId xmlns="" xmlns:a16="http://schemas.microsoft.com/office/drawing/2014/main" id="{500C1D4A-6CA1-4918-9D0C-A6C7752B7263}"/>
+                <a16:creationId xmlns:a16="http://schemas.microsoft.com/office/drawing/2014/main" id="{500C1D4A-6CA1-4918-9D0C-A6C7752B7263}"/>
               </a:ext>
             </a:extLst>
           </p:cNvPr>
@@ -12422,7 +12408,7 @@
           <p:cNvPr id="14" name="Conector reto 13">
             <a:extLst>
               <a:ext uri="{FF2B5EF4-FFF2-40B4-BE49-F238E27FC236}">
-                <a16:creationId xmlns="" xmlns:a16="http://schemas.microsoft.com/office/drawing/2014/main" id="{CAF07FCD-2206-4ECE-87FD-E01D375737E0}"/>
+                <a16:creationId xmlns:a16="http://schemas.microsoft.com/office/drawing/2014/main" id="{CAF07FCD-2206-4ECE-87FD-E01D375737E0}"/>
               </a:ext>
             </a:extLst>
           </p:cNvPr>
@@ -12468,13 +12454,6 @@
   <p:clrMapOvr>
     <a:masterClrMapping/>
   </p:clrMapOvr>
-  <p:timing>
-    <p:tnLst>
-      <p:par>
-        <p:cTn id="1" dur="indefinite" restart="never" nodeType="tmRoot"/>
-      </p:par>
-    </p:tnLst>
-  </p:timing>
 </p:sld>
 </file>
 
@@ -12500,7 +12479,7 @@
           <p:cNvPr id="2050" name="Picture 2">
             <a:extLst>
               <a:ext uri="{FF2B5EF4-FFF2-40B4-BE49-F238E27FC236}">
-                <a16:creationId xmlns="" xmlns:a16="http://schemas.microsoft.com/office/drawing/2014/main" id="{917B7366-C21A-41D0-9629-017CDE3B70CE}"/>
+                <a16:creationId xmlns:a16="http://schemas.microsoft.com/office/drawing/2014/main" id="{917B7366-C21A-41D0-9629-017CDE3B70CE}"/>
               </a:ext>
             </a:extLst>
           </p:cNvPr>
@@ -12547,7 +12526,7 @@
           <p:cNvPr id="2" name="Título 1">
             <a:extLst>
               <a:ext uri="{FF2B5EF4-FFF2-40B4-BE49-F238E27FC236}">
-                <a16:creationId xmlns="" xmlns:a16="http://schemas.microsoft.com/office/drawing/2014/main" id="{E5407E68-547D-40FB-ADFC-29225BCA97FB}"/>
+                <a16:creationId xmlns:a16="http://schemas.microsoft.com/office/drawing/2014/main" id="{E5407E68-547D-40FB-ADFC-29225BCA97FB}"/>
               </a:ext>
             </a:extLst>
           </p:cNvPr>
@@ -12576,7 +12555,7 @@
           <p:cNvPr id="4" name="Espaço Reservado para Número de Slide 3">
             <a:extLst>
               <a:ext uri="{FF2B5EF4-FFF2-40B4-BE49-F238E27FC236}">
-                <a16:creationId xmlns="" xmlns:a16="http://schemas.microsoft.com/office/drawing/2014/main" id="{B251EF4B-4832-430A-9B53-231F361E70F5}"/>
+                <a16:creationId xmlns:a16="http://schemas.microsoft.com/office/drawing/2014/main" id="{B251EF4B-4832-430A-9B53-231F361E70F5}"/>
               </a:ext>
             </a:extLst>
           </p:cNvPr>
@@ -12606,7 +12585,7 @@
           <p:cNvPr id="16" name="CaixaDeTexto 15">
             <a:extLst>
               <a:ext uri="{FF2B5EF4-FFF2-40B4-BE49-F238E27FC236}">
-                <a16:creationId xmlns="" xmlns:a16="http://schemas.microsoft.com/office/drawing/2014/main" id="{02AF37DB-B681-4C41-A8BD-3132AC01852C}"/>
+                <a16:creationId xmlns:a16="http://schemas.microsoft.com/office/drawing/2014/main" id="{02AF37DB-B681-4C41-A8BD-3132AC01852C}"/>
               </a:ext>
             </a:extLst>
           </p:cNvPr>
@@ -12712,23 +12691,11 @@
             </a:endParaRPr>
           </a:p>
           <a:p>
-            <a:r>
-              <a:rPr lang="pt-BR" b="0" dirty="0">
-                <a:effectLst/>
-              </a:rPr>
-              <a:t/>
-            </a:r>
             <a:br>
               <a:rPr lang="pt-BR" b="0" dirty="0">
                 <a:effectLst/>
               </a:rPr>
             </a:br>
-            <a:r>
-              <a:rPr lang="pt-BR" b="0" dirty="0">
-                <a:effectLst/>
-              </a:rPr>
-              <a:t/>
-            </a:r>
             <a:br>
               <a:rPr lang="pt-BR" b="0" dirty="0">
                 <a:effectLst/>
@@ -12743,7 +12710,7 @@
           <p:cNvPr id="19" name="CaixaDeTexto 18">
             <a:extLst>
               <a:ext uri="{FF2B5EF4-FFF2-40B4-BE49-F238E27FC236}">
-                <a16:creationId xmlns="" xmlns:a16="http://schemas.microsoft.com/office/drawing/2014/main" id="{6A3144A0-0FCA-4AFD-968A-3429775EF61A}"/>
+                <a16:creationId xmlns:a16="http://schemas.microsoft.com/office/drawing/2014/main" id="{6A3144A0-0FCA-4AFD-968A-3429775EF61A}"/>
               </a:ext>
             </a:extLst>
           </p:cNvPr>
@@ -12794,7 +12761,7 @@
                 <a:hlinkClick r:id="rId3">
                   <a:extLst>
                     <a:ext uri="{A12FA001-AC4F-418D-AE19-62706E023703}">
-                      <ahyp:hlinkClr xmlns="" xmlns:ahyp="http://schemas.microsoft.com/office/drawing/2018/hyperlinkcolor" val="tx"/>
+                      <ahyp:hlinkClr xmlns:ahyp="http://schemas.microsoft.com/office/drawing/2018/hyperlinkcolor" val="tx"/>
                     </a:ext>
                   </a:extLst>
                 </a:hlinkClick>
@@ -12843,13 +12810,6 @@
   <p:clrMapOvr>
     <a:masterClrMapping/>
   </p:clrMapOvr>
-  <p:timing>
-    <p:tnLst>
-      <p:par>
-        <p:cTn id="1" dur="indefinite" restart="never" nodeType="tmRoot"/>
-      </p:par>
-    </p:tnLst>
-  </p:timing>
 </p:sld>
 </file>
 

--- a/01_dados/Programa Mais Médicos.pptx
+++ b/01_dados/Programa Mais Médicos.pptx
@@ -5,10 +5,10 @@
     <p:sldMasterId id="2147483648" r:id="rId1"/>
   </p:sldMasterIdLst>
   <p:notesMasterIdLst>
-    <p:notesMasterId r:id="rId24"/>
+    <p:notesMasterId r:id="rId29"/>
   </p:notesMasterIdLst>
   <p:handoutMasterIdLst>
-    <p:handoutMasterId r:id="rId25"/>
+    <p:handoutMasterId r:id="rId30"/>
   </p:handoutMasterIdLst>
   <p:sldIdLst>
     <p:sldId id="256" r:id="rId2"/>
@@ -16,23 +16,28 @@
     <p:sldId id="259" r:id="rId4"/>
     <p:sldId id="274" r:id="rId5"/>
     <p:sldId id="275" r:id="rId6"/>
-    <p:sldId id="276" r:id="rId7"/>
-    <p:sldId id="277" r:id="rId8"/>
-    <p:sldId id="260" r:id="rId9"/>
-    <p:sldId id="261" r:id="rId10"/>
-    <p:sldId id="264" r:id="rId11"/>
-    <p:sldId id="263" r:id="rId12"/>
-    <p:sldId id="262" r:id="rId13"/>
-    <p:sldId id="265" r:id="rId14"/>
-    <p:sldId id="266" r:id="rId15"/>
-    <p:sldId id="267" r:id="rId16"/>
-    <p:sldId id="268" r:id="rId17"/>
-    <p:sldId id="269" r:id="rId18"/>
-    <p:sldId id="270" r:id="rId19"/>
-    <p:sldId id="271" r:id="rId20"/>
-    <p:sldId id="272" r:id="rId21"/>
-    <p:sldId id="273" r:id="rId22"/>
-    <p:sldId id="257" r:id="rId23"/>
+    <p:sldId id="280" r:id="rId7"/>
+    <p:sldId id="281" r:id="rId8"/>
+    <p:sldId id="282" r:id="rId9"/>
+    <p:sldId id="278" r:id="rId10"/>
+    <p:sldId id="279" r:id="rId11"/>
+    <p:sldId id="276" r:id="rId12"/>
+    <p:sldId id="277" r:id="rId13"/>
+    <p:sldId id="260" r:id="rId14"/>
+    <p:sldId id="261" r:id="rId15"/>
+    <p:sldId id="264" r:id="rId16"/>
+    <p:sldId id="263" r:id="rId17"/>
+    <p:sldId id="262" r:id="rId18"/>
+    <p:sldId id="265" r:id="rId19"/>
+    <p:sldId id="266" r:id="rId20"/>
+    <p:sldId id="267" r:id="rId21"/>
+    <p:sldId id="268" r:id="rId22"/>
+    <p:sldId id="269" r:id="rId23"/>
+    <p:sldId id="270" r:id="rId24"/>
+    <p:sldId id="271" r:id="rId25"/>
+    <p:sldId id="272" r:id="rId26"/>
+    <p:sldId id="273" r:id="rId27"/>
+    <p:sldId id="257" r:id="rId28"/>
   </p:sldIdLst>
   <p:sldSz cx="12192000" cy="6858000"/>
   <p:notesSz cx="6858000" cy="9144000"/>
@@ -144,7 +149,7 @@
   <pc:docChgLst>
     <pc:chgData name="Alef Santos" userId="e94e91ad3b9f2a1e" providerId="LiveId" clId="{68A89180-F1A0-4748-A131-D97FFFA3BC5F}"/>
     <pc:docChg chg="undo custSel addSld modSld sldOrd">
-      <pc:chgData name="Alef Santos" userId="e94e91ad3b9f2a1e" providerId="LiveId" clId="{68A89180-F1A0-4748-A131-D97FFFA3BC5F}" dt="2024-10-21T17:29:35.587" v="654" actId="20577"/>
+      <pc:chgData name="Alef Santos" userId="e94e91ad3b9f2a1e" providerId="LiveId" clId="{68A89180-F1A0-4748-A131-D97FFFA3BC5F}" dt="2024-10-22T20:38:30.577" v="781" actId="1076"/>
       <pc:docMkLst>
         <pc:docMk/>
       </pc:docMkLst>
@@ -856,14 +861,22 @@
           </ac:cxnSpMkLst>
         </pc:cxnChg>
       </pc:sldChg>
-      <pc:sldChg chg="addSp modSp mod">
-        <pc:chgData name="Alef Santos" userId="e94e91ad3b9f2a1e" providerId="LiveId" clId="{68A89180-F1A0-4748-A131-D97FFFA3BC5F}" dt="2024-10-21T17:29:35.587" v="654" actId="20577"/>
+      <pc:sldChg chg="addSp delSp modSp mod">
+        <pc:chgData name="Alef Santos" userId="e94e91ad3b9f2a1e" providerId="LiveId" clId="{68A89180-F1A0-4748-A131-D97FFFA3BC5F}" dt="2024-10-22T18:12:57.431" v="681" actId="478"/>
         <pc:sldMkLst>
           <pc:docMk/>
           <pc:sldMk cId="3709535926" sldId="274"/>
         </pc:sldMkLst>
         <pc:spChg chg="mod">
-          <ac:chgData name="Alef Santos" userId="e94e91ad3b9f2a1e" providerId="LiveId" clId="{68A89180-F1A0-4748-A131-D97FFFA3BC5F}" dt="2024-10-21T16:07:06.917" v="606" actId="20577"/>
+          <ac:chgData name="Alef Santos" userId="e94e91ad3b9f2a1e" providerId="LiveId" clId="{68A89180-F1A0-4748-A131-D97FFFA3BC5F}" dt="2024-10-22T18:11:06.744" v="677" actId="20577"/>
+          <ac:spMkLst>
+            <pc:docMk/>
+            <pc:sldMk cId="3709535926" sldId="274"/>
+            <ac:spMk id="2" creationId="{E5407E68-547D-40FB-ADFC-29225BCA97FB}"/>
+          </ac:spMkLst>
+        </pc:spChg>
+        <pc:spChg chg="del mod">
+          <ac:chgData name="Alef Santos" userId="e94e91ad3b9f2a1e" providerId="LiveId" clId="{68A89180-F1A0-4748-A131-D97FFFA3BC5F}" dt="2024-10-22T18:12:57.431" v="681" actId="478"/>
           <ac:spMkLst>
             <pc:docMk/>
             <pc:sldMk cId="3709535926" sldId="274"/>
@@ -879,7 +892,7 @@
           </ac:spMkLst>
         </pc:spChg>
         <pc:spChg chg="mod">
-          <ac:chgData name="Alef Santos" userId="e94e91ad3b9f2a1e" providerId="LiveId" clId="{68A89180-F1A0-4748-A131-D97FFFA3BC5F}" dt="2024-10-21T17:29:35.587" v="654" actId="20577"/>
+          <ac:chgData name="Alef Santos" userId="e94e91ad3b9f2a1e" providerId="LiveId" clId="{68A89180-F1A0-4748-A131-D97FFFA3BC5F}" dt="2024-10-22T18:12:35.069" v="680" actId="1076"/>
           <ac:spMkLst>
             <pc:docMk/>
             <pc:sldMk cId="3709535926" sldId="274"/>
@@ -919,6 +932,69 @@
           </ac:picMkLst>
         </pc:picChg>
       </pc:sldChg>
+      <pc:sldChg chg="addSp delSp modSp mod ord">
+        <pc:chgData name="Alef Santos" userId="e94e91ad3b9f2a1e" providerId="LiveId" clId="{68A89180-F1A0-4748-A131-D97FFFA3BC5F}" dt="2024-10-22T18:20:26.837" v="694" actId="14100"/>
+        <pc:sldMkLst>
+          <pc:docMk/>
+          <pc:sldMk cId="2712773111" sldId="275"/>
+        </pc:sldMkLst>
+        <pc:spChg chg="del mod">
+          <ac:chgData name="Alef Santos" userId="e94e91ad3b9f2a1e" providerId="LiveId" clId="{68A89180-F1A0-4748-A131-D97FFFA3BC5F}" dt="2024-10-22T18:18:31.028" v="686" actId="478"/>
+          <ac:spMkLst>
+            <pc:docMk/>
+            <pc:sldMk cId="2712773111" sldId="275"/>
+            <ac:spMk id="2" creationId="{E5407E68-547D-40FB-ADFC-29225BCA97FB}"/>
+          </ac:spMkLst>
+        </pc:spChg>
+        <pc:spChg chg="add del mod">
+          <ac:chgData name="Alef Santos" userId="e94e91ad3b9f2a1e" providerId="LiveId" clId="{68A89180-F1A0-4748-A131-D97FFFA3BC5F}" dt="2024-10-22T18:18:33.063" v="687" actId="478"/>
+          <ac:spMkLst>
+            <pc:docMk/>
+            <pc:sldMk cId="2712773111" sldId="275"/>
+            <ac:spMk id="6" creationId="{6D9EFB15-A62C-4A27-AEA4-8A3BB48A0E7D}"/>
+          </ac:spMkLst>
+        </pc:spChg>
+        <pc:spChg chg="add mod">
+          <ac:chgData name="Alef Santos" userId="e94e91ad3b9f2a1e" providerId="LiveId" clId="{68A89180-F1A0-4748-A131-D97FFFA3BC5F}" dt="2024-10-22T18:18:37.022" v="688"/>
+          <ac:spMkLst>
+            <pc:docMk/>
+            <pc:sldMk cId="2712773111" sldId="275"/>
+            <ac:spMk id="12" creationId="{7F45D1C7-84AE-4737-95B5-15F98FD8F5D0}"/>
+          </ac:spMkLst>
+        </pc:spChg>
+        <pc:picChg chg="del">
+          <ac:chgData name="Alef Santos" userId="e94e91ad3b9f2a1e" providerId="LiveId" clId="{68A89180-F1A0-4748-A131-D97FFFA3BC5F}" dt="2024-10-22T18:19:05.990" v="690" actId="478"/>
+          <ac:picMkLst>
+            <pc:docMk/>
+            <pc:sldMk cId="2712773111" sldId="275"/>
+            <ac:picMk id="3" creationId="{00000000-0000-0000-0000-000000000000}"/>
+          </ac:picMkLst>
+        </pc:picChg>
+        <pc:picChg chg="add mod">
+          <ac:chgData name="Alef Santos" userId="e94e91ad3b9f2a1e" providerId="LiveId" clId="{68A89180-F1A0-4748-A131-D97FFFA3BC5F}" dt="2024-10-22T18:19:15.044" v="692" actId="1076"/>
+          <ac:picMkLst>
+            <pc:docMk/>
+            <pc:sldMk cId="2712773111" sldId="275"/>
+            <ac:picMk id="9" creationId="{E8107C0F-B16C-49C5-B27F-B305FF43CD58}"/>
+          </ac:picMkLst>
+        </pc:picChg>
+        <pc:cxnChg chg="mod">
+          <ac:chgData name="Alef Santos" userId="e94e91ad3b9f2a1e" providerId="LiveId" clId="{68A89180-F1A0-4748-A131-D97FFFA3BC5F}" dt="2024-10-22T18:20:23.165" v="693" actId="14100"/>
+          <ac:cxnSpMkLst>
+            <pc:docMk/>
+            <pc:sldMk cId="2712773111" sldId="275"/>
+            <ac:cxnSpMk id="10" creationId="{0E93BDD7-EDA9-42FF-A27B-ADD5ED57043A}"/>
+          </ac:cxnSpMkLst>
+        </pc:cxnChg>
+        <pc:cxnChg chg="mod">
+          <ac:chgData name="Alef Santos" userId="e94e91ad3b9f2a1e" providerId="LiveId" clId="{68A89180-F1A0-4748-A131-D97FFFA3BC5F}" dt="2024-10-22T18:20:26.837" v="694" actId="14100"/>
+          <ac:cxnSpMkLst>
+            <pc:docMk/>
+            <pc:sldMk cId="2712773111" sldId="275"/>
+            <ac:cxnSpMk id="11" creationId="{973A06F0-7F39-4132-A1CC-91B9D178825E}"/>
+          </ac:cxnSpMkLst>
+        </pc:cxnChg>
+      </pc:sldChg>
       <pc:sldChg chg="addSp modSp">
         <pc:chgData name="Alef Santos" userId="e94e91ad3b9f2a1e" providerId="LiveId" clId="{68A89180-F1A0-4748-A131-D97FFFA3BC5F}" dt="2024-10-21T16:12:59.226" v="632"/>
         <pc:sldMkLst>
@@ -935,7 +1011,7 @@
         </pc:picChg>
       </pc:sldChg>
       <pc:sldChg chg="addSp delSp modSp mod">
-        <pc:chgData name="Alef Santos" userId="e94e91ad3b9f2a1e" providerId="LiveId" clId="{68A89180-F1A0-4748-A131-D97FFFA3BC5F}" dt="2024-10-21T16:15:56.443" v="642"/>
+        <pc:chgData name="Alef Santos" userId="e94e91ad3b9f2a1e" providerId="LiveId" clId="{68A89180-F1A0-4748-A131-D97FFFA3BC5F}" dt="2024-10-22T18:24:43.447" v="730" actId="478"/>
         <pc:sldMkLst>
           <pc:docMk/>
           <pc:sldMk cId="2221675722" sldId="277"/>
@@ -946,6 +1022,14 @@
             <pc:docMk/>
             <pc:sldMk cId="2221675722" sldId="277"/>
             <ac:spMk id="2" creationId="{E5407E68-547D-40FB-ADFC-29225BCA97FB}"/>
+          </ac:spMkLst>
+        </pc:spChg>
+        <pc:spChg chg="add del mod">
+          <ac:chgData name="Alef Santos" userId="e94e91ad3b9f2a1e" providerId="LiveId" clId="{68A89180-F1A0-4748-A131-D97FFFA3BC5F}" dt="2024-10-22T18:24:43.447" v="730" actId="478"/>
+          <ac:spMkLst>
+            <pc:docMk/>
+            <pc:sldMk cId="2221675722" sldId="277"/>
+            <ac:spMk id="5" creationId="{09B989D3-3632-4C8D-9A6D-0C41EF5DDF99}"/>
           </ac:spMkLst>
         </pc:spChg>
         <pc:spChg chg="add del mod">
@@ -964,8 +1048,8 @@
             <ac:spMk id="12" creationId="{67C08127-8B35-45E4-A214-6463B365B106}"/>
           </ac:spMkLst>
         </pc:spChg>
-        <pc:spChg chg="add mod">
-          <ac:chgData name="Alef Santos" userId="e94e91ad3b9f2a1e" providerId="LiveId" clId="{68A89180-F1A0-4748-A131-D97FFFA3BC5F}" dt="2024-10-21T16:15:56.443" v="642"/>
+        <pc:spChg chg="add del mod">
+          <ac:chgData name="Alef Santos" userId="e94e91ad3b9f2a1e" providerId="LiveId" clId="{68A89180-F1A0-4748-A131-D97FFFA3BC5F}" dt="2024-10-22T18:24:43.447" v="730" actId="478"/>
           <ac:spMkLst>
             <pc:docMk/>
             <pc:sldMk cId="2221675722" sldId="277"/>
@@ -980,6 +1064,185 @@
             <ac:picMk id="3" creationId="{00000000-0000-0000-0000-000000000000}"/>
           </ac:picMkLst>
         </pc:picChg>
+      </pc:sldChg>
+      <pc:sldChg chg="add">
+        <pc:chgData name="Alef Santos" userId="e94e91ad3b9f2a1e" providerId="LiveId" clId="{68A89180-F1A0-4748-A131-D97FFFA3BC5F}" dt="2024-10-22T18:10:32.690" v="655" actId="2890"/>
+        <pc:sldMkLst>
+          <pc:docMk/>
+          <pc:sldMk cId="1876136348" sldId="278"/>
+        </pc:sldMkLst>
+      </pc:sldChg>
+      <pc:sldChg chg="addSp delSp modSp add mod">
+        <pc:chgData name="Alef Santos" userId="e94e91ad3b9f2a1e" providerId="LiveId" clId="{68A89180-F1A0-4748-A131-D97FFFA3BC5F}" dt="2024-10-22T18:21:55.066" v="708" actId="478"/>
+        <pc:sldMkLst>
+          <pc:docMk/>
+          <pc:sldMk cId="656946400" sldId="279"/>
+        </pc:sldMkLst>
+        <pc:picChg chg="add del mod">
+          <ac:chgData name="Alef Santos" userId="e94e91ad3b9f2a1e" providerId="LiveId" clId="{68A89180-F1A0-4748-A131-D97FFFA3BC5F}" dt="2024-10-22T18:21:55.066" v="708" actId="478"/>
+          <ac:picMkLst>
+            <pc:docMk/>
+            <pc:sldMk cId="656946400" sldId="279"/>
+            <ac:picMk id="3" creationId="{00000000-0000-0000-0000-000000000000}"/>
+          </ac:picMkLst>
+        </pc:picChg>
+        <pc:picChg chg="add del mod">
+          <ac:chgData name="Alef Santos" userId="e94e91ad3b9f2a1e" providerId="LiveId" clId="{68A89180-F1A0-4748-A131-D97FFFA3BC5F}" dt="2024-10-22T18:21:54.470" v="707" actId="22"/>
+          <ac:picMkLst>
+            <pc:docMk/>
+            <pc:sldMk cId="656946400" sldId="279"/>
+            <ac:picMk id="9" creationId="{522E5B9E-5488-480C-848B-D4886E7F752D}"/>
+          </ac:picMkLst>
+        </pc:picChg>
+        <pc:cxnChg chg="mod">
+          <ac:chgData name="Alef Santos" userId="e94e91ad3b9f2a1e" providerId="LiveId" clId="{68A89180-F1A0-4748-A131-D97FFFA3BC5F}" dt="2024-10-22T18:20:34.117" v="695" actId="14100"/>
+          <ac:cxnSpMkLst>
+            <pc:docMk/>
+            <pc:sldMk cId="656946400" sldId="279"/>
+            <ac:cxnSpMk id="10" creationId="{0E93BDD7-EDA9-42FF-A27B-ADD5ED57043A}"/>
+          </ac:cxnSpMkLst>
+        </pc:cxnChg>
+        <pc:cxnChg chg="mod">
+          <ac:chgData name="Alef Santos" userId="e94e91ad3b9f2a1e" providerId="LiveId" clId="{68A89180-F1A0-4748-A131-D97FFFA3BC5F}" dt="2024-10-22T18:20:37.173" v="696" actId="14100"/>
+          <ac:cxnSpMkLst>
+            <pc:docMk/>
+            <pc:sldMk cId="656946400" sldId="279"/>
+            <ac:cxnSpMk id="11" creationId="{973A06F0-7F39-4132-A1CC-91B9D178825E}"/>
+          </ac:cxnSpMkLst>
+        </pc:cxnChg>
+      </pc:sldChg>
+      <pc:sldChg chg="addSp delSp modSp add mod ord">
+        <pc:chgData name="Alef Santos" userId="e94e91ad3b9f2a1e" providerId="LiveId" clId="{68A89180-F1A0-4748-A131-D97FFFA3BC5F}" dt="2024-10-22T18:23:51.624" v="726" actId="20577"/>
+        <pc:sldMkLst>
+          <pc:docMk/>
+          <pc:sldMk cId="2954224639" sldId="280"/>
+        </pc:sldMkLst>
+        <pc:spChg chg="del">
+          <ac:chgData name="Alef Santos" userId="e94e91ad3b9f2a1e" providerId="LiveId" clId="{68A89180-F1A0-4748-A131-D97FFFA3BC5F}" dt="2024-10-22T18:22:28.086" v="712" actId="478"/>
+          <ac:spMkLst>
+            <pc:docMk/>
+            <pc:sldMk cId="2954224639" sldId="280"/>
+            <ac:spMk id="2" creationId="{E5407E68-547D-40FB-ADFC-29225BCA97FB}"/>
+          </ac:spMkLst>
+        </pc:spChg>
+        <pc:spChg chg="add del mod">
+          <ac:chgData name="Alef Santos" userId="e94e91ad3b9f2a1e" providerId="LiveId" clId="{68A89180-F1A0-4748-A131-D97FFFA3BC5F}" dt="2024-10-22T18:22:36.807" v="715" actId="478"/>
+          <ac:spMkLst>
+            <pc:docMk/>
+            <pc:sldMk cId="2954224639" sldId="280"/>
+            <ac:spMk id="5" creationId="{3D88E044-8250-46EE-993A-89C81C2C0D8C}"/>
+          </ac:spMkLst>
+        </pc:spChg>
+        <pc:spChg chg="mod">
+          <ac:chgData name="Alef Santos" userId="e94e91ad3b9f2a1e" providerId="LiveId" clId="{68A89180-F1A0-4748-A131-D97FFFA3BC5F}" dt="2024-10-22T18:23:51.624" v="726" actId="20577"/>
+          <ac:spMkLst>
+            <pc:docMk/>
+            <pc:sldMk cId="2954224639" sldId="280"/>
+            <ac:spMk id="9" creationId="{A32DB5FD-E24E-4C04-851E-C1CA2DE45BC8}"/>
+          </ac:spMkLst>
+        </pc:spChg>
+        <pc:spChg chg="add del mod">
+          <ac:chgData name="Alef Santos" userId="e94e91ad3b9f2a1e" providerId="LiveId" clId="{68A89180-F1A0-4748-A131-D97FFFA3BC5F}" dt="2024-10-22T18:22:34.523" v="714"/>
+          <ac:spMkLst>
+            <pc:docMk/>
+            <pc:sldMk cId="2954224639" sldId="280"/>
+            <ac:spMk id="13" creationId="{2A064ED4-688D-4318-9A95-5B5A4B3783CC}"/>
+          </ac:spMkLst>
+        </pc:spChg>
+        <pc:spChg chg="add mod">
+          <ac:chgData name="Alef Santos" userId="e94e91ad3b9f2a1e" providerId="LiveId" clId="{68A89180-F1A0-4748-A131-D97FFFA3BC5F}" dt="2024-10-22T18:22:37.066" v="716"/>
+          <ac:spMkLst>
+            <pc:docMk/>
+            <pc:sldMk cId="2954224639" sldId="280"/>
+            <ac:spMk id="14" creationId="{860C7529-F60C-42B4-B583-AE9F35AA3B14}"/>
+          </ac:spMkLst>
+        </pc:spChg>
+      </pc:sldChg>
+      <pc:sldChg chg="addSp delSp modSp add mod ord">
+        <pc:chgData name="Alef Santos" userId="e94e91ad3b9f2a1e" providerId="LiveId" clId="{68A89180-F1A0-4748-A131-D97FFFA3BC5F}" dt="2024-10-22T18:25:08.861" v="736"/>
+        <pc:sldMkLst>
+          <pc:docMk/>
+          <pc:sldMk cId="2579514892" sldId="281"/>
+        </pc:sldMkLst>
+        <pc:spChg chg="add del mod">
+          <ac:chgData name="Alef Santos" userId="e94e91ad3b9f2a1e" providerId="LiveId" clId="{68A89180-F1A0-4748-A131-D97FFFA3BC5F}" dt="2024-10-22T18:25:05.287" v="735" actId="478"/>
+          <ac:spMkLst>
+            <pc:docMk/>
+            <pc:sldMk cId="2579514892" sldId="281"/>
+            <ac:spMk id="5" creationId="{1AA7F5A1-0053-44BF-BAE4-7BE838AD8010}"/>
+          </ac:spMkLst>
+        </pc:spChg>
+        <pc:spChg chg="add mod">
+          <ac:chgData name="Alef Santos" userId="e94e91ad3b9f2a1e" providerId="LiveId" clId="{68A89180-F1A0-4748-A131-D97FFFA3BC5F}" dt="2024-10-22T18:25:08.861" v="736"/>
+          <ac:spMkLst>
+            <pc:docMk/>
+            <pc:sldMk cId="2579514892" sldId="281"/>
+            <ac:spMk id="12" creationId="{522757D4-8B0A-4B3C-AAD1-39A2D680902D}"/>
+          </ac:spMkLst>
+        </pc:spChg>
+        <pc:spChg chg="del">
+          <ac:chgData name="Alef Santos" userId="e94e91ad3b9f2a1e" providerId="LiveId" clId="{68A89180-F1A0-4748-A131-D97FFFA3BC5F}" dt="2024-10-22T18:25:01.658" v="734" actId="478"/>
+          <ac:spMkLst>
+            <pc:docMk/>
+            <pc:sldMk cId="2579514892" sldId="281"/>
+            <ac:spMk id="14" creationId="{0662A4D4-1959-4835-96EA-576EEC085C49}"/>
+          </ac:spMkLst>
+        </pc:spChg>
+      </pc:sldChg>
+      <pc:sldChg chg="addSp delSp modSp add mod ord">
+        <pc:chgData name="Alef Santos" userId="e94e91ad3b9f2a1e" providerId="LiveId" clId="{68A89180-F1A0-4748-A131-D97FFFA3BC5F}" dt="2024-10-22T20:38:30.577" v="781" actId="1076"/>
+        <pc:sldMkLst>
+          <pc:docMk/>
+          <pc:sldMk cId="317950305" sldId="282"/>
+        </pc:sldMkLst>
+        <pc:spChg chg="del">
+          <ac:chgData name="Alef Santos" userId="e94e91ad3b9f2a1e" providerId="LiveId" clId="{68A89180-F1A0-4748-A131-D97FFFA3BC5F}" dt="2024-10-22T20:38:02.724" v="775" actId="478"/>
+          <ac:spMkLst>
+            <pc:docMk/>
+            <pc:sldMk cId="317950305" sldId="282"/>
+            <ac:spMk id="7" creationId="{5E0F7497-D302-4F68-8123-03414F2C6833}"/>
+          </ac:spMkLst>
+        </pc:spChg>
+        <pc:spChg chg="mod">
+          <ac:chgData name="Alef Santos" userId="e94e91ad3b9f2a1e" providerId="LiveId" clId="{68A89180-F1A0-4748-A131-D97FFFA3BC5F}" dt="2024-10-22T20:38:26.842" v="780" actId="1076"/>
+          <ac:spMkLst>
+            <pc:docMk/>
+            <pc:sldMk cId="317950305" sldId="282"/>
+            <ac:spMk id="8" creationId="{51FA5D3E-0952-4ABF-9964-6524675A944A}"/>
+          </ac:spMkLst>
+        </pc:spChg>
+        <pc:spChg chg="del">
+          <ac:chgData name="Alef Santos" userId="e94e91ad3b9f2a1e" providerId="LiveId" clId="{68A89180-F1A0-4748-A131-D97FFFA3BC5F}" dt="2024-10-22T19:07:52.677" v="774" actId="478"/>
+          <ac:spMkLst>
+            <pc:docMk/>
+            <pc:sldMk cId="317950305" sldId="282"/>
+            <ac:spMk id="9" creationId="{A32DB5FD-E24E-4C04-851E-C1CA2DE45BC8}"/>
+          </ac:spMkLst>
+        </pc:spChg>
+        <pc:spChg chg="add mod">
+          <ac:chgData name="Alef Santos" userId="e94e91ad3b9f2a1e" providerId="LiveId" clId="{68A89180-F1A0-4748-A131-D97FFFA3BC5F}" dt="2024-10-22T20:38:30.577" v="781" actId="1076"/>
+          <ac:spMkLst>
+            <pc:docMk/>
+            <pc:sldMk cId="317950305" sldId="282"/>
+            <ac:spMk id="13" creationId="{E0323CF6-AFD0-4F86-BBC7-8C4DFAA731EA}"/>
+          </ac:spMkLst>
+        </pc:spChg>
+        <pc:cxnChg chg="mod">
+          <ac:chgData name="Alef Santos" userId="e94e91ad3b9f2a1e" providerId="LiveId" clId="{68A89180-F1A0-4748-A131-D97FFFA3BC5F}" dt="2024-10-22T20:38:26.842" v="780" actId="1076"/>
+          <ac:cxnSpMkLst>
+            <pc:docMk/>
+            <pc:sldMk cId="317950305" sldId="282"/>
+            <ac:cxnSpMk id="10" creationId="{863ED132-1CFD-4B6E-9EC7-E7A9D8A31099}"/>
+          </ac:cxnSpMkLst>
+        </pc:cxnChg>
+        <pc:cxnChg chg="mod">
+          <ac:chgData name="Alef Santos" userId="e94e91ad3b9f2a1e" providerId="LiveId" clId="{68A89180-F1A0-4748-A131-D97FFFA3BC5F}" dt="2024-10-22T20:38:26.842" v="780" actId="1076"/>
+          <ac:cxnSpMkLst>
+            <pc:docMk/>
+            <pc:sldMk cId="317950305" sldId="282"/>
+            <ac:cxnSpMk id="11" creationId="{7080E6B4-42C5-4D2F-88E5-5F25701B64F7}"/>
+          </ac:cxnSpMkLst>
+        </pc:cxnChg>
       </pc:sldChg>
     </pc:docChg>
   </pc:docChgLst>
@@ -1080,7 +1343,7 @@
           <a:p>
             <a:fld id="{A475A829-2C09-4158-9A6C-8C2E8AC2F6C5}" type="datetime1">
               <a:rPr lang="pt-BR" smtClean="0"/>
-              <a:t>21/10/2024</a:t>
+              <a:t>22/10/2024</a:t>
             </a:fld>
             <a:endParaRPr lang="pt-BR"/>
           </a:p>
@@ -1258,7 +1521,7 @@
           <a:p>
             <a:fld id="{058C80BB-B020-4C47-9BB6-7B39E15BB53E}" type="datetime1">
               <a:rPr lang="pt-BR" smtClean="0"/>
-              <a:t>21/10/2024</a:t>
+              <a:t>22/10/2024</a:t>
             </a:fld>
             <a:endParaRPr lang="pt-BR"/>
           </a:p>
@@ -5435,58 +5698,6 @@
       </p:grpSpPr>
       <p:sp>
         <p:nvSpPr>
-          <p:cNvPr id="7" name="Retângulo 6">
-            <a:extLst>
-              <a:ext uri="{FF2B5EF4-FFF2-40B4-BE49-F238E27FC236}">
-                <a16:creationId xmlns:a16="http://schemas.microsoft.com/office/drawing/2014/main" id="{5E0F7497-D302-4F68-8123-03414F2C6833}"/>
-              </a:ext>
-            </a:extLst>
-          </p:cNvPr>
-          <p:cNvSpPr/>
-          <p:nvPr/>
-        </p:nvSpPr>
-        <p:spPr>
-          <a:xfrm>
-            <a:off x="1704975" y="2558112"/>
-            <a:ext cx="8905875" cy="2032937"/>
-          </a:xfrm>
-          <a:prstGeom prst="rect">
-            <a:avLst/>
-          </a:prstGeom>
-          <a:solidFill>
-            <a:srgbClr val="67C7F2"/>
-          </a:solidFill>
-          <a:ln>
-            <a:noFill/>
-          </a:ln>
-        </p:spPr>
-        <p:style>
-          <a:lnRef idx="2">
-            <a:schemeClr val="accent1">
-              <a:shade val="50000"/>
-            </a:schemeClr>
-          </a:lnRef>
-          <a:fillRef idx="1">
-            <a:schemeClr val="accent1"/>
-          </a:fillRef>
-          <a:effectRef idx="0">
-            <a:schemeClr val="accent1"/>
-          </a:effectRef>
-          <a:fontRef idx="minor">
-            <a:schemeClr val="lt1"/>
-          </a:fontRef>
-        </p:style>
-        <p:txBody>
-          <a:bodyPr rtlCol="0" anchor="ctr"/>
-          <a:lstStyle/>
-          <a:p>
-            <a:pPr algn="ctr"/>
-            <a:endParaRPr lang="pt-BR"/>
-          </a:p>
-        </p:txBody>
-      </p:sp>
-      <p:sp>
-        <p:nvSpPr>
           <p:cNvPr id="2" name="Título 1">
             <a:extLst>
               <a:ext uri="{FF2B5EF4-FFF2-40B4-BE49-F238E27FC236}">
@@ -5503,8 +5714,8 @@
         </p:nvSpPr>
         <p:spPr>
           <a:xfrm>
-            <a:off x="419100" y="373393"/>
-            <a:ext cx="11496675" cy="1325563"/>
+            <a:off x="0" y="373393"/>
+            <a:ext cx="12192000" cy="1325563"/>
           </a:xfrm>
         </p:spPr>
         <p:txBody>
@@ -5513,8 +5724,8 @@
           <a:p>
             <a:pPr algn="ctr"/>
             <a:r>
-              <a:rPr lang="pt-BR" dirty="0"/>
-              <a:t>EDITAL Nº 9, DE 26 DE MARÇO DE 2020</a:t>
+              <a:rPr lang="pt-BR" sz="4000" dirty="0"/>
+              <a:t>EDITAL Nº 12, DE 27 DE NOVEMBRO DE 2017</a:t>
             </a:r>
           </a:p>
         </p:txBody>
@@ -5549,125 +5760,9 @@
           </a:p>
         </p:txBody>
       </p:sp>
-      <p:sp>
-        <p:nvSpPr>
-          <p:cNvPr id="6" name="CaixaDeTexto 5">
-            <a:extLst>
-              <a:ext uri="{FF2B5EF4-FFF2-40B4-BE49-F238E27FC236}">
-                <a16:creationId xmlns:a16="http://schemas.microsoft.com/office/drawing/2014/main" id="{51FA5D3E-0952-4ABF-9964-6524675A944A}"/>
-              </a:ext>
-            </a:extLst>
-          </p:cNvPr>
-          <p:cNvSpPr txBox="1"/>
-          <p:nvPr/>
-        </p:nvSpPr>
-        <p:spPr>
-          <a:xfrm>
-            <a:off x="956733" y="1232549"/>
-            <a:ext cx="10278533" cy="1477328"/>
-          </a:xfrm>
-          <a:prstGeom prst="rect">
-            <a:avLst/>
-          </a:prstGeom>
-          <a:noFill/>
-        </p:spPr>
-        <p:txBody>
-          <a:bodyPr wrap="square">
-            <a:spAutoFit/>
-          </a:bodyPr>
-          <a:lstStyle/>
-          <a:p>
-            <a:pPr algn="ctr" rtl="0">
-              <a:spcBef>
-                <a:spcPts val="0"/>
-              </a:spcBef>
-              <a:spcAft>
-                <a:spcPts val="0"/>
-              </a:spcAft>
-            </a:pPr>
-            <a:r>
-              <a:rPr lang="pt-BR" dirty="0"/>
-              <a:t>Este edital realiza o chamamento público de médicos intercambistas, da cooperação internacional, listados no Anexo II, que atendam aos requisitos do art. 23-A da Lei nº 12.871/2013, alterado pela Lei nº 13.958/2019, para reincorporação ao Projeto Mais Médicos por um prazo improrrogável de dois anos.</a:t>
-            </a:r>
-            <a:br>
-              <a:rPr lang="pt-BR" b="0" dirty="0">
-                <a:effectLst/>
-              </a:rPr>
-            </a:br>
-            <a:br>
-              <a:rPr lang="pt-BR" b="0" dirty="0">
-                <a:effectLst/>
-              </a:rPr>
-            </a:br>
-            <a:endParaRPr lang="pt-BR" dirty="0"/>
-          </a:p>
-        </p:txBody>
-      </p:sp>
-      <p:sp>
-        <p:nvSpPr>
-          <p:cNvPr id="9" name="CaixaDeTexto 8">
-            <a:extLst>
-              <a:ext uri="{FF2B5EF4-FFF2-40B4-BE49-F238E27FC236}">
-                <a16:creationId xmlns:a16="http://schemas.microsoft.com/office/drawing/2014/main" id="{A32DB5FD-E24E-4C04-851E-C1CA2DE45BC8}"/>
-              </a:ext>
-            </a:extLst>
-          </p:cNvPr>
-          <p:cNvSpPr txBox="1"/>
-          <p:nvPr/>
-        </p:nvSpPr>
-        <p:spPr>
-          <a:xfrm>
-            <a:off x="1838324" y="2709877"/>
-            <a:ext cx="8515350" cy="1754326"/>
-          </a:xfrm>
-          <a:prstGeom prst="rect">
-            <a:avLst/>
-          </a:prstGeom>
-          <a:noFill/>
-        </p:spPr>
-        <p:txBody>
-          <a:bodyPr wrap="square">
-            <a:spAutoFit/>
-          </a:bodyPr>
-          <a:lstStyle/>
-          <a:p>
-            <a:r>
-              <a:rPr lang="pt-BR" b="1" dirty="0">
-                <a:solidFill>
-                  <a:schemeClr val="bg1"/>
-                </a:solidFill>
-              </a:rPr>
-              <a:t>6.5. É oportunizada ao médico a indicação de 4 (quatro) localidades e sua ordem de preferência (prioridade) para atuação.</a:t>
-            </a:r>
-          </a:p>
-          <a:p>
-            <a:endParaRPr lang="pt-BR" b="1" dirty="0">
-              <a:solidFill>
-                <a:schemeClr val="bg1"/>
-              </a:solidFill>
-            </a:endParaRPr>
-          </a:p>
-          <a:p>
-            <a:r>
-              <a:rPr lang="pt-BR" b="1" dirty="0">
-                <a:solidFill>
-                  <a:schemeClr val="bg1"/>
-                </a:solidFill>
-              </a:rPr>
-              <a:t>6.8. A concorrência entre os médicos se dará dentro de cada opção escolhida; ou seja, só haverá concorrência em prioridades posteriores, caso a vaga não tenha sido ocupada por nenhum médico que optou por aquele município como prioridade antecedente.</a:t>
-            </a:r>
-          </a:p>
-        </p:txBody>
-      </p:sp>
       <p:pic>
         <p:nvPicPr>
-          <p:cNvPr id="13" name="Imagem 12">
-            <a:extLst>
-              <a:ext uri="{FF2B5EF4-FFF2-40B4-BE49-F238E27FC236}">
-                <a16:creationId xmlns:a16="http://schemas.microsoft.com/office/drawing/2014/main" id="{7B31CF5A-89BB-410B-8F30-0E1B50BA401C}"/>
-              </a:ext>
-            </a:extLst>
-          </p:cNvPr>
+          <p:cNvPr id="3" name="Imagem 2"/>
           <p:cNvPicPr>
             <a:picLocks noChangeAspect="1"/>
           </p:cNvPicPr>
@@ -5681,18 +5776,160 @@
         </p:blipFill>
         <p:spPr>
           <a:xfrm>
-            <a:off x="5394400" y="4748606"/>
-            <a:ext cx="1403197" cy="1403197"/>
+            <a:off x="3085680" y="1953845"/>
+            <a:ext cx="6020640" cy="4401164"/>
           </a:xfrm>
           <a:prstGeom prst="rect">
             <a:avLst/>
           </a:prstGeom>
         </p:spPr>
       </p:pic>
+      <p:sp>
+        <p:nvSpPr>
+          <p:cNvPr id="8" name="CaixaDeTexto 7">
+            <a:extLst>
+              <a:ext uri="{FF2B5EF4-FFF2-40B4-BE49-F238E27FC236}">
+                <a16:creationId xmlns:a16="http://schemas.microsoft.com/office/drawing/2014/main" id="{C2E3A72C-5002-43FB-9D36-5178527CEE2C}"/>
+              </a:ext>
+            </a:extLst>
+          </p:cNvPr>
+          <p:cNvSpPr txBox="1"/>
+          <p:nvPr/>
+        </p:nvSpPr>
+        <p:spPr>
+          <a:xfrm>
+            <a:off x="956733" y="1033604"/>
+            <a:ext cx="10278533" cy="1200329"/>
+          </a:xfrm>
+          <a:prstGeom prst="rect">
+            <a:avLst/>
+          </a:prstGeom>
+          <a:noFill/>
+        </p:spPr>
+        <p:txBody>
+          <a:bodyPr wrap="square">
+            <a:spAutoFit/>
+          </a:bodyPr>
+          <a:lstStyle/>
+          <a:p>
+            <a:pPr algn="ctr" rtl="0">
+              <a:spcBef>
+                <a:spcPts val="0"/>
+              </a:spcBef>
+              <a:spcAft>
+                <a:spcPts val="0"/>
+              </a:spcAft>
+            </a:pPr>
+            <a:r>
+              <a:rPr lang="pt-BR" sz="2400" b="0" dirty="0">
+                <a:effectLst/>
+              </a:rPr>
+              <a:t>Classificação</a:t>
+            </a:r>
+            <a:br>
+              <a:rPr lang="pt-BR" sz="2400" b="0" dirty="0">
+                <a:effectLst/>
+              </a:rPr>
+            </a:br>
+            <a:br>
+              <a:rPr lang="pt-BR" sz="2400" b="0" dirty="0">
+                <a:effectLst/>
+              </a:rPr>
+            </a:br>
+            <a:endParaRPr lang="pt-BR" sz="2400" dirty="0"/>
+          </a:p>
+        </p:txBody>
+      </p:sp>
+      <p:cxnSp>
+        <p:nvCxnSpPr>
+          <p:cNvPr id="10" name="Conector reto 9">
+            <a:extLst>
+              <a:ext uri="{FF2B5EF4-FFF2-40B4-BE49-F238E27FC236}">
+                <a16:creationId xmlns:a16="http://schemas.microsoft.com/office/drawing/2014/main" id="{0E93BDD7-EDA9-42FF-A27B-ADD5ED57043A}"/>
+              </a:ext>
+            </a:extLst>
+          </p:cNvPr>
+          <p:cNvCxnSpPr>
+            <a:cxnSpLocks/>
+          </p:cNvCxnSpPr>
+          <p:nvPr/>
+        </p:nvCxnSpPr>
+        <p:spPr>
+          <a:xfrm flipH="1">
+            <a:off x="0" y="1270929"/>
+            <a:ext cx="4792133" cy="0"/>
+          </a:xfrm>
+          <a:prstGeom prst="line">
+            <a:avLst/>
+          </a:prstGeom>
+          <a:ln>
+            <a:solidFill>
+              <a:schemeClr val="tx1"/>
+            </a:solidFill>
+          </a:ln>
+        </p:spPr>
+        <p:style>
+          <a:lnRef idx="1">
+            <a:schemeClr val="accent1"/>
+          </a:lnRef>
+          <a:fillRef idx="0">
+            <a:schemeClr val="accent1"/>
+          </a:fillRef>
+          <a:effectRef idx="0">
+            <a:schemeClr val="accent1"/>
+          </a:effectRef>
+          <a:fontRef idx="minor">
+            <a:schemeClr val="tx1"/>
+          </a:fontRef>
+        </p:style>
+      </p:cxnSp>
+      <p:cxnSp>
+        <p:nvCxnSpPr>
+          <p:cNvPr id="11" name="Conector reto 10">
+            <a:extLst>
+              <a:ext uri="{FF2B5EF4-FFF2-40B4-BE49-F238E27FC236}">
+                <a16:creationId xmlns:a16="http://schemas.microsoft.com/office/drawing/2014/main" id="{973A06F0-7F39-4132-A1CC-91B9D178825E}"/>
+              </a:ext>
+            </a:extLst>
+          </p:cNvPr>
+          <p:cNvCxnSpPr>
+            <a:cxnSpLocks/>
+          </p:cNvCxnSpPr>
+          <p:nvPr/>
+        </p:nvCxnSpPr>
+        <p:spPr>
+          <a:xfrm flipH="1">
+            <a:off x="7366000" y="1280325"/>
+            <a:ext cx="4826000" cy="0"/>
+          </a:xfrm>
+          <a:prstGeom prst="line">
+            <a:avLst/>
+          </a:prstGeom>
+          <a:ln>
+            <a:solidFill>
+              <a:schemeClr val="tx1"/>
+            </a:solidFill>
+          </a:ln>
+        </p:spPr>
+        <p:style>
+          <a:lnRef idx="1">
+            <a:schemeClr val="accent1"/>
+          </a:lnRef>
+          <a:fillRef idx="0">
+            <a:schemeClr val="accent1"/>
+          </a:fillRef>
+          <a:effectRef idx="0">
+            <a:schemeClr val="accent1"/>
+          </a:effectRef>
+          <a:fontRef idx="minor">
+            <a:schemeClr val="tx1"/>
+          </a:fontRef>
+        </p:style>
+      </p:cxnSp>
     </p:spTree>
     <p:extLst>
       <p:ext uri="{BB962C8B-B14F-4D97-AF65-F5344CB8AC3E}">
-        <p14:creationId xmlns:p14="http://schemas.microsoft.com/office/powerpoint/2010/main" val="2313058853"/>
+        <p14:creationId xmlns:p14="http://schemas.microsoft.com/office/powerpoint/2010/main" val="656946400"/>
       </p:ext>
     </p:extLst>
   </p:cSld>
@@ -5767,7 +6004,7 @@
           <a:lstStyle/>
           <a:p>
             <a:pPr algn="ctr"/>
-            <a:endParaRPr lang="pt-BR"/>
+            <a:endParaRPr lang="pt-BR" dirty="0"/>
           </a:p>
         </p:txBody>
       </p:sp>
@@ -5789,8 +6026,8 @@
         </p:nvSpPr>
         <p:spPr>
           <a:xfrm>
-            <a:off x="419100" y="373393"/>
-            <a:ext cx="11496675" cy="1325563"/>
+            <a:off x="0" y="373393"/>
+            <a:ext cx="12192000" cy="1325563"/>
           </a:xfrm>
         </p:spPr>
         <p:txBody>
@@ -5799,8 +6036,8 @@
           <a:p>
             <a:pPr algn="ctr"/>
             <a:r>
-              <a:rPr lang="pt-BR" dirty="0"/>
-              <a:t>EDITAL Nº 9, DE 26 DE MARÇO DE 2020</a:t>
+              <a:rPr lang="pt-BR" sz="4000" dirty="0"/>
+              <a:t>EDITAL Nº 12, DE 27 DE NOVEMBRO DE 2017</a:t>
             </a:r>
           </a:p>
         </p:txBody>
@@ -5849,8 +6086,8 @@
         </p:nvSpPr>
         <p:spPr>
           <a:xfrm>
-            <a:off x="1838323" y="2919745"/>
-            <a:ext cx="8515350" cy="1200329"/>
+            <a:off x="1838324" y="2974415"/>
+            <a:ext cx="8772526" cy="1200329"/>
           </a:xfrm>
           <a:prstGeom prst="rect">
             <a:avLst/>
@@ -5863,16 +6100,22 @@
           </a:bodyPr>
           <a:lstStyle/>
           <a:p>
+            <a:pPr marL="342900" indent="-342900">
+              <a:buAutoNum type="alphaLcParenR"/>
+            </a:pPr>
             <a:r>
               <a:rPr lang="pt-BR" b="1" dirty="0">
                 <a:solidFill>
                   <a:schemeClr val="bg1"/>
                 </a:solidFill>
               </a:rPr>
-              <a:t>a) possuir maior idade, considerados o dia, mês e ano de nascimento; e</a:t>
-            </a:r>
-          </a:p>
-          <a:p>
+              <a:t>Maior idade, considerados o dia, mês e ano de nascimento; e</a:t>
+            </a:r>
+          </a:p>
+          <a:p>
+            <a:pPr marL="342900" indent="-342900">
+              <a:buAutoNum type="alphaLcParenR"/>
+            </a:pPr>
             <a:endParaRPr lang="pt-BR" b="1" dirty="0">
               <a:solidFill>
                 <a:schemeClr val="bg1"/>
@@ -5886,8 +6129,15 @@
                   <a:schemeClr val="bg1"/>
                 </a:solidFill>
               </a:rPr>
-              <a:t>b) possuir maior tempo de atuação no Projeto Mais Médicos para o Brasil, quando da sua participação por meio da cooperação internacional, considerados, dia, mês e ano</a:t>
-            </a:r>
+              <a:t>b) Permanecendo o empate, será considerado a data e horário da efetivação da inscrição.</a:t>
+            </a:r>
+          </a:p>
+          <a:p>
+            <a:endParaRPr lang="pt-BR" b="1" dirty="0">
+              <a:solidFill>
+                <a:schemeClr val="bg1"/>
+              </a:solidFill>
+            </a:endParaRPr>
           </a:p>
         </p:txBody>
       </p:sp>
@@ -5896,7 +6146,7 @@
           <p:cNvPr id="8" name="CaixaDeTexto 7">
             <a:extLst>
               <a:ext uri="{FF2B5EF4-FFF2-40B4-BE49-F238E27FC236}">
-                <a16:creationId xmlns:a16="http://schemas.microsoft.com/office/drawing/2014/main" id="{1AC60388-FB46-49D4-B159-D5CCE911D9FB}"/>
+                <a16:creationId xmlns:a16="http://schemas.microsoft.com/office/drawing/2014/main" id="{51FA5D3E-0952-4ABF-9964-6524675A944A}"/>
               </a:ext>
             </a:extLst>
           </p:cNvPr>
@@ -5950,17 +6200,19 @@
           <p:cNvPr id="10" name="Conector reto 9">
             <a:extLst>
               <a:ext uri="{FF2B5EF4-FFF2-40B4-BE49-F238E27FC236}">
-                <a16:creationId xmlns:a16="http://schemas.microsoft.com/office/drawing/2014/main" id="{878DEA95-2B8A-4B00-A51D-62C3A2292DF4}"/>
-              </a:ext>
-            </a:extLst>
-          </p:cNvPr>
-          <p:cNvCxnSpPr/>
+                <a16:creationId xmlns:a16="http://schemas.microsoft.com/office/drawing/2014/main" id="{863ED132-1CFD-4B6E-9EC7-E7A9D8A31099}"/>
+              </a:ext>
+            </a:extLst>
+          </p:cNvPr>
+          <p:cNvCxnSpPr>
+            <a:cxnSpLocks/>
+          </p:cNvCxnSpPr>
           <p:nvPr/>
         </p:nvCxnSpPr>
         <p:spPr>
           <a:xfrm flipH="1">
-            <a:off x="-177800" y="1905000"/>
-            <a:ext cx="4690533" cy="0"/>
+            <a:off x="0" y="1905000"/>
+            <a:ext cx="4512734" cy="0"/>
           </a:xfrm>
           <a:prstGeom prst="line">
             <a:avLst/>
@@ -5991,17 +6243,19 @@
           <p:cNvPr id="11" name="Conector reto 10">
             <a:extLst>
               <a:ext uri="{FF2B5EF4-FFF2-40B4-BE49-F238E27FC236}">
-                <a16:creationId xmlns:a16="http://schemas.microsoft.com/office/drawing/2014/main" id="{E28299DE-D7B7-49CF-91C7-668002789FEF}"/>
-              </a:ext>
-            </a:extLst>
-          </p:cNvPr>
-          <p:cNvCxnSpPr/>
+                <a16:creationId xmlns:a16="http://schemas.microsoft.com/office/drawing/2014/main" id="{7080E6B4-42C5-4D2F-88E5-5F25701B64F7}"/>
+              </a:ext>
+            </a:extLst>
+          </p:cNvPr>
+          <p:cNvCxnSpPr>
+            <a:cxnSpLocks/>
+          </p:cNvCxnSpPr>
           <p:nvPr/>
         </p:nvCxnSpPr>
         <p:spPr>
           <a:xfrm flipH="1">
-            <a:off x="7653867" y="1905000"/>
-            <a:ext cx="4690533" cy="0"/>
+            <a:off x="7653868" y="1905000"/>
+            <a:ext cx="4538132" cy="0"/>
           </a:xfrm>
           <a:prstGeom prst="line">
             <a:avLst/>
@@ -6032,7 +6286,7 @@
           <p:cNvPr id="12" name="Imagem 11">
             <a:extLst>
               <a:ext uri="{FF2B5EF4-FFF2-40B4-BE49-F238E27FC236}">
-                <a16:creationId xmlns:a16="http://schemas.microsoft.com/office/drawing/2014/main" id="{3B0FE0C9-59A4-47C6-B6CB-660FF30E2123}"/>
+                <a16:creationId xmlns:a16="http://schemas.microsoft.com/office/drawing/2014/main" id="{CDEE44F8-2987-4785-9125-D00DDD9E7A2D}"/>
               </a:ext>
             </a:extLst>
           </p:cNvPr>
@@ -6054,8 +6308,8 @@
         </p:blipFill>
         <p:spPr>
           <a:xfrm>
-            <a:off x="5135034" y="4716283"/>
-            <a:ext cx="1921932" cy="1549456"/>
+            <a:off x="5234517" y="4930926"/>
+            <a:ext cx="1722966" cy="1389050"/>
           </a:xfrm>
           <a:prstGeom prst="rect">
             <a:avLst/>
@@ -6065,7 +6319,7 @@
     </p:spTree>
     <p:extLst>
       <p:ext uri="{BB962C8B-B14F-4D97-AF65-F5344CB8AC3E}">
-        <p14:creationId xmlns:p14="http://schemas.microsoft.com/office/powerpoint/2010/main" val="3111718399"/>
+        <p14:creationId xmlns:p14="http://schemas.microsoft.com/office/powerpoint/2010/main" val="2350790513"/>
       </p:ext>
     </p:extLst>
   </p:cSld>
@@ -6094,40 +6348,6 @@
       </p:grpSpPr>
       <p:sp>
         <p:nvSpPr>
-          <p:cNvPr id="2" name="Título 1">
-            <a:extLst>
-              <a:ext uri="{FF2B5EF4-FFF2-40B4-BE49-F238E27FC236}">
-                <a16:creationId xmlns:a16="http://schemas.microsoft.com/office/drawing/2014/main" id="{E5407E68-547D-40FB-ADFC-29225BCA97FB}"/>
-              </a:ext>
-            </a:extLst>
-          </p:cNvPr>
-          <p:cNvSpPr>
-            <a:spLocks noGrp="1"/>
-          </p:cNvSpPr>
-          <p:nvPr>
-            <p:ph type="title"/>
-          </p:nvPr>
-        </p:nvSpPr>
-        <p:spPr>
-          <a:xfrm>
-            <a:off x="419100" y="373393"/>
-            <a:ext cx="11496675" cy="1325563"/>
-          </a:xfrm>
-        </p:spPr>
-        <p:txBody>
-          <a:bodyPr/>
-          <a:lstStyle/>
-          <a:p>
-            <a:pPr algn="ctr"/>
-            <a:r>
-              <a:rPr lang="pt-BR" dirty="0"/>
-              <a:t>EDITAL Nº 9, DE 26 DE MARÇO DE 2020</a:t>
-            </a:r>
-          </a:p>
-        </p:txBody>
-      </p:sp>
-      <p:sp>
-        <p:nvSpPr>
           <p:cNvPr id="4" name="Espaço Reservado para Número de Slide 3">
             <a:extLst>
               <a:ext uri="{FF2B5EF4-FFF2-40B4-BE49-F238E27FC236}">
@@ -6210,66 +6430,6 @@
           </a:p>
         </p:txBody>
       </p:sp>
-      <p:pic>
-        <p:nvPicPr>
-          <p:cNvPr id="5" name="Imagem 4">
-            <a:extLst>
-              <a:ext uri="{FF2B5EF4-FFF2-40B4-BE49-F238E27FC236}">
-                <a16:creationId xmlns:a16="http://schemas.microsoft.com/office/drawing/2014/main" id="{467BE022-C1FE-4C97-AACA-74B47374DE06}"/>
-              </a:ext>
-            </a:extLst>
-          </p:cNvPr>
-          <p:cNvPicPr>
-            <a:picLocks noChangeAspect="1"/>
-          </p:cNvPicPr>
-          <p:nvPr/>
-        </p:nvPicPr>
-        <p:blipFill>
-          <a:blip r:embed="rId2"/>
-          <a:stretch>
-            <a:fillRect/>
-          </a:stretch>
-        </p:blipFill>
-        <p:spPr>
-          <a:xfrm>
-            <a:off x="956733" y="1361798"/>
-            <a:ext cx="5496692" cy="3962953"/>
-          </a:xfrm>
-          <a:prstGeom prst="rect">
-            <a:avLst/>
-          </a:prstGeom>
-        </p:spPr>
-      </p:pic>
-      <p:pic>
-        <p:nvPicPr>
-          <p:cNvPr id="8" name="Imagem 7">
-            <a:extLst>
-              <a:ext uri="{FF2B5EF4-FFF2-40B4-BE49-F238E27FC236}">
-                <a16:creationId xmlns:a16="http://schemas.microsoft.com/office/drawing/2014/main" id="{729167F8-24DE-4DA1-AC5B-B48CC02C5DBD}"/>
-              </a:ext>
-            </a:extLst>
-          </p:cNvPr>
-          <p:cNvPicPr>
-            <a:picLocks noChangeAspect="1"/>
-          </p:cNvPicPr>
-          <p:nvPr/>
-        </p:nvPicPr>
-        <p:blipFill>
-          <a:blip r:embed="rId3"/>
-          <a:stretch>
-            <a:fillRect/>
-          </a:stretch>
-        </p:blipFill>
-        <p:spPr>
-          <a:xfrm>
-            <a:off x="6453425" y="1971093"/>
-            <a:ext cx="5544324" cy="2743583"/>
-          </a:xfrm>
-          <a:prstGeom prst="rect">
-            <a:avLst/>
-          </a:prstGeom>
-        </p:spPr>
-      </p:pic>
       <p:sp>
         <p:nvSpPr>
           <p:cNvPr id="13" name="CaixaDeTexto 12">
@@ -6309,36 +6469,6 @@
           </a:p>
         </p:txBody>
       </p:sp>
-      <p:pic>
-        <p:nvPicPr>
-          <p:cNvPr id="15" name="Imagem 14">
-            <a:extLst>
-              <a:ext uri="{FF2B5EF4-FFF2-40B4-BE49-F238E27FC236}">
-                <a16:creationId xmlns:a16="http://schemas.microsoft.com/office/drawing/2014/main" id="{E5C5197A-7EE6-4B81-B23E-689160BB1836}"/>
-              </a:ext>
-            </a:extLst>
-          </p:cNvPr>
-          <p:cNvPicPr>
-            <a:picLocks noChangeAspect="1"/>
-          </p:cNvPicPr>
-          <p:nvPr/>
-        </p:nvPicPr>
-        <p:blipFill>
-          <a:blip r:embed="rId4"/>
-          <a:stretch>
-            <a:fillRect/>
-          </a:stretch>
-        </p:blipFill>
-        <p:spPr>
-          <a:xfrm>
-            <a:off x="2709529" y="5335599"/>
-            <a:ext cx="6915816" cy="952477"/>
-          </a:xfrm>
-          <a:prstGeom prst="rect">
-            <a:avLst/>
-          </a:prstGeom>
-        </p:spPr>
-      </p:pic>
       <p:cxnSp>
         <p:nvCxnSpPr>
           <p:cNvPr id="9" name="Conector reto 8">
@@ -6425,10 +6555,92 @@
           </a:fontRef>
         </p:style>
       </p:cxnSp>
+      <p:pic>
+        <p:nvPicPr>
+          <p:cNvPr id="3" name="Imagem 2"/>
+          <p:cNvPicPr>
+            <a:picLocks noChangeAspect="1"/>
+          </p:cNvPicPr>
+          <p:nvPr/>
+        </p:nvPicPr>
+        <p:blipFill>
+          <a:blip r:embed="rId2"/>
+          <a:stretch>
+            <a:fillRect/>
+          </a:stretch>
+        </p:blipFill>
+        <p:spPr>
+          <a:xfrm>
+            <a:off x="75359" y="1971093"/>
+            <a:ext cx="6020640" cy="2829320"/>
+          </a:xfrm>
+          <a:prstGeom prst="rect">
+            <a:avLst/>
+          </a:prstGeom>
+        </p:spPr>
+      </p:pic>
+      <p:pic>
+        <p:nvPicPr>
+          <p:cNvPr id="7" name="Imagem 6"/>
+          <p:cNvPicPr>
+            <a:picLocks noChangeAspect="1"/>
+          </p:cNvPicPr>
+          <p:nvPr/>
+        </p:nvPicPr>
+        <p:blipFill>
+          <a:blip r:embed="rId3"/>
+          <a:stretch>
+            <a:fillRect/>
+          </a:stretch>
+        </p:blipFill>
+        <p:spPr>
+          <a:xfrm>
+            <a:off x="6199939" y="2299387"/>
+            <a:ext cx="5992061" cy="2286319"/>
+          </a:xfrm>
+          <a:prstGeom prst="rect">
+            <a:avLst/>
+          </a:prstGeom>
+        </p:spPr>
+      </p:pic>
+      <p:sp>
+        <p:nvSpPr>
+          <p:cNvPr id="14" name="Título 1">
+            <a:extLst>
+              <a:ext uri="{FF2B5EF4-FFF2-40B4-BE49-F238E27FC236}">
+                <a16:creationId xmlns:a16="http://schemas.microsoft.com/office/drawing/2014/main" id="{0662A4D4-1959-4835-96EA-576EEC085C49}"/>
+              </a:ext>
+            </a:extLst>
+          </p:cNvPr>
+          <p:cNvSpPr>
+            <a:spLocks noGrp="1"/>
+          </p:cNvSpPr>
+          <p:nvPr>
+            <p:ph type="title"/>
+          </p:nvPr>
+        </p:nvSpPr>
+        <p:spPr>
+          <a:xfrm>
+            <a:off x="0" y="373393"/>
+            <a:ext cx="12192000" cy="1325563"/>
+          </a:xfrm>
+        </p:spPr>
+        <p:txBody>
+          <a:bodyPr/>
+          <a:lstStyle/>
+          <a:p>
+            <a:pPr algn="ctr"/>
+            <a:r>
+              <a:rPr lang="pt-BR" sz="4000" dirty="0"/>
+              <a:t>EDITAL Nº 12, DE 27 DE NOVEMBRO DE 2017</a:t>
+            </a:r>
+          </a:p>
+        </p:txBody>
+      </p:sp>
     </p:spTree>
     <p:extLst>
       <p:ext uri="{BB962C8B-B14F-4D97-AF65-F5344CB8AC3E}">
-        <p14:creationId xmlns:p14="http://schemas.microsoft.com/office/powerpoint/2010/main" val="3872737907"/>
+        <p14:creationId xmlns:p14="http://schemas.microsoft.com/office/powerpoint/2010/main" val="2221675722"/>
       </p:ext>
     </p:extLst>
   </p:cSld>
@@ -6457,58 +6669,6 @@
       </p:grpSpPr>
       <p:sp>
         <p:nvSpPr>
-          <p:cNvPr id="7" name="Retângulo 6">
-            <a:extLst>
-              <a:ext uri="{FF2B5EF4-FFF2-40B4-BE49-F238E27FC236}">
-                <a16:creationId xmlns:a16="http://schemas.microsoft.com/office/drawing/2014/main" id="{5E0F7497-D302-4F68-8123-03414F2C6833}"/>
-              </a:ext>
-            </a:extLst>
-          </p:cNvPr>
-          <p:cNvSpPr/>
-          <p:nvPr/>
-        </p:nvSpPr>
-        <p:spPr>
-          <a:xfrm>
-            <a:off x="1704975" y="2558112"/>
-            <a:ext cx="8905875" cy="2032937"/>
-          </a:xfrm>
-          <a:prstGeom prst="rect">
-            <a:avLst/>
-          </a:prstGeom>
-          <a:solidFill>
-            <a:srgbClr val="67C7F2"/>
-          </a:solidFill>
-          <a:ln>
-            <a:noFill/>
-          </a:ln>
-        </p:spPr>
-        <p:style>
-          <a:lnRef idx="2">
-            <a:schemeClr val="accent1">
-              <a:shade val="50000"/>
-            </a:schemeClr>
-          </a:lnRef>
-          <a:fillRef idx="1">
-            <a:schemeClr val="accent1"/>
-          </a:fillRef>
-          <a:effectRef idx="0">
-            <a:schemeClr val="accent1"/>
-          </a:effectRef>
-          <a:fontRef idx="minor">
-            <a:schemeClr val="lt1"/>
-          </a:fontRef>
-        </p:style>
-        <p:txBody>
-          <a:bodyPr rtlCol="0" anchor="ctr"/>
-          <a:lstStyle/>
-          <a:p>
-            <a:pPr algn="ctr"/>
-            <a:endParaRPr lang="pt-BR" dirty="0"/>
-          </a:p>
-        </p:txBody>
-      </p:sp>
-      <p:sp>
-        <p:nvSpPr>
           <p:cNvPr id="2" name="Título 1">
             <a:extLst>
               <a:ext uri="{FF2B5EF4-FFF2-40B4-BE49-F238E27FC236}">
@@ -6523,12 +6683,7 @@
             <p:ph type="title"/>
           </p:nvPr>
         </p:nvSpPr>
-        <p:spPr>
-          <a:xfrm>
-            <a:off x="419100" y="373393"/>
-            <a:ext cx="11496675" cy="1325563"/>
-          </a:xfrm>
-        </p:spPr>
+        <p:spPr/>
         <p:txBody>
           <a:bodyPr/>
           <a:lstStyle/>
@@ -6536,7 +6691,7 @@
             <a:pPr algn="ctr"/>
             <a:r>
               <a:rPr lang="pt-BR" dirty="0"/>
-              <a:t>EDITAL Nº 9, DE 26 DE MARÇO DE 2020</a:t>
+              <a:t>Ruptura do acordo</a:t>
             </a:r>
           </a:p>
         </p:txBody>
@@ -6573,10 +6728,10 @@
       </p:sp>
       <p:sp>
         <p:nvSpPr>
-          <p:cNvPr id="6" name="CaixaDeTexto 5">
-            <a:extLst>
-              <a:ext uri="{FF2B5EF4-FFF2-40B4-BE49-F238E27FC236}">
-                <a16:creationId xmlns:a16="http://schemas.microsoft.com/office/drawing/2014/main" id="{51FA5D3E-0952-4ABF-9964-6524675A944A}"/>
+          <p:cNvPr id="7" name="CaixaDeTexto 6">
+            <a:extLst>
+              <a:ext uri="{FF2B5EF4-FFF2-40B4-BE49-F238E27FC236}">
+                <a16:creationId xmlns:a16="http://schemas.microsoft.com/office/drawing/2014/main" id="{875E6116-A1D4-4C06-8451-B1ED7DE07F79}"/>
               </a:ext>
             </a:extLst>
           </p:cNvPr>
@@ -6585,8 +6740,8 @@
         </p:nvSpPr>
         <p:spPr>
           <a:xfrm>
-            <a:off x="872064" y="1645481"/>
-            <a:ext cx="10278533" cy="1200329"/>
+            <a:off x="318459" y="824296"/>
+            <a:ext cx="11709639" cy="1261884"/>
           </a:xfrm>
           <a:prstGeom prst="rect">
             <a:avLst/>
@@ -6607,32 +6762,50 @@
                 <a:spcPts val="0"/>
               </a:spcAft>
             </a:pPr>
-            <a:r>
-              <a:rPr lang="pt-BR" sz="2400" b="0" dirty="0">
+            <a:br>
+              <a:rPr lang="pt-BR" b="0" i="0" u="none" strike="noStrike" dirty="0">
+                <a:solidFill>
+                  <a:srgbClr val="000000"/>
+                </a:solidFill>
                 <a:effectLst/>
+                <a:latin typeface="Arial" panose="020B0604020202020204" pitchFamily="34" charset="0"/>
               </a:rPr>
-              <a:t>Homologação</a:t>
+            </a:br>
+            <a:r>
+              <a:rPr lang="pt-BR" sz="2200" b="0" i="0" u="none" strike="noStrike" dirty="0">
+                <a:solidFill>
+                  <a:srgbClr val="000000"/>
+                </a:solidFill>
+                <a:effectLst/>
+                <a:latin typeface="Arial" panose="020B0604020202020204" pitchFamily="34" charset="0"/>
+              </a:rPr>
+              <a:t>O governo cubano anunciou, no dia 14/11/2018, sua retirada do Programa Mais Médicos e a ruptura do convênio com o governo brasileiro¹</a:t>
+            </a:r>
+            <a:r>
+              <a:rPr lang="pt-BR" sz="1400" b="0" i="0" u="none" strike="noStrike" dirty="0">
+                <a:solidFill>
+                  <a:srgbClr val="000000"/>
+                </a:solidFill>
+                <a:effectLst/>
+                <a:latin typeface="Arial" panose="020B0604020202020204" pitchFamily="34" charset="0"/>
+              </a:rPr>
+              <a:t>.</a:t>
             </a:r>
             <a:br>
-              <a:rPr lang="pt-BR" sz="2400" b="0" dirty="0">
+              <a:rPr lang="pt-BR" sz="1400" b="0" dirty="0">
                 <a:effectLst/>
               </a:rPr>
             </a:br>
-            <a:br>
-              <a:rPr lang="pt-BR" sz="2400" b="0" dirty="0">
-                <a:effectLst/>
-              </a:rPr>
-            </a:br>
-            <a:endParaRPr lang="pt-BR" sz="2400" dirty="0"/>
+            <a:endParaRPr lang="pt-BR" sz="1400" dirty="0"/>
           </a:p>
         </p:txBody>
       </p:sp>
       <p:sp>
         <p:nvSpPr>
-          <p:cNvPr id="9" name="CaixaDeTexto 8">
-            <a:extLst>
-              <a:ext uri="{FF2B5EF4-FFF2-40B4-BE49-F238E27FC236}">
-                <a16:creationId xmlns:a16="http://schemas.microsoft.com/office/drawing/2014/main" id="{A32DB5FD-E24E-4C04-851E-C1CA2DE45BC8}"/>
+          <p:cNvPr id="13" name="CaixaDeTexto 12">
+            <a:extLst>
+              <a:ext uri="{FF2B5EF4-FFF2-40B4-BE49-F238E27FC236}">
+                <a16:creationId xmlns:a16="http://schemas.microsoft.com/office/drawing/2014/main" id="{4D7473EB-0DC6-43B6-8AD5-EFAAB4FC7143}"/>
               </a:ext>
             </a:extLst>
           </p:cNvPr>
@@ -6641,8 +6814,8 @@
         </p:nvSpPr>
         <p:spPr>
           <a:xfrm>
-            <a:off x="1838323" y="2919745"/>
-            <a:ext cx="8515350" cy="1200329"/>
+            <a:off x="598818" y="6391038"/>
+            <a:ext cx="10754982" cy="923330"/>
           </a:xfrm>
           <a:prstGeom prst="rect">
             <a:avLst/>
@@ -6655,67 +6828,93 @@
           </a:bodyPr>
           <a:lstStyle/>
           <a:p>
-            <a:r>
-              <a:rPr lang="pt-BR" b="1" dirty="0">
+            <a:pPr rtl="0">
+              <a:spcBef>
+                <a:spcPts val="0"/>
+              </a:spcBef>
+              <a:spcAft>
+                <a:spcPts val="0"/>
+              </a:spcAft>
+            </a:pPr>
+            <a:r>
+              <a:rPr lang="pt-BR" sz="1800" b="0" i="0" u="none" strike="noStrike" dirty="0">
                 <a:solidFill>
-                  <a:schemeClr val="bg1"/>
+                  <a:srgbClr val="FFFFFF"/>
                 </a:solidFill>
+                <a:effectLst/>
+                <a:latin typeface="Avenir"/>
               </a:rPr>
-              <a:t>9.3. A homologação pelo gestor está condicionada ao início das atividades pelo médico.</a:t>
-            </a:r>
-          </a:p>
-          <a:p>
-            <a:endParaRPr lang="pt-BR" b="1" dirty="0">
-              <a:solidFill>
-                <a:schemeClr val="bg1"/>
-              </a:solidFill>
+              <a:t>¹ definidas com base nos critérios estabelecidos pela Portaria nº 1.377/GM/MS, de 13 de junho de 2011</a:t>
+            </a:r>
+            <a:endParaRPr lang="pt-BR" b="0" dirty="0">
+              <a:effectLst/>
             </a:endParaRPr>
           </a:p>
           <a:p>
-            <a:r>
-              <a:rPr lang="pt-BR" b="1" dirty="0">
-                <a:solidFill>
-                  <a:schemeClr val="bg1"/>
-                </a:solidFill>
-              </a:rPr>
-              <a:t>9.10. Finalizado o período de homologação das vagas, o resultado final da alocação do</a:t>
-            </a:r>
-          </a:p>
-          <a:p>
-            <a:r>
-              <a:rPr lang="pt-BR" b="1" dirty="0">
-                <a:solidFill>
-                  <a:schemeClr val="bg1"/>
-                </a:solidFill>
-              </a:rPr>
-              <a:t>médico será publicado no endereço eletrônico http://maismedicos.gov.br</a:t>
-            </a:r>
+            <a:br>
+              <a:rPr lang="pt-BR" dirty="0"/>
+            </a:br>
+            <a:endParaRPr lang="pt-BR" dirty="0"/>
           </a:p>
         </p:txBody>
       </p:sp>
+      <p:pic>
+        <p:nvPicPr>
+          <p:cNvPr id="5" name="Imagem 4">
+            <a:extLst>
+              <a:ext uri="{FF2B5EF4-FFF2-40B4-BE49-F238E27FC236}">
+                <a16:creationId xmlns:a16="http://schemas.microsoft.com/office/drawing/2014/main" id="{2507062F-962A-4EA3-BDFC-19F7DEB3B305}"/>
+              </a:ext>
+            </a:extLst>
+          </p:cNvPr>
+          <p:cNvPicPr>
+            <a:picLocks noChangeAspect="1"/>
+          </p:cNvPicPr>
+          <p:nvPr/>
+        </p:nvPicPr>
+        <p:blipFill>
+          <a:blip r:embed="rId2">
+            <a:extLst>
+              <a:ext uri="{28A0092B-C50C-407E-A947-70E740481C1C}">
+                <a14:useLocalDpi xmlns:a14="http://schemas.microsoft.com/office/drawing/2010/main" val="0"/>
+              </a:ext>
+            </a:extLst>
+          </a:blip>
+          <a:stretch>
+            <a:fillRect/>
+          </a:stretch>
+        </p:blipFill>
+        <p:spPr>
+          <a:xfrm>
+            <a:off x="3578165" y="2147955"/>
+            <a:ext cx="5035670" cy="3258798"/>
+          </a:xfrm>
+          <a:prstGeom prst="rect">
+            <a:avLst/>
+          </a:prstGeom>
+        </p:spPr>
+      </p:pic>
       <p:cxnSp>
         <p:nvCxnSpPr>
-          <p:cNvPr id="8" name="Conector reto 7">
-            <a:extLst>
-              <a:ext uri="{FF2B5EF4-FFF2-40B4-BE49-F238E27FC236}">
-                <a16:creationId xmlns:a16="http://schemas.microsoft.com/office/drawing/2014/main" id="{9885DA61-CAA6-41FC-9114-4B7DC6186EE6}"/>
-              </a:ext>
-            </a:extLst>
-          </p:cNvPr>
-          <p:cNvCxnSpPr>
-            <a:cxnSpLocks/>
-          </p:cNvCxnSpPr>
+          <p:cNvPr id="10" name="Conector reto 9">
+            <a:extLst>
+              <a:ext uri="{FF2B5EF4-FFF2-40B4-BE49-F238E27FC236}">
+                <a16:creationId xmlns:a16="http://schemas.microsoft.com/office/drawing/2014/main" id="{500C1D4A-6CA1-4918-9D0C-A6C7752B7263}"/>
+              </a:ext>
+            </a:extLst>
+          </p:cNvPr>
+          <p:cNvCxnSpPr/>
           <p:nvPr/>
         </p:nvCxnSpPr>
         <p:spPr>
-          <a:xfrm flipH="1">
-            <a:off x="-177799" y="1905000"/>
-            <a:ext cx="5088466" cy="0"/>
+          <a:xfrm>
+            <a:off x="419100" y="1958196"/>
+            <a:ext cx="11537111" cy="0"/>
           </a:xfrm>
           <a:prstGeom prst="line">
             <a:avLst/>
           </a:prstGeom>
-          <a:ln>
+          <a:ln w="19050">
             <a:solidFill>
               <a:schemeClr val="tx1"/>
             </a:solidFill>
@@ -6738,27 +6937,25 @@
       </p:cxnSp>
       <p:cxnSp>
         <p:nvCxnSpPr>
-          <p:cNvPr id="10" name="Conector reto 9">
-            <a:extLst>
-              <a:ext uri="{FF2B5EF4-FFF2-40B4-BE49-F238E27FC236}">
-                <a16:creationId xmlns:a16="http://schemas.microsoft.com/office/drawing/2014/main" id="{071EE150-6B18-471E-A02B-E6D14947807B}"/>
-              </a:ext>
-            </a:extLst>
-          </p:cNvPr>
-          <p:cNvCxnSpPr>
-            <a:cxnSpLocks/>
-          </p:cNvCxnSpPr>
+          <p:cNvPr id="14" name="Conector reto 13">
+            <a:extLst>
+              <a:ext uri="{FF2B5EF4-FFF2-40B4-BE49-F238E27FC236}">
+                <a16:creationId xmlns:a16="http://schemas.microsoft.com/office/drawing/2014/main" id="{CAF07FCD-2206-4ECE-87FD-E01D375737E0}"/>
+              </a:ext>
+            </a:extLst>
+          </p:cNvPr>
+          <p:cNvCxnSpPr/>
           <p:nvPr/>
         </p:nvCxnSpPr>
         <p:spPr>
-          <a:xfrm flipH="1">
-            <a:off x="7103533" y="1905000"/>
-            <a:ext cx="5240869" cy="0"/>
+          <a:xfrm>
+            <a:off x="598818" y="5656053"/>
+            <a:ext cx="11537111" cy="0"/>
           </a:xfrm>
           <a:prstGeom prst="line">
             <a:avLst/>
           </a:prstGeom>
-          <a:ln>
+          <a:ln w="19050">
             <a:solidFill>
               <a:schemeClr val="tx1"/>
             </a:solidFill>
@@ -6782,7 +6979,7 @@
     </p:spTree>
     <p:extLst>
       <p:ext uri="{BB962C8B-B14F-4D97-AF65-F5344CB8AC3E}">
-        <p14:creationId xmlns:p14="http://schemas.microsoft.com/office/powerpoint/2010/main" val="1559740330"/>
+        <p14:creationId xmlns:p14="http://schemas.microsoft.com/office/powerpoint/2010/main" val="258047634"/>
       </p:ext>
     </p:extLst>
   </p:cSld>
@@ -6809,6 +7006,53 @@
           <a:chExt cx="0" cy="0"/>
         </a:xfrm>
       </p:grpSpPr>
+      <p:pic>
+        <p:nvPicPr>
+          <p:cNvPr id="2050" name="Picture 2">
+            <a:extLst>
+              <a:ext uri="{FF2B5EF4-FFF2-40B4-BE49-F238E27FC236}">
+                <a16:creationId xmlns:a16="http://schemas.microsoft.com/office/drawing/2014/main" id="{917B7366-C21A-41D0-9629-017CDE3B70CE}"/>
+              </a:ext>
+            </a:extLst>
+          </p:cNvPr>
+          <p:cNvPicPr>
+            <a:picLocks noChangeAspect="1" noChangeArrowheads="1"/>
+          </p:cNvPicPr>
+          <p:nvPr/>
+        </p:nvPicPr>
+        <p:blipFill>
+          <a:blip r:embed="rId2">
+            <a:extLst>
+              <a:ext uri="{28A0092B-C50C-407E-A947-70E740481C1C}">
+                <a14:useLocalDpi xmlns:a14="http://schemas.microsoft.com/office/drawing/2010/main" val="0"/>
+              </a:ext>
+            </a:extLst>
+          </a:blip>
+          <a:srcRect/>
+          <a:stretch>
+            <a:fillRect/>
+          </a:stretch>
+        </p:blipFill>
+        <p:spPr bwMode="auto">
+          <a:xfrm>
+            <a:off x="3500966" y="3480617"/>
+            <a:ext cx="5190067" cy="2862322"/>
+          </a:xfrm>
+          <a:prstGeom prst="rect">
+            <a:avLst/>
+          </a:prstGeom>
+          <a:noFill/>
+          <a:extLst>
+            <a:ext uri="{909E8E84-426E-40DD-AFC4-6F175D3DCCD1}">
+              <a14:hiddenFill xmlns:a14="http://schemas.microsoft.com/office/drawing/2010/main">
+                <a:solidFill>
+                  <a:srgbClr val="FFFFFF"/>
+                </a:solidFill>
+              </a14:hiddenFill>
+            </a:ext>
+          </a:extLst>
+        </p:spPr>
+      </p:pic>
       <p:sp>
         <p:nvSpPr>
           <p:cNvPr id="2" name="Título 1">
@@ -6825,12 +7069,7 @@
             <p:ph type="title"/>
           </p:nvPr>
         </p:nvSpPr>
-        <p:spPr>
-          <a:xfrm>
-            <a:off x="419100" y="373393"/>
-            <a:ext cx="11496675" cy="1325563"/>
-          </a:xfrm>
-        </p:spPr>
+        <p:spPr/>
         <p:txBody>
           <a:bodyPr/>
           <a:lstStyle/>
@@ -6838,7 +7077,7 @@
             <a:pPr algn="ctr"/>
             <a:r>
               <a:rPr lang="pt-BR" dirty="0"/>
-              <a:t>EDITAL Nº 5, DE 11 DE MARÇO DE 2020</a:t>
+              <a:t>Programa Mais Médicos pelo Brasil</a:t>
             </a:r>
           </a:p>
         </p:txBody>
@@ -6875,10 +7114,10 @@
       </p:sp>
       <p:sp>
         <p:nvSpPr>
-          <p:cNvPr id="6" name="CaixaDeTexto 5">
-            <a:extLst>
-              <a:ext uri="{FF2B5EF4-FFF2-40B4-BE49-F238E27FC236}">
-                <a16:creationId xmlns:a16="http://schemas.microsoft.com/office/drawing/2014/main" id="{51FA5D3E-0952-4ABF-9964-6524675A944A}"/>
+          <p:cNvPr id="16" name="CaixaDeTexto 15">
+            <a:extLst>
+              <a:ext uri="{FF2B5EF4-FFF2-40B4-BE49-F238E27FC236}">
+                <a16:creationId xmlns:a16="http://schemas.microsoft.com/office/drawing/2014/main" id="{02AF37DB-B681-4C41-A8BD-3132AC01852C}"/>
               </a:ext>
             </a:extLst>
           </p:cNvPr>
@@ -6887,8 +7126,8 @@
         </p:nvSpPr>
         <p:spPr>
           <a:xfrm>
-            <a:off x="850898" y="1232549"/>
-            <a:ext cx="10490199" cy="1754326"/>
+            <a:off x="669087" y="1426394"/>
+            <a:ext cx="10853826" cy="2585323"/>
           </a:xfrm>
           <a:prstGeom prst="rect">
             <a:avLst/>
@@ -6910,25 +7149,80 @@
               </a:spcAft>
             </a:pPr>
             <a:r>
-              <a:rPr lang="pt-BR" dirty="0"/>
-              <a:t>Este Edital tem por objeto realizar o chamamento público de médicos formados em instituições de educação superior brasileiras ou com diploma revalidado no Brasil, nos termos do art. 13, §1º, inciso I da Lei nº 12.871/2013, para adesão ao Projeto Mais Médicos para o Brasil, nos termos estabelecidos no presente Edital.</a:t>
-            </a:r>
-          </a:p>
-          <a:p>
-            <a:pPr algn="ctr" rtl="0">
-              <a:spcBef>
-                <a:spcPts val="0"/>
-              </a:spcBef>
-              <a:spcAft>
-                <a:spcPts val="0"/>
-              </a:spcAft>
-            </a:pPr>
-            <a:r>
-              <a:rPr lang="pt-BR" b="0" dirty="0">
+              <a:rPr lang="pt-BR" sz="1800" b="0" i="0" u="none" strike="noStrike" dirty="0">
+                <a:solidFill>
+                  <a:srgbClr val="000000"/>
+                </a:solidFill>
                 <a:effectLst/>
+                <a:latin typeface="Arial" panose="020B0604020202020204" pitchFamily="34" charset="0"/>
               </a:rPr>
-              <a:t>Vigência de um ano</a:t>
-            </a:r>
+              <a:t>Em dezembro de 2019, a Lei Nº 13.958 (Programa Mais Médicos pelo Brasil) alterou a Lei Nº 12.871 de 2013, para permitir a </a:t>
+            </a:r>
+            <a:r>
+              <a:rPr lang="pt-BR" sz="1800" b="1" i="0" u="none" strike="noStrike" dirty="0">
+                <a:solidFill>
+                  <a:srgbClr val="000000"/>
+                </a:solidFill>
+                <a:effectLst/>
+                <a:latin typeface="Arial" panose="020B0604020202020204" pitchFamily="34" charset="0"/>
+              </a:rPr>
+              <a:t>reincorporação, por dois anos (improrrogável), de médicos intercambistas do Projeto Mais Médicos</a:t>
+            </a:r>
+            <a:r>
+              <a:rPr lang="pt-BR" sz="1800" b="0" i="0" u="none" strike="noStrike" dirty="0">
+                <a:solidFill>
+                  <a:srgbClr val="000000"/>
+                </a:solidFill>
+                <a:effectLst/>
+                <a:latin typeface="Arial" panose="020B0604020202020204" pitchFamily="34" charset="0"/>
+              </a:rPr>
+              <a:t> que atendam aos seguintes requisitos: estarem atuando no projeto em </a:t>
+            </a:r>
+            <a:r>
+              <a:rPr lang="pt-BR" sz="1800" b="1" i="0" u="none" strike="noStrike" dirty="0">
+                <a:solidFill>
+                  <a:srgbClr val="000000"/>
+                </a:solidFill>
+                <a:effectLst/>
+                <a:latin typeface="Arial" panose="020B0604020202020204" pitchFamily="34" charset="0"/>
+              </a:rPr>
+              <a:t>13 de novembro de 2018</a:t>
+            </a:r>
+            <a:r>
+              <a:rPr lang="pt-BR" sz="1800" b="0" i="0" u="none" strike="noStrike" dirty="0">
+                <a:solidFill>
+                  <a:srgbClr val="000000"/>
+                </a:solidFill>
+                <a:effectLst/>
+                <a:latin typeface="Arial" panose="020B0604020202020204" pitchFamily="34" charset="0"/>
+              </a:rPr>
+              <a:t>, terem sido desligados devido ao fim do acordo entre Brasil e Cuba, e terem </a:t>
+            </a:r>
+            <a:r>
+              <a:rPr lang="pt-BR" sz="1800" b="1" i="0" u="none" strike="noStrike" dirty="0">
+                <a:solidFill>
+                  <a:srgbClr val="000000"/>
+                </a:solidFill>
+                <a:effectLst/>
+                <a:latin typeface="Arial" panose="020B0604020202020204" pitchFamily="34" charset="0"/>
+              </a:rPr>
+              <a:t>permanecido no Brasil até 1º de agosto de 2019 como naturalizados, residentes ou com pedido de refúgio</a:t>
+            </a:r>
+            <a:r>
+              <a:rPr lang="pt-BR" sz="1800" b="0" i="0" u="none" strike="noStrike" dirty="0">
+                <a:solidFill>
+                  <a:srgbClr val="000000"/>
+                </a:solidFill>
+                <a:effectLst/>
+                <a:latin typeface="Arial" panose="020B0604020202020204" pitchFamily="34" charset="0"/>
+              </a:rPr>
+              <a:t>.</a:t>
+            </a:r>
+            <a:endParaRPr lang="pt-BR" b="0" dirty="0">
+              <a:effectLst/>
+            </a:endParaRPr>
+          </a:p>
+          <a:p>
             <a:br>
               <a:rPr lang="pt-BR" b="0" dirty="0">
                 <a:effectLst/>
@@ -6943,140 +7237,105 @@
           </a:p>
         </p:txBody>
       </p:sp>
-      <p:pic>
-        <p:nvPicPr>
-          <p:cNvPr id="5" name="Imagem 4">
-            <a:extLst>
-              <a:ext uri="{FF2B5EF4-FFF2-40B4-BE49-F238E27FC236}">
-                <a16:creationId xmlns:a16="http://schemas.microsoft.com/office/drawing/2014/main" id="{BF277FD9-7616-495D-8D2A-0A7207C63ABC}"/>
-              </a:ext>
-            </a:extLst>
-          </p:cNvPr>
-          <p:cNvPicPr>
-            <a:picLocks noChangeAspect="1"/>
-          </p:cNvPicPr>
-          <p:nvPr/>
-        </p:nvPicPr>
-        <p:blipFill>
-          <a:blip r:embed="rId2">
-            <a:alphaModFix amt="85000"/>
-            <a:extLst>
-              <a:ext uri="{BEBA8EAE-BF5A-486C-A8C5-ECC9F3942E4B}">
-                <a14:imgProps xmlns:a14="http://schemas.microsoft.com/office/drawing/2010/main">
-                  <a14:imgLayer r:embed="rId3">
-                    <a14:imgEffect>
-                      <a14:sharpenSoften amount="25000"/>
-                    </a14:imgEffect>
-                  </a14:imgLayer>
-                </a14:imgProps>
-              </a:ext>
-            </a:extLst>
-          </a:blip>
-          <a:stretch>
-            <a:fillRect/>
-          </a:stretch>
-        </p:blipFill>
-        <p:spPr>
-          <a:xfrm>
-            <a:off x="2718240" y="2558111"/>
-            <a:ext cx="6898393" cy="2196029"/>
-          </a:xfrm>
-          <a:prstGeom prst="rect">
-            <a:avLst/>
-          </a:prstGeom>
-        </p:spPr>
-      </p:pic>
-      <p:pic>
-        <p:nvPicPr>
-          <p:cNvPr id="10" name="Imagem 9">
-            <a:extLst>
-              <a:ext uri="{FF2B5EF4-FFF2-40B4-BE49-F238E27FC236}">
-                <a16:creationId xmlns:a16="http://schemas.microsoft.com/office/drawing/2014/main" id="{6409CD67-C6D4-4B5A-B708-68E3228A4FD4}"/>
-              </a:ext>
-            </a:extLst>
-          </p:cNvPr>
-          <p:cNvPicPr>
-            <a:picLocks noChangeAspect="1"/>
-          </p:cNvPicPr>
-          <p:nvPr/>
-        </p:nvPicPr>
-        <p:blipFill rotWithShape="1">
-          <a:blip r:embed="rId4">
-            <a:extLst>
-              <a:ext uri="{28A0092B-C50C-407E-A947-70E740481C1C}">
-                <a14:useLocalDpi xmlns:a14="http://schemas.microsoft.com/office/drawing/2010/main" val="0"/>
-              </a:ext>
-            </a:extLst>
-          </a:blip>
-          <a:srcRect t="24493"/>
-          <a:stretch/>
-        </p:blipFill>
-        <p:spPr>
-          <a:xfrm>
-            <a:off x="5234517" y="4930926"/>
-            <a:ext cx="1722966" cy="1389050"/>
-          </a:xfrm>
-          <a:prstGeom prst="rect">
-            <a:avLst/>
-          </a:prstGeom>
-        </p:spPr>
-      </p:pic>
       <p:sp>
         <p:nvSpPr>
-          <p:cNvPr id="8" name="Retângulo 7">
-            <a:extLst>
-              <a:ext uri="{FF2B5EF4-FFF2-40B4-BE49-F238E27FC236}">
-                <a16:creationId xmlns:a16="http://schemas.microsoft.com/office/drawing/2014/main" id="{F1FAE7BE-5E1D-4CF6-9FDC-F48C03E19584}"/>
-              </a:ext>
-            </a:extLst>
-          </p:cNvPr>
-          <p:cNvSpPr/>
+          <p:cNvPr id="19" name="CaixaDeTexto 18">
+            <a:extLst>
+              <a:ext uri="{FF2B5EF4-FFF2-40B4-BE49-F238E27FC236}">
+                <a16:creationId xmlns:a16="http://schemas.microsoft.com/office/drawing/2014/main" id="{6A3144A0-0FCA-4AFD-968A-3429775EF61A}"/>
+              </a:ext>
+            </a:extLst>
+          </p:cNvPr>
+          <p:cNvSpPr txBox="1"/>
           <p:nvPr/>
         </p:nvSpPr>
         <p:spPr>
           <a:xfrm>
-            <a:off x="850898" y="1232548"/>
-            <a:ext cx="10579102" cy="1176095"/>
+            <a:off x="419100" y="6399510"/>
+            <a:ext cx="11468100" cy="461665"/>
           </a:xfrm>
           <a:prstGeom prst="rect">
             <a:avLst/>
           </a:prstGeom>
           <a:noFill/>
-          <a:ln>
-            <a:solidFill>
-              <a:schemeClr val="tx1"/>
-            </a:solidFill>
-          </a:ln>
-        </p:spPr>
-        <p:style>
-          <a:lnRef idx="2">
-            <a:schemeClr val="accent1">
-              <a:shade val="50000"/>
-            </a:schemeClr>
-          </a:lnRef>
-          <a:fillRef idx="1">
-            <a:schemeClr val="accent1"/>
-          </a:fillRef>
-          <a:effectRef idx="0">
-            <a:schemeClr val="accent1"/>
-          </a:effectRef>
-          <a:fontRef idx="minor">
-            <a:schemeClr val="lt1"/>
-          </a:fontRef>
-        </p:style>
+        </p:spPr>
         <p:txBody>
-          <a:bodyPr rtlCol="0" anchor="ctr"/>
+          <a:bodyPr wrap="square">
+            <a:spAutoFit/>
+          </a:bodyPr>
           <a:lstStyle/>
           <a:p>
-            <a:pPr algn="ctr"/>
-            <a:endParaRPr lang="pt-BR"/>
+            <a:pPr rtl="0">
+              <a:spcBef>
+                <a:spcPts val="0"/>
+              </a:spcBef>
+              <a:spcAft>
+                <a:spcPts val="0"/>
+              </a:spcAft>
+            </a:pPr>
+            <a:r>
+              <a:rPr lang="pt-BR" sz="1200" b="0" i="0" u="none" strike="noStrike" dirty="0">
+                <a:solidFill>
+                  <a:srgbClr val="FFFFFF"/>
+                </a:solidFill>
+                <a:effectLst/>
+                <a:latin typeface="Avenir"/>
+              </a:rPr>
+              <a:t>¹ </a:t>
+            </a:r>
+            <a:r>
+              <a:rPr lang="pt-BR" sz="1200" b="0" i="0" u="sng" strike="noStrike" dirty="0">
+                <a:solidFill>
+                  <a:schemeClr val="bg1"/>
+                </a:solidFill>
+                <a:effectLst/>
+                <a:latin typeface="Avenir"/>
+                <a:hlinkClick r:id="rId3">
+                  <a:extLst>
+                    <a:ext uri="{A12FA001-AC4F-418D-AE19-62706E023703}">
+                      <ahyp:hlinkClr xmlns:ahyp="http://schemas.microsoft.com/office/drawing/2018/hyperlinkcolor" val="tx"/>
+                    </a:ext>
+                  </a:extLst>
+                </a:hlinkClick>
+              </a:rPr>
+              <a:t>https://www12.senado.leg.br/noticias/materias/2019/12/19/publicada-no-diario-oficial-lei-que-cria-o-medicos-pelo-brasil</a:t>
+            </a:r>
+            <a:endParaRPr lang="pt-BR" sz="1200" b="0" dirty="0">
+              <a:solidFill>
+                <a:schemeClr val="bg1"/>
+              </a:solidFill>
+              <a:effectLst/>
+            </a:endParaRPr>
+          </a:p>
+          <a:p>
+            <a:pPr rtl="0">
+              <a:spcBef>
+                <a:spcPts val="0"/>
+              </a:spcBef>
+              <a:spcAft>
+                <a:spcPts val="0"/>
+              </a:spcAft>
+            </a:pPr>
+            <a:r>
+              <a:rPr lang="pt-BR" sz="1200" b="0" i="0" u="none" strike="noStrike" dirty="0">
+                <a:solidFill>
+                  <a:srgbClr val="FFFFFF"/>
+                </a:solidFill>
+                <a:effectLst/>
+                <a:latin typeface="Avenir"/>
+              </a:rPr>
+              <a:t>Foto: Marcos Correa/PR</a:t>
+            </a:r>
+            <a:endParaRPr lang="pt-BR" sz="1200" b="0" dirty="0">
+              <a:effectLst/>
+            </a:endParaRPr>
           </a:p>
         </p:txBody>
       </p:sp>
     </p:spTree>
     <p:extLst>
       <p:ext uri="{BB962C8B-B14F-4D97-AF65-F5344CB8AC3E}">
-        <p14:creationId xmlns:p14="http://schemas.microsoft.com/office/powerpoint/2010/main" val="2723821767"/>
+        <p14:creationId xmlns:p14="http://schemas.microsoft.com/office/powerpoint/2010/main" val="860441776"/>
       </p:ext>
     </p:extLst>
   </p:cSld>
@@ -7184,7 +7443,7 @@
             <a:pPr algn="ctr"/>
             <a:r>
               <a:rPr lang="pt-BR" dirty="0"/>
-              <a:t>EDITAL Nº 5, DE 11 DE MARÇO DE 2020</a:t>
+              <a:t>EDITAL Nº 9, DE 26 DE MARÇO DE 2020</a:t>
             </a:r>
           </a:p>
         </p:txBody>
@@ -7214,6 +7473,1922 @@
               <a:rPr lang="pt-BR" smtClean="0"/>
               <a:pPr/>
               <a:t>15</a:t>
+            </a:fld>
+            <a:endParaRPr lang="pt-BR" dirty="0"/>
+          </a:p>
+        </p:txBody>
+      </p:sp>
+      <p:sp>
+        <p:nvSpPr>
+          <p:cNvPr id="6" name="CaixaDeTexto 5">
+            <a:extLst>
+              <a:ext uri="{FF2B5EF4-FFF2-40B4-BE49-F238E27FC236}">
+                <a16:creationId xmlns:a16="http://schemas.microsoft.com/office/drawing/2014/main" id="{51FA5D3E-0952-4ABF-9964-6524675A944A}"/>
+              </a:ext>
+            </a:extLst>
+          </p:cNvPr>
+          <p:cNvSpPr txBox="1"/>
+          <p:nvPr/>
+        </p:nvSpPr>
+        <p:spPr>
+          <a:xfrm>
+            <a:off x="956733" y="1232549"/>
+            <a:ext cx="10278533" cy="1477328"/>
+          </a:xfrm>
+          <a:prstGeom prst="rect">
+            <a:avLst/>
+          </a:prstGeom>
+          <a:noFill/>
+        </p:spPr>
+        <p:txBody>
+          <a:bodyPr wrap="square">
+            <a:spAutoFit/>
+          </a:bodyPr>
+          <a:lstStyle/>
+          <a:p>
+            <a:pPr algn="ctr" rtl="0">
+              <a:spcBef>
+                <a:spcPts val="0"/>
+              </a:spcBef>
+              <a:spcAft>
+                <a:spcPts val="0"/>
+              </a:spcAft>
+            </a:pPr>
+            <a:r>
+              <a:rPr lang="pt-BR" dirty="0"/>
+              <a:t>Este edital realiza o chamamento público de médicos intercambistas, da cooperação internacional, listados no Anexo II, que atendam aos requisitos do art. 23-A da Lei nº 12.871/2013, alterado pela Lei nº 13.958/2019, para reincorporação ao Projeto Mais Médicos por um prazo improrrogável de dois anos.</a:t>
+            </a:r>
+            <a:br>
+              <a:rPr lang="pt-BR" b="0" dirty="0">
+                <a:effectLst/>
+              </a:rPr>
+            </a:br>
+            <a:br>
+              <a:rPr lang="pt-BR" b="0" dirty="0">
+                <a:effectLst/>
+              </a:rPr>
+            </a:br>
+            <a:endParaRPr lang="pt-BR" dirty="0"/>
+          </a:p>
+        </p:txBody>
+      </p:sp>
+      <p:sp>
+        <p:nvSpPr>
+          <p:cNvPr id="9" name="CaixaDeTexto 8">
+            <a:extLst>
+              <a:ext uri="{FF2B5EF4-FFF2-40B4-BE49-F238E27FC236}">
+                <a16:creationId xmlns:a16="http://schemas.microsoft.com/office/drawing/2014/main" id="{A32DB5FD-E24E-4C04-851E-C1CA2DE45BC8}"/>
+              </a:ext>
+            </a:extLst>
+          </p:cNvPr>
+          <p:cNvSpPr txBox="1"/>
+          <p:nvPr/>
+        </p:nvSpPr>
+        <p:spPr>
+          <a:xfrm>
+            <a:off x="1838324" y="2709877"/>
+            <a:ext cx="8515350" cy="1754326"/>
+          </a:xfrm>
+          <a:prstGeom prst="rect">
+            <a:avLst/>
+          </a:prstGeom>
+          <a:noFill/>
+        </p:spPr>
+        <p:txBody>
+          <a:bodyPr wrap="square">
+            <a:spAutoFit/>
+          </a:bodyPr>
+          <a:lstStyle/>
+          <a:p>
+            <a:r>
+              <a:rPr lang="pt-BR" b="1" dirty="0">
+                <a:solidFill>
+                  <a:schemeClr val="bg1"/>
+                </a:solidFill>
+              </a:rPr>
+              <a:t>6.5. É oportunizada ao médico a indicação de 4 (quatro) localidades e sua ordem de preferência (prioridade) para atuação.</a:t>
+            </a:r>
+          </a:p>
+          <a:p>
+            <a:endParaRPr lang="pt-BR" b="1" dirty="0">
+              <a:solidFill>
+                <a:schemeClr val="bg1"/>
+              </a:solidFill>
+            </a:endParaRPr>
+          </a:p>
+          <a:p>
+            <a:r>
+              <a:rPr lang="pt-BR" b="1" dirty="0">
+                <a:solidFill>
+                  <a:schemeClr val="bg1"/>
+                </a:solidFill>
+              </a:rPr>
+              <a:t>6.8. A concorrência entre os médicos se dará dentro de cada opção escolhida; ou seja, só haverá concorrência em prioridades posteriores, caso a vaga não tenha sido ocupada por nenhum médico que optou por aquele município como prioridade antecedente.</a:t>
+            </a:r>
+          </a:p>
+        </p:txBody>
+      </p:sp>
+      <p:pic>
+        <p:nvPicPr>
+          <p:cNvPr id="13" name="Imagem 12">
+            <a:extLst>
+              <a:ext uri="{FF2B5EF4-FFF2-40B4-BE49-F238E27FC236}">
+                <a16:creationId xmlns:a16="http://schemas.microsoft.com/office/drawing/2014/main" id="{7B31CF5A-89BB-410B-8F30-0E1B50BA401C}"/>
+              </a:ext>
+            </a:extLst>
+          </p:cNvPr>
+          <p:cNvPicPr>
+            <a:picLocks noChangeAspect="1"/>
+          </p:cNvPicPr>
+          <p:nvPr/>
+        </p:nvPicPr>
+        <p:blipFill>
+          <a:blip r:embed="rId2"/>
+          <a:stretch>
+            <a:fillRect/>
+          </a:stretch>
+        </p:blipFill>
+        <p:spPr>
+          <a:xfrm>
+            <a:off x="5394400" y="4748606"/>
+            <a:ext cx="1403197" cy="1403197"/>
+          </a:xfrm>
+          <a:prstGeom prst="rect">
+            <a:avLst/>
+          </a:prstGeom>
+        </p:spPr>
+      </p:pic>
+    </p:spTree>
+    <p:extLst>
+      <p:ext uri="{BB962C8B-B14F-4D97-AF65-F5344CB8AC3E}">
+        <p14:creationId xmlns:p14="http://schemas.microsoft.com/office/powerpoint/2010/main" val="2313058853"/>
+      </p:ext>
+    </p:extLst>
+  </p:cSld>
+  <p:clrMapOvr>
+    <a:masterClrMapping/>
+  </p:clrMapOvr>
+</p:sld>
+</file>
+
+<file path=ppt/slides/slide16.xml><?xml version="1.0" encoding="utf-8"?>
+<p:sld xmlns:a="http://schemas.openxmlformats.org/drawingml/2006/main" xmlns:r="http://schemas.openxmlformats.org/officeDocument/2006/relationships" xmlns:p="http://schemas.openxmlformats.org/presentationml/2006/main">
+  <p:cSld>
+    <p:spTree>
+      <p:nvGrpSpPr>
+        <p:cNvPr id="1" name=""/>
+        <p:cNvGrpSpPr/>
+        <p:nvPr/>
+      </p:nvGrpSpPr>
+      <p:grpSpPr>
+        <a:xfrm>
+          <a:off x="0" y="0"/>
+          <a:ext cx="0" cy="0"/>
+          <a:chOff x="0" y="0"/>
+          <a:chExt cx="0" cy="0"/>
+        </a:xfrm>
+      </p:grpSpPr>
+      <p:sp>
+        <p:nvSpPr>
+          <p:cNvPr id="7" name="Retângulo 6">
+            <a:extLst>
+              <a:ext uri="{FF2B5EF4-FFF2-40B4-BE49-F238E27FC236}">
+                <a16:creationId xmlns:a16="http://schemas.microsoft.com/office/drawing/2014/main" id="{5E0F7497-D302-4F68-8123-03414F2C6833}"/>
+              </a:ext>
+            </a:extLst>
+          </p:cNvPr>
+          <p:cNvSpPr/>
+          <p:nvPr/>
+        </p:nvSpPr>
+        <p:spPr>
+          <a:xfrm>
+            <a:off x="1704975" y="2558112"/>
+            <a:ext cx="8905875" cy="2032937"/>
+          </a:xfrm>
+          <a:prstGeom prst="rect">
+            <a:avLst/>
+          </a:prstGeom>
+          <a:solidFill>
+            <a:srgbClr val="67C7F2"/>
+          </a:solidFill>
+          <a:ln>
+            <a:noFill/>
+          </a:ln>
+        </p:spPr>
+        <p:style>
+          <a:lnRef idx="2">
+            <a:schemeClr val="accent1">
+              <a:shade val="50000"/>
+            </a:schemeClr>
+          </a:lnRef>
+          <a:fillRef idx="1">
+            <a:schemeClr val="accent1"/>
+          </a:fillRef>
+          <a:effectRef idx="0">
+            <a:schemeClr val="accent1"/>
+          </a:effectRef>
+          <a:fontRef idx="minor">
+            <a:schemeClr val="lt1"/>
+          </a:fontRef>
+        </p:style>
+        <p:txBody>
+          <a:bodyPr rtlCol="0" anchor="ctr"/>
+          <a:lstStyle/>
+          <a:p>
+            <a:pPr algn="ctr"/>
+            <a:endParaRPr lang="pt-BR"/>
+          </a:p>
+        </p:txBody>
+      </p:sp>
+      <p:sp>
+        <p:nvSpPr>
+          <p:cNvPr id="2" name="Título 1">
+            <a:extLst>
+              <a:ext uri="{FF2B5EF4-FFF2-40B4-BE49-F238E27FC236}">
+                <a16:creationId xmlns:a16="http://schemas.microsoft.com/office/drawing/2014/main" id="{E5407E68-547D-40FB-ADFC-29225BCA97FB}"/>
+              </a:ext>
+            </a:extLst>
+          </p:cNvPr>
+          <p:cNvSpPr>
+            <a:spLocks noGrp="1"/>
+          </p:cNvSpPr>
+          <p:nvPr>
+            <p:ph type="title"/>
+          </p:nvPr>
+        </p:nvSpPr>
+        <p:spPr>
+          <a:xfrm>
+            <a:off x="419100" y="373393"/>
+            <a:ext cx="11496675" cy="1325563"/>
+          </a:xfrm>
+        </p:spPr>
+        <p:txBody>
+          <a:bodyPr/>
+          <a:lstStyle/>
+          <a:p>
+            <a:pPr algn="ctr"/>
+            <a:r>
+              <a:rPr lang="pt-BR" dirty="0"/>
+              <a:t>EDITAL Nº 9, DE 26 DE MARÇO DE 2020</a:t>
+            </a:r>
+          </a:p>
+        </p:txBody>
+      </p:sp>
+      <p:sp>
+        <p:nvSpPr>
+          <p:cNvPr id="4" name="Espaço Reservado para Número de Slide 3">
+            <a:extLst>
+              <a:ext uri="{FF2B5EF4-FFF2-40B4-BE49-F238E27FC236}">
+                <a16:creationId xmlns:a16="http://schemas.microsoft.com/office/drawing/2014/main" id="{B251EF4B-4832-430A-9B53-231F361E70F5}"/>
+              </a:ext>
+            </a:extLst>
+          </p:cNvPr>
+          <p:cNvSpPr>
+            <a:spLocks noGrp="1"/>
+          </p:cNvSpPr>
+          <p:nvPr>
+            <p:ph type="sldNum" sz="quarter" idx="10"/>
+          </p:nvPr>
+        </p:nvSpPr>
+        <p:spPr/>
+        <p:txBody>
+          <a:bodyPr/>
+          <a:lstStyle/>
+          <a:p>
+            <a:fld id="{42B4FE49-DA0E-4E24-BB21-E8757AAD71F5}" type="slidenum">
+              <a:rPr lang="pt-BR" smtClean="0"/>
+              <a:pPr/>
+              <a:t>16</a:t>
+            </a:fld>
+            <a:endParaRPr lang="pt-BR" dirty="0"/>
+          </a:p>
+        </p:txBody>
+      </p:sp>
+      <p:sp>
+        <p:nvSpPr>
+          <p:cNvPr id="9" name="CaixaDeTexto 8">
+            <a:extLst>
+              <a:ext uri="{FF2B5EF4-FFF2-40B4-BE49-F238E27FC236}">
+                <a16:creationId xmlns:a16="http://schemas.microsoft.com/office/drawing/2014/main" id="{A32DB5FD-E24E-4C04-851E-C1CA2DE45BC8}"/>
+              </a:ext>
+            </a:extLst>
+          </p:cNvPr>
+          <p:cNvSpPr txBox="1"/>
+          <p:nvPr/>
+        </p:nvSpPr>
+        <p:spPr>
+          <a:xfrm>
+            <a:off x="1838323" y="2919745"/>
+            <a:ext cx="8515350" cy="1200329"/>
+          </a:xfrm>
+          <a:prstGeom prst="rect">
+            <a:avLst/>
+          </a:prstGeom>
+          <a:noFill/>
+        </p:spPr>
+        <p:txBody>
+          <a:bodyPr wrap="square">
+            <a:spAutoFit/>
+          </a:bodyPr>
+          <a:lstStyle/>
+          <a:p>
+            <a:r>
+              <a:rPr lang="pt-BR" b="1" dirty="0">
+                <a:solidFill>
+                  <a:schemeClr val="bg1"/>
+                </a:solidFill>
+              </a:rPr>
+              <a:t>a) possuir maior idade, considerados o dia, mês e ano de nascimento; e</a:t>
+            </a:r>
+          </a:p>
+          <a:p>
+            <a:endParaRPr lang="pt-BR" b="1" dirty="0">
+              <a:solidFill>
+                <a:schemeClr val="bg1"/>
+              </a:solidFill>
+            </a:endParaRPr>
+          </a:p>
+          <a:p>
+            <a:r>
+              <a:rPr lang="pt-BR" b="1" dirty="0">
+                <a:solidFill>
+                  <a:schemeClr val="bg1"/>
+                </a:solidFill>
+              </a:rPr>
+              <a:t>b) possuir maior tempo de atuação no Projeto Mais Médicos para o Brasil, quando da sua participação por meio da cooperação internacional, considerados, dia, mês e ano</a:t>
+            </a:r>
+          </a:p>
+        </p:txBody>
+      </p:sp>
+      <p:sp>
+        <p:nvSpPr>
+          <p:cNvPr id="8" name="CaixaDeTexto 7">
+            <a:extLst>
+              <a:ext uri="{FF2B5EF4-FFF2-40B4-BE49-F238E27FC236}">
+                <a16:creationId xmlns:a16="http://schemas.microsoft.com/office/drawing/2014/main" id="{1AC60388-FB46-49D4-B159-D5CCE911D9FB}"/>
+              </a:ext>
+            </a:extLst>
+          </p:cNvPr>
+          <p:cNvSpPr txBox="1"/>
+          <p:nvPr/>
+        </p:nvSpPr>
+        <p:spPr>
+          <a:xfrm>
+            <a:off x="956733" y="1667675"/>
+            <a:ext cx="10278533" cy="1200329"/>
+          </a:xfrm>
+          <a:prstGeom prst="rect">
+            <a:avLst/>
+          </a:prstGeom>
+          <a:noFill/>
+        </p:spPr>
+        <p:txBody>
+          <a:bodyPr wrap="square">
+            <a:spAutoFit/>
+          </a:bodyPr>
+          <a:lstStyle/>
+          <a:p>
+            <a:pPr algn="ctr" rtl="0">
+              <a:spcBef>
+                <a:spcPts val="0"/>
+              </a:spcBef>
+              <a:spcAft>
+                <a:spcPts val="0"/>
+              </a:spcAft>
+            </a:pPr>
+            <a:r>
+              <a:rPr lang="pt-BR" sz="2400" dirty="0"/>
+              <a:t>Critérios de desempate</a:t>
+            </a:r>
+            <a:br>
+              <a:rPr lang="pt-BR" sz="2400" b="0" dirty="0">
+                <a:effectLst/>
+              </a:rPr>
+            </a:br>
+            <a:br>
+              <a:rPr lang="pt-BR" sz="2400" b="0" dirty="0">
+                <a:effectLst/>
+              </a:rPr>
+            </a:br>
+            <a:endParaRPr lang="pt-BR" sz="2400" dirty="0"/>
+          </a:p>
+        </p:txBody>
+      </p:sp>
+      <p:cxnSp>
+        <p:nvCxnSpPr>
+          <p:cNvPr id="10" name="Conector reto 9">
+            <a:extLst>
+              <a:ext uri="{FF2B5EF4-FFF2-40B4-BE49-F238E27FC236}">
+                <a16:creationId xmlns:a16="http://schemas.microsoft.com/office/drawing/2014/main" id="{878DEA95-2B8A-4B00-A51D-62C3A2292DF4}"/>
+              </a:ext>
+            </a:extLst>
+          </p:cNvPr>
+          <p:cNvCxnSpPr/>
+          <p:nvPr/>
+        </p:nvCxnSpPr>
+        <p:spPr>
+          <a:xfrm flipH="1">
+            <a:off x="-177800" y="1905000"/>
+            <a:ext cx="4690533" cy="0"/>
+          </a:xfrm>
+          <a:prstGeom prst="line">
+            <a:avLst/>
+          </a:prstGeom>
+          <a:ln>
+            <a:solidFill>
+              <a:schemeClr val="tx1"/>
+            </a:solidFill>
+          </a:ln>
+        </p:spPr>
+        <p:style>
+          <a:lnRef idx="1">
+            <a:schemeClr val="accent1"/>
+          </a:lnRef>
+          <a:fillRef idx="0">
+            <a:schemeClr val="accent1"/>
+          </a:fillRef>
+          <a:effectRef idx="0">
+            <a:schemeClr val="accent1"/>
+          </a:effectRef>
+          <a:fontRef idx="minor">
+            <a:schemeClr val="tx1"/>
+          </a:fontRef>
+        </p:style>
+      </p:cxnSp>
+      <p:cxnSp>
+        <p:nvCxnSpPr>
+          <p:cNvPr id="11" name="Conector reto 10">
+            <a:extLst>
+              <a:ext uri="{FF2B5EF4-FFF2-40B4-BE49-F238E27FC236}">
+                <a16:creationId xmlns:a16="http://schemas.microsoft.com/office/drawing/2014/main" id="{E28299DE-D7B7-49CF-91C7-668002789FEF}"/>
+              </a:ext>
+            </a:extLst>
+          </p:cNvPr>
+          <p:cNvCxnSpPr/>
+          <p:nvPr/>
+        </p:nvCxnSpPr>
+        <p:spPr>
+          <a:xfrm flipH="1">
+            <a:off x="7653867" y="1905000"/>
+            <a:ext cx="4690533" cy="0"/>
+          </a:xfrm>
+          <a:prstGeom prst="line">
+            <a:avLst/>
+          </a:prstGeom>
+          <a:ln>
+            <a:solidFill>
+              <a:schemeClr val="tx1"/>
+            </a:solidFill>
+          </a:ln>
+        </p:spPr>
+        <p:style>
+          <a:lnRef idx="1">
+            <a:schemeClr val="accent1"/>
+          </a:lnRef>
+          <a:fillRef idx="0">
+            <a:schemeClr val="accent1"/>
+          </a:fillRef>
+          <a:effectRef idx="0">
+            <a:schemeClr val="accent1"/>
+          </a:effectRef>
+          <a:fontRef idx="minor">
+            <a:schemeClr val="tx1"/>
+          </a:fontRef>
+        </p:style>
+      </p:cxnSp>
+      <p:pic>
+        <p:nvPicPr>
+          <p:cNvPr id="12" name="Imagem 11">
+            <a:extLst>
+              <a:ext uri="{FF2B5EF4-FFF2-40B4-BE49-F238E27FC236}">
+                <a16:creationId xmlns:a16="http://schemas.microsoft.com/office/drawing/2014/main" id="{3B0FE0C9-59A4-47C6-B6CB-660FF30E2123}"/>
+              </a:ext>
+            </a:extLst>
+          </p:cNvPr>
+          <p:cNvPicPr>
+            <a:picLocks noChangeAspect="1"/>
+          </p:cNvPicPr>
+          <p:nvPr/>
+        </p:nvPicPr>
+        <p:blipFill rotWithShape="1">
+          <a:blip r:embed="rId2">
+            <a:extLst>
+              <a:ext uri="{28A0092B-C50C-407E-A947-70E740481C1C}">
+                <a14:useLocalDpi xmlns:a14="http://schemas.microsoft.com/office/drawing/2010/main" val="0"/>
+              </a:ext>
+            </a:extLst>
+          </a:blip>
+          <a:srcRect t="24493"/>
+          <a:stretch/>
+        </p:blipFill>
+        <p:spPr>
+          <a:xfrm>
+            <a:off x="5135034" y="4716283"/>
+            <a:ext cx="1921932" cy="1549456"/>
+          </a:xfrm>
+          <a:prstGeom prst="rect">
+            <a:avLst/>
+          </a:prstGeom>
+        </p:spPr>
+      </p:pic>
+    </p:spTree>
+    <p:extLst>
+      <p:ext uri="{BB962C8B-B14F-4D97-AF65-F5344CB8AC3E}">
+        <p14:creationId xmlns:p14="http://schemas.microsoft.com/office/powerpoint/2010/main" val="3111718399"/>
+      </p:ext>
+    </p:extLst>
+  </p:cSld>
+  <p:clrMapOvr>
+    <a:masterClrMapping/>
+  </p:clrMapOvr>
+</p:sld>
+</file>
+
+<file path=ppt/slides/slide17.xml><?xml version="1.0" encoding="utf-8"?>
+<p:sld xmlns:a="http://schemas.openxmlformats.org/drawingml/2006/main" xmlns:r="http://schemas.openxmlformats.org/officeDocument/2006/relationships" xmlns:p="http://schemas.openxmlformats.org/presentationml/2006/main">
+  <p:cSld>
+    <p:spTree>
+      <p:nvGrpSpPr>
+        <p:cNvPr id="1" name=""/>
+        <p:cNvGrpSpPr/>
+        <p:nvPr/>
+      </p:nvGrpSpPr>
+      <p:grpSpPr>
+        <a:xfrm>
+          <a:off x="0" y="0"/>
+          <a:ext cx="0" cy="0"/>
+          <a:chOff x="0" y="0"/>
+          <a:chExt cx="0" cy="0"/>
+        </a:xfrm>
+      </p:grpSpPr>
+      <p:sp>
+        <p:nvSpPr>
+          <p:cNvPr id="2" name="Título 1">
+            <a:extLst>
+              <a:ext uri="{FF2B5EF4-FFF2-40B4-BE49-F238E27FC236}">
+                <a16:creationId xmlns:a16="http://schemas.microsoft.com/office/drawing/2014/main" id="{E5407E68-547D-40FB-ADFC-29225BCA97FB}"/>
+              </a:ext>
+            </a:extLst>
+          </p:cNvPr>
+          <p:cNvSpPr>
+            <a:spLocks noGrp="1"/>
+          </p:cNvSpPr>
+          <p:nvPr>
+            <p:ph type="title"/>
+          </p:nvPr>
+        </p:nvSpPr>
+        <p:spPr>
+          <a:xfrm>
+            <a:off x="419100" y="373393"/>
+            <a:ext cx="11496675" cy="1325563"/>
+          </a:xfrm>
+        </p:spPr>
+        <p:txBody>
+          <a:bodyPr/>
+          <a:lstStyle/>
+          <a:p>
+            <a:pPr algn="ctr"/>
+            <a:r>
+              <a:rPr lang="pt-BR" dirty="0"/>
+              <a:t>EDITAL Nº 9, DE 26 DE MARÇO DE 2020</a:t>
+            </a:r>
+          </a:p>
+        </p:txBody>
+      </p:sp>
+      <p:sp>
+        <p:nvSpPr>
+          <p:cNvPr id="4" name="Espaço Reservado para Número de Slide 3">
+            <a:extLst>
+              <a:ext uri="{FF2B5EF4-FFF2-40B4-BE49-F238E27FC236}">
+                <a16:creationId xmlns:a16="http://schemas.microsoft.com/office/drawing/2014/main" id="{B251EF4B-4832-430A-9B53-231F361E70F5}"/>
+              </a:ext>
+            </a:extLst>
+          </p:cNvPr>
+          <p:cNvSpPr>
+            <a:spLocks noGrp="1"/>
+          </p:cNvSpPr>
+          <p:nvPr>
+            <p:ph type="sldNum" sz="quarter" idx="10"/>
+          </p:nvPr>
+        </p:nvSpPr>
+        <p:spPr/>
+        <p:txBody>
+          <a:bodyPr/>
+          <a:lstStyle/>
+          <a:p>
+            <a:fld id="{42B4FE49-DA0E-4E24-BB21-E8757AAD71F5}" type="slidenum">
+              <a:rPr lang="pt-BR" smtClean="0"/>
+              <a:pPr/>
+              <a:t>17</a:t>
+            </a:fld>
+            <a:endParaRPr lang="pt-BR" dirty="0"/>
+          </a:p>
+        </p:txBody>
+      </p:sp>
+      <p:sp>
+        <p:nvSpPr>
+          <p:cNvPr id="6" name="CaixaDeTexto 5">
+            <a:extLst>
+              <a:ext uri="{FF2B5EF4-FFF2-40B4-BE49-F238E27FC236}">
+                <a16:creationId xmlns:a16="http://schemas.microsoft.com/office/drawing/2014/main" id="{51FA5D3E-0952-4ABF-9964-6524675A944A}"/>
+              </a:ext>
+            </a:extLst>
+          </p:cNvPr>
+          <p:cNvSpPr txBox="1"/>
+          <p:nvPr/>
+        </p:nvSpPr>
+        <p:spPr>
+          <a:xfrm>
+            <a:off x="956733" y="914392"/>
+            <a:ext cx="10278533" cy="1384995"/>
+          </a:xfrm>
+          <a:prstGeom prst="rect">
+            <a:avLst/>
+          </a:prstGeom>
+          <a:noFill/>
+        </p:spPr>
+        <p:txBody>
+          <a:bodyPr wrap="square">
+            <a:spAutoFit/>
+          </a:bodyPr>
+          <a:lstStyle/>
+          <a:p>
+            <a:pPr algn="ctr" rtl="0">
+              <a:spcBef>
+                <a:spcPts val="0"/>
+              </a:spcBef>
+              <a:spcAft>
+                <a:spcPts val="0"/>
+              </a:spcAft>
+            </a:pPr>
+            <a:r>
+              <a:rPr lang="pt-BR" sz="2800" dirty="0"/>
+              <a:t>Classificação das localidades</a:t>
+            </a:r>
+            <a:br>
+              <a:rPr lang="pt-BR" sz="2800" b="0" dirty="0">
+                <a:effectLst/>
+              </a:rPr>
+            </a:br>
+            <a:br>
+              <a:rPr lang="pt-BR" sz="2800" b="0" dirty="0">
+                <a:effectLst/>
+              </a:rPr>
+            </a:br>
+            <a:endParaRPr lang="pt-BR" sz="2800" dirty="0"/>
+          </a:p>
+        </p:txBody>
+      </p:sp>
+      <p:pic>
+        <p:nvPicPr>
+          <p:cNvPr id="5" name="Imagem 4">
+            <a:extLst>
+              <a:ext uri="{FF2B5EF4-FFF2-40B4-BE49-F238E27FC236}">
+                <a16:creationId xmlns:a16="http://schemas.microsoft.com/office/drawing/2014/main" id="{467BE022-C1FE-4C97-AACA-74B47374DE06}"/>
+              </a:ext>
+            </a:extLst>
+          </p:cNvPr>
+          <p:cNvPicPr>
+            <a:picLocks noChangeAspect="1"/>
+          </p:cNvPicPr>
+          <p:nvPr/>
+        </p:nvPicPr>
+        <p:blipFill>
+          <a:blip r:embed="rId2"/>
+          <a:stretch>
+            <a:fillRect/>
+          </a:stretch>
+        </p:blipFill>
+        <p:spPr>
+          <a:xfrm>
+            <a:off x="956733" y="1361798"/>
+            <a:ext cx="5496692" cy="3962953"/>
+          </a:xfrm>
+          <a:prstGeom prst="rect">
+            <a:avLst/>
+          </a:prstGeom>
+        </p:spPr>
+      </p:pic>
+      <p:pic>
+        <p:nvPicPr>
+          <p:cNvPr id="8" name="Imagem 7">
+            <a:extLst>
+              <a:ext uri="{FF2B5EF4-FFF2-40B4-BE49-F238E27FC236}">
+                <a16:creationId xmlns:a16="http://schemas.microsoft.com/office/drawing/2014/main" id="{729167F8-24DE-4DA1-AC5B-B48CC02C5DBD}"/>
+              </a:ext>
+            </a:extLst>
+          </p:cNvPr>
+          <p:cNvPicPr>
+            <a:picLocks noChangeAspect="1"/>
+          </p:cNvPicPr>
+          <p:nvPr/>
+        </p:nvPicPr>
+        <p:blipFill>
+          <a:blip r:embed="rId3"/>
+          <a:stretch>
+            <a:fillRect/>
+          </a:stretch>
+        </p:blipFill>
+        <p:spPr>
+          <a:xfrm>
+            <a:off x="6453425" y="1971093"/>
+            <a:ext cx="5544324" cy="2743583"/>
+          </a:xfrm>
+          <a:prstGeom prst="rect">
+            <a:avLst/>
+          </a:prstGeom>
+        </p:spPr>
+      </p:pic>
+      <p:sp>
+        <p:nvSpPr>
+          <p:cNvPr id="13" name="CaixaDeTexto 12">
+            <a:extLst>
+              <a:ext uri="{FF2B5EF4-FFF2-40B4-BE49-F238E27FC236}">
+                <a16:creationId xmlns:a16="http://schemas.microsoft.com/office/drawing/2014/main" id="{9C3FC4C1-BBE1-40EB-BB49-C266511B5D4F}"/>
+              </a:ext>
+            </a:extLst>
+          </p:cNvPr>
+          <p:cNvSpPr txBox="1"/>
+          <p:nvPr/>
+        </p:nvSpPr>
+        <p:spPr>
+          <a:xfrm>
+            <a:off x="771525" y="6449100"/>
+            <a:ext cx="6096000" cy="369332"/>
+          </a:xfrm>
+          <a:prstGeom prst="rect">
+            <a:avLst/>
+          </a:prstGeom>
+          <a:noFill/>
+        </p:spPr>
+        <p:txBody>
+          <a:bodyPr wrap="square">
+            <a:spAutoFit/>
+          </a:bodyPr>
+          <a:lstStyle/>
+          <a:p>
+            <a:r>
+              <a:rPr lang="pt-BR" dirty="0">
+                <a:solidFill>
+                  <a:schemeClr val="bg1"/>
+                </a:solidFill>
+              </a:rPr>
+              <a:t>Consultar Portaria Nº 1.409, de 10 de julho de 2013</a:t>
+            </a:r>
+          </a:p>
+        </p:txBody>
+      </p:sp>
+      <p:pic>
+        <p:nvPicPr>
+          <p:cNvPr id="15" name="Imagem 14">
+            <a:extLst>
+              <a:ext uri="{FF2B5EF4-FFF2-40B4-BE49-F238E27FC236}">
+                <a16:creationId xmlns:a16="http://schemas.microsoft.com/office/drawing/2014/main" id="{E5C5197A-7EE6-4B81-B23E-689160BB1836}"/>
+              </a:ext>
+            </a:extLst>
+          </p:cNvPr>
+          <p:cNvPicPr>
+            <a:picLocks noChangeAspect="1"/>
+          </p:cNvPicPr>
+          <p:nvPr/>
+        </p:nvPicPr>
+        <p:blipFill>
+          <a:blip r:embed="rId4"/>
+          <a:stretch>
+            <a:fillRect/>
+          </a:stretch>
+        </p:blipFill>
+        <p:spPr>
+          <a:xfrm>
+            <a:off x="2709529" y="5335599"/>
+            <a:ext cx="6915816" cy="952477"/>
+          </a:xfrm>
+          <a:prstGeom prst="rect">
+            <a:avLst/>
+          </a:prstGeom>
+        </p:spPr>
+      </p:pic>
+      <p:cxnSp>
+        <p:nvCxnSpPr>
+          <p:cNvPr id="9" name="Conector reto 8">
+            <a:extLst>
+              <a:ext uri="{FF2B5EF4-FFF2-40B4-BE49-F238E27FC236}">
+                <a16:creationId xmlns:a16="http://schemas.microsoft.com/office/drawing/2014/main" id="{0C5F8B4B-E280-4140-838E-B39EB5F7609A}"/>
+              </a:ext>
+            </a:extLst>
+          </p:cNvPr>
+          <p:cNvCxnSpPr>
+            <a:cxnSpLocks/>
+          </p:cNvCxnSpPr>
+          <p:nvPr/>
+        </p:nvCxnSpPr>
+        <p:spPr>
+          <a:xfrm flipH="1">
+            <a:off x="0" y="1194120"/>
+            <a:ext cx="3797620" cy="0"/>
+          </a:xfrm>
+          <a:prstGeom prst="line">
+            <a:avLst/>
+          </a:prstGeom>
+          <a:ln>
+            <a:solidFill>
+              <a:schemeClr val="tx1"/>
+            </a:solidFill>
+          </a:ln>
+        </p:spPr>
+        <p:style>
+          <a:lnRef idx="1">
+            <a:schemeClr val="accent1"/>
+          </a:lnRef>
+          <a:fillRef idx="0">
+            <a:schemeClr val="accent1"/>
+          </a:fillRef>
+          <a:effectRef idx="0">
+            <a:schemeClr val="accent1"/>
+          </a:effectRef>
+          <a:fontRef idx="minor">
+            <a:schemeClr val="tx1"/>
+          </a:fontRef>
+        </p:style>
+      </p:cxnSp>
+      <p:cxnSp>
+        <p:nvCxnSpPr>
+          <p:cNvPr id="10" name="Conector reto 9">
+            <a:extLst>
+              <a:ext uri="{FF2B5EF4-FFF2-40B4-BE49-F238E27FC236}">
+                <a16:creationId xmlns:a16="http://schemas.microsoft.com/office/drawing/2014/main" id="{93CB148D-F7D0-4670-A07F-77B4494B35B4}"/>
+              </a:ext>
+            </a:extLst>
+          </p:cNvPr>
+          <p:cNvCxnSpPr>
+            <a:cxnSpLocks/>
+          </p:cNvCxnSpPr>
+          <p:nvPr/>
+        </p:nvCxnSpPr>
+        <p:spPr>
+          <a:xfrm flipH="1">
+            <a:off x="8259234" y="1194120"/>
+            <a:ext cx="3932766" cy="0"/>
+          </a:xfrm>
+          <a:prstGeom prst="line">
+            <a:avLst/>
+          </a:prstGeom>
+          <a:ln>
+            <a:solidFill>
+              <a:schemeClr val="tx1"/>
+            </a:solidFill>
+          </a:ln>
+        </p:spPr>
+        <p:style>
+          <a:lnRef idx="1">
+            <a:schemeClr val="accent1"/>
+          </a:lnRef>
+          <a:fillRef idx="0">
+            <a:schemeClr val="accent1"/>
+          </a:fillRef>
+          <a:effectRef idx="0">
+            <a:schemeClr val="accent1"/>
+          </a:effectRef>
+          <a:fontRef idx="minor">
+            <a:schemeClr val="tx1"/>
+          </a:fontRef>
+        </p:style>
+      </p:cxnSp>
+    </p:spTree>
+    <p:extLst>
+      <p:ext uri="{BB962C8B-B14F-4D97-AF65-F5344CB8AC3E}">
+        <p14:creationId xmlns:p14="http://schemas.microsoft.com/office/powerpoint/2010/main" val="3872737907"/>
+      </p:ext>
+    </p:extLst>
+  </p:cSld>
+  <p:clrMapOvr>
+    <a:masterClrMapping/>
+  </p:clrMapOvr>
+</p:sld>
+</file>
+
+<file path=ppt/slides/slide18.xml><?xml version="1.0" encoding="utf-8"?>
+<p:sld xmlns:a="http://schemas.openxmlformats.org/drawingml/2006/main" xmlns:r="http://schemas.openxmlformats.org/officeDocument/2006/relationships" xmlns:p="http://schemas.openxmlformats.org/presentationml/2006/main">
+  <p:cSld>
+    <p:spTree>
+      <p:nvGrpSpPr>
+        <p:cNvPr id="1" name=""/>
+        <p:cNvGrpSpPr/>
+        <p:nvPr/>
+      </p:nvGrpSpPr>
+      <p:grpSpPr>
+        <a:xfrm>
+          <a:off x="0" y="0"/>
+          <a:ext cx="0" cy="0"/>
+          <a:chOff x="0" y="0"/>
+          <a:chExt cx="0" cy="0"/>
+        </a:xfrm>
+      </p:grpSpPr>
+      <p:sp>
+        <p:nvSpPr>
+          <p:cNvPr id="7" name="Retângulo 6">
+            <a:extLst>
+              <a:ext uri="{FF2B5EF4-FFF2-40B4-BE49-F238E27FC236}">
+                <a16:creationId xmlns:a16="http://schemas.microsoft.com/office/drawing/2014/main" id="{5E0F7497-D302-4F68-8123-03414F2C6833}"/>
+              </a:ext>
+            </a:extLst>
+          </p:cNvPr>
+          <p:cNvSpPr/>
+          <p:nvPr/>
+        </p:nvSpPr>
+        <p:spPr>
+          <a:xfrm>
+            <a:off x="1704975" y="2558112"/>
+            <a:ext cx="8905875" cy="2032937"/>
+          </a:xfrm>
+          <a:prstGeom prst="rect">
+            <a:avLst/>
+          </a:prstGeom>
+          <a:solidFill>
+            <a:srgbClr val="67C7F2"/>
+          </a:solidFill>
+          <a:ln>
+            <a:noFill/>
+          </a:ln>
+        </p:spPr>
+        <p:style>
+          <a:lnRef idx="2">
+            <a:schemeClr val="accent1">
+              <a:shade val="50000"/>
+            </a:schemeClr>
+          </a:lnRef>
+          <a:fillRef idx="1">
+            <a:schemeClr val="accent1"/>
+          </a:fillRef>
+          <a:effectRef idx="0">
+            <a:schemeClr val="accent1"/>
+          </a:effectRef>
+          <a:fontRef idx="minor">
+            <a:schemeClr val="lt1"/>
+          </a:fontRef>
+        </p:style>
+        <p:txBody>
+          <a:bodyPr rtlCol="0" anchor="ctr"/>
+          <a:lstStyle/>
+          <a:p>
+            <a:pPr algn="ctr"/>
+            <a:endParaRPr lang="pt-BR" dirty="0"/>
+          </a:p>
+        </p:txBody>
+      </p:sp>
+      <p:sp>
+        <p:nvSpPr>
+          <p:cNvPr id="2" name="Título 1">
+            <a:extLst>
+              <a:ext uri="{FF2B5EF4-FFF2-40B4-BE49-F238E27FC236}">
+                <a16:creationId xmlns:a16="http://schemas.microsoft.com/office/drawing/2014/main" id="{E5407E68-547D-40FB-ADFC-29225BCA97FB}"/>
+              </a:ext>
+            </a:extLst>
+          </p:cNvPr>
+          <p:cNvSpPr>
+            <a:spLocks noGrp="1"/>
+          </p:cNvSpPr>
+          <p:nvPr>
+            <p:ph type="title"/>
+          </p:nvPr>
+        </p:nvSpPr>
+        <p:spPr>
+          <a:xfrm>
+            <a:off x="419100" y="373393"/>
+            <a:ext cx="11496675" cy="1325563"/>
+          </a:xfrm>
+        </p:spPr>
+        <p:txBody>
+          <a:bodyPr/>
+          <a:lstStyle/>
+          <a:p>
+            <a:pPr algn="ctr"/>
+            <a:r>
+              <a:rPr lang="pt-BR" dirty="0"/>
+              <a:t>EDITAL Nº 9, DE 26 DE MARÇO DE 2020</a:t>
+            </a:r>
+          </a:p>
+        </p:txBody>
+      </p:sp>
+      <p:sp>
+        <p:nvSpPr>
+          <p:cNvPr id="4" name="Espaço Reservado para Número de Slide 3">
+            <a:extLst>
+              <a:ext uri="{FF2B5EF4-FFF2-40B4-BE49-F238E27FC236}">
+                <a16:creationId xmlns:a16="http://schemas.microsoft.com/office/drawing/2014/main" id="{B251EF4B-4832-430A-9B53-231F361E70F5}"/>
+              </a:ext>
+            </a:extLst>
+          </p:cNvPr>
+          <p:cNvSpPr>
+            <a:spLocks noGrp="1"/>
+          </p:cNvSpPr>
+          <p:nvPr>
+            <p:ph type="sldNum" sz="quarter" idx="10"/>
+          </p:nvPr>
+        </p:nvSpPr>
+        <p:spPr/>
+        <p:txBody>
+          <a:bodyPr/>
+          <a:lstStyle/>
+          <a:p>
+            <a:fld id="{42B4FE49-DA0E-4E24-BB21-E8757AAD71F5}" type="slidenum">
+              <a:rPr lang="pt-BR" smtClean="0"/>
+              <a:pPr/>
+              <a:t>18</a:t>
+            </a:fld>
+            <a:endParaRPr lang="pt-BR" dirty="0"/>
+          </a:p>
+        </p:txBody>
+      </p:sp>
+      <p:sp>
+        <p:nvSpPr>
+          <p:cNvPr id="6" name="CaixaDeTexto 5">
+            <a:extLst>
+              <a:ext uri="{FF2B5EF4-FFF2-40B4-BE49-F238E27FC236}">
+                <a16:creationId xmlns:a16="http://schemas.microsoft.com/office/drawing/2014/main" id="{51FA5D3E-0952-4ABF-9964-6524675A944A}"/>
+              </a:ext>
+            </a:extLst>
+          </p:cNvPr>
+          <p:cNvSpPr txBox="1"/>
+          <p:nvPr/>
+        </p:nvSpPr>
+        <p:spPr>
+          <a:xfrm>
+            <a:off x="872064" y="1645481"/>
+            <a:ext cx="10278533" cy="1200329"/>
+          </a:xfrm>
+          <a:prstGeom prst="rect">
+            <a:avLst/>
+          </a:prstGeom>
+          <a:noFill/>
+        </p:spPr>
+        <p:txBody>
+          <a:bodyPr wrap="square">
+            <a:spAutoFit/>
+          </a:bodyPr>
+          <a:lstStyle/>
+          <a:p>
+            <a:pPr algn="ctr" rtl="0">
+              <a:spcBef>
+                <a:spcPts val="0"/>
+              </a:spcBef>
+              <a:spcAft>
+                <a:spcPts val="0"/>
+              </a:spcAft>
+            </a:pPr>
+            <a:r>
+              <a:rPr lang="pt-BR" sz="2400" b="0" dirty="0">
+                <a:effectLst/>
+              </a:rPr>
+              <a:t>Homologação</a:t>
+            </a:r>
+            <a:br>
+              <a:rPr lang="pt-BR" sz="2400" b="0" dirty="0">
+                <a:effectLst/>
+              </a:rPr>
+            </a:br>
+            <a:br>
+              <a:rPr lang="pt-BR" sz="2400" b="0" dirty="0">
+                <a:effectLst/>
+              </a:rPr>
+            </a:br>
+            <a:endParaRPr lang="pt-BR" sz="2400" dirty="0"/>
+          </a:p>
+        </p:txBody>
+      </p:sp>
+      <p:sp>
+        <p:nvSpPr>
+          <p:cNvPr id="9" name="CaixaDeTexto 8">
+            <a:extLst>
+              <a:ext uri="{FF2B5EF4-FFF2-40B4-BE49-F238E27FC236}">
+                <a16:creationId xmlns:a16="http://schemas.microsoft.com/office/drawing/2014/main" id="{A32DB5FD-E24E-4C04-851E-C1CA2DE45BC8}"/>
+              </a:ext>
+            </a:extLst>
+          </p:cNvPr>
+          <p:cNvSpPr txBox="1"/>
+          <p:nvPr/>
+        </p:nvSpPr>
+        <p:spPr>
+          <a:xfrm>
+            <a:off x="1838323" y="2919745"/>
+            <a:ext cx="8515350" cy="1200329"/>
+          </a:xfrm>
+          <a:prstGeom prst="rect">
+            <a:avLst/>
+          </a:prstGeom>
+          <a:noFill/>
+        </p:spPr>
+        <p:txBody>
+          <a:bodyPr wrap="square">
+            <a:spAutoFit/>
+          </a:bodyPr>
+          <a:lstStyle/>
+          <a:p>
+            <a:r>
+              <a:rPr lang="pt-BR" b="1" dirty="0">
+                <a:solidFill>
+                  <a:schemeClr val="bg1"/>
+                </a:solidFill>
+              </a:rPr>
+              <a:t>9.3. A homologação pelo gestor está condicionada ao início das atividades pelo médico.</a:t>
+            </a:r>
+          </a:p>
+          <a:p>
+            <a:endParaRPr lang="pt-BR" b="1" dirty="0">
+              <a:solidFill>
+                <a:schemeClr val="bg1"/>
+              </a:solidFill>
+            </a:endParaRPr>
+          </a:p>
+          <a:p>
+            <a:r>
+              <a:rPr lang="pt-BR" b="1" dirty="0">
+                <a:solidFill>
+                  <a:schemeClr val="bg1"/>
+                </a:solidFill>
+              </a:rPr>
+              <a:t>9.10. Finalizado o período de homologação das vagas, o resultado final da alocação do</a:t>
+            </a:r>
+          </a:p>
+          <a:p>
+            <a:r>
+              <a:rPr lang="pt-BR" b="1" dirty="0">
+                <a:solidFill>
+                  <a:schemeClr val="bg1"/>
+                </a:solidFill>
+              </a:rPr>
+              <a:t>médico será publicado no endereço eletrônico http://maismedicos.gov.br</a:t>
+            </a:r>
+          </a:p>
+        </p:txBody>
+      </p:sp>
+      <p:cxnSp>
+        <p:nvCxnSpPr>
+          <p:cNvPr id="8" name="Conector reto 7">
+            <a:extLst>
+              <a:ext uri="{FF2B5EF4-FFF2-40B4-BE49-F238E27FC236}">
+                <a16:creationId xmlns:a16="http://schemas.microsoft.com/office/drawing/2014/main" id="{9885DA61-CAA6-41FC-9114-4B7DC6186EE6}"/>
+              </a:ext>
+            </a:extLst>
+          </p:cNvPr>
+          <p:cNvCxnSpPr>
+            <a:cxnSpLocks/>
+          </p:cNvCxnSpPr>
+          <p:nvPr/>
+        </p:nvCxnSpPr>
+        <p:spPr>
+          <a:xfrm flipH="1">
+            <a:off x="-177799" y="1905000"/>
+            <a:ext cx="5088466" cy="0"/>
+          </a:xfrm>
+          <a:prstGeom prst="line">
+            <a:avLst/>
+          </a:prstGeom>
+          <a:ln>
+            <a:solidFill>
+              <a:schemeClr val="tx1"/>
+            </a:solidFill>
+          </a:ln>
+        </p:spPr>
+        <p:style>
+          <a:lnRef idx="1">
+            <a:schemeClr val="accent1"/>
+          </a:lnRef>
+          <a:fillRef idx="0">
+            <a:schemeClr val="accent1"/>
+          </a:fillRef>
+          <a:effectRef idx="0">
+            <a:schemeClr val="accent1"/>
+          </a:effectRef>
+          <a:fontRef idx="minor">
+            <a:schemeClr val="tx1"/>
+          </a:fontRef>
+        </p:style>
+      </p:cxnSp>
+      <p:cxnSp>
+        <p:nvCxnSpPr>
+          <p:cNvPr id="10" name="Conector reto 9">
+            <a:extLst>
+              <a:ext uri="{FF2B5EF4-FFF2-40B4-BE49-F238E27FC236}">
+                <a16:creationId xmlns:a16="http://schemas.microsoft.com/office/drawing/2014/main" id="{071EE150-6B18-471E-A02B-E6D14947807B}"/>
+              </a:ext>
+            </a:extLst>
+          </p:cNvPr>
+          <p:cNvCxnSpPr>
+            <a:cxnSpLocks/>
+          </p:cNvCxnSpPr>
+          <p:nvPr/>
+        </p:nvCxnSpPr>
+        <p:spPr>
+          <a:xfrm flipH="1">
+            <a:off x="7103533" y="1905000"/>
+            <a:ext cx="5240869" cy="0"/>
+          </a:xfrm>
+          <a:prstGeom prst="line">
+            <a:avLst/>
+          </a:prstGeom>
+          <a:ln>
+            <a:solidFill>
+              <a:schemeClr val="tx1"/>
+            </a:solidFill>
+          </a:ln>
+        </p:spPr>
+        <p:style>
+          <a:lnRef idx="1">
+            <a:schemeClr val="accent1"/>
+          </a:lnRef>
+          <a:fillRef idx="0">
+            <a:schemeClr val="accent1"/>
+          </a:fillRef>
+          <a:effectRef idx="0">
+            <a:schemeClr val="accent1"/>
+          </a:effectRef>
+          <a:fontRef idx="minor">
+            <a:schemeClr val="tx1"/>
+          </a:fontRef>
+        </p:style>
+      </p:cxnSp>
+    </p:spTree>
+    <p:extLst>
+      <p:ext uri="{BB962C8B-B14F-4D97-AF65-F5344CB8AC3E}">
+        <p14:creationId xmlns:p14="http://schemas.microsoft.com/office/powerpoint/2010/main" val="1559740330"/>
+      </p:ext>
+    </p:extLst>
+  </p:cSld>
+  <p:clrMapOvr>
+    <a:masterClrMapping/>
+  </p:clrMapOvr>
+</p:sld>
+</file>
+
+<file path=ppt/slides/slide19.xml><?xml version="1.0" encoding="utf-8"?>
+<p:sld xmlns:a="http://schemas.openxmlformats.org/drawingml/2006/main" xmlns:r="http://schemas.openxmlformats.org/officeDocument/2006/relationships" xmlns:p="http://schemas.openxmlformats.org/presentationml/2006/main">
+  <p:cSld>
+    <p:spTree>
+      <p:nvGrpSpPr>
+        <p:cNvPr id="1" name=""/>
+        <p:cNvGrpSpPr/>
+        <p:nvPr/>
+      </p:nvGrpSpPr>
+      <p:grpSpPr>
+        <a:xfrm>
+          <a:off x="0" y="0"/>
+          <a:ext cx="0" cy="0"/>
+          <a:chOff x="0" y="0"/>
+          <a:chExt cx="0" cy="0"/>
+        </a:xfrm>
+      </p:grpSpPr>
+      <p:sp>
+        <p:nvSpPr>
+          <p:cNvPr id="2" name="Título 1">
+            <a:extLst>
+              <a:ext uri="{FF2B5EF4-FFF2-40B4-BE49-F238E27FC236}">
+                <a16:creationId xmlns:a16="http://schemas.microsoft.com/office/drawing/2014/main" id="{E5407E68-547D-40FB-ADFC-29225BCA97FB}"/>
+              </a:ext>
+            </a:extLst>
+          </p:cNvPr>
+          <p:cNvSpPr>
+            <a:spLocks noGrp="1"/>
+          </p:cNvSpPr>
+          <p:nvPr>
+            <p:ph type="title"/>
+          </p:nvPr>
+        </p:nvSpPr>
+        <p:spPr>
+          <a:xfrm>
+            <a:off x="419100" y="373393"/>
+            <a:ext cx="11496675" cy="1325563"/>
+          </a:xfrm>
+        </p:spPr>
+        <p:txBody>
+          <a:bodyPr/>
+          <a:lstStyle/>
+          <a:p>
+            <a:pPr algn="ctr"/>
+            <a:r>
+              <a:rPr lang="pt-BR" dirty="0"/>
+              <a:t>EDITAL Nº 5, DE 11 DE MARÇO DE 2020</a:t>
+            </a:r>
+          </a:p>
+        </p:txBody>
+      </p:sp>
+      <p:sp>
+        <p:nvSpPr>
+          <p:cNvPr id="4" name="Espaço Reservado para Número de Slide 3">
+            <a:extLst>
+              <a:ext uri="{FF2B5EF4-FFF2-40B4-BE49-F238E27FC236}">
+                <a16:creationId xmlns:a16="http://schemas.microsoft.com/office/drawing/2014/main" id="{B251EF4B-4832-430A-9B53-231F361E70F5}"/>
+              </a:ext>
+            </a:extLst>
+          </p:cNvPr>
+          <p:cNvSpPr>
+            <a:spLocks noGrp="1"/>
+          </p:cNvSpPr>
+          <p:nvPr>
+            <p:ph type="sldNum" sz="quarter" idx="10"/>
+          </p:nvPr>
+        </p:nvSpPr>
+        <p:spPr/>
+        <p:txBody>
+          <a:bodyPr/>
+          <a:lstStyle/>
+          <a:p>
+            <a:fld id="{42B4FE49-DA0E-4E24-BB21-E8757AAD71F5}" type="slidenum">
+              <a:rPr lang="pt-BR" smtClean="0"/>
+              <a:pPr/>
+              <a:t>19</a:t>
+            </a:fld>
+            <a:endParaRPr lang="pt-BR" dirty="0"/>
+          </a:p>
+        </p:txBody>
+      </p:sp>
+      <p:sp>
+        <p:nvSpPr>
+          <p:cNvPr id="6" name="CaixaDeTexto 5">
+            <a:extLst>
+              <a:ext uri="{FF2B5EF4-FFF2-40B4-BE49-F238E27FC236}">
+                <a16:creationId xmlns:a16="http://schemas.microsoft.com/office/drawing/2014/main" id="{51FA5D3E-0952-4ABF-9964-6524675A944A}"/>
+              </a:ext>
+            </a:extLst>
+          </p:cNvPr>
+          <p:cNvSpPr txBox="1"/>
+          <p:nvPr/>
+        </p:nvSpPr>
+        <p:spPr>
+          <a:xfrm>
+            <a:off x="850898" y="1232549"/>
+            <a:ext cx="10490199" cy="1754326"/>
+          </a:xfrm>
+          <a:prstGeom prst="rect">
+            <a:avLst/>
+          </a:prstGeom>
+          <a:noFill/>
+        </p:spPr>
+        <p:txBody>
+          <a:bodyPr wrap="square">
+            <a:spAutoFit/>
+          </a:bodyPr>
+          <a:lstStyle/>
+          <a:p>
+            <a:pPr algn="ctr" rtl="0">
+              <a:spcBef>
+                <a:spcPts val="0"/>
+              </a:spcBef>
+              <a:spcAft>
+                <a:spcPts val="0"/>
+              </a:spcAft>
+            </a:pPr>
+            <a:r>
+              <a:rPr lang="pt-BR" dirty="0"/>
+              <a:t>Este Edital tem por objeto realizar o chamamento público de médicos formados em instituições de educação superior brasileiras ou com diploma revalidado no Brasil, nos termos do art. 13, §1º, inciso I da Lei nº 12.871/2013, para adesão ao Projeto Mais Médicos para o Brasil, nos termos estabelecidos no presente Edital.</a:t>
+            </a:r>
+          </a:p>
+          <a:p>
+            <a:pPr algn="ctr" rtl="0">
+              <a:spcBef>
+                <a:spcPts val="0"/>
+              </a:spcBef>
+              <a:spcAft>
+                <a:spcPts val="0"/>
+              </a:spcAft>
+            </a:pPr>
+            <a:r>
+              <a:rPr lang="pt-BR" b="0" dirty="0">
+                <a:effectLst/>
+              </a:rPr>
+              <a:t>Vigência de um ano</a:t>
+            </a:r>
+            <a:br>
+              <a:rPr lang="pt-BR" b="0" dirty="0">
+                <a:effectLst/>
+              </a:rPr>
+            </a:br>
+            <a:br>
+              <a:rPr lang="pt-BR" b="0" dirty="0">
+                <a:effectLst/>
+              </a:rPr>
+            </a:br>
+            <a:endParaRPr lang="pt-BR" dirty="0"/>
+          </a:p>
+        </p:txBody>
+      </p:sp>
+      <p:pic>
+        <p:nvPicPr>
+          <p:cNvPr id="5" name="Imagem 4">
+            <a:extLst>
+              <a:ext uri="{FF2B5EF4-FFF2-40B4-BE49-F238E27FC236}">
+                <a16:creationId xmlns:a16="http://schemas.microsoft.com/office/drawing/2014/main" id="{BF277FD9-7616-495D-8D2A-0A7207C63ABC}"/>
+              </a:ext>
+            </a:extLst>
+          </p:cNvPr>
+          <p:cNvPicPr>
+            <a:picLocks noChangeAspect="1"/>
+          </p:cNvPicPr>
+          <p:nvPr/>
+        </p:nvPicPr>
+        <p:blipFill>
+          <a:blip r:embed="rId2">
+            <a:alphaModFix amt="85000"/>
+            <a:extLst>
+              <a:ext uri="{BEBA8EAE-BF5A-486C-A8C5-ECC9F3942E4B}">
+                <a14:imgProps xmlns:a14="http://schemas.microsoft.com/office/drawing/2010/main">
+                  <a14:imgLayer r:embed="rId3">
+                    <a14:imgEffect>
+                      <a14:sharpenSoften amount="25000"/>
+                    </a14:imgEffect>
+                  </a14:imgLayer>
+                </a14:imgProps>
+              </a:ext>
+            </a:extLst>
+          </a:blip>
+          <a:stretch>
+            <a:fillRect/>
+          </a:stretch>
+        </p:blipFill>
+        <p:spPr>
+          <a:xfrm>
+            <a:off x="2718240" y="2558111"/>
+            <a:ext cx="6898393" cy="2196029"/>
+          </a:xfrm>
+          <a:prstGeom prst="rect">
+            <a:avLst/>
+          </a:prstGeom>
+        </p:spPr>
+      </p:pic>
+      <p:pic>
+        <p:nvPicPr>
+          <p:cNvPr id="10" name="Imagem 9">
+            <a:extLst>
+              <a:ext uri="{FF2B5EF4-FFF2-40B4-BE49-F238E27FC236}">
+                <a16:creationId xmlns:a16="http://schemas.microsoft.com/office/drawing/2014/main" id="{6409CD67-C6D4-4B5A-B708-68E3228A4FD4}"/>
+              </a:ext>
+            </a:extLst>
+          </p:cNvPr>
+          <p:cNvPicPr>
+            <a:picLocks noChangeAspect="1"/>
+          </p:cNvPicPr>
+          <p:nvPr/>
+        </p:nvPicPr>
+        <p:blipFill rotWithShape="1">
+          <a:blip r:embed="rId4">
+            <a:extLst>
+              <a:ext uri="{28A0092B-C50C-407E-A947-70E740481C1C}">
+                <a14:useLocalDpi xmlns:a14="http://schemas.microsoft.com/office/drawing/2010/main" val="0"/>
+              </a:ext>
+            </a:extLst>
+          </a:blip>
+          <a:srcRect t="24493"/>
+          <a:stretch/>
+        </p:blipFill>
+        <p:spPr>
+          <a:xfrm>
+            <a:off x="5234517" y="4930926"/>
+            <a:ext cx="1722966" cy="1389050"/>
+          </a:xfrm>
+          <a:prstGeom prst="rect">
+            <a:avLst/>
+          </a:prstGeom>
+        </p:spPr>
+      </p:pic>
+      <p:sp>
+        <p:nvSpPr>
+          <p:cNvPr id="8" name="Retângulo 7">
+            <a:extLst>
+              <a:ext uri="{FF2B5EF4-FFF2-40B4-BE49-F238E27FC236}">
+                <a16:creationId xmlns:a16="http://schemas.microsoft.com/office/drawing/2014/main" id="{F1FAE7BE-5E1D-4CF6-9FDC-F48C03E19584}"/>
+              </a:ext>
+            </a:extLst>
+          </p:cNvPr>
+          <p:cNvSpPr/>
+          <p:nvPr/>
+        </p:nvSpPr>
+        <p:spPr>
+          <a:xfrm>
+            <a:off x="850898" y="1232548"/>
+            <a:ext cx="10579102" cy="1176095"/>
+          </a:xfrm>
+          <a:prstGeom prst="rect">
+            <a:avLst/>
+          </a:prstGeom>
+          <a:noFill/>
+          <a:ln>
+            <a:solidFill>
+              <a:schemeClr val="tx1"/>
+            </a:solidFill>
+          </a:ln>
+        </p:spPr>
+        <p:style>
+          <a:lnRef idx="2">
+            <a:schemeClr val="accent1">
+              <a:shade val="50000"/>
+            </a:schemeClr>
+          </a:lnRef>
+          <a:fillRef idx="1">
+            <a:schemeClr val="accent1"/>
+          </a:fillRef>
+          <a:effectRef idx="0">
+            <a:schemeClr val="accent1"/>
+          </a:effectRef>
+          <a:fontRef idx="minor">
+            <a:schemeClr val="lt1"/>
+          </a:fontRef>
+        </p:style>
+        <p:txBody>
+          <a:bodyPr rtlCol="0" anchor="ctr"/>
+          <a:lstStyle/>
+          <a:p>
+            <a:pPr algn="ctr"/>
+            <a:endParaRPr lang="pt-BR"/>
+          </a:p>
+        </p:txBody>
+      </p:sp>
+    </p:spTree>
+    <p:extLst>
+      <p:ext uri="{BB962C8B-B14F-4D97-AF65-F5344CB8AC3E}">
+        <p14:creationId xmlns:p14="http://schemas.microsoft.com/office/powerpoint/2010/main" val="2723821767"/>
+      </p:ext>
+    </p:extLst>
+  </p:cSld>
+  <p:clrMapOvr>
+    <a:masterClrMapping/>
+  </p:clrMapOvr>
+</p:sld>
+</file>
+
+<file path=ppt/slides/slide2.xml><?xml version="1.0" encoding="utf-8"?>
+<p:sld xmlns:a="http://schemas.openxmlformats.org/drawingml/2006/main" xmlns:r="http://schemas.openxmlformats.org/officeDocument/2006/relationships" xmlns:p="http://schemas.openxmlformats.org/presentationml/2006/main">
+  <p:cSld>
+    <p:spTree>
+      <p:nvGrpSpPr>
+        <p:cNvPr id="1" name=""/>
+        <p:cNvGrpSpPr/>
+        <p:nvPr/>
+      </p:nvGrpSpPr>
+      <p:grpSpPr>
+        <a:xfrm>
+          <a:off x="0" y="0"/>
+          <a:ext cx="0" cy="0"/>
+          <a:chOff x="0" y="0"/>
+          <a:chExt cx="0" cy="0"/>
+        </a:xfrm>
+      </p:grpSpPr>
+      <p:sp>
+        <p:nvSpPr>
+          <p:cNvPr id="2" name="Título 1">
+            <a:extLst>
+              <a:ext uri="{FF2B5EF4-FFF2-40B4-BE49-F238E27FC236}">
+                <a16:creationId xmlns:a16="http://schemas.microsoft.com/office/drawing/2014/main" id="{E5407E68-547D-40FB-ADFC-29225BCA97FB}"/>
+              </a:ext>
+            </a:extLst>
+          </p:cNvPr>
+          <p:cNvSpPr>
+            <a:spLocks noGrp="1"/>
+          </p:cNvSpPr>
+          <p:nvPr>
+            <p:ph type="title"/>
+          </p:nvPr>
+        </p:nvSpPr>
+        <p:spPr/>
+        <p:txBody>
+          <a:bodyPr/>
+          <a:lstStyle/>
+          <a:p>
+            <a:pPr algn="ctr"/>
+            <a:r>
+              <a:rPr lang="pt-BR" dirty="0"/>
+              <a:t>Instituição do programa</a:t>
+            </a:r>
+          </a:p>
+        </p:txBody>
+      </p:sp>
+      <p:sp>
+        <p:nvSpPr>
+          <p:cNvPr id="4" name="Espaço Reservado para Número de Slide 3">
+            <a:extLst>
+              <a:ext uri="{FF2B5EF4-FFF2-40B4-BE49-F238E27FC236}">
+                <a16:creationId xmlns:a16="http://schemas.microsoft.com/office/drawing/2014/main" id="{B251EF4B-4832-430A-9B53-231F361E70F5}"/>
+              </a:ext>
+            </a:extLst>
+          </p:cNvPr>
+          <p:cNvSpPr>
+            <a:spLocks noGrp="1"/>
+          </p:cNvSpPr>
+          <p:nvPr>
+            <p:ph type="sldNum" sz="quarter" idx="10"/>
+          </p:nvPr>
+        </p:nvSpPr>
+        <p:spPr/>
+        <p:txBody>
+          <a:bodyPr/>
+          <a:lstStyle/>
+          <a:p>
+            <a:fld id="{42B4FE49-DA0E-4E24-BB21-E8757AAD71F5}" type="slidenum">
+              <a:rPr lang="pt-BR" smtClean="0"/>
+              <a:pPr/>
+              <a:t>2</a:t>
+            </a:fld>
+            <a:endParaRPr lang="pt-BR" dirty="0"/>
+          </a:p>
+        </p:txBody>
+      </p:sp>
+      <p:sp>
+        <p:nvSpPr>
+          <p:cNvPr id="6" name="CaixaDeTexto 5">
+            <a:extLst>
+              <a:ext uri="{FF2B5EF4-FFF2-40B4-BE49-F238E27FC236}">
+                <a16:creationId xmlns:a16="http://schemas.microsoft.com/office/drawing/2014/main" id="{51FA5D3E-0952-4ABF-9964-6524675A944A}"/>
+              </a:ext>
+            </a:extLst>
+          </p:cNvPr>
+          <p:cNvSpPr txBox="1"/>
+          <p:nvPr/>
+        </p:nvSpPr>
+        <p:spPr>
+          <a:xfrm>
+            <a:off x="956733" y="1607741"/>
+            <a:ext cx="10278533" cy="2862322"/>
+          </a:xfrm>
+          <a:prstGeom prst="rect">
+            <a:avLst/>
+          </a:prstGeom>
+          <a:noFill/>
+        </p:spPr>
+        <p:txBody>
+          <a:bodyPr wrap="square">
+            <a:spAutoFit/>
+          </a:bodyPr>
+          <a:lstStyle/>
+          <a:p>
+            <a:pPr algn="ctr" rtl="0">
+              <a:spcBef>
+                <a:spcPts val="0"/>
+              </a:spcBef>
+              <a:spcAft>
+                <a:spcPts val="0"/>
+              </a:spcAft>
+            </a:pPr>
+            <a:r>
+              <a:rPr lang="pt-BR" sz="1800" b="1" i="0" u="none" strike="noStrike" dirty="0">
+                <a:solidFill>
+                  <a:srgbClr val="000000"/>
+                </a:solidFill>
+                <a:effectLst/>
+                <a:latin typeface="Arial" panose="020B0604020202020204" pitchFamily="34" charset="0"/>
+              </a:rPr>
+              <a:t>A lei 12.871, DE 12 de OUTUBRO DE 2013:</a:t>
+            </a:r>
+            <a:br>
+              <a:rPr lang="pt-BR" sz="1800" b="0" i="0" u="none" strike="noStrike" dirty="0">
+                <a:solidFill>
+                  <a:srgbClr val="000000"/>
+                </a:solidFill>
+                <a:effectLst/>
+                <a:latin typeface="Arial" panose="020B0604020202020204" pitchFamily="34" charset="0"/>
+              </a:rPr>
+            </a:br>
+            <a:br>
+              <a:rPr lang="pt-BR" sz="1800" b="0" i="0" u="none" strike="noStrike" dirty="0">
+                <a:solidFill>
+                  <a:srgbClr val="000000"/>
+                </a:solidFill>
+                <a:effectLst/>
+                <a:latin typeface="Arial" panose="020B0604020202020204" pitchFamily="34" charset="0"/>
+              </a:rPr>
+            </a:br>
+            <a:r>
+              <a:rPr lang="pt-BR" sz="1800" b="0" i="0" u="none" strike="noStrike" dirty="0">
+                <a:solidFill>
+                  <a:srgbClr val="000000"/>
+                </a:solidFill>
+                <a:effectLst/>
+                <a:latin typeface="Arial" panose="020B0604020202020204" pitchFamily="34" charset="0"/>
+              </a:rPr>
+              <a:t>Art. 1º É instituído o Programa Mais Médicos, com a finalidade de formar recursos humanos na área médica para o Sistema Único de Saúde (SUS) e com os seguintes objetivos:</a:t>
+            </a:r>
+            <a:endParaRPr lang="pt-BR" b="0" dirty="0">
+              <a:effectLst/>
+            </a:endParaRPr>
+          </a:p>
+          <a:p>
+            <a:pPr algn="ctr" rtl="0">
+              <a:spcBef>
+                <a:spcPts val="0"/>
+              </a:spcBef>
+              <a:spcAft>
+                <a:spcPts val="0"/>
+              </a:spcAft>
+            </a:pPr>
+            <a:br>
+              <a:rPr lang="pt-BR" b="0" dirty="0">
+                <a:effectLst/>
+              </a:rPr>
+            </a:br>
+            <a:r>
+              <a:rPr lang="pt-BR" sz="1800" b="0" i="0" u="none" strike="noStrike" dirty="0">
+                <a:solidFill>
+                  <a:srgbClr val="000000"/>
+                </a:solidFill>
+                <a:effectLst/>
+                <a:latin typeface="Arial" panose="020B0604020202020204" pitchFamily="34" charset="0"/>
+              </a:rPr>
+              <a:t>I - diminuir a carência de médicos nas regiões prioritárias para o SUS, a fim de reduzir as desigualdades regionais na área da saúde;</a:t>
+            </a:r>
+            <a:endParaRPr lang="pt-BR" b="0" dirty="0">
+              <a:effectLst/>
+            </a:endParaRPr>
+          </a:p>
+          <a:p>
+            <a:br>
+              <a:rPr lang="pt-BR" b="0" dirty="0">
+                <a:effectLst/>
+              </a:rPr>
+            </a:br>
+            <a:br>
+              <a:rPr lang="pt-BR" b="0" dirty="0">
+                <a:effectLst/>
+              </a:rPr>
+            </a:br>
+            <a:endParaRPr lang="pt-BR" dirty="0"/>
+          </a:p>
+        </p:txBody>
+      </p:sp>
+      <p:pic>
+        <p:nvPicPr>
+          <p:cNvPr id="10" name="Imagem 9">
+            <a:extLst>
+              <a:ext uri="{FF2B5EF4-FFF2-40B4-BE49-F238E27FC236}">
+                <a16:creationId xmlns:a16="http://schemas.microsoft.com/office/drawing/2014/main" id="{8A7E1D30-FFA0-4A6E-886B-AD2FDB64E610}"/>
+              </a:ext>
+            </a:extLst>
+          </p:cNvPr>
+          <p:cNvPicPr>
+            <a:picLocks noChangeAspect="1"/>
+          </p:cNvPicPr>
+          <p:nvPr/>
+        </p:nvPicPr>
+        <p:blipFill>
+          <a:blip r:embed="rId2">
+            <a:extLst>
+              <a:ext uri="{28A0092B-C50C-407E-A947-70E740481C1C}">
+                <a14:useLocalDpi xmlns:a14="http://schemas.microsoft.com/office/drawing/2010/main" val="0"/>
+              </a:ext>
+            </a:extLst>
+          </a:blip>
+          <a:stretch>
+            <a:fillRect/>
+          </a:stretch>
+        </p:blipFill>
+        <p:spPr>
+          <a:xfrm>
+            <a:off x="4224866" y="3115733"/>
+            <a:ext cx="3742267" cy="3742267"/>
+          </a:xfrm>
+          <a:prstGeom prst="rect">
+            <a:avLst/>
+          </a:prstGeom>
+        </p:spPr>
+      </p:pic>
+    </p:spTree>
+    <p:extLst>
+      <p:ext uri="{BB962C8B-B14F-4D97-AF65-F5344CB8AC3E}">
+        <p14:creationId xmlns:p14="http://schemas.microsoft.com/office/powerpoint/2010/main" val="1708268703"/>
+      </p:ext>
+    </p:extLst>
+  </p:cSld>
+  <p:clrMapOvr>
+    <a:masterClrMapping/>
+  </p:clrMapOvr>
+</p:sld>
+</file>
+
+<file path=ppt/slides/slide20.xml><?xml version="1.0" encoding="utf-8"?>
+<p:sld xmlns:a="http://schemas.openxmlformats.org/drawingml/2006/main" xmlns:r="http://schemas.openxmlformats.org/officeDocument/2006/relationships" xmlns:p="http://schemas.openxmlformats.org/presentationml/2006/main">
+  <p:cSld>
+    <p:spTree>
+      <p:nvGrpSpPr>
+        <p:cNvPr id="1" name=""/>
+        <p:cNvGrpSpPr/>
+        <p:nvPr/>
+      </p:nvGrpSpPr>
+      <p:grpSpPr>
+        <a:xfrm>
+          <a:off x="0" y="0"/>
+          <a:ext cx="0" cy="0"/>
+          <a:chOff x="0" y="0"/>
+          <a:chExt cx="0" cy="0"/>
+        </a:xfrm>
+      </p:grpSpPr>
+      <p:sp>
+        <p:nvSpPr>
+          <p:cNvPr id="7" name="Retângulo 6">
+            <a:extLst>
+              <a:ext uri="{FF2B5EF4-FFF2-40B4-BE49-F238E27FC236}">
+                <a16:creationId xmlns:a16="http://schemas.microsoft.com/office/drawing/2014/main" id="{5E0F7497-D302-4F68-8123-03414F2C6833}"/>
+              </a:ext>
+            </a:extLst>
+          </p:cNvPr>
+          <p:cNvSpPr/>
+          <p:nvPr/>
+        </p:nvSpPr>
+        <p:spPr>
+          <a:xfrm>
+            <a:off x="1704975" y="2558112"/>
+            <a:ext cx="8905875" cy="2032937"/>
+          </a:xfrm>
+          <a:prstGeom prst="rect">
+            <a:avLst/>
+          </a:prstGeom>
+          <a:solidFill>
+            <a:srgbClr val="67C7F2"/>
+          </a:solidFill>
+          <a:ln>
+            <a:noFill/>
+          </a:ln>
+        </p:spPr>
+        <p:style>
+          <a:lnRef idx="2">
+            <a:schemeClr val="accent1">
+              <a:shade val="50000"/>
+            </a:schemeClr>
+          </a:lnRef>
+          <a:fillRef idx="1">
+            <a:schemeClr val="accent1"/>
+          </a:fillRef>
+          <a:effectRef idx="0">
+            <a:schemeClr val="accent1"/>
+          </a:effectRef>
+          <a:fontRef idx="minor">
+            <a:schemeClr val="lt1"/>
+          </a:fontRef>
+        </p:style>
+        <p:txBody>
+          <a:bodyPr rtlCol="0" anchor="ctr"/>
+          <a:lstStyle/>
+          <a:p>
+            <a:pPr algn="ctr"/>
+            <a:endParaRPr lang="pt-BR"/>
+          </a:p>
+        </p:txBody>
+      </p:sp>
+      <p:sp>
+        <p:nvSpPr>
+          <p:cNvPr id="2" name="Título 1">
+            <a:extLst>
+              <a:ext uri="{FF2B5EF4-FFF2-40B4-BE49-F238E27FC236}">
+                <a16:creationId xmlns:a16="http://schemas.microsoft.com/office/drawing/2014/main" id="{E5407E68-547D-40FB-ADFC-29225BCA97FB}"/>
+              </a:ext>
+            </a:extLst>
+          </p:cNvPr>
+          <p:cNvSpPr>
+            <a:spLocks noGrp="1"/>
+          </p:cNvSpPr>
+          <p:nvPr>
+            <p:ph type="title"/>
+          </p:nvPr>
+        </p:nvSpPr>
+        <p:spPr>
+          <a:xfrm>
+            <a:off x="419100" y="373393"/>
+            <a:ext cx="11496675" cy="1325563"/>
+          </a:xfrm>
+        </p:spPr>
+        <p:txBody>
+          <a:bodyPr/>
+          <a:lstStyle/>
+          <a:p>
+            <a:pPr algn="ctr"/>
+            <a:r>
+              <a:rPr lang="pt-BR" dirty="0"/>
+              <a:t>EDITAL Nº 5, DE 11 DE MARÇO DE 2020</a:t>
+            </a:r>
+          </a:p>
+        </p:txBody>
+      </p:sp>
+      <p:sp>
+        <p:nvSpPr>
+          <p:cNvPr id="4" name="Espaço Reservado para Número de Slide 3">
+            <a:extLst>
+              <a:ext uri="{FF2B5EF4-FFF2-40B4-BE49-F238E27FC236}">
+                <a16:creationId xmlns:a16="http://schemas.microsoft.com/office/drawing/2014/main" id="{B251EF4B-4832-430A-9B53-231F361E70F5}"/>
+              </a:ext>
+            </a:extLst>
+          </p:cNvPr>
+          <p:cNvSpPr>
+            <a:spLocks noGrp="1"/>
+          </p:cNvSpPr>
+          <p:nvPr>
+            <p:ph type="sldNum" sz="quarter" idx="10"/>
+          </p:nvPr>
+        </p:nvSpPr>
+        <p:spPr/>
+        <p:txBody>
+          <a:bodyPr/>
+          <a:lstStyle/>
+          <a:p>
+            <a:fld id="{42B4FE49-DA0E-4E24-BB21-E8757AAD71F5}" type="slidenum">
+              <a:rPr lang="pt-BR" smtClean="0"/>
+              <a:pPr/>
+              <a:t>20</a:t>
             </a:fld>
             <a:endParaRPr lang="pt-BR" dirty="0"/>
           </a:p>
@@ -7476,7 +9651,7 @@
 </p:sld>
 </file>
 
-<file path=ppt/slides/slide16.xml><?xml version="1.0" encoding="utf-8"?>
+<file path=ppt/slides/slide21.xml><?xml version="1.0" encoding="utf-8"?>
 <p:sld xmlns:a="http://schemas.openxmlformats.org/drawingml/2006/main" xmlns:r="http://schemas.openxmlformats.org/officeDocument/2006/relationships" xmlns:p="http://schemas.openxmlformats.org/presentationml/2006/main">
   <p:cSld>
     <p:spTree>
@@ -7551,7 +9726,7 @@
             <a:fld id="{42B4FE49-DA0E-4E24-BB21-E8757AAD71F5}" type="slidenum">
               <a:rPr lang="pt-BR" smtClean="0"/>
               <a:pPr/>
-              <a:t>16</a:t>
+              <a:t>21</a:t>
             </a:fld>
             <a:endParaRPr lang="pt-BR" dirty="0"/>
           </a:p>
@@ -7815,7 +9990,7 @@
 </p:sld>
 </file>
 
-<file path=ppt/slides/slide17.xml><?xml version="1.0" encoding="utf-8"?>
+<file path=ppt/slides/slide22.xml><?xml version="1.0" encoding="utf-8"?>
 <p:sld xmlns:a="http://schemas.openxmlformats.org/drawingml/2006/main" xmlns:r="http://schemas.openxmlformats.org/officeDocument/2006/relationships" xmlns:p="http://schemas.openxmlformats.org/presentationml/2006/main">
   <p:cSld>
     <p:spTree>
@@ -7942,7 +10117,7 @@
             <a:fld id="{42B4FE49-DA0E-4E24-BB21-E8757AAD71F5}" type="slidenum">
               <a:rPr lang="pt-BR" smtClean="0"/>
               <a:pPr/>
-              <a:t>17</a:t>
+              <a:t>22</a:t>
             </a:fld>
             <a:endParaRPr lang="pt-BR" dirty="0"/>
           </a:p>
@@ -8288,7 +10463,7 @@
 </p:sld>
 </file>
 
-<file path=ppt/slides/slide18.xml><?xml version="1.0" encoding="utf-8"?>
+<file path=ppt/slides/slide23.xml><?xml version="1.0" encoding="utf-8"?>
 <p:sld xmlns:a="http://schemas.openxmlformats.org/drawingml/2006/main" xmlns:r="http://schemas.openxmlformats.org/officeDocument/2006/relationships" xmlns:p="http://schemas.openxmlformats.org/presentationml/2006/main">
   <p:cSld>
     <p:spTree>
@@ -8415,7 +10590,7 @@
             <a:fld id="{42B4FE49-DA0E-4E24-BB21-E8757AAD71F5}" type="slidenum">
               <a:rPr lang="pt-BR" smtClean="0"/>
               <a:pPr/>
-              <a:t>18</a:t>
+              <a:t>23</a:t>
             </a:fld>
             <a:endParaRPr lang="pt-BR" dirty="0"/>
           </a:p>
@@ -8706,7 +10881,7 @@
 </p:sld>
 </file>
 
-<file path=ppt/slides/slide19.xml><?xml version="1.0" encoding="utf-8"?>
+<file path=ppt/slides/slide24.xml><?xml version="1.0" encoding="utf-8"?>
 <p:sld xmlns:a="http://schemas.openxmlformats.org/drawingml/2006/main" xmlns:r="http://schemas.openxmlformats.org/officeDocument/2006/relationships" xmlns:p="http://schemas.openxmlformats.org/presentationml/2006/main">
   <p:cSld>
     <p:spTree>
@@ -8781,7 +10956,7 @@
             <a:fld id="{42B4FE49-DA0E-4E24-BB21-E8757AAD71F5}" type="slidenum">
               <a:rPr lang="pt-BR" smtClean="0"/>
               <a:pPr/>
-              <a:t>19</a:t>
+              <a:t>24</a:t>
             </a:fld>
             <a:endParaRPr lang="pt-BR" dirty="0"/>
           </a:p>
@@ -9007,7 +11182,397 @@
 </p:sld>
 </file>
 
-<file path=ppt/slides/slide2.xml><?xml version="1.0" encoding="utf-8"?>
+<file path=ppt/slides/slide25.xml><?xml version="1.0" encoding="utf-8"?>
+<p:sld xmlns:a="http://schemas.openxmlformats.org/drawingml/2006/main" xmlns:r="http://schemas.openxmlformats.org/officeDocument/2006/relationships" xmlns:p="http://schemas.openxmlformats.org/presentationml/2006/main">
+  <p:cSld>
+    <p:spTree>
+      <p:nvGrpSpPr>
+        <p:cNvPr id="1" name=""/>
+        <p:cNvGrpSpPr/>
+        <p:nvPr/>
+      </p:nvGrpSpPr>
+      <p:grpSpPr>
+        <a:xfrm>
+          <a:off x="0" y="0"/>
+          <a:ext cx="0" cy="0"/>
+          <a:chOff x="0" y="0"/>
+          <a:chExt cx="0" cy="0"/>
+        </a:xfrm>
+      </p:grpSpPr>
+      <p:sp>
+        <p:nvSpPr>
+          <p:cNvPr id="7" name="Retângulo 6">
+            <a:extLst>
+              <a:ext uri="{FF2B5EF4-FFF2-40B4-BE49-F238E27FC236}">
+                <a16:creationId xmlns:a16="http://schemas.microsoft.com/office/drawing/2014/main" id="{5E0F7497-D302-4F68-8123-03414F2C6833}"/>
+              </a:ext>
+            </a:extLst>
+          </p:cNvPr>
+          <p:cNvSpPr/>
+          <p:nvPr/>
+        </p:nvSpPr>
+        <p:spPr>
+          <a:xfrm>
+            <a:off x="1704975" y="2450833"/>
+            <a:ext cx="8905875" cy="2308324"/>
+          </a:xfrm>
+          <a:prstGeom prst="rect">
+            <a:avLst/>
+          </a:prstGeom>
+          <a:solidFill>
+            <a:srgbClr val="67C7F2"/>
+          </a:solidFill>
+          <a:ln>
+            <a:noFill/>
+          </a:ln>
+        </p:spPr>
+        <p:style>
+          <a:lnRef idx="2">
+            <a:schemeClr val="accent1">
+              <a:shade val="50000"/>
+            </a:schemeClr>
+          </a:lnRef>
+          <a:fillRef idx="1">
+            <a:schemeClr val="accent1"/>
+          </a:fillRef>
+          <a:effectRef idx="0">
+            <a:schemeClr val="accent1"/>
+          </a:effectRef>
+          <a:fontRef idx="minor">
+            <a:schemeClr val="lt1"/>
+          </a:fontRef>
+        </p:style>
+        <p:txBody>
+          <a:bodyPr rtlCol="0" anchor="ctr"/>
+          <a:lstStyle/>
+          <a:p>
+            <a:pPr algn="ctr"/>
+            <a:endParaRPr lang="pt-BR"/>
+          </a:p>
+        </p:txBody>
+      </p:sp>
+      <p:sp>
+        <p:nvSpPr>
+          <p:cNvPr id="2" name="Título 1">
+            <a:extLst>
+              <a:ext uri="{FF2B5EF4-FFF2-40B4-BE49-F238E27FC236}">
+                <a16:creationId xmlns:a16="http://schemas.microsoft.com/office/drawing/2014/main" id="{E5407E68-547D-40FB-ADFC-29225BCA97FB}"/>
+              </a:ext>
+            </a:extLst>
+          </p:cNvPr>
+          <p:cNvSpPr>
+            <a:spLocks noGrp="1"/>
+          </p:cNvSpPr>
+          <p:nvPr>
+            <p:ph type="title"/>
+          </p:nvPr>
+        </p:nvSpPr>
+        <p:spPr>
+          <a:xfrm>
+            <a:off x="419100" y="373393"/>
+            <a:ext cx="11496675" cy="1325563"/>
+          </a:xfrm>
+        </p:spPr>
+        <p:txBody>
+          <a:bodyPr/>
+          <a:lstStyle/>
+          <a:p>
+            <a:pPr algn="ctr"/>
+            <a:r>
+              <a:rPr lang="pt-BR" dirty="0"/>
+              <a:t>EDITAL Nº 5, DE 19 DE MAIO DE 2023</a:t>
+            </a:r>
+          </a:p>
+        </p:txBody>
+      </p:sp>
+      <p:sp>
+        <p:nvSpPr>
+          <p:cNvPr id="4" name="Espaço Reservado para Número de Slide 3">
+            <a:extLst>
+              <a:ext uri="{FF2B5EF4-FFF2-40B4-BE49-F238E27FC236}">
+                <a16:creationId xmlns:a16="http://schemas.microsoft.com/office/drawing/2014/main" id="{B251EF4B-4832-430A-9B53-231F361E70F5}"/>
+              </a:ext>
+            </a:extLst>
+          </p:cNvPr>
+          <p:cNvSpPr>
+            <a:spLocks noGrp="1"/>
+          </p:cNvSpPr>
+          <p:nvPr>
+            <p:ph type="sldNum" sz="quarter" idx="10"/>
+          </p:nvPr>
+        </p:nvSpPr>
+        <p:spPr/>
+        <p:txBody>
+          <a:bodyPr/>
+          <a:lstStyle/>
+          <a:p>
+            <a:fld id="{42B4FE49-DA0E-4E24-BB21-E8757AAD71F5}" type="slidenum">
+              <a:rPr lang="pt-BR" smtClean="0"/>
+              <a:pPr/>
+              <a:t>25</a:t>
+            </a:fld>
+            <a:endParaRPr lang="pt-BR" dirty="0"/>
+          </a:p>
+        </p:txBody>
+      </p:sp>
+      <p:sp>
+        <p:nvSpPr>
+          <p:cNvPr id="6" name="CaixaDeTexto 5">
+            <a:extLst>
+              <a:ext uri="{FF2B5EF4-FFF2-40B4-BE49-F238E27FC236}">
+                <a16:creationId xmlns:a16="http://schemas.microsoft.com/office/drawing/2014/main" id="{51FA5D3E-0952-4ABF-9964-6524675A944A}"/>
+              </a:ext>
+            </a:extLst>
+          </p:cNvPr>
+          <p:cNvSpPr txBox="1"/>
+          <p:nvPr/>
+        </p:nvSpPr>
+        <p:spPr>
+          <a:xfrm>
+            <a:off x="956733" y="1667675"/>
+            <a:ext cx="10278533" cy="1200329"/>
+          </a:xfrm>
+          <a:prstGeom prst="rect">
+            <a:avLst/>
+          </a:prstGeom>
+          <a:noFill/>
+        </p:spPr>
+        <p:txBody>
+          <a:bodyPr wrap="square">
+            <a:spAutoFit/>
+          </a:bodyPr>
+          <a:lstStyle/>
+          <a:p>
+            <a:pPr algn="ctr" rtl="0">
+              <a:spcBef>
+                <a:spcPts val="0"/>
+              </a:spcBef>
+              <a:spcAft>
+                <a:spcPts val="0"/>
+              </a:spcAft>
+            </a:pPr>
+            <a:r>
+              <a:rPr lang="pt-BR" sz="2400" dirty="0"/>
+              <a:t>Critérios de desempate</a:t>
+            </a:r>
+            <a:br>
+              <a:rPr lang="pt-BR" sz="2400" b="0" dirty="0">
+                <a:effectLst/>
+              </a:rPr>
+            </a:br>
+            <a:br>
+              <a:rPr lang="pt-BR" sz="2400" b="0" dirty="0">
+                <a:effectLst/>
+              </a:rPr>
+            </a:br>
+            <a:endParaRPr lang="pt-BR" sz="2400" dirty="0"/>
+          </a:p>
+        </p:txBody>
+      </p:sp>
+      <p:sp>
+        <p:nvSpPr>
+          <p:cNvPr id="9" name="CaixaDeTexto 8">
+            <a:extLst>
+              <a:ext uri="{FF2B5EF4-FFF2-40B4-BE49-F238E27FC236}">
+                <a16:creationId xmlns:a16="http://schemas.microsoft.com/office/drawing/2014/main" id="{A32DB5FD-E24E-4C04-851E-C1CA2DE45BC8}"/>
+              </a:ext>
+            </a:extLst>
+          </p:cNvPr>
+          <p:cNvSpPr txBox="1"/>
+          <p:nvPr/>
+        </p:nvSpPr>
+        <p:spPr>
+          <a:xfrm>
+            <a:off x="1971675" y="2492343"/>
+            <a:ext cx="8515350" cy="2308324"/>
+          </a:xfrm>
+          <a:prstGeom prst="rect">
+            <a:avLst/>
+          </a:prstGeom>
+          <a:noFill/>
+        </p:spPr>
+        <p:txBody>
+          <a:bodyPr wrap="square">
+            <a:spAutoFit/>
+          </a:bodyPr>
+          <a:lstStyle/>
+          <a:p>
+            <a:r>
+              <a:rPr lang="pt-BR" b="1" dirty="0">
+                <a:solidFill>
+                  <a:schemeClr val="bg1"/>
+                </a:solidFill>
+              </a:rPr>
+              <a:t>I - candidatos que tenham optado por município de atuação de mesma UF do seu domicílio de residência, considerado o endereço informado no ato da inscrição;</a:t>
+            </a:r>
+          </a:p>
+          <a:p>
+            <a:r>
+              <a:rPr lang="pt-BR" b="1" dirty="0">
+                <a:solidFill>
+                  <a:schemeClr val="bg1"/>
+                </a:solidFill>
+              </a:rPr>
+              <a:t>II - candidatos que tenham optado por município de atuação de mesma UF do município de seu nascimento, conforme registrado no documento de identificação;</a:t>
+            </a:r>
+          </a:p>
+          <a:p>
+            <a:r>
+              <a:rPr lang="pt-BR" b="1" dirty="0">
+                <a:solidFill>
+                  <a:schemeClr val="bg1"/>
+                </a:solidFill>
+              </a:rPr>
+              <a:t>III - candidatos com maior tempo de formação em medicina, considerando o dia, o mês e o ano;</a:t>
+            </a:r>
+          </a:p>
+          <a:p>
+            <a:r>
+              <a:rPr lang="pt-BR" b="1" dirty="0">
+                <a:solidFill>
+                  <a:schemeClr val="bg1"/>
+                </a:solidFill>
+              </a:rPr>
+              <a:t>IV - candidatos que possuírem maior idade, considerados o dia, mês e ano de nascimento.</a:t>
+            </a:r>
+          </a:p>
+        </p:txBody>
+      </p:sp>
+      <p:cxnSp>
+        <p:nvCxnSpPr>
+          <p:cNvPr id="10" name="Conector reto 9">
+            <a:extLst>
+              <a:ext uri="{FF2B5EF4-FFF2-40B4-BE49-F238E27FC236}">
+                <a16:creationId xmlns:a16="http://schemas.microsoft.com/office/drawing/2014/main" id="{863ED132-1CFD-4B6E-9EC7-E7A9D8A31099}"/>
+              </a:ext>
+            </a:extLst>
+          </p:cNvPr>
+          <p:cNvCxnSpPr>
+            <a:cxnSpLocks/>
+          </p:cNvCxnSpPr>
+          <p:nvPr/>
+        </p:nvCxnSpPr>
+        <p:spPr>
+          <a:xfrm flipH="1">
+            <a:off x="0" y="1905000"/>
+            <a:ext cx="4512734" cy="0"/>
+          </a:xfrm>
+          <a:prstGeom prst="line">
+            <a:avLst/>
+          </a:prstGeom>
+          <a:ln>
+            <a:solidFill>
+              <a:schemeClr val="tx1"/>
+            </a:solidFill>
+          </a:ln>
+        </p:spPr>
+        <p:style>
+          <a:lnRef idx="1">
+            <a:schemeClr val="accent1"/>
+          </a:lnRef>
+          <a:fillRef idx="0">
+            <a:schemeClr val="accent1"/>
+          </a:fillRef>
+          <a:effectRef idx="0">
+            <a:schemeClr val="accent1"/>
+          </a:effectRef>
+          <a:fontRef idx="minor">
+            <a:schemeClr val="tx1"/>
+          </a:fontRef>
+        </p:style>
+      </p:cxnSp>
+      <p:cxnSp>
+        <p:nvCxnSpPr>
+          <p:cNvPr id="14" name="Conector reto 13">
+            <a:extLst>
+              <a:ext uri="{FF2B5EF4-FFF2-40B4-BE49-F238E27FC236}">
+                <a16:creationId xmlns:a16="http://schemas.microsoft.com/office/drawing/2014/main" id="{7080E6B4-42C5-4D2F-88E5-5F25701B64F7}"/>
+              </a:ext>
+            </a:extLst>
+          </p:cNvPr>
+          <p:cNvCxnSpPr>
+            <a:cxnSpLocks/>
+          </p:cNvCxnSpPr>
+          <p:nvPr/>
+        </p:nvCxnSpPr>
+        <p:spPr>
+          <a:xfrm flipH="1">
+            <a:off x="7653868" y="1905000"/>
+            <a:ext cx="4538132" cy="0"/>
+          </a:xfrm>
+          <a:prstGeom prst="line">
+            <a:avLst/>
+          </a:prstGeom>
+          <a:ln>
+            <a:solidFill>
+              <a:schemeClr val="tx1"/>
+            </a:solidFill>
+          </a:ln>
+        </p:spPr>
+        <p:style>
+          <a:lnRef idx="1">
+            <a:schemeClr val="accent1"/>
+          </a:lnRef>
+          <a:fillRef idx="0">
+            <a:schemeClr val="accent1"/>
+          </a:fillRef>
+          <a:effectRef idx="0">
+            <a:schemeClr val="accent1"/>
+          </a:effectRef>
+          <a:fontRef idx="minor">
+            <a:schemeClr val="tx1"/>
+          </a:fontRef>
+        </p:style>
+      </p:cxnSp>
+      <p:pic>
+        <p:nvPicPr>
+          <p:cNvPr id="12" name="Imagem 11">
+            <a:extLst>
+              <a:ext uri="{FF2B5EF4-FFF2-40B4-BE49-F238E27FC236}">
+                <a16:creationId xmlns:a16="http://schemas.microsoft.com/office/drawing/2014/main" id="{E2BD5E67-FCF1-42BD-86B3-DC1E87EB9549}"/>
+              </a:ext>
+            </a:extLst>
+          </p:cNvPr>
+          <p:cNvPicPr>
+            <a:picLocks noChangeAspect="1"/>
+          </p:cNvPicPr>
+          <p:nvPr/>
+        </p:nvPicPr>
+        <p:blipFill rotWithShape="1">
+          <a:blip r:embed="rId2" cstate="print">
+            <a:extLst>
+              <a:ext uri="{28A0092B-C50C-407E-A947-70E740481C1C}">
+                <a14:useLocalDpi xmlns:a14="http://schemas.microsoft.com/office/drawing/2010/main" val="0"/>
+              </a:ext>
+            </a:extLst>
+          </a:blip>
+          <a:srcRect t="24493"/>
+          <a:stretch/>
+        </p:blipFill>
+        <p:spPr>
+          <a:xfrm>
+            <a:off x="5418370" y="5190067"/>
+            <a:ext cx="1355259" cy="1092606"/>
+          </a:xfrm>
+          <a:prstGeom prst="rect">
+            <a:avLst/>
+          </a:prstGeom>
+        </p:spPr>
+      </p:pic>
+    </p:spTree>
+    <p:extLst>
+      <p:ext uri="{BB962C8B-B14F-4D97-AF65-F5344CB8AC3E}">
+        <p14:creationId xmlns:p14="http://schemas.microsoft.com/office/powerpoint/2010/main" val="1642264672"/>
+      </p:ext>
+    </p:extLst>
+  </p:cSld>
+  <p:clrMapOvr>
+    <a:masterClrMapping/>
+  </p:clrMapOvr>
+</p:sld>
+</file>
+
+<file path=ppt/slides/slide26.xml><?xml version="1.0" encoding="utf-8"?>
 <p:sld xmlns:a="http://schemas.openxmlformats.org/drawingml/2006/main" xmlns:r="http://schemas.openxmlformats.org/officeDocument/2006/relationships" xmlns:p="http://schemas.openxmlformats.org/presentationml/2006/main">
   <p:cSld>
     <p:spTree>
@@ -9040,7 +11605,12 @@
             <p:ph type="title"/>
           </p:nvPr>
         </p:nvSpPr>
-        <p:spPr/>
+        <p:spPr>
+          <a:xfrm>
+            <a:off x="419100" y="373393"/>
+            <a:ext cx="11496675" cy="1325563"/>
+          </a:xfrm>
+        </p:spPr>
         <p:txBody>
           <a:bodyPr/>
           <a:lstStyle/>
@@ -9048,7 +11618,7 @@
             <a:pPr algn="ctr"/>
             <a:r>
               <a:rPr lang="pt-BR" dirty="0"/>
-              <a:t>Instituição do programa</a:t>
+              <a:t>EDITAL Nº 5, DE 19 DE MAIO DE 2023</a:t>
             </a:r>
           </a:p>
         </p:txBody>
@@ -9077,648 +11647,7 @@
             <a:fld id="{42B4FE49-DA0E-4E24-BB21-E8757AAD71F5}" type="slidenum">
               <a:rPr lang="pt-BR" smtClean="0"/>
               <a:pPr/>
-              <a:t>2</a:t>
-            </a:fld>
-            <a:endParaRPr lang="pt-BR" dirty="0"/>
-          </a:p>
-        </p:txBody>
-      </p:sp>
-      <p:sp>
-        <p:nvSpPr>
-          <p:cNvPr id="6" name="CaixaDeTexto 5">
-            <a:extLst>
-              <a:ext uri="{FF2B5EF4-FFF2-40B4-BE49-F238E27FC236}">
-                <a16:creationId xmlns:a16="http://schemas.microsoft.com/office/drawing/2014/main" id="{51FA5D3E-0952-4ABF-9964-6524675A944A}"/>
-              </a:ext>
-            </a:extLst>
-          </p:cNvPr>
-          <p:cNvSpPr txBox="1"/>
-          <p:nvPr/>
-        </p:nvSpPr>
-        <p:spPr>
-          <a:xfrm>
-            <a:off x="956733" y="1607741"/>
-            <a:ext cx="10278533" cy="2862322"/>
-          </a:xfrm>
-          <a:prstGeom prst="rect">
-            <a:avLst/>
-          </a:prstGeom>
-          <a:noFill/>
-        </p:spPr>
-        <p:txBody>
-          <a:bodyPr wrap="square">
-            <a:spAutoFit/>
-          </a:bodyPr>
-          <a:lstStyle/>
-          <a:p>
-            <a:pPr algn="ctr" rtl="0">
-              <a:spcBef>
-                <a:spcPts val="0"/>
-              </a:spcBef>
-              <a:spcAft>
-                <a:spcPts val="0"/>
-              </a:spcAft>
-            </a:pPr>
-            <a:r>
-              <a:rPr lang="pt-BR" sz="1800" b="1" i="0" u="none" strike="noStrike" dirty="0">
-                <a:solidFill>
-                  <a:srgbClr val="000000"/>
-                </a:solidFill>
-                <a:effectLst/>
-                <a:latin typeface="Arial" panose="020B0604020202020204" pitchFamily="34" charset="0"/>
-              </a:rPr>
-              <a:t>A lei 12.871, DE 12 de OUTUBRO DE 2013:</a:t>
-            </a:r>
-            <a:br>
-              <a:rPr lang="pt-BR" sz="1800" b="0" i="0" u="none" strike="noStrike" dirty="0">
-                <a:solidFill>
-                  <a:srgbClr val="000000"/>
-                </a:solidFill>
-                <a:effectLst/>
-                <a:latin typeface="Arial" panose="020B0604020202020204" pitchFamily="34" charset="0"/>
-              </a:rPr>
-            </a:br>
-            <a:br>
-              <a:rPr lang="pt-BR" sz="1800" b="0" i="0" u="none" strike="noStrike" dirty="0">
-                <a:solidFill>
-                  <a:srgbClr val="000000"/>
-                </a:solidFill>
-                <a:effectLst/>
-                <a:latin typeface="Arial" panose="020B0604020202020204" pitchFamily="34" charset="0"/>
-              </a:rPr>
-            </a:br>
-            <a:r>
-              <a:rPr lang="pt-BR" sz="1800" b="0" i="0" u="none" strike="noStrike" dirty="0">
-                <a:solidFill>
-                  <a:srgbClr val="000000"/>
-                </a:solidFill>
-                <a:effectLst/>
-                <a:latin typeface="Arial" panose="020B0604020202020204" pitchFamily="34" charset="0"/>
-              </a:rPr>
-              <a:t>Art. 1º É instituído o Programa Mais Médicos, com a finalidade de formar recursos humanos na área médica para o Sistema Único de Saúde (SUS) e com os seguintes objetivos:</a:t>
-            </a:r>
-            <a:endParaRPr lang="pt-BR" b="0" dirty="0">
-              <a:effectLst/>
-            </a:endParaRPr>
-          </a:p>
-          <a:p>
-            <a:pPr algn="ctr" rtl="0">
-              <a:spcBef>
-                <a:spcPts val="0"/>
-              </a:spcBef>
-              <a:spcAft>
-                <a:spcPts val="0"/>
-              </a:spcAft>
-            </a:pPr>
-            <a:br>
-              <a:rPr lang="pt-BR" b="0" dirty="0">
-                <a:effectLst/>
-              </a:rPr>
-            </a:br>
-            <a:r>
-              <a:rPr lang="pt-BR" sz="1800" b="0" i="0" u="none" strike="noStrike" dirty="0">
-                <a:solidFill>
-                  <a:srgbClr val="000000"/>
-                </a:solidFill>
-                <a:effectLst/>
-                <a:latin typeface="Arial" panose="020B0604020202020204" pitchFamily="34" charset="0"/>
-              </a:rPr>
-              <a:t>I - diminuir a carência de médicos nas regiões prioritárias para o SUS, a fim de reduzir as desigualdades regionais na área da saúde;</a:t>
-            </a:r>
-            <a:endParaRPr lang="pt-BR" b="0" dirty="0">
-              <a:effectLst/>
-            </a:endParaRPr>
-          </a:p>
-          <a:p>
-            <a:br>
-              <a:rPr lang="pt-BR" b="0" dirty="0">
-                <a:effectLst/>
-              </a:rPr>
-            </a:br>
-            <a:br>
-              <a:rPr lang="pt-BR" b="0" dirty="0">
-                <a:effectLst/>
-              </a:rPr>
-            </a:br>
-            <a:endParaRPr lang="pt-BR" dirty="0"/>
-          </a:p>
-        </p:txBody>
-      </p:sp>
-      <p:pic>
-        <p:nvPicPr>
-          <p:cNvPr id="10" name="Imagem 9">
-            <a:extLst>
-              <a:ext uri="{FF2B5EF4-FFF2-40B4-BE49-F238E27FC236}">
-                <a16:creationId xmlns:a16="http://schemas.microsoft.com/office/drawing/2014/main" id="{8A7E1D30-FFA0-4A6E-886B-AD2FDB64E610}"/>
-              </a:ext>
-            </a:extLst>
-          </p:cNvPr>
-          <p:cNvPicPr>
-            <a:picLocks noChangeAspect="1"/>
-          </p:cNvPicPr>
-          <p:nvPr/>
-        </p:nvPicPr>
-        <p:blipFill>
-          <a:blip r:embed="rId2">
-            <a:extLst>
-              <a:ext uri="{28A0092B-C50C-407E-A947-70E740481C1C}">
-                <a14:useLocalDpi xmlns:a14="http://schemas.microsoft.com/office/drawing/2010/main" val="0"/>
-              </a:ext>
-            </a:extLst>
-          </a:blip>
-          <a:stretch>
-            <a:fillRect/>
-          </a:stretch>
-        </p:blipFill>
-        <p:spPr>
-          <a:xfrm>
-            <a:off x="4224866" y="3115733"/>
-            <a:ext cx="3742267" cy="3742267"/>
-          </a:xfrm>
-          <a:prstGeom prst="rect">
-            <a:avLst/>
-          </a:prstGeom>
-        </p:spPr>
-      </p:pic>
-    </p:spTree>
-    <p:extLst>
-      <p:ext uri="{BB962C8B-B14F-4D97-AF65-F5344CB8AC3E}">
-        <p14:creationId xmlns:p14="http://schemas.microsoft.com/office/powerpoint/2010/main" val="1708268703"/>
-      </p:ext>
-    </p:extLst>
-  </p:cSld>
-  <p:clrMapOvr>
-    <a:masterClrMapping/>
-  </p:clrMapOvr>
-</p:sld>
-</file>
-
-<file path=ppt/slides/slide20.xml><?xml version="1.0" encoding="utf-8"?>
-<p:sld xmlns:a="http://schemas.openxmlformats.org/drawingml/2006/main" xmlns:r="http://schemas.openxmlformats.org/officeDocument/2006/relationships" xmlns:p="http://schemas.openxmlformats.org/presentationml/2006/main">
-  <p:cSld>
-    <p:spTree>
-      <p:nvGrpSpPr>
-        <p:cNvPr id="1" name=""/>
-        <p:cNvGrpSpPr/>
-        <p:nvPr/>
-      </p:nvGrpSpPr>
-      <p:grpSpPr>
-        <a:xfrm>
-          <a:off x="0" y="0"/>
-          <a:ext cx="0" cy="0"/>
-          <a:chOff x="0" y="0"/>
-          <a:chExt cx="0" cy="0"/>
-        </a:xfrm>
-      </p:grpSpPr>
-      <p:sp>
-        <p:nvSpPr>
-          <p:cNvPr id="7" name="Retângulo 6">
-            <a:extLst>
-              <a:ext uri="{FF2B5EF4-FFF2-40B4-BE49-F238E27FC236}">
-                <a16:creationId xmlns:a16="http://schemas.microsoft.com/office/drawing/2014/main" id="{5E0F7497-D302-4F68-8123-03414F2C6833}"/>
-              </a:ext>
-            </a:extLst>
-          </p:cNvPr>
-          <p:cNvSpPr/>
-          <p:nvPr/>
-        </p:nvSpPr>
-        <p:spPr>
-          <a:xfrm>
-            <a:off x="1704975" y="2450833"/>
-            <a:ext cx="8905875" cy="2308324"/>
-          </a:xfrm>
-          <a:prstGeom prst="rect">
-            <a:avLst/>
-          </a:prstGeom>
-          <a:solidFill>
-            <a:srgbClr val="67C7F2"/>
-          </a:solidFill>
-          <a:ln>
-            <a:noFill/>
-          </a:ln>
-        </p:spPr>
-        <p:style>
-          <a:lnRef idx="2">
-            <a:schemeClr val="accent1">
-              <a:shade val="50000"/>
-            </a:schemeClr>
-          </a:lnRef>
-          <a:fillRef idx="1">
-            <a:schemeClr val="accent1"/>
-          </a:fillRef>
-          <a:effectRef idx="0">
-            <a:schemeClr val="accent1"/>
-          </a:effectRef>
-          <a:fontRef idx="minor">
-            <a:schemeClr val="lt1"/>
-          </a:fontRef>
-        </p:style>
-        <p:txBody>
-          <a:bodyPr rtlCol="0" anchor="ctr"/>
-          <a:lstStyle/>
-          <a:p>
-            <a:pPr algn="ctr"/>
-            <a:endParaRPr lang="pt-BR"/>
-          </a:p>
-        </p:txBody>
-      </p:sp>
-      <p:sp>
-        <p:nvSpPr>
-          <p:cNvPr id="2" name="Título 1">
-            <a:extLst>
-              <a:ext uri="{FF2B5EF4-FFF2-40B4-BE49-F238E27FC236}">
-                <a16:creationId xmlns:a16="http://schemas.microsoft.com/office/drawing/2014/main" id="{E5407E68-547D-40FB-ADFC-29225BCA97FB}"/>
-              </a:ext>
-            </a:extLst>
-          </p:cNvPr>
-          <p:cNvSpPr>
-            <a:spLocks noGrp="1"/>
-          </p:cNvSpPr>
-          <p:nvPr>
-            <p:ph type="title"/>
-          </p:nvPr>
-        </p:nvSpPr>
-        <p:spPr>
-          <a:xfrm>
-            <a:off x="419100" y="373393"/>
-            <a:ext cx="11496675" cy="1325563"/>
-          </a:xfrm>
-        </p:spPr>
-        <p:txBody>
-          <a:bodyPr/>
-          <a:lstStyle/>
-          <a:p>
-            <a:pPr algn="ctr"/>
-            <a:r>
-              <a:rPr lang="pt-BR" dirty="0"/>
-              <a:t>EDITAL Nº 5, DE 19 DE MAIO DE 2023</a:t>
-            </a:r>
-          </a:p>
-        </p:txBody>
-      </p:sp>
-      <p:sp>
-        <p:nvSpPr>
-          <p:cNvPr id="4" name="Espaço Reservado para Número de Slide 3">
-            <a:extLst>
-              <a:ext uri="{FF2B5EF4-FFF2-40B4-BE49-F238E27FC236}">
-                <a16:creationId xmlns:a16="http://schemas.microsoft.com/office/drawing/2014/main" id="{B251EF4B-4832-430A-9B53-231F361E70F5}"/>
-              </a:ext>
-            </a:extLst>
-          </p:cNvPr>
-          <p:cNvSpPr>
-            <a:spLocks noGrp="1"/>
-          </p:cNvSpPr>
-          <p:nvPr>
-            <p:ph type="sldNum" sz="quarter" idx="10"/>
-          </p:nvPr>
-        </p:nvSpPr>
-        <p:spPr/>
-        <p:txBody>
-          <a:bodyPr/>
-          <a:lstStyle/>
-          <a:p>
-            <a:fld id="{42B4FE49-DA0E-4E24-BB21-E8757AAD71F5}" type="slidenum">
-              <a:rPr lang="pt-BR" smtClean="0"/>
-              <a:pPr/>
-              <a:t>20</a:t>
-            </a:fld>
-            <a:endParaRPr lang="pt-BR" dirty="0"/>
-          </a:p>
-        </p:txBody>
-      </p:sp>
-      <p:sp>
-        <p:nvSpPr>
-          <p:cNvPr id="6" name="CaixaDeTexto 5">
-            <a:extLst>
-              <a:ext uri="{FF2B5EF4-FFF2-40B4-BE49-F238E27FC236}">
-                <a16:creationId xmlns:a16="http://schemas.microsoft.com/office/drawing/2014/main" id="{51FA5D3E-0952-4ABF-9964-6524675A944A}"/>
-              </a:ext>
-            </a:extLst>
-          </p:cNvPr>
-          <p:cNvSpPr txBox="1"/>
-          <p:nvPr/>
-        </p:nvSpPr>
-        <p:spPr>
-          <a:xfrm>
-            <a:off x="956733" y="1667675"/>
-            <a:ext cx="10278533" cy="1200329"/>
-          </a:xfrm>
-          <a:prstGeom prst="rect">
-            <a:avLst/>
-          </a:prstGeom>
-          <a:noFill/>
-        </p:spPr>
-        <p:txBody>
-          <a:bodyPr wrap="square">
-            <a:spAutoFit/>
-          </a:bodyPr>
-          <a:lstStyle/>
-          <a:p>
-            <a:pPr algn="ctr" rtl="0">
-              <a:spcBef>
-                <a:spcPts val="0"/>
-              </a:spcBef>
-              <a:spcAft>
-                <a:spcPts val="0"/>
-              </a:spcAft>
-            </a:pPr>
-            <a:r>
-              <a:rPr lang="pt-BR" sz="2400" dirty="0"/>
-              <a:t>Critérios de desempate</a:t>
-            </a:r>
-            <a:br>
-              <a:rPr lang="pt-BR" sz="2400" b="0" dirty="0">
-                <a:effectLst/>
-              </a:rPr>
-            </a:br>
-            <a:br>
-              <a:rPr lang="pt-BR" sz="2400" b="0" dirty="0">
-                <a:effectLst/>
-              </a:rPr>
-            </a:br>
-            <a:endParaRPr lang="pt-BR" sz="2400" dirty="0"/>
-          </a:p>
-        </p:txBody>
-      </p:sp>
-      <p:sp>
-        <p:nvSpPr>
-          <p:cNvPr id="9" name="CaixaDeTexto 8">
-            <a:extLst>
-              <a:ext uri="{FF2B5EF4-FFF2-40B4-BE49-F238E27FC236}">
-                <a16:creationId xmlns:a16="http://schemas.microsoft.com/office/drawing/2014/main" id="{A32DB5FD-E24E-4C04-851E-C1CA2DE45BC8}"/>
-              </a:ext>
-            </a:extLst>
-          </p:cNvPr>
-          <p:cNvSpPr txBox="1"/>
-          <p:nvPr/>
-        </p:nvSpPr>
-        <p:spPr>
-          <a:xfrm>
-            <a:off x="1971675" y="2492343"/>
-            <a:ext cx="8515350" cy="2308324"/>
-          </a:xfrm>
-          <a:prstGeom prst="rect">
-            <a:avLst/>
-          </a:prstGeom>
-          <a:noFill/>
-        </p:spPr>
-        <p:txBody>
-          <a:bodyPr wrap="square">
-            <a:spAutoFit/>
-          </a:bodyPr>
-          <a:lstStyle/>
-          <a:p>
-            <a:r>
-              <a:rPr lang="pt-BR" b="1" dirty="0">
-                <a:solidFill>
-                  <a:schemeClr val="bg1"/>
-                </a:solidFill>
-              </a:rPr>
-              <a:t>I - candidatos que tenham optado por município de atuação de mesma UF do seu domicílio de residência, considerado o endereço informado no ato da inscrição;</a:t>
-            </a:r>
-          </a:p>
-          <a:p>
-            <a:r>
-              <a:rPr lang="pt-BR" b="1" dirty="0">
-                <a:solidFill>
-                  <a:schemeClr val="bg1"/>
-                </a:solidFill>
-              </a:rPr>
-              <a:t>II - candidatos que tenham optado por município de atuação de mesma UF do município de seu nascimento, conforme registrado no documento de identificação;</a:t>
-            </a:r>
-          </a:p>
-          <a:p>
-            <a:r>
-              <a:rPr lang="pt-BR" b="1" dirty="0">
-                <a:solidFill>
-                  <a:schemeClr val="bg1"/>
-                </a:solidFill>
-              </a:rPr>
-              <a:t>III - candidatos com maior tempo de formação em medicina, considerando o dia, o mês e o ano;</a:t>
-            </a:r>
-          </a:p>
-          <a:p>
-            <a:r>
-              <a:rPr lang="pt-BR" b="1" dirty="0">
-                <a:solidFill>
-                  <a:schemeClr val="bg1"/>
-                </a:solidFill>
-              </a:rPr>
-              <a:t>IV - candidatos que possuírem maior idade, considerados o dia, mês e ano de nascimento.</a:t>
-            </a:r>
-          </a:p>
-        </p:txBody>
-      </p:sp>
-      <p:cxnSp>
-        <p:nvCxnSpPr>
-          <p:cNvPr id="10" name="Conector reto 9">
-            <a:extLst>
-              <a:ext uri="{FF2B5EF4-FFF2-40B4-BE49-F238E27FC236}">
-                <a16:creationId xmlns:a16="http://schemas.microsoft.com/office/drawing/2014/main" id="{863ED132-1CFD-4B6E-9EC7-E7A9D8A31099}"/>
-              </a:ext>
-            </a:extLst>
-          </p:cNvPr>
-          <p:cNvCxnSpPr>
-            <a:cxnSpLocks/>
-          </p:cNvCxnSpPr>
-          <p:nvPr/>
-        </p:nvCxnSpPr>
-        <p:spPr>
-          <a:xfrm flipH="1">
-            <a:off x="0" y="1905000"/>
-            <a:ext cx="4512734" cy="0"/>
-          </a:xfrm>
-          <a:prstGeom prst="line">
-            <a:avLst/>
-          </a:prstGeom>
-          <a:ln>
-            <a:solidFill>
-              <a:schemeClr val="tx1"/>
-            </a:solidFill>
-          </a:ln>
-        </p:spPr>
-        <p:style>
-          <a:lnRef idx="1">
-            <a:schemeClr val="accent1"/>
-          </a:lnRef>
-          <a:fillRef idx="0">
-            <a:schemeClr val="accent1"/>
-          </a:fillRef>
-          <a:effectRef idx="0">
-            <a:schemeClr val="accent1"/>
-          </a:effectRef>
-          <a:fontRef idx="minor">
-            <a:schemeClr val="tx1"/>
-          </a:fontRef>
-        </p:style>
-      </p:cxnSp>
-      <p:cxnSp>
-        <p:nvCxnSpPr>
-          <p:cNvPr id="14" name="Conector reto 13">
-            <a:extLst>
-              <a:ext uri="{FF2B5EF4-FFF2-40B4-BE49-F238E27FC236}">
-                <a16:creationId xmlns:a16="http://schemas.microsoft.com/office/drawing/2014/main" id="{7080E6B4-42C5-4D2F-88E5-5F25701B64F7}"/>
-              </a:ext>
-            </a:extLst>
-          </p:cNvPr>
-          <p:cNvCxnSpPr>
-            <a:cxnSpLocks/>
-          </p:cNvCxnSpPr>
-          <p:nvPr/>
-        </p:nvCxnSpPr>
-        <p:spPr>
-          <a:xfrm flipH="1">
-            <a:off x="7653868" y="1905000"/>
-            <a:ext cx="4538132" cy="0"/>
-          </a:xfrm>
-          <a:prstGeom prst="line">
-            <a:avLst/>
-          </a:prstGeom>
-          <a:ln>
-            <a:solidFill>
-              <a:schemeClr val="tx1"/>
-            </a:solidFill>
-          </a:ln>
-        </p:spPr>
-        <p:style>
-          <a:lnRef idx="1">
-            <a:schemeClr val="accent1"/>
-          </a:lnRef>
-          <a:fillRef idx="0">
-            <a:schemeClr val="accent1"/>
-          </a:fillRef>
-          <a:effectRef idx="0">
-            <a:schemeClr val="accent1"/>
-          </a:effectRef>
-          <a:fontRef idx="minor">
-            <a:schemeClr val="tx1"/>
-          </a:fontRef>
-        </p:style>
-      </p:cxnSp>
-      <p:pic>
-        <p:nvPicPr>
-          <p:cNvPr id="12" name="Imagem 11">
-            <a:extLst>
-              <a:ext uri="{FF2B5EF4-FFF2-40B4-BE49-F238E27FC236}">
-                <a16:creationId xmlns:a16="http://schemas.microsoft.com/office/drawing/2014/main" id="{E2BD5E67-FCF1-42BD-86B3-DC1E87EB9549}"/>
-              </a:ext>
-            </a:extLst>
-          </p:cNvPr>
-          <p:cNvPicPr>
-            <a:picLocks noChangeAspect="1"/>
-          </p:cNvPicPr>
-          <p:nvPr/>
-        </p:nvPicPr>
-        <p:blipFill rotWithShape="1">
-          <a:blip r:embed="rId2" cstate="print">
-            <a:extLst>
-              <a:ext uri="{28A0092B-C50C-407E-A947-70E740481C1C}">
-                <a14:useLocalDpi xmlns:a14="http://schemas.microsoft.com/office/drawing/2010/main" val="0"/>
-              </a:ext>
-            </a:extLst>
-          </a:blip>
-          <a:srcRect t="24493"/>
-          <a:stretch/>
-        </p:blipFill>
-        <p:spPr>
-          <a:xfrm>
-            <a:off x="5418370" y="5190067"/>
-            <a:ext cx="1355259" cy="1092606"/>
-          </a:xfrm>
-          <a:prstGeom prst="rect">
-            <a:avLst/>
-          </a:prstGeom>
-        </p:spPr>
-      </p:pic>
-    </p:spTree>
-    <p:extLst>
-      <p:ext uri="{BB962C8B-B14F-4D97-AF65-F5344CB8AC3E}">
-        <p14:creationId xmlns:p14="http://schemas.microsoft.com/office/powerpoint/2010/main" val="1642264672"/>
-      </p:ext>
-    </p:extLst>
-  </p:cSld>
-  <p:clrMapOvr>
-    <a:masterClrMapping/>
-  </p:clrMapOvr>
-</p:sld>
-</file>
-
-<file path=ppt/slides/slide21.xml><?xml version="1.0" encoding="utf-8"?>
-<p:sld xmlns:a="http://schemas.openxmlformats.org/drawingml/2006/main" xmlns:r="http://schemas.openxmlformats.org/officeDocument/2006/relationships" xmlns:p="http://schemas.openxmlformats.org/presentationml/2006/main">
-  <p:cSld>
-    <p:spTree>
-      <p:nvGrpSpPr>
-        <p:cNvPr id="1" name=""/>
-        <p:cNvGrpSpPr/>
-        <p:nvPr/>
-      </p:nvGrpSpPr>
-      <p:grpSpPr>
-        <a:xfrm>
-          <a:off x="0" y="0"/>
-          <a:ext cx="0" cy="0"/>
-          <a:chOff x="0" y="0"/>
-          <a:chExt cx="0" cy="0"/>
-        </a:xfrm>
-      </p:grpSpPr>
-      <p:sp>
-        <p:nvSpPr>
-          <p:cNvPr id="2" name="Título 1">
-            <a:extLst>
-              <a:ext uri="{FF2B5EF4-FFF2-40B4-BE49-F238E27FC236}">
-                <a16:creationId xmlns:a16="http://schemas.microsoft.com/office/drawing/2014/main" id="{E5407E68-547D-40FB-ADFC-29225BCA97FB}"/>
-              </a:ext>
-            </a:extLst>
-          </p:cNvPr>
-          <p:cNvSpPr>
-            <a:spLocks noGrp="1"/>
-          </p:cNvSpPr>
-          <p:nvPr>
-            <p:ph type="title"/>
-          </p:nvPr>
-        </p:nvSpPr>
-        <p:spPr>
-          <a:xfrm>
-            <a:off x="419100" y="373393"/>
-            <a:ext cx="11496675" cy="1325563"/>
-          </a:xfrm>
-        </p:spPr>
-        <p:txBody>
-          <a:bodyPr/>
-          <a:lstStyle/>
-          <a:p>
-            <a:pPr algn="ctr"/>
-            <a:r>
-              <a:rPr lang="pt-BR" dirty="0"/>
-              <a:t>EDITAL Nº 5, DE 19 DE MAIO DE 2023</a:t>
-            </a:r>
-          </a:p>
-        </p:txBody>
-      </p:sp>
-      <p:sp>
-        <p:nvSpPr>
-          <p:cNvPr id="4" name="Espaço Reservado para Número de Slide 3">
-            <a:extLst>
-              <a:ext uri="{FF2B5EF4-FFF2-40B4-BE49-F238E27FC236}">
-                <a16:creationId xmlns:a16="http://schemas.microsoft.com/office/drawing/2014/main" id="{B251EF4B-4832-430A-9B53-231F361E70F5}"/>
-              </a:ext>
-            </a:extLst>
-          </p:cNvPr>
-          <p:cNvSpPr>
-            <a:spLocks noGrp="1"/>
-          </p:cNvSpPr>
-          <p:nvPr>
-            <p:ph type="sldNum" sz="quarter" idx="10"/>
-          </p:nvPr>
-        </p:nvSpPr>
-        <p:spPr/>
-        <p:txBody>
-          <a:bodyPr/>
-          <a:lstStyle/>
-          <a:p>
-            <a:fld id="{42B4FE49-DA0E-4E24-BB21-E8757AAD71F5}" type="slidenum">
-              <a:rPr lang="pt-BR" smtClean="0"/>
-              <a:pPr/>
-              <a:t>21</a:t>
+              <a:t>26</a:t>
             </a:fld>
             <a:endParaRPr lang="pt-BR" dirty="0"/>
           </a:p>
@@ -9990,7 +11919,7 @@
 </p:sld>
 </file>
 
-<file path=ppt/slides/slide22.xml><?xml version="1.0" encoding="utf-8"?>
+<file path=ppt/slides/slide27.xml><?xml version="1.0" encoding="utf-8"?>
 <p:sld xmlns:a="http://schemas.openxmlformats.org/drawingml/2006/main" xmlns:r="http://schemas.openxmlformats.org/officeDocument/2006/relationships" xmlns:p="http://schemas.openxmlformats.org/presentationml/2006/main">
   <p:cSld>
     <p:spTree>
@@ -10847,7 +12776,7 @@
             <a:pPr algn="ctr"/>
             <a:r>
               <a:rPr lang="pt-BR" sz="4000" dirty="0"/>
-              <a:t>EDITAL Nº 12, DE 27 DE NOVEMBRO DE 2017</a:t>
+              <a:t>EDITAL Nº 2, DE 15 DE JANEIRO DE 2015</a:t>
             </a:r>
           </a:p>
         </p:txBody>
@@ -10884,10 +12813,10 @@
       </p:sp>
       <p:sp>
         <p:nvSpPr>
-          <p:cNvPr id="6" name="CaixaDeTexto 5">
-            <a:extLst>
-              <a:ext uri="{FF2B5EF4-FFF2-40B4-BE49-F238E27FC236}">
-                <a16:creationId xmlns:a16="http://schemas.microsoft.com/office/drawing/2014/main" id="{51FA5D3E-0952-4ABF-9964-6524675A944A}"/>
+          <p:cNvPr id="9" name="CaixaDeTexto 8">
+            <a:extLst>
+              <a:ext uri="{FF2B5EF4-FFF2-40B4-BE49-F238E27FC236}">
+                <a16:creationId xmlns:a16="http://schemas.microsoft.com/office/drawing/2014/main" id="{A32DB5FD-E24E-4C04-851E-C1CA2DE45BC8}"/>
               </a:ext>
             </a:extLst>
           </p:cNvPr>
@@ -10896,8 +12825,8 @@
         </p:nvSpPr>
         <p:spPr>
           <a:xfrm>
-            <a:off x="956732" y="1036174"/>
-            <a:ext cx="10278533" cy="1477328"/>
+            <a:off x="1790700" y="2640017"/>
+            <a:ext cx="8905875" cy="2308324"/>
           </a:xfrm>
           <a:prstGeom prst="rect">
             <a:avLst/>
@@ -10910,56 +12839,13 @@
           </a:bodyPr>
           <a:lstStyle/>
           <a:p>
-            <a:pPr algn="ctr"/>
-            <a:r>
-              <a:rPr lang="pt-BR" dirty="0"/>
-              <a:t>O edital visa convocar médicos formados no Brasil e no exterior, conforme a Lei nº 12.871/2013 e a Portaria Interministerial nº 1.369/MS/MEC/2013, para adesão ao Projeto Mais Médicos. O objetivo é aperfeiçoar médicos na atenção básica em regiões prioritárias do SUS, oferecendo curso de especialização por instituição pública e atividades de ensino, pesquisa e extensão, com componente assistencial integrado.</a:t>
-            </a:r>
-          </a:p>
-          <a:p>
-            <a:pPr algn="ctr"/>
-            <a:r>
-              <a:rPr lang="pt-BR" dirty="0"/>
-              <a:t>Vigência de 3 anos.</a:t>
-            </a:r>
-          </a:p>
-        </p:txBody>
-      </p:sp>
-      <p:sp>
-        <p:nvSpPr>
-          <p:cNvPr id="9" name="CaixaDeTexto 8">
-            <a:extLst>
-              <a:ext uri="{FF2B5EF4-FFF2-40B4-BE49-F238E27FC236}">
-                <a16:creationId xmlns:a16="http://schemas.microsoft.com/office/drawing/2014/main" id="{A32DB5FD-E24E-4C04-851E-C1CA2DE45BC8}"/>
-              </a:ext>
-            </a:extLst>
-          </p:cNvPr>
-          <p:cNvSpPr txBox="1"/>
-          <p:nvPr/>
-        </p:nvSpPr>
-        <p:spPr>
-          <a:xfrm>
-            <a:off x="1838322" y="2558112"/>
-            <a:ext cx="8905875" cy="2585323"/>
-          </a:xfrm>
-          <a:prstGeom prst="rect">
-            <a:avLst/>
-          </a:prstGeom>
-          <a:noFill/>
-        </p:spPr>
-        <p:txBody>
-          <a:bodyPr wrap="square">
-            <a:spAutoFit/>
-          </a:bodyPr>
-          <a:lstStyle/>
-          <a:p>
             <a:r>
               <a:rPr lang="pt-BR" b="1" dirty="0">
                 <a:solidFill>
                   <a:schemeClr val="bg1"/>
                 </a:solidFill>
               </a:rPr>
-              <a:t>a) Médicos formados em instituições de educação superior brasileiras ou com diploma revalidado no País; e</a:t>
+              <a:t>a) médicos formados em instituições de educação superior brasileiras ou com diploma revalidado no País;</a:t>
             </a:r>
           </a:p>
           <a:p>
@@ -10976,7 +12862,7 @@
                   <a:schemeClr val="bg1"/>
                 </a:solidFill>
               </a:rPr>
-              <a:t>b) Médicos brasileiros formados em instituições estrangeiras com habilitação para exercício da Medicina no exterior.</a:t>
+              <a:t>b) médicos brasileiros formados em instituições estrangeiras com habilitação para exercício da medicina no exterior; e</a:t>
             </a:r>
           </a:p>
           <a:p>
@@ -10993,7 +12879,7 @@
                   <a:schemeClr val="bg1"/>
                 </a:solidFill>
               </a:rPr>
-              <a:t>*A seleção poderá contar com até 2 (duas) fases, caso haja vagas remanescentes, observada a ordem de prioridade estabelecida.</a:t>
+              <a:t>c) médicos estrangeiros com habilitação para exercício da Medicina no exterior.</a:t>
             </a:r>
           </a:p>
           <a:p>
@@ -11166,40 +13052,6 @@
       </p:grpSpPr>
       <p:sp>
         <p:nvSpPr>
-          <p:cNvPr id="2" name="Título 1">
-            <a:extLst>
-              <a:ext uri="{FF2B5EF4-FFF2-40B4-BE49-F238E27FC236}">
-                <a16:creationId xmlns:a16="http://schemas.microsoft.com/office/drawing/2014/main" id="{E5407E68-547D-40FB-ADFC-29225BCA97FB}"/>
-              </a:ext>
-            </a:extLst>
-          </p:cNvPr>
-          <p:cNvSpPr>
-            <a:spLocks noGrp="1"/>
-          </p:cNvSpPr>
-          <p:nvPr>
-            <p:ph type="title"/>
-          </p:nvPr>
-        </p:nvSpPr>
-        <p:spPr>
-          <a:xfrm>
-            <a:off x="0" y="373393"/>
-            <a:ext cx="12192000" cy="1325563"/>
-          </a:xfrm>
-        </p:spPr>
-        <p:txBody>
-          <a:bodyPr/>
-          <a:lstStyle/>
-          <a:p>
-            <a:pPr algn="ctr"/>
-            <a:r>
-              <a:rPr lang="pt-BR" sz="4000" dirty="0"/>
-              <a:t>EDITAL Nº 12, DE 27 DE NOVEMBRO DE 2017</a:t>
-            </a:r>
-          </a:p>
-        </p:txBody>
-      </p:sp>
-      <p:sp>
-        <p:nvSpPr>
           <p:cNvPr id="4" name="Espaço Reservado para Número de Slide 3">
             <a:extLst>
               <a:ext uri="{FF2B5EF4-FFF2-40B4-BE49-F238E27FC236}">
@@ -11228,30 +13080,6 @@
           </a:p>
         </p:txBody>
       </p:sp>
-      <p:pic>
-        <p:nvPicPr>
-          <p:cNvPr id="3" name="Imagem 2"/>
-          <p:cNvPicPr>
-            <a:picLocks noChangeAspect="1"/>
-          </p:cNvPicPr>
-          <p:nvPr/>
-        </p:nvPicPr>
-        <p:blipFill>
-          <a:blip r:embed="rId2"/>
-          <a:stretch>
-            <a:fillRect/>
-          </a:stretch>
-        </p:blipFill>
-        <p:spPr>
-          <a:xfrm>
-            <a:off x="3085680" y="1953845"/>
-            <a:ext cx="6020640" cy="4401164"/>
-          </a:xfrm>
-          <a:prstGeom prst="rect">
-            <a:avLst/>
-          </a:prstGeom>
-        </p:spPr>
-      </p:pic>
       <p:sp>
         <p:nvSpPr>
           <p:cNvPr id="8" name="CaixaDeTexto 7">
@@ -11324,8 +13152,8 @@
         </p:nvCxnSpPr>
         <p:spPr>
           <a:xfrm flipH="1">
-            <a:off x="-177799" y="1270929"/>
-            <a:ext cx="4969932" cy="0"/>
+            <a:off x="0" y="1270929"/>
+            <a:ext cx="4792133" cy="0"/>
           </a:xfrm>
           <a:prstGeom prst="line">
             <a:avLst/>
@@ -11368,7 +13196,7 @@
         <p:spPr>
           <a:xfrm flipH="1">
             <a:off x="7366000" y="1280325"/>
-            <a:ext cx="5020734" cy="0"/>
+            <a:ext cx="4826000" cy="0"/>
           </a:xfrm>
           <a:prstGeom prst="line">
             <a:avLst/>
@@ -11394,6 +13222,70 @@
           </a:fontRef>
         </p:style>
       </p:cxnSp>
+      <p:sp>
+        <p:nvSpPr>
+          <p:cNvPr id="12" name="Título 1">
+            <a:extLst>
+              <a:ext uri="{FF2B5EF4-FFF2-40B4-BE49-F238E27FC236}">
+                <a16:creationId xmlns:a16="http://schemas.microsoft.com/office/drawing/2014/main" id="{7F45D1C7-84AE-4737-95B5-15F98FD8F5D0}"/>
+              </a:ext>
+            </a:extLst>
+          </p:cNvPr>
+          <p:cNvSpPr>
+            <a:spLocks noGrp="1"/>
+          </p:cNvSpPr>
+          <p:nvPr>
+            <p:ph type="title"/>
+          </p:nvPr>
+        </p:nvSpPr>
+        <p:spPr>
+          <a:xfrm>
+            <a:off x="0" y="373393"/>
+            <a:ext cx="12192000" cy="1325563"/>
+          </a:xfrm>
+        </p:spPr>
+        <p:txBody>
+          <a:bodyPr/>
+          <a:lstStyle/>
+          <a:p>
+            <a:pPr algn="ctr"/>
+            <a:r>
+              <a:rPr lang="pt-BR" sz="4000" dirty="0"/>
+              <a:t>EDITAL Nº 2, DE 15 DE JANEIRO DE 2015</a:t>
+            </a:r>
+          </a:p>
+        </p:txBody>
+      </p:sp>
+      <p:pic>
+        <p:nvPicPr>
+          <p:cNvPr id="9" name="Imagem 8">
+            <a:extLst>
+              <a:ext uri="{FF2B5EF4-FFF2-40B4-BE49-F238E27FC236}">
+                <a16:creationId xmlns:a16="http://schemas.microsoft.com/office/drawing/2014/main" id="{E8107C0F-B16C-49C5-B27F-B305FF43CD58}"/>
+              </a:ext>
+            </a:extLst>
+          </p:cNvPr>
+          <p:cNvPicPr>
+            <a:picLocks noChangeAspect="1"/>
+          </p:cNvPicPr>
+          <p:nvPr/>
+        </p:nvPicPr>
+        <p:blipFill>
+          <a:blip r:embed="rId2"/>
+          <a:stretch>
+            <a:fillRect/>
+          </a:stretch>
+        </p:blipFill>
+        <p:spPr>
+          <a:xfrm>
+            <a:off x="3015467" y="1767063"/>
+            <a:ext cx="6161064" cy="4511645"/>
+          </a:xfrm>
+          <a:prstGeom prst="rect">
+            <a:avLst/>
+          </a:prstGeom>
+        </p:spPr>
+      </p:pic>
     </p:spTree>
     <p:extLst>
       <p:ext uri="{BB962C8B-B14F-4D97-AF65-F5344CB8AC3E}">
@@ -11478,40 +13370,6 @@
       </p:sp>
       <p:sp>
         <p:nvSpPr>
-          <p:cNvPr id="2" name="Título 1">
-            <a:extLst>
-              <a:ext uri="{FF2B5EF4-FFF2-40B4-BE49-F238E27FC236}">
-                <a16:creationId xmlns:a16="http://schemas.microsoft.com/office/drawing/2014/main" id="{E5407E68-547D-40FB-ADFC-29225BCA97FB}"/>
-              </a:ext>
-            </a:extLst>
-          </p:cNvPr>
-          <p:cNvSpPr>
-            <a:spLocks noGrp="1"/>
-          </p:cNvSpPr>
-          <p:nvPr>
-            <p:ph type="title"/>
-          </p:nvPr>
-        </p:nvSpPr>
-        <p:spPr>
-          <a:xfrm>
-            <a:off x="0" y="373393"/>
-            <a:ext cx="12192000" cy="1325563"/>
-          </a:xfrm>
-        </p:spPr>
-        <p:txBody>
-          <a:bodyPr/>
-          <a:lstStyle/>
-          <a:p>
-            <a:pPr algn="ctr"/>
-            <a:r>
-              <a:rPr lang="pt-BR" sz="4000" dirty="0"/>
-              <a:t>EDITAL Nº 12, DE 27 DE NOVEMBRO DE 2017</a:t>
-            </a:r>
-          </a:p>
-        </p:txBody>
-      </p:sp>
-      <p:sp>
-        <p:nvSpPr>
           <p:cNvPr id="4" name="Espaço Reservado para Número de Slide 3">
             <a:extLst>
               <a:ext uri="{FF2B5EF4-FFF2-40B4-BE49-F238E27FC236}">
@@ -11568,16 +13426,13 @@
           </a:bodyPr>
           <a:lstStyle/>
           <a:p>
-            <a:pPr marL="342900" indent="-342900">
-              <a:buAutoNum type="alphaLcParenR"/>
-            </a:pPr>
             <a:r>
               <a:rPr lang="pt-BR" b="1" dirty="0">
                 <a:solidFill>
                   <a:schemeClr val="bg1"/>
                 </a:solidFill>
               </a:rPr>
-              <a:t>Maior idade, considerados o dia, mês e ano de nascimento; e</a:t>
+              <a:t>a) menor distância mensurada por latitude e longitude entre o Município de opção do médico e o Município de sua naturalidade; e</a:t>
             </a:r>
           </a:p>
           <a:p>
@@ -11597,15 +13452,8 @@
                   <a:schemeClr val="bg1"/>
                 </a:solidFill>
               </a:rPr>
-              <a:t>b) Permanecendo o empate, será considerado a data e horário da efetivação da inscrição.</a:t>
-            </a:r>
-          </a:p>
-          <a:p>
-            <a:endParaRPr lang="pt-BR" b="1" dirty="0">
-              <a:solidFill>
-                <a:schemeClr val="bg1"/>
-              </a:solidFill>
-            </a:endParaRPr>
+              <a:t>b) maior idade, considerados o dia, mês e ano de nascimento.</a:t>
+            </a:r>
           </a:p>
         </p:txBody>
       </p:sp>
@@ -11784,10 +13632,44 @@
           </a:prstGeom>
         </p:spPr>
       </p:pic>
+      <p:sp>
+        <p:nvSpPr>
+          <p:cNvPr id="14" name="Título 1">
+            <a:extLst>
+              <a:ext uri="{FF2B5EF4-FFF2-40B4-BE49-F238E27FC236}">
+                <a16:creationId xmlns:a16="http://schemas.microsoft.com/office/drawing/2014/main" id="{860C7529-F60C-42B4-B583-AE9F35AA3B14}"/>
+              </a:ext>
+            </a:extLst>
+          </p:cNvPr>
+          <p:cNvSpPr>
+            <a:spLocks noGrp="1"/>
+          </p:cNvSpPr>
+          <p:nvPr>
+            <p:ph type="title"/>
+          </p:nvPr>
+        </p:nvSpPr>
+        <p:spPr>
+          <a:xfrm>
+            <a:off x="0" y="373393"/>
+            <a:ext cx="12192000" cy="1325563"/>
+          </a:xfrm>
+        </p:spPr>
+        <p:txBody>
+          <a:bodyPr/>
+          <a:lstStyle/>
+          <a:p>
+            <a:pPr algn="ctr"/>
+            <a:r>
+              <a:rPr lang="pt-BR" sz="4000" dirty="0"/>
+              <a:t>EDITAL Nº 2, DE 15 DE JANEIRO DE 2015</a:t>
+            </a:r>
+          </a:p>
+        </p:txBody>
+      </p:sp>
     </p:spTree>
     <p:extLst>
       <p:ext uri="{BB962C8B-B14F-4D97-AF65-F5344CB8AC3E}">
-        <p14:creationId xmlns:p14="http://schemas.microsoft.com/office/powerpoint/2010/main" val="2350790513"/>
+        <p14:creationId xmlns:p14="http://schemas.microsoft.com/office/powerpoint/2010/main" val="2954224639"/>
       </p:ext>
     </p:extLst>
   </p:cSld>
@@ -12073,10 +13955,10 @@
       </p:pic>
       <p:sp>
         <p:nvSpPr>
-          <p:cNvPr id="14" name="Título 1">
-            <a:extLst>
-              <a:ext uri="{FF2B5EF4-FFF2-40B4-BE49-F238E27FC236}">
-                <a16:creationId xmlns:a16="http://schemas.microsoft.com/office/drawing/2014/main" id="{0662A4D4-1959-4835-96EA-576EEC085C49}"/>
+          <p:cNvPr id="12" name="Título 1">
+            <a:extLst>
+              <a:ext uri="{FF2B5EF4-FFF2-40B4-BE49-F238E27FC236}">
+                <a16:creationId xmlns:a16="http://schemas.microsoft.com/office/drawing/2014/main" id="{522757D4-8B0A-4B3C-AAD1-39A2D680902D}"/>
               </a:ext>
             </a:extLst>
           </p:cNvPr>
@@ -12100,7 +13982,7 @@
             <a:pPr algn="ctr"/>
             <a:r>
               <a:rPr lang="pt-BR" sz="4000" dirty="0"/>
-              <a:t>EDITAL Nº 12, DE 27 DE NOVEMBRO DE 2017</a:t>
+              <a:t>EDITAL Nº 2, DE 15 DE JANEIRO DE 2015</a:t>
             </a:r>
           </a:p>
         </p:txBody>
@@ -12108,7 +13990,7 @@
     </p:spTree>
     <p:extLst>
       <p:ext uri="{BB962C8B-B14F-4D97-AF65-F5344CB8AC3E}">
-        <p14:creationId xmlns:p14="http://schemas.microsoft.com/office/powerpoint/2010/main" val="2221675722"/>
+        <p14:creationId xmlns:p14="http://schemas.microsoft.com/office/powerpoint/2010/main" val="2579514892"/>
       </p:ext>
     </p:extLst>
   </p:cSld>
@@ -12137,35 +14019,6 @@
       </p:grpSpPr>
       <p:sp>
         <p:nvSpPr>
-          <p:cNvPr id="2" name="Título 1">
-            <a:extLst>
-              <a:ext uri="{FF2B5EF4-FFF2-40B4-BE49-F238E27FC236}">
-                <a16:creationId xmlns:a16="http://schemas.microsoft.com/office/drawing/2014/main" id="{E5407E68-547D-40FB-ADFC-29225BCA97FB}"/>
-              </a:ext>
-            </a:extLst>
-          </p:cNvPr>
-          <p:cNvSpPr>
-            <a:spLocks noGrp="1"/>
-          </p:cNvSpPr>
-          <p:nvPr>
-            <p:ph type="title"/>
-          </p:nvPr>
-        </p:nvSpPr>
-        <p:spPr/>
-        <p:txBody>
-          <a:bodyPr/>
-          <a:lstStyle/>
-          <a:p>
-            <a:pPr algn="ctr"/>
-            <a:r>
-              <a:rPr lang="pt-BR" dirty="0"/>
-              <a:t>Ruptura do acordo</a:t>
-            </a:r>
-          </a:p>
-        </p:txBody>
-      </p:sp>
-      <p:sp>
-        <p:nvSpPr>
           <p:cNvPr id="4" name="Espaço Reservado para Número de Slide 3">
             <a:extLst>
               <a:ext uri="{FF2B5EF4-FFF2-40B4-BE49-F238E27FC236}">
@@ -12196,10 +14049,10 @@
       </p:sp>
       <p:sp>
         <p:nvSpPr>
-          <p:cNvPr id="7" name="CaixaDeTexto 6">
-            <a:extLst>
-              <a:ext uri="{FF2B5EF4-FFF2-40B4-BE49-F238E27FC236}">
-                <a16:creationId xmlns:a16="http://schemas.microsoft.com/office/drawing/2014/main" id="{875E6116-A1D4-4C06-8451-B1ED7DE07F79}"/>
+          <p:cNvPr id="8" name="CaixaDeTexto 7">
+            <a:extLst>
+              <a:ext uri="{FF2B5EF4-FFF2-40B4-BE49-F238E27FC236}">
+                <a16:creationId xmlns:a16="http://schemas.microsoft.com/office/drawing/2014/main" id="{51FA5D3E-0952-4ABF-9964-6524675A944A}"/>
               </a:ext>
             </a:extLst>
           </p:cNvPr>
@@ -12208,8 +14061,8 @@
         </p:nvSpPr>
         <p:spPr>
           <a:xfrm>
-            <a:off x="318459" y="824296"/>
-            <a:ext cx="11709639" cy="1261884"/>
+            <a:off x="956733" y="1098791"/>
+            <a:ext cx="10278533" cy="1200329"/>
           </a:xfrm>
           <a:prstGeom prst="rect">
             <a:avLst/>
@@ -12230,159 +14083,47 @@
                 <a:spcPts val="0"/>
               </a:spcAft>
             </a:pPr>
+            <a:r>
+              <a:rPr lang="pt-BR" sz="2400" dirty="0"/>
+              <a:t>Processo de alocação</a:t>
+            </a:r>
             <a:br>
-              <a:rPr lang="pt-BR" b="0" i="0" u="none" strike="noStrike" dirty="0">
-                <a:solidFill>
-                  <a:srgbClr val="000000"/>
-                </a:solidFill>
-                <a:effectLst/>
-                <a:latin typeface="Arial" panose="020B0604020202020204" pitchFamily="34" charset="0"/>
-              </a:rPr>
-            </a:br>
-            <a:r>
-              <a:rPr lang="pt-BR" sz="2200" b="0" i="0" u="none" strike="noStrike" dirty="0">
-                <a:solidFill>
-                  <a:srgbClr val="000000"/>
-                </a:solidFill>
-                <a:effectLst/>
-                <a:latin typeface="Arial" panose="020B0604020202020204" pitchFamily="34" charset="0"/>
-              </a:rPr>
-              <a:t>O governo cubano anunciou, no dia 14/11/2018, sua retirada do Programa Mais Médicos e a ruptura do convênio com o governo brasileiro¹</a:t>
-            </a:r>
-            <a:r>
-              <a:rPr lang="pt-BR" sz="1400" b="0" i="0" u="none" strike="noStrike" dirty="0">
-                <a:solidFill>
-                  <a:srgbClr val="000000"/>
-                </a:solidFill>
-                <a:effectLst/>
-                <a:latin typeface="Arial" panose="020B0604020202020204" pitchFamily="34" charset="0"/>
-              </a:rPr>
-              <a:t>.</a:t>
-            </a:r>
-            <a:br>
-              <a:rPr lang="pt-BR" sz="1400" b="0" dirty="0">
+              <a:rPr lang="pt-BR" sz="2400" b="0" dirty="0">
                 <a:effectLst/>
               </a:rPr>
             </a:br>
-            <a:endParaRPr lang="pt-BR" sz="1400" dirty="0"/>
+            <a:br>
+              <a:rPr lang="pt-BR" sz="2400" b="0" dirty="0">
+                <a:effectLst/>
+              </a:rPr>
+            </a:br>
+            <a:endParaRPr lang="pt-BR" sz="2400" dirty="0"/>
           </a:p>
         </p:txBody>
       </p:sp>
-      <p:sp>
-        <p:nvSpPr>
-          <p:cNvPr id="13" name="CaixaDeTexto 12">
-            <a:extLst>
-              <a:ext uri="{FF2B5EF4-FFF2-40B4-BE49-F238E27FC236}">
-                <a16:creationId xmlns:a16="http://schemas.microsoft.com/office/drawing/2014/main" id="{4D7473EB-0DC6-43B6-8AD5-EFAAB4FC7143}"/>
-              </a:ext>
-            </a:extLst>
-          </p:cNvPr>
-          <p:cNvSpPr txBox="1"/>
-          <p:nvPr/>
-        </p:nvSpPr>
-        <p:spPr>
-          <a:xfrm>
-            <a:off x="598818" y="6391038"/>
-            <a:ext cx="10754982" cy="923330"/>
-          </a:xfrm>
-          <a:prstGeom prst="rect">
-            <a:avLst/>
-          </a:prstGeom>
-          <a:noFill/>
-        </p:spPr>
-        <p:txBody>
-          <a:bodyPr wrap="square">
-            <a:spAutoFit/>
-          </a:bodyPr>
-          <a:lstStyle/>
-          <a:p>
-            <a:pPr rtl="0">
-              <a:spcBef>
-                <a:spcPts val="0"/>
-              </a:spcBef>
-              <a:spcAft>
-                <a:spcPts val="0"/>
-              </a:spcAft>
-            </a:pPr>
-            <a:r>
-              <a:rPr lang="pt-BR" sz="1800" b="0" i="0" u="none" strike="noStrike" dirty="0">
-                <a:solidFill>
-                  <a:srgbClr val="FFFFFF"/>
-                </a:solidFill>
-                <a:effectLst/>
-                <a:latin typeface="Avenir"/>
-              </a:rPr>
-              <a:t>¹ definidas com base nos critérios estabelecidos pela Portaria nº 1.377/GM/MS, de 13 de junho de 2011</a:t>
-            </a:r>
-            <a:endParaRPr lang="pt-BR" b="0" dirty="0">
-              <a:effectLst/>
-            </a:endParaRPr>
-          </a:p>
-          <a:p>
-            <a:br>
-              <a:rPr lang="pt-BR" dirty="0"/>
-            </a:br>
-            <a:endParaRPr lang="pt-BR" dirty="0"/>
-          </a:p>
-        </p:txBody>
-      </p:sp>
-      <p:pic>
-        <p:nvPicPr>
-          <p:cNvPr id="5" name="Imagem 4">
-            <a:extLst>
-              <a:ext uri="{FF2B5EF4-FFF2-40B4-BE49-F238E27FC236}">
-                <a16:creationId xmlns:a16="http://schemas.microsoft.com/office/drawing/2014/main" id="{2507062F-962A-4EA3-BDFC-19F7DEB3B305}"/>
-              </a:ext>
-            </a:extLst>
-          </p:cNvPr>
-          <p:cNvPicPr>
-            <a:picLocks noChangeAspect="1"/>
-          </p:cNvPicPr>
-          <p:nvPr/>
-        </p:nvPicPr>
-        <p:blipFill>
-          <a:blip r:embed="rId2">
-            <a:extLst>
-              <a:ext uri="{28A0092B-C50C-407E-A947-70E740481C1C}">
-                <a14:useLocalDpi xmlns:a14="http://schemas.microsoft.com/office/drawing/2010/main" val="0"/>
-              </a:ext>
-            </a:extLst>
-          </a:blip>
-          <a:stretch>
-            <a:fillRect/>
-          </a:stretch>
-        </p:blipFill>
-        <p:spPr>
-          <a:xfrm>
-            <a:off x="3578165" y="2147955"/>
-            <a:ext cx="5035670" cy="3258798"/>
-          </a:xfrm>
-          <a:prstGeom prst="rect">
-            <a:avLst/>
-          </a:prstGeom>
-        </p:spPr>
-      </p:pic>
       <p:cxnSp>
         <p:nvCxnSpPr>
           <p:cNvPr id="10" name="Conector reto 9">
             <a:extLst>
               <a:ext uri="{FF2B5EF4-FFF2-40B4-BE49-F238E27FC236}">
-                <a16:creationId xmlns:a16="http://schemas.microsoft.com/office/drawing/2014/main" id="{500C1D4A-6CA1-4918-9D0C-A6C7752B7263}"/>
-              </a:ext>
-            </a:extLst>
-          </p:cNvPr>
-          <p:cNvCxnSpPr/>
+                <a16:creationId xmlns:a16="http://schemas.microsoft.com/office/drawing/2014/main" id="{863ED132-1CFD-4B6E-9EC7-E7A9D8A31099}"/>
+              </a:ext>
+            </a:extLst>
+          </p:cNvPr>
+          <p:cNvCxnSpPr>
+            <a:cxnSpLocks/>
+          </p:cNvCxnSpPr>
           <p:nvPr/>
         </p:nvCxnSpPr>
         <p:spPr>
-          <a:xfrm>
-            <a:off x="419100" y="1958196"/>
-            <a:ext cx="11537111" cy="0"/>
+          <a:xfrm flipH="1">
+            <a:off x="0" y="1336116"/>
+            <a:ext cx="4512734" cy="0"/>
           </a:xfrm>
           <a:prstGeom prst="line">
             <a:avLst/>
           </a:prstGeom>
-          <a:ln w="19050">
+          <a:ln>
             <a:solidFill>
               <a:schemeClr val="tx1"/>
             </a:solidFill>
@@ -12405,25 +14146,27 @@
       </p:cxnSp>
       <p:cxnSp>
         <p:nvCxnSpPr>
-          <p:cNvPr id="14" name="Conector reto 13">
-            <a:extLst>
-              <a:ext uri="{FF2B5EF4-FFF2-40B4-BE49-F238E27FC236}">
-                <a16:creationId xmlns:a16="http://schemas.microsoft.com/office/drawing/2014/main" id="{CAF07FCD-2206-4ECE-87FD-E01D375737E0}"/>
-              </a:ext>
-            </a:extLst>
-          </p:cNvPr>
-          <p:cNvCxnSpPr/>
+          <p:cNvPr id="11" name="Conector reto 10">
+            <a:extLst>
+              <a:ext uri="{FF2B5EF4-FFF2-40B4-BE49-F238E27FC236}">
+                <a16:creationId xmlns:a16="http://schemas.microsoft.com/office/drawing/2014/main" id="{7080E6B4-42C5-4D2F-88E5-5F25701B64F7}"/>
+              </a:ext>
+            </a:extLst>
+          </p:cNvPr>
+          <p:cNvCxnSpPr>
+            <a:cxnSpLocks/>
+          </p:cNvCxnSpPr>
           <p:nvPr/>
         </p:nvCxnSpPr>
         <p:spPr>
-          <a:xfrm>
-            <a:off x="598818" y="5656053"/>
-            <a:ext cx="11537111" cy="0"/>
+          <a:xfrm flipH="1">
+            <a:off x="7653868" y="1336116"/>
+            <a:ext cx="4538132" cy="0"/>
           </a:xfrm>
           <a:prstGeom prst="line">
             <a:avLst/>
           </a:prstGeom>
-          <a:ln w="19050">
+          <a:ln>
             <a:solidFill>
               <a:schemeClr val="tx1"/>
             </a:solidFill>
@@ -12444,10 +14187,141 @@
           </a:fontRef>
         </p:style>
       </p:cxnSp>
+      <p:pic>
+        <p:nvPicPr>
+          <p:cNvPr id="12" name="Imagem 11">
+            <a:extLst>
+              <a:ext uri="{FF2B5EF4-FFF2-40B4-BE49-F238E27FC236}">
+                <a16:creationId xmlns:a16="http://schemas.microsoft.com/office/drawing/2014/main" id="{CDEE44F8-2987-4785-9125-D00DDD9E7A2D}"/>
+              </a:ext>
+            </a:extLst>
+          </p:cNvPr>
+          <p:cNvPicPr>
+            <a:picLocks noChangeAspect="1"/>
+          </p:cNvPicPr>
+          <p:nvPr/>
+        </p:nvPicPr>
+        <p:blipFill rotWithShape="1">
+          <a:blip r:embed="rId2">
+            <a:extLst>
+              <a:ext uri="{28A0092B-C50C-407E-A947-70E740481C1C}">
+                <a14:useLocalDpi xmlns:a14="http://schemas.microsoft.com/office/drawing/2010/main" val="0"/>
+              </a:ext>
+            </a:extLst>
+          </a:blip>
+          <a:srcRect t="24493"/>
+          <a:stretch/>
+        </p:blipFill>
+        <p:spPr>
+          <a:xfrm>
+            <a:off x="5234517" y="4930926"/>
+            <a:ext cx="1722966" cy="1389050"/>
+          </a:xfrm>
+          <a:prstGeom prst="rect">
+            <a:avLst/>
+          </a:prstGeom>
+        </p:spPr>
+      </p:pic>
+      <p:sp>
+        <p:nvSpPr>
+          <p:cNvPr id="14" name="Título 1">
+            <a:extLst>
+              <a:ext uri="{FF2B5EF4-FFF2-40B4-BE49-F238E27FC236}">
+                <a16:creationId xmlns:a16="http://schemas.microsoft.com/office/drawing/2014/main" id="{860C7529-F60C-42B4-B583-AE9F35AA3B14}"/>
+              </a:ext>
+            </a:extLst>
+          </p:cNvPr>
+          <p:cNvSpPr>
+            <a:spLocks noGrp="1"/>
+          </p:cNvSpPr>
+          <p:nvPr>
+            <p:ph type="title"/>
+          </p:nvPr>
+        </p:nvSpPr>
+        <p:spPr>
+          <a:xfrm>
+            <a:off x="0" y="373393"/>
+            <a:ext cx="12192000" cy="1325563"/>
+          </a:xfrm>
+        </p:spPr>
+        <p:txBody>
+          <a:bodyPr/>
+          <a:lstStyle/>
+          <a:p>
+            <a:pPr algn="ctr"/>
+            <a:r>
+              <a:rPr lang="pt-BR" sz="4000" dirty="0"/>
+              <a:t>EDITAL Nº 2, DE 15 DE JANEIRO DE 2015</a:t>
+            </a:r>
+          </a:p>
+        </p:txBody>
+      </p:sp>
+      <p:sp>
+        <p:nvSpPr>
+          <p:cNvPr id="13" name="CaixaDeTexto 12">
+            <a:extLst>
+              <a:ext uri="{FF2B5EF4-FFF2-40B4-BE49-F238E27FC236}">
+                <a16:creationId xmlns:a16="http://schemas.microsoft.com/office/drawing/2014/main" id="{E0323CF6-AFD0-4F86-BBC7-8C4DFAA731EA}"/>
+              </a:ext>
+            </a:extLst>
+          </p:cNvPr>
+          <p:cNvSpPr txBox="1"/>
+          <p:nvPr/>
+        </p:nvSpPr>
+        <p:spPr>
+          <a:xfrm>
+            <a:off x="876300" y="1885654"/>
+            <a:ext cx="10439400" cy="3139321"/>
+          </a:xfrm>
+          <a:prstGeom prst="rect">
+            <a:avLst/>
+          </a:prstGeom>
+          <a:noFill/>
+        </p:spPr>
+        <p:txBody>
+          <a:bodyPr wrap="square">
+            <a:spAutoFit/>
+          </a:bodyPr>
+          <a:lstStyle/>
+          <a:p>
+            <a:r>
+              <a:rPr lang="pt-BR" dirty="0"/>
+              <a:t>Após a publicação dos resultados, o médico deve se apresentar ao gestor municipal com o Termo de Adesão e Compromisso e documentos exigidos, conforme cronograma disponível online. </a:t>
+            </a:r>
+          </a:p>
+          <a:p>
+            <a:endParaRPr lang="pt-BR" dirty="0"/>
+          </a:p>
+          <a:p>
+            <a:r>
+              <a:rPr lang="pt-BR" dirty="0"/>
+              <a:t>O gestor municipal verifica a autenticidade dos documentos, acessa o SGP e valida a vaga. A confirmação da alocação do médico só ocorre após a validação. </a:t>
+            </a:r>
+          </a:p>
+          <a:p>
+            <a:endParaRPr lang="pt-BR" dirty="0"/>
+          </a:p>
+          <a:p>
+            <a:r>
+              <a:rPr lang="pt-BR" dirty="0"/>
+              <a:t>Caso o médico não compareça para validação dentro do prazo, será excluído da seleção, e a vaga será disponibilizada para a próxima chamada. </a:t>
+            </a:r>
+          </a:p>
+          <a:p>
+            <a:endParaRPr lang="pt-BR" dirty="0"/>
+          </a:p>
+          <a:p>
+            <a:r>
+              <a:rPr lang="pt-BR" dirty="0"/>
+              <a:t>O médico deve se apresentar no município para iniciar o aperfeiçoamento, momento em que o gestor municipal homologará a adesão no SGP.</a:t>
+            </a:r>
+          </a:p>
+        </p:txBody>
+      </p:sp>
     </p:spTree>
     <p:extLst>
       <p:ext uri="{BB962C8B-B14F-4D97-AF65-F5344CB8AC3E}">
-        <p14:creationId xmlns:p14="http://schemas.microsoft.com/office/powerpoint/2010/main" val="258047634"/>
+        <p14:creationId xmlns:p14="http://schemas.microsoft.com/office/powerpoint/2010/main" val="317950305"/>
       </p:ext>
     </p:extLst>
   </p:cSld>
@@ -12474,53 +14348,58 @@
           <a:chExt cx="0" cy="0"/>
         </a:xfrm>
       </p:grpSpPr>
-      <p:pic>
-        <p:nvPicPr>
-          <p:cNvPr id="2050" name="Picture 2">
-            <a:extLst>
-              <a:ext uri="{FF2B5EF4-FFF2-40B4-BE49-F238E27FC236}">
-                <a16:creationId xmlns:a16="http://schemas.microsoft.com/office/drawing/2014/main" id="{917B7366-C21A-41D0-9629-017CDE3B70CE}"/>
-              </a:ext>
-            </a:extLst>
-          </p:cNvPr>
-          <p:cNvPicPr>
-            <a:picLocks noChangeAspect="1" noChangeArrowheads="1"/>
-          </p:cNvPicPr>
+      <p:sp>
+        <p:nvSpPr>
+          <p:cNvPr id="7" name="Retângulo 6">
+            <a:extLst>
+              <a:ext uri="{FF2B5EF4-FFF2-40B4-BE49-F238E27FC236}">
+                <a16:creationId xmlns:a16="http://schemas.microsoft.com/office/drawing/2014/main" id="{5E0F7497-D302-4F68-8123-03414F2C6833}"/>
+              </a:ext>
+            </a:extLst>
+          </p:cNvPr>
+          <p:cNvSpPr/>
           <p:nvPr/>
-        </p:nvPicPr>
-        <p:blipFill>
-          <a:blip r:embed="rId2">
-            <a:extLst>
-              <a:ext uri="{28A0092B-C50C-407E-A947-70E740481C1C}">
-                <a14:useLocalDpi xmlns:a14="http://schemas.microsoft.com/office/drawing/2010/main" val="0"/>
-              </a:ext>
-            </a:extLst>
-          </a:blip>
-          <a:srcRect/>
-          <a:stretch>
-            <a:fillRect/>
-          </a:stretch>
-        </p:blipFill>
-        <p:spPr bwMode="auto">
-          <a:xfrm>
-            <a:off x="3500966" y="3480617"/>
-            <a:ext cx="5190067" cy="2862322"/>
+        </p:nvSpPr>
+        <p:spPr>
+          <a:xfrm>
+            <a:off x="1704975" y="2558111"/>
+            <a:ext cx="8905875" cy="2284821"/>
           </a:xfrm>
           <a:prstGeom prst="rect">
             <a:avLst/>
           </a:prstGeom>
-          <a:noFill/>
-          <a:extLst>
-            <a:ext uri="{909E8E84-426E-40DD-AFC4-6F175D3DCCD1}">
-              <a14:hiddenFill xmlns:a14="http://schemas.microsoft.com/office/drawing/2010/main">
-                <a:solidFill>
-                  <a:srgbClr val="FFFFFF"/>
-                </a:solidFill>
-              </a14:hiddenFill>
-            </a:ext>
-          </a:extLst>
-        </p:spPr>
-      </p:pic>
+          <a:solidFill>
+            <a:srgbClr val="67C7F2"/>
+          </a:solidFill>
+          <a:ln>
+            <a:noFill/>
+          </a:ln>
+        </p:spPr>
+        <p:style>
+          <a:lnRef idx="2">
+            <a:schemeClr val="accent1">
+              <a:shade val="50000"/>
+            </a:schemeClr>
+          </a:lnRef>
+          <a:fillRef idx="1">
+            <a:schemeClr val="accent1"/>
+          </a:fillRef>
+          <a:effectRef idx="0">
+            <a:schemeClr val="accent1"/>
+          </a:effectRef>
+          <a:fontRef idx="minor">
+            <a:schemeClr val="lt1"/>
+          </a:fontRef>
+        </p:style>
+        <p:txBody>
+          <a:bodyPr rtlCol="0" anchor="ctr"/>
+          <a:lstStyle/>
+          <a:p>
+            <a:pPr algn="ctr"/>
+            <a:endParaRPr lang="pt-BR" dirty="0"/>
+          </a:p>
+        </p:txBody>
+      </p:sp>
       <p:sp>
         <p:nvSpPr>
           <p:cNvPr id="2" name="Título 1">
@@ -12537,15 +14416,20 @@
             <p:ph type="title"/>
           </p:nvPr>
         </p:nvSpPr>
-        <p:spPr/>
+        <p:spPr>
+          <a:xfrm>
+            <a:off x="0" y="373393"/>
+            <a:ext cx="12192000" cy="1325563"/>
+          </a:xfrm>
+        </p:spPr>
         <p:txBody>
           <a:bodyPr/>
           <a:lstStyle/>
           <a:p>
             <a:pPr algn="ctr"/>
             <a:r>
-              <a:rPr lang="pt-BR" dirty="0"/>
-              <a:t>Programa Mais Médicos pelo Brasil</a:t>
+              <a:rPr lang="pt-BR" sz="4000" dirty="0"/>
+              <a:t>EDITAL Nº 12, DE 27 DE NOVEMBRO DE 2017</a:t>
             </a:r>
           </a:p>
         </p:txBody>
@@ -12582,10 +14466,10 @@
       </p:sp>
       <p:sp>
         <p:nvSpPr>
-          <p:cNvPr id="16" name="CaixaDeTexto 15">
-            <a:extLst>
-              <a:ext uri="{FF2B5EF4-FFF2-40B4-BE49-F238E27FC236}">
-                <a16:creationId xmlns:a16="http://schemas.microsoft.com/office/drawing/2014/main" id="{02AF37DB-B681-4C41-A8BD-3132AC01852C}"/>
+          <p:cNvPr id="6" name="CaixaDeTexto 5">
+            <a:extLst>
+              <a:ext uri="{FF2B5EF4-FFF2-40B4-BE49-F238E27FC236}">
+                <a16:creationId xmlns:a16="http://schemas.microsoft.com/office/drawing/2014/main" id="{51FA5D3E-0952-4ABF-9964-6524675A944A}"/>
               </a:ext>
             </a:extLst>
           </p:cNvPr>
@@ -12594,8 +14478,8 @@
         </p:nvSpPr>
         <p:spPr>
           <a:xfrm>
-            <a:off x="669087" y="1426394"/>
-            <a:ext cx="10853826" cy="2585323"/>
+            <a:off x="956732" y="1036174"/>
+            <a:ext cx="10278533" cy="1477328"/>
           </a:xfrm>
           <a:prstGeom prst="rect">
             <a:avLst/>
@@ -12608,109 +14492,27 @@
           </a:bodyPr>
           <a:lstStyle/>
           <a:p>
-            <a:pPr algn="ctr" rtl="0">
-              <a:spcBef>
-                <a:spcPts val="0"/>
-              </a:spcBef>
-              <a:spcAft>
-                <a:spcPts val="0"/>
-              </a:spcAft>
-            </a:pPr>
-            <a:r>
-              <a:rPr lang="pt-BR" sz="1800" b="0" i="0" u="none" strike="noStrike" dirty="0">
-                <a:solidFill>
-                  <a:srgbClr val="000000"/>
-                </a:solidFill>
-                <a:effectLst/>
-                <a:latin typeface="Arial" panose="020B0604020202020204" pitchFamily="34" charset="0"/>
-              </a:rPr>
-              <a:t>Em dezembro de 2019, a Lei Nº 13.958 (Programa Mais Médicos pelo Brasil) alterou a Lei Nº 12.871 de 2013, para permitir a </a:t>
-            </a:r>
-            <a:r>
-              <a:rPr lang="pt-BR" sz="1800" b="1" i="0" u="none" strike="noStrike" dirty="0">
-                <a:solidFill>
-                  <a:srgbClr val="000000"/>
-                </a:solidFill>
-                <a:effectLst/>
-                <a:latin typeface="Arial" panose="020B0604020202020204" pitchFamily="34" charset="0"/>
-              </a:rPr>
-              <a:t>reincorporação, por dois anos (improrrogável), de médicos intercambistas do Projeto Mais Médicos</a:t>
-            </a:r>
-            <a:r>
-              <a:rPr lang="pt-BR" sz="1800" b="0" i="0" u="none" strike="noStrike" dirty="0">
-                <a:solidFill>
-                  <a:srgbClr val="000000"/>
-                </a:solidFill>
-                <a:effectLst/>
-                <a:latin typeface="Arial" panose="020B0604020202020204" pitchFamily="34" charset="0"/>
-              </a:rPr>
-              <a:t> que atendam aos seguintes requisitos: estarem atuando no projeto em </a:t>
-            </a:r>
-            <a:r>
-              <a:rPr lang="pt-BR" sz="1800" b="1" i="0" u="none" strike="noStrike" dirty="0">
-                <a:solidFill>
-                  <a:srgbClr val="000000"/>
-                </a:solidFill>
-                <a:effectLst/>
-                <a:latin typeface="Arial" panose="020B0604020202020204" pitchFamily="34" charset="0"/>
-              </a:rPr>
-              <a:t>13 de novembro de 2018</a:t>
-            </a:r>
-            <a:r>
-              <a:rPr lang="pt-BR" sz="1800" b="0" i="0" u="none" strike="noStrike" dirty="0">
-                <a:solidFill>
-                  <a:srgbClr val="000000"/>
-                </a:solidFill>
-                <a:effectLst/>
-                <a:latin typeface="Arial" panose="020B0604020202020204" pitchFamily="34" charset="0"/>
-              </a:rPr>
-              <a:t>, terem sido desligados devido ao fim do acordo entre Brasil e Cuba, e terem </a:t>
-            </a:r>
-            <a:r>
-              <a:rPr lang="pt-BR" sz="1800" b="1" i="0" u="none" strike="noStrike" dirty="0">
-                <a:solidFill>
-                  <a:srgbClr val="000000"/>
-                </a:solidFill>
-                <a:effectLst/>
-                <a:latin typeface="Arial" panose="020B0604020202020204" pitchFamily="34" charset="0"/>
-              </a:rPr>
-              <a:t>permanecido no Brasil até 1º de agosto de 2019 como naturalizados, residentes ou com pedido de refúgio</a:t>
-            </a:r>
-            <a:r>
-              <a:rPr lang="pt-BR" sz="1800" b="0" i="0" u="none" strike="noStrike" dirty="0">
-                <a:solidFill>
-                  <a:srgbClr val="000000"/>
-                </a:solidFill>
-                <a:effectLst/>
-                <a:latin typeface="Arial" panose="020B0604020202020204" pitchFamily="34" charset="0"/>
-              </a:rPr>
-              <a:t>.</a:t>
-            </a:r>
-            <a:endParaRPr lang="pt-BR" b="0" dirty="0">
-              <a:effectLst/>
-            </a:endParaRPr>
-          </a:p>
-          <a:p>
-            <a:br>
-              <a:rPr lang="pt-BR" b="0" dirty="0">
-                <a:effectLst/>
-              </a:rPr>
-            </a:br>
-            <a:br>
-              <a:rPr lang="pt-BR" b="0" dirty="0">
-                <a:effectLst/>
-              </a:rPr>
-            </a:br>
-            <a:endParaRPr lang="pt-BR" dirty="0"/>
+            <a:pPr algn="ctr"/>
+            <a:r>
+              <a:rPr lang="pt-BR" dirty="0"/>
+              <a:t>O edital visa convocar médicos formados no Brasil e no exterior, conforme a Lei nº 12.871/2013 e a Portaria Interministerial nº 1.369/MS/MEC/2013, para adesão ao Projeto Mais Médicos. O objetivo é aperfeiçoar médicos na atenção básica em regiões prioritárias do SUS, oferecendo curso de especialização por instituição pública e atividades de ensino, pesquisa e extensão, com componente assistencial integrado.</a:t>
+            </a:r>
+          </a:p>
+          <a:p>
+            <a:pPr algn="ctr"/>
+            <a:r>
+              <a:rPr lang="pt-BR" dirty="0"/>
+              <a:t>Vigência de 3 anos.</a:t>
+            </a:r>
           </a:p>
         </p:txBody>
       </p:sp>
       <p:sp>
         <p:nvSpPr>
-          <p:cNvPr id="19" name="CaixaDeTexto 18">
-            <a:extLst>
-              <a:ext uri="{FF2B5EF4-FFF2-40B4-BE49-F238E27FC236}">
-                <a16:creationId xmlns:a16="http://schemas.microsoft.com/office/drawing/2014/main" id="{6A3144A0-0FCA-4AFD-968A-3429775EF61A}"/>
+          <p:cNvPr id="9" name="CaixaDeTexto 8">
+            <a:extLst>
+              <a:ext uri="{FF2B5EF4-FFF2-40B4-BE49-F238E27FC236}">
+                <a16:creationId xmlns:a16="http://schemas.microsoft.com/office/drawing/2014/main" id="{A32DB5FD-E24E-4C04-851E-C1CA2DE45BC8}"/>
               </a:ext>
             </a:extLst>
           </p:cNvPr>
@@ -12719,8 +14521,8 @@
         </p:nvSpPr>
         <p:spPr>
           <a:xfrm>
-            <a:off x="419100" y="6399510"/>
-            <a:ext cx="11468100" cy="461665"/>
+            <a:off x="1838322" y="2558112"/>
+            <a:ext cx="8905875" cy="2585323"/>
           </a:xfrm>
           <a:prstGeom prst="rect">
             <a:avLst/>
@@ -12733,77 +14535,191 @@
           </a:bodyPr>
           <a:lstStyle/>
           <a:p>
-            <a:pPr rtl="0">
-              <a:spcBef>
-                <a:spcPts val="0"/>
-              </a:spcBef>
-              <a:spcAft>
-                <a:spcPts val="0"/>
-              </a:spcAft>
-            </a:pPr>
-            <a:r>
-              <a:rPr lang="pt-BR" sz="1200" b="0" i="0" u="none" strike="noStrike" dirty="0">
-                <a:solidFill>
-                  <a:srgbClr val="FFFFFF"/>
-                </a:solidFill>
-                <a:effectLst/>
-                <a:latin typeface="Avenir"/>
-              </a:rPr>
-              <a:t>¹ </a:t>
-            </a:r>
-            <a:r>
-              <a:rPr lang="pt-BR" sz="1200" b="0" i="0" u="sng" strike="noStrike" dirty="0">
+            <a:r>
+              <a:rPr lang="pt-BR" b="1" dirty="0">
                 <a:solidFill>
                   <a:schemeClr val="bg1"/>
                 </a:solidFill>
-                <a:effectLst/>
-                <a:latin typeface="Avenir"/>
-                <a:hlinkClick r:id="rId3">
-                  <a:extLst>
-                    <a:ext uri="{A12FA001-AC4F-418D-AE19-62706E023703}">
-                      <ahyp:hlinkClr xmlns:ahyp="http://schemas.microsoft.com/office/drawing/2018/hyperlinkcolor" val="tx"/>
-                    </a:ext>
-                  </a:extLst>
-                </a:hlinkClick>
               </a:rPr>
-              <a:t>https://www12.senado.leg.br/noticias/materias/2019/12/19/publicada-no-diario-oficial-lei-que-cria-o-medicos-pelo-brasil</a:t>
-            </a:r>
-            <a:endParaRPr lang="pt-BR" sz="1200" b="0" dirty="0">
+              <a:t>a) Médicos formados em instituições de educação superior brasileiras ou com diploma revalidado no País; e</a:t>
+            </a:r>
+          </a:p>
+          <a:p>
+            <a:endParaRPr lang="pt-BR" b="1" dirty="0">
               <a:solidFill>
                 <a:schemeClr val="bg1"/>
               </a:solidFill>
-              <a:effectLst/>
             </a:endParaRPr>
           </a:p>
           <a:p>
-            <a:pPr rtl="0">
-              <a:spcBef>
-                <a:spcPts val="0"/>
-              </a:spcBef>
-              <a:spcAft>
-                <a:spcPts val="0"/>
-              </a:spcAft>
-            </a:pPr>
-            <a:r>
-              <a:rPr lang="pt-BR" sz="1200" b="0" i="0" u="none" strike="noStrike" dirty="0">
+            <a:r>
+              <a:rPr lang="pt-BR" b="1" dirty="0">
                 <a:solidFill>
-                  <a:srgbClr val="FFFFFF"/>
+                  <a:schemeClr val="bg1"/>
                 </a:solidFill>
-                <a:effectLst/>
-                <a:latin typeface="Avenir"/>
               </a:rPr>
-              <a:t>Foto: Marcos Correa/PR</a:t>
-            </a:r>
-            <a:endParaRPr lang="pt-BR" sz="1200" b="0" dirty="0">
-              <a:effectLst/>
+              <a:t>b) Médicos brasileiros formados em instituições estrangeiras com habilitação para exercício da Medicina no exterior.</a:t>
+            </a:r>
+          </a:p>
+          <a:p>
+            <a:endParaRPr lang="pt-BR" b="1" dirty="0">
+              <a:solidFill>
+                <a:schemeClr val="bg1"/>
+              </a:solidFill>
+            </a:endParaRPr>
+          </a:p>
+          <a:p>
+            <a:r>
+              <a:rPr lang="pt-BR" b="1" dirty="0">
+                <a:solidFill>
+                  <a:schemeClr val="bg1"/>
+                </a:solidFill>
+              </a:rPr>
+              <a:t>*A seleção poderá contar com até 2 (duas) fases, caso haja vagas remanescentes, observada a ordem de prioridade estabelecida.</a:t>
+            </a:r>
+          </a:p>
+          <a:p>
+            <a:endParaRPr lang="pt-BR" b="1" dirty="0">
+              <a:solidFill>
+                <a:schemeClr val="bg1"/>
+              </a:solidFill>
             </a:endParaRPr>
           </a:p>
         </p:txBody>
       </p:sp>
+      <p:grpSp>
+        <p:nvGrpSpPr>
+          <p:cNvPr id="8" name="Agrupar 7">
+            <a:extLst>
+              <a:ext uri="{FF2B5EF4-FFF2-40B4-BE49-F238E27FC236}">
+                <a16:creationId xmlns:a16="http://schemas.microsoft.com/office/drawing/2014/main" id="{20C8FD87-9129-41A3-893A-92E263044FB3}"/>
+              </a:ext>
+            </a:extLst>
+          </p:cNvPr>
+          <p:cNvGrpSpPr/>
+          <p:nvPr/>
+        </p:nvGrpSpPr>
+        <p:grpSpPr>
+          <a:xfrm>
+            <a:off x="4169832" y="4842932"/>
+            <a:ext cx="3852331" cy="1515533"/>
+            <a:chOff x="4169833" y="4742814"/>
+            <a:chExt cx="3852331" cy="1515533"/>
+          </a:xfrm>
+        </p:grpSpPr>
+        <p:pic>
+          <p:nvPicPr>
+            <p:cNvPr id="10" name="Imagem 9">
+              <a:extLst>
+                <a:ext uri="{FF2B5EF4-FFF2-40B4-BE49-F238E27FC236}">
+                  <a16:creationId xmlns:a16="http://schemas.microsoft.com/office/drawing/2014/main" id="{D38285D6-E03E-449F-BD3F-1BA85663B79C}"/>
+                </a:ext>
+              </a:extLst>
+            </p:cNvPr>
+            <p:cNvPicPr>
+              <a:picLocks noChangeAspect="1"/>
+            </p:cNvPicPr>
+            <p:nvPr/>
+          </p:nvPicPr>
+          <p:blipFill>
+            <a:blip r:embed="rId2" cstate="print">
+              <a:extLst>
+                <a:ext uri="{28A0092B-C50C-407E-A947-70E740481C1C}">
+                  <a14:useLocalDpi xmlns:a14="http://schemas.microsoft.com/office/drawing/2010/main" val="0"/>
+                </a:ext>
+              </a:extLst>
+            </a:blip>
+            <a:stretch>
+              <a:fillRect/>
+            </a:stretch>
+          </p:blipFill>
+          <p:spPr>
+            <a:xfrm>
+              <a:off x="5338232" y="4742814"/>
+              <a:ext cx="1515533" cy="1515533"/>
+            </a:xfrm>
+            <a:prstGeom prst="rect">
+              <a:avLst/>
+            </a:prstGeom>
+          </p:spPr>
+        </p:pic>
+        <p:pic>
+          <p:nvPicPr>
+            <p:cNvPr id="11" name="Imagem 10">
+              <a:extLst>
+                <a:ext uri="{FF2B5EF4-FFF2-40B4-BE49-F238E27FC236}">
+                  <a16:creationId xmlns:a16="http://schemas.microsoft.com/office/drawing/2014/main" id="{C8C263AA-3357-42E9-AB09-1038789A080A}"/>
+                </a:ext>
+              </a:extLst>
+            </p:cNvPr>
+            <p:cNvPicPr>
+              <a:picLocks noChangeAspect="1"/>
+            </p:cNvPicPr>
+            <p:nvPr/>
+          </p:nvPicPr>
+          <p:blipFill>
+            <a:blip r:embed="rId3" cstate="print">
+              <a:extLst>
+                <a:ext uri="{28A0092B-C50C-407E-A947-70E740481C1C}">
+                  <a14:useLocalDpi xmlns:a14="http://schemas.microsoft.com/office/drawing/2010/main" val="0"/>
+                </a:ext>
+              </a:extLst>
+            </a:blip>
+            <a:stretch>
+              <a:fillRect/>
+            </a:stretch>
+          </p:blipFill>
+          <p:spPr>
+            <a:xfrm>
+              <a:off x="4169833" y="4953632"/>
+              <a:ext cx="1093895" cy="1093895"/>
+            </a:xfrm>
+            <a:prstGeom prst="rect">
+              <a:avLst/>
+            </a:prstGeom>
+          </p:spPr>
+        </p:pic>
+        <p:pic>
+          <p:nvPicPr>
+            <p:cNvPr id="12" name="Imagem 11">
+              <a:extLst>
+                <a:ext uri="{FF2B5EF4-FFF2-40B4-BE49-F238E27FC236}">
+                  <a16:creationId xmlns:a16="http://schemas.microsoft.com/office/drawing/2014/main" id="{776B900F-9AF8-4328-A691-7147F27F0483}"/>
+                </a:ext>
+              </a:extLst>
+            </p:cNvPr>
+            <p:cNvPicPr>
+              <a:picLocks noChangeAspect="1"/>
+            </p:cNvPicPr>
+            <p:nvPr/>
+          </p:nvPicPr>
+          <p:blipFill>
+            <a:blip r:embed="rId3" cstate="print">
+              <a:extLst>
+                <a:ext uri="{28A0092B-C50C-407E-A947-70E740481C1C}">
+                  <a14:useLocalDpi xmlns:a14="http://schemas.microsoft.com/office/drawing/2010/main" val="0"/>
+                </a:ext>
+              </a:extLst>
+            </a:blip>
+            <a:stretch>
+              <a:fillRect/>
+            </a:stretch>
+          </p:blipFill>
+          <p:spPr>
+            <a:xfrm>
+              <a:off x="6928269" y="4953632"/>
+              <a:ext cx="1093895" cy="1093895"/>
+            </a:xfrm>
+            <a:prstGeom prst="rect">
+              <a:avLst/>
+            </a:prstGeom>
+          </p:spPr>
+        </p:pic>
+      </p:grpSp>
     </p:spTree>
     <p:extLst>
       <p:ext uri="{BB962C8B-B14F-4D97-AF65-F5344CB8AC3E}">
-        <p14:creationId xmlns:p14="http://schemas.microsoft.com/office/powerpoint/2010/main" val="860441776"/>
+        <p14:creationId xmlns:p14="http://schemas.microsoft.com/office/powerpoint/2010/main" val="1876136348"/>
       </p:ext>
     </p:extLst>
   </p:cSld>
